--- a/raw socket & libpcap & icmp.pptx
+++ b/raw socket & libpcap & icmp.pptx
@@ -18,14 +18,14 @@
     <p:sldId id="265" r:id="rId9"/>
     <p:sldId id="258" r:id="rId10"/>
     <p:sldId id="266" r:id="rId11"/>
-    <p:sldId id="267" r:id="rId12"/>
-    <p:sldId id="268" r:id="rId13"/>
-    <p:sldId id="269" r:id="rId14"/>
-    <p:sldId id="270" r:id="rId15"/>
-    <p:sldId id="271" r:id="rId16"/>
-    <p:sldId id="275" r:id="rId17"/>
-    <p:sldId id="273" r:id="rId18"/>
-    <p:sldId id="274" r:id="rId19"/>
+    <p:sldId id="275" r:id="rId12"/>
+    <p:sldId id="267" r:id="rId13"/>
+    <p:sldId id="270" r:id="rId14"/>
+    <p:sldId id="271" r:id="rId15"/>
+    <p:sldId id="268" r:id="rId16"/>
+    <p:sldId id="269" r:id="rId17"/>
+    <p:sldId id="274" r:id="rId18"/>
+    <p:sldId id="273" r:id="rId19"/>
     <p:sldId id="264" r:id="rId20"/>
   </p:sldIdLst>
   <p:sldSz cx="12192000" cy="6858000"/>
@@ -215,7 +215,7 @@
           <a:p>
             <a:fld id="{AF8E52BD-695E-44A2-AB0A-5B021781A95B}" type="datetimeFigureOut">
               <a:rPr lang="en-US" smtClean="0"/>
-              <a:t>7/26/2019</a:t>
+              <a:t>2019-08-03</a:t>
             </a:fld>
             <a:endParaRPr lang="en-US"/>
           </a:p>
@@ -529,75 +529,105 @@
             <a:pPr algn="r" rtl="1"/>
             <a:r>
               <a:rPr lang="he-IL" dirty="0"/>
-              <a:t>עשוי להגיע מה-</a:t>
+              <a:t>ה-</a:t>
             </a:r>
             <a:r>
               <a:rPr lang="en-US" dirty="0"/>
-              <a:t>gateway</a:t>
+              <a:t>data</a:t>
             </a:r>
             <a:r>
               <a:rPr lang="he-IL" dirty="0"/>
-              <a:t> אם הוא מזהה שהיעד לא ברשת, או משרת היעד עצמו אם הוא לא מסוגל לשלוח חזרה הודעות (לדוגמא, פורט לא פעיל).</a:t>
-            </a:r>
+              <a:t> שנשלח ב-</a:t>
+            </a:r>
+            <a:r>
+              <a:rPr lang="en-US" dirty="0"/>
+              <a:t>echo</a:t>
+            </a:r>
+            <a:r>
+              <a:rPr lang="he-IL" dirty="0"/>
+              <a:t> חייב להיות מוחזר ב-</a:t>
+            </a:r>
+            <a:r>
+              <a:rPr lang="en-US" dirty="0"/>
+              <a:t>echo reply</a:t>
+            </a:r>
+            <a:br>
+              <a:rPr lang="en-US" dirty="0"/>
+            </a:br>
+            <a:endParaRPr lang="he-IL" dirty="0"/>
           </a:p>
           <a:p>
             <a:pPr algn="r" rtl="1"/>
             <a:r>
+              <a:rPr lang="en-US" dirty="0"/>
+              <a:t>Identifier</a:t>
+            </a:r>
+            <a:r>
               <a:rPr lang="he-IL" dirty="0"/>
-              <a:t>מקרה נוסף – </a:t>
-            </a:r>
-            <a:r>
-              <a:rPr lang="he-IL" dirty="0" err="1"/>
-              <a:t>כשהפקטה</a:t>
+              <a:t> ו-</a:t>
+            </a:r>
+            <a:r>
+              <a:rPr lang="en-US" dirty="0"/>
+              <a:t>sequence</a:t>
             </a:r>
             <a:r>
               <a:rPr lang="he-IL" dirty="0"/>
-              <a:t> היא </a:t>
-            </a:r>
-            <a:r>
-              <a:rPr lang="en-US" dirty="0" err="1"/>
-              <a:t>fragmanted</a:t>
+              <a:t> = נועדו לעזור למקבל להתאים בין </a:t>
+            </a:r>
+            <a:r>
+              <a:rPr lang="en-US" dirty="0"/>
+              <a:t>echo</a:t>
             </a:r>
             <a:r>
               <a:rPr lang="he-IL" dirty="0"/>
-              <a:t> אבל הפלאג של </a:t>
+              <a:t> ל-</a:t>
             </a:r>
             <a:r>
               <a:rPr lang="en-US" dirty="0"/>
-              <a:t>Don’t Fragment</a:t>
+              <a:t>reply</a:t>
             </a:r>
             <a:r>
               <a:rPr lang="he-IL" dirty="0"/>
-              <a:t> דולק – ה</a:t>
+              <a:t>. </a:t>
+            </a:r>
+          </a:p>
+          <a:p>
+            <a:pPr algn="r" rtl="1"/>
+            <a:r>
+              <a:rPr lang="he-IL" dirty="0"/>
+              <a:t>למשל, </a:t>
             </a:r>
             <a:r>
               <a:rPr lang="en-US" dirty="0"/>
-              <a:t>gateway</a:t>
+              <a:t>identifier</a:t>
             </a:r>
             <a:r>
               <a:rPr lang="he-IL" dirty="0"/>
-              <a:t> יהיה חייב להחזיר </a:t>
+              <a:t> שיהיה כמו פורט ו-</a:t>
             </a:r>
             <a:r>
               <a:rPr lang="en-US" dirty="0"/>
-              <a:t>destination unreachable</a:t>
+              <a:t>sequence</a:t>
             </a:r>
             <a:r>
               <a:rPr lang="he-IL" dirty="0"/>
-              <a:t>.</a:t>
+              <a:t> שיעלה ב-1 עם כל בקשת </a:t>
+            </a:r>
+            <a:r>
+              <a:rPr lang="en-US" dirty="0"/>
+              <a:t>echo</a:t>
+            </a:r>
+            <a:r>
+              <a:rPr lang="he-IL" dirty="0"/>
+              <a:t> שנשלחה.</a:t>
             </a:r>
           </a:p>
           <a:p>
             <a:pPr algn="r" rtl="1"/>
-            <a:endParaRPr lang="he-IL" dirty="0"/>
-          </a:p>
-          <a:p>
-            <a:pPr algn="r" rtl="1"/>
-            <a:r>
-              <a:rPr lang="en-US" dirty="0"/>
-              <a:t>Codes 0, 1, 4, and 5 may be received from a gateway. Codes 2 and 3 may be received from a host.</a:t>
-            </a:r>
-            <a:endParaRPr lang="he-IL" dirty="0"/>
+            <a:r>
+              <a:rPr lang="he-IL" dirty="0"/>
+              <a:t>המחשב שעונה מחזיר את אותם הערכים כמו השולח.</a:t>
+            </a:r>
           </a:p>
           <a:p>
             <a:pPr algn="r" rtl="1"/>
@@ -631,7 +661,7 @@
     </p:spTree>
     <p:extLst>
       <p:ext uri="{BB962C8B-B14F-4D97-AF65-F5344CB8AC3E}">
-        <p14:creationId xmlns:p14="http://schemas.microsoft.com/office/powerpoint/2010/main" val="2684915426"/>
+        <p14:creationId xmlns:p14="http://schemas.microsoft.com/office/powerpoint/2010/main" val="3692536669"/>
       </p:ext>
     </p:extLst>
   </p:cSld>
@@ -688,15 +718,7 @@
             <a:pPr algn="r" rtl="1"/>
             <a:r>
               <a:rPr lang="he-IL" dirty="0"/>
-              <a:t>0 – נגמר ה-</a:t>
-            </a:r>
-            <a:r>
-              <a:rPr lang="en-US" dirty="0"/>
-              <a:t>TTL</a:t>
-            </a:r>
-            <a:r>
-              <a:rPr lang="he-IL" dirty="0"/>
-              <a:t> (מתגלה ע"י ה-</a:t>
+              <a:t>עשוי להגיע מה-</a:t>
             </a:r>
             <a:r>
               <a:rPr lang="en-US" dirty="0"/>
@@ -704,23 +726,70 @@
             </a:r>
             <a:r>
               <a:rPr lang="he-IL" dirty="0"/>
-              <a:t>).</a:t>
+              <a:t> אם הוא מזהה שהיעד לא ברשת, או משרת היעד עצמו אם הוא לא מסוגל לשלוח חזרה הודעות (לדוגמא, פורט לא פעיל).</a:t>
             </a:r>
           </a:p>
           <a:p>
             <a:pPr algn="r" rtl="1"/>
             <a:r>
               <a:rPr lang="he-IL" dirty="0"/>
-              <a:t>1 – לא התקבלו ב-</a:t>
+              <a:t>מקרה נוסף – </a:t>
+            </a:r>
+            <a:r>
+              <a:rPr lang="he-IL" dirty="0" err="1"/>
+              <a:t>כשהפקטה</a:t>
+            </a:r>
+            <a:r>
+              <a:rPr lang="he-IL" dirty="0"/>
+              <a:t> היא </a:t>
+            </a:r>
+            <a:r>
+              <a:rPr lang="en-US" dirty="0" err="1"/>
+              <a:t>fragmanted</a:t>
+            </a:r>
+            <a:r>
+              <a:rPr lang="he-IL" dirty="0"/>
+              <a:t> אבל הפלאג של </a:t>
             </a:r>
             <a:r>
               <a:rPr lang="en-US" dirty="0"/>
-              <a:t>host</a:t>
+              <a:t>Don’t Fragment</a:t>
             </a:r>
             <a:r>
               <a:rPr lang="he-IL" dirty="0"/>
-              <a:t> כל הפרגמנטים שהיו אמורים להגיע.</a:t>
-            </a:r>
+              <a:t> דולק – ה</a:t>
+            </a:r>
+            <a:r>
+              <a:rPr lang="en-US" dirty="0"/>
+              <a:t>gateway</a:t>
+            </a:r>
+            <a:r>
+              <a:rPr lang="he-IL" dirty="0"/>
+              <a:t> יהיה חייב להחזיר </a:t>
+            </a:r>
+            <a:r>
+              <a:rPr lang="en-US" dirty="0"/>
+              <a:t>destination unreachable</a:t>
+            </a:r>
+            <a:r>
+              <a:rPr lang="he-IL" dirty="0"/>
+              <a:t>.</a:t>
+            </a:r>
+          </a:p>
+          <a:p>
+            <a:pPr algn="r" rtl="1"/>
+            <a:endParaRPr lang="he-IL" dirty="0"/>
+          </a:p>
+          <a:p>
+            <a:pPr algn="r" rtl="1"/>
+            <a:r>
+              <a:rPr lang="en-US" dirty="0"/>
+              <a:t>Codes 0, 1, 4, and 5 may be received from a gateway. Codes 2 and 3 may be received from a host.</a:t>
+            </a:r>
+            <a:endParaRPr lang="he-IL" dirty="0"/>
+          </a:p>
+          <a:p>
+            <a:pPr algn="r" rtl="1"/>
             <a:endParaRPr lang="en-US" dirty="0"/>
           </a:p>
         </p:txBody>
@@ -751,7 +820,7 @@
     </p:spTree>
     <p:extLst>
       <p:ext uri="{BB962C8B-B14F-4D97-AF65-F5344CB8AC3E}">
-        <p14:creationId xmlns:p14="http://schemas.microsoft.com/office/powerpoint/2010/main" val="11729879"/>
+        <p14:creationId xmlns:p14="http://schemas.microsoft.com/office/powerpoint/2010/main" val="2684915426"/>
       </p:ext>
     </p:extLst>
   </p:cSld>
@@ -807,20 +876,46 @@
           <a:p>
             <a:pPr algn="r" rtl="1"/>
             <a:r>
-              <a:rPr lang="en-US" dirty="0"/>
-              <a:t>Pointer</a:t>
-            </a:r>
-            <a:r>
               <a:rPr lang="he-IL" dirty="0"/>
-              <a:t> = אם הקוד היה 0, זה מציין את המיקום של השגיאה </a:t>
-            </a:r>
-            <a:r>
-              <a:rPr lang="he-IL" dirty="0" err="1"/>
-              <a:t>בפקטה</a:t>
-            </a:r>
-            <a:r>
-              <a:rPr lang="he-IL" dirty="0"/>
-              <a:t> שנשלחה.</a:t>
+              <a:t>בקשה להאטה בקצב השידור</a:t>
+            </a:r>
+          </a:p>
+          <a:p>
+            <a:pPr algn="r" rtl="1"/>
+            <a:r>
+              <a:rPr lang="he-IL" baseline="0" dirty="0"/>
+              <a:t>יכול להישלח </a:t>
+            </a:r>
+            <a:r>
+              <a:rPr lang="he-IL" baseline="0" dirty="0" err="1"/>
+              <a:t>מראוטר</a:t>
+            </a:r>
+            <a:r>
+              <a:rPr lang="he-IL" baseline="0" dirty="0"/>
+              <a:t> שמבאפר תעבורה ולא עומד בקצב/מ</a:t>
+            </a:r>
+            <a:r>
+              <a:rPr lang="en-US" baseline="0" dirty="0"/>
+              <a:t>host</a:t>
+            </a:r>
+            <a:r>
+              <a:rPr lang="he-IL" baseline="0" dirty="0"/>
+              <a:t> שמקבל תעבורה.</a:t>
+            </a:r>
+          </a:p>
+          <a:p>
+            <a:pPr algn="r" rtl="1"/>
+            <a:r>
+              <a:rPr lang="he-IL" baseline="0" dirty="0"/>
+              <a:t>אפשר לשלוח את הבקשה הזאת לפני שנגמר המקום בחלון הקבלה ולפני שמתחילים להפיל </a:t>
+            </a:r>
+            <a:r>
+              <a:rPr lang="he-IL" baseline="0" dirty="0" err="1"/>
+              <a:t>פקטות</a:t>
+            </a:r>
+            <a:r>
+              <a:rPr lang="he-IL" baseline="0" dirty="0"/>
+              <a:t>.</a:t>
             </a:r>
             <a:endParaRPr lang="en-US" dirty="0"/>
           </a:p>
@@ -852,7 +947,7 @@
     </p:spTree>
     <p:extLst>
       <p:ext uri="{BB962C8B-B14F-4D97-AF65-F5344CB8AC3E}">
-        <p14:creationId xmlns:p14="http://schemas.microsoft.com/office/powerpoint/2010/main" val="2335080506"/>
+        <p14:creationId xmlns:p14="http://schemas.microsoft.com/office/powerpoint/2010/main" val="488932342"/>
       </p:ext>
     </p:extLst>
   </p:cSld>
@@ -908,42 +1003,154 @@
           <a:p>
             <a:pPr algn="r" rtl="1"/>
             <a:r>
+              <a:rPr lang="he-IL" dirty="0" err="1"/>
+              <a:t>ראוטר</a:t>
+            </a:r>
+            <a:r>
               <a:rPr lang="he-IL" dirty="0"/>
-              <a:t>בקשה להאטה בקצב השידור</a:t>
+              <a:t> (</a:t>
+            </a:r>
+            <a:r>
+              <a:rPr lang="en-US" dirty="0"/>
+              <a:t>G1</a:t>
+            </a:r>
+            <a:r>
+              <a:rPr lang="he-IL" dirty="0"/>
+              <a:t>) מקבל </a:t>
+            </a:r>
+            <a:r>
+              <a:rPr lang="he-IL" dirty="0" err="1"/>
+              <a:t>פקטה</a:t>
+            </a:r>
+            <a:r>
+              <a:rPr lang="he-IL" dirty="0"/>
+              <a:t> ובודק</a:t>
+            </a:r>
+            <a:r>
+              <a:rPr lang="he-IL" baseline="0" dirty="0"/>
+              <a:t> לאן לפי ה</a:t>
+            </a:r>
+            <a:r>
+              <a:rPr lang="en-US" baseline="0" dirty="0"/>
+              <a:t>route table</a:t>
+            </a:r>
+            <a:r>
+              <a:rPr lang="he-IL" baseline="0" dirty="0"/>
+              <a:t> שלו הוא צריך לשלוח אותה (נניח </a:t>
+            </a:r>
+            <a:r>
+              <a:rPr lang="en-US" baseline="0" dirty="0"/>
+              <a:t>G2</a:t>
+            </a:r>
+            <a:r>
+              <a:rPr lang="he-IL" baseline="0" dirty="0"/>
+              <a:t>).</a:t>
             </a:r>
           </a:p>
           <a:p>
             <a:pPr algn="r" rtl="1"/>
             <a:r>
               <a:rPr lang="he-IL" baseline="0" dirty="0"/>
-              <a:t>יכול להישלח </a:t>
+              <a:t>אם </a:t>
+            </a:r>
+            <a:r>
+              <a:rPr lang="en-US" baseline="0" dirty="0"/>
+              <a:t>G2</a:t>
+            </a:r>
+            <a:r>
+              <a:rPr lang="he-IL" baseline="0" dirty="0"/>
+              <a:t> באותה רשת עם ה</a:t>
+            </a:r>
+            <a:r>
+              <a:rPr lang="en-US" baseline="0" dirty="0"/>
+              <a:t>sender</a:t>
+            </a:r>
+            <a:r>
+              <a:rPr lang="he-IL" baseline="0" dirty="0"/>
+              <a:t> אז </a:t>
             </a:r>
             <a:r>
               <a:rPr lang="he-IL" baseline="0" dirty="0" err="1"/>
-              <a:t>מראוטר</a:t>
+              <a:t>הראוטר</a:t>
             </a:r>
             <a:r>
               <a:rPr lang="he-IL" baseline="0" dirty="0"/>
-              <a:t> שמבאפר תעבורה ולא עומד בקצב/מ</a:t>
+              <a:t> שולח ל</a:t>
             </a:r>
             <a:r>
               <a:rPr lang="en-US" baseline="0" dirty="0"/>
-              <a:t>host</a:t>
+              <a:t>sender</a:t>
             </a:r>
             <a:r>
               <a:rPr lang="he-IL" baseline="0" dirty="0"/>
-              <a:t> שמקבל תעבורה.</a:t>
+              <a:t> את ה</a:t>
+            </a:r>
+            <a:r>
+              <a:rPr lang="en-US" baseline="0" dirty="0" err="1"/>
+              <a:t>rediret</a:t>
+            </a:r>
+            <a:r>
+              <a:rPr lang="en-US" baseline="0" dirty="0"/>
+              <a:t> message</a:t>
+            </a:r>
+            <a:r>
+              <a:rPr lang="he-IL" baseline="0" dirty="0"/>
+              <a:t> שאומר לו שיותר מהר לשלוח ל</a:t>
+            </a:r>
+            <a:r>
+              <a:rPr lang="en-US" baseline="0" dirty="0"/>
+              <a:t>G2</a:t>
+            </a:r>
+            <a:r>
+              <a:rPr lang="he-IL" baseline="0" dirty="0"/>
+              <a:t>.</a:t>
             </a:r>
           </a:p>
           <a:p>
             <a:pPr algn="r" rtl="1"/>
+            <a:endParaRPr lang="he-IL" baseline="0" dirty="0"/>
+          </a:p>
+          <a:p>
+            <a:pPr algn="r" rtl="1"/>
             <a:r>
               <a:rPr lang="he-IL" baseline="0" dirty="0"/>
-              <a:t>אפשר לשלוח את הבקשה הזאת לפני שנגמר המקום בחלון הקבלה ולפני שמתחילים להפיל </a:t>
+              <a:t>אם ברמת ה</a:t>
+            </a:r>
+            <a:r>
+              <a:rPr lang="en-US" baseline="0" dirty="0" err="1"/>
+              <a:t>ip</a:t>
+            </a:r>
+            <a:r>
+              <a:rPr lang="he-IL" baseline="0" dirty="0"/>
+              <a:t> דלוק ה</a:t>
+            </a:r>
+            <a:r>
+              <a:rPr lang="en-US" dirty="0"/>
+              <a:t>IP source route options</a:t>
+            </a:r>
+            <a:r>
+              <a:rPr lang="he-IL" dirty="0"/>
+              <a:t> אז </a:t>
+            </a:r>
+            <a:r>
+              <a:rPr lang="en-US" dirty="0"/>
+              <a:t>G1</a:t>
+            </a:r>
+            <a:r>
+              <a:rPr lang="he-IL" baseline="0" dirty="0"/>
+              <a:t> לא ישלח את ה</a:t>
+            </a:r>
+            <a:r>
+              <a:rPr lang="en-US" baseline="0" dirty="0"/>
+              <a:t>redirect</a:t>
+            </a:r>
+            <a:r>
+              <a:rPr lang="he-IL" baseline="0" dirty="0"/>
+              <a:t> גם אם יש דרך מהירה יותר לשלוח את </a:t>
             </a:r>
             <a:r>
               <a:rPr lang="he-IL" baseline="0" dirty="0" err="1"/>
-              <a:t>פקטות</a:t>
+              <a:t>הפקטה</a:t>
             </a:r>
             <a:r>
               <a:rPr lang="he-IL" baseline="0" dirty="0"/>
@@ -979,7 +1186,7 @@
     </p:spTree>
     <p:extLst>
       <p:ext uri="{BB962C8B-B14F-4D97-AF65-F5344CB8AC3E}">
-        <p14:creationId xmlns:p14="http://schemas.microsoft.com/office/powerpoint/2010/main" val="488932342"/>
+        <p14:creationId xmlns:p14="http://schemas.microsoft.com/office/powerpoint/2010/main" val="219854658"/>
       </p:ext>
     </p:extLst>
   </p:cSld>
@@ -1035,158 +1242,39 @@
           <a:p>
             <a:pPr algn="r" rtl="1"/>
             <a:r>
-              <a:rPr lang="he-IL" dirty="0" err="1"/>
-              <a:t>ראוטר</a:t>
-            </a:r>
-            <a:r>
               <a:rPr lang="he-IL" dirty="0"/>
-              <a:t> (</a:t>
+              <a:t>0 – נגמר ה-</a:t>
             </a:r>
             <a:r>
               <a:rPr lang="en-US" dirty="0"/>
-              <a:t>G1</a:t>
+              <a:t>TTL</a:t>
             </a:r>
             <a:r>
               <a:rPr lang="he-IL" dirty="0"/>
-              <a:t>) מקבל </a:t>
-            </a:r>
-            <a:r>
-              <a:rPr lang="he-IL" dirty="0" err="1"/>
-              <a:t>פקטה</a:t>
+              <a:t> (מתגלה ע"י ה-</a:t>
+            </a:r>
+            <a:r>
+              <a:rPr lang="en-US" dirty="0"/>
+              <a:t>gateway</a:t>
             </a:r>
             <a:r>
               <a:rPr lang="he-IL" dirty="0"/>
-              <a:t> ובודק</a:t>
-            </a:r>
-            <a:r>
-              <a:rPr lang="he-IL" baseline="0" dirty="0"/>
-              <a:t> לאן לפי ה</a:t>
-            </a:r>
-            <a:r>
-              <a:rPr lang="en-US" baseline="0" dirty="0"/>
-              <a:t>route table</a:t>
-            </a:r>
-            <a:r>
-              <a:rPr lang="he-IL" baseline="0" dirty="0"/>
-              <a:t> שלו הוא צריך לשלוח אותה (נניח </a:t>
-            </a:r>
-            <a:r>
-              <a:rPr lang="en-US" baseline="0" dirty="0"/>
-              <a:t>G2</a:t>
-            </a:r>
-            <a:r>
-              <a:rPr lang="he-IL" baseline="0" dirty="0"/>
               <a:t>).</a:t>
             </a:r>
           </a:p>
           <a:p>
             <a:pPr algn="r" rtl="1"/>
             <a:r>
-              <a:rPr lang="he-IL" baseline="0" dirty="0"/>
-              <a:t>אם </a:t>
-            </a:r>
-            <a:r>
-              <a:rPr lang="en-US" baseline="0" dirty="0"/>
-              <a:t>G2</a:t>
-            </a:r>
-            <a:r>
-              <a:rPr lang="he-IL" baseline="0" dirty="0"/>
-              <a:t> באותה רשת עם ה</a:t>
-            </a:r>
-            <a:r>
-              <a:rPr lang="en-US" baseline="0" dirty="0"/>
-              <a:t>sender</a:t>
-            </a:r>
-            <a:r>
-              <a:rPr lang="he-IL" baseline="0" dirty="0"/>
-              <a:t> אז </a:t>
-            </a:r>
-            <a:r>
-              <a:rPr lang="he-IL" baseline="0" dirty="0" err="1"/>
-              <a:t>הראוטר</a:t>
-            </a:r>
-            <a:r>
-              <a:rPr lang="he-IL" baseline="0" dirty="0"/>
-              <a:t> שולח ל</a:t>
-            </a:r>
-            <a:r>
-              <a:rPr lang="en-US" baseline="0" dirty="0"/>
-              <a:t>sender</a:t>
-            </a:r>
-            <a:r>
-              <a:rPr lang="he-IL" baseline="0" dirty="0"/>
-              <a:t> את ה</a:t>
-            </a:r>
-            <a:r>
-              <a:rPr lang="en-US" baseline="0" dirty="0" err="1"/>
-              <a:t>rediret</a:t>
-            </a:r>
-            <a:r>
-              <a:rPr lang="en-US" baseline="0" dirty="0"/>
-              <a:t> message</a:t>
-            </a:r>
-            <a:r>
-              <a:rPr lang="he-IL" baseline="0" dirty="0"/>
-              <a:t> שאומר לו שיותר מהר לשלוח ל</a:t>
-            </a:r>
-            <a:r>
-              <a:rPr lang="en-US" baseline="0" dirty="0"/>
-              <a:t>G2</a:t>
-            </a:r>
-            <a:r>
-              <a:rPr lang="he-IL" baseline="0" dirty="0"/>
-              <a:t>.</a:t>
-            </a:r>
-          </a:p>
-          <a:p>
-            <a:pPr algn="r" rtl="1"/>
-            <a:endParaRPr lang="he-IL" baseline="0" dirty="0"/>
-          </a:p>
-          <a:p>
-            <a:pPr algn="r" rtl="1"/>
-            <a:r>
-              <a:rPr lang="he-IL" baseline="0" dirty="0"/>
-              <a:t>אם ברמת ה</a:t>
-            </a:r>
-            <a:r>
-              <a:rPr lang="en-US" baseline="0" dirty="0" err="1"/>
-              <a:t>ip</a:t>
-            </a:r>
-            <a:r>
-              <a:rPr lang="he-IL" baseline="0" dirty="0"/>
-              <a:t> דלוק ה</a:t>
+              <a:rPr lang="he-IL" dirty="0"/>
+              <a:t>1 – לא התקבלו ב-</a:t>
             </a:r>
             <a:r>
               <a:rPr lang="en-US" dirty="0"/>
-              <a:t>IP source route options</a:t>
+              <a:t>host</a:t>
             </a:r>
             <a:r>
               <a:rPr lang="he-IL" dirty="0"/>
-              <a:t> אז </a:t>
-            </a:r>
-            <a:r>
-              <a:rPr lang="en-US" dirty="0"/>
-              <a:t>G1</a:t>
-            </a:r>
-            <a:r>
-              <a:rPr lang="he-IL" baseline="0" dirty="0"/>
-              <a:t> לא ישלח את ה</a:t>
-            </a:r>
-            <a:r>
-              <a:rPr lang="en-US" baseline="0" dirty="0"/>
-              <a:t>redirect</a:t>
-            </a:r>
-            <a:r>
-              <a:rPr lang="he-IL" baseline="0" dirty="0"/>
-              <a:t> גם אם יש דרך מהירה יותר לשלוח את </a:t>
-            </a:r>
-            <a:r>
-              <a:rPr lang="he-IL" baseline="0" dirty="0" err="1"/>
-              <a:t>הפקטה</a:t>
-            </a:r>
-            <a:r>
-              <a:rPr lang="he-IL" baseline="0" dirty="0"/>
-              <a:t>.</a:t>
+              <a:t> כל הפרגמנטים שהיו אמורים להגיע.</a:t>
             </a:r>
             <a:endParaRPr lang="en-US" dirty="0"/>
           </a:p>
@@ -1218,7 +1306,7 @@
     </p:spTree>
     <p:extLst>
       <p:ext uri="{BB962C8B-B14F-4D97-AF65-F5344CB8AC3E}">
-        <p14:creationId xmlns:p14="http://schemas.microsoft.com/office/powerpoint/2010/main" val="219854658"/>
+        <p14:creationId xmlns:p14="http://schemas.microsoft.com/office/powerpoint/2010/main" val="11729879"/>
       </p:ext>
     </p:extLst>
   </p:cSld>
@@ -1274,109 +1362,21 @@
           <a:p>
             <a:pPr algn="r" rtl="1"/>
             <a:r>
+              <a:rPr lang="en-US" dirty="0"/>
+              <a:t>Pointer</a:t>
+            </a:r>
+            <a:r>
               <a:rPr lang="he-IL" dirty="0"/>
-              <a:t>ה-</a:t>
-            </a:r>
-            <a:r>
-              <a:rPr lang="en-US" dirty="0"/>
-              <a:t>data</a:t>
-            </a:r>
-            <a:r>
-              <a:rPr lang="he-IL" dirty="0"/>
-              <a:t> שנשלח ב-</a:t>
-            </a:r>
-            <a:r>
-              <a:rPr lang="en-US" dirty="0"/>
-              <a:t>echo</a:t>
-            </a:r>
-            <a:r>
-              <a:rPr lang="he-IL" dirty="0"/>
-              <a:t> חייב להיות מוחזר ב-</a:t>
-            </a:r>
-            <a:r>
-              <a:rPr lang="en-US" dirty="0"/>
-              <a:t>echo reply</a:t>
-            </a:r>
-            <a:br>
-              <a:rPr lang="en-US" dirty="0"/>
-            </a:br>
-            <a:endParaRPr lang="he-IL" dirty="0"/>
-          </a:p>
-          <a:p>
-            <a:pPr algn="r" rtl="1"/>
-            <a:r>
-              <a:rPr lang="en-US" dirty="0"/>
-              <a:t>Identifier</a:t>
-            </a:r>
-            <a:r>
-              <a:rPr lang="he-IL" dirty="0"/>
-              <a:t> ו-</a:t>
-            </a:r>
-            <a:r>
-              <a:rPr lang="en-US" dirty="0"/>
-              <a:t>sequence</a:t>
-            </a:r>
-            <a:r>
-              <a:rPr lang="he-IL" dirty="0"/>
-              <a:t> = נועדו לעזור למקבל להתאים בין </a:t>
-            </a:r>
-            <a:r>
-              <a:rPr lang="en-US" dirty="0"/>
-              <a:t>echo</a:t>
-            </a:r>
-            <a:r>
-              <a:rPr lang="he-IL" dirty="0"/>
-              <a:t> ל-</a:t>
-            </a:r>
-            <a:r>
-              <a:rPr lang="en-US" dirty="0"/>
-              <a:t>reply</a:t>
-            </a:r>
-            <a:r>
-              <a:rPr lang="he-IL" dirty="0"/>
-              <a:t>. </a:t>
-            </a:r>
-          </a:p>
-          <a:p>
-            <a:pPr algn="r" rtl="1"/>
-            <a:r>
-              <a:rPr lang="he-IL" dirty="0"/>
-              <a:t>למשל, </a:t>
-            </a:r>
-            <a:r>
-              <a:rPr lang="en-US" dirty="0"/>
-              <a:t>identifier</a:t>
-            </a:r>
-            <a:r>
-              <a:rPr lang="he-IL" dirty="0"/>
-              <a:t> שיהיה כמו פורט ו-</a:t>
-            </a:r>
-            <a:r>
-              <a:rPr lang="en-US" dirty="0"/>
-              <a:t>sequence</a:t>
-            </a:r>
-            <a:r>
-              <a:rPr lang="he-IL" dirty="0"/>
-              <a:t> שיעלה ב-1 עם כל בקשת </a:t>
-            </a:r>
-            <a:r>
-              <a:rPr lang="en-US" dirty="0"/>
-              <a:t>echo</a:t>
+              <a:t> = אם הקוד היה 0, זה מציין את המיקום של השגיאה </a:t>
+            </a:r>
+            <a:r>
+              <a:rPr lang="he-IL" dirty="0" err="1"/>
+              <a:t>בפקטה</a:t>
             </a:r>
             <a:r>
               <a:rPr lang="he-IL" dirty="0"/>
               <a:t> שנשלחה.</a:t>
             </a:r>
-          </a:p>
-          <a:p>
-            <a:pPr algn="r" rtl="1"/>
-            <a:r>
-              <a:rPr lang="he-IL" dirty="0"/>
-              <a:t>המחשב שעונה מחזיר את אותם הערכים כמו השולח.</a:t>
-            </a:r>
-          </a:p>
-          <a:p>
-            <a:pPr algn="r" rtl="1"/>
             <a:endParaRPr lang="en-US" dirty="0"/>
           </a:p>
         </p:txBody>
@@ -1407,7 +1407,7 @@
     </p:spTree>
     <p:extLst>
       <p:ext uri="{BB962C8B-B14F-4D97-AF65-F5344CB8AC3E}">
-        <p14:creationId xmlns:p14="http://schemas.microsoft.com/office/powerpoint/2010/main" val="3692536669"/>
+        <p14:creationId xmlns:p14="http://schemas.microsoft.com/office/powerpoint/2010/main" val="2335080506"/>
       </p:ext>
     </p:extLst>
   </p:cSld>
@@ -1461,46 +1461,132 @@
           <a:bodyPr/>
           <a:lstStyle/>
           <a:p>
-            <a:pPr algn="r" rtl="1"/>
+            <a:pPr marL="0" marR="0" indent="0" algn="r" defTabSz="914400" rtl="1" eaLnBrk="1" fontAlgn="auto" latinLnBrk="0" hangingPunct="1">
+              <a:lnSpc>
+                <a:spcPct val="100000"/>
+              </a:lnSpc>
+              <a:spcBef>
+                <a:spcPts val="0"/>
+              </a:spcBef>
+              <a:spcAft>
+                <a:spcPts val="0"/>
+              </a:spcAft>
+              <a:buClrTx/>
+              <a:buSzTx/>
+              <a:buFontTx/>
+              <a:buNone/>
+              <a:tabLst/>
+              <a:defRPr/>
+            </a:pPr>
             <a:r>
               <a:rPr lang="he-IL" dirty="0"/>
-              <a:t>השימוש בהודעה</a:t>
+              <a:t>ה</a:t>
+            </a:r>
+            <a:r>
+              <a:rPr lang="en-US" dirty="0"/>
+              <a:t>Originate Timestamp</a:t>
             </a:r>
             <a:r>
               <a:rPr lang="he-IL" baseline="0" dirty="0"/>
-              <a:t> זו היא לטובת הבנה של הרשת מה נמצא השולח.</a:t>
-            </a:r>
-          </a:p>
-          <a:p>
-            <a:pPr algn="r" rtl="1"/>
+              <a:t> זה הזמן האחרון שבו השולח נגע </a:t>
+            </a:r>
+            <a:r>
+              <a:rPr lang="he-IL" baseline="0" dirty="0" err="1"/>
+              <a:t>בפקטה</a:t>
+            </a:r>
+            <a:endParaRPr lang="he-IL" baseline="0" dirty="0"/>
+          </a:p>
+          <a:p>
+            <a:pPr marL="0" marR="0" indent="0" algn="r" defTabSz="914400" rtl="1" eaLnBrk="1" fontAlgn="auto" latinLnBrk="0" hangingPunct="1">
+              <a:lnSpc>
+                <a:spcPct val="100000"/>
+              </a:lnSpc>
+              <a:spcBef>
+                <a:spcPts val="0"/>
+              </a:spcBef>
+              <a:spcAft>
+                <a:spcPts val="0"/>
+              </a:spcAft>
+              <a:buClrTx/>
+              <a:buSzTx/>
+              <a:buFontTx/>
+              <a:buNone/>
+              <a:tabLst/>
+              <a:defRPr/>
+            </a:pPr>
+            <a:r>
+              <a:rPr lang="he-IL" dirty="0"/>
+              <a:t>ה</a:t>
+            </a:r>
+            <a:r>
+              <a:rPr lang="en-US" dirty="0"/>
+              <a:t>Receive Timestamp</a:t>
+            </a:r>
             <a:r>
               <a:rPr lang="he-IL" baseline="0" dirty="0"/>
-              <a:t>את הודעת ה</a:t>
-            </a:r>
-            <a:r>
-              <a:rPr lang="en-US" baseline="0" dirty="0"/>
-              <a:t>request</a:t>
+              <a:t> זה הזמן הראשון שבו המקבל נגע </a:t>
+            </a:r>
+            <a:r>
+              <a:rPr lang="he-IL" baseline="0" dirty="0" err="1"/>
+              <a:t>בפקטה</a:t>
+            </a:r>
+            <a:endParaRPr lang="en-US" dirty="0"/>
+          </a:p>
+          <a:p>
+            <a:pPr marL="0" marR="0" indent="0" algn="r" defTabSz="914400" rtl="1" eaLnBrk="1" fontAlgn="auto" latinLnBrk="0" hangingPunct="1">
+              <a:lnSpc>
+                <a:spcPct val="100000"/>
+              </a:lnSpc>
+              <a:spcBef>
+                <a:spcPts val="0"/>
+              </a:spcBef>
+              <a:spcAft>
+                <a:spcPts val="0"/>
+              </a:spcAft>
+              <a:buClrTx/>
+              <a:buSzTx/>
+              <a:buFontTx/>
+              <a:buNone/>
+              <a:tabLst/>
+              <a:defRPr/>
+            </a:pPr>
+            <a:r>
+              <a:rPr lang="he-IL" dirty="0" err="1"/>
+              <a:t>וה</a:t>
+            </a:r>
+            <a:r>
+              <a:rPr lang="en-US" dirty="0"/>
+              <a:t>Transmit Timestamp</a:t>
             </a:r>
             <a:r>
               <a:rPr lang="he-IL" baseline="0" dirty="0"/>
-              <a:t> הוא שולח עם שדה ה</a:t>
-            </a:r>
-            <a:r>
-              <a:rPr lang="en-US" baseline="0" dirty="0" err="1"/>
-              <a:t>dst</a:t>
-            </a:r>
-            <a:r>
-              <a:rPr lang="he-IL" baseline="0" dirty="0"/>
-              <a:t> ב</a:t>
-            </a:r>
-            <a:r>
-              <a:rPr lang="en-US" baseline="0" dirty="0" err="1"/>
-              <a:t>ip</a:t>
-            </a:r>
-            <a:r>
-              <a:rPr lang="he-IL" baseline="0" dirty="0"/>
-              <a:t> עם 0ים ומקבל תשובה מלאה, כך הוא יודע מה כתובת הרשת מה הוא נמצא.</a:t>
-            </a:r>
+              <a:t> זה הזמן האחרון שבו המקבל נגע </a:t>
+            </a:r>
+            <a:r>
+              <a:rPr lang="he-IL" baseline="0" dirty="0" err="1"/>
+              <a:t>בפקטה</a:t>
+            </a:r>
+            <a:endParaRPr lang="he-IL" baseline="0" dirty="0"/>
+          </a:p>
+          <a:p>
+            <a:pPr marL="0" marR="0" indent="0" algn="r" defTabSz="914400" rtl="1" eaLnBrk="1" fontAlgn="auto" latinLnBrk="0" hangingPunct="1">
+              <a:lnSpc>
+                <a:spcPct val="100000"/>
+              </a:lnSpc>
+              <a:spcBef>
+                <a:spcPts val="0"/>
+              </a:spcBef>
+              <a:spcAft>
+                <a:spcPts val="0"/>
+              </a:spcAft>
+              <a:buClrTx/>
+              <a:buSzTx/>
+              <a:buFontTx/>
+              <a:buNone/>
+              <a:tabLst/>
+              <a:defRPr/>
+            </a:pPr>
+            <a:endParaRPr lang="en-US" dirty="0"/>
           </a:p>
         </p:txBody>
       </p:sp>
@@ -1530,7 +1616,7 @@
     </p:spTree>
     <p:extLst>
       <p:ext uri="{BB962C8B-B14F-4D97-AF65-F5344CB8AC3E}">
-        <p14:creationId xmlns:p14="http://schemas.microsoft.com/office/powerpoint/2010/main" val="330551685"/>
+        <p14:creationId xmlns:p14="http://schemas.microsoft.com/office/powerpoint/2010/main" val="3669916765"/>
       </p:ext>
     </p:extLst>
   </p:cSld>
@@ -1584,132 +1670,46 @@
           <a:bodyPr/>
           <a:lstStyle/>
           <a:p>
-            <a:pPr marL="0" marR="0" indent="0" algn="r" defTabSz="914400" rtl="1" eaLnBrk="1" fontAlgn="auto" latinLnBrk="0" hangingPunct="1">
-              <a:lnSpc>
-                <a:spcPct val="100000"/>
-              </a:lnSpc>
-              <a:spcBef>
-                <a:spcPts val="0"/>
-              </a:spcBef>
-              <a:spcAft>
-                <a:spcPts val="0"/>
-              </a:spcAft>
-              <a:buClrTx/>
-              <a:buSzTx/>
-              <a:buFontTx/>
-              <a:buNone/>
-              <a:tabLst/>
-              <a:defRPr/>
-            </a:pPr>
+            <a:pPr algn="r" rtl="1"/>
             <a:r>
               <a:rPr lang="he-IL" dirty="0"/>
-              <a:t>ה</a:t>
-            </a:r>
-            <a:r>
-              <a:rPr lang="en-US" dirty="0"/>
-              <a:t>Originate Timestamp</a:t>
+              <a:t>השימוש בהודעה</a:t>
             </a:r>
             <a:r>
               <a:rPr lang="he-IL" baseline="0" dirty="0"/>
-              <a:t> זה הזמן האחרון שבו השולח נגע </a:t>
-            </a:r>
-            <a:r>
-              <a:rPr lang="he-IL" baseline="0" dirty="0" err="1"/>
-              <a:t>בפקטה</a:t>
-            </a:r>
-            <a:endParaRPr lang="he-IL" baseline="0" dirty="0"/>
-          </a:p>
-          <a:p>
-            <a:pPr marL="0" marR="0" indent="0" algn="r" defTabSz="914400" rtl="1" eaLnBrk="1" fontAlgn="auto" latinLnBrk="0" hangingPunct="1">
-              <a:lnSpc>
-                <a:spcPct val="100000"/>
-              </a:lnSpc>
-              <a:spcBef>
-                <a:spcPts val="0"/>
-              </a:spcBef>
-              <a:spcAft>
-                <a:spcPts val="0"/>
-              </a:spcAft>
-              <a:buClrTx/>
-              <a:buSzTx/>
-              <a:buFontTx/>
-              <a:buNone/>
-              <a:tabLst/>
-              <a:defRPr/>
-            </a:pPr>
-            <a:r>
-              <a:rPr lang="he-IL" dirty="0"/>
-              <a:t>ה</a:t>
-            </a:r>
-            <a:r>
-              <a:rPr lang="en-US" dirty="0"/>
-              <a:t>Receive Timestamp</a:t>
-            </a:r>
+              <a:t> זו היא לטובת הבנה של הרשת מה נמצא השולח.</a:t>
+            </a:r>
+          </a:p>
+          <a:p>
+            <a:pPr algn="r" rtl="1"/>
             <a:r>
               <a:rPr lang="he-IL" baseline="0" dirty="0"/>
-              <a:t> זה הזמן הראשון שבו המקבל נגע </a:t>
-            </a:r>
-            <a:r>
-              <a:rPr lang="he-IL" baseline="0" dirty="0" err="1"/>
-              <a:t>בפקטה</a:t>
-            </a:r>
-            <a:endParaRPr lang="en-US" dirty="0"/>
-          </a:p>
-          <a:p>
-            <a:pPr marL="0" marR="0" indent="0" algn="r" defTabSz="914400" rtl="1" eaLnBrk="1" fontAlgn="auto" latinLnBrk="0" hangingPunct="1">
-              <a:lnSpc>
-                <a:spcPct val="100000"/>
-              </a:lnSpc>
-              <a:spcBef>
-                <a:spcPts val="0"/>
-              </a:spcBef>
-              <a:spcAft>
-                <a:spcPts val="0"/>
-              </a:spcAft>
-              <a:buClrTx/>
-              <a:buSzTx/>
-              <a:buFontTx/>
-              <a:buNone/>
-              <a:tabLst/>
-              <a:defRPr/>
-            </a:pPr>
-            <a:r>
-              <a:rPr lang="he-IL" dirty="0" err="1"/>
-              <a:t>וה</a:t>
-            </a:r>
-            <a:r>
-              <a:rPr lang="en-US" dirty="0"/>
-              <a:t>Transmit Timestamp</a:t>
+              <a:t>את הודעת ה</a:t>
+            </a:r>
+            <a:r>
+              <a:rPr lang="en-US" baseline="0" dirty="0"/>
+              <a:t>request</a:t>
             </a:r>
             <a:r>
               <a:rPr lang="he-IL" baseline="0" dirty="0"/>
-              <a:t> זה הזמן האחרון שבו המקבל נגע </a:t>
-            </a:r>
-            <a:r>
-              <a:rPr lang="he-IL" baseline="0" dirty="0" err="1"/>
-              <a:t>בפקטה</a:t>
-            </a:r>
-            <a:endParaRPr lang="he-IL" baseline="0" dirty="0"/>
-          </a:p>
-          <a:p>
-            <a:pPr marL="0" marR="0" indent="0" algn="r" defTabSz="914400" rtl="1" eaLnBrk="1" fontAlgn="auto" latinLnBrk="0" hangingPunct="1">
-              <a:lnSpc>
-                <a:spcPct val="100000"/>
-              </a:lnSpc>
-              <a:spcBef>
-                <a:spcPts val="0"/>
-              </a:spcBef>
-              <a:spcAft>
-                <a:spcPts val="0"/>
-              </a:spcAft>
-              <a:buClrTx/>
-              <a:buSzTx/>
-              <a:buFontTx/>
-              <a:buNone/>
-              <a:tabLst/>
-              <a:defRPr/>
-            </a:pPr>
-            <a:endParaRPr lang="en-US" dirty="0"/>
+              <a:t> הוא שולח עם שדה ה</a:t>
+            </a:r>
+            <a:r>
+              <a:rPr lang="en-US" baseline="0" dirty="0" err="1"/>
+              <a:t>dst</a:t>
+            </a:r>
+            <a:r>
+              <a:rPr lang="he-IL" baseline="0" dirty="0"/>
+              <a:t> ב</a:t>
+            </a:r>
+            <a:r>
+              <a:rPr lang="en-US" baseline="0" dirty="0" err="1"/>
+              <a:t>ip</a:t>
+            </a:r>
+            <a:r>
+              <a:rPr lang="he-IL" baseline="0" dirty="0"/>
+              <a:t> עם 0ים ומקבל תשובה מלאה, כך הוא יודע מה כתובת הרשת מה הוא נמצא.</a:t>
+            </a:r>
           </a:p>
         </p:txBody>
       </p:sp>
@@ -1739,7 +1739,7 @@
     </p:spTree>
     <p:extLst>
       <p:ext uri="{BB962C8B-B14F-4D97-AF65-F5344CB8AC3E}">
-        <p14:creationId xmlns:p14="http://schemas.microsoft.com/office/powerpoint/2010/main" val="3669916765"/>
+        <p14:creationId xmlns:p14="http://schemas.microsoft.com/office/powerpoint/2010/main" val="330551685"/>
       </p:ext>
     </p:extLst>
   </p:cSld>
@@ -1771,7 +1771,7 @@
           <p:cNvPr id="2" name="Title 1">
             <a:extLst>
               <a:ext uri="{FF2B5EF4-FFF2-40B4-BE49-F238E27FC236}">
-                <a16:creationId xmlns:a16="http://schemas.microsoft.com/office/drawing/2014/main" id="{34DEA931-1349-45FB-A720-BC5E542963A4}"/>
+                <a16:creationId xmlns:a16="http://schemas.microsoft.com/office/drawing/2014/main" xmlns="" id="{34DEA931-1349-45FB-A720-BC5E542963A4}"/>
               </a:ext>
             </a:extLst>
           </p:cNvPr>
@@ -1808,7 +1808,7 @@
           <p:cNvPr id="3" name="Subtitle 2">
             <a:extLst>
               <a:ext uri="{FF2B5EF4-FFF2-40B4-BE49-F238E27FC236}">
-                <a16:creationId xmlns:a16="http://schemas.microsoft.com/office/drawing/2014/main" id="{40D19A2E-704C-4387-8230-BA874983CA71}"/>
+                <a16:creationId xmlns:a16="http://schemas.microsoft.com/office/drawing/2014/main" xmlns="" id="{40D19A2E-704C-4387-8230-BA874983CA71}"/>
               </a:ext>
             </a:extLst>
           </p:cNvPr>
@@ -1878,7 +1878,7 @@
           <p:cNvPr id="4" name="Date Placeholder 3">
             <a:extLst>
               <a:ext uri="{FF2B5EF4-FFF2-40B4-BE49-F238E27FC236}">
-                <a16:creationId xmlns:a16="http://schemas.microsoft.com/office/drawing/2014/main" id="{CAF4E38A-462C-475D-893A-9D4D8BB2DDD5}"/>
+                <a16:creationId xmlns:a16="http://schemas.microsoft.com/office/drawing/2014/main" xmlns="" id="{CAF4E38A-462C-475D-893A-9D4D8BB2DDD5}"/>
               </a:ext>
             </a:extLst>
           </p:cNvPr>
@@ -1896,7 +1896,7 @@
           <a:p>
             <a:fld id="{467B6F40-EC65-4722-BCEC-F5AF12719C12}" type="datetimeFigureOut">
               <a:rPr lang="en-US" smtClean="0"/>
-              <a:t>7/26/2019</a:t>
+              <a:t>2019-08-03</a:t>
             </a:fld>
             <a:endParaRPr lang="en-US"/>
           </a:p>
@@ -1907,7 +1907,7 @@
           <p:cNvPr id="5" name="Footer Placeholder 4">
             <a:extLst>
               <a:ext uri="{FF2B5EF4-FFF2-40B4-BE49-F238E27FC236}">
-                <a16:creationId xmlns:a16="http://schemas.microsoft.com/office/drawing/2014/main" id="{6F15DF81-09DF-429B-A78A-4035068826B0}"/>
+                <a16:creationId xmlns:a16="http://schemas.microsoft.com/office/drawing/2014/main" xmlns="" id="{6F15DF81-09DF-429B-A78A-4035068826B0}"/>
               </a:ext>
             </a:extLst>
           </p:cNvPr>
@@ -1932,7 +1932,7 @@
           <p:cNvPr id="6" name="Slide Number Placeholder 5">
             <a:extLst>
               <a:ext uri="{FF2B5EF4-FFF2-40B4-BE49-F238E27FC236}">
-                <a16:creationId xmlns:a16="http://schemas.microsoft.com/office/drawing/2014/main" id="{4F7C14CB-738C-4DF5-A810-C644C7C26306}"/>
+                <a16:creationId xmlns:a16="http://schemas.microsoft.com/office/drawing/2014/main" xmlns="" id="{4F7C14CB-738C-4DF5-A810-C644C7C26306}"/>
               </a:ext>
             </a:extLst>
           </p:cNvPr>
@@ -1991,7 +1991,7 @@
           <p:cNvPr id="2" name="Title 1">
             <a:extLst>
               <a:ext uri="{FF2B5EF4-FFF2-40B4-BE49-F238E27FC236}">
-                <a16:creationId xmlns:a16="http://schemas.microsoft.com/office/drawing/2014/main" id="{B52C3849-9FAA-4960-B846-89E9DD6F1E0E}"/>
+                <a16:creationId xmlns:a16="http://schemas.microsoft.com/office/drawing/2014/main" xmlns="" id="{B52C3849-9FAA-4960-B846-89E9DD6F1E0E}"/>
               </a:ext>
             </a:extLst>
           </p:cNvPr>
@@ -2019,7 +2019,7 @@
           <p:cNvPr id="3" name="Vertical Text Placeholder 2">
             <a:extLst>
               <a:ext uri="{FF2B5EF4-FFF2-40B4-BE49-F238E27FC236}">
-                <a16:creationId xmlns:a16="http://schemas.microsoft.com/office/drawing/2014/main" id="{BA23A670-4231-4756-B799-9AEEDBF3FCDF}"/>
+                <a16:creationId xmlns:a16="http://schemas.microsoft.com/office/drawing/2014/main" xmlns="" id="{BA23A670-4231-4756-B799-9AEEDBF3FCDF}"/>
               </a:ext>
             </a:extLst>
           </p:cNvPr>
@@ -2076,7 +2076,7 @@
           <p:cNvPr id="4" name="Date Placeholder 3">
             <a:extLst>
               <a:ext uri="{FF2B5EF4-FFF2-40B4-BE49-F238E27FC236}">
-                <a16:creationId xmlns:a16="http://schemas.microsoft.com/office/drawing/2014/main" id="{1A3B42D8-E24B-4C5C-9000-C95DBF437F1C}"/>
+                <a16:creationId xmlns:a16="http://schemas.microsoft.com/office/drawing/2014/main" xmlns="" id="{1A3B42D8-E24B-4C5C-9000-C95DBF437F1C}"/>
               </a:ext>
             </a:extLst>
           </p:cNvPr>
@@ -2094,7 +2094,7 @@
           <a:p>
             <a:fld id="{467B6F40-EC65-4722-BCEC-F5AF12719C12}" type="datetimeFigureOut">
               <a:rPr lang="en-US" smtClean="0"/>
-              <a:t>7/26/2019</a:t>
+              <a:t>2019-08-03</a:t>
             </a:fld>
             <a:endParaRPr lang="en-US"/>
           </a:p>
@@ -2105,7 +2105,7 @@
           <p:cNvPr id="5" name="Footer Placeholder 4">
             <a:extLst>
               <a:ext uri="{FF2B5EF4-FFF2-40B4-BE49-F238E27FC236}">
-                <a16:creationId xmlns:a16="http://schemas.microsoft.com/office/drawing/2014/main" id="{92AEEB0C-BF89-4B00-ACF5-1518DC48BAEA}"/>
+                <a16:creationId xmlns:a16="http://schemas.microsoft.com/office/drawing/2014/main" xmlns="" id="{92AEEB0C-BF89-4B00-ACF5-1518DC48BAEA}"/>
               </a:ext>
             </a:extLst>
           </p:cNvPr>
@@ -2130,7 +2130,7 @@
           <p:cNvPr id="6" name="Slide Number Placeholder 5">
             <a:extLst>
               <a:ext uri="{FF2B5EF4-FFF2-40B4-BE49-F238E27FC236}">
-                <a16:creationId xmlns:a16="http://schemas.microsoft.com/office/drawing/2014/main" id="{9FC1968B-C554-462A-911E-E42C41C82D19}"/>
+                <a16:creationId xmlns:a16="http://schemas.microsoft.com/office/drawing/2014/main" xmlns="" id="{9FC1968B-C554-462A-911E-E42C41C82D19}"/>
               </a:ext>
             </a:extLst>
           </p:cNvPr>
@@ -2189,7 +2189,7 @@
           <p:cNvPr id="2" name="Vertical Title 1">
             <a:extLst>
               <a:ext uri="{FF2B5EF4-FFF2-40B4-BE49-F238E27FC236}">
-                <a16:creationId xmlns:a16="http://schemas.microsoft.com/office/drawing/2014/main" id="{FC219046-EE6F-4F8F-8A9C-5C71CE1D7F49}"/>
+                <a16:creationId xmlns:a16="http://schemas.microsoft.com/office/drawing/2014/main" xmlns="" id="{FC219046-EE6F-4F8F-8A9C-5C71CE1D7F49}"/>
               </a:ext>
             </a:extLst>
           </p:cNvPr>
@@ -2222,7 +2222,7 @@
           <p:cNvPr id="3" name="Vertical Text Placeholder 2">
             <a:extLst>
               <a:ext uri="{FF2B5EF4-FFF2-40B4-BE49-F238E27FC236}">
-                <a16:creationId xmlns:a16="http://schemas.microsoft.com/office/drawing/2014/main" id="{CF50E0CA-0B02-4FFF-8ACC-ABA82A588BF1}"/>
+                <a16:creationId xmlns:a16="http://schemas.microsoft.com/office/drawing/2014/main" xmlns="" id="{CF50E0CA-0B02-4FFF-8ACC-ABA82A588BF1}"/>
               </a:ext>
             </a:extLst>
           </p:cNvPr>
@@ -2284,7 +2284,7 @@
           <p:cNvPr id="4" name="Date Placeholder 3">
             <a:extLst>
               <a:ext uri="{FF2B5EF4-FFF2-40B4-BE49-F238E27FC236}">
-                <a16:creationId xmlns:a16="http://schemas.microsoft.com/office/drawing/2014/main" id="{082E40BB-E5D8-4492-A9B5-AF8AE38A0A19}"/>
+                <a16:creationId xmlns:a16="http://schemas.microsoft.com/office/drawing/2014/main" xmlns="" id="{082E40BB-E5D8-4492-A9B5-AF8AE38A0A19}"/>
               </a:ext>
             </a:extLst>
           </p:cNvPr>
@@ -2302,7 +2302,7 @@
           <a:p>
             <a:fld id="{467B6F40-EC65-4722-BCEC-F5AF12719C12}" type="datetimeFigureOut">
               <a:rPr lang="en-US" smtClean="0"/>
-              <a:t>7/26/2019</a:t>
+              <a:t>2019-08-03</a:t>
             </a:fld>
             <a:endParaRPr lang="en-US"/>
           </a:p>
@@ -2313,7 +2313,7 @@
           <p:cNvPr id="5" name="Footer Placeholder 4">
             <a:extLst>
               <a:ext uri="{FF2B5EF4-FFF2-40B4-BE49-F238E27FC236}">
-                <a16:creationId xmlns:a16="http://schemas.microsoft.com/office/drawing/2014/main" id="{537D9C13-7BD6-485D-8030-0C1B941D469D}"/>
+                <a16:creationId xmlns:a16="http://schemas.microsoft.com/office/drawing/2014/main" xmlns="" id="{537D9C13-7BD6-485D-8030-0C1B941D469D}"/>
               </a:ext>
             </a:extLst>
           </p:cNvPr>
@@ -2338,7 +2338,7 @@
           <p:cNvPr id="6" name="Slide Number Placeholder 5">
             <a:extLst>
               <a:ext uri="{FF2B5EF4-FFF2-40B4-BE49-F238E27FC236}">
-                <a16:creationId xmlns:a16="http://schemas.microsoft.com/office/drawing/2014/main" id="{FECC56FA-9DD7-4226-8779-E0FC13FB65EF}"/>
+                <a16:creationId xmlns:a16="http://schemas.microsoft.com/office/drawing/2014/main" xmlns="" id="{FECC56FA-9DD7-4226-8779-E0FC13FB65EF}"/>
               </a:ext>
             </a:extLst>
           </p:cNvPr>
@@ -2397,7 +2397,7 @@
           <p:cNvPr id="2" name="Title 1">
             <a:extLst>
               <a:ext uri="{FF2B5EF4-FFF2-40B4-BE49-F238E27FC236}">
-                <a16:creationId xmlns:a16="http://schemas.microsoft.com/office/drawing/2014/main" id="{B8E9062E-A576-4C89-83B4-7735374FC004}"/>
+                <a16:creationId xmlns:a16="http://schemas.microsoft.com/office/drawing/2014/main" xmlns="" id="{B8E9062E-A576-4C89-83B4-7735374FC004}"/>
               </a:ext>
             </a:extLst>
           </p:cNvPr>
@@ -2425,7 +2425,7 @@
           <p:cNvPr id="3" name="Content Placeholder 2">
             <a:extLst>
               <a:ext uri="{FF2B5EF4-FFF2-40B4-BE49-F238E27FC236}">
-                <a16:creationId xmlns:a16="http://schemas.microsoft.com/office/drawing/2014/main" id="{C53C2A74-2685-4D33-83E3-07FBC983C7C4}"/>
+                <a16:creationId xmlns:a16="http://schemas.microsoft.com/office/drawing/2014/main" xmlns="" id="{C53C2A74-2685-4D33-83E3-07FBC983C7C4}"/>
               </a:ext>
             </a:extLst>
           </p:cNvPr>
@@ -2482,7 +2482,7 @@
           <p:cNvPr id="4" name="Date Placeholder 3">
             <a:extLst>
               <a:ext uri="{FF2B5EF4-FFF2-40B4-BE49-F238E27FC236}">
-                <a16:creationId xmlns:a16="http://schemas.microsoft.com/office/drawing/2014/main" id="{9800208B-45D5-4980-8EAC-6A448BDEBDC1}"/>
+                <a16:creationId xmlns:a16="http://schemas.microsoft.com/office/drawing/2014/main" xmlns="" id="{9800208B-45D5-4980-8EAC-6A448BDEBDC1}"/>
               </a:ext>
             </a:extLst>
           </p:cNvPr>
@@ -2500,7 +2500,7 @@
           <a:p>
             <a:fld id="{467B6F40-EC65-4722-BCEC-F5AF12719C12}" type="datetimeFigureOut">
               <a:rPr lang="en-US" smtClean="0"/>
-              <a:t>7/26/2019</a:t>
+              <a:t>2019-08-03</a:t>
             </a:fld>
             <a:endParaRPr lang="en-US"/>
           </a:p>
@@ -2511,7 +2511,7 @@
           <p:cNvPr id="5" name="Footer Placeholder 4">
             <a:extLst>
               <a:ext uri="{FF2B5EF4-FFF2-40B4-BE49-F238E27FC236}">
-                <a16:creationId xmlns:a16="http://schemas.microsoft.com/office/drawing/2014/main" id="{1A6C8672-D383-4544-B6E3-9DF2D374ABD3}"/>
+                <a16:creationId xmlns:a16="http://schemas.microsoft.com/office/drawing/2014/main" xmlns="" id="{1A6C8672-D383-4544-B6E3-9DF2D374ABD3}"/>
               </a:ext>
             </a:extLst>
           </p:cNvPr>
@@ -2536,7 +2536,7 @@
           <p:cNvPr id="6" name="Slide Number Placeholder 5">
             <a:extLst>
               <a:ext uri="{FF2B5EF4-FFF2-40B4-BE49-F238E27FC236}">
-                <a16:creationId xmlns:a16="http://schemas.microsoft.com/office/drawing/2014/main" id="{E0098C3B-4D80-48DC-87B6-07908CA693B0}"/>
+                <a16:creationId xmlns:a16="http://schemas.microsoft.com/office/drawing/2014/main" xmlns="" id="{E0098C3B-4D80-48DC-87B6-07908CA693B0}"/>
               </a:ext>
             </a:extLst>
           </p:cNvPr>
@@ -2595,7 +2595,7 @@
           <p:cNvPr id="2" name="Title 1">
             <a:extLst>
               <a:ext uri="{FF2B5EF4-FFF2-40B4-BE49-F238E27FC236}">
-                <a16:creationId xmlns:a16="http://schemas.microsoft.com/office/drawing/2014/main" id="{673743E7-92E0-4674-81F0-2BA23A856888}"/>
+                <a16:creationId xmlns:a16="http://schemas.microsoft.com/office/drawing/2014/main" xmlns="" id="{673743E7-92E0-4674-81F0-2BA23A856888}"/>
               </a:ext>
             </a:extLst>
           </p:cNvPr>
@@ -2632,7 +2632,7 @@
           <p:cNvPr id="3" name="Text Placeholder 2">
             <a:extLst>
               <a:ext uri="{FF2B5EF4-FFF2-40B4-BE49-F238E27FC236}">
-                <a16:creationId xmlns:a16="http://schemas.microsoft.com/office/drawing/2014/main" id="{44447823-22FD-49D3-AE13-831E31E426FD}"/>
+                <a16:creationId xmlns:a16="http://schemas.microsoft.com/office/drawing/2014/main" xmlns="" id="{44447823-22FD-49D3-AE13-831E31E426FD}"/>
               </a:ext>
             </a:extLst>
           </p:cNvPr>
@@ -2757,7 +2757,7 @@
           <p:cNvPr id="4" name="Date Placeholder 3">
             <a:extLst>
               <a:ext uri="{FF2B5EF4-FFF2-40B4-BE49-F238E27FC236}">
-                <a16:creationId xmlns:a16="http://schemas.microsoft.com/office/drawing/2014/main" id="{538EF0E8-FC70-43D7-8C75-6CDE6BE0F267}"/>
+                <a16:creationId xmlns:a16="http://schemas.microsoft.com/office/drawing/2014/main" xmlns="" id="{538EF0E8-FC70-43D7-8C75-6CDE6BE0F267}"/>
               </a:ext>
             </a:extLst>
           </p:cNvPr>
@@ -2775,7 +2775,7 @@
           <a:p>
             <a:fld id="{467B6F40-EC65-4722-BCEC-F5AF12719C12}" type="datetimeFigureOut">
               <a:rPr lang="en-US" smtClean="0"/>
-              <a:t>7/26/2019</a:t>
+              <a:t>2019-08-03</a:t>
             </a:fld>
             <a:endParaRPr lang="en-US"/>
           </a:p>
@@ -2786,7 +2786,7 @@
           <p:cNvPr id="5" name="Footer Placeholder 4">
             <a:extLst>
               <a:ext uri="{FF2B5EF4-FFF2-40B4-BE49-F238E27FC236}">
-                <a16:creationId xmlns:a16="http://schemas.microsoft.com/office/drawing/2014/main" id="{87B450F5-8F60-4CDC-93AB-A4CB6A8A4E87}"/>
+                <a16:creationId xmlns:a16="http://schemas.microsoft.com/office/drawing/2014/main" xmlns="" id="{87B450F5-8F60-4CDC-93AB-A4CB6A8A4E87}"/>
               </a:ext>
             </a:extLst>
           </p:cNvPr>
@@ -2811,7 +2811,7 @@
           <p:cNvPr id="6" name="Slide Number Placeholder 5">
             <a:extLst>
               <a:ext uri="{FF2B5EF4-FFF2-40B4-BE49-F238E27FC236}">
-                <a16:creationId xmlns:a16="http://schemas.microsoft.com/office/drawing/2014/main" id="{3CEA8156-894E-4E6B-A746-A435FE9C6A80}"/>
+                <a16:creationId xmlns:a16="http://schemas.microsoft.com/office/drawing/2014/main" xmlns="" id="{3CEA8156-894E-4E6B-A746-A435FE9C6A80}"/>
               </a:ext>
             </a:extLst>
           </p:cNvPr>
@@ -2870,7 +2870,7 @@
           <p:cNvPr id="2" name="Title 1">
             <a:extLst>
               <a:ext uri="{FF2B5EF4-FFF2-40B4-BE49-F238E27FC236}">
-                <a16:creationId xmlns:a16="http://schemas.microsoft.com/office/drawing/2014/main" id="{E125E2D8-7C2D-4482-A1D6-AB750EE1868E}"/>
+                <a16:creationId xmlns:a16="http://schemas.microsoft.com/office/drawing/2014/main" xmlns="" id="{E125E2D8-7C2D-4482-A1D6-AB750EE1868E}"/>
               </a:ext>
             </a:extLst>
           </p:cNvPr>
@@ -2898,7 +2898,7 @@
           <p:cNvPr id="3" name="Content Placeholder 2">
             <a:extLst>
               <a:ext uri="{FF2B5EF4-FFF2-40B4-BE49-F238E27FC236}">
-                <a16:creationId xmlns:a16="http://schemas.microsoft.com/office/drawing/2014/main" id="{605A9BF4-4D1A-4FBD-A779-0DC28F601772}"/>
+                <a16:creationId xmlns:a16="http://schemas.microsoft.com/office/drawing/2014/main" xmlns="" id="{605A9BF4-4D1A-4FBD-A779-0DC28F601772}"/>
               </a:ext>
             </a:extLst>
           </p:cNvPr>
@@ -2960,7 +2960,7 @@
           <p:cNvPr id="4" name="Content Placeholder 3">
             <a:extLst>
               <a:ext uri="{FF2B5EF4-FFF2-40B4-BE49-F238E27FC236}">
-                <a16:creationId xmlns:a16="http://schemas.microsoft.com/office/drawing/2014/main" id="{72E76A75-A52A-4EDF-B7B5-29DDA91AF8AD}"/>
+                <a16:creationId xmlns:a16="http://schemas.microsoft.com/office/drawing/2014/main" xmlns="" id="{72E76A75-A52A-4EDF-B7B5-29DDA91AF8AD}"/>
               </a:ext>
             </a:extLst>
           </p:cNvPr>
@@ -3022,7 +3022,7 @@
           <p:cNvPr id="5" name="Date Placeholder 4">
             <a:extLst>
               <a:ext uri="{FF2B5EF4-FFF2-40B4-BE49-F238E27FC236}">
-                <a16:creationId xmlns:a16="http://schemas.microsoft.com/office/drawing/2014/main" id="{0E1CA834-79E6-44FA-BCAF-4F26C92E2C8C}"/>
+                <a16:creationId xmlns:a16="http://schemas.microsoft.com/office/drawing/2014/main" xmlns="" id="{0E1CA834-79E6-44FA-BCAF-4F26C92E2C8C}"/>
               </a:ext>
             </a:extLst>
           </p:cNvPr>
@@ -3040,7 +3040,7 @@
           <a:p>
             <a:fld id="{467B6F40-EC65-4722-BCEC-F5AF12719C12}" type="datetimeFigureOut">
               <a:rPr lang="en-US" smtClean="0"/>
-              <a:t>7/26/2019</a:t>
+              <a:t>2019-08-03</a:t>
             </a:fld>
             <a:endParaRPr lang="en-US"/>
           </a:p>
@@ -3051,7 +3051,7 @@
           <p:cNvPr id="6" name="Footer Placeholder 5">
             <a:extLst>
               <a:ext uri="{FF2B5EF4-FFF2-40B4-BE49-F238E27FC236}">
-                <a16:creationId xmlns:a16="http://schemas.microsoft.com/office/drawing/2014/main" id="{7A70F81F-434E-46DD-A16F-2D20D3C7DA86}"/>
+                <a16:creationId xmlns:a16="http://schemas.microsoft.com/office/drawing/2014/main" xmlns="" id="{7A70F81F-434E-46DD-A16F-2D20D3C7DA86}"/>
               </a:ext>
             </a:extLst>
           </p:cNvPr>
@@ -3076,7 +3076,7 @@
           <p:cNvPr id="7" name="Slide Number Placeholder 6">
             <a:extLst>
               <a:ext uri="{FF2B5EF4-FFF2-40B4-BE49-F238E27FC236}">
-                <a16:creationId xmlns:a16="http://schemas.microsoft.com/office/drawing/2014/main" id="{07DE443C-6043-4A6F-8B18-03E3E389D509}"/>
+                <a16:creationId xmlns:a16="http://schemas.microsoft.com/office/drawing/2014/main" xmlns="" id="{07DE443C-6043-4A6F-8B18-03E3E389D509}"/>
               </a:ext>
             </a:extLst>
           </p:cNvPr>
@@ -3135,7 +3135,7 @@
           <p:cNvPr id="2" name="Title 1">
             <a:extLst>
               <a:ext uri="{FF2B5EF4-FFF2-40B4-BE49-F238E27FC236}">
-                <a16:creationId xmlns:a16="http://schemas.microsoft.com/office/drawing/2014/main" id="{D8D1E446-65DF-48FB-9115-348AC297F1D1}"/>
+                <a16:creationId xmlns:a16="http://schemas.microsoft.com/office/drawing/2014/main" xmlns="" id="{D8D1E446-65DF-48FB-9115-348AC297F1D1}"/>
               </a:ext>
             </a:extLst>
           </p:cNvPr>
@@ -3168,7 +3168,7 @@
           <p:cNvPr id="3" name="Text Placeholder 2">
             <a:extLst>
               <a:ext uri="{FF2B5EF4-FFF2-40B4-BE49-F238E27FC236}">
-                <a16:creationId xmlns:a16="http://schemas.microsoft.com/office/drawing/2014/main" id="{A16DFB35-E70F-4D11-9A37-36FB98621F32}"/>
+                <a16:creationId xmlns:a16="http://schemas.microsoft.com/office/drawing/2014/main" xmlns="" id="{A16DFB35-E70F-4D11-9A37-36FB98621F32}"/>
               </a:ext>
             </a:extLst>
           </p:cNvPr>
@@ -3239,7 +3239,7 @@
           <p:cNvPr id="4" name="Content Placeholder 3">
             <a:extLst>
               <a:ext uri="{FF2B5EF4-FFF2-40B4-BE49-F238E27FC236}">
-                <a16:creationId xmlns:a16="http://schemas.microsoft.com/office/drawing/2014/main" id="{8CF13E95-03BC-4E95-BE41-6E69A20AF9CB}"/>
+                <a16:creationId xmlns:a16="http://schemas.microsoft.com/office/drawing/2014/main" xmlns="" id="{8CF13E95-03BC-4E95-BE41-6E69A20AF9CB}"/>
               </a:ext>
             </a:extLst>
           </p:cNvPr>
@@ -3301,7 +3301,7 @@
           <p:cNvPr id="5" name="Text Placeholder 4">
             <a:extLst>
               <a:ext uri="{FF2B5EF4-FFF2-40B4-BE49-F238E27FC236}">
-                <a16:creationId xmlns:a16="http://schemas.microsoft.com/office/drawing/2014/main" id="{31525712-0278-46B4-8D1A-491E7C205411}"/>
+                <a16:creationId xmlns:a16="http://schemas.microsoft.com/office/drawing/2014/main" xmlns="" id="{31525712-0278-46B4-8D1A-491E7C205411}"/>
               </a:ext>
             </a:extLst>
           </p:cNvPr>
@@ -3372,7 +3372,7 @@
           <p:cNvPr id="6" name="Content Placeholder 5">
             <a:extLst>
               <a:ext uri="{FF2B5EF4-FFF2-40B4-BE49-F238E27FC236}">
-                <a16:creationId xmlns:a16="http://schemas.microsoft.com/office/drawing/2014/main" id="{98F1BECD-D182-4B3B-A460-DF2925735C7B}"/>
+                <a16:creationId xmlns:a16="http://schemas.microsoft.com/office/drawing/2014/main" xmlns="" id="{98F1BECD-D182-4B3B-A460-DF2925735C7B}"/>
               </a:ext>
             </a:extLst>
           </p:cNvPr>
@@ -3434,7 +3434,7 @@
           <p:cNvPr id="7" name="Date Placeholder 6">
             <a:extLst>
               <a:ext uri="{FF2B5EF4-FFF2-40B4-BE49-F238E27FC236}">
-                <a16:creationId xmlns:a16="http://schemas.microsoft.com/office/drawing/2014/main" id="{851E4F83-7272-4D84-852A-C382D02FE78B}"/>
+                <a16:creationId xmlns:a16="http://schemas.microsoft.com/office/drawing/2014/main" xmlns="" id="{851E4F83-7272-4D84-852A-C382D02FE78B}"/>
               </a:ext>
             </a:extLst>
           </p:cNvPr>
@@ -3452,7 +3452,7 @@
           <a:p>
             <a:fld id="{467B6F40-EC65-4722-BCEC-F5AF12719C12}" type="datetimeFigureOut">
               <a:rPr lang="en-US" smtClean="0"/>
-              <a:t>7/26/2019</a:t>
+              <a:t>2019-08-03</a:t>
             </a:fld>
             <a:endParaRPr lang="en-US"/>
           </a:p>
@@ -3463,7 +3463,7 @@
           <p:cNvPr id="8" name="Footer Placeholder 7">
             <a:extLst>
               <a:ext uri="{FF2B5EF4-FFF2-40B4-BE49-F238E27FC236}">
-                <a16:creationId xmlns:a16="http://schemas.microsoft.com/office/drawing/2014/main" id="{10D2CB22-0D2E-4F0C-97B4-DA076B19D8EF}"/>
+                <a16:creationId xmlns:a16="http://schemas.microsoft.com/office/drawing/2014/main" xmlns="" id="{10D2CB22-0D2E-4F0C-97B4-DA076B19D8EF}"/>
               </a:ext>
             </a:extLst>
           </p:cNvPr>
@@ -3488,7 +3488,7 @@
           <p:cNvPr id="9" name="Slide Number Placeholder 8">
             <a:extLst>
               <a:ext uri="{FF2B5EF4-FFF2-40B4-BE49-F238E27FC236}">
-                <a16:creationId xmlns:a16="http://schemas.microsoft.com/office/drawing/2014/main" id="{015611AF-89FE-4794-B4F6-F985E3DF5678}"/>
+                <a16:creationId xmlns:a16="http://schemas.microsoft.com/office/drawing/2014/main" xmlns="" id="{015611AF-89FE-4794-B4F6-F985E3DF5678}"/>
               </a:ext>
             </a:extLst>
           </p:cNvPr>
@@ -3547,7 +3547,7 @@
           <p:cNvPr id="2" name="Title 1">
             <a:extLst>
               <a:ext uri="{FF2B5EF4-FFF2-40B4-BE49-F238E27FC236}">
-                <a16:creationId xmlns:a16="http://schemas.microsoft.com/office/drawing/2014/main" id="{DDA9669C-255B-4399-A9E0-9AD3152F6009}"/>
+                <a16:creationId xmlns:a16="http://schemas.microsoft.com/office/drawing/2014/main" xmlns="" id="{DDA9669C-255B-4399-A9E0-9AD3152F6009}"/>
               </a:ext>
             </a:extLst>
           </p:cNvPr>
@@ -3575,7 +3575,7 @@
           <p:cNvPr id="3" name="Date Placeholder 2">
             <a:extLst>
               <a:ext uri="{FF2B5EF4-FFF2-40B4-BE49-F238E27FC236}">
-                <a16:creationId xmlns:a16="http://schemas.microsoft.com/office/drawing/2014/main" id="{36D472C8-66A7-416E-892E-433D0F25D9C8}"/>
+                <a16:creationId xmlns:a16="http://schemas.microsoft.com/office/drawing/2014/main" xmlns="" id="{36D472C8-66A7-416E-892E-433D0F25D9C8}"/>
               </a:ext>
             </a:extLst>
           </p:cNvPr>
@@ -3593,7 +3593,7 @@
           <a:p>
             <a:fld id="{467B6F40-EC65-4722-BCEC-F5AF12719C12}" type="datetimeFigureOut">
               <a:rPr lang="en-US" smtClean="0"/>
-              <a:t>7/26/2019</a:t>
+              <a:t>2019-08-03</a:t>
             </a:fld>
             <a:endParaRPr lang="en-US"/>
           </a:p>
@@ -3604,7 +3604,7 @@
           <p:cNvPr id="4" name="Footer Placeholder 3">
             <a:extLst>
               <a:ext uri="{FF2B5EF4-FFF2-40B4-BE49-F238E27FC236}">
-                <a16:creationId xmlns:a16="http://schemas.microsoft.com/office/drawing/2014/main" id="{E55BEA24-885E-4862-B843-1DC0AA7E90AB}"/>
+                <a16:creationId xmlns:a16="http://schemas.microsoft.com/office/drawing/2014/main" xmlns="" id="{E55BEA24-885E-4862-B843-1DC0AA7E90AB}"/>
               </a:ext>
             </a:extLst>
           </p:cNvPr>
@@ -3629,7 +3629,7 @@
           <p:cNvPr id="5" name="Slide Number Placeholder 4">
             <a:extLst>
               <a:ext uri="{FF2B5EF4-FFF2-40B4-BE49-F238E27FC236}">
-                <a16:creationId xmlns:a16="http://schemas.microsoft.com/office/drawing/2014/main" id="{A34FDA84-BEB8-4096-8F12-5179F49AC6C4}"/>
+                <a16:creationId xmlns:a16="http://schemas.microsoft.com/office/drawing/2014/main" xmlns="" id="{A34FDA84-BEB8-4096-8F12-5179F49AC6C4}"/>
               </a:ext>
             </a:extLst>
           </p:cNvPr>
@@ -3688,7 +3688,7 @@
           <p:cNvPr id="2" name="Date Placeholder 1">
             <a:extLst>
               <a:ext uri="{FF2B5EF4-FFF2-40B4-BE49-F238E27FC236}">
-                <a16:creationId xmlns:a16="http://schemas.microsoft.com/office/drawing/2014/main" id="{B29EF21E-0A8B-491B-BE7F-642E3CF6E449}"/>
+                <a16:creationId xmlns:a16="http://schemas.microsoft.com/office/drawing/2014/main" xmlns="" id="{B29EF21E-0A8B-491B-BE7F-642E3CF6E449}"/>
               </a:ext>
             </a:extLst>
           </p:cNvPr>
@@ -3706,7 +3706,7 @@
           <a:p>
             <a:fld id="{467B6F40-EC65-4722-BCEC-F5AF12719C12}" type="datetimeFigureOut">
               <a:rPr lang="en-US" smtClean="0"/>
-              <a:t>7/26/2019</a:t>
+              <a:t>2019-08-03</a:t>
             </a:fld>
             <a:endParaRPr lang="en-US"/>
           </a:p>
@@ -3717,7 +3717,7 @@
           <p:cNvPr id="3" name="Footer Placeholder 2">
             <a:extLst>
               <a:ext uri="{FF2B5EF4-FFF2-40B4-BE49-F238E27FC236}">
-                <a16:creationId xmlns:a16="http://schemas.microsoft.com/office/drawing/2014/main" id="{5342EE23-3452-4E34-8D5F-824562DD2A06}"/>
+                <a16:creationId xmlns:a16="http://schemas.microsoft.com/office/drawing/2014/main" xmlns="" id="{5342EE23-3452-4E34-8D5F-824562DD2A06}"/>
               </a:ext>
             </a:extLst>
           </p:cNvPr>
@@ -3742,7 +3742,7 @@
           <p:cNvPr id="4" name="Slide Number Placeholder 3">
             <a:extLst>
               <a:ext uri="{FF2B5EF4-FFF2-40B4-BE49-F238E27FC236}">
-                <a16:creationId xmlns:a16="http://schemas.microsoft.com/office/drawing/2014/main" id="{3ECB9CF3-422F-4F24-9EDF-9801153FCEA7}"/>
+                <a16:creationId xmlns:a16="http://schemas.microsoft.com/office/drawing/2014/main" xmlns="" id="{3ECB9CF3-422F-4F24-9EDF-9801153FCEA7}"/>
               </a:ext>
             </a:extLst>
           </p:cNvPr>
@@ -3801,7 +3801,7 @@
           <p:cNvPr id="2" name="Title 1">
             <a:extLst>
               <a:ext uri="{FF2B5EF4-FFF2-40B4-BE49-F238E27FC236}">
-                <a16:creationId xmlns:a16="http://schemas.microsoft.com/office/drawing/2014/main" id="{4B289673-5095-4334-8DB5-DDF5C58ACC16}"/>
+                <a16:creationId xmlns:a16="http://schemas.microsoft.com/office/drawing/2014/main" xmlns="" id="{4B289673-5095-4334-8DB5-DDF5C58ACC16}"/>
               </a:ext>
             </a:extLst>
           </p:cNvPr>
@@ -3838,7 +3838,7 @@
           <p:cNvPr id="3" name="Content Placeholder 2">
             <a:extLst>
               <a:ext uri="{FF2B5EF4-FFF2-40B4-BE49-F238E27FC236}">
-                <a16:creationId xmlns:a16="http://schemas.microsoft.com/office/drawing/2014/main" id="{3AC684BD-D4F1-4CF0-B351-1132643A9234}"/>
+                <a16:creationId xmlns:a16="http://schemas.microsoft.com/office/drawing/2014/main" xmlns="" id="{3AC684BD-D4F1-4CF0-B351-1132643A9234}"/>
               </a:ext>
             </a:extLst>
           </p:cNvPr>
@@ -3928,7 +3928,7 @@
           <p:cNvPr id="4" name="Text Placeholder 3">
             <a:extLst>
               <a:ext uri="{FF2B5EF4-FFF2-40B4-BE49-F238E27FC236}">
-                <a16:creationId xmlns:a16="http://schemas.microsoft.com/office/drawing/2014/main" id="{08E0BC37-D116-4F2C-98DA-74E5426C5491}"/>
+                <a16:creationId xmlns:a16="http://schemas.microsoft.com/office/drawing/2014/main" xmlns="" id="{08E0BC37-D116-4F2C-98DA-74E5426C5491}"/>
               </a:ext>
             </a:extLst>
           </p:cNvPr>
@@ -3999,7 +3999,7 @@
           <p:cNvPr id="5" name="Date Placeholder 4">
             <a:extLst>
               <a:ext uri="{FF2B5EF4-FFF2-40B4-BE49-F238E27FC236}">
-                <a16:creationId xmlns:a16="http://schemas.microsoft.com/office/drawing/2014/main" id="{F3FA9A3B-F33B-4649-B7C0-40746F4A70E0}"/>
+                <a16:creationId xmlns:a16="http://schemas.microsoft.com/office/drawing/2014/main" xmlns="" id="{F3FA9A3B-F33B-4649-B7C0-40746F4A70E0}"/>
               </a:ext>
             </a:extLst>
           </p:cNvPr>
@@ -4017,7 +4017,7 @@
           <a:p>
             <a:fld id="{467B6F40-EC65-4722-BCEC-F5AF12719C12}" type="datetimeFigureOut">
               <a:rPr lang="en-US" smtClean="0"/>
-              <a:t>7/26/2019</a:t>
+              <a:t>2019-08-03</a:t>
             </a:fld>
             <a:endParaRPr lang="en-US"/>
           </a:p>
@@ -4028,7 +4028,7 @@
           <p:cNvPr id="6" name="Footer Placeholder 5">
             <a:extLst>
               <a:ext uri="{FF2B5EF4-FFF2-40B4-BE49-F238E27FC236}">
-                <a16:creationId xmlns:a16="http://schemas.microsoft.com/office/drawing/2014/main" id="{362A181A-E6BE-4B51-9CF0-36661E50BD58}"/>
+                <a16:creationId xmlns:a16="http://schemas.microsoft.com/office/drawing/2014/main" xmlns="" id="{362A181A-E6BE-4B51-9CF0-36661E50BD58}"/>
               </a:ext>
             </a:extLst>
           </p:cNvPr>
@@ -4053,7 +4053,7 @@
           <p:cNvPr id="7" name="Slide Number Placeholder 6">
             <a:extLst>
               <a:ext uri="{FF2B5EF4-FFF2-40B4-BE49-F238E27FC236}">
-                <a16:creationId xmlns:a16="http://schemas.microsoft.com/office/drawing/2014/main" id="{B798CB95-CB7A-4985-8B86-90AE7E009233}"/>
+                <a16:creationId xmlns:a16="http://schemas.microsoft.com/office/drawing/2014/main" xmlns="" id="{B798CB95-CB7A-4985-8B86-90AE7E009233}"/>
               </a:ext>
             </a:extLst>
           </p:cNvPr>
@@ -4112,7 +4112,7 @@
           <p:cNvPr id="2" name="Title 1">
             <a:extLst>
               <a:ext uri="{FF2B5EF4-FFF2-40B4-BE49-F238E27FC236}">
-                <a16:creationId xmlns:a16="http://schemas.microsoft.com/office/drawing/2014/main" id="{A9846294-DCDB-4990-A5B4-5534E4A5575B}"/>
+                <a16:creationId xmlns:a16="http://schemas.microsoft.com/office/drawing/2014/main" xmlns="" id="{A9846294-DCDB-4990-A5B4-5534E4A5575B}"/>
               </a:ext>
             </a:extLst>
           </p:cNvPr>
@@ -4149,7 +4149,7 @@
           <p:cNvPr id="3" name="Picture Placeholder 2">
             <a:extLst>
               <a:ext uri="{FF2B5EF4-FFF2-40B4-BE49-F238E27FC236}">
-                <a16:creationId xmlns:a16="http://schemas.microsoft.com/office/drawing/2014/main" id="{31AB7A82-CC01-4539-8A5B-85F66FE2CAEE}"/>
+                <a16:creationId xmlns:a16="http://schemas.microsoft.com/office/drawing/2014/main" xmlns="" id="{31AB7A82-CC01-4539-8A5B-85F66FE2CAEE}"/>
               </a:ext>
             </a:extLst>
           </p:cNvPr>
@@ -4216,7 +4216,7 @@
           <p:cNvPr id="4" name="Text Placeholder 3">
             <a:extLst>
               <a:ext uri="{FF2B5EF4-FFF2-40B4-BE49-F238E27FC236}">
-                <a16:creationId xmlns:a16="http://schemas.microsoft.com/office/drawing/2014/main" id="{1AEFFB14-2035-4D92-9C83-AB4357373F06}"/>
+                <a16:creationId xmlns:a16="http://schemas.microsoft.com/office/drawing/2014/main" xmlns="" id="{1AEFFB14-2035-4D92-9C83-AB4357373F06}"/>
               </a:ext>
             </a:extLst>
           </p:cNvPr>
@@ -4287,7 +4287,7 @@
           <p:cNvPr id="5" name="Date Placeholder 4">
             <a:extLst>
               <a:ext uri="{FF2B5EF4-FFF2-40B4-BE49-F238E27FC236}">
-                <a16:creationId xmlns:a16="http://schemas.microsoft.com/office/drawing/2014/main" id="{9E5F68F1-6D78-4626-8E21-E48924FC5C7B}"/>
+                <a16:creationId xmlns:a16="http://schemas.microsoft.com/office/drawing/2014/main" xmlns="" id="{9E5F68F1-6D78-4626-8E21-E48924FC5C7B}"/>
               </a:ext>
             </a:extLst>
           </p:cNvPr>
@@ -4305,7 +4305,7 @@
           <a:p>
             <a:fld id="{467B6F40-EC65-4722-BCEC-F5AF12719C12}" type="datetimeFigureOut">
               <a:rPr lang="en-US" smtClean="0"/>
-              <a:t>7/26/2019</a:t>
+              <a:t>2019-08-03</a:t>
             </a:fld>
             <a:endParaRPr lang="en-US"/>
           </a:p>
@@ -4316,7 +4316,7 @@
           <p:cNvPr id="6" name="Footer Placeholder 5">
             <a:extLst>
               <a:ext uri="{FF2B5EF4-FFF2-40B4-BE49-F238E27FC236}">
-                <a16:creationId xmlns:a16="http://schemas.microsoft.com/office/drawing/2014/main" id="{86EC6FA6-7D28-433D-91FF-8610F12F24C4}"/>
+                <a16:creationId xmlns:a16="http://schemas.microsoft.com/office/drawing/2014/main" xmlns="" id="{86EC6FA6-7D28-433D-91FF-8610F12F24C4}"/>
               </a:ext>
             </a:extLst>
           </p:cNvPr>
@@ -4341,7 +4341,7 @@
           <p:cNvPr id="7" name="Slide Number Placeholder 6">
             <a:extLst>
               <a:ext uri="{FF2B5EF4-FFF2-40B4-BE49-F238E27FC236}">
-                <a16:creationId xmlns:a16="http://schemas.microsoft.com/office/drawing/2014/main" id="{3955159E-254A-4D0D-89E8-E537C07D2693}"/>
+                <a16:creationId xmlns:a16="http://schemas.microsoft.com/office/drawing/2014/main" xmlns="" id="{3955159E-254A-4D0D-89E8-E537C07D2693}"/>
               </a:ext>
             </a:extLst>
           </p:cNvPr>
@@ -4405,7 +4405,7 @@
           <p:cNvPr id="2" name="Title Placeholder 1">
             <a:extLst>
               <a:ext uri="{FF2B5EF4-FFF2-40B4-BE49-F238E27FC236}">
-                <a16:creationId xmlns:a16="http://schemas.microsoft.com/office/drawing/2014/main" id="{7999BA17-EC81-4422-8EAB-AE587E59DEC6}"/>
+                <a16:creationId xmlns:a16="http://schemas.microsoft.com/office/drawing/2014/main" xmlns="" id="{7999BA17-EC81-4422-8EAB-AE587E59DEC6}"/>
               </a:ext>
             </a:extLst>
           </p:cNvPr>
@@ -4443,7 +4443,7 @@
           <p:cNvPr id="3" name="Text Placeholder 2">
             <a:extLst>
               <a:ext uri="{FF2B5EF4-FFF2-40B4-BE49-F238E27FC236}">
-                <a16:creationId xmlns:a16="http://schemas.microsoft.com/office/drawing/2014/main" id="{B48D8447-27CA-4B93-8469-CD8AAE940C44}"/>
+                <a16:creationId xmlns:a16="http://schemas.microsoft.com/office/drawing/2014/main" xmlns="" id="{B48D8447-27CA-4B93-8469-CD8AAE940C44}"/>
               </a:ext>
             </a:extLst>
           </p:cNvPr>
@@ -4510,7 +4510,7 @@
           <p:cNvPr id="4" name="Date Placeholder 3">
             <a:extLst>
               <a:ext uri="{FF2B5EF4-FFF2-40B4-BE49-F238E27FC236}">
-                <a16:creationId xmlns:a16="http://schemas.microsoft.com/office/drawing/2014/main" id="{B4E4A6CA-8AB7-449D-B970-C0EDB7CE3C7D}"/>
+                <a16:creationId xmlns:a16="http://schemas.microsoft.com/office/drawing/2014/main" xmlns="" id="{B4E4A6CA-8AB7-449D-B970-C0EDB7CE3C7D}"/>
               </a:ext>
             </a:extLst>
           </p:cNvPr>
@@ -4546,7 +4546,7 @@
           <a:p>
             <a:fld id="{467B6F40-EC65-4722-BCEC-F5AF12719C12}" type="datetimeFigureOut">
               <a:rPr lang="en-US" smtClean="0"/>
-              <a:t>7/26/2019</a:t>
+              <a:t>2019-08-03</a:t>
             </a:fld>
             <a:endParaRPr lang="en-US"/>
           </a:p>
@@ -4557,7 +4557,7 @@
           <p:cNvPr id="5" name="Footer Placeholder 4">
             <a:extLst>
               <a:ext uri="{FF2B5EF4-FFF2-40B4-BE49-F238E27FC236}">
-                <a16:creationId xmlns:a16="http://schemas.microsoft.com/office/drawing/2014/main" id="{ED3F01A0-263B-439F-83C0-61B37E34D692}"/>
+                <a16:creationId xmlns:a16="http://schemas.microsoft.com/office/drawing/2014/main" xmlns="" id="{ED3F01A0-263B-439F-83C0-61B37E34D692}"/>
               </a:ext>
             </a:extLst>
           </p:cNvPr>
@@ -4600,7 +4600,7 @@
           <p:cNvPr id="6" name="Slide Number Placeholder 5">
             <a:extLst>
               <a:ext uri="{FF2B5EF4-FFF2-40B4-BE49-F238E27FC236}">
-                <a16:creationId xmlns:a16="http://schemas.microsoft.com/office/drawing/2014/main" id="{9CA1FAA9-EF8A-4953-83B2-808DC5AABE08}"/>
+                <a16:creationId xmlns:a16="http://schemas.microsoft.com/office/drawing/2014/main" xmlns="" id="{9CA1FAA9-EF8A-4953-83B2-808DC5AABE08}"/>
               </a:ext>
             </a:extLst>
           </p:cNvPr>
@@ -4968,7 +4968,7 @@
           <p:cNvPr id="2" name="Title 1">
             <a:extLst>
               <a:ext uri="{FF2B5EF4-FFF2-40B4-BE49-F238E27FC236}">
-                <a16:creationId xmlns:a16="http://schemas.microsoft.com/office/drawing/2014/main" id="{BD741483-B11E-445B-82D4-F69120BFE4F4}"/>
+                <a16:creationId xmlns:a16="http://schemas.microsoft.com/office/drawing/2014/main" xmlns="" id="{BD741483-B11E-445B-82D4-F69120BFE4F4}"/>
               </a:ext>
             </a:extLst>
           </p:cNvPr>
@@ -4996,7 +4996,7 @@
           <p:cNvPr id="3" name="Subtitle 2">
             <a:extLst>
               <a:ext uri="{FF2B5EF4-FFF2-40B4-BE49-F238E27FC236}">
-                <a16:creationId xmlns:a16="http://schemas.microsoft.com/office/drawing/2014/main" id="{25543615-085F-4258-A2E2-34551553B4FC}"/>
+                <a16:creationId xmlns:a16="http://schemas.microsoft.com/office/drawing/2014/main" xmlns="" id="{25543615-085F-4258-A2E2-34551553B4FC}"/>
               </a:ext>
             </a:extLst>
           </p:cNvPr>
@@ -5051,7 +5051,7 @@
           <p:cNvPr id="2" name="Title 1">
             <a:extLst>
               <a:ext uri="{FF2B5EF4-FFF2-40B4-BE49-F238E27FC236}">
-                <a16:creationId xmlns:a16="http://schemas.microsoft.com/office/drawing/2014/main" id="{99F7D6D0-C3C0-4F7D-85E0-921F9502D6CC}"/>
+                <a16:creationId xmlns:a16="http://schemas.microsoft.com/office/drawing/2014/main" xmlns="" id="{99F7D6D0-C3C0-4F7D-85E0-921F9502D6CC}"/>
               </a:ext>
             </a:extLst>
           </p:cNvPr>
@@ -5079,7 +5079,7 @@
           <p:cNvPr id="4" name="Content Placeholder 3">
             <a:extLst>
               <a:ext uri="{FF2B5EF4-FFF2-40B4-BE49-F238E27FC236}">
-                <a16:creationId xmlns:a16="http://schemas.microsoft.com/office/drawing/2014/main" id="{A2FBB0DC-C13F-4885-9425-924C452E33D9}"/>
+                <a16:creationId xmlns:a16="http://schemas.microsoft.com/office/drawing/2014/main" xmlns="" id="{A2FBB0DC-C13F-4885-9425-924C452E33D9}"/>
               </a:ext>
             </a:extLst>
           </p:cNvPr>
@@ -5104,28 +5104,28 @@
                 <a:gridCol w="2628900">
                   <a:extLst>
                     <a:ext uri="{9D8B030D-6E8A-4147-A177-3AD203B41FA5}">
-                      <a16:colId xmlns:a16="http://schemas.microsoft.com/office/drawing/2014/main" val="3470846463"/>
+                      <a16:colId xmlns:a16="http://schemas.microsoft.com/office/drawing/2014/main" xmlns="" val="3470846463"/>
                     </a:ext>
                   </a:extLst>
                 </a:gridCol>
                 <a:gridCol w="2628900">
                   <a:extLst>
                     <a:ext uri="{9D8B030D-6E8A-4147-A177-3AD203B41FA5}">
-                      <a16:colId xmlns:a16="http://schemas.microsoft.com/office/drawing/2014/main" val="3990732175"/>
+                      <a16:colId xmlns:a16="http://schemas.microsoft.com/office/drawing/2014/main" xmlns="" val="3990732175"/>
                     </a:ext>
                   </a:extLst>
                 </a:gridCol>
                 <a:gridCol w="2628900">
                   <a:extLst>
                     <a:ext uri="{9D8B030D-6E8A-4147-A177-3AD203B41FA5}">
-                      <a16:colId xmlns:a16="http://schemas.microsoft.com/office/drawing/2014/main" val="3113442537"/>
+                      <a16:colId xmlns:a16="http://schemas.microsoft.com/office/drawing/2014/main" xmlns="" val="3113442537"/>
                     </a:ext>
                   </a:extLst>
                 </a:gridCol>
                 <a:gridCol w="2628900">
                   <a:extLst>
                     <a:ext uri="{9D8B030D-6E8A-4147-A177-3AD203B41FA5}">
-                      <a16:colId xmlns:a16="http://schemas.microsoft.com/office/drawing/2014/main" val="3734812451"/>
+                      <a16:colId xmlns:a16="http://schemas.microsoft.com/office/drawing/2014/main" xmlns="" val="3734812451"/>
                     </a:ext>
                   </a:extLst>
                 </a:gridCol>
@@ -5189,7 +5189,7 @@
                 </a:tc>
                 <a:extLst>
                   <a:ext uri="{0D108BD9-81ED-4DB2-BD59-A6C34878D82A}">
-                    <a16:rowId xmlns:a16="http://schemas.microsoft.com/office/drawing/2014/main" val="3547791680"/>
+                    <a16:rowId xmlns:a16="http://schemas.microsoft.com/office/drawing/2014/main" xmlns="" val="3547791680"/>
                   </a:ext>
                 </a:extLst>
               </a:tr>
@@ -5248,7 +5248,7 @@
                 </a:tc>
                 <a:extLst>
                   <a:ext uri="{0D108BD9-81ED-4DB2-BD59-A6C34878D82A}">
-                    <a16:rowId xmlns:a16="http://schemas.microsoft.com/office/drawing/2014/main" val="2673285938"/>
+                    <a16:rowId xmlns:a16="http://schemas.microsoft.com/office/drawing/2014/main" xmlns="" val="2673285938"/>
                   </a:ext>
                 </a:extLst>
               </a:tr>
@@ -5299,7 +5299,7 @@
                 </a:tc>
                 <a:extLst>
                   <a:ext uri="{0D108BD9-81ED-4DB2-BD59-A6C34878D82A}">
-                    <a16:rowId xmlns:a16="http://schemas.microsoft.com/office/drawing/2014/main" val="761915796"/>
+                    <a16:rowId xmlns:a16="http://schemas.microsoft.com/office/drawing/2014/main" xmlns="" val="761915796"/>
                   </a:ext>
                 </a:extLst>
               </a:tr>
@@ -5350,7 +5350,7 @@
                 </a:tc>
                 <a:extLst>
                   <a:ext uri="{0D108BD9-81ED-4DB2-BD59-A6C34878D82A}">
-                    <a16:rowId xmlns:a16="http://schemas.microsoft.com/office/drawing/2014/main" val="3849345575"/>
+                    <a16:rowId xmlns:a16="http://schemas.microsoft.com/office/drawing/2014/main" xmlns="" val="3849345575"/>
                   </a:ext>
                 </a:extLst>
               </a:tr>
@@ -5393,7 +5393,7 @@
           <p:cNvPr id="2" name="Title 1">
             <a:extLst>
               <a:ext uri="{FF2B5EF4-FFF2-40B4-BE49-F238E27FC236}">
-                <a16:creationId xmlns:a16="http://schemas.microsoft.com/office/drawing/2014/main" id="{0A2A4053-83BE-448D-8877-DBBA7D7FBA62}"/>
+                <a16:creationId xmlns:a16="http://schemas.microsoft.com/office/drawing/2014/main" xmlns="" id="{0A2A4053-83BE-448D-8877-DBBA7D7FBA62}"/>
               </a:ext>
             </a:extLst>
           </p:cNvPr>
@@ -5411,7 +5411,7 @@
           <a:p>
             <a:r>
               <a:rPr lang="en-US" dirty="0"/>
-              <a:t>Types: 3 – Destination Unreachable Message</a:t>
+              <a:t>Types: 8/0 – Echo / Echo Reply Message</a:t>
             </a:r>
           </a:p>
         </p:txBody>
@@ -5421,7 +5421,7 @@
           <p:cNvPr id="3" name="Content Placeholder 2">
             <a:extLst>
               <a:ext uri="{FF2B5EF4-FFF2-40B4-BE49-F238E27FC236}">
-                <a16:creationId xmlns:a16="http://schemas.microsoft.com/office/drawing/2014/main" id="{2C05FB4C-A7FE-45D7-A696-BFFC90E02159}"/>
+                <a16:creationId xmlns:a16="http://schemas.microsoft.com/office/drawing/2014/main" xmlns="" id="{2C05FB4C-A7FE-45D7-A696-BFFC90E02159}"/>
               </a:ext>
             </a:extLst>
           </p:cNvPr>
@@ -5440,89 +5440,114 @@
         </p:spPr>
         <p:txBody>
           <a:bodyPr>
-            <a:normAutofit fontScale="92500" lnSpcReduction="10000"/>
+            <a:normAutofit/>
           </a:bodyPr>
           <a:lstStyle/>
           <a:p>
+            <a:pPr>
+              <a:lnSpc>
+                <a:spcPct val="70000"/>
+              </a:lnSpc>
+            </a:pPr>
             <a:r>
               <a:rPr lang="en-US" sz="2400" dirty="0"/>
               <a:t>Packet Format:</a:t>
             </a:r>
           </a:p>
           <a:p>
+            <a:pPr marL="0" indent="0">
+              <a:lnSpc>
+                <a:spcPct val="70000"/>
+              </a:lnSpc>
+              <a:buNone/>
+            </a:pPr>
             <a:endParaRPr lang="en-US" sz="2400" dirty="0"/>
           </a:p>
           <a:p>
+            <a:pPr>
+              <a:lnSpc>
+                <a:spcPct val="70000"/>
+              </a:lnSpc>
+            </a:pPr>
             <a:endParaRPr lang="en-US" sz="2400" dirty="0"/>
           </a:p>
           <a:p>
+            <a:pPr>
+              <a:lnSpc>
+                <a:spcPct val="70000"/>
+              </a:lnSpc>
+            </a:pPr>
+            <a:endParaRPr lang="en-US" sz="2400" dirty="0"/>
+          </a:p>
+          <a:p>
+            <a:pPr>
+              <a:lnSpc>
+                <a:spcPct val="70000"/>
+              </a:lnSpc>
+            </a:pPr>
+            <a:endParaRPr lang="en-US" sz="2400" dirty="0"/>
+          </a:p>
+          <a:p>
             <a:pPr marL="0" indent="0">
+              <a:lnSpc>
+                <a:spcPct val="70000"/>
+              </a:lnSpc>
               <a:buFont typeface="Arial" panose="020B0604020202020204" pitchFamily="34" charset="0"/>
               <a:buNone/>
             </a:pPr>
             <a:endParaRPr lang="en-US" sz="2400" dirty="0"/>
           </a:p>
           <a:p>
-            <a:pPr marL="0" indent="0">
+            <a:pPr marL="457200" lvl="1" indent="0">
+              <a:lnSpc>
+                <a:spcPct val="70000"/>
+              </a:lnSpc>
               <a:buFont typeface="Arial" panose="020B0604020202020204" pitchFamily="34" charset="0"/>
               <a:buNone/>
             </a:pPr>
-            <a:endParaRPr lang="en-US" sz="2400" dirty="0"/>
+            <a:endParaRPr lang="en-US" dirty="0"/>
+          </a:p>
+          <a:p>
+            <a:pPr>
+              <a:lnSpc>
+                <a:spcPct val="70000"/>
+              </a:lnSpc>
+            </a:pPr>
+            <a:r>
+              <a:rPr lang="en-US" sz="2400" dirty="0"/>
+              <a:t>Types:</a:t>
+            </a:r>
+          </a:p>
+          <a:p>
+            <a:pPr lvl="1">
+              <a:lnSpc>
+                <a:spcPct val="70000"/>
+              </a:lnSpc>
+            </a:pPr>
+            <a:r>
+              <a:rPr lang="en-US" sz="2000" dirty="0"/>
+              <a:t>0 = echo;</a:t>
+            </a:r>
+          </a:p>
+          <a:p>
+            <a:pPr lvl="1">
+              <a:lnSpc>
+                <a:spcPct val="70000"/>
+              </a:lnSpc>
+            </a:pPr>
+            <a:r>
+              <a:rPr lang="en-US" sz="2000" dirty="0"/>
+              <a:t>8 = echo reply</a:t>
+            </a:r>
           </a:p>
           <a:p>
             <a:pPr marL="0" indent="0">
-              <a:buFont typeface="Arial" panose="020B0604020202020204" pitchFamily="34" charset="0"/>
+              <a:lnSpc>
+                <a:spcPct val="70000"/>
+              </a:lnSpc>
               <a:buNone/>
             </a:pPr>
-            <a:endParaRPr lang="en-US" sz="2400" dirty="0"/>
-          </a:p>
-          <a:p>
-            <a:r>
-              <a:rPr lang="en-US" sz="2400" dirty="0"/>
-              <a:t>Code numbers:</a:t>
-            </a:r>
-          </a:p>
-          <a:p>
-            <a:pPr lvl="1"/>
-            <a:r>
-              <a:rPr lang="en-US" altLang="en-US" dirty="0"/>
-              <a:t>0 = net unreachable; </a:t>
-            </a:r>
-          </a:p>
-          <a:p>
-            <a:pPr lvl="1"/>
-            <a:r>
-              <a:rPr lang="en-US" altLang="en-US" dirty="0"/>
-              <a:t>1 = host unreachable; </a:t>
-            </a:r>
-          </a:p>
-          <a:p>
-            <a:pPr lvl="1"/>
-            <a:r>
-              <a:rPr lang="en-US" altLang="en-US" dirty="0"/>
-              <a:t>2 = protocol unreachable; </a:t>
-            </a:r>
-          </a:p>
-          <a:p>
-            <a:pPr lvl="1"/>
-            <a:r>
-              <a:rPr lang="en-US" altLang="en-US" dirty="0"/>
-              <a:t>3 = port unreachable; </a:t>
-            </a:r>
-          </a:p>
-          <a:p>
-            <a:pPr lvl="1"/>
-            <a:r>
-              <a:rPr lang="en-US" altLang="en-US" dirty="0"/>
-              <a:t>4 = fragmentation needed and DF set; </a:t>
-            </a:r>
-          </a:p>
-          <a:p>
-            <a:pPr lvl="1"/>
-            <a:r>
-              <a:rPr lang="en-US" altLang="en-US" dirty="0"/>
-              <a:t>5 = source route failed.</a:t>
-            </a:r>
+            <a:endParaRPr lang="en-US" dirty="0"/>
           </a:p>
         </p:txBody>
       </p:sp>
@@ -5531,7 +5556,7 @@
           <p:cNvPr id="6" name="Content Placeholder 3">
             <a:extLst>
               <a:ext uri="{FF2B5EF4-FFF2-40B4-BE49-F238E27FC236}">
-                <a16:creationId xmlns:a16="http://schemas.microsoft.com/office/drawing/2014/main" id="{25204249-12E6-4182-A578-16B88125DAD3}"/>
+                <a16:creationId xmlns:a16="http://schemas.microsoft.com/office/drawing/2014/main" xmlns="" id="{25204249-12E6-4182-A578-16B88125DAD3}"/>
               </a:ext>
             </a:extLst>
           </p:cNvPr>
@@ -5542,7 +5567,7 @@
         </p:nvGraphicFramePr>
         <p:xfrm>
           <a:off x="838200" y="2296142"/>
-          <a:ext cx="10515600" cy="1483360"/>
+          <a:ext cx="10515600" cy="1902996"/>
         </p:xfrm>
         <a:graphic>
           <a:graphicData uri="http://schemas.openxmlformats.org/drawingml/2006/table">
@@ -5554,28 +5579,28 @@
                 <a:gridCol w="2628900">
                   <a:extLst>
                     <a:ext uri="{9D8B030D-6E8A-4147-A177-3AD203B41FA5}">
-                      <a16:colId xmlns:a16="http://schemas.microsoft.com/office/drawing/2014/main" val="3470846463"/>
+                      <a16:colId xmlns:a16="http://schemas.microsoft.com/office/drawing/2014/main" xmlns="" val="3470846463"/>
                     </a:ext>
                   </a:extLst>
                 </a:gridCol>
                 <a:gridCol w="2628900">
                   <a:extLst>
                     <a:ext uri="{9D8B030D-6E8A-4147-A177-3AD203B41FA5}">
-                      <a16:colId xmlns:a16="http://schemas.microsoft.com/office/drawing/2014/main" val="3990732175"/>
+                      <a16:colId xmlns:a16="http://schemas.microsoft.com/office/drawing/2014/main" xmlns="" val="3990732175"/>
                     </a:ext>
                   </a:extLst>
                 </a:gridCol>
                 <a:gridCol w="2628900">
                   <a:extLst>
                     <a:ext uri="{9D8B030D-6E8A-4147-A177-3AD203B41FA5}">
-                      <a16:colId xmlns:a16="http://schemas.microsoft.com/office/drawing/2014/main" val="3113442537"/>
+                      <a16:colId xmlns:a16="http://schemas.microsoft.com/office/drawing/2014/main" xmlns="" val="3113442537"/>
                     </a:ext>
                   </a:extLst>
                 </a:gridCol>
                 <a:gridCol w="2628900">
                   <a:extLst>
                     <a:ext uri="{9D8B030D-6E8A-4147-A177-3AD203B41FA5}">
-                      <a16:colId xmlns:a16="http://schemas.microsoft.com/office/drawing/2014/main" val="3734812451"/>
+                      <a16:colId xmlns:a16="http://schemas.microsoft.com/office/drawing/2014/main" xmlns="" val="3734812451"/>
                     </a:ext>
                   </a:extLst>
                 </a:gridCol>
@@ -5639,7 +5664,7 @@
                 </a:tc>
                 <a:extLst>
                   <a:ext uri="{0D108BD9-81ED-4DB2-BD59-A6C34878D82A}">
-                    <a16:rowId xmlns:a16="http://schemas.microsoft.com/office/drawing/2014/main" val="3547791680"/>
+                    <a16:rowId xmlns:a16="http://schemas.microsoft.com/office/drawing/2014/main" xmlns="" val="3547791680"/>
                   </a:ext>
                 </a:extLst>
               </a:tr>
@@ -5656,7 +5681,17 @@
                       </a:r>
                     </a:p>
                   </a:txBody>
-                  <a:tcPr/>
+                  <a:tcPr>
+                    <a:lnR w="12700" cap="flat" cmpd="sng" algn="ctr">
+                      <a:solidFill>
+                        <a:schemeClr val="tx1"/>
+                      </a:solidFill>
+                      <a:prstDash val="solid"/>
+                      <a:round/>
+                      <a:headEnd type="none" w="med" len="med"/>
+                      <a:tailEnd type="none" w="med" len="med"/>
+                    </a:lnR>
+                  </a:tcPr>
                 </a:tc>
                 <a:tc>
                   <a:txBody>
@@ -5670,7 +5705,26 @@
                       </a:r>
                     </a:p>
                   </a:txBody>
-                  <a:tcPr/>
+                  <a:tcPr>
+                    <a:lnL w="12700" cap="flat" cmpd="sng" algn="ctr">
+                      <a:solidFill>
+                        <a:schemeClr val="tx1"/>
+                      </a:solidFill>
+                      <a:prstDash val="solid"/>
+                      <a:round/>
+                      <a:headEnd type="none" w="med" len="med"/>
+                      <a:tailEnd type="none" w="med" len="med"/>
+                    </a:lnL>
+                    <a:lnR w="12700" cap="flat" cmpd="sng" algn="ctr">
+                      <a:solidFill>
+                        <a:schemeClr val="tx1"/>
+                      </a:solidFill>
+                      <a:prstDash val="solid"/>
+                      <a:round/>
+                      <a:headEnd type="none" w="med" len="med"/>
+                      <a:tailEnd type="none" w="med" len="med"/>
+                    </a:lnR>
+                  </a:tcPr>
                 </a:tc>
                 <a:tc gridSpan="2">
                   <a:txBody>
@@ -5684,7 +5738,17 @@
                       </a:r>
                     </a:p>
                   </a:txBody>
-                  <a:tcPr/>
+                  <a:tcPr>
+                    <a:lnL w="12700" cap="flat" cmpd="sng" algn="ctr">
+                      <a:solidFill>
+                        <a:schemeClr val="tx1"/>
+                      </a:solidFill>
+                      <a:prstDash val="solid"/>
+                      <a:round/>
+                      <a:headEnd type="none" w="med" len="med"/>
+                      <a:tailEnd type="none" w="med" len="med"/>
+                    </a:lnL>
+                  </a:tcPr>
                 </a:tc>
                 <a:tc hMerge="1">
                   <a:txBody>
@@ -5698,12 +5762,12 @@
                 </a:tc>
                 <a:extLst>
                   <a:ext uri="{0D108BD9-81ED-4DB2-BD59-A6C34878D82A}">
-                    <a16:rowId xmlns:a16="http://schemas.microsoft.com/office/drawing/2014/main" val="2673285938"/>
+                    <a16:rowId xmlns:a16="http://schemas.microsoft.com/office/drawing/2014/main" xmlns="" val="2673285938"/>
                   </a:ext>
                 </a:extLst>
               </a:tr>
               <a:tr h="370840">
-                <a:tc gridSpan="4">
+                <a:tc gridSpan="2">
                   <a:txBody>
                     <a:bodyPr/>
                     <a:lstStyle/>
@@ -5711,31 +5775,66 @@
                       <a:pPr algn="ctr"/>
                       <a:r>
                         <a:rPr lang="en-US" dirty="0"/>
-                        <a:t>Unused</a:t>
+                        <a:t>Identifier</a:t>
                       </a:r>
                     </a:p>
                   </a:txBody>
-                  <a:tcPr/>
+                  <a:tcPr>
+                    <a:lnR w="12700" cap="flat" cmpd="sng" algn="ctr">
+                      <a:solidFill>
+                        <a:schemeClr val="tx1"/>
+                      </a:solidFill>
+                      <a:prstDash val="solid"/>
+                      <a:round/>
+                      <a:headEnd type="none" w="med" len="med"/>
+                      <a:tailEnd type="none" w="med" len="med"/>
+                    </a:lnR>
+                  </a:tcPr>
                 </a:tc>
                 <a:tc hMerge="1">
                   <a:txBody>
                     <a:bodyPr/>
                     <a:lstStyle/>
                     <a:p>
+                      <a:pPr algn="ctr"/>
                       <a:endParaRPr lang="en-US" dirty="0"/>
                     </a:p>
                   </a:txBody>
-                  <a:tcPr/>
-                </a:tc>
-                <a:tc hMerge="1">
-                  <a:txBody>
-                    <a:bodyPr/>
-                    <a:lstStyle/>
-                    <a:p>
-                      <a:endParaRPr lang="en-US" dirty="0"/>
-                    </a:p>
-                  </a:txBody>
-                  <a:tcPr/>
+                  <a:tcPr>
+                    <a:lnL w="12700" cap="flat" cmpd="sng" algn="ctr">
+                      <a:solidFill>
+                        <a:schemeClr val="tx1"/>
+                      </a:solidFill>
+                      <a:prstDash val="solid"/>
+                      <a:round/>
+                      <a:headEnd type="none" w="med" len="med"/>
+                      <a:tailEnd type="none" w="med" len="med"/>
+                    </a:lnL>
+                  </a:tcPr>
+                </a:tc>
+                <a:tc gridSpan="2">
+                  <a:txBody>
+                    <a:bodyPr/>
+                    <a:lstStyle/>
+                    <a:p>
+                      <a:pPr algn="ctr"/>
+                      <a:r>
+                        <a:rPr lang="en-US" dirty="0"/>
+                        <a:t>Sequence Number</a:t>
+                      </a:r>
+                    </a:p>
+                  </a:txBody>
+                  <a:tcPr>
+                    <a:lnL w="12700" cap="flat" cmpd="sng" algn="ctr">
+                      <a:solidFill>
+                        <a:schemeClr val="tx1"/>
+                      </a:solidFill>
+                      <a:prstDash val="solid"/>
+                      <a:round/>
+                      <a:headEnd type="none" w="med" len="med"/>
+                      <a:tailEnd type="none" w="med" len="med"/>
+                    </a:lnL>
+                  </a:tcPr>
                 </a:tc>
                 <a:tc hMerge="1">
                   <a:txBody>
@@ -5749,11 +5848,11 @@
                 </a:tc>
                 <a:extLst>
                   <a:ext uri="{0D108BD9-81ED-4DB2-BD59-A6C34878D82A}">
-                    <a16:rowId xmlns:a16="http://schemas.microsoft.com/office/drawing/2014/main" val="761915796"/>
+                    <a16:rowId xmlns:a16="http://schemas.microsoft.com/office/drawing/2014/main" xmlns="" val="761915796"/>
                   </a:ext>
                 </a:extLst>
               </a:tr>
-              <a:tr h="370840">
+              <a:tr h="790476">
                 <a:tc gridSpan="4">
                   <a:txBody>
                     <a:bodyPr/>
@@ -5762,11 +5861,11 @@
                       <a:pPr algn="ctr"/>
                       <a:r>
                         <a:rPr lang="en-US" dirty="0"/>
-                        <a:t>Internet Header + 64 bits of Original Data Datagram </a:t>
+                        <a:t>Data…</a:t>
                       </a:r>
                     </a:p>
                   </a:txBody>
-                  <a:tcPr/>
+                  <a:tcPr anchor="ctr"/>
                 </a:tc>
                 <a:tc hMerge="1">
                   <a:txBody>
@@ -5783,10 +5882,21 @@
                     <a:bodyPr/>
                     <a:lstStyle/>
                     <a:p>
+                      <a:pPr algn="ctr"/>
                       <a:endParaRPr lang="en-US" dirty="0"/>
                     </a:p>
                   </a:txBody>
-                  <a:tcPr/>
+                  <a:tcPr>
+                    <a:lnL w="12700" cap="flat" cmpd="sng" algn="ctr">
+                      <a:solidFill>
+                        <a:schemeClr val="tx1"/>
+                      </a:solidFill>
+                      <a:prstDash val="solid"/>
+                      <a:round/>
+                      <a:headEnd type="none" w="med" len="med"/>
+                      <a:tailEnd type="none" w="med" len="med"/>
+                    </a:lnL>
+                  </a:tcPr>
                 </a:tc>
                 <a:tc hMerge="1">
                   <a:txBody>
@@ -5800,7 +5910,7 @@
                 </a:tc>
                 <a:extLst>
                   <a:ext uri="{0D108BD9-81ED-4DB2-BD59-A6C34878D82A}">
-                    <a16:rowId xmlns:a16="http://schemas.microsoft.com/office/drawing/2014/main" val="3849345575"/>
+                    <a16:rowId xmlns:a16="http://schemas.microsoft.com/office/drawing/2014/main" xmlns="" val="3849345575"/>
                   </a:ext>
                 </a:extLst>
               </a:tr>
@@ -5811,7 +5921,7 @@
     </p:spTree>
     <p:extLst>
       <p:ext uri="{BB962C8B-B14F-4D97-AF65-F5344CB8AC3E}">
-        <p14:creationId xmlns:p14="http://schemas.microsoft.com/office/powerpoint/2010/main" val="2315592382"/>
+        <p14:creationId xmlns:p14="http://schemas.microsoft.com/office/powerpoint/2010/main" val="1667191860"/>
       </p:ext>
     </p:extLst>
   </p:cSld>
@@ -5843,7 +5953,7 @@
           <p:cNvPr id="2" name="Title 1">
             <a:extLst>
               <a:ext uri="{FF2B5EF4-FFF2-40B4-BE49-F238E27FC236}">
-                <a16:creationId xmlns:a16="http://schemas.microsoft.com/office/drawing/2014/main" id="{0A2A4053-83BE-448D-8877-DBBA7D7FBA62}"/>
+                <a16:creationId xmlns:a16="http://schemas.microsoft.com/office/drawing/2014/main" xmlns="" id="{0A2A4053-83BE-448D-8877-DBBA7D7FBA62}"/>
               </a:ext>
             </a:extLst>
           </p:cNvPr>
@@ -5861,7 +5971,7 @@
           <a:p>
             <a:r>
               <a:rPr lang="en-US" dirty="0"/>
-              <a:t>Types: 11 – Time Exceeded Message</a:t>
+              <a:t>Types: 3 – Destination Unreachable Message</a:t>
             </a:r>
           </a:p>
         </p:txBody>
@@ -5871,7 +5981,7 @@
           <p:cNvPr id="3" name="Content Placeholder 2">
             <a:extLst>
               <a:ext uri="{FF2B5EF4-FFF2-40B4-BE49-F238E27FC236}">
-                <a16:creationId xmlns:a16="http://schemas.microsoft.com/office/drawing/2014/main" id="{2C05FB4C-A7FE-45D7-A696-BFFC90E02159}"/>
+                <a16:creationId xmlns:a16="http://schemas.microsoft.com/office/drawing/2014/main" xmlns="" id="{2C05FB4C-A7FE-45D7-A696-BFFC90E02159}"/>
               </a:ext>
             </a:extLst>
           </p:cNvPr>
@@ -5890,49 +6000,23 @@
         </p:spPr>
         <p:txBody>
           <a:bodyPr>
-            <a:normAutofit/>
+            <a:normAutofit fontScale="92500" lnSpcReduction="10000"/>
           </a:bodyPr>
           <a:lstStyle/>
           <a:p>
-            <a:pPr>
-              <a:lnSpc>
-                <a:spcPct val="70000"/>
-              </a:lnSpc>
-            </a:pPr>
             <a:r>
               <a:rPr lang="en-US" sz="2400" dirty="0"/>
               <a:t>Packet Format:</a:t>
             </a:r>
           </a:p>
           <a:p>
-            <a:pPr>
-              <a:lnSpc>
-                <a:spcPct val="70000"/>
-              </a:lnSpc>
-            </a:pPr>
             <a:endParaRPr lang="en-US" sz="2400" dirty="0"/>
           </a:p>
           <a:p>
-            <a:pPr>
-              <a:lnSpc>
-                <a:spcPct val="70000"/>
-              </a:lnSpc>
-            </a:pPr>
             <a:endParaRPr lang="en-US" sz="2400" dirty="0"/>
           </a:p>
           <a:p>
-            <a:pPr>
-              <a:lnSpc>
-                <a:spcPct val="70000"/>
-              </a:lnSpc>
-            </a:pPr>
-            <a:endParaRPr lang="en-US" sz="2400" dirty="0"/>
-          </a:p>
-          <a:p>
             <a:pPr marL="0" indent="0">
-              <a:lnSpc>
-                <a:spcPct val="70000"/>
-              </a:lnSpc>
               <a:buFont typeface="Arial" panose="020B0604020202020204" pitchFamily="34" charset="0"/>
               <a:buNone/>
             </a:pPr>
@@ -5940,66 +6024,65 @@
           </a:p>
           <a:p>
             <a:pPr marL="0" indent="0">
-              <a:lnSpc>
-                <a:spcPct val="70000"/>
-              </a:lnSpc>
               <a:buFont typeface="Arial" panose="020B0604020202020204" pitchFamily="34" charset="0"/>
               <a:buNone/>
             </a:pPr>
             <a:endParaRPr lang="en-US" sz="2400" dirty="0"/>
           </a:p>
           <a:p>
-            <a:pPr>
-              <a:lnSpc>
-                <a:spcPct val="70000"/>
-              </a:lnSpc>
+            <a:pPr marL="0" indent="0">
+              <a:buFont typeface="Arial" panose="020B0604020202020204" pitchFamily="34" charset="0"/>
+              <a:buNone/>
             </a:pPr>
+            <a:endParaRPr lang="en-US" sz="2400" dirty="0"/>
+          </a:p>
+          <a:p>
             <a:r>
               <a:rPr lang="en-US" sz="2400" dirty="0"/>
               <a:t>Code numbers:</a:t>
             </a:r>
           </a:p>
           <a:p>
-            <a:pPr lvl="1">
-              <a:lnSpc>
-                <a:spcPct val="70000"/>
-              </a:lnSpc>
-            </a:pPr>
+            <a:pPr lvl="1"/>
             <a:r>
               <a:rPr lang="en-US" altLang="en-US" dirty="0"/>
-              <a:t>0 = time to live exceeded in transit;</a:t>
-            </a:r>
-          </a:p>
-          <a:p>
-            <a:pPr lvl="1">
-              <a:lnSpc>
-                <a:spcPct val="70000"/>
-              </a:lnSpc>
-            </a:pPr>
+              <a:t>0 = net unreachable; </a:t>
+            </a:r>
+          </a:p>
+          <a:p>
+            <a:pPr lvl="1"/>
             <a:r>
               <a:rPr lang="en-US" altLang="en-US" dirty="0"/>
-              <a:t>1 = fragment reassembly time exceeded. </a:t>
-            </a:r>
-            <a:br>
+              <a:t>1 = host unreachable; </a:t>
+            </a:r>
+          </a:p>
+          <a:p>
+            <a:pPr lvl="1"/>
+            <a:r>
               <a:rPr lang="en-US" altLang="en-US" dirty="0"/>
-            </a:br>
-            <a:endParaRPr lang="en-US" altLang="en-US" dirty="0"/>
-          </a:p>
-          <a:p>
-            <a:pPr lvl="1">
-              <a:lnSpc>
-                <a:spcPct val="70000"/>
-              </a:lnSpc>
-            </a:pPr>
-            <a:endParaRPr lang="en-US" dirty="0"/>
-          </a:p>
-          <a:p>
-            <a:pPr lvl="1">
-              <a:lnSpc>
-                <a:spcPct val="70000"/>
-              </a:lnSpc>
-            </a:pPr>
-            <a:endParaRPr lang="en-US" dirty="0"/>
+              <a:t>2 = protocol unreachable; </a:t>
+            </a:r>
+          </a:p>
+          <a:p>
+            <a:pPr lvl="1"/>
+            <a:r>
+              <a:rPr lang="en-US" altLang="en-US" dirty="0"/>
+              <a:t>3 = port unreachable; </a:t>
+            </a:r>
+          </a:p>
+          <a:p>
+            <a:pPr lvl="1"/>
+            <a:r>
+              <a:rPr lang="en-US" altLang="en-US" dirty="0"/>
+              <a:t>4 = fragmentation needed and DF set; </a:t>
+            </a:r>
+          </a:p>
+          <a:p>
+            <a:pPr lvl="1"/>
+            <a:r>
+              <a:rPr lang="en-US" altLang="en-US" dirty="0"/>
+              <a:t>5 = source route failed.</a:t>
+            </a:r>
           </a:p>
         </p:txBody>
       </p:sp>
@@ -6008,7 +6091,7 @@
           <p:cNvPr id="6" name="Content Placeholder 3">
             <a:extLst>
               <a:ext uri="{FF2B5EF4-FFF2-40B4-BE49-F238E27FC236}">
-                <a16:creationId xmlns:a16="http://schemas.microsoft.com/office/drawing/2014/main" id="{25204249-12E6-4182-A578-16B88125DAD3}"/>
+                <a16:creationId xmlns:a16="http://schemas.microsoft.com/office/drawing/2014/main" xmlns="" id="{25204249-12E6-4182-A578-16B88125DAD3}"/>
               </a:ext>
             </a:extLst>
           </p:cNvPr>
@@ -6031,28 +6114,28 @@
                 <a:gridCol w="2628900">
                   <a:extLst>
                     <a:ext uri="{9D8B030D-6E8A-4147-A177-3AD203B41FA5}">
-                      <a16:colId xmlns:a16="http://schemas.microsoft.com/office/drawing/2014/main" val="3470846463"/>
+                      <a16:colId xmlns:a16="http://schemas.microsoft.com/office/drawing/2014/main" xmlns="" val="3470846463"/>
                     </a:ext>
                   </a:extLst>
                 </a:gridCol>
                 <a:gridCol w="2628900">
                   <a:extLst>
                     <a:ext uri="{9D8B030D-6E8A-4147-A177-3AD203B41FA5}">
-                      <a16:colId xmlns:a16="http://schemas.microsoft.com/office/drawing/2014/main" val="3990732175"/>
+                      <a16:colId xmlns:a16="http://schemas.microsoft.com/office/drawing/2014/main" xmlns="" val="3990732175"/>
                     </a:ext>
                   </a:extLst>
                 </a:gridCol>
                 <a:gridCol w="2628900">
                   <a:extLst>
                     <a:ext uri="{9D8B030D-6E8A-4147-A177-3AD203B41FA5}">
-                      <a16:colId xmlns:a16="http://schemas.microsoft.com/office/drawing/2014/main" val="3113442537"/>
+                      <a16:colId xmlns:a16="http://schemas.microsoft.com/office/drawing/2014/main" xmlns="" val="3113442537"/>
                     </a:ext>
                   </a:extLst>
                 </a:gridCol>
                 <a:gridCol w="2628900">
                   <a:extLst>
                     <a:ext uri="{9D8B030D-6E8A-4147-A177-3AD203B41FA5}">
-                      <a16:colId xmlns:a16="http://schemas.microsoft.com/office/drawing/2014/main" val="3734812451"/>
+                      <a16:colId xmlns:a16="http://schemas.microsoft.com/office/drawing/2014/main" xmlns="" val="3734812451"/>
                     </a:ext>
                   </a:extLst>
                 </a:gridCol>
@@ -6116,7 +6199,7 @@
                 </a:tc>
                 <a:extLst>
                   <a:ext uri="{0D108BD9-81ED-4DB2-BD59-A6C34878D82A}">
-                    <a16:rowId xmlns:a16="http://schemas.microsoft.com/office/drawing/2014/main" val="3547791680"/>
+                    <a16:rowId xmlns:a16="http://schemas.microsoft.com/office/drawing/2014/main" xmlns="" val="3547791680"/>
                   </a:ext>
                 </a:extLst>
               </a:tr>
@@ -6175,7 +6258,7 @@
                 </a:tc>
                 <a:extLst>
                   <a:ext uri="{0D108BD9-81ED-4DB2-BD59-A6C34878D82A}">
-                    <a16:rowId xmlns:a16="http://schemas.microsoft.com/office/drawing/2014/main" val="2673285938"/>
+                    <a16:rowId xmlns:a16="http://schemas.microsoft.com/office/drawing/2014/main" xmlns="" val="2673285938"/>
                   </a:ext>
                 </a:extLst>
               </a:tr>
@@ -6226,7 +6309,7 @@
                 </a:tc>
                 <a:extLst>
                   <a:ext uri="{0D108BD9-81ED-4DB2-BD59-A6C34878D82A}">
-                    <a16:rowId xmlns:a16="http://schemas.microsoft.com/office/drawing/2014/main" val="761915796"/>
+                    <a16:rowId xmlns:a16="http://schemas.microsoft.com/office/drawing/2014/main" xmlns="" val="761915796"/>
                   </a:ext>
                 </a:extLst>
               </a:tr>
@@ -6277,7 +6360,7 @@
                 </a:tc>
                 <a:extLst>
                   <a:ext uri="{0D108BD9-81ED-4DB2-BD59-A6C34878D82A}">
-                    <a16:rowId xmlns:a16="http://schemas.microsoft.com/office/drawing/2014/main" val="3849345575"/>
+                    <a16:rowId xmlns:a16="http://schemas.microsoft.com/office/drawing/2014/main" xmlns="" val="3849345575"/>
                   </a:ext>
                 </a:extLst>
               </a:tr>
@@ -6288,7 +6371,7 @@
     </p:spTree>
     <p:extLst>
       <p:ext uri="{BB962C8B-B14F-4D97-AF65-F5344CB8AC3E}">
-        <p14:creationId xmlns:p14="http://schemas.microsoft.com/office/powerpoint/2010/main" val="4261805550"/>
+        <p14:creationId xmlns:p14="http://schemas.microsoft.com/office/powerpoint/2010/main" val="2315592382"/>
       </p:ext>
     </p:extLst>
   </p:cSld>
@@ -6320,7 +6403,7 @@
           <p:cNvPr id="2" name="Title 1">
             <a:extLst>
               <a:ext uri="{FF2B5EF4-FFF2-40B4-BE49-F238E27FC236}">
-                <a16:creationId xmlns:a16="http://schemas.microsoft.com/office/drawing/2014/main" id="{0A2A4053-83BE-448D-8877-DBBA7D7FBA62}"/>
+                <a16:creationId xmlns:a16="http://schemas.microsoft.com/office/drawing/2014/main" xmlns="" id="{0A2A4053-83BE-448D-8877-DBBA7D7FBA62}"/>
               </a:ext>
             </a:extLst>
           </p:cNvPr>
@@ -6338,7 +6421,7 @@
           <a:p>
             <a:r>
               <a:rPr lang="en-US" dirty="0"/>
-              <a:t>Types: 12 – Parameter Problem Message</a:t>
+              <a:t>Types: 4 – Source Quench Message</a:t>
             </a:r>
           </a:p>
         </p:txBody>
@@ -6348,7 +6431,7 @@
           <p:cNvPr id="3" name="Content Placeholder 2">
             <a:extLst>
               <a:ext uri="{FF2B5EF4-FFF2-40B4-BE49-F238E27FC236}">
-                <a16:creationId xmlns:a16="http://schemas.microsoft.com/office/drawing/2014/main" id="{2C05FB4C-A7FE-45D7-A696-BFFC90E02159}"/>
+                <a16:creationId xmlns:a16="http://schemas.microsoft.com/office/drawing/2014/main" xmlns="" id="{2C05FB4C-A7FE-45D7-A696-BFFC90E02159}"/>
               </a:ext>
             </a:extLst>
           </p:cNvPr>
@@ -6416,40 +6499,13 @@
             <a:endParaRPr lang="en-US" sz="2400" dirty="0"/>
           </a:p>
           <a:p>
-            <a:pPr marL="0" indent="0">
+            <a:pPr marL="457200" lvl="1" indent="0">
               <a:lnSpc>
                 <a:spcPct val="70000"/>
               </a:lnSpc>
-              <a:buFont typeface="Arial" panose="020B0604020202020204" pitchFamily="34" charset="0"/>
               <a:buNone/>
             </a:pPr>
-            <a:endParaRPr lang="en-US" sz="2400" dirty="0"/>
-          </a:p>
-          <a:p>
-            <a:pPr>
-              <a:lnSpc>
-                <a:spcPct val="70000"/>
-              </a:lnSpc>
-            </a:pPr>
-            <a:r>
-              <a:rPr lang="en-US" sz="2400" dirty="0"/>
-              <a:t>Code numbers:</a:t>
-            </a:r>
-          </a:p>
-          <a:p>
-            <a:pPr lvl="1">
-              <a:lnSpc>
-                <a:spcPct val="70000"/>
-              </a:lnSpc>
-            </a:pPr>
-            <a:r>
-              <a:rPr lang="en-US" altLang="en-US" dirty="0"/>
-              <a:t>0 = pointer indicates the error.</a:t>
-            </a:r>
-            <a:br>
-              <a:rPr lang="en-US" altLang="en-US" dirty="0"/>
-            </a:br>
-            <a:endParaRPr lang="en-US" altLang="en-US" dirty="0"/>
+            <a:endParaRPr lang="en-US" dirty="0"/>
           </a:p>
           <a:p>
             <a:pPr lvl="1">
@@ -6459,14 +6515,6 @@
             </a:pPr>
             <a:endParaRPr lang="en-US" dirty="0"/>
           </a:p>
-          <a:p>
-            <a:pPr lvl="1">
-              <a:lnSpc>
-                <a:spcPct val="70000"/>
-              </a:lnSpc>
-            </a:pPr>
-            <a:endParaRPr lang="en-US" dirty="0"/>
-          </a:p>
         </p:txBody>
       </p:sp>
       <p:graphicFrame>
@@ -6474,7 +6522,7 @@
           <p:cNvPr id="6" name="Content Placeholder 3">
             <a:extLst>
               <a:ext uri="{FF2B5EF4-FFF2-40B4-BE49-F238E27FC236}">
-                <a16:creationId xmlns:a16="http://schemas.microsoft.com/office/drawing/2014/main" id="{25204249-12E6-4182-A578-16B88125DAD3}"/>
+                <a16:creationId xmlns:a16="http://schemas.microsoft.com/office/drawing/2014/main" xmlns="" id="{25204249-12E6-4182-A578-16B88125DAD3}"/>
               </a:ext>
             </a:extLst>
           </p:cNvPr>
@@ -6497,28 +6545,28 @@
                 <a:gridCol w="2628900">
                   <a:extLst>
                     <a:ext uri="{9D8B030D-6E8A-4147-A177-3AD203B41FA5}">
-                      <a16:colId xmlns:a16="http://schemas.microsoft.com/office/drawing/2014/main" val="3470846463"/>
+                      <a16:colId xmlns:a16="http://schemas.microsoft.com/office/drawing/2014/main" xmlns="" val="3470846463"/>
                     </a:ext>
                   </a:extLst>
                 </a:gridCol>
                 <a:gridCol w="2628900">
                   <a:extLst>
                     <a:ext uri="{9D8B030D-6E8A-4147-A177-3AD203B41FA5}">
-                      <a16:colId xmlns:a16="http://schemas.microsoft.com/office/drawing/2014/main" val="3990732175"/>
+                      <a16:colId xmlns:a16="http://schemas.microsoft.com/office/drawing/2014/main" xmlns="" val="3990732175"/>
                     </a:ext>
                   </a:extLst>
                 </a:gridCol>
                 <a:gridCol w="2628900">
                   <a:extLst>
                     <a:ext uri="{9D8B030D-6E8A-4147-A177-3AD203B41FA5}">
-                      <a16:colId xmlns:a16="http://schemas.microsoft.com/office/drawing/2014/main" val="3113442537"/>
+                      <a16:colId xmlns:a16="http://schemas.microsoft.com/office/drawing/2014/main" xmlns="" val="3113442537"/>
                     </a:ext>
                   </a:extLst>
                 </a:gridCol>
                 <a:gridCol w="2628900">
                   <a:extLst>
                     <a:ext uri="{9D8B030D-6E8A-4147-A177-3AD203B41FA5}">
-                      <a16:colId xmlns:a16="http://schemas.microsoft.com/office/drawing/2014/main" val="3734812451"/>
+                      <a16:colId xmlns:a16="http://schemas.microsoft.com/office/drawing/2014/main" xmlns="" val="3734812451"/>
                     </a:ext>
                   </a:extLst>
                 </a:gridCol>
@@ -6582,7 +6630,7 @@
                 </a:tc>
                 <a:extLst>
                   <a:ext uri="{0D108BD9-81ED-4DB2-BD59-A6C34878D82A}">
-                    <a16:rowId xmlns:a16="http://schemas.microsoft.com/office/drawing/2014/main" val="3547791680"/>
+                    <a16:rowId xmlns:a16="http://schemas.microsoft.com/office/drawing/2014/main" xmlns="" val="3547791680"/>
                   </a:ext>
                 </a:extLst>
               </a:tr>
@@ -6661,36 +6709,12 @@
                 </a:tc>
                 <a:extLst>
                   <a:ext uri="{0D108BD9-81ED-4DB2-BD59-A6C34878D82A}">
-                    <a16:rowId xmlns:a16="http://schemas.microsoft.com/office/drawing/2014/main" val="2673285938"/>
+                    <a16:rowId xmlns:a16="http://schemas.microsoft.com/office/drawing/2014/main" xmlns="" val="2673285938"/>
                   </a:ext>
                 </a:extLst>
               </a:tr>
               <a:tr h="370840">
-                <a:tc>
-                  <a:txBody>
-                    <a:bodyPr/>
-                    <a:lstStyle/>
-                    <a:p>
-                      <a:pPr algn="ctr"/>
-                      <a:r>
-                        <a:rPr lang="en-US" dirty="0"/>
-                        <a:t>Pointer</a:t>
-                      </a:r>
-                    </a:p>
-                  </a:txBody>
-                  <a:tcPr>
-                    <a:lnR w="12700" cap="flat" cmpd="sng" algn="ctr">
-                      <a:solidFill>
-                        <a:schemeClr val="tx1"/>
-                      </a:solidFill>
-                      <a:prstDash val="solid"/>
-                      <a:round/>
-                      <a:headEnd type="none" w="med" len="med"/>
-                      <a:tailEnd type="none" w="med" len="med"/>
-                    </a:lnR>
-                  </a:tcPr>
-                </a:tc>
-                <a:tc gridSpan="3">
+                <a:tc gridSpan="4">
                   <a:txBody>
                     <a:bodyPr/>
                     <a:lstStyle/>
@@ -6700,6 +6724,17 @@
                         <a:rPr lang="en-US" dirty="0"/>
                         <a:t>Unused</a:t>
                       </a:r>
+                    </a:p>
+                  </a:txBody>
+                  <a:tcPr/>
+                </a:tc>
+                <a:tc hMerge="1">
+                  <a:txBody>
+                    <a:bodyPr/>
+                    <a:lstStyle/>
+                    <a:p>
+                      <a:pPr algn="ctr"/>
+                      <a:endParaRPr lang="en-US" dirty="0"/>
                     </a:p>
                   </a:txBody>
                   <a:tcPr>
@@ -6736,7 +6771,7 @@
                 </a:tc>
                 <a:extLst>
                   <a:ext uri="{0D108BD9-81ED-4DB2-BD59-A6C34878D82A}">
-                    <a16:rowId xmlns:a16="http://schemas.microsoft.com/office/drawing/2014/main" val="761915796"/>
+                    <a16:rowId xmlns:a16="http://schemas.microsoft.com/office/drawing/2014/main" xmlns="" val="761915796"/>
                   </a:ext>
                 </a:extLst>
               </a:tr>
@@ -6787,7 +6822,7 @@
                 </a:tc>
                 <a:extLst>
                   <a:ext uri="{0D108BD9-81ED-4DB2-BD59-A6C34878D82A}">
-                    <a16:rowId xmlns:a16="http://schemas.microsoft.com/office/drawing/2014/main" val="3849345575"/>
+                    <a16:rowId xmlns:a16="http://schemas.microsoft.com/office/drawing/2014/main" xmlns="" val="3849345575"/>
                   </a:ext>
                 </a:extLst>
               </a:tr>
@@ -6798,7 +6833,7 @@
     </p:spTree>
     <p:extLst>
       <p:ext uri="{BB962C8B-B14F-4D97-AF65-F5344CB8AC3E}">
-        <p14:creationId xmlns:p14="http://schemas.microsoft.com/office/powerpoint/2010/main" val="472754971"/>
+        <p14:creationId xmlns:p14="http://schemas.microsoft.com/office/powerpoint/2010/main" val="3816912382"/>
       </p:ext>
     </p:extLst>
   </p:cSld>
@@ -6830,7 +6865,7 @@
           <p:cNvPr id="2" name="Title 1">
             <a:extLst>
               <a:ext uri="{FF2B5EF4-FFF2-40B4-BE49-F238E27FC236}">
-                <a16:creationId xmlns:a16="http://schemas.microsoft.com/office/drawing/2014/main" id="{0A2A4053-83BE-448D-8877-DBBA7D7FBA62}"/>
+                <a16:creationId xmlns:a16="http://schemas.microsoft.com/office/drawing/2014/main" xmlns="" id="{0A2A4053-83BE-448D-8877-DBBA7D7FBA62}"/>
               </a:ext>
             </a:extLst>
           </p:cNvPr>
@@ -6848,7 +6883,7 @@
           <a:p>
             <a:r>
               <a:rPr lang="en-US" dirty="0"/>
-              <a:t>Types: 4 – Source Quench Message</a:t>
+              <a:t>Types: 5 – Redirect Message</a:t>
             </a:r>
           </a:p>
         </p:txBody>
@@ -6858,7 +6893,7 @@
           <p:cNvPr id="3" name="Content Placeholder 2">
             <a:extLst>
               <a:ext uri="{FF2B5EF4-FFF2-40B4-BE49-F238E27FC236}">
-                <a16:creationId xmlns:a16="http://schemas.microsoft.com/office/drawing/2014/main" id="{2C05FB4C-A7FE-45D7-A696-BFFC90E02159}"/>
+                <a16:creationId xmlns:a16="http://schemas.microsoft.com/office/drawing/2014/main" xmlns="" id="{2C05FB4C-A7FE-45D7-A696-BFFC90E02159}"/>
               </a:ext>
             </a:extLst>
           </p:cNvPr>
@@ -6930,9 +6965,21 @@
               <a:lnSpc>
                 <a:spcPct val="70000"/>
               </a:lnSpc>
+              <a:buFont typeface="Arial" panose="020B0604020202020204" pitchFamily="34" charset="0"/>
               <a:buNone/>
             </a:pPr>
             <a:endParaRPr lang="en-US" dirty="0"/>
+          </a:p>
+          <a:p>
+            <a:pPr>
+              <a:lnSpc>
+                <a:spcPct val="70000"/>
+              </a:lnSpc>
+            </a:pPr>
+            <a:r>
+              <a:rPr lang="en-US" sz="2400" dirty="0"/>
+              <a:t>Code numbers:</a:t>
+            </a:r>
           </a:p>
           <a:p>
             <a:pPr lvl="1">
@@ -6940,7 +6987,43 @@
                 <a:spcPct val="70000"/>
               </a:lnSpc>
             </a:pPr>
-            <a:endParaRPr lang="en-US" dirty="0"/>
+            <a:r>
+              <a:rPr lang="en-US" dirty="0"/>
+              <a:t>0 = Redirect datagrams for the Network.</a:t>
+            </a:r>
+          </a:p>
+          <a:p>
+            <a:pPr lvl="1">
+              <a:lnSpc>
+                <a:spcPct val="70000"/>
+              </a:lnSpc>
+            </a:pPr>
+            <a:r>
+              <a:rPr lang="en-US" dirty="0"/>
+              <a:t>1 = Redirect datagrams for the Host.</a:t>
+            </a:r>
+          </a:p>
+          <a:p>
+            <a:pPr lvl="1">
+              <a:lnSpc>
+                <a:spcPct val="70000"/>
+              </a:lnSpc>
+            </a:pPr>
+            <a:r>
+              <a:rPr lang="en-US" dirty="0"/>
+              <a:t>2 = Redirect datagrams for the Type of Service and Network.</a:t>
+            </a:r>
+          </a:p>
+          <a:p>
+            <a:pPr lvl="1">
+              <a:lnSpc>
+                <a:spcPct val="70000"/>
+              </a:lnSpc>
+            </a:pPr>
+            <a:r>
+              <a:rPr lang="en-US" dirty="0"/>
+              <a:t>3 = Redirect datagrams for the Type of Service and Host.</a:t>
+            </a:r>
           </a:p>
         </p:txBody>
       </p:sp>
@@ -6949,7 +7032,7 @@
           <p:cNvPr id="6" name="Content Placeholder 3">
             <a:extLst>
               <a:ext uri="{FF2B5EF4-FFF2-40B4-BE49-F238E27FC236}">
-                <a16:creationId xmlns:a16="http://schemas.microsoft.com/office/drawing/2014/main" id="{25204249-12E6-4182-A578-16B88125DAD3}"/>
+                <a16:creationId xmlns:a16="http://schemas.microsoft.com/office/drawing/2014/main" xmlns="" id="{25204249-12E6-4182-A578-16B88125DAD3}"/>
               </a:ext>
             </a:extLst>
           </p:cNvPr>
@@ -6972,28 +7055,28 @@
                 <a:gridCol w="2628900">
                   <a:extLst>
                     <a:ext uri="{9D8B030D-6E8A-4147-A177-3AD203B41FA5}">
-                      <a16:colId xmlns:a16="http://schemas.microsoft.com/office/drawing/2014/main" val="3470846463"/>
+                      <a16:colId xmlns:a16="http://schemas.microsoft.com/office/drawing/2014/main" xmlns="" val="3470846463"/>
                     </a:ext>
                   </a:extLst>
                 </a:gridCol>
                 <a:gridCol w="2628900">
                   <a:extLst>
                     <a:ext uri="{9D8B030D-6E8A-4147-A177-3AD203B41FA5}">
-                      <a16:colId xmlns:a16="http://schemas.microsoft.com/office/drawing/2014/main" val="3990732175"/>
+                      <a16:colId xmlns:a16="http://schemas.microsoft.com/office/drawing/2014/main" xmlns="" val="3990732175"/>
                     </a:ext>
                   </a:extLst>
                 </a:gridCol>
                 <a:gridCol w="2628900">
                   <a:extLst>
                     <a:ext uri="{9D8B030D-6E8A-4147-A177-3AD203B41FA5}">
-                      <a16:colId xmlns:a16="http://schemas.microsoft.com/office/drawing/2014/main" val="3113442537"/>
+                      <a16:colId xmlns:a16="http://schemas.microsoft.com/office/drawing/2014/main" xmlns="" val="3113442537"/>
                     </a:ext>
                   </a:extLst>
                 </a:gridCol>
                 <a:gridCol w="2628900">
                   <a:extLst>
                     <a:ext uri="{9D8B030D-6E8A-4147-A177-3AD203B41FA5}">
-                      <a16:colId xmlns:a16="http://schemas.microsoft.com/office/drawing/2014/main" val="3734812451"/>
+                      <a16:colId xmlns:a16="http://schemas.microsoft.com/office/drawing/2014/main" xmlns="" val="3734812451"/>
                     </a:ext>
                   </a:extLst>
                 </a:gridCol>
@@ -7057,7 +7140,7 @@
                 </a:tc>
                 <a:extLst>
                   <a:ext uri="{0D108BD9-81ED-4DB2-BD59-A6C34878D82A}">
-                    <a16:rowId xmlns:a16="http://schemas.microsoft.com/office/drawing/2014/main" val="3547791680"/>
+                    <a16:rowId xmlns:a16="http://schemas.microsoft.com/office/drawing/2014/main" xmlns="" val="3547791680"/>
                   </a:ext>
                 </a:extLst>
               </a:tr>
@@ -7136,7 +7219,7 @@
                 </a:tc>
                 <a:extLst>
                   <a:ext uri="{0D108BD9-81ED-4DB2-BD59-A6C34878D82A}">
-                    <a16:rowId xmlns:a16="http://schemas.microsoft.com/office/drawing/2014/main" val="2673285938"/>
+                    <a16:rowId xmlns:a16="http://schemas.microsoft.com/office/drawing/2014/main" xmlns="" val="2673285938"/>
                   </a:ext>
                 </a:extLst>
               </a:tr>
@@ -7198,7 +7281,7 @@
                 </a:tc>
                 <a:extLst>
                   <a:ext uri="{0D108BD9-81ED-4DB2-BD59-A6C34878D82A}">
-                    <a16:rowId xmlns:a16="http://schemas.microsoft.com/office/drawing/2014/main" val="761915796"/>
+                    <a16:rowId xmlns:a16="http://schemas.microsoft.com/office/drawing/2014/main" xmlns="" val="761915796"/>
                   </a:ext>
                 </a:extLst>
               </a:tr>
@@ -7249,7 +7332,7 @@
                 </a:tc>
                 <a:extLst>
                   <a:ext uri="{0D108BD9-81ED-4DB2-BD59-A6C34878D82A}">
-                    <a16:rowId xmlns:a16="http://schemas.microsoft.com/office/drawing/2014/main" val="3849345575"/>
+                    <a16:rowId xmlns:a16="http://schemas.microsoft.com/office/drawing/2014/main" xmlns="" val="3849345575"/>
                   </a:ext>
                 </a:extLst>
               </a:tr>
@@ -7260,7 +7343,7 @@
     </p:spTree>
     <p:extLst>
       <p:ext uri="{BB962C8B-B14F-4D97-AF65-F5344CB8AC3E}">
-        <p14:creationId xmlns:p14="http://schemas.microsoft.com/office/powerpoint/2010/main" val="3816912382"/>
+        <p14:creationId xmlns:p14="http://schemas.microsoft.com/office/powerpoint/2010/main" val="547624146"/>
       </p:ext>
     </p:extLst>
   </p:cSld>
@@ -7292,7 +7375,7 @@
           <p:cNvPr id="2" name="Title 1">
             <a:extLst>
               <a:ext uri="{FF2B5EF4-FFF2-40B4-BE49-F238E27FC236}">
-                <a16:creationId xmlns:a16="http://schemas.microsoft.com/office/drawing/2014/main" id="{0A2A4053-83BE-448D-8877-DBBA7D7FBA62}"/>
+                <a16:creationId xmlns:a16="http://schemas.microsoft.com/office/drawing/2014/main" xmlns="" id="{0A2A4053-83BE-448D-8877-DBBA7D7FBA62}"/>
               </a:ext>
             </a:extLst>
           </p:cNvPr>
@@ -7310,7 +7393,7 @@
           <a:p>
             <a:r>
               <a:rPr lang="en-US" dirty="0"/>
-              <a:t>Types: 5 – Redirect Message</a:t>
+              <a:t>Types: 11 – Time Exceeded Message</a:t>
             </a:r>
           </a:p>
         </p:txBody>
@@ -7320,7 +7403,7 @@
           <p:cNvPr id="3" name="Content Placeholder 2">
             <a:extLst>
               <a:ext uri="{FF2B5EF4-FFF2-40B4-BE49-F238E27FC236}">
-                <a16:creationId xmlns:a16="http://schemas.microsoft.com/office/drawing/2014/main" id="{2C05FB4C-A7FE-45D7-A696-BFFC90E02159}"/>
+                <a16:creationId xmlns:a16="http://schemas.microsoft.com/office/drawing/2014/main" xmlns="" id="{2C05FB4C-A7FE-45D7-A696-BFFC90E02159}"/>
               </a:ext>
             </a:extLst>
           </p:cNvPr>
@@ -7388,14 +7471,14 @@
             <a:endParaRPr lang="en-US" sz="2400" dirty="0"/>
           </a:p>
           <a:p>
-            <a:pPr marL="457200" lvl="1" indent="0">
+            <a:pPr marL="0" indent="0">
               <a:lnSpc>
                 <a:spcPct val="70000"/>
               </a:lnSpc>
               <a:buFont typeface="Arial" panose="020B0604020202020204" pitchFamily="34" charset="0"/>
               <a:buNone/>
             </a:pPr>
-            <a:endParaRPr lang="en-US" dirty="0"/>
+            <a:endParaRPr lang="en-US" sz="2400" dirty="0"/>
           </a:p>
           <a:p>
             <a:pPr>
@@ -7415,8 +7498,8 @@
               </a:lnSpc>
             </a:pPr>
             <a:r>
-              <a:rPr lang="en-US" dirty="0"/>
-              <a:t>0 = Redirect datagrams for the Network.</a:t>
+              <a:rPr lang="en-US" altLang="en-US" dirty="0"/>
+              <a:t>0 = time to live exceeded in transit;</a:t>
             </a:r>
           </a:p>
           <a:p>
@@ -7426,9 +7509,13 @@
               </a:lnSpc>
             </a:pPr>
             <a:r>
-              <a:rPr lang="en-US" dirty="0"/>
-              <a:t>1 = Redirect datagrams for the Host.</a:t>
-            </a:r>
+              <a:rPr lang="en-US" altLang="en-US" dirty="0"/>
+              <a:t>1 = fragment reassembly time exceeded. </a:t>
+            </a:r>
+            <a:br>
+              <a:rPr lang="en-US" altLang="en-US" dirty="0"/>
+            </a:br>
+            <a:endParaRPr lang="en-US" altLang="en-US" dirty="0"/>
           </a:p>
           <a:p>
             <a:pPr lvl="1">
@@ -7436,10 +7523,7 @@
                 <a:spcPct val="70000"/>
               </a:lnSpc>
             </a:pPr>
-            <a:r>
-              <a:rPr lang="en-US" dirty="0"/>
-              <a:t>2 = Redirect datagrams for the Type of Service and Network.</a:t>
-            </a:r>
+            <a:endParaRPr lang="en-US" dirty="0"/>
           </a:p>
           <a:p>
             <a:pPr lvl="1">
@@ -7447,10 +7531,7 @@
                 <a:spcPct val="70000"/>
               </a:lnSpc>
             </a:pPr>
-            <a:r>
-              <a:rPr lang="en-US" dirty="0"/>
-              <a:t>3 = Redirect datagrams for the Type of Service and Host.</a:t>
-            </a:r>
+            <a:endParaRPr lang="en-US" dirty="0"/>
           </a:p>
         </p:txBody>
       </p:sp>
@@ -7459,7 +7540,7 @@
           <p:cNvPr id="6" name="Content Placeholder 3">
             <a:extLst>
               <a:ext uri="{FF2B5EF4-FFF2-40B4-BE49-F238E27FC236}">
-                <a16:creationId xmlns:a16="http://schemas.microsoft.com/office/drawing/2014/main" id="{25204249-12E6-4182-A578-16B88125DAD3}"/>
+                <a16:creationId xmlns:a16="http://schemas.microsoft.com/office/drawing/2014/main" xmlns="" id="{25204249-12E6-4182-A578-16B88125DAD3}"/>
               </a:ext>
             </a:extLst>
           </p:cNvPr>
@@ -7482,28 +7563,28 @@
                 <a:gridCol w="2628900">
                   <a:extLst>
                     <a:ext uri="{9D8B030D-6E8A-4147-A177-3AD203B41FA5}">
-                      <a16:colId xmlns:a16="http://schemas.microsoft.com/office/drawing/2014/main" val="3470846463"/>
+                      <a16:colId xmlns:a16="http://schemas.microsoft.com/office/drawing/2014/main" xmlns="" val="3470846463"/>
                     </a:ext>
                   </a:extLst>
                 </a:gridCol>
                 <a:gridCol w="2628900">
                   <a:extLst>
                     <a:ext uri="{9D8B030D-6E8A-4147-A177-3AD203B41FA5}">
-                      <a16:colId xmlns:a16="http://schemas.microsoft.com/office/drawing/2014/main" val="3990732175"/>
+                      <a16:colId xmlns:a16="http://schemas.microsoft.com/office/drawing/2014/main" xmlns="" val="3990732175"/>
                     </a:ext>
                   </a:extLst>
                 </a:gridCol>
                 <a:gridCol w="2628900">
                   <a:extLst>
                     <a:ext uri="{9D8B030D-6E8A-4147-A177-3AD203B41FA5}">
-                      <a16:colId xmlns:a16="http://schemas.microsoft.com/office/drawing/2014/main" val="3113442537"/>
+                      <a16:colId xmlns:a16="http://schemas.microsoft.com/office/drawing/2014/main" xmlns="" val="3113442537"/>
                     </a:ext>
                   </a:extLst>
                 </a:gridCol>
                 <a:gridCol w="2628900">
                   <a:extLst>
                     <a:ext uri="{9D8B030D-6E8A-4147-A177-3AD203B41FA5}">
-                      <a16:colId xmlns:a16="http://schemas.microsoft.com/office/drawing/2014/main" val="3734812451"/>
+                      <a16:colId xmlns:a16="http://schemas.microsoft.com/office/drawing/2014/main" xmlns="" val="3734812451"/>
                     </a:ext>
                   </a:extLst>
                 </a:gridCol>
@@ -7567,7 +7648,7 @@
                 </a:tc>
                 <a:extLst>
                   <a:ext uri="{0D108BD9-81ED-4DB2-BD59-A6C34878D82A}">
-                    <a16:rowId xmlns:a16="http://schemas.microsoft.com/office/drawing/2014/main" val="3547791680"/>
+                    <a16:rowId xmlns:a16="http://schemas.microsoft.com/office/drawing/2014/main" xmlns="" val="3547791680"/>
                   </a:ext>
                 </a:extLst>
               </a:tr>
@@ -7584,17 +7665,7 @@
                       </a:r>
                     </a:p>
                   </a:txBody>
-                  <a:tcPr>
-                    <a:lnR w="12700" cap="flat" cmpd="sng" algn="ctr">
-                      <a:solidFill>
-                        <a:schemeClr val="tx1"/>
-                      </a:solidFill>
-                      <a:prstDash val="solid"/>
-                      <a:round/>
-                      <a:headEnd type="none" w="med" len="med"/>
-                      <a:tailEnd type="none" w="med" len="med"/>
-                    </a:lnR>
-                  </a:tcPr>
+                  <a:tcPr/>
                 </a:tc>
                 <a:tc>
                   <a:txBody>
@@ -7608,17 +7679,7 @@
                       </a:r>
                     </a:p>
                   </a:txBody>
-                  <a:tcPr>
-                    <a:lnL w="12700" cap="flat" cmpd="sng" algn="ctr">
-                      <a:solidFill>
-                        <a:schemeClr val="tx1"/>
-                      </a:solidFill>
-                      <a:prstDash val="solid"/>
-                      <a:round/>
-                      <a:headEnd type="none" w="med" len="med"/>
-                      <a:tailEnd type="none" w="med" len="med"/>
-                    </a:lnL>
-                  </a:tcPr>
+                  <a:tcPr/>
                 </a:tc>
                 <a:tc gridSpan="2">
                   <a:txBody>
@@ -7646,7 +7707,7 @@
                 </a:tc>
                 <a:extLst>
                   <a:ext uri="{0D108BD9-81ED-4DB2-BD59-A6C34878D82A}">
-                    <a16:rowId xmlns:a16="http://schemas.microsoft.com/office/drawing/2014/main" val="2673285938"/>
+                    <a16:rowId xmlns:a16="http://schemas.microsoft.com/office/drawing/2014/main" xmlns="" val="2673285938"/>
                   </a:ext>
                 </a:extLst>
               </a:tr>
@@ -7670,21 +7731,10 @@
                     <a:bodyPr/>
                     <a:lstStyle/>
                     <a:p>
-                      <a:pPr algn="ctr"/>
                       <a:endParaRPr lang="en-US" dirty="0"/>
                     </a:p>
                   </a:txBody>
-                  <a:tcPr>
-                    <a:lnL w="12700" cap="flat" cmpd="sng" algn="ctr">
-                      <a:solidFill>
-                        <a:schemeClr val="tx1"/>
-                      </a:solidFill>
-                      <a:prstDash val="solid"/>
-                      <a:round/>
-                      <a:headEnd type="none" w="med" len="med"/>
-                      <a:tailEnd type="none" w="med" len="med"/>
-                    </a:lnL>
-                  </a:tcPr>
+                  <a:tcPr/>
                 </a:tc>
                 <a:tc hMerge="1">
                   <a:txBody>
@@ -7708,7 +7758,7 @@
                 </a:tc>
                 <a:extLst>
                   <a:ext uri="{0D108BD9-81ED-4DB2-BD59-A6C34878D82A}">
-                    <a16:rowId xmlns:a16="http://schemas.microsoft.com/office/drawing/2014/main" val="761915796"/>
+                    <a16:rowId xmlns:a16="http://schemas.microsoft.com/office/drawing/2014/main" xmlns="" val="761915796"/>
                   </a:ext>
                 </a:extLst>
               </a:tr>
@@ -7759,7 +7809,7 @@
                 </a:tc>
                 <a:extLst>
                   <a:ext uri="{0D108BD9-81ED-4DB2-BD59-A6C34878D82A}">
-                    <a16:rowId xmlns:a16="http://schemas.microsoft.com/office/drawing/2014/main" val="3849345575"/>
+                    <a16:rowId xmlns:a16="http://schemas.microsoft.com/office/drawing/2014/main" xmlns="" val="3849345575"/>
                   </a:ext>
                 </a:extLst>
               </a:tr>
@@ -7770,7 +7820,7 @@
     </p:spTree>
     <p:extLst>
       <p:ext uri="{BB962C8B-B14F-4D97-AF65-F5344CB8AC3E}">
-        <p14:creationId xmlns:p14="http://schemas.microsoft.com/office/powerpoint/2010/main" val="547624146"/>
+        <p14:creationId xmlns:p14="http://schemas.microsoft.com/office/powerpoint/2010/main" val="4261805550"/>
       </p:ext>
     </p:extLst>
   </p:cSld>
@@ -7802,7 +7852,7 @@
           <p:cNvPr id="2" name="Title 1">
             <a:extLst>
               <a:ext uri="{FF2B5EF4-FFF2-40B4-BE49-F238E27FC236}">
-                <a16:creationId xmlns:a16="http://schemas.microsoft.com/office/drawing/2014/main" id="{0A2A4053-83BE-448D-8877-DBBA7D7FBA62}"/>
+                <a16:creationId xmlns:a16="http://schemas.microsoft.com/office/drawing/2014/main" xmlns="" id="{0A2A4053-83BE-448D-8877-DBBA7D7FBA62}"/>
               </a:ext>
             </a:extLst>
           </p:cNvPr>
@@ -7820,7 +7870,7 @@
           <a:p>
             <a:r>
               <a:rPr lang="en-US" dirty="0"/>
-              <a:t>Types: 8/0 – Echo / Echo Reply Message</a:t>
+              <a:t>Types: 12 – Parameter Problem Message</a:t>
             </a:r>
           </a:p>
         </p:txBody>
@@ -7830,7 +7880,7 @@
           <p:cNvPr id="3" name="Content Placeholder 2">
             <a:extLst>
               <a:ext uri="{FF2B5EF4-FFF2-40B4-BE49-F238E27FC236}">
-                <a16:creationId xmlns:a16="http://schemas.microsoft.com/office/drawing/2014/main" id="{2C05FB4C-A7FE-45D7-A696-BFFC90E02159}"/>
+                <a16:creationId xmlns:a16="http://schemas.microsoft.com/office/drawing/2014/main" xmlns="" id="{2C05FB4C-A7FE-45D7-A696-BFFC90E02159}"/>
               </a:ext>
             </a:extLst>
           </p:cNvPr>
@@ -7862,15 +7912,6 @@
               <a:rPr lang="en-US" sz="2400" dirty="0"/>
               <a:t>Packet Format:</a:t>
             </a:r>
-          </a:p>
-          <a:p>
-            <a:pPr marL="0" indent="0">
-              <a:lnSpc>
-                <a:spcPct val="70000"/>
-              </a:lnSpc>
-              <a:buNone/>
-            </a:pPr>
-            <a:endParaRPr lang="en-US" sz="2400" dirty="0"/>
           </a:p>
           <a:p>
             <a:pPr>
@@ -7907,14 +7948,14 @@
             <a:endParaRPr lang="en-US" sz="2400" dirty="0"/>
           </a:p>
           <a:p>
-            <a:pPr marL="457200" lvl="1" indent="0">
+            <a:pPr marL="0" indent="0">
               <a:lnSpc>
                 <a:spcPct val="70000"/>
               </a:lnSpc>
               <a:buFont typeface="Arial" panose="020B0604020202020204" pitchFamily="34" charset="0"/>
               <a:buNone/>
             </a:pPr>
-            <a:endParaRPr lang="en-US" dirty="0"/>
+            <a:endParaRPr lang="en-US" sz="2400" dirty="0"/>
           </a:p>
           <a:p>
             <a:pPr>
@@ -7924,7 +7965,7 @@
             </a:pPr>
             <a:r>
               <a:rPr lang="en-US" sz="2400" dirty="0"/>
-              <a:t>Types:</a:t>
+              <a:t>Code numbers:</a:t>
             </a:r>
           </a:p>
           <a:p>
@@ -7934,9 +7975,13 @@
               </a:lnSpc>
             </a:pPr>
             <a:r>
-              <a:rPr lang="en-US" sz="2000" dirty="0"/>
-              <a:t>0 = echo;</a:t>
-            </a:r>
+              <a:rPr lang="en-US" altLang="en-US" dirty="0"/>
+              <a:t>0 = pointer indicates the error.</a:t>
+            </a:r>
+            <a:br>
+              <a:rPr lang="en-US" altLang="en-US" dirty="0"/>
+            </a:br>
+            <a:endParaRPr lang="en-US" altLang="en-US" dirty="0"/>
           </a:p>
           <a:p>
             <a:pPr lvl="1">
@@ -7944,17 +7989,13 @@
                 <a:spcPct val="70000"/>
               </a:lnSpc>
             </a:pPr>
-            <a:r>
-              <a:rPr lang="en-US" sz="2000" dirty="0"/>
-              <a:t>8 = echo reply</a:t>
-            </a:r>
-          </a:p>
-          <a:p>
-            <a:pPr marL="0" indent="0">
+            <a:endParaRPr lang="en-US" dirty="0"/>
+          </a:p>
+          <a:p>
+            <a:pPr lvl="1">
               <a:lnSpc>
                 <a:spcPct val="70000"/>
               </a:lnSpc>
-              <a:buNone/>
             </a:pPr>
             <a:endParaRPr lang="en-US" dirty="0"/>
           </a:p>
@@ -7965,7 +8006,7 @@
           <p:cNvPr id="6" name="Content Placeholder 3">
             <a:extLst>
               <a:ext uri="{FF2B5EF4-FFF2-40B4-BE49-F238E27FC236}">
-                <a16:creationId xmlns:a16="http://schemas.microsoft.com/office/drawing/2014/main" id="{25204249-12E6-4182-A578-16B88125DAD3}"/>
+                <a16:creationId xmlns:a16="http://schemas.microsoft.com/office/drawing/2014/main" xmlns="" id="{25204249-12E6-4182-A578-16B88125DAD3}"/>
               </a:ext>
             </a:extLst>
           </p:cNvPr>
@@ -7976,7 +8017,7 @@
         </p:nvGraphicFramePr>
         <p:xfrm>
           <a:off x="838200" y="2296142"/>
-          <a:ext cx="10515600" cy="1902996"/>
+          <a:ext cx="10515600" cy="1483360"/>
         </p:xfrm>
         <a:graphic>
           <a:graphicData uri="http://schemas.openxmlformats.org/drawingml/2006/table">
@@ -7988,28 +8029,28 @@
                 <a:gridCol w="2628900">
                   <a:extLst>
                     <a:ext uri="{9D8B030D-6E8A-4147-A177-3AD203B41FA5}">
-                      <a16:colId xmlns:a16="http://schemas.microsoft.com/office/drawing/2014/main" val="3470846463"/>
+                      <a16:colId xmlns:a16="http://schemas.microsoft.com/office/drawing/2014/main" xmlns="" val="3470846463"/>
                     </a:ext>
                   </a:extLst>
                 </a:gridCol>
                 <a:gridCol w="2628900">
                   <a:extLst>
                     <a:ext uri="{9D8B030D-6E8A-4147-A177-3AD203B41FA5}">
-                      <a16:colId xmlns:a16="http://schemas.microsoft.com/office/drawing/2014/main" val="3990732175"/>
+                      <a16:colId xmlns:a16="http://schemas.microsoft.com/office/drawing/2014/main" xmlns="" val="3990732175"/>
                     </a:ext>
                   </a:extLst>
                 </a:gridCol>
                 <a:gridCol w="2628900">
                   <a:extLst>
                     <a:ext uri="{9D8B030D-6E8A-4147-A177-3AD203B41FA5}">
-                      <a16:colId xmlns:a16="http://schemas.microsoft.com/office/drawing/2014/main" val="3113442537"/>
+                      <a16:colId xmlns:a16="http://schemas.microsoft.com/office/drawing/2014/main" xmlns="" val="3113442537"/>
                     </a:ext>
                   </a:extLst>
                 </a:gridCol>
                 <a:gridCol w="2628900">
                   <a:extLst>
                     <a:ext uri="{9D8B030D-6E8A-4147-A177-3AD203B41FA5}">
-                      <a16:colId xmlns:a16="http://schemas.microsoft.com/office/drawing/2014/main" val="3734812451"/>
+                      <a16:colId xmlns:a16="http://schemas.microsoft.com/office/drawing/2014/main" xmlns="" val="3734812451"/>
                     </a:ext>
                   </a:extLst>
                 </a:gridCol>
@@ -8073,7 +8114,7 @@
                 </a:tc>
                 <a:extLst>
                   <a:ext uri="{0D108BD9-81ED-4DB2-BD59-A6C34878D82A}">
-                    <a16:rowId xmlns:a16="http://schemas.microsoft.com/office/drawing/2014/main" val="3547791680"/>
+                    <a16:rowId xmlns:a16="http://schemas.microsoft.com/office/drawing/2014/main" xmlns="" val="3547791680"/>
                   </a:ext>
                 </a:extLst>
               </a:tr>
@@ -8124,6 +8165,52 @@
                       <a:headEnd type="none" w="med" len="med"/>
                       <a:tailEnd type="none" w="med" len="med"/>
                     </a:lnL>
+                  </a:tcPr>
+                </a:tc>
+                <a:tc gridSpan="2">
+                  <a:txBody>
+                    <a:bodyPr/>
+                    <a:lstStyle/>
+                    <a:p>
+                      <a:pPr algn="ctr"/>
+                      <a:r>
+                        <a:rPr lang="en-US" dirty="0"/>
+                        <a:t>Checksum</a:t>
+                      </a:r>
+                    </a:p>
+                  </a:txBody>
+                  <a:tcPr/>
+                </a:tc>
+                <a:tc hMerge="1">
+                  <a:txBody>
+                    <a:bodyPr/>
+                    <a:lstStyle/>
+                    <a:p>
+                      <a:endParaRPr lang="en-US" dirty="0"/>
+                    </a:p>
+                  </a:txBody>
+                  <a:tcPr/>
+                </a:tc>
+                <a:extLst>
+                  <a:ext uri="{0D108BD9-81ED-4DB2-BD59-A6C34878D82A}">
+                    <a16:rowId xmlns:a16="http://schemas.microsoft.com/office/drawing/2014/main" xmlns="" val="2673285938"/>
+                  </a:ext>
+                </a:extLst>
+              </a:tr>
+              <a:tr h="370840">
+                <a:tc>
+                  <a:txBody>
+                    <a:bodyPr/>
+                    <a:lstStyle/>
+                    <a:p>
+                      <a:pPr algn="ctr"/>
+                      <a:r>
+                        <a:rPr lang="en-US" dirty="0"/>
+                        <a:t>Pointer</a:t>
+                      </a:r>
+                    </a:p>
+                  </a:txBody>
+                  <a:tcPr>
                     <a:lnR w="12700" cap="flat" cmpd="sng" algn="ctr">
                       <a:solidFill>
                         <a:schemeClr val="tx1"/>
@@ -8135,7 +8222,7 @@
                     </a:lnR>
                   </a:tcPr>
                 </a:tc>
-                <a:tc gridSpan="2">
+                <a:tc gridSpan="3">
                   <a:txBody>
                     <a:bodyPr/>
                     <a:lstStyle/>
@@ -8143,7 +8230,7 @@
                       <a:pPr algn="ctr"/>
                       <a:r>
                         <a:rPr lang="en-US" dirty="0"/>
-                        <a:t>Checksum</a:t>
+                        <a:t>Unused</a:t>
                       </a:r>
                     </a:p>
                   </a:txBody>
@@ -8169,14 +8256,24 @@
                   </a:txBody>
                   <a:tcPr/>
                 </a:tc>
+                <a:tc hMerge="1">
+                  <a:txBody>
+                    <a:bodyPr/>
+                    <a:lstStyle/>
+                    <a:p>
+                      <a:endParaRPr lang="en-US" dirty="0"/>
+                    </a:p>
+                  </a:txBody>
+                  <a:tcPr/>
+                </a:tc>
                 <a:extLst>
                   <a:ext uri="{0D108BD9-81ED-4DB2-BD59-A6C34878D82A}">
-                    <a16:rowId xmlns:a16="http://schemas.microsoft.com/office/drawing/2014/main" val="2673285938"/>
+                    <a16:rowId xmlns:a16="http://schemas.microsoft.com/office/drawing/2014/main" xmlns="" val="761915796"/>
                   </a:ext>
                 </a:extLst>
               </a:tr>
               <a:tr h="370840">
-                <a:tc gridSpan="2">
+                <a:tc gridSpan="4">
                   <a:txBody>
                     <a:bodyPr/>
                     <a:lstStyle/>
@@ -8184,66 +8281,31 @@
                       <a:pPr algn="ctr"/>
                       <a:r>
                         <a:rPr lang="en-US" dirty="0"/>
-                        <a:t>Identifier</a:t>
+                        <a:t>Internet Header + 64 bits of Original Data Datagram </a:t>
                       </a:r>
                     </a:p>
                   </a:txBody>
-                  <a:tcPr>
-                    <a:lnR w="12700" cap="flat" cmpd="sng" algn="ctr">
-                      <a:solidFill>
-                        <a:schemeClr val="tx1"/>
-                      </a:solidFill>
-                      <a:prstDash val="solid"/>
-                      <a:round/>
-                      <a:headEnd type="none" w="med" len="med"/>
-                      <a:tailEnd type="none" w="med" len="med"/>
-                    </a:lnR>
-                  </a:tcPr>
+                  <a:tcPr/>
                 </a:tc>
                 <a:tc hMerge="1">
                   <a:txBody>
                     <a:bodyPr/>
                     <a:lstStyle/>
                     <a:p>
-                      <a:pPr algn="ctr"/>
                       <a:endParaRPr lang="en-US" dirty="0"/>
                     </a:p>
                   </a:txBody>
-                  <a:tcPr>
-                    <a:lnL w="12700" cap="flat" cmpd="sng" algn="ctr">
-                      <a:solidFill>
-                        <a:schemeClr val="tx1"/>
-                      </a:solidFill>
-                      <a:prstDash val="solid"/>
-                      <a:round/>
-                      <a:headEnd type="none" w="med" len="med"/>
-                      <a:tailEnd type="none" w="med" len="med"/>
-                    </a:lnL>
-                  </a:tcPr>
-                </a:tc>
-                <a:tc gridSpan="2">
-                  <a:txBody>
-                    <a:bodyPr/>
-                    <a:lstStyle/>
-                    <a:p>
-                      <a:pPr algn="ctr"/>
-                      <a:r>
-                        <a:rPr lang="en-US" dirty="0"/>
-                        <a:t>Sequence Number</a:t>
-                      </a:r>
-                    </a:p>
-                  </a:txBody>
-                  <a:tcPr>
-                    <a:lnL w="12700" cap="flat" cmpd="sng" algn="ctr">
-                      <a:solidFill>
-                        <a:schemeClr val="tx1"/>
-                      </a:solidFill>
-                      <a:prstDash val="solid"/>
-                      <a:round/>
-                      <a:headEnd type="none" w="med" len="med"/>
-                      <a:tailEnd type="none" w="med" len="med"/>
-                    </a:lnL>
-                  </a:tcPr>
+                  <a:tcPr/>
+                </a:tc>
+                <a:tc hMerge="1">
+                  <a:txBody>
+                    <a:bodyPr/>
+                    <a:lstStyle/>
+                    <a:p>
+                      <a:endParaRPr lang="en-US" dirty="0"/>
+                    </a:p>
+                  </a:txBody>
+                  <a:tcPr/>
                 </a:tc>
                 <a:tc hMerge="1">
                   <a:txBody>
@@ -8257,69 +8319,7 @@
                 </a:tc>
                 <a:extLst>
                   <a:ext uri="{0D108BD9-81ED-4DB2-BD59-A6C34878D82A}">
-                    <a16:rowId xmlns:a16="http://schemas.microsoft.com/office/drawing/2014/main" val="761915796"/>
-                  </a:ext>
-                </a:extLst>
-              </a:tr>
-              <a:tr h="790476">
-                <a:tc gridSpan="4">
-                  <a:txBody>
-                    <a:bodyPr/>
-                    <a:lstStyle/>
-                    <a:p>
-                      <a:pPr algn="ctr"/>
-                      <a:r>
-                        <a:rPr lang="en-US" dirty="0"/>
-                        <a:t>Data…</a:t>
-                      </a:r>
-                    </a:p>
-                  </a:txBody>
-                  <a:tcPr anchor="ctr"/>
-                </a:tc>
-                <a:tc hMerge="1">
-                  <a:txBody>
-                    <a:bodyPr/>
-                    <a:lstStyle/>
-                    <a:p>
-                      <a:endParaRPr lang="en-US" dirty="0"/>
-                    </a:p>
-                  </a:txBody>
-                  <a:tcPr/>
-                </a:tc>
-                <a:tc hMerge="1">
-                  <a:txBody>
-                    <a:bodyPr/>
-                    <a:lstStyle/>
-                    <a:p>
-                      <a:pPr algn="ctr"/>
-                      <a:endParaRPr lang="en-US" dirty="0"/>
-                    </a:p>
-                  </a:txBody>
-                  <a:tcPr>
-                    <a:lnL w="12700" cap="flat" cmpd="sng" algn="ctr">
-                      <a:solidFill>
-                        <a:schemeClr val="tx1"/>
-                      </a:solidFill>
-                      <a:prstDash val="solid"/>
-                      <a:round/>
-                      <a:headEnd type="none" w="med" len="med"/>
-                      <a:tailEnd type="none" w="med" len="med"/>
-                    </a:lnL>
-                  </a:tcPr>
-                </a:tc>
-                <a:tc hMerge="1">
-                  <a:txBody>
-                    <a:bodyPr/>
-                    <a:lstStyle/>
-                    <a:p>
-                      <a:endParaRPr lang="en-US" dirty="0"/>
-                    </a:p>
-                  </a:txBody>
-                  <a:tcPr/>
-                </a:tc>
-                <a:extLst>
-                  <a:ext uri="{0D108BD9-81ED-4DB2-BD59-A6C34878D82A}">
-                    <a16:rowId xmlns:a16="http://schemas.microsoft.com/office/drawing/2014/main" val="3849345575"/>
+                    <a16:rowId xmlns:a16="http://schemas.microsoft.com/office/drawing/2014/main" xmlns="" val="3849345575"/>
                   </a:ext>
                 </a:extLst>
               </a:tr>
@@ -8330,7 +8330,7 @@
     </p:spTree>
     <p:extLst>
       <p:ext uri="{BB962C8B-B14F-4D97-AF65-F5344CB8AC3E}">
-        <p14:creationId xmlns:p14="http://schemas.microsoft.com/office/powerpoint/2010/main" val="1667191860"/>
+        <p14:creationId xmlns:p14="http://schemas.microsoft.com/office/powerpoint/2010/main" val="472754971"/>
       </p:ext>
     </p:extLst>
   </p:cSld>
@@ -8362,7 +8362,7 @@
           <p:cNvPr id="2" name="Title 1">
             <a:extLst>
               <a:ext uri="{FF2B5EF4-FFF2-40B4-BE49-F238E27FC236}">
-                <a16:creationId xmlns:a16="http://schemas.microsoft.com/office/drawing/2014/main" id="{0A2A4053-83BE-448D-8877-DBBA7D7FBA62}"/>
+                <a16:creationId xmlns:a16="http://schemas.microsoft.com/office/drawing/2014/main" xmlns="" id="{0A2A4053-83BE-448D-8877-DBBA7D7FBA62}"/>
               </a:ext>
             </a:extLst>
           </p:cNvPr>
@@ -8387,14 +8387,14 @@
           <a:p>
             <a:r>
               <a:rPr lang="en-US" dirty="0"/>
-              <a:t>Type: 15 – Information Request Message</a:t>
+              <a:t>Type: 13 – Timestamp Request Message</a:t>
             </a:r>
             <a:br>
               <a:rPr lang="en-US" dirty="0"/>
             </a:br>
             <a:r>
               <a:rPr lang="en-US" dirty="0"/>
-              <a:t>Type: 16 – Information Reply Message</a:t>
+              <a:t>Type: 14 – Timestamp Reply Message</a:t>
             </a:r>
             <a:br>
               <a:rPr lang="en-US" dirty="0"/>
@@ -8408,7 +8408,7 @@
           <p:cNvPr id="3" name="Content Placeholder 2">
             <a:extLst>
               <a:ext uri="{FF2B5EF4-FFF2-40B4-BE49-F238E27FC236}">
-                <a16:creationId xmlns:a16="http://schemas.microsoft.com/office/drawing/2014/main" id="{2C05FB4C-A7FE-45D7-A696-BFFC90E02159}"/>
+                <a16:creationId xmlns:a16="http://schemas.microsoft.com/office/drawing/2014/main" xmlns="" id="{2C05FB4C-A7FE-45D7-A696-BFFC90E02159}"/>
               </a:ext>
             </a:extLst>
           </p:cNvPr>
@@ -8475,6 +8475,36 @@
             </a:pPr>
             <a:endParaRPr lang="en-US" sz="2400" dirty="0"/>
           </a:p>
+          <a:p>
+            <a:pPr marL="0" indent="0">
+              <a:lnSpc>
+                <a:spcPct val="70000"/>
+              </a:lnSpc>
+              <a:buFont typeface="Arial" panose="020B0604020202020204" pitchFamily="34" charset="0"/>
+              <a:buNone/>
+            </a:pPr>
+            <a:endParaRPr lang="en-US" sz="2400" dirty="0"/>
+          </a:p>
+          <a:p>
+            <a:pPr marL="0" indent="0">
+              <a:lnSpc>
+                <a:spcPct val="70000"/>
+              </a:lnSpc>
+              <a:buFont typeface="Arial" panose="020B0604020202020204" pitchFamily="34" charset="0"/>
+              <a:buNone/>
+            </a:pPr>
+            <a:endParaRPr lang="en-US" sz="2400" dirty="0"/>
+          </a:p>
+          <a:p>
+            <a:pPr marL="0" indent="0">
+              <a:lnSpc>
+                <a:spcPct val="70000"/>
+              </a:lnSpc>
+              <a:buFont typeface="Arial" panose="020B0604020202020204" pitchFamily="34" charset="0"/>
+              <a:buNone/>
+            </a:pPr>
+            <a:endParaRPr lang="en-US" sz="2400" dirty="0"/>
+          </a:p>
         </p:txBody>
       </p:sp>
       <p:graphicFrame>
@@ -8482,7 +8512,7 @@
           <p:cNvPr id="6" name="Content Placeholder 3">
             <a:extLst>
               <a:ext uri="{FF2B5EF4-FFF2-40B4-BE49-F238E27FC236}">
-                <a16:creationId xmlns:a16="http://schemas.microsoft.com/office/drawing/2014/main" id="{25204249-12E6-4182-A578-16B88125DAD3}"/>
+                <a16:creationId xmlns:a16="http://schemas.microsoft.com/office/drawing/2014/main" xmlns="" id="{25204249-12E6-4182-A578-16B88125DAD3}"/>
               </a:ext>
             </a:extLst>
           </p:cNvPr>
@@ -8493,7 +8523,7 @@
         </p:nvGraphicFramePr>
         <p:xfrm>
           <a:off x="838200" y="2296142"/>
-          <a:ext cx="10515600" cy="1112520"/>
+          <a:ext cx="10515600" cy="2225040"/>
         </p:xfrm>
         <a:graphic>
           <a:graphicData uri="http://schemas.openxmlformats.org/drawingml/2006/table">
@@ -8505,28 +8535,28 @@
                 <a:gridCol w="2628900">
                   <a:extLst>
                     <a:ext uri="{9D8B030D-6E8A-4147-A177-3AD203B41FA5}">
-                      <a16:colId xmlns:a16="http://schemas.microsoft.com/office/drawing/2014/main" val="3470846463"/>
+                      <a16:colId xmlns:a16="http://schemas.microsoft.com/office/drawing/2014/main" xmlns="" val="3470846463"/>
                     </a:ext>
                   </a:extLst>
                 </a:gridCol>
                 <a:gridCol w="2628900">
                   <a:extLst>
                     <a:ext uri="{9D8B030D-6E8A-4147-A177-3AD203B41FA5}">
-                      <a16:colId xmlns:a16="http://schemas.microsoft.com/office/drawing/2014/main" val="3990732175"/>
+                      <a16:colId xmlns:a16="http://schemas.microsoft.com/office/drawing/2014/main" xmlns="" val="3990732175"/>
                     </a:ext>
                   </a:extLst>
                 </a:gridCol>
                 <a:gridCol w="2628900">
                   <a:extLst>
                     <a:ext uri="{9D8B030D-6E8A-4147-A177-3AD203B41FA5}">
-                      <a16:colId xmlns:a16="http://schemas.microsoft.com/office/drawing/2014/main" val="3113442537"/>
+                      <a16:colId xmlns:a16="http://schemas.microsoft.com/office/drawing/2014/main" xmlns="" val="3113442537"/>
                     </a:ext>
                   </a:extLst>
                 </a:gridCol>
                 <a:gridCol w="2628900">
                   <a:extLst>
                     <a:ext uri="{9D8B030D-6E8A-4147-A177-3AD203B41FA5}">
-                      <a16:colId xmlns:a16="http://schemas.microsoft.com/office/drawing/2014/main" val="3734812451"/>
+                      <a16:colId xmlns:a16="http://schemas.microsoft.com/office/drawing/2014/main" xmlns="" val="3734812451"/>
                     </a:ext>
                   </a:extLst>
                 </a:gridCol>
@@ -8590,7 +8620,7 @@
                 </a:tc>
                 <a:extLst>
                   <a:ext uri="{0D108BD9-81ED-4DB2-BD59-A6C34878D82A}">
-                    <a16:rowId xmlns:a16="http://schemas.microsoft.com/office/drawing/2014/main" val="3547791680"/>
+                    <a16:rowId xmlns:a16="http://schemas.microsoft.com/office/drawing/2014/main" xmlns="" val="3547791680"/>
                   </a:ext>
                 </a:extLst>
               </a:tr>
@@ -8669,7 +8699,7 @@
                 </a:tc>
                 <a:extLst>
                   <a:ext uri="{0D108BD9-81ED-4DB2-BD59-A6C34878D82A}">
-                    <a16:rowId xmlns:a16="http://schemas.microsoft.com/office/drawing/2014/main" val="2673285938"/>
+                    <a16:rowId xmlns:a16="http://schemas.microsoft.com/office/drawing/2014/main" xmlns="" val="2673285938"/>
                   </a:ext>
                 </a:extLst>
               </a:tr>
@@ -8744,7 +8774,193 @@
                 </a:tc>
                 <a:extLst>
                   <a:ext uri="{0D108BD9-81ED-4DB2-BD59-A6C34878D82A}">
-                    <a16:rowId xmlns:a16="http://schemas.microsoft.com/office/drawing/2014/main" val="761915796"/>
+                    <a16:rowId xmlns:a16="http://schemas.microsoft.com/office/drawing/2014/main" xmlns="" val="761915796"/>
+                  </a:ext>
+                </a:extLst>
+              </a:tr>
+              <a:tr h="370840">
+                <a:tc gridSpan="4">
+                  <a:txBody>
+                    <a:bodyPr/>
+                    <a:lstStyle/>
+                    <a:p>
+                      <a:pPr algn="ctr"/>
+                      <a:r>
+                        <a:rPr lang="en-US" dirty="0"/>
+                        <a:t>Originate Timestamp</a:t>
+                      </a:r>
+                    </a:p>
+                  </a:txBody>
+                  <a:tcPr/>
+                </a:tc>
+                <a:tc hMerge="1">
+                  <a:txBody>
+                    <a:bodyPr/>
+                    <a:lstStyle/>
+                    <a:p>
+                      <a:endParaRPr lang="en-US"/>
+                    </a:p>
+                  </a:txBody>
+                  <a:tcPr/>
+                </a:tc>
+                <a:tc hMerge="1">
+                  <a:txBody>
+                    <a:bodyPr/>
+                    <a:lstStyle/>
+                    <a:p>
+                      <a:pPr algn="ctr"/>
+                      <a:endParaRPr lang="en-US" dirty="0"/>
+                    </a:p>
+                  </a:txBody>
+                  <a:tcPr>
+                    <a:lnL w="12700" cap="flat" cmpd="sng" algn="ctr">
+                      <a:solidFill>
+                        <a:schemeClr val="tx1"/>
+                      </a:solidFill>
+                      <a:prstDash val="solid"/>
+                      <a:round/>
+                      <a:headEnd type="none" w="med" len="med"/>
+                      <a:tailEnd type="none" w="med" len="med"/>
+                    </a:lnL>
+                  </a:tcPr>
+                </a:tc>
+                <a:tc hMerge="1">
+                  <a:txBody>
+                    <a:bodyPr/>
+                    <a:lstStyle/>
+                    <a:p>
+                      <a:endParaRPr lang="en-US"/>
+                    </a:p>
+                  </a:txBody>
+                  <a:tcPr/>
+                </a:tc>
+                <a:extLst>
+                  <a:ext uri="{0D108BD9-81ED-4DB2-BD59-A6C34878D82A}">
+                    <a16:rowId xmlns:a16="http://schemas.microsoft.com/office/drawing/2014/main" xmlns="" val="10003"/>
+                  </a:ext>
+                </a:extLst>
+              </a:tr>
+              <a:tr h="370840">
+                <a:tc gridSpan="4">
+                  <a:txBody>
+                    <a:bodyPr/>
+                    <a:lstStyle/>
+                    <a:p>
+                      <a:pPr algn="ctr"/>
+                      <a:r>
+                        <a:rPr lang="en-US" dirty="0"/>
+                        <a:t>Receive Timestamp</a:t>
+                      </a:r>
+                    </a:p>
+                  </a:txBody>
+                  <a:tcPr/>
+                </a:tc>
+                <a:tc hMerge="1">
+                  <a:txBody>
+                    <a:bodyPr/>
+                    <a:lstStyle/>
+                    <a:p>
+                      <a:endParaRPr lang="en-US"/>
+                    </a:p>
+                  </a:txBody>
+                  <a:tcPr/>
+                </a:tc>
+                <a:tc hMerge="1">
+                  <a:txBody>
+                    <a:bodyPr/>
+                    <a:lstStyle/>
+                    <a:p>
+                      <a:pPr algn="ctr"/>
+                      <a:endParaRPr lang="en-US" dirty="0"/>
+                    </a:p>
+                  </a:txBody>
+                  <a:tcPr>
+                    <a:lnL w="12700" cap="flat" cmpd="sng" algn="ctr">
+                      <a:solidFill>
+                        <a:schemeClr val="tx1"/>
+                      </a:solidFill>
+                      <a:prstDash val="solid"/>
+                      <a:round/>
+                      <a:headEnd type="none" w="med" len="med"/>
+                      <a:tailEnd type="none" w="med" len="med"/>
+                    </a:lnL>
+                  </a:tcPr>
+                </a:tc>
+                <a:tc hMerge="1">
+                  <a:txBody>
+                    <a:bodyPr/>
+                    <a:lstStyle/>
+                    <a:p>
+                      <a:endParaRPr lang="en-US"/>
+                    </a:p>
+                  </a:txBody>
+                  <a:tcPr/>
+                </a:tc>
+                <a:extLst>
+                  <a:ext uri="{0D108BD9-81ED-4DB2-BD59-A6C34878D82A}">
+                    <a16:rowId xmlns:a16="http://schemas.microsoft.com/office/drawing/2014/main" xmlns="" val="10004"/>
+                  </a:ext>
+                </a:extLst>
+              </a:tr>
+              <a:tr h="370840">
+                <a:tc gridSpan="4">
+                  <a:txBody>
+                    <a:bodyPr/>
+                    <a:lstStyle/>
+                    <a:p>
+                      <a:pPr algn="ctr"/>
+                      <a:r>
+                        <a:rPr lang="en-US" dirty="0"/>
+                        <a:t>Transmit Timestamp</a:t>
+                      </a:r>
+                    </a:p>
+                  </a:txBody>
+                  <a:tcPr/>
+                </a:tc>
+                <a:tc hMerge="1">
+                  <a:txBody>
+                    <a:bodyPr/>
+                    <a:lstStyle/>
+                    <a:p>
+                      <a:endParaRPr lang="en-US"/>
+                    </a:p>
+                  </a:txBody>
+                  <a:tcPr/>
+                </a:tc>
+                <a:tc hMerge="1">
+                  <a:txBody>
+                    <a:bodyPr/>
+                    <a:lstStyle/>
+                    <a:p>
+                      <a:pPr algn="ctr"/>
+                      <a:endParaRPr lang="en-US" dirty="0"/>
+                    </a:p>
+                  </a:txBody>
+                  <a:tcPr>
+                    <a:lnL w="12700" cap="flat" cmpd="sng" algn="ctr">
+                      <a:solidFill>
+                        <a:schemeClr val="tx1"/>
+                      </a:solidFill>
+                      <a:prstDash val="solid"/>
+                      <a:round/>
+                      <a:headEnd type="none" w="med" len="med"/>
+                      <a:tailEnd type="none" w="med" len="med"/>
+                    </a:lnL>
+                  </a:tcPr>
+                </a:tc>
+                <a:tc hMerge="1">
+                  <a:txBody>
+                    <a:bodyPr/>
+                    <a:lstStyle/>
+                    <a:p>
+                      <a:endParaRPr lang="en-US"/>
+                    </a:p>
+                  </a:txBody>
+                  <a:tcPr/>
+                </a:tc>
+                <a:extLst>
+                  <a:ext uri="{0D108BD9-81ED-4DB2-BD59-A6C34878D82A}">
+                    <a16:rowId xmlns:a16="http://schemas.microsoft.com/office/drawing/2014/main" xmlns="" val="10005"/>
                   </a:ext>
                 </a:extLst>
               </a:tr>
@@ -8755,7 +8971,7 @@
     </p:spTree>
     <p:extLst>
       <p:ext uri="{BB962C8B-B14F-4D97-AF65-F5344CB8AC3E}">
-        <p14:creationId xmlns:p14="http://schemas.microsoft.com/office/powerpoint/2010/main" val="2462303588"/>
+        <p14:creationId xmlns:p14="http://schemas.microsoft.com/office/powerpoint/2010/main" val="3438297116"/>
       </p:ext>
     </p:extLst>
   </p:cSld>
@@ -8787,7 +9003,7 @@
           <p:cNvPr id="2" name="Title 1">
             <a:extLst>
               <a:ext uri="{FF2B5EF4-FFF2-40B4-BE49-F238E27FC236}">
-                <a16:creationId xmlns:a16="http://schemas.microsoft.com/office/drawing/2014/main" id="{0A2A4053-83BE-448D-8877-DBBA7D7FBA62}"/>
+                <a16:creationId xmlns:a16="http://schemas.microsoft.com/office/drawing/2014/main" xmlns="" id="{0A2A4053-83BE-448D-8877-DBBA7D7FBA62}"/>
               </a:ext>
             </a:extLst>
           </p:cNvPr>
@@ -8812,14 +9028,14 @@
           <a:p>
             <a:r>
               <a:rPr lang="en-US" dirty="0"/>
-              <a:t>Type: 13 – Timestamp Request Message</a:t>
+              <a:t>Type: 15 – Information Request Message</a:t>
             </a:r>
             <a:br>
               <a:rPr lang="en-US" dirty="0"/>
             </a:br>
             <a:r>
               <a:rPr lang="en-US" dirty="0"/>
-              <a:t>Type: 14 – Timestamp Reply Message</a:t>
+              <a:t>Type: 16 – Information Reply Message</a:t>
             </a:r>
             <a:br>
               <a:rPr lang="en-US" dirty="0"/>
@@ -8833,7 +9049,7 @@
           <p:cNvPr id="3" name="Content Placeholder 2">
             <a:extLst>
               <a:ext uri="{FF2B5EF4-FFF2-40B4-BE49-F238E27FC236}">
-                <a16:creationId xmlns:a16="http://schemas.microsoft.com/office/drawing/2014/main" id="{2C05FB4C-A7FE-45D7-A696-BFFC90E02159}"/>
+                <a16:creationId xmlns:a16="http://schemas.microsoft.com/office/drawing/2014/main" xmlns="" id="{2C05FB4C-A7FE-45D7-A696-BFFC90E02159}"/>
               </a:ext>
             </a:extLst>
           </p:cNvPr>
@@ -8900,36 +9116,6 @@
             </a:pPr>
             <a:endParaRPr lang="en-US" sz="2400" dirty="0"/>
           </a:p>
-          <a:p>
-            <a:pPr marL="0" indent="0">
-              <a:lnSpc>
-                <a:spcPct val="70000"/>
-              </a:lnSpc>
-              <a:buFont typeface="Arial" panose="020B0604020202020204" pitchFamily="34" charset="0"/>
-              <a:buNone/>
-            </a:pPr>
-            <a:endParaRPr lang="en-US" sz="2400" dirty="0"/>
-          </a:p>
-          <a:p>
-            <a:pPr marL="0" indent="0">
-              <a:lnSpc>
-                <a:spcPct val="70000"/>
-              </a:lnSpc>
-              <a:buFont typeface="Arial" panose="020B0604020202020204" pitchFamily="34" charset="0"/>
-              <a:buNone/>
-            </a:pPr>
-            <a:endParaRPr lang="en-US" sz="2400" dirty="0"/>
-          </a:p>
-          <a:p>
-            <a:pPr marL="0" indent="0">
-              <a:lnSpc>
-                <a:spcPct val="70000"/>
-              </a:lnSpc>
-              <a:buFont typeface="Arial" panose="020B0604020202020204" pitchFamily="34" charset="0"/>
-              <a:buNone/>
-            </a:pPr>
-            <a:endParaRPr lang="en-US" sz="2400" dirty="0"/>
-          </a:p>
         </p:txBody>
       </p:sp>
       <p:graphicFrame>
@@ -8937,7 +9123,7 @@
           <p:cNvPr id="6" name="Content Placeholder 3">
             <a:extLst>
               <a:ext uri="{FF2B5EF4-FFF2-40B4-BE49-F238E27FC236}">
-                <a16:creationId xmlns:a16="http://schemas.microsoft.com/office/drawing/2014/main" id="{25204249-12E6-4182-A578-16B88125DAD3}"/>
+                <a16:creationId xmlns:a16="http://schemas.microsoft.com/office/drawing/2014/main" xmlns="" id="{25204249-12E6-4182-A578-16B88125DAD3}"/>
               </a:ext>
             </a:extLst>
           </p:cNvPr>
@@ -8948,7 +9134,7 @@
         </p:nvGraphicFramePr>
         <p:xfrm>
           <a:off x="838200" y="2296142"/>
-          <a:ext cx="10515600" cy="2225040"/>
+          <a:ext cx="10515600" cy="1112520"/>
         </p:xfrm>
         <a:graphic>
           <a:graphicData uri="http://schemas.openxmlformats.org/drawingml/2006/table">
@@ -8960,28 +9146,28 @@
                 <a:gridCol w="2628900">
                   <a:extLst>
                     <a:ext uri="{9D8B030D-6E8A-4147-A177-3AD203B41FA5}">
-                      <a16:colId xmlns:a16="http://schemas.microsoft.com/office/drawing/2014/main" val="3470846463"/>
+                      <a16:colId xmlns:a16="http://schemas.microsoft.com/office/drawing/2014/main" xmlns="" val="3470846463"/>
                     </a:ext>
                   </a:extLst>
                 </a:gridCol>
                 <a:gridCol w="2628900">
                   <a:extLst>
                     <a:ext uri="{9D8B030D-6E8A-4147-A177-3AD203B41FA5}">
-                      <a16:colId xmlns:a16="http://schemas.microsoft.com/office/drawing/2014/main" val="3990732175"/>
+                      <a16:colId xmlns:a16="http://schemas.microsoft.com/office/drawing/2014/main" xmlns="" val="3990732175"/>
                     </a:ext>
                   </a:extLst>
                 </a:gridCol>
                 <a:gridCol w="2628900">
                   <a:extLst>
                     <a:ext uri="{9D8B030D-6E8A-4147-A177-3AD203B41FA5}">
-                      <a16:colId xmlns:a16="http://schemas.microsoft.com/office/drawing/2014/main" val="3113442537"/>
+                      <a16:colId xmlns:a16="http://schemas.microsoft.com/office/drawing/2014/main" xmlns="" val="3113442537"/>
                     </a:ext>
                   </a:extLst>
                 </a:gridCol>
                 <a:gridCol w="2628900">
                   <a:extLst>
                     <a:ext uri="{9D8B030D-6E8A-4147-A177-3AD203B41FA5}">
-                      <a16:colId xmlns:a16="http://schemas.microsoft.com/office/drawing/2014/main" val="3734812451"/>
+                      <a16:colId xmlns:a16="http://schemas.microsoft.com/office/drawing/2014/main" xmlns="" val="3734812451"/>
                     </a:ext>
                   </a:extLst>
                 </a:gridCol>
@@ -9045,7 +9231,7 @@
                 </a:tc>
                 <a:extLst>
                   <a:ext uri="{0D108BD9-81ED-4DB2-BD59-A6C34878D82A}">
-                    <a16:rowId xmlns:a16="http://schemas.microsoft.com/office/drawing/2014/main" val="3547791680"/>
+                    <a16:rowId xmlns:a16="http://schemas.microsoft.com/office/drawing/2014/main" xmlns="" val="3547791680"/>
                   </a:ext>
                 </a:extLst>
               </a:tr>
@@ -9124,7 +9310,7 @@
                 </a:tc>
                 <a:extLst>
                   <a:ext uri="{0D108BD9-81ED-4DB2-BD59-A6C34878D82A}">
-                    <a16:rowId xmlns:a16="http://schemas.microsoft.com/office/drawing/2014/main" val="2673285938"/>
+                    <a16:rowId xmlns:a16="http://schemas.microsoft.com/office/drawing/2014/main" xmlns="" val="2673285938"/>
                   </a:ext>
                 </a:extLst>
               </a:tr>
@@ -9199,193 +9385,7 @@
                 </a:tc>
                 <a:extLst>
                   <a:ext uri="{0D108BD9-81ED-4DB2-BD59-A6C34878D82A}">
-                    <a16:rowId xmlns:a16="http://schemas.microsoft.com/office/drawing/2014/main" val="761915796"/>
-                  </a:ext>
-                </a:extLst>
-              </a:tr>
-              <a:tr h="370840">
-                <a:tc gridSpan="4">
-                  <a:txBody>
-                    <a:bodyPr/>
-                    <a:lstStyle/>
-                    <a:p>
-                      <a:pPr algn="ctr"/>
-                      <a:r>
-                        <a:rPr lang="en-US" dirty="0"/>
-                        <a:t>Originate Timestamp</a:t>
-                      </a:r>
-                    </a:p>
-                  </a:txBody>
-                  <a:tcPr/>
-                </a:tc>
-                <a:tc hMerge="1">
-                  <a:txBody>
-                    <a:bodyPr/>
-                    <a:lstStyle/>
-                    <a:p>
-                      <a:endParaRPr lang="en-US"/>
-                    </a:p>
-                  </a:txBody>
-                  <a:tcPr/>
-                </a:tc>
-                <a:tc hMerge="1">
-                  <a:txBody>
-                    <a:bodyPr/>
-                    <a:lstStyle/>
-                    <a:p>
-                      <a:pPr algn="ctr"/>
-                      <a:endParaRPr lang="en-US" dirty="0"/>
-                    </a:p>
-                  </a:txBody>
-                  <a:tcPr>
-                    <a:lnL w="12700" cap="flat" cmpd="sng" algn="ctr">
-                      <a:solidFill>
-                        <a:schemeClr val="tx1"/>
-                      </a:solidFill>
-                      <a:prstDash val="solid"/>
-                      <a:round/>
-                      <a:headEnd type="none" w="med" len="med"/>
-                      <a:tailEnd type="none" w="med" len="med"/>
-                    </a:lnL>
-                  </a:tcPr>
-                </a:tc>
-                <a:tc hMerge="1">
-                  <a:txBody>
-                    <a:bodyPr/>
-                    <a:lstStyle/>
-                    <a:p>
-                      <a:endParaRPr lang="en-US"/>
-                    </a:p>
-                  </a:txBody>
-                  <a:tcPr/>
-                </a:tc>
-                <a:extLst>
-                  <a:ext uri="{0D108BD9-81ED-4DB2-BD59-A6C34878D82A}">
-                    <a16:rowId xmlns:a16="http://schemas.microsoft.com/office/drawing/2014/main" val="10003"/>
-                  </a:ext>
-                </a:extLst>
-              </a:tr>
-              <a:tr h="370840">
-                <a:tc gridSpan="4">
-                  <a:txBody>
-                    <a:bodyPr/>
-                    <a:lstStyle/>
-                    <a:p>
-                      <a:pPr algn="ctr"/>
-                      <a:r>
-                        <a:rPr lang="en-US" dirty="0"/>
-                        <a:t>Receive Timestamp</a:t>
-                      </a:r>
-                    </a:p>
-                  </a:txBody>
-                  <a:tcPr/>
-                </a:tc>
-                <a:tc hMerge="1">
-                  <a:txBody>
-                    <a:bodyPr/>
-                    <a:lstStyle/>
-                    <a:p>
-                      <a:endParaRPr lang="en-US"/>
-                    </a:p>
-                  </a:txBody>
-                  <a:tcPr/>
-                </a:tc>
-                <a:tc hMerge="1">
-                  <a:txBody>
-                    <a:bodyPr/>
-                    <a:lstStyle/>
-                    <a:p>
-                      <a:pPr algn="ctr"/>
-                      <a:endParaRPr lang="en-US" dirty="0"/>
-                    </a:p>
-                  </a:txBody>
-                  <a:tcPr>
-                    <a:lnL w="12700" cap="flat" cmpd="sng" algn="ctr">
-                      <a:solidFill>
-                        <a:schemeClr val="tx1"/>
-                      </a:solidFill>
-                      <a:prstDash val="solid"/>
-                      <a:round/>
-                      <a:headEnd type="none" w="med" len="med"/>
-                      <a:tailEnd type="none" w="med" len="med"/>
-                    </a:lnL>
-                  </a:tcPr>
-                </a:tc>
-                <a:tc hMerge="1">
-                  <a:txBody>
-                    <a:bodyPr/>
-                    <a:lstStyle/>
-                    <a:p>
-                      <a:endParaRPr lang="en-US"/>
-                    </a:p>
-                  </a:txBody>
-                  <a:tcPr/>
-                </a:tc>
-                <a:extLst>
-                  <a:ext uri="{0D108BD9-81ED-4DB2-BD59-A6C34878D82A}">
-                    <a16:rowId xmlns:a16="http://schemas.microsoft.com/office/drawing/2014/main" val="10004"/>
-                  </a:ext>
-                </a:extLst>
-              </a:tr>
-              <a:tr h="370840">
-                <a:tc gridSpan="4">
-                  <a:txBody>
-                    <a:bodyPr/>
-                    <a:lstStyle/>
-                    <a:p>
-                      <a:pPr algn="ctr"/>
-                      <a:r>
-                        <a:rPr lang="en-US" dirty="0"/>
-                        <a:t>Transmit Timestamp</a:t>
-                      </a:r>
-                    </a:p>
-                  </a:txBody>
-                  <a:tcPr/>
-                </a:tc>
-                <a:tc hMerge="1">
-                  <a:txBody>
-                    <a:bodyPr/>
-                    <a:lstStyle/>
-                    <a:p>
-                      <a:endParaRPr lang="en-US"/>
-                    </a:p>
-                  </a:txBody>
-                  <a:tcPr/>
-                </a:tc>
-                <a:tc hMerge="1">
-                  <a:txBody>
-                    <a:bodyPr/>
-                    <a:lstStyle/>
-                    <a:p>
-                      <a:pPr algn="ctr"/>
-                      <a:endParaRPr lang="en-US" dirty="0"/>
-                    </a:p>
-                  </a:txBody>
-                  <a:tcPr>
-                    <a:lnL w="12700" cap="flat" cmpd="sng" algn="ctr">
-                      <a:solidFill>
-                        <a:schemeClr val="tx1"/>
-                      </a:solidFill>
-                      <a:prstDash val="solid"/>
-                      <a:round/>
-                      <a:headEnd type="none" w="med" len="med"/>
-                      <a:tailEnd type="none" w="med" len="med"/>
-                    </a:lnL>
-                  </a:tcPr>
-                </a:tc>
-                <a:tc hMerge="1">
-                  <a:txBody>
-                    <a:bodyPr/>
-                    <a:lstStyle/>
-                    <a:p>
-                      <a:endParaRPr lang="en-US"/>
-                    </a:p>
-                  </a:txBody>
-                  <a:tcPr/>
-                </a:tc>
-                <a:extLst>
-                  <a:ext uri="{0D108BD9-81ED-4DB2-BD59-A6C34878D82A}">
-                    <a16:rowId xmlns:a16="http://schemas.microsoft.com/office/drawing/2014/main" val="10005"/>
+                    <a16:rowId xmlns:a16="http://schemas.microsoft.com/office/drawing/2014/main" xmlns="" val="761915796"/>
                   </a:ext>
                 </a:extLst>
               </a:tr>
@@ -9396,7 +9396,7 @@
     </p:spTree>
     <p:extLst>
       <p:ext uri="{BB962C8B-B14F-4D97-AF65-F5344CB8AC3E}">
-        <p14:creationId xmlns:p14="http://schemas.microsoft.com/office/powerpoint/2010/main" val="3438297116"/>
+        <p14:creationId xmlns:p14="http://schemas.microsoft.com/office/powerpoint/2010/main" val="2462303588"/>
       </p:ext>
     </p:extLst>
   </p:cSld>
@@ -9428,7 +9428,7 @@
           <p:cNvPr id="2" name="Title 1">
             <a:extLst>
               <a:ext uri="{FF2B5EF4-FFF2-40B4-BE49-F238E27FC236}">
-                <a16:creationId xmlns:a16="http://schemas.microsoft.com/office/drawing/2014/main" id="{A0B268A8-A72C-4737-84E8-60BF2279B7FD}"/>
+                <a16:creationId xmlns:a16="http://schemas.microsoft.com/office/drawing/2014/main" xmlns="" id="{A0B268A8-A72C-4737-84E8-60BF2279B7FD}"/>
               </a:ext>
             </a:extLst>
           </p:cNvPr>
@@ -9456,7 +9456,7 @@
           <p:cNvPr id="3" name="Content Placeholder 2">
             <a:extLst>
               <a:ext uri="{FF2B5EF4-FFF2-40B4-BE49-F238E27FC236}">
-                <a16:creationId xmlns:a16="http://schemas.microsoft.com/office/drawing/2014/main" id="{B8E511E5-8C11-43E6-BF32-6636DE8670C0}"/>
+                <a16:creationId xmlns:a16="http://schemas.microsoft.com/office/drawing/2014/main" xmlns="" id="{B8E511E5-8C11-43E6-BF32-6636DE8670C0}"/>
               </a:ext>
             </a:extLst>
           </p:cNvPr>
@@ -9531,7 +9531,7 @@
           <p:cNvPr id="2" name="Title 1">
             <a:extLst>
               <a:ext uri="{FF2B5EF4-FFF2-40B4-BE49-F238E27FC236}">
-                <a16:creationId xmlns:a16="http://schemas.microsoft.com/office/drawing/2014/main" id="{970538AF-0C23-45AC-8BCF-0FA6D57069AC}"/>
+                <a16:creationId xmlns:a16="http://schemas.microsoft.com/office/drawing/2014/main" xmlns="" id="{970538AF-0C23-45AC-8BCF-0FA6D57069AC}"/>
               </a:ext>
             </a:extLst>
           </p:cNvPr>
@@ -9559,7 +9559,7 @@
           <p:cNvPr id="3" name="Content Placeholder 2">
             <a:extLst>
               <a:ext uri="{FF2B5EF4-FFF2-40B4-BE49-F238E27FC236}">
-                <a16:creationId xmlns:a16="http://schemas.microsoft.com/office/drawing/2014/main" id="{3D5CC124-2E1C-4EA4-AC37-A22CFC3018BB}"/>
+                <a16:creationId xmlns:a16="http://schemas.microsoft.com/office/drawing/2014/main" xmlns="" id="{3D5CC124-2E1C-4EA4-AC37-A22CFC3018BB}"/>
               </a:ext>
             </a:extLst>
           </p:cNvPr>
@@ -9633,7 +9633,7 @@
           <p:cNvPr id="2" name="Title 1">
             <a:extLst>
               <a:ext uri="{FF2B5EF4-FFF2-40B4-BE49-F238E27FC236}">
-                <a16:creationId xmlns:a16="http://schemas.microsoft.com/office/drawing/2014/main" id="{91A00BFE-4F5D-4B04-914B-F4A4E09628A7}"/>
+                <a16:creationId xmlns:a16="http://schemas.microsoft.com/office/drawing/2014/main" xmlns="" id="{91A00BFE-4F5D-4B04-914B-F4A4E09628A7}"/>
               </a:ext>
             </a:extLst>
           </p:cNvPr>
@@ -9661,7 +9661,7 @@
           <p:cNvPr id="3" name="Content Placeholder 2">
             <a:extLst>
               <a:ext uri="{FF2B5EF4-FFF2-40B4-BE49-F238E27FC236}">
-                <a16:creationId xmlns:a16="http://schemas.microsoft.com/office/drawing/2014/main" id="{2CA22CB7-8649-493F-845E-A30C6D39BD40}"/>
+                <a16:creationId xmlns:a16="http://schemas.microsoft.com/office/drawing/2014/main" xmlns="" id="{2CA22CB7-8649-493F-845E-A30C6D39BD40}"/>
               </a:ext>
             </a:extLst>
           </p:cNvPr>
@@ -9716,7 +9716,7 @@
           <p:cNvPr id="2" name="Title 1">
             <a:extLst>
               <a:ext uri="{FF2B5EF4-FFF2-40B4-BE49-F238E27FC236}">
-                <a16:creationId xmlns:a16="http://schemas.microsoft.com/office/drawing/2014/main" id="{97551541-ABFB-4759-AE01-FA3169BED6F7}"/>
+                <a16:creationId xmlns:a16="http://schemas.microsoft.com/office/drawing/2014/main" xmlns="" id="{97551541-ABFB-4759-AE01-FA3169BED6F7}"/>
               </a:ext>
             </a:extLst>
           </p:cNvPr>
@@ -9744,7 +9744,7 @@
           <p:cNvPr id="3" name="Content Placeholder 2">
             <a:extLst>
               <a:ext uri="{FF2B5EF4-FFF2-40B4-BE49-F238E27FC236}">
-                <a16:creationId xmlns:a16="http://schemas.microsoft.com/office/drawing/2014/main" id="{B0C538DF-22F3-4DF4-9CF3-D9E640470939}"/>
+                <a16:creationId xmlns:a16="http://schemas.microsoft.com/office/drawing/2014/main" xmlns="" id="{B0C538DF-22F3-4DF4-9CF3-D9E640470939}"/>
               </a:ext>
             </a:extLst>
           </p:cNvPr>
@@ -9799,7 +9799,7 @@
           <p:cNvPr id="2" name="Title 1">
             <a:extLst>
               <a:ext uri="{FF2B5EF4-FFF2-40B4-BE49-F238E27FC236}">
-                <a16:creationId xmlns:a16="http://schemas.microsoft.com/office/drawing/2014/main" id="{AE506A4F-0D49-4980-8090-858D92BC6945}"/>
+                <a16:creationId xmlns:a16="http://schemas.microsoft.com/office/drawing/2014/main" xmlns="" id="{AE506A4F-0D49-4980-8090-858D92BC6945}"/>
               </a:ext>
             </a:extLst>
           </p:cNvPr>
@@ -9827,7 +9827,7 @@
           <p:cNvPr id="3" name="Content Placeholder 2">
             <a:extLst>
               <a:ext uri="{FF2B5EF4-FFF2-40B4-BE49-F238E27FC236}">
-                <a16:creationId xmlns:a16="http://schemas.microsoft.com/office/drawing/2014/main" id="{747CEBF4-294E-482B-A1EA-56E3CC9FF4DC}"/>
+                <a16:creationId xmlns:a16="http://schemas.microsoft.com/office/drawing/2014/main" xmlns="" id="{747CEBF4-294E-482B-A1EA-56E3CC9FF4DC}"/>
               </a:ext>
             </a:extLst>
           </p:cNvPr>
@@ -9882,7 +9882,7 @@
           <p:cNvPr id="2" name="Title 1">
             <a:extLst>
               <a:ext uri="{FF2B5EF4-FFF2-40B4-BE49-F238E27FC236}">
-                <a16:creationId xmlns:a16="http://schemas.microsoft.com/office/drawing/2014/main" id="{8AB0FBD8-8A49-435E-8E4F-2E0B4A6134DE}"/>
+                <a16:creationId xmlns:a16="http://schemas.microsoft.com/office/drawing/2014/main" xmlns="" id="{8AB0FBD8-8A49-435E-8E4F-2E0B4A6134DE}"/>
               </a:ext>
             </a:extLst>
           </p:cNvPr>
@@ -9918,7 +9918,7 @@
           <p:cNvPr id="3" name="Content Placeholder 2">
             <a:extLst>
               <a:ext uri="{FF2B5EF4-FFF2-40B4-BE49-F238E27FC236}">
-                <a16:creationId xmlns:a16="http://schemas.microsoft.com/office/drawing/2014/main" id="{BB9D0FD2-9C4D-42FC-9343-0F77A20DFF53}"/>
+                <a16:creationId xmlns:a16="http://schemas.microsoft.com/office/drawing/2014/main" xmlns="" id="{BB9D0FD2-9C4D-42FC-9343-0F77A20DFF53}"/>
               </a:ext>
             </a:extLst>
           </p:cNvPr>
@@ -9973,7 +9973,7 @@
           <p:cNvPr id="2" name="Title 1">
             <a:extLst>
               <a:ext uri="{FF2B5EF4-FFF2-40B4-BE49-F238E27FC236}">
-                <a16:creationId xmlns:a16="http://schemas.microsoft.com/office/drawing/2014/main" id="{BD741483-B11E-445B-82D4-F69120BFE4F4}"/>
+                <a16:creationId xmlns:a16="http://schemas.microsoft.com/office/drawing/2014/main" xmlns="" id="{BD741483-B11E-445B-82D4-F69120BFE4F4}"/>
               </a:ext>
             </a:extLst>
           </p:cNvPr>
@@ -10002,7 +10002,7 @@
           <p:cNvPr id="3" name="Subtitle 2">
             <a:extLst>
               <a:ext uri="{FF2B5EF4-FFF2-40B4-BE49-F238E27FC236}">
-                <a16:creationId xmlns:a16="http://schemas.microsoft.com/office/drawing/2014/main" id="{25543615-085F-4258-A2E2-34551553B4FC}"/>
+                <a16:creationId xmlns:a16="http://schemas.microsoft.com/office/drawing/2014/main" xmlns="" id="{25543615-085F-4258-A2E2-34551553B4FC}"/>
               </a:ext>
             </a:extLst>
           </p:cNvPr>
@@ -10057,7 +10057,7 @@
           <p:cNvPr id="2" name="Title 1">
             <a:extLst>
               <a:ext uri="{FF2B5EF4-FFF2-40B4-BE49-F238E27FC236}">
-                <a16:creationId xmlns:a16="http://schemas.microsoft.com/office/drawing/2014/main" id="{FA4DE641-7FF5-442D-ADF9-35AF23968215}"/>
+                <a16:creationId xmlns:a16="http://schemas.microsoft.com/office/drawing/2014/main" xmlns="" id="{FA4DE641-7FF5-442D-ADF9-35AF23968215}"/>
               </a:ext>
             </a:extLst>
           </p:cNvPr>
@@ -10085,7 +10085,7 @@
           <p:cNvPr id="3" name="Content Placeholder 2">
             <a:extLst>
               <a:ext uri="{FF2B5EF4-FFF2-40B4-BE49-F238E27FC236}">
-                <a16:creationId xmlns:a16="http://schemas.microsoft.com/office/drawing/2014/main" id="{8F0149D8-BF24-4C80-959F-7DF566C80856}"/>
+                <a16:creationId xmlns:a16="http://schemas.microsoft.com/office/drawing/2014/main" xmlns="" id="{8F0149D8-BF24-4C80-959F-7DF566C80856}"/>
               </a:ext>
             </a:extLst>
           </p:cNvPr>
@@ -10143,7 +10143,7 @@
           <p:cNvPr id="2" name="Title 1">
             <a:extLst>
               <a:ext uri="{FF2B5EF4-FFF2-40B4-BE49-F238E27FC236}">
-                <a16:creationId xmlns:a16="http://schemas.microsoft.com/office/drawing/2014/main" id="{BD741483-B11E-445B-82D4-F69120BFE4F4}"/>
+                <a16:creationId xmlns:a16="http://schemas.microsoft.com/office/drawing/2014/main" xmlns="" id="{BD741483-B11E-445B-82D4-F69120BFE4F4}"/>
               </a:ext>
             </a:extLst>
           </p:cNvPr>
@@ -10171,7 +10171,7 @@
           <p:cNvPr id="3" name="Subtitle 2">
             <a:extLst>
               <a:ext uri="{FF2B5EF4-FFF2-40B4-BE49-F238E27FC236}">
-                <a16:creationId xmlns:a16="http://schemas.microsoft.com/office/drawing/2014/main" id="{25543615-085F-4258-A2E2-34551553B4FC}"/>
+                <a16:creationId xmlns:a16="http://schemas.microsoft.com/office/drawing/2014/main" xmlns="" id="{25543615-085F-4258-A2E2-34551553B4FC}"/>
               </a:ext>
             </a:extLst>
           </p:cNvPr>

--- a/raw socket & libpcap & icmp.pptx
+++ b/raw socket & libpcap & icmp.pptx
@@ -2,7 +2,7 @@
 <file path=ppt/presentation.xml><?xml version="1.0" encoding="utf-8"?>
 <p:presentation xmlns:a="http://schemas.openxmlformats.org/drawingml/2006/main" xmlns:r="http://schemas.openxmlformats.org/officeDocument/2006/relationships" xmlns:p="http://schemas.openxmlformats.org/presentationml/2006/main" saveSubsetFonts="1">
   <p:sldMasterIdLst>
-    <p:sldMasterId id="2147483696" r:id="rId1"/>
+    <p:sldMasterId id="2147483708" r:id="rId1"/>
   </p:sldMasterIdLst>
   <p:notesMasterIdLst>
     <p:notesMasterId r:id="rId21"/>
@@ -215,7 +215,7 @@
           <a:p>
             <a:fld id="{AF8E52BD-695E-44A2-AB0A-5B021781A95B}" type="datetimeFigureOut">
               <a:rPr lang="en-US" smtClean="0"/>
-              <a:t>2019-08-03</a:t>
+              <a:t>2019-08-09</a:t>
             </a:fld>
             <a:endParaRPr lang="en-US"/>
           </a:p>
@@ -1750,7 +1750,7 @@
 </file>
 
 <file path=ppt/slideLayouts/slideLayout1.xml><?xml version="1.0" encoding="utf-8"?>
-<p:sldLayout xmlns:a="http://schemas.openxmlformats.org/drawingml/2006/main" xmlns:r="http://schemas.openxmlformats.org/officeDocument/2006/relationships" xmlns:p="http://schemas.openxmlformats.org/presentationml/2006/main" type="title" preserve="1">
+<p:sldLayout xmlns:a="http://schemas.openxmlformats.org/drawingml/2006/main" xmlns:r="http://schemas.openxmlformats.org/officeDocument/2006/relationships" xmlns:p="http://schemas.openxmlformats.org/presentationml/2006/main" showMasterSp="0" type="title" preserve="1">
   <p:cSld name="Title Slide">
     <p:spTree>
       <p:nvGrpSpPr>
@@ -1766,15 +1766,539 @@
           <a:chExt cx="0" cy="0"/>
         </a:xfrm>
       </p:grpSpPr>
-      <p:sp>
-        <p:nvSpPr>
-          <p:cNvPr id="2" name="Title 1">
-            <a:extLst>
-              <a:ext uri="{FF2B5EF4-FFF2-40B4-BE49-F238E27FC236}">
-                <a16:creationId xmlns:a16="http://schemas.microsoft.com/office/drawing/2014/main" xmlns="" id="{34DEA931-1349-45FB-A720-BC5E542963A4}"/>
-              </a:ext>
-            </a:extLst>
-          </p:cNvPr>
+      <p:grpSp>
+        <p:nvGrpSpPr>
+          <p:cNvPr id="7" name="Group 6"/>
+          <p:cNvGrpSpPr/>
+          <p:nvPr/>
+        </p:nvGrpSpPr>
+        <p:grpSpPr>
+          <a:xfrm>
+            <a:off x="0" y="-8467"/>
+            <a:ext cx="12192000" cy="6866467"/>
+            <a:chOff x="0" y="-8467"/>
+            <a:chExt cx="12192000" cy="6866467"/>
+          </a:xfrm>
+        </p:grpSpPr>
+        <p:cxnSp>
+          <p:nvCxnSpPr>
+            <p:cNvPr id="32" name="Straight Connector 31"/>
+            <p:cNvCxnSpPr/>
+            <p:nvPr/>
+          </p:nvCxnSpPr>
+          <p:spPr>
+            <a:xfrm>
+              <a:off x="9371012" y="0"/>
+              <a:ext cx="1219200" cy="6858000"/>
+            </a:xfrm>
+            <a:prstGeom prst="line">
+              <a:avLst/>
+            </a:prstGeom>
+            <a:ln w="9525">
+              <a:solidFill>
+                <a:schemeClr val="bg1">
+                  <a:lumMod val="75000"/>
+                </a:schemeClr>
+              </a:solidFill>
+            </a:ln>
+          </p:spPr>
+          <p:style>
+            <a:lnRef idx="2">
+              <a:schemeClr val="accent1"/>
+            </a:lnRef>
+            <a:fillRef idx="0">
+              <a:schemeClr val="accent1"/>
+            </a:fillRef>
+            <a:effectRef idx="1">
+              <a:schemeClr val="accent1"/>
+            </a:effectRef>
+            <a:fontRef idx="minor">
+              <a:schemeClr val="tx1"/>
+            </a:fontRef>
+          </p:style>
+        </p:cxnSp>
+        <p:cxnSp>
+          <p:nvCxnSpPr>
+            <p:cNvPr id="21" name="Straight Connector 20"/>
+            <p:cNvCxnSpPr/>
+            <p:nvPr/>
+          </p:nvCxnSpPr>
+          <p:spPr>
+            <a:xfrm flipH="1">
+              <a:off x="7425267" y="3681413"/>
+              <a:ext cx="4763558" cy="3176587"/>
+            </a:xfrm>
+            <a:prstGeom prst="line">
+              <a:avLst/>
+            </a:prstGeom>
+            <a:ln w="9525">
+              <a:solidFill>
+                <a:schemeClr val="bg1">
+                  <a:lumMod val="85000"/>
+                </a:schemeClr>
+              </a:solidFill>
+            </a:ln>
+          </p:spPr>
+          <p:style>
+            <a:lnRef idx="2">
+              <a:schemeClr val="accent1"/>
+            </a:lnRef>
+            <a:fillRef idx="0">
+              <a:schemeClr val="accent1"/>
+            </a:fillRef>
+            <a:effectRef idx="1">
+              <a:schemeClr val="accent1"/>
+            </a:effectRef>
+            <a:fontRef idx="minor">
+              <a:schemeClr val="tx1"/>
+            </a:fontRef>
+          </p:style>
+        </p:cxnSp>
+        <p:sp>
+          <p:nvSpPr>
+            <p:cNvPr id="24" name="Rectangle 23"/>
+            <p:cNvSpPr/>
+            <p:nvPr/>
+          </p:nvSpPr>
+          <p:spPr>
+            <a:xfrm>
+              <a:off x="9181476" y="-8467"/>
+              <a:ext cx="3007349" cy="6866467"/>
+            </a:xfrm>
+            <a:custGeom>
+              <a:avLst/>
+              <a:gdLst/>
+              <a:ahLst/>
+              <a:cxnLst/>
+              <a:rect l="l" t="t" r="r" b="b"/>
+              <a:pathLst>
+                <a:path w="3007349" h="6866467">
+                  <a:moveTo>
+                    <a:pt x="2045532" y="0"/>
+                  </a:moveTo>
+                  <a:lnTo>
+                    <a:pt x="3007349" y="0"/>
+                  </a:lnTo>
+                  <a:lnTo>
+                    <a:pt x="3007349" y="6866467"/>
+                  </a:lnTo>
+                  <a:lnTo>
+                    <a:pt x="0" y="6866467"/>
+                  </a:lnTo>
+                  <a:lnTo>
+                    <a:pt x="2045532" y="0"/>
+                  </a:lnTo>
+                  <a:close/>
+                </a:path>
+              </a:pathLst>
+            </a:custGeom>
+            <a:solidFill>
+              <a:schemeClr val="accent1">
+                <a:alpha val="30000"/>
+              </a:schemeClr>
+            </a:solidFill>
+            <a:ln>
+              <a:noFill/>
+            </a:ln>
+            <a:effectLst/>
+          </p:spPr>
+          <p:style>
+            <a:lnRef idx="1">
+              <a:schemeClr val="accent1"/>
+            </a:lnRef>
+            <a:fillRef idx="3">
+              <a:schemeClr val="accent1"/>
+            </a:fillRef>
+            <a:effectRef idx="2">
+              <a:schemeClr val="accent1"/>
+            </a:effectRef>
+            <a:fontRef idx="minor">
+              <a:schemeClr val="lt1"/>
+            </a:fontRef>
+          </p:style>
+        </p:sp>
+        <p:sp>
+          <p:nvSpPr>
+            <p:cNvPr id="26" name="Rectangle 25"/>
+            <p:cNvSpPr/>
+            <p:nvPr/>
+          </p:nvSpPr>
+          <p:spPr>
+            <a:xfrm>
+              <a:off x="9603442" y="-8467"/>
+              <a:ext cx="2588558" cy="6866467"/>
+            </a:xfrm>
+            <a:custGeom>
+              <a:avLst/>
+              <a:gdLst/>
+              <a:ahLst/>
+              <a:cxnLst/>
+              <a:rect l="l" t="t" r="r" b="b"/>
+              <a:pathLst>
+                <a:path w="2573311" h="6866467">
+                  <a:moveTo>
+                    <a:pt x="0" y="0"/>
+                  </a:moveTo>
+                  <a:lnTo>
+                    <a:pt x="2573311" y="0"/>
+                  </a:lnTo>
+                  <a:lnTo>
+                    <a:pt x="2573311" y="6866467"/>
+                  </a:lnTo>
+                  <a:lnTo>
+                    <a:pt x="1202336" y="6866467"/>
+                  </a:lnTo>
+                  <a:lnTo>
+                    <a:pt x="0" y="0"/>
+                  </a:lnTo>
+                  <a:close/>
+                </a:path>
+              </a:pathLst>
+            </a:custGeom>
+            <a:solidFill>
+              <a:schemeClr val="accent1">
+                <a:alpha val="20000"/>
+              </a:schemeClr>
+            </a:solidFill>
+            <a:ln>
+              <a:noFill/>
+            </a:ln>
+            <a:effectLst/>
+          </p:spPr>
+          <p:style>
+            <a:lnRef idx="1">
+              <a:schemeClr val="accent1"/>
+            </a:lnRef>
+            <a:fillRef idx="3">
+              <a:schemeClr val="accent1"/>
+            </a:fillRef>
+            <a:effectRef idx="2">
+              <a:schemeClr val="accent1"/>
+            </a:effectRef>
+            <a:fontRef idx="minor">
+              <a:schemeClr val="lt1"/>
+            </a:fontRef>
+          </p:style>
+        </p:sp>
+        <p:sp>
+          <p:nvSpPr>
+            <p:cNvPr id="27" name="Isosceles Triangle 26"/>
+            <p:cNvSpPr/>
+            <p:nvPr/>
+          </p:nvSpPr>
+          <p:spPr>
+            <a:xfrm>
+              <a:off x="8932333" y="3048000"/>
+              <a:ext cx="3259667" cy="3810000"/>
+            </a:xfrm>
+            <a:prstGeom prst="triangle">
+              <a:avLst>
+                <a:gd name="adj" fmla="val 100000"/>
+              </a:avLst>
+            </a:prstGeom>
+            <a:solidFill>
+              <a:schemeClr val="accent2">
+                <a:alpha val="72000"/>
+              </a:schemeClr>
+            </a:solidFill>
+            <a:ln>
+              <a:noFill/>
+            </a:ln>
+            <a:effectLst/>
+          </p:spPr>
+          <p:style>
+            <a:lnRef idx="1">
+              <a:schemeClr val="accent1"/>
+            </a:lnRef>
+            <a:fillRef idx="3">
+              <a:schemeClr val="accent1"/>
+            </a:fillRef>
+            <a:effectRef idx="2">
+              <a:schemeClr val="accent1"/>
+            </a:effectRef>
+            <a:fontRef idx="minor">
+              <a:schemeClr val="lt1"/>
+            </a:fontRef>
+          </p:style>
+        </p:sp>
+        <p:sp>
+          <p:nvSpPr>
+            <p:cNvPr id="28" name="Rectangle 27"/>
+            <p:cNvSpPr/>
+            <p:nvPr/>
+          </p:nvSpPr>
+          <p:spPr>
+            <a:xfrm>
+              <a:off x="9334500" y="-8467"/>
+              <a:ext cx="2854326" cy="6866467"/>
+            </a:xfrm>
+            <a:custGeom>
+              <a:avLst/>
+              <a:gdLst/>
+              <a:ahLst/>
+              <a:cxnLst/>
+              <a:rect l="l" t="t" r="r" b="b"/>
+              <a:pathLst>
+                <a:path w="2858013" h="6866467">
+                  <a:moveTo>
+                    <a:pt x="0" y="0"/>
+                  </a:moveTo>
+                  <a:lnTo>
+                    <a:pt x="2858013" y="0"/>
+                  </a:lnTo>
+                  <a:lnTo>
+                    <a:pt x="2858013" y="6866467"/>
+                  </a:lnTo>
+                  <a:lnTo>
+                    <a:pt x="2473942" y="6866467"/>
+                  </a:lnTo>
+                  <a:lnTo>
+                    <a:pt x="0" y="0"/>
+                  </a:lnTo>
+                  <a:close/>
+                </a:path>
+              </a:pathLst>
+            </a:custGeom>
+            <a:solidFill>
+              <a:schemeClr val="accent2">
+                <a:lumMod val="75000"/>
+                <a:alpha val="70000"/>
+              </a:schemeClr>
+            </a:solidFill>
+            <a:ln>
+              <a:noFill/>
+            </a:ln>
+            <a:effectLst/>
+          </p:spPr>
+          <p:style>
+            <a:lnRef idx="1">
+              <a:schemeClr val="accent1"/>
+            </a:lnRef>
+            <a:fillRef idx="3">
+              <a:schemeClr val="accent1"/>
+            </a:fillRef>
+            <a:effectRef idx="2">
+              <a:schemeClr val="accent1"/>
+            </a:effectRef>
+            <a:fontRef idx="minor">
+              <a:schemeClr val="lt1"/>
+            </a:fontRef>
+          </p:style>
+        </p:sp>
+        <p:sp>
+          <p:nvSpPr>
+            <p:cNvPr id="29" name="Rectangle 28"/>
+            <p:cNvSpPr/>
+            <p:nvPr/>
+          </p:nvSpPr>
+          <p:spPr>
+            <a:xfrm>
+              <a:off x="10898730" y="-8467"/>
+              <a:ext cx="1290094" cy="6866467"/>
+            </a:xfrm>
+            <a:custGeom>
+              <a:avLst/>
+              <a:gdLst/>
+              <a:ahLst/>
+              <a:cxnLst/>
+              <a:rect l="l" t="t" r="r" b="b"/>
+              <a:pathLst>
+                <a:path w="1290094" h="6858000">
+                  <a:moveTo>
+                    <a:pt x="1019735" y="0"/>
+                  </a:moveTo>
+                  <a:lnTo>
+                    <a:pt x="1290094" y="0"/>
+                  </a:lnTo>
+                  <a:lnTo>
+                    <a:pt x="1290094" y="6858000"/>
+                  </a:lnTo>
+                  <a:lnTo>
+                    <a:pt x="0" y="6858000"/>
+                  </a:lnTo>
+                  <a:lnTo>
+                    <a:pt x="1019735" y="0"/>
+                  </a:lnTo>
+                  <a:close/>
+                </a:path>
+              </a:pathLst>
+            </a:custGeom>
+            <a:solidFill>
+              <a:schemeClr val="accent1">
+                <a:lumMod val="60000"/>
+                <a:lumOff val="40000"/>
+                <a:alpha val="70000"/>
+              </a:schemeClr>
+            </a:solidFill>
+            <a:ln>
+              <a:noFill/>
+            </a:ln>
+            <a:effectLst/>
+          </p:spPr>
+          <p:style>
+            <a:lnRef idx="1">
+              <a:schemeClr val="accent1"/>
+            </a:lnRef>
+            <a:fillRef idx="3">
+              <a:schemeClr val="accent1"/>
+            </a:fillRef>
+            <a:effectRef idx="2">
+              <a:schemeClr val="accent1"/>
+            </a:effectRef>
+            <a:fontRef idx="minor">
+              <a:schemeClr val="lt1"/>
+            </a:fontRef>
+          </p:style>
+        </p:sp>
+        <p:sp>
+          <p:nvSpPr>
+            <p:cNvPr id="30" name="Rectangle 29"/>
+            <p:cNvSpPr/>
+            <p:nvPr/>
+          </p:nvSpPr>
+          <p:spPr>
+            <a:xfrm>
+              <a:off x="10938999" y="-8467"/>
+              <a:ext cx="1249825" cy="6866467"/>
+            </a:xfrm>
+            <a:custGeom>
+              <a:avLst/>
+              <a:gdLst/>
+              <a:ahLst/>
+              <a:cxnLst/>
+              <a:rect l="l" t="t" r="r" b="b"/>
+              <a:pathLst>
+                <a:path w="1249825" h="6858000">
+                  <a:moveTo>
+                    <a:pt x="0" y="0"/>
+                  </a:moveTo>
+                  <a:lnTo>
+                    <a:pt x="1249825" y="0"/>
+                  </a:lnTo>
+                  <a:lnTo>
+                    <a:pt x="1249825" y="6858000"/>
+                  </a:lnTo>
+                  <a:lnTo>
+                    <a:pt x="1109382" y="6858000"/>
+                  </a:lnTo>
+                  <a:lnTo>
+                    <a:pt x="0" y="0"/>
+                  </a:lnTo>
+                  <a:close/>
+                </a:path>
+              </a:pathLst>
+            </a:custGeom>
+            <a:solidFill>
+              <a:schemeClr val="accent1">
+                <a:alpha val="65000"/>
+              </a:schemeClr>
+            </a:solidFill>
+            <a:ln>
+              <a:noFill/>
+            </a:ln>
+            <a:effectLst/>
+          </p:spPr>
+          <p:style>
+            <a:lnRef idx="1">
+              <a:schemeClr val="accent1"/>
+            </a:lnRef>
+            <a:fillRef idx="3">
+              <a:schemeClr val="accent1"/>
+            </a:fillRef>
+            <a:effectRef idx="2">
+              <a:schemeClr val="accent1"/>
+            </a:effectRef>
+            <a:fontRef idx="minor">
+              <a:schemeClr val="lt1"/>
+            </a:fontRef>
+          </p:style>
+        </p:sp>
+        <p:sp>
+          <p:nvSpPr>
+            <p:cNvPr id="31" name="Isosceles Triangle 30"/>
+            <p:cNvSpPr/>
+            <p:nvPr/>
+          </p:nvSpPr>
+          <p:spPr>
+            <a:xfrm>
+              <a:off x="10371666" y="3589867"/>
+              <a:ext cx="1817159" cy="3268133"/>
+            </a:xfrm>
+            <a:prstGeom prst="triangle">
+              <a:avLst>
+                <a:gd name="adj" fmla="val 100000"/>
+              </a:avLst>
+            </a:prstGeom>
+            <a:solidFill>
+              <a:schemeClr val="accent1">
+                <a:alpha val="80000"/>
+              </a:schemeClr>
+            </a:solidFill>
+            <a:ln>
+              <a:noFill/>
+            </a:ln>
+            <a:effectLst/>
+          </p:spPr>
+          <p:style>
+            <a:lnRef idx="1">
+              <a:schemeClr val="accent1"/>
+            </a:lnRef>
+            <a:fillRef idx="3">
+              <a:schemeClr val="accent1"/>
+            </a:fillRef>
+            <a:effectRef idx="2">
+              <a:schemeClr val="accent1"/>
+            </a:effectRef>
+            <a:fontRef idx="minor">
+              <a:schemeClr val="lt1"/>
+            </a:fontRef>
+          </p:style>
+        </p:sp>
+        <p:sp>
+          <p:nvSpPr>
+            <p:cNvPr id="19" name="Isosceles Triangle 18"/>
+            <p:cNvSpPr/>
+            <p:nvPr/>
+          </p:nvSpPr>
+          <p:spPr>
+            <a:xfrm rot="10800000">
+              <a:off x="0" y="0"/>
+              <a:ext cx="842596" cy="5666154"/>
+            </a:xfrm>
+            <a:prstGeom prst="triangle">
+              <a:avLst>
+                <a:gd name="adj" fmla="val 100000"/>
+              </a:avLst>
+            </a:prstGeom>
+            <a:solidFill>
+              <a:schemeClr val="accent1">
+                <a:alpha val="85000"/>
+              </a:schemeClr>
+            </a:solidFill>
+            <a:ln>
+              <a:noFill/>
+            </a:ln>
+            <a:effectLst/>
+          </p:spPr>
+          <p:style>
+            <a:lnRef idx="1">
+              <a:schemeClr val="accent1"/>
+            </a:lnRef>
+            <a:fillRef idx="3">
+              <a:schemeClr val="accent1"/>
+            </a:fillRef>
+            <a:effectRef idx="2">
+              <a:schemeClr val="accent1"/>
+            </a:effectRef>
+            <a:fontRef idx="minor">
+              <a:schemeClr val="lt1"/>
+            </a:fontRef>
+          </p:style>
+        </p:sp>
+      </p:grpSp>
+      <p:sp>
+        <p:nvSpPr>
+          <p:cNvPr id="2" name="Title 1"/>
           <p:cNvSpPr>
             <a:spLocks noGrp="1"/>
           </p:cNvSpPr>
@@ -1784,34 +2308,35 @@
         </p:nvSpPr>
         <p:spPr>
           <a:xfrm>
-            <a:off x="1524000" y="1122363"/>
-            <a:ext cx="9144000" cy="2387600"/>
+            <a:off x="1507067" y="2404534"/>
+            <a:ext cx="7766936" cy="1646302"/>
           </a:xfrm>
         </p:spPr>
         <p:txBody>
-          <a:bodyPr anchor="b"/>
+          <a:bodyPr anchor="b">
+            <a:noAutofit/>
+          </a:bodyPr>
           <a:lstStyle>
-            <a:lvl1pPr algn="ctr">
-              <a:defRPr sz="6000"/>
+            <a:lvl1pPr algn="r">
+              <a:defRPr sz="5400">
+                <a:solidFill>
+                  <a:schemeClr val="accent1"/>
+                </a:solidFill>
+              </a:defRPr>
             </a:lvl1pPr>
           </a:lstStyle>
           <a:p>
             <a:r>
-              <a:rPr lang="en-US"/>
+              <a:rPr lang="en-US" smtClean="0"/>
               <a:t>Click to edit Master title style</a:t>
             </a:r>
-          </a:p>
-        </p:txBody>
-      </p:sp>
-      <p:sp>
-        <p:nvSpPr>
-          <p:cNvPr id="3" name="Subtitle 2">
-            <a:extLst>
-              <a:ext uri="{FF2B5EF4-FFF2-40B4-BE49-F238E27FC236}">
-                <a16:creationId xmlns:a16="http://schemas.microsoft.com/office/drawing/2014/main" xmlns="" id="{40D19A2E-704C-4387-8230-BA874983CA71}"/>
-              </a:ext>
-            </a:extLst>
-          </p:cNvPr>
+            <a:endParaRPr lang="en-US" dirty="0"/>
+          </a:p>
+        </p:txBody>
+      </p:sp>
+      <p:sp>
+        <p:nvSpPr>
+          <p:cNvPr id="3" name="Subtitle 2"/>
           <p:cNvSpPr>
             <a:spLocks noGrp="1"/>
           </p:cNvSpPr>
@@ -1821,67 +2346,117 @@
         </p:nvSpPr>
         <p:spPr>
           <a:xfrm>
-            <a:off x="1524000" y="3602038"/>
-            <a:ext cx="9144000" cy="1655762"/>
+            <a:off x="1507067" y="4050833"/>
+            <a:ext cx="7766936" cy="1096899"/>
           </a:xfrm>
         </p:spPr>
         <p:txBody>
-          <a:bodyPr/>
+          <a:bodyPr anchor="t"/>
           <a:lstStyle>
-            <a:lvl1pPr marL="0" indent="0" algn="ctr">
-              <a:buNone/>
-              <a:defRPr sz="2400"/>
+            <a:lvl1pPr marL="0" indent="0" algn="r">
+              <a:buNone/>
+              <a:defRPr>
+                <a:solidFill>
+                  <a:schemeClr val="tx1">
+                    <a:lumMod val="50000"/>
+                    <a:lumOff val="50000"/>
+                  </a:schemeClr>
+                </a:solidFill>
+              </a:defRPr>
             </a:lvl1pPr>
             <a:lvl2pPr marL="457200" indent="0" algn="ctr">
               <a:buNone/>
-              <a:defRPr sz="2000"/>
+              <a:defRPr>
+                <a:solidFill>
+                  <a:schemeClr val="tx1">
+                    <a:tint val="75000"/>
+                  </a:schemeClr>
+                </a:solidFill>
+              </a:defRPr>
             </a:lvl2pPr>
             <a:lvl3pPr marL="914400" indent="0" algn="ctr">
               <a:buNone/>
-              <a:defRPr sz="1800"/>
+              <a:defRPr>
+                <a:solidFill>
+                  <a:schemeClr val="tx1">
+                    <a:tint val="75000"/>
+                  </a:schemeClr>
+                </a:solidFill>
+              </a:defRPr>
             </a:lvl3pPr>
             <a:lvl4pPr marL="1371600" indent="0" algn="ctr">
               <a:buNone/>
-              <a:defRPr sz="1600"/>
+              <a:defRPr>
+                <a:solidFill>
+                  <a:schemeClr val="tx1">
+                    <a:tint val="75000"/>
+                  </a:schemeClr>
+                </a:solidFill>
+              </a:defRPr>
             </a:lvl4pPr>
             <a:lvl5pPr marL="1828800" indent="0" algn="ctr">
               <a:buNone/>
-              <a:defRPr sz="1600"/>
+              <a:defRPr>
+                <a:solidFill>
+                  <a:schemeClr val="tx1">
+                    <a:tint val="75000"/>
+                  </a:schemeClr>
+                </a:solidFill>
+              </a:defRPr>
             </a:lvl5pPr>
             <a:lvl6pPr marL="2286000" indent="0" algn="ctr">
               <a:buNone/>
-              <a:defRPr sz="1600"/>
+              <a:defRPr>
+                <a:solidFill>
+                  <a:schemeClr val="tx1">
+                    <a:tint val="75000"/>
+                  </a:schemeClr>
+                </a:solidFill>
+              </a:defRPr>
             </a:lvl6pPr>
             <a:lvl7pPr marL="2743200" indent="0" algn="ctr">
               <a:buNone/>
-              <a:defRPr sz="1600"/>
+              <a:defRPr>
+                <a:solidFill>
+                  <a:schemeClr val="tx1">
+                    <a:tint val="75000"/>
+                  </a:schemeClr>
+                </a:solidFill>
+              </a:defRPr>
             </a:lvl7pPr>
             <a:lvl8pPr marL="3200400" indent="0" algn="ctr">
               <a:buNone/>
-              <a:defRPr sz="1600"/>
+              <a:defRPr>
+                <a:solidFill>
+                  <a:schemeClr val="tx1">
+                    <a:tint val="75000"/>
+                  </a:schemeClr>
+                </a:solidFill>
+              </a:defRPr>
             </a:lvl8pPr>
             <a:lvl9pPr marL="3657600" indent="0" algn="ctr">
               <a:buNone/>
-              <a:defRPr sz="1600"/>
+              <a:defRPr>
+                <a:solidFill>
+                  <a:schemeClr val="tx1">
+                    <a:tint val="75000"/>
+                  </a:schemeClr>
+                </a:solidFill>
+              </a:defRPr>
             </a:lvl9pPr>
           </a:lstStyle>
           <a:p>
             <a:r>
-              <a:rPr lang="en-US"/>
+              <a:rPr lang="en-US" smtClean="0"/>
               <a:t>Click to edit Master subtitle style</a:t>
             </a:r>
-          </a:p>
-        </p:txBody>
-      </p:sp>
-      <p:sp>
-        <p:nvSpPr>
-          <p:cNvPr id="4" name="Date Placeholder 3">
-            <a:extLst>
-              <a:ext uri="{FF2B5EF4-FFF2-40B4-BE49-F238E27FC236}">
-                <a16:creationId xmlns:a16="http://schemas.microsoft.com/office/drawing/2014/main" xmlns="" id="{CAF4E38A-462C-475D-893A-9D4D8BB2DDD5}"/>
-              </a:ext>
-            </a:extLst>
-          </p:cNvPr>
+            <a:endParaRPr lang="en-US" dirty="0"/>
+          </a:p>
+        </p:txBody>
+      </p:sp>
+      <p:sp>
+        <p:nvSpPr>
+          <p:cNvPr id="4" name="Date Placeholder 3"/>
           <p:cNvSpPr>
             <a:spLocks noGrp="1"/>
           </p:cNvSpPr>
@@ -1896,7 +2471,7 @@
           <a:p>
             <a:fld id="{467B6F40-EC65-4722-BCEC-F5AF12719C12}" type="datetimeFigureOut">
               <a:rPr lang="en-US" smtClean="0"/>
-              <a:t>2019-08-03</a:t>
+              <a:t>2019-08-09</a:t>
             </a:fld>
             <a:endParaRPr lang="en-US"/>
           </a:p>
@@ -1904,13 +2479,7 @@
       </p:sp>
       <p:sp>
         <p:nvSpPr>
-          <p:cNvPr id="5" name="Footer Placeholder 4">
-            <a:extLst>
-              <a:ext uri="{FF2B5EF4-FFF2-40B4-BE49-F238E27FC236}">
-                <a16:creationId xmlns:a16="http://schemas.microsoft.com/office/drawing/2014/main" xmlns="" id="{6F15DF81-09DF-429B-A78A-4035068826B0}"/>
-              </a:ext>
-            </a:extLst>
-          </p:cNvPr>
+          <p:cNvPr id="5" name="Footer Placeholder 4"/>
           <p:cNvSpPr>
             <a:spLocks noGrp="1"/>
           </p:cNvSpPr>
@@ -1929,13 +2498,7 @@
       </p:sp>
       <p:sp>
         <p:nvSpPr>
-          <p:cNvPr id="6" name="Slide Number Placeholder 5">
-            <a:extLst>
-              <a:ext uri="{FF2B5EF4-FFF2-40B4-BE49-F238E27FC236}">
-                <a16:creationId xmlns:a16="http://schemas.microsoft.com/office/drawing/2014/main" xmlns="" id="{4F7C14CB-738C-4DF5-A810-C644C7C26306}"/>
-              </a:ext>
-            </a:extLst>
-          </p:cNvPr>
+          <p:cNvPr id="6" name="Slide Number Placeholder 5"/>
           <p:cNvSpPr>
             <a:spLocks noGrp="1"/>
           </p:cNvSpPr>
@@ -1959,7 +2522,7 @@
     </p:spTree>
     <p:extLst>
       <p:ext uri="{BB962C8B-B14F-4D97-AF65-F5344CB8AC3E}">
-        <p14:creationId xmlns:p14="http://schemas.microsoft.com/office/powerpoint/2010/main" val="3219946432"/>
+        <p14:creationId xmlns:p14="http://schemas.microsoft.com/office/powerpoint/2010/main" val="2461896125"/>
       </p:ext>
     </p:extLst>
   </p:cSld>
@@ -1970,6 +2533,1619 @@
 </file>
 
 <file path=ppt/slideLayouts/slideLayout10.xml><?xml version="1.0" encoding="utf-8"?>
+<p:sldLayout xmlns:a="http://schemas.openxmlformats.org/drawingml/2006/main" xmlns:r="http://schemas.openxmlformats.org/officeDocument/2006/relationships" xmlns:p="http://schemas.openxmlformats.org/presentationml/2006/main" preserve="1">
+  <p:cSld name="Title and Caption">
+    <p:spTree>
+      <p:nvGrpSpPr>
+        <p:cNvPr id="1" name=""/>
+        <p:cNvGrpSpPr/>
+        <p:nvPr/>
+      </p:nvGrpSpPr>
+      <p:grpSpPr>
+        <a:xfrm>
+          <a:off x="0" y="0"/>
+          <a:ext cx="0" cy="0"/>
+          <a:chOff x="0" y="0"/>
+          <a:chExt cx="0" cy="0"/>
+        </a:xfrm>
+      </p:grpSpPr>
+      <p:sp>
+        <p:nvSpPr>
+          <p:cNvPr id="2" name="Title 1"/>
+          <p:cNvSpPr>
+            <a:spLocks noGrp="1"/>
+          </p:cNvSpPr>
+          <p:nvPr>
+            <p:ph type="title"/>
+          </p:nvPr>
+        </p:nvSpPr>
+        <p:spPr>
+          <a:xfrm>
+            <a:off x="677335" y="609600"/>
+            <a:ext cx="8596668" cy="3403600"/>
+          </a:xfrm>
+        </p:spPr>
+        <p:txBody>
+          <a:bodyPr anchor="ctr">
+            <a:normAutofit/>
+          </a:bodyPr>
+          <a:lstStyle>
+            <a:lvl1pPr algn="l">
+              <a:defRPr sz="4400" b="0" cap="none"/>
+            </a:lvl1pPr>
+          </a:lstStyle>
+          <a:p>
+            <a:r>
+              <a:rPr lang="en-US" smtClean="0"/>
+              <a:t>Click to edit Master title style</a:t>
+            </a:r>
+            <a:endParaRPr lang="en-US" dirty="0"/>
+          </a:p>
+        </p:txBody>
+      </p:sp>
+      <p:sp>
+        <p:nvSpPr>
+          <p:cNvPr id="3" name="Text Placeholder 2"/>
+          <p:cNvSpPr>
+            <a:spLocks noGrp="1"/>
+          </p:cNvSpPr>
+          <p:nvPr>
+            <p:ph type="body" idx="1"/>
+          </p:nvPr>
+        </p:nvSpPr>
+        <p:spPr>
+          <a:xfrm>
+            <a:off x="677335" y="4470400"/>
+            <a:ext cx="8596668" cy="1570962"/>
+          </a:xfrm>
+        </p:spPr>
+        <p:txBody>
+          <a:bodyPr anchor="ctr">
+            <a:normAutofit/>
+          </a:bodyPr>
+          <a:lstStyle>
+            <a:lvl1pPr marL="0" indent="0" algn="l">
+              <a:buNone/>
+              <a:defRPr sz="1800">
+                <a:solidFill>
+                  <a:schemeClr val="tx1">
+                    <a:lumMod val="75000"/>
+                    <a:lumOff val="25000"/>
+                  </a:schemeClr>
+                </a:solidFill>
+              </a:defRPr>
+            </a:lvl1pPr>
+            <a:lvl2pPr marL="457200" indent="0">
+              <a:buNone/>
+              <a:defRPr sz="1800">
+                <a:solidFill>
+                  <a:schemeClr val="tx1">
+                    <a:tint val="75000"/>
+                  </a:schemeClr>
+                </a:solidFill>
+              </a:defRPr>
+            </a:lvl2pPr>
+            <a:lvl3pPr marL="914400" indent="0">
+              <a:buNone/>
+              <a:defRPr sz="1600">
+                <a:solidFill>
+                  <a:schemeClr val="tx1">
+                    <a:tint val="75000"/>
+                  </a:schemeClr>
+                </a:solidFill>
+              </a:defRPr>
+            </a:lvl3pPr>
+            <a:lvl4pPr marL="1371600" indent="0">
+              <a:buNone/>
+              <a:defRPr sz="1400">
+                <a:solidFill>
+                  <a:schemeClr val="tx1">
+                    <a:tint val="75000"/>
+                  </a:schemeClr>
+                </a:solidFill>
+              </a:defRPr>
+            </a:lvl4pPr>
+            <a:lvl5pPr marL="1828800" indent="0">
+              <a:buNone/>
+              <a:defRPr sz="1400">
+                <a:solidFill>
+                  <a:schemeClr val="tx1">
+                    <a:tint val="75000"/>
+                  </a:schemeClr>
+                </a:solidFill>
+              </a:defRPr>
+            </a:lvl5pPr>
+            <a:lvl6pPr marL="2286000" indent="0">
+              <a:buNone/>
+              <a:defRPr sz="1400">
+                <a:solidFill>
+                  <a:schemeClr val="tx1">
+                    <a:tint val="75000"/>
+                  </a:schemeClr>
+                </a:solidFill>
+              </a:defRPr>
+            </a:lvl6pPr>
+            <a:lvl7pPr marL="2743200" indent="0">
+              <a:buNone/>
+              <a:defRPr sz="1400">
+                <a:solidFill>
+                  <a:schemeClr val="tx1">
+                    <a:tint val="75000"/>
+                  </a:schemeClr>
+                </a:solidFill>
+              </a:defRPr>
+            </a:lvl7pPr>
+            <a:lvl8pPr marL="3200400" indent="0">
+              <a:buNone/>
+              <a:defRPr sz="1400">
+                <a:solidFill>
+                  <a:schemeClr val="tx1">
+                    <a:tint val="75000"/>
+                  </a:schemeClr>
+                </a:solidFill>
+              </a:defRPr>
+            </a:lvl8pPr>
+            <a:lvl9pPr marL="3657600" indent="0">
+              <a:buNone/>
+              <a:defRPr sz="1400">
+                <a:solidFill>
+                  <a:schemeClr val="tx1">
+                    <a:tint val="75000"/>
+                  </a:schemeClr>
+                </a:solidFill>
+              </a:defRPr>
+            </a:lvl9pPr>
+          </a:lstStyle>
+          <a:p>
+            <a:pPr lvl="0"/>
+            <a:r>
+              <a:rPr lang="en-US" smtClean="0"/>
+              <a:t>Click to edit Master text styles</a:t>
+            </a:r>
+          </a:p>
+        </p:txBody>
+      </p:sp>
+      <p:sp>
+        <p:nvSpPr>
+          <p:cNvPr id="4" name="Date Placeholder 3"/>
+          <p:cNvSpPr>
+            <a:spLocks noGrp="1"/>
+          </p:cNvSpPr>
+          <p:nvPr>
+            <p:ph type="dt" sz="half" idx="10"/>
+          </p:nvPr>
+        </p:nvSpPr>
+        <p:spPr/>
+        <p:txBody>
+          <a:bodyPr/>
+          <a:lstStyle/>
+          <a:p>
+            <a:fld id="{467B6F40-EC65-4722-BCEC-F5AF12719C12}" type="datetimeFigureOut">
+              <a:rPr lang="en-US" smtClean="0"/>
+              <a:t>2019-08-09</a:t>
+            </a:fld>
+            <a:endParaRPr lang="en-US"/>
+          </a:p>
+        </p:txBody>
+      </p:sp>
+      <p:sp>
+        <p:nvSpPr>
+          <p:cNvPr id="5" name="Footer Placeholder 4"/>
+          <p:cNvSpPr>
+            <a:spLocks noGrp="1"/>
+          </p:cNvSpPr>
+          <p:nvPr>
+            <p:ph type="ftr" sz="quarter" idx="11"/>
+          </p:nvPr>
+        </p:nvSpPr>
+        <p:spPr/>
+        <p:txBody>
+          <a:bodyPr/>
+          <a:lstStyle/>
+          <a:p>
+            <a:endParaRPr lang="en-US"/>
+          </a:p>
+        </p:txBody>
+      </p:sp>
+      <p:sp>
+        <p:nvSpPr>
+          <p:cNvPr id="6" name="Slide Number Placeholder 5"/>
+          <p:cNvSpPr>
+            <a:spLocks noGrp="1"/>
+          </p:cNvSpPr>
+          <p:nvPr>
+            <p:ph type="sldNum" sz="quarter" idx="12"/>
+          </p:nvPr>
+        </p:nvSpPr>
+        <p:spPr/>
+        <p:txBody>
+          <a:bodyPr/>
+          <a:lstStyle/>
+          <a:p>
+            <a:fld id="{52A62304-94A6-4C2C-87CC-520000425812}" type="slidenum">
+              <a:rPr lang="en-US" smtClean="0"/>
+              <a:t>‹#›</a:t>
+            </a:fld>
+            <a:endParaRPr lang="en-US"/>
+          </a:p>
+        </p:txBody>
+      </p:sp>
+    </p:spTree>
+    <p:extLst>
+      <p:ext uri="{BB962C8B-B14F-4D97-AF65-F5344CB8AC3E}">
+        <p14:creationId xmlns:p14="http://schemas.microsoft.com/office/powerpoint/2010/main" val="3197888495"/>
+      </p:ext>
+    </p:extLst>
+  </p:cSld>
+  <p:clrMapOvr>
+    <a:masterClrMapping/>
+  </p:clrMapOvr>
+</p:sldLayout>
+</file>
+
+<file path=ppt/slideLayouts/slideLayout11.xml><?xml version="1.0" encoding="utf-8"?>
+<p:sldLayout xmlns:a="http://schemas.openxmlformats.org/drawingml/2006/main" xmlns:r="http://schemas.openxmlformats.org/officeDocument/2006/relationships" xmlns:p="http://schemas.openxmlformats.org/presentationml/2006/main" preserve="1">
+  <p:cSld name="Quote with Caption">
+    <p:spTree>
+      <p:nvGrpSpPr>
+        <p:cNvPr id="1" name=""/>
+        <p:cNvGrpSpPr/>
+        <p:nvPr/>
+      </p:nvGrpSpPr>
+      <p:grpSpPr>
+        <a:xfrm>
+          <a:off x="0" y="0"/>
+          <a:ext cx="0" cy="0"/>
+          <a:chOff x="0" y="0"/>
+          <a:chExt cx="0" cy="0"/>
+        </a:xfrm>
+      </p:grpSpPr>
+      <p:sp>
+        <p:nvSpPr>
+          <p:cNvPr id="2" name="Title 1"/>
+          <p:cNvSpPr>
+            <a:spLocks noGrp="1"/>
+          </p:cNvSpPr>
+          <p:nvPr>
+            <p:ph type="title"/>
+          </p:nvPr>
+        </p:nvSpPr>
+        <p:spPr>
+          <a:xfrm>
+            <a:off x="931334" y="609600"/>
+            <a:ext cx="8094134" cy="3022600"/>
+          </a:xfrm>
+        </p:spPr>
+        <p:txBody>
+          <a:bodyPr anchor="ctr">
+            <a:normAutofit/>
+          </a:bodyPr>
+          <a:lstStyle>
+            <a:lvl1pPr algn="l">
+              <a:defRPr sz="4400" b="0" cap="none"/>
+            </a:lvl1pPr>
+          </a:lstStyle>
+          <a:p>
+            <a:r>
+              <a:rPr lang="en-US" smtClean="0"/>
+              <a:t>Click to edit Master title style</a:t>
+            </a:r>
+            <a:endParaRPr lang="en-US" dirty="0"/>
+          </a:p>
+        </p:txBody>
+      </p:sp>
+      <p:sp>
+        <p:nvSpPr>
+          <p:cNvPr id="23" name="Text Placeholder 9"/>
+          <p:cNvSpPr>
+            <a:spLocks noGrp="1"/>
+          </p:cNvSpPr>
+          <p:nvPr>
+            <p:ph type="body" sz="quarter" idx="13"/>
+          </p:nvPr>
+        </p:nvSpPr>
+        <p:spPr>
+          <a:xfrm>
+            <a:off x="1366139" y="3632200"/>
+            <a:ext cx="7224524" cy="381000"/>
+          </a:xfrm>
+        </p:spPr>
+        <p:txBody>
+          <a:bodyPr anchor="ctr">
+            <a:noAutofit/>
+          </a:bodyPr>
+          <a:lstStyle>
+            <a:lvl1pPr marL="0" indent="0">
+              <a:buFontTx/>
+              <a:buNone/>
+              <a:defRPr sz="1600">
+                <a:solidFill>
+                  <a:schemeClr val="tx1">
+                    <a:lumMod val="50000"/>
+                    <a:lumOff val="50000"/>
+                  </a:schemeClr>
+                </a:solidFill>
+              </a:defRPr>
+            </a:lvl1pPr>
+            <a:lvl2pPr marL="457200" indent="0">
+              <a:buFontTx/>
+              <a:buNone/>
+              <a:defRPr/>
+            </a:lvl2pPr>
+            <a:lvl3pPr marL="914400" indent="0">
+              <a:buFontTx/>
+              <a:buNone/>
+              <a:defRPr/>
+            </a:lvl3pPr>
+            <a:lvl4pPr marL="1371600" indent="0">
+              <a:buFontTx/>
+              <a:buNone/>
+              <a:defRPr/>
+            </a:lvl4pPr>
+            <a:lvl5pPr marL="1828800" indent="0">
+              <a:buFontTx/>
+              <a:buNone/>
+              <a:defRPr/>
+            </a:lvl5pPr>
+          </a:lstStyle>
+          <a:p>
+            <a:pPr lvl="0"/>
+            <a:r>
+              <a:rPr lang="en-US" smtClean="0"/>
+              <a:t>Click to edit Master text styles</a:t>
+            </a:r>
+          </a:p>
+        </p:txBody>
+      </p:sp>
+      <p:sp>
+        <p:nvSpPr>
+          <p:cNvPr id="3" name="Text Placeholder 2"/>
+          <p:cNvSpPr>
+            <a:spLocks noGrp="1"/>
+          </p:cNvSpPr>
+          <p:nvPr>
+            <p:ph type="body" idx="1"/>
+          </p:nvPr>
+        </p:nvSpPr>
+        <p:spPr>
+          <a:xfrm>
+            <a:off x="677335" y="4470400"/>
+            <a:ext cx="8596668" cy="1570962"/>
+          </a:xfrm>
+        </p:spPr>
+        <p:txBody>
+          <a:bodyPr anchor="ctr">
+            <a:normAutofit/>
+          </a:bodyPr>
+          <a:lstStyle>
+            <a:lvl1pPr marL="0" indent="0" algn="l">
+              <a:buNone/>
+              <a:defRPr sz="1800">
+                <a:solidFill>
+                  <a:schemeClr val="tx1">
+                    <a:lumMod val="75000"/>
+                    <a:lumOff val="25000"/>
+                  </a:schemeClr>
+                </a:solidFill>
+              </a:defRPr>
+            </a:lvl1pPr>
+            <a:lvl2pPr marL="457200" indent="0">
+              <a:buNone/>
+              <a:defRPr sz="1800">
+                <a:solidFill>
+                  <a:schemeClr val="tx1">
+                    <a:tint val="75000"/>
+                  </a:schemeClr>
+                </a:solidFill>
+              </a:defRPr>
+            </a:lvl2pPr>
+            <a:lvl3pPr marL="914400" indent="0">
+              <a:buNone/>
+              <a:defRPr sz="1600">
+                <a:solidFill>
+                  <a:schemeClr val="tx1">
+                    <a:tint val="75000"/>
+                  </a:schemeClr>
+                </a:solidFill>
+              </a:defRPr>
+            </a:lvl3pPr>
+            <a:lvl4pPr marL="1371600" indent="0">
+              <a:buNone/>
+              <a:defRPr sz="1400">
+                <a:solidFill>
+                  <a:schemeClr val="tx1">
+                    <a:tint val="75000"/>
+                  </a:schemeClr>
+                </a:solidFill>
+              </a:defRPr>
+            </a:lvl4pPr>
+            <a:lvl5pPr marL="1828800" indent="0">
+              <a:buNone/>
+              <a:defRPr sz="1400">
+                <a:solidFill>
+                  <a:schemeClr val="tx1">
+                    <a:tint val="75000"/>
+                  </a:schemeClr>
+                </a:solidFill>
+              </a:defRPr>
+            </a:lvl5pPr>
+            <a:lvl6pPr marL="2286000" indent="0">
+              <a:buNone/>
+              <a:defRPr sz="1400">
+                <a:solidFill>
+                  <a:schemeClr val="tx1">
+                    <a:tint val="75000"/>
+                  </a:schemeClr>
+                </a:solidFill>
+              </a:defRPr>
+            </a:lvl6pPr>
+            <a:lvl7pPr marL="2743200" indent="0">
+              <a:buNone/>
+              <a:defRPr sz="1400">
+                <a:solidFill>
+                  <a:schemeClr val="tx1">
+                    <a:tint val="75000"/>
+                  </a:schemeClr>
+                </a:solidFill>
+              </a:defRPr>
+            </a:lvl7pPr>
+            <a:lvl8pPr marL="3200400" indent="0">
+              <a:buNone/>
+              <a:defRPr sz="1400">
+                <a:solidFill>
+                  <a:schemeClr val="tx1">
+                    <a:tint val="75000"/>
+                  </a:schemeClr>
+                </a:solidFill>
+              </a:defRPr>
+            </a:lvl8pPr>
+            <a:lvl9pPr marL="3657600" indent="0">
+              <a:buNone/>
+              <a:defRPr sz="1400">
+                <a:solidFill>
+                  <a:schemeClr val="tx1">
+                    <a:tint val="75000"/>
+                  </a:schemeClr>
+                </a:solidFill>
+              </a:defRPr>
+            </a:lvl9pPr>
+          </a:lstStyle>
+          <a:p>
+            <a:pPr lvl="0"/>
+            <a:r>
+              <a:rPr lang="en-US" smtClean="0"/>
+              <a:t>Click to edit Master text styles</a:t>
+            </a:r>
+          </a:p>
+        </p:txBody>
+      </p:sp>
+      <p:sp>
+        <p:nvSpPr>
+          <p:cNvPr id="4" name="Date Placeholder 3"/>
+          <p:cNvSpPr>
+            <a:spLocks noGrp="1"/>
+          </p:cNvSpPr>
+          <p:nvPr>
+            <p:ph type="dt" sz="half" idx="10"/>
+          </p:nvPr>
+        </p:nvSpPr>
+        <p:spPr/>
+        <p:txBody>
+          <a:bodyPr/>
+          <a:lstStyle/>
+          <a:p>
+            <a:fld id="{467B6F40-EC65-4722-BCEC-F5AF12719C12}" type="datetimeFigureOut">
+              <a:rPr lang="en-US" smtClean="0"/>
+              <a:t>2019-08-09</a:t>
+            </a:fld>
+            <a:endParaRPr lang="en-US"/>
+          </a:p>
+        </p:txBody>
+      </p:sp>
+      <p:sp>
+        <p:nvSpPr>
+          <p:cNvPr id="5" name="Footer Placeholder 4"/>
+          <p:cNvSpPr>
+            <a:spLocks noGrp="1"/>
+          </p:cNvSpPr>
+          <p:nvPr>
+            <p:ph type="ftr" sz="quarter" idx="11"/>
+          </p:nvPr>
+        </p:nvSpPr>
+        <p:spPr/>
+        <p:txBody>
+          <a:bodyPr/>
+          <a:lstStyle/>
+          <a:p>
+            <a:endParaRPr lang="en-US"/>
+          </a:p>
+        </p:txBody>
+      </p:sp>
+      <p:sp>
+        <p:nvSpPr>
+          <p:cNvPr id="6" name="Slide Number Placeholder 5"/>
+          <p:cNvSpPr>
+            <a:spLocks noGrp="1"/>
+          </p:cNvSpPr>
+          <p:nvPr>
+            <p:ph type="sldNum" sz="quarter" idx="12"/>
+          </p:nvPr>
+        </p:nvSpPr>
+        <p:spPr/>
+        <p:txBody>
+          <a:bodyPr/>
+          <a:lstStyle/>
+          <a:p>
+            <a:fld id="{52A62304-94A6-4C2C-87CC-520000425812}" type="slidenum">
+              <a:rPr lang="en-US" smtClean="0"/>
+              <a:t>‹#›</a:t>
+            </a:fld>
+            <a:endParaRPr lang="en-US"/>
+          </a:p>
+        </p:txBody>
+      </p:sp>
+      <p:sp>
+        <p:nvSpPr>
+          <p:cNvPr id="20" name="TextBox 19"/>
+          <p:cNvSpPr txBox="1"/>
+          <p:nvPr/>
+        </p:nvSpPr>
+        <p:spPr>
+          <a:xfrm>
+            <a:off x="541870" y="790378"/>
+            <a:ext cx="609600" cy="584776"/>
+          </a:xfrm>
+          <a:prstGeom prst="rect">
+            <a:avLst/>
+          </a:prstGeom>
+        </p:spPr>
+        <p:txBody>
+          <a:bodyPr vert="horz" lIns="91440" tIns="45720" rIns="91440" bIns="45720" rtlCol="0" anchor="ctr">
+            <a:noAutofit/>
+          </a:bodyPr>
+          <a:lstStyle/>
+          <a:p>
+            <a:pPr lvl="0"/>
+            <a:r>
+              <a:rPr lang="en-US" sz="8000" baseline="0" dirty="0">
+                <a:ln w="3175" cmpd="sng">
+                  <a:noFill/>
+                </a:ln>
+                <a:solidFill>
+                  <a:schemeClr val="accent1">
+                    <a:lumMod val="60000"/>
+                    <a:lumOff val="40000"/>
+                  </a:schemeClr>
+                </a:solidFill>
+                <a:effectLst/>
+                <a:latin typeface="Arial"/>
+              </a:rPr>
+              <a:t>“</a:t>
+            </a:r>
+          </a:p>
+        </p:txBody>
+      </p:sp>
+      <p:sp>
+        <p:nvSpPr>
+          <p:cNvPr id="22" name="TextBox 21"/>
+          <p:cNvSpPr txBox="1"/>
+          <p:nvPr/>
+        </p:nvSpPr>
+        <p:spPr>
+          <a:xfrm>
+            <a:off x="8893011" y="2886556"/>
+            <a:ext cx="609600" cy="584776"/>
+          </a:xfrm>
+          <a:prstGeom prst="rect">
+            <a:avLst/>
+          </a:prstGeom>
+        </p:spPr>
+        <p:txBody>
+          <a:bodyPr vert="horz" lIns="91440" tIns="45720" rIns="91440" bIns="45720" rtlCol="0" anchor="ctr">
+            <a:noAutofit/>
+          </a:bodyPr>
+          <a:lstStyle/>
+          <a:p>
+            <a:pPr lvl="0"/>
+            <a:r>
+              <a:rPr lang="en-US" sz="8000" baseline="0" dirty="0">
+                <a:ln w="3175" cmpd="sng">
+                  <a:noFill/>
+                </a:ln>
+                <a:solidFill>
+                  <a:schemeClr val="accent1">
+                    <a:lumMod val="60000"/>
+                    <a:lumOff val="40000"/>
+                  </a:schemeClr>
+                </a:solidFill>
+                <a:latin typeface="Arial"/>
+              </a:rPr>
+              <a:t>”</a:t>
+            </a:r>
+            <a:endParaRPr lang="en-US" dirty="0">
+              <a:solidFill>
+                <a:schemeClr val="accent1">
+                  <a:lumMod val="60000"/>
+                  <a:lumOff val="40000"/>
+                </a:schemeClr>
+              </a:solidFill>
+              <a:latin typeface="Arial"/>
+            </a:endParaRPr>
+          </a:p>
+        </p:txBody>
+      </p:sp>
+    </p:spTree>
+    <p:extLst>
+      <p:ext uri="{BB962C8B-B14F-4D97-AF65-F5344CB8AC3E}">
+        <p14:creationId xmlns:p14="http://schemas.microsoft.com/office/powerpoint/2010/main" val="1907966229"/>
+      </p:ext>
+    </p:extLst>
+  </p:cSld>
+  <p:clrMapOvr>
+    <a:masterClrMapping/>
+  </p:clrMapOvr>
+</p:sldLayout>
+</file>
+
+<file path=ppt/slideLayouts/slideLayout12.xml><?xml version="1.0" encoding="utf-8"?>
+<p:sldLayout xmlns:a="http://schemas.openxmlformats.org/drawingml/2006/main" xmlns:r="http://schemas.openxmlformats.org/officeDocument/2006/relationships" xmlns:p="http://schemas.openxmlformats.org/presentationml/2006/main" preserve="1">
+  <p:cSld name="Name Card">
+    <p:spTree>
+      <p:nvGrpSpPr>
+        <p:cNvPr id="1" name=""/>
+        <p:cNvGrpSpPr/>
+        <p:nvPr/>
+      </p:nvGrpSpPr>
+      <p:grpSpPr>
+        <a:xfrm>
+          <a:off x="0" y="0"/>
+          <a:ext cx="0" cy="0"/>
+          <a:chOff x="0" y="0"/>
+          <a:chExt cx="0" cy="0"/>
+        </a:xfrm>
+      </p:grpSpPr>
+      <p:sp>
+        <p:nvSpPr>
+          <p:cNvPr id="2" name="Title 1"/>
+          <p:cNvSpPr>
+            <a:spLocks noGrp="1"/>
+          </p:cNvSpPr>
+          <p:nvPr>
+            <p:ph type="title"/>
+          </p:nvPr>
+        </p:nvSpPr>
+        <p:spPr>
+          <a:xfrm>
+            <a:off x="677335" y="1931988"/>
+            <a:ext cx="8596668" cy="2595460"/>
+          </a:xfrm>
+        </p:spPr>
+        <p:txBody>
+          <a:bodyPr anchor="b">
+            <a:normAutofit/>
+          </a:bodyPr>
+          <a:lstStyle>
+            <a:lvl1pPr algn="l">
+              <a:defRPr sz="4400" b="0" cap="none"/>
+            </a:lvl1pPr>
+          </a:lstStyle>
+          <a:p>
+            <a:r>
+              <a:rPr lang="en-US" smtClean="0"/>
+              <a:t>Click to edit Master title style</a:t>
+            </a:r>
+            <a:endParaRPr lang="en-US" dirty="0"/>
+          </a:p>
+        </p:txBody>
+      </p:sp>
+      <p:sp>
+        <p:nvSpPr>
+          <p:cNvPr id="3" name="Text Placeholder 2"/>
+          <p:cNvSpPr>
+            <a:spLocks noGrp="1"/>
+          </p:cNvSpPr>
+          <p:nvPr>
+            <p:ph type="body" idx="1"/>
+          </p:nvPr>
+        </p:nvSpPr>
+        <p:spPr>
+          <a:xfrm>
+            <a:off x="677335" y="4527448"/>
+            <a:ext cx="8596668" cy="1513914"/>
+          </a:xfrm>
+        </p:spPr>
+        <p:txBody>
+          <a:bodyPr anchor="t">
+            <a:normAutofit/>
+          </a:bodyPr>
+          <a:lstStyle>
+            <a:lvl1pPr marL="0" indent="0" algn="l">
+              <a:buNone/>
+              <a:defRPr sz="1800">
+                <a:solidFill>
+                  <a:schemeClr val="tx1">
+                    <a:lumMod val="75000"/>
+                    <a:lumOff val="25000"/>
+                  </a:schemeClr>
+                </a:solidFill>
+              </a:defRPr>
+            </a:lvl1pPr>
+            <a:lvl2pPr marL="457200" indent="0">
+              <a:buNone/>
+              <a:defRPr sz="1800">
+                <a:solidFill>
+                  <a:schemeClr val="tx1">
+                    <a:tint val="75000"/>
+                  </a:schemeClr>
+                </a:solidFill>
+              </a:defRPr>
+            </a:lvl2pPr>
+            <a:lvl3pPr marL="914400" indent="0">
+              <a:buNone/>
+              <a:defRPr sz="1600">
+                <a:solidFill>
+                  <a:schemeClr val="tx1">
+                    <a:tint val="75000"/>
+                  </a:schemeClr>
+                </a:solidFill>
+              </a:defRPr>
+            </a:lvl3pPr>
+            <a:lvl4pPr marL="1371600" indent="0">
+              <a:buNone/>
+              <a:defRPr sz="1400">
+                <a:solidFill>
+                  <a:schemeClr val="tx1">
+                    <a:tint val="75000"/>
+                  </a:schemeClr>
+                </a:solidFill>
+              </a:defRPr>
+            </a:lvl4pPr>
+            <a:lvl5pPr marL="1828800" indent="0">
+              <a:buNone/>
+              <a:defRPr sz="1400">
+                <a:solidFill>
+                  <a:schemeClr val="tx1">
+                    <a:tint val="75000"/>
+                  </a:schemeClr>
+                </a:solidFill>
+              </a:defRPr>
+            </a:lvl5pPr>
+            <a:lvl6pPr marL="2286000" indent="0">
+              <a:buNone/>
+              <a:defRPr sz="1400">
+                <a:solidFill>
+                  <a:schemeClr val="tx1">
+                    <a:tint val="75000"/>
+                  </a:schemeClr>
+                </a:solidFill>
+              </a:defRPr>
+            </a:lvl6pPr>
+            <a:lvl7pPr marL="2743200" indent="0">
+              <a:buNone/>
+              <a:defRPr sz="1400">
+                <a:solidFill>
+                  <a:schemeClr val="tx1">
+                    <a:tint val="75000"/>
+                  </a:schemeClr>
+                </a:solidFill>
+              </a:defRPr>
+            </a:lvl7pPr>
+            <a:lvl8pPr marL="3200400" indent="0">
+              <a:buNone/>
+              <a:defRPr sz="1400">
+                <a:solidFill>
+                  <a:schemeClr val="tx1">
+                    <a:tint val="75000"/>
+                  </a:schemeClr>
+                </a:solidFill>
+              </a:defRPr>
+            </a:lvl8pPr>
+            <a:lvl9pPr marL="3657600" indent="0">
+              <a:buNone/>
+              <a:defRPr sz="1400">
+                <a:solidFill>
+                  <a:schemeClr val="tx1">
+                    <a:tint val="75000"/>
+                  </a:schemeClr>
+                </a:solidFill>
+              </a:defRPr>
+            </a:lvl9pPr>
+          </a:lstStyle>
+          <a:p>
+            <a:pPr lvl="0"/>
+            <a:r>
+              <a:rPr lang="en-US" smtClean="0"/>
+              <a:t>Click to edit Master text styles</a:t>
+            </a:r>
+          </a:p>
+        </p:txBody>
+      </p:sp>
+      <p:sp>
+        <p:nvSpPr>
+          <p:cNvPr id="4" name="Date Placeholder 3"/>
+          <p:cNvSpPr>
+            <a:spLocks noGrp="1"/>
+          </p:cNvSpPr>
+          <p:nvPr>
+            <p:ph type="dt" sz="half" idx="10"/>
+          </p:nvPr>
+        </p:nvSpPr>
+        <p:spPr/>
+        <p:txBody>
+          <a:bodyPr/>
+          <a:lstStyle/>
+          <a:p>
+            <a:fld id="{467B6F40-EC65-4722-BCEC-F5AF12719C12}" type="datetimeFigureOut">
+              <a:rPr lang="en-US" smtClean="0"/>
+              <a:t>2019-08-09</a:t>
+            </a:fld>
+            <a:endParaRPr lang="en-US"/>
+          </a:p>
+        </p:txBody>
+      </p:sp>
+      <p:sp>
+        <p:nvSpPr>
+          <p:cNvPr id="5" name="Footer Placeholder 4"/>
+          <p:cNvSpPr>
+            <a:spLocks noGrp="1"/>
+          </p:cNvSpPr>
+          <p:nvPr>
+            <p:ph type="ftr" sz="quarter" idx="11"/>
+          </p:nvPr>
+        </p:nvSpPr>
+        <p:spPr/>
+        <p:txBody>
+          <a:bodyPr/>
+          <a:lstStyle/>
+          <a:p>
+            <a:endParaRPr lang="en-US"/>
+          </a:p>
+        </p:txBody>
+      </p:sp>
+      <p:sp>
+        <p:nvSpPr>
+          <p:cNvPr id="6" name="Slide Number Placeholder 5"/>
+          <p:cNvSpPr>
+            <a:spLocks noGrp="1"/>
+          </p:cNvSpPr>
+          <p:nvPr>
+            <p:ph type="sldNum" sz="quarter" idx="12"/>
+          </p:nvPr>
+        </p:nvSpPr>
+        <p:spPr/>
+        <p:txBody>
+          <a:bodyPr/>
+          <a:lstStyle/>
+          <a:p>
+            <a:fld id="{52A62304-94A6-4C2C-87CC-520000425812}" type="slidenum">
+              <a:rPr lang="en-US" smtClean="0"/>
+              <a:t>‹#›</a:t>
+            </a:fld>
+            <a:endParaRPr lang="en-US"/>
+          </a:p>
+        </p:txBody>
+      </p:sp>
+    </p:spTree>
+    <p:extLst>
+      <p:ext uri="{BB962C8B-B14F-4D97-AF65-F5344CB8AC3E}">
+        <p14:creationId xmlns:p14="http://schemas.microsoft.com/office/powerpoint/2010/main" val="2622542184"/>
+      </p:ext>
+    </p:extLst>
+  </p:cSld>
+  <p:clrMapOvr>
+    <a:masterClrMapping/>
+  </p:clrMapOvr>
+</p:sldLayout>
+</file>
+
+<file path=ppt/slideLayouts/slideLayout13.xml><?xml version="1.0" encoding="utf-8"?>
+<p:sldLayout xmlns:a="http://schemas.openxmlformats.org/drawingml/2006/main" xmlns:r="http://schemas.openxmlformats.org/officeDocument/2006/relationships" xmlns:p="http://schemas.openxmlformats.org/presentationml/2006/main" preserve="1">
+  <p:cSld name="Quote Name Card">
+    <p:spTree>
+      <p:nvGrpSpPr>
+        <p:cNvPr id="1" name=""/>
+        <p:cNvGrpSpPr/>
+        <p:nvPr/>
+      </p:nvGrpSpPr>
+      <p:grpSpPr>
+        <a:xfrm>
+          <a:off x="0" y="0"/>
+          <a:ext cx="0" cy="0"/>
+          <a:chOff x="0" y="0"/>
+          <a:chExt cx="0" cy="0"/>
+        </a:xfrm>
+      </p:grpSpPr>
+      <p:sp>
+        <p:nvSpPr>
+          <p:cNvPr id="2" name="Title 1"/>
+          <p:cNvSpPr>
+            <a:spLocks noGrp="1"/>
+          </p:cNvSpPr>
+          <p:nvPr>
+            <p:ph type="title"/>
+          </p:nvPr>
+        </p:nvSpPr>
+        <p:spPr>
+          <a:xfrm>
+            <a:off x="931334" y="609600"/>
+            <a:ext cx="8094134" cy="3022600"/>
+          </a:xfrm>
+        </p:spPr>
+        <p:txBody>
+          <a:bodyPr anchor="ctr">
+            <a:normAutofit/>
+          </a:bodyPr>
+          <a:lstStyle>
+            <a:lvl1pPr algn="l">
+              <a:defRPr sz="4400" b="0" cap="none"/>
+            </a:lvl1pPr>
+          </a:lstStyle>
+          <a:p>
+            <a:r>
+              <a:rPr lang="en-US" smtClean="0"/>
+              <a:t>Click to edit Master title style</a:t>
+            </a:r>
+            <a:endParaRPr lang="en-US" dirty="0"/>
+          </a:p>
+        </p:txBody>
+      </p:sp>
+      <p:sp>
+        <p:nvSpPr>
+          <p:cNvPr id="23" name="Text Placeholder 9"/>
+          <p:cNvSpPr>
+            <a:spLocks noGrp="1"/>
+          </p:cNvSpPr>
+          <p:nvPr>
+            <p:ph type="body" sz="quarter" idx="13"/>
+          </p:nvPr>
+        </p:nvSpPr>
+        <p:spPr>
+          <a:xfrm>
+            <a:off x="677332" y="4013200"/>
+            <a:ext cx="8596669" cy="514248"/>
+          </a:xfrm>
+        </p:spPr>
+        <p:txBody>
+          <a:bodyPr anchor="b">
+            <a:noAutofit/>
+          </a:bodyPr>
+          <a:lstStyle>
+            <a:lvl1pPr marL="0" indent="0">
+              <a:buFontTx/>
+              <a:buNone/>
+              <a:defRPr sz="2400">
+                <a:solidFill>
+                  <a:schemeClr val="tx1">
+                    <a:lumMod val="75000"/>
+                    <a:lumOff val="25000"/>
+                  </a:schemeClr>
+                </a:solidFill>
+              </a:defRPr>
+            </a:lvl1pPr>
+            <a:lvl2pPr marL="457200" indent="0">
+              <a:buFontTx/>
+              <a:buNone/>
+              <a:defRPr/>
+            </a:lvl2pPr>
+            <a:lvl3pPr marL="914400" indent="0">
+              <a:buFontTx/>
+              <a:buNone/>
+              <a:defRPr/>
+            </a:lvl3pPr>
+            <a:lvl4pPr marL="1371600" indent="0">
+              <a:buFontTx/>
+              <a:buNone/>
+              <a:defRPr/>
+            </a:lvl4pPr>
+            <a:lvl5pPr marL="1828800" indent="0">
+              <a:buFontTx/>
+              <a:buNone/>
+              <a:defRPr/>
+            </a:lvl5pPr>
+          </a:lstStyle>
+          <a:p>
+            <a:pPr lvl="0"/>
+            <a:r>
+              <a:rPr lang="en-US" smtClean="0"/>
+              <a:t>Click to edit Master text styles</a:t>
+            </a:r>
+          </a:p>
+        </p:txBody>
+      </p:sp>
+      <p:sp>
+        <p:nvSpPr>
+          <p:cNvPr id="3" name="Text Placeholder 2"/>
+          <p:cNvSpPr>
+            <a:spLocks noGrp="1"/>
+          </p:cNvSpPr>
+          <p:nvPr>
+            <p:ph type="body" idx="1"/>
+          </p:nvPr>
+        </p:nvSpPr>
+        <p:spPr>
+          <a:xfrm>
+            <a:off x="677335" y="4527448"/>
+            <a:ext cx="8596668" cy="1513914"/>
+          </a:xfrm>
+        </p:spPr>
+        <p:txBody>
+          <a:bodyPr anchor="t">
+            <a:normAutofit/>
+          </a:bodyPr>
+          <a:lstStyle>
+            <a:lvl1pPr marL="0" indent="0" algn="l">
+              <a:buNone/>
+              <a:defRPr sz="1800">
+                <a:solidFill>
+                  <a:schemeClr val="tx1">
+                    <a:lumMod val="50000"/>
+                    <a:lumOff val="50000"/>
+                  </a:schemeClr>
+                </a:solidFill>
+              </a:defRPr>
+            </a:lvl1pPr>
+            <a:lvl2pPr marL="457200" indent="0">
+              <a:buNone/>
+              <a:defRPr sz="1800">
+                <a:solidFill>
+                  <a:schemeClr val="tx1">
+                    <a:tint val="75000"/>
+                  </a:schemeClr>
+                </a:solidFill>
+              </a:defRPr>
+            </a:lvl2pPr>
+            <a:lvl3pPr marL="914400" indent="0">
+              <a:buNone/>
+              <a:defRPr sz="1600">
+                <a:solidFill>
+                  <a:schemeClr val="tx1">
+                    <a:tint val="75000"/>
+                  </a:schemeClr>
+                </a:solidFill>
+              </a:defRPr>
+            </a:lvl3pPr>
+            <a:lvl4pPr marL="1371600" indent="0">
+              <a:buNone/>
+              <a:defRPr sz="1400">
+                <a:solidFill>
+                  <a:schemeClr val="tx1">
+                    <a:tint val="75000"/>
+                  </a:schemeClr>
+                </a:solidFill>
+              </a:defRPr>
+            </a:lvl4pPr>
+            <a:lvl5pPr marL="1828800" indent="0">
+              <a:buNone/>
+              <a:defRPr sz="1400">
+                <a:solidFill>
+                  <a:schemeClr val="tx1">
+                    <a:tint val="75000"/>
+                  </a:schemeClr>
+                </a:solidFill>
+              </a:defRPr>
+            </a:lvl5pPr>
+            <a:lvl6pPr marL="2286000" indent="0">
+              <a:buNone/>
+              <a:defRPr sz="1400">
+                <a:solidFill>
+                  <a:schemeClr val="tx1">
+                    <a:tint val="75000"/>
+                  </a:schemeClr>
+                </a:solidFill>
+              </a:defRPr>
+            </a:lvl6pPr>
+            <a:lvl7pPr marL="2743200" indent="0">
+              <a:buNone/>
+              <a:defRPr sz="1400">
+                <a:solidFill>
+                  <a:schemeClr val="tx1">
+                    <a:tint val="75000"/>
+                  </a:schemeClr>
+                </a:solidFill>
+              </a:defRPr>
+            </a:lvl7pPr>
+            <a:lvl8pPr marL="3200400" indent="0">
+              <a:buNone/>
+              <a:defRPr sz="1400">
+                <a:solidFill>
+                  <a:schemeClr val="tx1">
+                    <a:tint val="75000"/>
+                  </a:schemeClr>
+                </a:solidFill>
+              </a:defRPr>
+            </a:lvl8pPr>
+            <a:lvl9pPr marL="3657600" indent="0">
+              <a:buNone/>
+              <a:defRPr sz="1400">
+                <a:solidFill>
+                  <a:schemeClr val="tx1">
+                    <a:tint val="75000"/>
+                  </a:schemeClr>
+                </a:solidFill>
+              </a:defRPr>
+            </a:lvl9pPr>
+          </a:lstStyle>
+          <a:p>
+            <a:pPr lvl="0"/>
+            <a:r>
+              <a:rPr lang="en-US" smtClean="0"/>
+              <a:t>Click to edit Master text styles</a:t>
+            </a:r>
+          </a:p>
+        </p:txBody>
+      </p:sp>
+      <p:sp>
+        <p:nvSpPr>
+          <p:cNvPr id="4" name="Date Placeholder 3"/>
+          <p:cNvSpPr>
+            <a:spLocks noGrp="1"/>
+          </p:cNvSpPr>
+          <p:nvPr>
+            <p:ph type="dt" sz="half" idx="10"/>
+          </p:nvPr>
+        </p:nvSpPr>
+        <p:spPr/>
+        <p:txBody>
+          <a:bodyPr/>
+          <a:lstStyle/>
+          <a:p>
+            <a:fld id="{467B6F40-EC65-4722-BCEC-F5AF12719C12}" type="datetimeFigureOut">
+              <a:rPr lang="en-US" smtClean="0"/>
+              <a:t>2019-08-09</a:t>
+            </a:fld>
+            <a:endParaRPr lang="en-US"/>
+          </a:p>
+        </p:txBody>
+      </p:sp>
+      <p:sp>
+        <p:nvSpPr>
+          <p:cNvPr id="5" name="Footer Placeholder 4"/>
+          <p:cNvSpPr>
+            <a:spLocks noGrp="1"/>
+          </p:cNvSpPr>
+          <p:nvPr>
+            <p:ph type="ftr" sz="quarter" idx="11"/>
+          </p:nvPr>
+        </p:nvSpPr>
+        <p:spPr/>
+        <p:txBody>
+          <a:bodyPr/>
+          <a:lstStyle/>
+          <a:p>
+            <a:endParaRPr lang="en-US"/>
+          </a:p>
+        </p:txBody>
+      </p:sp>
+      <p:sp>
+        <p:nvSpPr>
+          <p:cNvPr id="6" name="Slide Number Placeholder 5"/>
+          <p:cNvSpPr>
+            <a:spLocks noGrp="1"/>
+          </p:cNvSpPr>
+          <p:nvPr>
+            <p:ph type="sldNum" sz="quarter" idx="12"/>
+          </p:nvPr>
+        </p:nvSpPr>
+        <p:spPr/>
+        <p:txBody>
+          <a:bodyPr/>
+          <a:lstStyle/>
+          <a:p>
+            <a:fld id="{52A62304-94A6-4C2C-87CC-520000425812}" type="slidenum">
+              <a:rPr lang="en-US" smtClean="0"/>
+              <a:t>‹#›</a:t>
+            </a:fld>
+            <a:endParaRPr lang="en-US"/>
+          </a:p>
+        </p:txBody>
+      </p:sp>
+      <p:sp>
+        <p:nvSpPr>
+          <p:cNvPr id="24" name="TextBox 23"/>
+          <p:cNvSpPr txBox="1"/>
+          <p:nvPr/>
+        </p:nvSpPr>
+        <p:spPr>
+          <a:xfrm>
+            <a:off x="541870" y="790378"/>
+            <a:ext cx="609600" cy="584776"/>
+          </a:xfrm>
+          <a:prstGeom prst="rect">
+            <a:avLst/>
+          </a:prstGeom>
+        </p:spPr>
+        <p:txBody>
+          <a:bodyPr vert="horz" lIns="91440" tIns="45720" rIns="91440" bIns="45720" rtlCol="0" anchor="ctr">
+            <a:noAutofit/>
+          </a:bodyPr>
+          <a:lstStyle/>
+          <a:p>
+            <a:pPr lvl="0"/>
+            <a:r>
+              <a:rPr lang="en-US" sz="8000" baseline="0" dirty="0">
+                <a:ln w="3175" cmpd="sng">
+                  <a:noFill/>
+                </a:ln>
+                <a:solidFill>
+                  <a:schemeClr val="accent1">
+                    <a:lumMod val="60000"/>
+                    <a:lumOff val="40000"/>
+                  </a:schemeClr>
+                </a:solidFill>
+                <a:effectLst/>
+                <a:latin typeface="Arial"/>
+              </a:rPr>
+              <a:t>“</a:t>
+            </a:r>
+          </a:p>
+        </p:txBody>
+      </p:sp>
+      <p:sp>
+        <p:nvSpPr>
+          <p:cNvPr id="25" name="TextBox 24"/>
+          <p:cNvSpPr txBox="1"/>
+          <p:nvPr/>
+        </p:nvSpPr>
+        <p:spPr>
+          <a:xfrm>
+            <a:off x="8893011" y="2886556"/>
+            <a:ext cx="609600" cy="584776"/>
+          </a:xfrm>
+          <a:prstGeom prst="rect">
+            <a:avLst/>
+          </a:prstGeom>
+        </p:spPr>
+        <p:txBody>
+          <a:bodyPr vert="horz" lIns="91440" tIns="45720" rIns="91440" bIns="45720" rtlCol="0" anchor="ctr">
+            <a:noAutofit/>
+          </a:bodyPr>
+          <a:lstStyle/>
+          <a:p>
+            <a:pPr lvl="0"/>
+            <a:r>
+              <a:rPr lang="en-US" sz="8000" baseline="0" dirty="0">
+                <a:ln w="3175" cmpd="sng">
+                  <a:noFill/>
+                </a:ln>
+                <a:solidFill>
+                  <a:schemeClr val="accent1">
+                    <a:lumMod val="60000"/>
+                    <a:lumOff val="40000"/>
+                  </a:schemeClr>
+                </a:solidFill>
+                <a:effectLst/>
+                <a:latin typeface="Arial"/>
+              </a:rPr>
+              <a:t>”</a:t>
+            </a:r>
+          </a:p>
+        </p:txBody>
+      </p:sp>
+    </p:spTree>
+    <p:extLst>
+      <p:ext uri="{BB962C8B-B14F-4D97-AF65-F5344CB8AC3E}">
+        <p14:creationId xmlns:p14="http://schemas.microsoft.com/office/powerpoint/2010/main" val="2351663122"/>
+      </p:ext>
+    </p:extLst>
+  </p:cSld>
+  <p:clrMapOvr>
+    <a:masterClrMapping/>
+  </p:clrMapOvr>
+</p:sldLayout>
+</file>
+
+<file path=ppt/slideLayouts/slideLayout14.xml><?xml version="1.0" encoding="utf-8"?>
+<p:sldLayout xmlns:a="http://schemas.openxmlformats.org/drawingml/2006/main" xmlns:r="http://schemas.openxmlformats.org/officeDocument/2006/relationships" xmlns:p="http://schemas.openxmlformats.org/presentationml/2006/main" preserve="1">
+  <p:cSld name="True or False">
+    <p:spTree>
+      <p:nvGrpSpPr>
+        <p:cNvPr id="1" name=""/>
+        <p:cNvGrpSpPr/>
+        <p:nvPr/>
+      </p:nvGrpSpPr>
+      <p:grpSpPr>
+        <a:xfrm>
+          <a:off x="0" y="0"/>
+          <a:ext cx="0" cy="0"/>
+          <a:chOff x="0" y="0"/>
+          <a:chExt cx="0" cy="0"/>
+        </a:xfrm>
+      </p:grpSpPr>
+      <p:sp>
+        <p:nvSpPr>
+          <p:cNvPr id="2" name="Title 1"/>
+          <p:cNvSpPr>
+            <a:spLocks noGrp="1"/>
+          </p:cNvSpPr>
+          <p:nvPr>
+            <p:ph type="title"/>
+          </p:nvPr>
+        </p:nvSpPr>
+        <p:spPr>
+          <a:xfrm>
+            <a:off x="685799" y="609600"/>
+            <a:ext cx="8588203" cy="3022600"/>
+          </a:xfrm>
+        </p:spPr>
+        <p:txBody>
+          <a:bodyPr anchor="ctr">
+            <a:normAutofit/>
+          </a:bodyPr>
+          <a:lstStyle>
+            <a:lvl1pPr algn="l">
+              <a:defRPr sz="4400" b="0" cap="none"/>
+            </a:lvl1pPr>
+          </a:lstStyle>
+          <a:p>
+            <a:r>
+              <a:rPr lang="en-US" smtClean="0"/>
+              <a:t>Click to edit Master title style</a:t>
+            </a:r>
+            <a:endParaRPr lang="en-US" dirty="0"/>
+          </a:p>
+        </p:txBody>
+      </p:sp>
+      <p:sp>
+        <p:nvSpPr>
+          <p:cNvPr id="23" name="Text Placeholder 9"/>
+          <p:cNvSpPr>
+            <a:spLocks noGrp="1"/>
+          </p:cNvSpPr>
+          <p:nvPr>
+            <p:ph type="body" sz="quarter" idx="13"/>
+          </p:nvPr>
+        </p:nvSpPr>
+        <p:spPr>
+          <a:xfrm>
+            <a:off x="677332" y="4013200"/>
+            <a:ext cx="8596669" cy="514248"/>
+          </a:xfrm>
+        </p:spPr>
+        <p:txBody>
+          <a:bodyPr anchor="b">
+            <a:noAutofit/>
+          </a:bodyPr>
+          <a:lstStyle>
+            <a:lvl1pPr marL="0" indent="0">
+              <a:buFontTx/>
+              <a:buNone/>
+              <a:defRPr sz="2400">
+                <a:solidFill>
+                  <a:schemeClr val="accent1"/>
+                </a:solidFill>
+              </a:defRPr>
+            </a:lvl1pPr>
+            <a:lvl2pPr marL="457200" indent="0">
+              <a:buFontTx/>
+              <a:buNone/>
+              <a:defRPr/>
+            </a:lvl2pPr>
+            <a:lvl3pPr marL="914400" indent="0">
+              <a:buFontTx/>
+              <a:buNone/>
+              <a:defRPr/>
+            </a:lvl3pPr>
+            <a:lvl4pPr marL="1371600" indent="0">
+              <a:buFontTx/>
+              <a:buNone/>
+              <a:defRPr/>
+            </a:lvl4pPr>
+            <a:lvl5pPr marL="1828800" indent="0">
+              <a:buFontTx/>
+              <a:buNone/>
+              <a:defRPr/>
+            </a:lvl5pPr>
+          </a:lstStyle>
+          <a:p>
+            <a:pPr lvl="0"/>
+            <a:r>
+              <a:rPr lang="en-US" smtClean="0"/>
+              <a:t>Click to edit Master text styles</a:t>
+            </a:r>
+          </a:p>
+        </p:txBody>
+      </p:sp>
+      <p:sp>
+        <p:nvSpPr>
+          <p:cNvPr id="3" name="Text Placeholder 2"/>
+          <p:cNvSpPr>
+            <a:spLocks noGrp="1"/>
+          </p:cNvSpPr>
+          <p:nvPr>
+            <p:ph type="body" idx="1"/>
+          </p:nvPr>
+        </p:nvSpPr>
+        <p:spPr>
+          <a:xfrm>
+            <a:off x="677335" y="4527448"/>
+            <a:ext cx="8596668" cy="1513914"/>
+          </a:xfrm>
+        </p:spPr>
+        <p:txBody>
+          <a:bodyPr anchor="t">
+            <a:normAutofit/>
+          </a:bodyPr>
+          <a:lstStyle>
+            <a:lvl1pPr marL="0" indent="0" algn="l">
+              <a:buNone/>
+              <a:defRPr sz="1800">
+                <a:solidFill>
+                  <a:schemeClr val="tx1">
+                    <a:lumMod val="50000"/>
+                    <a:lumOff val="50000"/>
+                  </a:schemeClr>
+                </a:solidFill>
+              </a:defRPr>
+            </a:lvl1pPr>
+            <a:lvl2pPr marL="457200" indent="0">
+              <a:buNone/>
+              <a:defRPr sz="1800">
+                <a:solidFill>
+                  <a:schemeClr val="tx1">
+                    <a:tint val="75000"/>
+                  </a:schemeClr>
+                </a:solidFill>
+              </a:defRPr>
+            </a:lvl2pPr>
+            <a:lvl3pPr marL="914400" indent="0">
+              <a:buNone/>
+              <a:defRPr sz="1600">
+                <a:solidFill>
+                  <a:schemeClr val="tx1">
+                    <a:tint val="75000"/>
+                  </a:schemeClr>
+                </a:solidFill>
+              </a:defRPr>
+            </a:lvl3pPr>
+            <a:lvl4pPr marL="1371600" indent="0">
+              <a:buNone/>
+              <a:defRPr sz="1400">
+                <a:solidFill>
+                  <a:schemeClr val="tx1">
+                    <a:tint val="75000"/>
+                  </a:schemeClr>
+                </a:solidFill>
+              </a:defRPr>
+            </a:lvl4pPr>
+            <a:lvl5pPr marL="1828800" indent="0">
+              <a:buNone/>
+              <a:defRPr sz="1400">
+                <a:solidFill>
+                  <a:schemeClr val="tx1">
+                    <a:tint val="75000"/>
+                  </a:schemeClr>
+                </a:solidFill>
+              </a:defRPr>
+            </a:lvl5pPr>
+            <a:lvl6pPr marL="2286000" indent="0">
+              <a:buNone/>
+              <a:defRPr sz="1400">
+                <a:solidFill>
+                  <a:schemeClr val="tx1">
+                    <a:tint val="75000"/>
+                  </a:schemeClr>
+                </a:solidFill>
+              </a:defRPr>
+            </a:lvl6pPr>
+            <a:lvl7pPr marL="2743200" indent="0">
+              <a:buNone/>
+              <a:defRPr sz="1400">
+                <a:solidFill>
+                  <a:schemeClr val="tx1">
+                    <a:tint val="75000"/>
+                  </a:schemeClr>
+                </a:solidFill>
+              </a:defRPr>
+            </a:lvl7pPr>
+            <a:lvl8pPr marL="3200400" indent="0">
+              <a:buNone/>
+              <a:defRPr sz="1400">
+                <a:solidFill>
+                  <a:schemeClr val="tx1">
+                    <a:tint val="75000"/>
+                  </a:schemeClr>
+                </a:solidFill>
+              </a:defRPr>
+            </a:lvl8pPr>
+            <a:lvl9pPr marL="3657600" indent="0">
+              <a:buNone/>
+              <a:defRPr sz="1400">
+                <a:solidFill>
+                  <a:schemeClr val="tx1">
+                    <a:tint val="75000"/>
+                  </a:schemeClr>
+                </a:solidFill>
+              </a:defRPr>
+            </a:lvl9pPr>
+          </a:lstStyle>
+          <a:p>
+            <a:pPr lvl="0"/>
+            <a:r>
+              <a:rPr lang="en-US" smtClean="0"/>
+              <a:t>Click to edit Master text styles</a:t>
+            </a:r>
+          </a:p>
+        </p:txBody>
+      </p:sp>
+      <p:sp>
+        <p:nvSpPr>
+          <p:cNvPr id="4" name="Date Placeholder 3"/>
+          <p:cNvSpPr>
+            <a:spLocks noGrp="1"/>
+          </p:cNvSpPr>
+          <p:nvPr>
+            <p:ph type="dt" sz="half" idx="10"/>
+          </p:nvPr>
+        </p:nvSpPr>
+        <p:spPr/>
+        <p:txBody>
+          <a:bodyPr/>
+          <a:lstStyle/>
+          <a:p>
+            <a:fld id="{467B6F40-EC65-4722-BCEC-F5AF12719C12}" type="datetimeFigureOut">
+              <a:rPr lang="en-US" smtClean="0"/>
+              <a:t>2019-08-09</a:t>
+            </a:fld>
+            <a:endParaRPr lang="en-US"/>
+          </a:p>
+        </p:txBody>
+      </p:sp>
+      <p:sp>
+        <p:nvSpPr>
+          <p:cNvPr id="5" name="Footer Placeholder 4"/>
+          <p:cNvSpPr>
+            <a:spLocks noGrp="1"/>
+          </p:cNvSpPr>
+          <p:nvPr>
+            <p:ph type="ftr" sz="quarter" idx="11"/>
+          </p:nvPr>
+        </p:nvSpPr>
+        <p:spPr/>
+        <p:txBody>
+          <a:bodyPr/>
+          <a:lstStyle/>
+          <a:p>
+            <a:endParaRPr lang="en-US"/>
+          </a:p>
+        </p:txBody>
+      </p:sp>
+      <p:sp>
+        <p:nvSpPr>
+          <p:cNvPr id="6" name="Slide Number Placeholder 5"/>
+          <p:cNvSpPr>
+            <a:spLocks noGrp="1"/>
+          </p:cNvSpPr>
+          <p:nvPr>
+            <p:ph type="sldNum" sz="quarter" idx="12"/>
+          </p:nvPr>
+        </p:nvSpPr>
+        <p:spPr/>
+        <p:txBody>
+          <a:bodyPr/>
+          <a:lstStyle/>
+          <a:p>
+            <a:fld id="{52A62304-94A6-4C2C-87CC-520000425812}" type="slidenum">
+              <a:rPr lang="en-US" smtClean="0"/>
+              <a:t>‹#›</a:t>
+            </a:fld>
+            <a:endParaRPr lang="en-US"/>
+          </a:p>
+        </p:txBody>
+      </p:sp>
+    </p:spTree>
+    <p:extLst>
+      <p:ext uri="{BB962C8B-B14F-4D97-AF65-F5344CB8AC3E}">
+        <p14:creationId xmlns:p14="http://schemas.microsoft.com/office/powerpoint/2010/main" val="2692836524"/>
+      </p:ext>
+    </p:extLst>
+  </p:cSld>
+  <p:clrMapOvr>
+    <a:masterClrMapping/>
+  </p:clrMapOvr>
+</p:sldLayout>
+</file>
+
+<file path=ppt/slideLayouts/slideLayout15.xml><?xml version="1.0" encoding="utf-8"?>
 <p:sldLayout xmlns:a="http://schemas.openxmlformats.org/drawingml/2006/main" xmlns:r="http://schemas.openxmlformats.org/officeDocument/2006/relationships" xmlns:p="http://schemas.openxmlformats.org/presentationml/2006/main" type="vertTx" preserve="1">
   <p:cSld name="Title and Vertical Text">
     <p:spTree>
@@ -1988,13 +4164,7 @@
       </p:grpSpPr>
       <p:sp>
         <p:nvSpPr>
-          <p:cNvPr id="2" name="Title 1">
-            <a:extLst>
-              <a:ext uri="{FF2B5EF4-FFF2-40B4-BE49-F238E27FC236}">
-                <a16:creationId xmlns:a16="http://schemas.microsoft.com/office/drawing/2014/main" xmlns="" id="{B52C3849-9FAA-4960-B846-89E9DD6F1E0E}"/>
-              </a:ext>
-            </a:extLst>
-          </p:cNvPr>
+          <p:cNvPr id="2" name="Title 1"/>
           <p:cNvSpPr>
             <a:spLocks noGrp="1"/>
           </p:cNvSpPr>
@@ -2008,21 +4178,16 @@
           <a:lstStyle/>
           <a:p>
             <a:r>
-              <a:rPr lang="en-US"/>
+              <a:rPr lang="en-US" smtClean="0"/>
               <a:t>Click to edit Master title style</a:t>
             </a:r>
-          </a:p>
-        </p:txBody>
-      </p:sp>
-      <p:sp>
-        <p:nvSpPr>
-          <p:cNvPr id="3" name="Vertical Text Placeholder 2">
-            <a:extLst>
-              <a:ext uri="{FF2B5EF4-FFF2-40B4-BE49-F238E27FC236}">
-                <a16:creationId xmlns:a16="http://schemas.microsoft.com/office/drawing/2014/main" xmlns="" id="{BA23A670-4231-4756-B799-9AEEDBF3FCDF}"/>
-              </a:ext>
-            </a:extLst>
-          </p:cNvPr>
+            <a:endParaRPr lang="en-US" dirty="0"/>
+          </a:p>
+        </p:txBody>
+      </p:sp>
+      <p:sp>
+        <p:nvSpPr>
+          <p:cNvPr id="3" name="Vertical Text Placeholder 2"/>
           <p:cNvSpPr>
             <a:spLocks noGrp="1"/>
           </p:cNvSpPr>
@@ -2037,49 +4202,44 @@
           <a:p>
             <a:pPr lvl="0"/>
             <a:r>
-              <a:rPr lang="en-US"/>
+              <a:rPr lang="en-US" smtClean="0"/>
               <a:t>Click to edit Master text styles</a:t>
             </a:r>
           </a:p>
           <a:p>
             <a:pPr lvl="1"/>
             <a:r>
-              <a:rPr lang="en-US"/>
+              <a:rPr lang="en-US" smtClean="0"/>
               <a:t>Second level</a:t>
             </a:r>
           </a:p>
           <a:p>
             <a:pPr lvl="2"/>
             <a:r>
-              <a:rPr lang="en-US"/>
+              <a:rPr lang="en-US" smtClean="0"/>
               <a:t>Third level</a:t>
             </a:r>
           </a:p>
           <a:p>
             <a:pPr lvl="3"/>
             <a:r>
-              <a:rPr lang="en-US"/>
+              <a:rPr lang="en-US" smtClean="0"/>
               <a:t>Fourth level</a:t>
             </a:r>
           </a:p>
           <a:p>
             <a:pPr lvl="4"/>
             <a:r>
-              <a:rPr lang="en-US"/>
+              <a:rPr lang="en-US" smtClean="0"/>
               <a:t>Fifth level</a:t>
             </a:r>
-          </a:p>
-        </p:txBody>
-      </p:sp>
-      <p:sp>
-        <p:nvSpPr>
-          <p:cNvPr id="4" name="Date Placeholder 3">
-            <a:extLst>
-              <a:ext uri="{FF2B5EF4-FFF2-40B4-BE49-F238E27FC236}">
-                <a16:creationId xmlns:a16="http://schemas.microsoft.com/office/drawing/2014/main" xmlns="" id="{1A3B42D8-E24B-4C5C-9000-C95DBF437F1C}"/>
-              </a:ext>
-            </a:extLst>
-          </p:cNvPr>
+            <a:endParaRPr lang="en-US" dirty="0"/>
+          </a:p>
+        </p:txBody>
+      </p:sp>
+      <p:sp>
+        <p:nvSpPr>
+          <p:cNvPr id="4" name="Date Placeholder 3"/>
           <p:cNvSpPr>
             <a:spLocks noGrp="1"/>
           </p:cNvSpPr>
@@ -2094,7 +4254,7 @@
           <a:p>
             <a:fld id="{467B6F40-EC65-4722-BCEC-F5AF12719C12}" type="datetimeFigureOut">
               <a:rPr lang="en-US" smtClean="0"/>
-              <a:t>2019-08-03</a:t>
+              <a:t>2019-08-09</a:t>
             </a:fld>
             <a:endParaRPr lang="en-US"/>
           </a:p>
@@ -2102,13 +4262,7 @@
       </p:sp>
       <p:sp>
         <p:nvSpPr>
-          <p:cNvPr id="5" name="Footer Placeholder 4">
-            <a:extLst>
-              <a:ext uri="{FF2B5EF4-FFF2-40B4-BE49-F238E27FC236}">
-                <a16:creationId xmlns:a16="http://schemas.microsoft.com/office/drawing/2014/main" xmlns="" id="{92AEEB0C-BF89-4B00-ACF5-1518DC48BAEA}"/>
-              </a:ext>
-            </a:extLst>
-          </p:cNvPr>
+          <p:cNvPr id="5" name="Footer Placeholder 4"/>
           <p:cNvSpPr>
             <a:spLocks noGrp="1"/>
           </p:cNvSpPr>
@@ -2127,13 +4281,7 @@
       </p:sp>
       <p:sp>
         <p:nvSpPr>
-          <p:cNvPr id="6" name="Slide Number Placeholder 5">
-            <a:extLst>
-              <a:ext uri="{FF2B5EF4-FFF2-40B4-BE49-F238E27FC236}">
-                <a16:creationId xmlns:a16="http://schemas.microsoft.com/office/drawing/2014/main" xmlns="" id="{9FC1968B-C554-462A-911E-E42C41C82D19}"/>
-              </a:ext>
-            </a:extLst>
-          </p:cNvPr>
+          <p:cNvPr id="6" name="Slide Number Placeholder 5"/>
           <p:cNvSpPr>
             <a:spLocks noGrp="1"/>
           </p:cNvSpPr>
@@ -2157,7 +4305,7 @@
     </p:spTree>
     <p:extLst>
       <p:ext uri="{BB962C8B-B14F-4D97-AF65-F5344CB8AC3E}">
-        <p14:creationId xmlns:p14="http://schemas.microsoft.com/office/powerpoint/2010/main" val="4243253597"/>
+        <p14:creationId xmlns:p14="http://schemas.microsoft.com/office/powerpoint/2010/main" val="3743240965"/>
       </p:ext>
     </p:extLst>
   </p:cSld>
@@ -2167,7 +4315,7 @@
 </p:sldLayout>
 </file>
 
-<file path=ppt/slideLayouts/slideLayout11.xml><?xml version="1.0" encoding="utf-8"?>
+<file path=ppt/slideLayouts/slideLayout16.xml><?xml version="1.0" encoding="utf-8"?>
 <p:sldLayout xmlns:a="http://schemas.openxmlformats.org/drawingml/2006/main" xmlns:r="http://schemas.openxmlformats.org/officeDocument/2006/relationships" xmlns:p="http://schemas.openxmlformats.org/presentationml/2006/main" type="vertTitleAndTx" preserve="1">
   <p:cSld name="Vertical Title and Text">
     <p:spTree>
@@ -2186,13 +4334,7 @@
       </p:grpSpPr>
       <p:sp>
         <p:nvSpPr>
-          <p:cNvPr id="2" name="Vertical Title 1">
-            <a:extLst>
-              <a:ext uri="{FF2B5EF4-FFF2-40B4-BE49-F238E27FC236}">
-                <a16:creationId xmlns:a16="http://schemas.microsoft.com/office/drawing/2014/main" xmlns="" id="{FC219046-EE6F-4F8F-8A9C-5C71CE1D7F49}"/>
-              </a:ext>
-            </a:extLst>
-          </p:cNvPr>
+          <p:cNvPr id="2" name="Vertical Title 1"/>
           <p:cNvSpPr>
             <a:spLocks noGrp="1"/>
           </p:cNvSpPr>
@@ -2202,92 +4344,82 @@
         </p:nvSpPr>
         <p:spPr>
           <a:xfrm>
-            <a:off x="8724900" y="365125"/>
-            <a:ext cx="2628900" cy="5811838"/>
+            <a:off x="7967673" y="609599"/>
+            <a:ext cx="1304743" cy="5251451"/>
           </a:xfrm>
         </p:spPr>
         <p:txBody>
+          <a:bodyPr vert="eaVert" anchor="ctr"/>
+          <a:lstStyle/>
+          <a:p>
+            <a:r>
+              <a:rPr lang="en-US" smtClean="0"/>
+              <a:t>Click to edit Master title style</a:t>
+            </a:r>
+            <a:endParaRPr lang="en-US" dirty="0"/>
+          </a:p>
+        </p:txBody>
+      </p:sp>
+      <p:sp>
+        <p:nvSpPr>
+          <p:cNvPr id="3" name="Vertical Text Placeholder 2"/>
+          <p:cNvSpPr>
+            <a:spLocks noGrp="1"/>
+          </p:cNvSpPr>
+          <p:nvPr>
+            <p:ph type="body" orient="vert" idx="1"/>
+          </p:nvPr>
+        </p:nvSpPr>
+        <p:spPr>
+          <a:xfrm>
+            <a:off x="677335" y="609600"/>
+            <a:ext cx="7060150" cy="5251450"/>
+          </a:xfrm>
+        </p:spPr>
+        <p:txBody>
           <a:bodyPr vert="eaVert"/>
           <a:lstStyle/>
           <a:p>
-            <a:r>
-              <a:rPr lang="en-US"/>
-              <a:t>Click to edit Master title style</a:t>
-            </a:r>
-          </a:p>
-        </p:txBody>
-      </p:sp>
-      <p:sp>
-        <p:nvSpPr>
-          <p:cNvPr id="3" name="Vertical Text Placeholder 2">
-            <a:extLst>
-              <a:ext uri="{FF2B5EF4-FFF2-40B4-BE49-F238E27FC236}">
-                <a16:creationId xmlns:a16="http://schemas.microsoft.com/office/drawing/2014/main" xmlns="" id="{CF50E0CA-0B02-4FFF-8ACC-ABA82A588BF1}"/>
-              </a:ext>
-            </a:extLst>
-          </p:cNvPr>
-          <p:cNvSpPr>
-            <a:spLocks noGrp="1"/>
-          </p:cNvSpPr>
-          <p:nvPr>
-            <p:ph type="body" orient="vert" idx="1"/>
-          </p:nvPr>
-        </p:nvSpPr>
-        <p:spPr>
-          <a:xfrm>
-            <a:off x="838200" y="365125"/>
-            <a:ext cx="7734300" cy="5811838"/>
-          </a:xfrm>
-        </p:spPr>
-        <p:txBody>
-          <a:bodyPr vert="eaVert"/>
-          <a:lstStyle/>
-          <a:p>
             <a:pPr lvl="0"/>
             <a:r>
-              <a:rPr lang="en-US"/>
+              <a:rPr lang="en-US" smtClean="0"/>
               <a:t>Click to edit Master text styles</a:t>
             </a:r>
           </a:p>
           <a:p>
             <a:pPr lvl="1"/>
             <a:r>
-              <a:rPr lang="en-US"/>
+              <a:rPr lang="en-US" smtClean="0"/>
               <a:t>Second level</a:t>
             </a:r>
           </a:p>
           <a:p>
             <a:pPr lvl="2"/>
             <a:r>
-              <a:rPr lang="en-US"/>
+              <a:rPr lang="en-US" smtClean="0"/>
               <a:t>Third level</a:t>
             </a:r>
           </a:p>
           <a:p>
             <a:pPr lvl="3"/>
             <a:r>
-              <a:rPr lang="en-US"/>
+              <a:rPr lang="en-US" smtClean="0"/>
               <a:t>Fourth level</a:t>
             </a:r>
           </a:p>
           <a:p>
             <a:pPr lvl="4"/>
             <a:r>
-              <a:rPr lang="en-US"/>
+              <a:rPr lang="en-US" smtClean="0"/>
               <a:t>Fifth level</a:t>
             </a:r>
-          </a:p>
-        </p:txBody>
-      </p:sp>
-      <p:sp>
-        <p:nvSpPr>
-          <p:cNvPr id="4" name="Date Placeholder 3">
-            <a:extLst>
-              <a:ext uri="{FF2B5EF4-FFF2-40B4-BE49-F238E27FC236}">
-                <a16:creationId xmlns:a16="http://schemas.microsoft.com/office/drawing/2014/main" xmlns="" id="{082E40BB-E5D8-4492-A9B5-AF8AE38A0A19}"/>
-              </a:ext>
-            </a:extLst>
-          </p:cNvPr>
+            <a:endParaRPr lang="en-US" dirty="0"/>
+          </a:p>
+        </p:txBody>
+      </p:sp>
+      <p:sp>
+        <p:nvSpPr>
+          <p:cNvPr id="4" name="Date Placeholder 3"/>
           <p:cNvSpPr>
             <a:spLocks noGrp="1"/>
           </p:cNvSpPr>
@@ -2302,7 +4434,7 @@
           <a:p>
             <a:fld id="{467B6F40-EC65-4722-BCEC-F5AF12719C12}" type="datetimeFigureOut">
               <a:rPr lang="en-US" smtClean="0"/>
-              <a:t>2019-08-03</a:t>
+              <a:t>2019-08-09</a:t>
             </a:fld>
             <a:endParaRPr lang="en-US"/>
           </a:p>
@@ -2310,13 +4442,7 @@
       </p:sp>
       <p:sp>
         <p:nvSpPr>
-          <p:cNvPr id="5" name="Footer Placeholder 4">
-            <a:extLst>
-              <a:ext uri="{FF2B5EF4-FFF2-40B4-BE49-F238E27FC236}">
-                <a16:creationId xmlns:a16="http://schemas.microsoft.com/office/drawing/2014/main" xmlns="" id="{537D9C13-7BD6-485D-8030-0C1B941D469D}"/>
-              </a:ext>
-            </a:extLst>
-          </p:cNvPr>
+          <p:cNvPr id="5" name="Footer Placeholder 4"/>
           <p:cNvSpPr>
             <a:spLocks noGrp="1"/>
           </p:cNvSpPr>
@@ -2335,13 +4461,7 @@
       </p:sp>
       <p:sp>
         <p:nvSpPr>
-          <p:cNvPr id="6" name="Slide Number Placeholder 5">
-            <a:extLst>
-              <a:ext uri="{FF2B5EF4-FFF2-40B4-BE49-F238E27FC236}">
-                <a16:creationId xmlns:a16="http://schemas.microsoft.com/office/drawing/2014/main" xmlns="" id="{FECC56FA-9DD7-4226-8779-E0FC13FB65EF}"/>
-              </a:ext>
-            </a:extLst>
-          </p:cNvPr>
+          <p:cNvPr id="6" name="Slide Number Placeholder 5"/>
           <p:cNvSpPr>
             <a:spLocks noGrp="1"/>
           </p:cNvSpPr>
@@ -2365,7 +4485,7 @@
     </p:spTree>
     <p:extLst>
       <p:ext uri="{BB962C8B-B14F-4D97-AF65-F5344CB8AC3E}">
-        <p14:creationId xmlns:p14="http://schemas.microsoft.com/office/powerpoint/2010/main" val="2515269673"/>
+        <p14:creationId xmlns:p14="http://schemas.microsoft.com/office/powerpoint/2010/main" val="4159383823"/>
       </p:ext>
     </p:extLst>
   </p:cSld>
@@ -2394,18 +4514,41 @@
       </p:grpSpPr>
       <p:sp>
         <p:nvSpPr>
-          <p:cNvPr id="2" name="Title 1">
-            <a:extLst>
-              <a:ext uri="{FF2B5EF4-FFF2-40B4-BE49-F238E27FC236}">
-                <a16:creationId xmlns:a16="http://schemas.microsoft.com/office/drawing/2014/main" xmlns="" id="{B8E9062E-A576-4C89-83B4-7735374FC004}"/>
-              </a:ext>
-            </a:extLst>
-          </p:cNvPr>
+          <p:cNvPr id="2" name="Title 1"/>
           <p:cNvSpPr>
             <a:spLocks noGrp="1"/>
           </p:cNvSpPr>
           <p:nvPr>
             <p:ph type="title"/>
+          </p:nvPr>
+        </p:nvSpPr>
+        <p:spPr/>
+        <p:txBody>
+          <a:bodyPr>
+            <a:normAutofit/>
+          </a:bodyPr>
+          <a:lstStyle>
+            <a:lvl1pPr>
+              <a:defRPr sz="3600"/>
+            </a:lvl1pPr>
+          </a:lstStyle>
+          <a:p>
+            <a:r>
+              <a:rPr lang="en-US" smtClean="0"/>
+              <a:t>Click to edit Master title style</a:t>
+            </a:r>
+            <a:endParaRPr lang="en-US" dirty="0"/>
+          </a:p>
+        </p:txBody>
+      </p:sp>
+      <p:sp>
+        <p:nvSpPr>
+          <p:cNvPr id="3" name="Content Placeholder 2"/>
+          <p:cNvSpPr>
+            <a:spLocks noGrp="1"/>
+          </p:cNvSpPr>
+          <p:nvPr>
+            <p:ph idx="1"/>
           </p:nvPr>
         </p:nvSpPr>
         <p:spPr/>
@@ -2413,27 +4556,51 @@
           <a:bodyPr/>
           <a:lstStyle/>
           <a:p>
-            <a:r>
-              <a:rPr lang="en-US"/>
-              <a:t>Click to edit Master title style</a:t>
-            </a:r>
-          </a:p>
-        </p:txBody>
-      </p:sp>
-      <p:sp>
-        <p:nvSpPr>
-          <p:cNvPr id="3" name="Content Placeholder 2">
-            <a:extLst>
-              <a:ext uri="{FF2B5EF4-FFF2-40B4-BE49-F238E27FC236}">
-                <a16:creationId xmlns:a16="http://schemas.microsoft.com/office/drawing/2014/main" xmlns="" id="{C53C2A74-2685-4D33-83E3-07FBC983C7C4}"/>
-              </a:ext>
-            </a:extLst>
-          </p:cNvPr>
-          <p:cNvSpPr>
-            <a:spLocks noGrp="1"/>
-          </p:cNvSpPr>
-          <p:nvPr>
-            <p:ph idx="1"/>
+            <a:pPr lvl="0"/>
+            <a:r>
+              <a:rPr lang="en-US" smtClean="0"/>
+              <a:t>Click to edit Master text styles</a:t>
+            </a:r>
+          </a:p>
+          <a:p>
+            <a:pPr lvl="1"/>
+            <a:r>
+              <a:rPr lang="en-US" smtClean="0"/>
+              <a:t>Second level</a:t>
+            </a:r>
+          </a:p>
+          <a:p>
+            <a:pPr lvl="2"/>
+            <a:r>
+              <a:rPr lang="en-US" smtClean="0"/>
+              <a:t>Third level</a:t>
+            </a:r>
+          </a:p>
+          <a:p>
+            <a:pPr lvl="3"/>
+            <a:r>
+              <a:rPr lang="en-US" smtClean="0"/>
+              <a:t>Fourth level</a:t>
+            </a:r>
+          </a:p>
+          <a:p>
+            <a:pPr lvl="4"/>
+            <a:r>
+              <a:rPr lang="en-US" smtClean="0"/>
+              <a:t>Fifth level</a:t>
+            </a:r>
+            <a:endParaRPr lang="en-US" dirty="0"/>
+          </a:p>
+        </p:txBody>
+      </p:sp>
+      <p:sp>
+        <p:nvSpPr>
+          <p:cNvPr id="4" name="Date Placeholder 3"/>
+          <p:cNvSpPr>
+            <a:spLocks noGrp="1"/>
+          </p:cNvSpPr>
+          <p:nvPr>
+            <p:ph type="dt" sz="half" idx="10"/>
           </p:nvPr>
         </p:nvSpPr>
         <p:spPr/>
@@ -2441,56 +4608,22 @@
           <a:bodyPr/>
           <a:lstStyle/>
           <a:p>
-            <a:pPr lvl="0"/>
-            <a:r>
-              <a:rPr lang="en-US"/>
-              <a:t>Click to edit Master text styles</a:t>
-            </a:r>
-          </a:p>
-          <a:p>
-            <a:pPr lvl="1"/>
-            <a:r>
-              <a:rPr lang="en-US"/>
-              <a:t>Second level</a:t>
-            </a:r>
-          </a:p>
-          <a:p>
-            <a:pPr lvl="2"/>
-            <a:r>
-              <a:rPr lang="en-US"/>
-              <a:t>Third level</a:t>
-            </a:r>
-          </a:p>
-          <a:p>
-            <a:pPr lvl="3"/>
-            <a:r>
-              <a:rPr lang="en-US"/>
-              <a:t>Fourth level</a:t>
-            </a:r>
-          </a:p>
-          <a:p>
-            <a:pPr lvl="4"/>
-            <a:r>
-              <a:rPr lang="en-US"/>
-              <a:t>Fifth level</a:t>
-            </a:r>
-          </a:p>
-        </p:txBody>
-      </p:sp>
-      <p:sp>
-        <p:nvSpPr>
-          <p:cNvPr id="4" name="Date Placeholder 3">
-            <a:extLst>
-              <a:ext uri="{FF2B5EF4-FFF2-40B4-BE49-F238E27FC236}">
-                <a16:creationId xmlns:a16="http://schemas.microsoft.com/office/drawing/2014/main" xmlns="" id="{9800208B-45D5-4980-8EAC-6A448BDEBDC1}"/>
-              </a:ext>
-            </a:extLst>
-          </p:cNvPr>
-          <p:cNvSpPr>
-            <a:spLocks noGrp="1"/>
-          </p:cNvSpPr>
-          <p:nvPr>
-            <p:ph type="dt" sz="half" idx="10"/>
+            <a:fld id="{467B6F40-EC65-4722-BCEC-F5AF12719C12}" type="datetimeFigureOut">
+              <a:rPr lang="en-US" smtClean="0"/>
+              <a:t>2019-08-09</a:t>
+            </a:fld>
+            <a:endParaRPr lang="en-US"/>
+          </a:p>
+        </p:txBody>
+      </p:sp>
+      <p:sp>
+        <p:nvSpPr>
+          <p:cNvPr id="5" name="Footer Placeholder 4"/>
+          <p:cNvSpPr>
+            <a:spLocks noGrp="1"/>
+          </p:cNvSpPr>
+          <p:nvPr>
+            <p:ph type="ftr" sz="quarter" idx="11"/>
           </p:nvPr>
         </p:nvSpPr>
         <p:spPr/>
@@ -2498,48 +4631,13 @@
           <a:bodyPr/>
           <a:lstStyle/>
           <a:p>
-            <a:fld id="{467B6F40-EC65-4722-BCEC-F5AF12719C12}" type="datetimeFigureOut">
-              <a:rPr lang="en-US" smtClean="0"/>
-              <a:t>2019-08-03</a:t>
-            </a:fld>
             <a:endParaRPr lang="en-US"/>
           </a:p>
         </p:txBody>
       </p:sp>
       <p:sp>
         <p:nvSpPr>
-          <p:cNvPr id="5" name="Footer Placeholder 4">
-            <a:extLst>
-              <a:ext uri="{FF2B5EF4-FFF2-40B4-BE49-F238E27FC236}">
-                <a16:creationId xmlns:a16="http://schemas.microsoft.com/office/drawing/2014/main" xmlns="" id="{1A6C8672-D383-4544-B6E3-9DF2D374ABD3}"/>
-              </a:ext>
-            </a:extLst>
-          </p:cNvPr>
-          <p:cNvSpPr>
-            <a:spLocks noGrp="1"/>
-          </p:cNvSpPr>
-          <p:nvPr>
-            <p:ph type="ftr" sz="quarter" idx="11"/>
-          </p:nvPr>
-        </p:nvSpPr>
-        <p:spPr/>
-        <p:txBody>
-          <a:bodyPr/>
-          <a:lstStyle/>
-          <a:p>
-            <a:endParaRPr lang="en-US"/>
-          </a:p>
-        </p:txBody>
-      </p:sp>
-      <p:sp>
-        <p:nvSpPr>
-          <p:cNvPr id="6" name="Slide Number Placeholder 5">
-            <a:extLst>
-              <a:ext uri="{FF2B5EF4-FFF2-40B4-BE49-F238E27FC236}">
-                <a16:creationId xmlns:a16="http://schemas.microsoft.com/office/drawing/2014/main" xmlns="" id="{E0098C3B-4D80-48DC-87B6-07908CA693B0}"/>
-              </a:ext>
-            </a:extLst>
-          </p:cNvPr>
+          <p:cNvPr id="6" name="Slide Number Placeholder 5"/>
           <p:cNvSpPr>
             <a:spLocks noGrp="1"/>
           </p:cNvSpPr>
@@ -2563,7 +4661,7 @@
     </p:spTree>
     <p:extLst>
       <p:ext uri="{BB962C8B-B14F-4D97-AF65-F5344CB8AC3E}">
-        <p14:creationId xmlns:p14="http://schemas.microsoft.com/office/powerpoint/2010/main" val="3014158144"/>
+        <p14:creationId xmlns:p14="http://schemas.microsoft.com/office/powerpoint/2010/main" val="4204618617"/>
       </p:ext>
     </p:extLst>
   </p:cSld>
@@ -2592,13 +4690,7 @@
       </p:grpSpPr>
       <p:sp>
         <p:nvSpPr>
-          <p:cNvPr id="2" name="Title 1">
-            <a:extLst>
-              <a:ext uri="{FF2B5EF4-FFF2-40B4-BE49-F238E27FC236}">
-                <a16:creationId xmlns:a16="http://schemas.microsoft.com/office/drawing/2014/main" xmlns="" id="{673743E7-92E0-4674-81F0-2BA23A856888}"/>
-              </a:ext>
-            </a:extLst>
-          </p:cNvPr>
+          <p:cNvPr id="2" name="Title 1"/>
           <p:cNvSpPr>
             <a:spLocks noGrp="1"/>
           </p:cNvSpPr>
@@ -2608,34 +4700,29 @@
         </p:nvSpPr>
         <p:spPr>
           <a:xfrm>
-            <a:off x="831850" y="1709738"/>
-            <a:ext cx="10515600" cy="2852737"/>
+            <a:off x="677335" y="2700867"/>
+            <a:ext cx="8596668" cy="1826581"/>
           </a:xfrm>
         </p:spPr>
         <p:txBody>
           <a:bodyPr anchor="b"/>
           <a:lstStyle>
-            <a:lvl1pPr>
-              <a:defRPr sz="6000"/>
+            <a:lvl1pPr algn="l">
+              <a:defRPr sz="4000" b="0" cap="none"/>
             </a:lvl1pPr>
           </a:lstStyle>
           <a:p>
             <a:r>
-              <a:rPr lang="en-US"/>
+              <a:rPr lang="en-US" smtClean="0"/>
               <a:t>Click to edit Master title style</a:t>
             </a:r>
-          </a:p>
-        </p:txBody>
-      </p:sp>
-      <p:sp>
-        <p:nvSpPr>
-          <p:cNvPr id="3" name="Text Placeholder 2">
-            <a:extLst>
-              <a:ext uri="{FF2B5EF4-FFF2-40B4-BE49-F238E27FC236}">
-                <a16:creationId xmlns:a16="http://schemas.microsoft.com/office/drawing/2014/main" xmlns="" id="{44447823-22FD-49D3-AE13-831E31E426FD}"/>
-              </a:ext>
-            </a:extLst>
-          </p:cNvPr>
+            <a:endParaRPr lang="en-US" dirty="0"/>
+          </a:p>
+        </p:txBody>
+      </p:sp>
+      <p:sp>
+        <p:nvSpPr>
+          <p:cNvPr id="3" name="Text Placeholder 2"/>
           <p:cNvSpPr>
             <a:spLocks noGrp="1"/>
           </p:cNvSpPr>
@@ -2645,26 +4732,27 @@
         </p:nvSpPr>
         <p:spPr>
           <a:xfrm>
-            <a:off x="831850" y="4589463"/>
-            <a:ext cx="10515600" cy="1500187"/>
+            <a:off x="677335" y="4527448"/>
+            <a:ext cx="8596668" cy="860400"/>
           </a:xfrm>
         </p:spPr>
         <p:txBody>
-          <a:bodyPr/>
+          <a:bodyPr anchor="t"/>
           <a:lstStyle>
-            <a:lvl1pPr marL="0" indent="0">
-              <a:buNone/>
-              <a:defRPr sz="2400">
+            <a:lvl1pPr marL="0" indent="0" algn="l">
+              <a:buNone/>
+              <a:defRPr sz="2000">
                 <a:solidFill>
                   <a:schemeClr val="tx1">
-                    <a:tint val="75000"/>
+                    <a:lumMod val="50000"/>
+                    <a:lumOff val="50000"/>
                   </a:schemeClr>
                 </a:solidFill>
               </a:defRPr>
             </a:lvl1pPr>
             <a:lvl2pPr marL="457200" indent="0">
               <a:buNone/>
-              <a:defRPr sz="2000">
+              <a:defRPr sz="1800">
                 <a:solidFill>
                   <a:schemeClr val="tx1">
                     <a:tint val="75000"/>
@@ -2674,7 +4762,7 @@
             </a:lvl2pPr>
             <a:lvl3pPr marL="914400" indent="0">
               <a:buNone/>
-              <a:defRPr sz="1800">
+              <a:defRPr sz="1600">
                 <a:solidFill>
                   <a:schemeClr val="tx1">
                     <a:tint val="75000"/>
@@ -2684,7 +4772,7 @@
             </a:lvl3pPr>
             <a:lvl4pPr marL="1371600" indent="0">
               <a:buNone/>
-              <a:defRPr sz="1600">
+              <a:defRPr sz="1400">
                 <a:solidFill>
                   <a:schemeClr val="tx1">
                     <a:tint val="75000"/>
@@ -2694,7 +4782,7 @@
             </a:lvl4pPr>
             <a:lvl5pPr marL="1828800" indent="0">
               <a:buNone/>
-              <a:defRPr sz="1600">
+              <a:defRPr sz="1400">
                 <a:solidFill>
                   <a:schemeClr val="tx1">
                     <a:tint val="75000"/>
@@ -2704,7 +4792,7 @@
             </a:lvl5pPr>
             <a:lvl6pPr marL="2286000" indent="0">
               <a:buNone/>
-              <a:defRPr sz="1600">
+              <a:defRPr sz="1400">
                 <a:solidFill>
                   <a:schemeClr val="tx1">
                     <a:tint val="75000"/>
@@ -2714,7 +4802,7 @@
             </a:lvl6pPr>
             <a:lvl7pPr marL="2743200" indent="0">
               <a:buNone/>
-              <a:defRPr sz="1600">
+              <a:defRPr sz="1400">
                 <a:solidFill>
                   <a:schemeClr val="tx1">
                     <a:tint val="75000"/>
@@ -2724,7 +4812,7 @@
             </a:lvl7pPr>
             <a:lvl8pPr marL="3200400" indent="0">
               <a:buNone/>
-              <a:defRPr sz="1600">
+              <a:defRPr sz="1400">
                 <a:solidFill>
                   <a:schemeClr val="tx1">
                     <a:tint val="75000"/>
@@ -2734,7 +4822,7 @@
             </a:lvl8pPr>
             <a:lvl9pPr marL="3657600" indent="0">
               <a:buNone/>
-              <a:defRPr sz="1600">
+              <a:defRPr sz="1400">
                 <a:solidFill>
                   <a:schemeClr val="tx1">
                     <a:tint val="75000"/>
@@ -2746,7 +4834,7 @@
           <a:p>
             <a:pPr lvl="0"/>
             <a:r>
-              <a:rPr lang="en-US"/>
+              <a:rPr lang="en-US" smtClean="0"/>
               <a:t>Click to edit Master text styles</a:t>
             </a:r>
           </a:p>
@@ -2754,13 +4842,7 @@
       </p:sp>
       <p:sp>
         <p:nvSpPr>
-          <p:cNvPr id="4" name="Date Placeholder 3">
-            <a:extLst>
-              <a:ext uri="{FF2B5EF4-FFF2-40B4-BE49-F238E27FC236}">
-                <a16:creationId xmlns:a16="http://schemas.microsoft.com/office/drawing/2014/main" xmlns="" id="{538EF0E8-FC70-43D7-8C75-6CDE6BE0F267}"/>
-              </a:ext>
-            </a:extLst>
-          </p:cNvPr>
+          <p:cNvPr id="4" name="Date Placeholder 3"/>
           <p:cNvSpPr>
             <a:spLocks noGrp="1"/>
           </p:cNvSpPr>
@@ -2775,7 +4857,7 @@
           <a:p>
             <a:fld id="{467B6F40-EC65-4722-BCEC-F5AF12719C12}" type="datetimeFigureOut">
               <a:rPr lang="en-US" smtClean="0"/>
-              <a:t>2019-08-03</a:t>
+              <a:t>2019-08-09</a:t>
             </a:fld>
             <a:endParaRPr lang="en-US"/>
           </a:p>
@@ -2783,13 +4865,7 @@
       </p:sp>
       <p:sp>
         <p:nvSpPr>
-          <p:cNvPr id="5" name="Footer Placeholder 4">
-            <a:extLst>
-              <a:ext uri="{FF2B5EF4-FFF2-40B4-BE49-F238E27FC236}">
-                <a16:creationId xmlns:a16="http://schemas.microsoft.com/office/drawing/2014/main" xmlns="" id="{87B450F5-8F60-4CDC-93AB-A4CB6A8A4E87}"/>
-              </a:ext>
-            </a:extLst>
-          </p:cNvPr>
+          <p:cNvPr id="5" name="Footer Placeholder 4"/>
           <p:cNvSpPr>
             <a:spLocks noGrp="1"/>
           </p:cNvSpPr>
@@ -2808,13 +4884,7 @@
       </p:sp>
       <p:sp>
         <p:nvSpPr>
-          <p:cNvPr id="6" name="Slide Number Placeholder 5">
-            <a:extLst>
-              <a:ext uri="{FF2B5EF4-FFF2-40B4-BE49-F238E27FC236}">
-                <a16:creationId xmlns:a16="http://schemas.microsoft.com/office/drawing/2014/main" xmlns="" id="{3CEA8156-894E-4E6B-A746-A435FE9C6A80}"/>
-              </a:ext>
-            </a:extLst>
-          </p:cNvPr>
+          <p:cNvPr id="6" name="Slide Number Placeholder 5"/>
           <p:cNvSpPr>
             <a:spLocks noGrp="1"/>
           </p:cNvSpPr>
@@ -2838,7 +4908,7 @@
     </p:spTree>
     <p:extLst>
       <p:ext uri="{BB962C8B-B14F-4D97-AF65-F5344CB8AC3E}">
-        <p14:creationId xmlns:p14="http://schemas.microsoft.com/office/powerpoint/2010/main" val="634120027"/>
+        <p14:creationId xmlns:p14="http://schemas.microsoft.com/office/powerpoint/2010/main" val="1616444388"/>
       </p:ext>
     </p:extLst>
   </p:cSld>
@@ -2867,13 +4937,7 @@
       </p:grpSpPr>
       <p:sp>
         <p:nvSpPr>
-          <p:cNvPr id="2" name="Title 1">
-            <a:extLst>
-              <a:ext uri="{FF2B5EF4-FFF2-40B4-BE49-F238E27FC236}">
-                <a16:creationId xmlns:a16="http://schemas.microsoft.com/office/drawing/2014/main" xmlns="" id="{E125E2D8-7C2D-4482-A1D6-AB750EE1868E}"/>
-              </a:ext>
-            </a:extLst>
-          </p:cNvPr>
+          <p:cNvPr id="2" name="Title 1"/>
           <p:cNvSpPr>
             <a:spLocks noGrp="1"/>
           </p:cNvSpPr>
@@ -2887,21 +4951,16 @@
           <a:lstStyle/>
           <a:p>
             <a:r>
-              <a:rPr lang="en-US"/>
+              <a:rPr lang="en-US" smtClean="0"/>
               <a:t>Click to edit Master title style</a:t>
             </a:r>
-          </a:p>
-        </p:txBody>
-      </p:sp>
-      <p:sp>
-        <p:nvSpPr>
-          <p:cNvPr id="3" name="Content Placeholder 2">
-            <a:extLst>
-              <a:ext uri="{FF2B5EF4-FFF2-40B4-BE49-F238E27FC236}">
-                <a16:creationId xmlns:a16="http://schemas.microsoft.com/office/drawing/2014/main" xmlns="" id="{605A9BF4-4D1A-4FBD-A779-0DC28F601772}"/>
-              </a:ext>
-            </a:extLst>
-          </p:cNvPr>
+            <a:endParaRPr lang="en-US" dirty="0"/>
+          </a:p>
+        </p:txBody>
+      </p:sp>
+      <p:sp>
+        <p:nvSpPr>
+          <p:cNvPr id="3" name="Content Placeholder 2"/>
           <p:cNvSpPr>
             <a:spLocks noGrp="1"/>
           </p:cNvSpPr>
@@ -2911,8 +4970,8 @@
         </p:nvSpPr>
         <p:spPr>
           <a:xfrm>
-            <a:off x="838200" y="1825625"/>
-            <a:ext cx="5181600" cy="4351338"/>
+            <a:off x="677334" y="2160589"/>
+            <a:ext cx="4184035" cy="3880772"/>
           </a:xfrm>
         </p:spPr>
         <p:txBody>
@@ -2921,49 +4980,44 @@
           <a:p>
             <a:pPr lvl="0"/>
             <a:r>
-              <a:rPr lang="en-US"/>
+              <a:rPr lang="en-US" smtClean="0"/>
               <a:t>Click to edit Master text styles</a:t>
             </a:r>
           </a:p>
           <a:p>
             <a:pPr lvl="1"/>
             <a:r>
-              <a:rPr lang="en-US"/>
+              <a:rPr lang="en-US" smtClean="0"/>
               <a:t>Second level</a:t>
             </a:r>
           </a:p>
           <a:p>
             <a:pPr lvl="2"/>
             <a:r>
-              <a:rPr lang="en-US"/>
+              <a:rPr lang="en-US" smtClean="0"/>
               <a:t>Third level</a:t>
             </a:r>
           </a:p>
           <a:p>
             <a:pPr lvl="3"/>
             <a:r>
-              <a:rPr lang="en-US"/>
+              <a:rPr lang="en-US" smtClean="0"/>
               <a:t>Fourth level</a:t>
             </a:r>
           </a:p>
           <a:p>
             <a:pPr lvl="4"/>
             <a:r>
-              <a:rPr lang="en-US"/>
+              <a:rPr lang="en-US" smtClean="0"/>
               <a:t>Fifth level</a:t>
             </a:r>
-          </a:p>
-        </p:txBody>
-      </p:sp>
-      <p:sp>
-        <p:nvSpPr>
-          <p:cNvPr id="4" name="Content Placeholder 3">
-            <a:extLst>
-              <a:ext uri="{FF2B5EF4-FFF2-40B4-BE49-F238E27FC236}">
-                <a16:creationId xmlns:a16="http://schemas.microsoft.com/office/drawing/2014/main" xmlns="" id="{72E76A75-A52A-4EDF-B7B5-29DDA91AF8AD}"/>
-              </a:ext>
-            </a:extLst>
-          </p:cNvPr>
+            <a:endParaRPr lang="en-US" dirty="0"/>
+          </a:p>
+        </p:txBody>
+      </p:sp>
+      <p:sp>
+        <p:nvSpPr>
+          <p:cNvPr id="4" name="Content Placeholder 3"/>
           <p:cNvSpPr>
             <a:spLocks noGrp="1"/>
           </p:cNvSpPr>
@@ -2973,8 +5027,8 @@
         </p:nvSpPr>
         <p:spPr>
           <a:xfrm>
-            <a:off x="6172200" y="1825625"/>
-            <a:ext cx="5181600" cy="4351338"/>
+            <a:off x="5089970" y="2160589"/>
+            <a:ext cx="4184034" cy="3880773"/>
           </a:xfrm>
         </p:spPr>
         <p:txBody>
@@ -2983,49 +5037,44 @@
           <a:p>
             <a:pPr lvl="0"/>
             <a:r>
-              <a:rPr lang="en-US"/>
+              <a:rPr lang="en-US" smtClean="0"/>
               <a:t>Click to edit Master text styles</a:t>
             </a:r>
           </a:p>
           <a:p>
             <a:pPr lvl="1"/>
             <a:r>
-              <a:rPr lang="en-US"/>
+              <a:rPr lang="en-US" smtClean="0"/>
               <a:t>Second level</a:t>
             </a:r>
           </a:p>
           <a:p>
             <a:pPr lvl="2"/>
             <a:r>
-              <a:rPr lang="en-US"/>
+              <a:rPr lang="en-US" smtClean="0"/>
               <a:t>Third level</a:t>
             </a:r>
           </a:p>
           <a:p>
             <a:pPr lvl="3"/>
             <a:r>
-              <a:rPr lang="en-US"/>
+              <a:rPr lang="en-US" smtClean="0"/>
               <a:t>Fourth level</a:t>
             </a:r>
           </a:p>
           <a:p>
             <a:pPr lvl="4"/>
             <a:r>
-              <a:rPr lang="en-US"/>
+              <a:rPr lang="en-US" smtClean="0"/>
               <a:t>Fifth level</a:t>
             </a:r>
-          </a:p>
-        </p:txBody>
-      </p:sp>
-      <p:sp>
-        <p:nvSpPr>
-          <p:cNvPr id="5" name="Date Placeholder 4">
-            <a:extLst>
-              <a:ext uri="{FF2B5EF4-FFF2-40B4-BE49-F238E27FC236}">
-                <a16:creationId xmlns:a16="http://schemas.microsoft.com/office/drawing/2014/main" xmlns="" id="{0E1CA834-79E6-44FA-BCAF-4F26C92E2C8C}"/>
-              </a:ext>
-            </a:extLst>
-          </p:cNvPr>
+            <a:endParaRPr lang="en-US" dirty="0"/>
+          </a:p>
+        </p:txBody>
+      </p:sp>
+      <p:sp>
+        <p:nvSpPr>
+          <p:cNvPr id="5" name="Date Placeholder 4"/>
           <p:cNvSpPr>
             <a:spLocks noGrp="1"/>
           </p:cNvSpPr>
@@ -3040,7 +5089,7 @@
           <a:p>
             <a:fld id="{467B6F40-EC65-4722-BCEC-F5AF12719C12}" type="datetimeFigureOut">
               <a:rPr lang="en-US" smtClean="0"/>
-              <a:t>2019-08-03</a:t>
+              <a:t>2019-08-09</a:t>
             </a:fld>
             <a:endParaRPr lang="en-US"/>
           </a:p>
@@ -3048,13 +5097,7 @@
       </p:sp>
       <p:sp>
         <p:nvSpPr>
-          <p:cNvPr id="6" name="Footer Placeholder 5">
-            <a:extLst>
-              <a:ext uri="{FF2B5EF4-FFF2-40B4-BE49-F238E27FC236}">
-                <a16:creationId xmlns:a16="http://schemas.microsoft.com/office/drawing/2014/main" xmlns="" id="{7A70F81F-434E-46DD-A16F-2D20D3C7DA86}"/>
-              </a:ext>
-            </a:extLst>
-          </p:cNvPr>
+          <p:cNvPr id="6" name="Footer Placeholder 5"/>
           <p:cNvSpPr>
             <a:spLocks noGrp="1"/>
           </p:cNvSpPr>
@@ -3073,13 +5116,7 @@
       </p:sp>
       <p:sp>
         <p:nvSpPr>
-          <p:cNvPr id="7" name="Slide Number Placeholder 6">
-            <a:extLst>
-              <a:ext uri="{FF2B5EF4-FFF2-40B4-BE49-F238E27FC236}">
-                <a16:creationId xmlns:a16="http://schemas.microsoft.com/office/drawing/2014/main" xmlns="" id="{07DE443C-6043-4A6F-8B18-03E3E389D509}"/>
-              </a:ext>
-            </a:extLst>
-          </p:cNvPr>
+          <p:cNvPr id="7" name="Slide Number Placeholder 6"/>
           <p:cNvSpPr>
             <a:spLocks noGrp="1"/>
           </p:cNvSpPr>
@@ -3103,7 +5140,7 @@
     </p:spTree>
     <p:extLst>
       <p:ext uri="{BB962C8B-B14F-4D97-AF65-F5344CB8AC3E}">
-        <p14:creationId xmlns:p14="http://schemas.microsoft.com/office/powerpoint/2010/main" val="2869497025"/>
+        <p14:creationId xmlns:p14="http://schemas.microsoft.com/office/powerpoint/2010/main" val="2563777117"/>
       </p:ext>
     </p:extLst>
   </p:cSld>
@@ -3132,65 +5169,55 @@
       </p:grpSpPr>
       <p:sp>
         <p:nvSpPr>
-          <p:cNvPr id="2" name="Title 1">
-            <a:extLst>
-              <a:ext uri="{FF2B5EF4-FFF2-40B4-BE49-F238E27FC236}">
-                <a16:creationId xmlns:a16="http://schemas.microsoft.com/office/drawing/2014/main" xmlns="" id="{D8D1E446-65DF-48FB-9115-348AC297F1D1}"/>
-              </a:ext>
-            </a:extLst>
-          </p:cNvPr>
+          <p:cNvPr id="2" name="Title 1"/>
           <p:cNvSpPr>
             <a:spLocks noGrp="1"/>
           </p:cNvSpPr>
           <p:nvPr>
             <p:ph type="title"/>
+          </p:nvPr>
+        </p:nvSpPr>
+        <p:spPr/>
+        <p:txBody>
+          <a:bodyPr/>
+          <a:lstStyle>
+            <a:lvl1pPr>
+              <a:defRPr/>
+            </a:lvl1pPr>
+          </a:lstStyle>
+          <a:p>
+            <a:r>
+              <a:rPr lang="en-US" smtClean="0"/>
+              <a:t>Click to edit Master title style</a:t>
+            </a:r>
+            <a:endParaRPr lang="en-US" dirty="0"/>
+          </a:p>
+        </p:txBody>
+      </p:sp>
+      <p:sp>
+        <p:nvSpPr>
+          <p:cNvPr id="3" name="Text Placeholder 2"/>
+          <p:cNvSpPr>
+            <a:spLocks noGrp="1"/>
+          </p:cNvSpPr>
+          <p:nvPr>
+            <p:ph type="body" idx="1"/>
           </p:nvPr>
         </p:nvSpPr>
         <p:spPr>
           <a:xfrm>
-            <a:off x="839788" y="365125"/>
-            <a:ext cx="10515600" cy="1325563"/>
+            <a:off x="675745" y="2160983"/>
+            <a:ext cx="4185623" cy="576262"/>
           </a:xfrm>
         </p:spPr>
         <p:txBody>
-          <a:bodyPr/>
-          <a:lstStyle/>
-          <a:p>
-            <a:r>
-              <a:rPr lang="en-US"/>
-              <a:t>Click to edit Master title style</a:t>
-            </a:r>
-          </a:p>
-        </p:txBody>
-      </p:sp>
-      <p:sp>
-        <p:nvSpPr>
-          <p:cNvPr id="3" name="Text Placeholder 2">
-            <a:extLst>
-              <a:ext uri="{FF2B5EF4-FFF2-40B4-BE49-F238E27FC236}">
-                <a16:creationId xmlns:a16="http://schemas.microsoft.com/office/drawing/2014/main" xmlns="" id="{A16DFB35-E70F-4D11-9A37-36FB98621F32}"/>
-              </a:ext>
-            </a:extLst>
-          </p:cNvPr>
-          <p:cNvSpPr>
-            <a:spLocks noGrp="1"/>
-          </p:cNvSpPr>
-          <p:nvPr>
-            <p:ph type="body" idx="1"/>
-          </p:nvPr>
-        </p:nvSpPr>
-        <p:spPr>
-          <a:xfrm>
-            <a:off x="839788" y="1681163"/>
-            <a:ext cx="5157787" cy="823912"/>
-          </a:xfrm>
-        </p:spPr>
-        <p:txBody>
-          <a:bodyPr anchor="b"/>
+          <a:bodyPr anchor="b">
+            <a:noAutofit/>
+          </a:bodyPr>
           <a:lstStyle>
             <a:lvl1pPr marL="0" indent="0">
               <a:buNone/>
-              <a:defRPr sz="2400" b="1"/>
+              <a:defRPr sz="2400" b="0"/>
             </a:lvl1pPr>
             <a:lvl2pPr marL="457200" indent="0">
               <a:buNone/>
@@ -3228,7 +5255,7 @@
           <a:p>
             <a:pPr lvl="0"/>
             <a:r>
-              <a:rPr lang="en-US"/>
+              <a:rPr lang="en-US" smtClean="0"/>
               <a:t>Click to edit Master text styles</a:t>
             </a:r>
           </a:p>
@@ -3236,13 +5263,7 @@
       </p:sp>
       <p:sp>
         <p:nvSpPr>
-          <p:cNvPr id="4" name="Content Placeholder 3">
-            <a:extLst>
-              <a:ext uri="{FF2B5EF4-FFF2-40B4-BE49-F238E27FC236}">
-                <a16:creationId xmlns:a16="http://schemas.microsoft.com/office/drawing/2014/main" xmlns="" id="{8CF13E95-03BC-4E95-BE41-6E69A20AF9CB}"/>
-              </a:ext>
-            </a:extLst>
-          </p:cNvPr>
+          <p:cNvPr id="4" name="Content Placeholder 3"/>
           <p:cNvSpPr>
             <a:spLocks noGrp="1"/>
           </p:cNvSpPr>
@@ -3252,59 +5273,56 @@
         </p:nvSpPr>
         <p:spPr>
           <a:xfrm>
-            <a:off x="839788" y="2505075"/>
-            <a:ext cx="5157787" cy="3684588"/>
+            <a:off x="675745" y="2737245"/>
+            <a:ext cx="4185623" cy="3304117"/>
           </a:xfrm>
         </p:spPr>
         <p:txBody>
-          <a:bodyPr/>
+          <a:bodyPr>
+            <a:normAutofit/>
+          </a:bodyPr>
           <a:lstStyle/>
           <a:p>
             <a:pPr lvl="0"/>
             <a:r>
-              <a:rPr lang="en-US"/>
+              <a:rPr lang="en-US" smtClean="0"/>
               <a:t>Click to edit Master text styles</a:t>
             </a:r>
           </a:p>
           <a:p>
             <a:pPr lvl="1"/>
             <a:r>
-              <a:rPr lang="en-US"/>
+              <a:rPr lang="en-US" smtClean="0"/>
               <a:t>Second level</a:t>
             </a:r>
           </a:p>
           <a:p>
             <a:pPr lvl="2"/>
             <a:r>
-              <a:rPr lang="en-US"/>
+              <a:rPr lang="en-US" smtClean="0"/>
               <a:t>Third level</a:t>
             </a:r>
           </a:p>
           <a:p>
             <a:pPr lvl="3"/>
             <a:r>
-              <a:rPr lang="en-US"/>
+              <a:rPr lang="en-US" smtClean="0"/>
               <a:t>Fourth level</a:t>
             </a:r>
           </a:p>
           <a:p>
             <a:pPr lvl="4"/>
             <a:r>
-              <a:rPr lang="en-US"/>
+              <a:rPr lang="en-US" smtClean="0"/>
               <a:t>Fifth level</a:t>
             </a:r>
-          </a:p>
-        </p:txBody>
-      </p:sp>
-      <p:sp>
-        <p:nvSpPr>
-          <p:cNvPr id="5" name="Text Placeholder 4">
-            <a:extLst>
-              <a:ext uri="{FF2B5EF4-FFF2-40B4-BE49-F238E27FC236}">
-                <a16:creationId xmlns:a16="http://schemas.microsoft.com/office/drawing/2014/main" xmlns="" id="{31525712-0278-46B4-8D1A-491E7C205411}"/>
-              </a:ext>
-            </a:extLst>
-          </p:cNvPr>
+            <a:endParaRPr lang="en-US" dirty="0"/>
+          </a:p>
+        </p:txBody>
+      </p:sp>
+      <p:sp>
+        <p:nvSpPr>
+          <p:cNvPr id="5" name="Text Placeholder 4"/>
           <p:cNvSpPr>
             <a:spLocks noGrp="1"/>
           </p:cNvSpPr>
@@ -3314,16 +5332,18 @@
         </p:nvSpPr>
         <p:spPr>
           <a:xfrm>
-            <a:off x="6172200" y="1681163"/>
-            <a:ext cx="5183188" cy="823912"/>
+            <a:off x="5088383" y="2160983"/>
+            <a:ext cx="4185618" cy="576262"/>
           </a:xfrm>
         </p:spPr>
         <p:txBody>
-          <a:bodyPr anchor="b"/>
+          <a:bodyPr anchor="b">
+            <a:noAutofit/>
+          </a:bodyPr>
           <a:lstStyle>
             <a:lvl1pPr marL="0" indent="0">
               <a:buNone/>
-              <a:defRPr sz="2400" b="1"/>
+              <a:defRPr sz="2400" b="0"/>
             </a:lvl1pPr>
             <a:lvl2pPr marL="457200" indent="0">
               <a:buNone/>
@@ -3361,7 +5381,7 @@
           <a:p>
             <a:pPr lvl="0"/>
             <a:r>
-              <a:rPr lang="en-US"/>
+              <a:rPr lang="en-US" smtClean="0"/>
               <a:t>Click to edit Master text styles</a:t>
             </a:r>
           </a:p>
@@ -3369,13 +5389,7 @@
       </p:sp>
       <p:sp>
         <p:nvSpPr>
-          <p:cNvPr id="6" name="Content Placeholder 5">
-            <a:extLst>
-              <a:ext uri="{FF2B5EF4-FFF2-40B4-BE49-F238E27FC236}">
-                <a16:creationId xmlns:a16="http://schemas.microsoft.com/office/drawing/2014/main" xmlns="" id="{98F1BECD-D182-4B3B-A460-DF2925735C7B}"/>
-              </a:ext>
-            </a:extLst>
-          </p:cNvPr>
+          <p:cNvPr id="6" name="Content Placeholder 5"/>
           <p:cNvSpPr>
             <a:spLocks noGrp="1"/>
           </p:cNvSpPr>
@@ -3385,64 +5399,84 @@
         </p:nvSpPr>
         <p:spPr>
           <a:xfrm>
-            <a:off x="6172200" y="2505075"/>
-            <a:ext cx="5183188" cy="3684588"/>
+            <a:off x="5088384" y="2737245"/>
+            <a:ext cx="4185617" cy="3304117"/>
           </a:xfrm>
         </p:spPr>
         <p:txBody>
+          <a:bodyPr>
+            <a:normAutofit/>
+          </a:bodyPr>
+          <a:lstStyle/>
+          <a:p>
+            <a:pPr lvl="0"/>
+            <a:r>
+              <a:rPr lang="en-US" smtClean="0"/>
+              <a:t>Click to edit Master text styles</a:t>
+            </a:r>
+          </a:p>
+          <a:p>
+            <a:pPr lvl="1"/>
+            <a:r>
+              <a:rPr lang="en-US" smtClean="0"/>
+              <a:t>Second level</a:t>
+            </a:r>
+          </a:p>
+          <a:p>
+            <a:pPr lvl="2"/>
+            <a:r>
+              <a:rPr lang="en-US" smtClean="0"/>
+              <a:t>Third level</a:t>
+            </a:r>
+          </a:p>
+          <a:p>
+            <a:pPr lvl="3"/>
+            <a:r>
+              <a:rPr lang="en-US" smtClean="0"/>
+              <a:t>Fourth level</a:t>
+            </a:r>
+          </a:p>
+          <a:p>
+            <a:pPr lvl="4"/>
+            <a:r>
+              <a:rPr lang="en-US" smtClean="0"/>
+              <a:t>Fifth level</a:t>
+            </a:r>
+            <a:endParaRPr lang="en-US" dirty="0"/>
+          </a:p>
+        </p:txBody>
+      </p:sp>
+      <p:sp>
+        <p:nvSpPr>
+          <p:cNvPr id="7" name="Date Placeholder 6"/>
+          <p:cNvSpPr>
+            <a:spLocks noGrp="1"/>
+          </p:cNvSpPr>
+          <p:nvPr>
+            <p:ph type="dt" sz="half" idx="10"/>
+          </p:nvPr>
+        </p:nvSpPr>
+        <p:spPr/>
+        <p:txBody>
           <a:bodyPr/>
           <a:lstStyle/>
           <a:p>
-            <a:pPr lvl="0"/>
-            <a:r>
-              <a:rPr lang="en-US"/>
-              <a:t>Click to edit Master text styles</a:t>
-            </a:r>
-          </a:p>
-          <a:p>
-            <a:pPr lvl="1"/>
-            <a:r>
-              <a:rPr lang="en-US"/>
-              <a:t>Second level</a:t>
-            </a:r>
-          </a:p>
-          <a:p>
-            <a:pPr lvl="2"/>
-            <a:r>
-              <a:rPr lang="en-US"/>
-              <a:t>Third level</a:t>
-            </a:r>
-          </a:p>
-          <a:p>
-            <a:pPr lvl="3"/>
-            <a:r>
-              <a:rPr lang="en-US"/>
-              <a:t>Fourth level</a:t>
-            </a:r>
-          </a:p>
-          <a:p>
-            <a:pPr lvl="4"/>
-            <a:r>
-              <a:rPr lang="en-US"/>
-              <a:t>Fifth level</a:t>
-            </a:r>
-          </a:p>
-        </p:txBody>
-      </p:sp>
-      <p:sp>
-        <p:nvSpPr>
-          <p:cNvPr id="7" name="Date Placeholder 6">
-            <a:extLst>
-              <a:ext uri="{FF2B5EF4-FFF2-40B4-BE49-F238E27FC236}">
-                <a16:creationId xmlns:a16="http://schemas.microsoft.com/office/drawing/2014/main" xmlns="" id="{851E4F83-7272-4D84-852A-C382D02FE78B}"/>
-              </a:ext>
-            </a:extLst>
-          </p:cNvPr>
-          <p:cNvSpPr>
-            <a:spLocks noGrp="1"/>
-          </p:cNvSpPr>
-          <p:nvPr>
-            <p:ph type="dt" sz="half" idx="10"/>
+            <a:fld id="{467B6F40-EC65-4722-BCEC-F5AF12719C12}" type="datetimeFigureOut">
+              <a:rPr lang="en-US" smtClean="0"/>
+              <a:t>2019-08-09</a:t>
+            </a:fld>
+            <a:endParaRPr lang="en-US"/>
+          </a:p>
+        </p:txBody>
+      </p:sp>
+      <p:sp>
+        <p:nvSpPr>
+          <p:cNvPr id="8" name="Footer Placeholder 7"/>
+          <p:cNvSpPr>
+            <a:spLocks noGrp="1"/>
+          </p:cNvSpPr>
+          <p:nvPr>
+            <p:ph type="ftr" sz="quarter" idx="11"/>
           </p:nvPr>
         </p:nvSpPr>
         <p:spPr/>
@@ -3450,48 +5484,13 @@
           <a:bodyPr/>
           <a:lstStyle/>
           <a:p>
-            <a:fld id="{467B6F40-EC65-4722-BCEC-F5AF12719C12}" type="datetimeFigureOut">
-              <a:rPr lang="en-US" smtClean="0"/>
-              <a:t>2019-08-03</a:t>
-            </a:fld>
             <a:endParaRPr lang="en-US"/>
           </a:p>
         </p:txBody>
       </p:sp>
       <p:sp>
         <p:nvSpPr>
-          <p:cNvPr id="8" name="Footer Placeholder 7">
-            <a:extLst>
-              <a:ext uri="{FF2B5EF4-FFF2-40B4-BE49-F238E27FC236}">
-                <a16:creationId xmlns:a16="http://schemas.microsoft.com/office/drawing/2014/main" xmlns="" id="{10D2CB22-0D2E-4F0C-97B4-DA076B19D8EF}"/>
-              </a:ext>
-            </a:extLst>
-          </p:cNvPr>
-          <p:cNvSpPr>
-            <a:spLocks noGrp="1"/>
-          </p:cNvSpPr>
-          <p:nvPr>
-            <p:ph type="ftr" sz="quarter" idx="11"/>
-          </p:nvPr>
-        </p:nvSpPr>
-        <p:spPr/>
-        <p:txBody>
-          <a:bodyPr/>
-          <a:lstStyle/>
-          <a:p>
-            <a:endParaRPr lang="en-US"/>
-          </a:p>
-        </p:txBody>
-      </p:sp>
-      <p:sp>
-        <p:nvSpPr>
-          <p:cNvPr id="9" name="Slide Number Placeholder 8">
-            <a:extLst>
-              <a:ext uri="{FF2B5EF4-FFF2-40B4-BE49-F238E27FC236}">
-                <a16:creationId xmlns:a16="http://schemas.microsoft.com/office/drawing/2014/main" xmlns="" id="{015611AF-89FE-4794-B4F6-F985E3DF5678}"/>
-              </a:ext>
-            </a:extLst>
-          </p:cNvPr>
+          <p:cNvPr id="9" name="Slide Number Placeholder 8"/>
           <p:cNvSpPr>
             <a:spLocks noGrp="1"/>
           </p:cNvSpPr>
@@ -3515,7 +5514,7 @@
     </p:spTree>
     <p:extLst>
       <p:ext uri="{BB962C8B-B14F-4D97-AF65-F5344CB8AC3E}">
-        <p14:creationId xmlns:p14="http://schemas.microsoft.com/office/powerpoint/2010/main" val="2620008846"/>
+        <p14:creationId xmlns:p14="http://schemas.microsoft.com/office/powerpoint/2010/main" val="1697824640"/>
       </p:ext>
     </p:extLst>
   </p:cSld>
@@ -3544,13 +5543,7 @@
       </p:grpSpPr>
       <p:sp>
         <p:nvSpPr>
-          <p:cNvPr id="2" name="Title 1">
-            <a:extLst>
-              <a:ext uri="{FF2B5EF4-FFF2-40B4-BE49-F238E27FC236}">
-                <a16:creationId xmlns:a16="http://schemas.microsoft.com/office/drawing/2014/main" xmlns="" id="{DDA9669C-255B-4399-A9E0-9AD3152F6009}"/>
-              </a:ext>
-            </a:extLst>
-          </p:cNvPr>
+          <p:cNvPr id="2" name="Title 1"/>
           <p:cNvSpPr>
             <a:spLocks noGrp="1"/>
           </p:cNvSpPr>
@@ -3558,27 +5551,27 @@
             <p:ph type="title"/>
           </p:nvPr>
         </p:nvSpPr>
-        <p:spPr/>
+        <p:spPr>
+          <a:xfrm>
+            <a:off x="677334" y="609600"/>
+            <a:ext cx="8596668" cy="1320800"/>
+          </a:xfrm>
+        </p:spPr>
         <p:txBody>
           <a:bodyPr/>
           <a:lstStyle/>
           <a:p>
             <a:r>
-              <a:rPr lang="en-US"/>
+              <a:rPr lang="en-US" smtClean="0"/>
               <a:t>Click to edit Master title style</a:t>
             </a:r>
-          </a:p>
-        </p:txBody>
-      </p:sp>
-      <p:sp>
-        <p:nvSpPr>
-          <p:cNvPr id="3" name="Date Placeholder 2">
-            <a:extLst>
-              <a:ext uri="{FF2B5EF4-FFF2-40B4-BE49-F238E27FC236}">
-                <a16:creationId xmlns:a16="http://schemas.microsoft.com/office/drawing/2014/main" xmlns="" id="{36D472C8-66A7-416E-892E-433D0F25D9C8}"/>
-              </a:ext>
-            </a:extLst>
-          </p:cNvPr>
+            <a:endParaRPr lang="en-US" dirty="0"/>
+          </a:p>
+        </p:txBody>
+      </p:sp>
+      <p:sp>
+        <p:nvSpPr>
+          <p:cNvPr id="3" name="Date Placeholder 2"/>
           <p:cNvSpPr>
             <a:spLocks noGrp="1"/>
           </p:cNvSpPr>
@@ -3593,7 +5586,7 @@
           <a:p>
             <a:fld id="{467B6F40-EC65-4722-BCEC-F5AF12719C12}" type="datetimeFigureOut">
               <a:rPr lang="en-US" smtClean="0"/>
-              <a:t>2019-08-03</a:t>
+              <a:t>2019-08-09</a:t>
             </a:fld>
             <a:endParaRPr lang="en-US"/>
           </a:p>
@@ -3601,13 +5594,7 @@
       </p:sp>
       <p:sp>
         <p:nvSpPr>
-          <p:cNvPr id="4" name="Footer Placeholder 3">
-            <a:extLst>
-              <a:ext uri="{FF2B5EF4-FFF2-40B4-BE49-F238E27FC236}">
-                <a16:creationId xmlns:a16="http://schemas.microsoft.com/office/drawing/2014/main" xmlns="" id="{E55BEA24-885E-4862-B843-1DC0AA7E90AB}"/>
-              </a:ext>
-            </a:extLst>
-          </p:cNvPr>
+          <p:cNvPr id="4" name="Footer Placeholder 3"/>
           <p:cNvSpPr>
             <a:spLocks noGrp="1"/>
           </p:cNvSpPr>
@@ -3626,13 +5613,7 @@
       </p:sp>
       <p:sp>
         <p:nvSpPr>
-          <p:cNvPr id="5" name="Slide Number Placeholder 4">
-            <a:extLst>
-              <a:ext uri="{FF2B5EF4-FFF2-40B4-BE49-F238E27FC236}">
-                <a16:creationId xmlns:a16="http://schemas.microsoft.com/office/drawing/2014/main" xmlns="" id="{A34FDA84-BEB8-4096-8F12-5179F49AC6C4}"/>
-              </a:ext>
-            </a:extLst>
-          </p:cNvPr>
+          <p:cNvPr id="5" name="Slide Number Placeholder 4"/>
           <p:cNvSpPr>
             <a:spLocks noGrp="1"/>
           </p:cNvSpPr>
@@ -3656,7 +5637,7 @@
     </p:spTree>
     <p:extLst>
       <p:ext uri="{BB962C8B-B14F-4D97-AF65-F5344CB8AC3E}">
-        <p14:creationId xmlns:p14="http://schemas.microsoft.com/office/powerpoint/2010/main" val="1626009993"/>
+        <p14:creationId xmlns:p14="http://schemas.microsoft.com/office/powerpoint/2010/main" val="2998700547"/>
       </p:ext>
     </p:extLst>
   </p:cSld>
@@ -3685,13 +5666,7 @@
       </p:grpSpPr>
       <p:sp>
         <p:nvSpPr>
-          <p:cNvPr id="2" name="Date Placeholder 1">
-            <a:extLst>
-              <a:ext uri="{FF2B5EF4-FFF2-40B4-BE49-F238E27FC236}">
-                <a16:creationId xmlns:a16="http://schemas.microsoft.com/office/drawing/2014/main" xmlns="" id="{B29EF21E-0A8B-491B-BE7F-642E3CF6E449}"/>
-              </a:ext>
-            </a:extLst>
-          </p:cNvPr>
+          <p:cNvPr id="2" name="Date Placeholder 1"/>
           <p:cNvSpPr>
             <a:spLocks noGrp="1"/>
           </p:cNvSpPr>
@@ -3706,7 +5681,7 @@
           <a:p>
             <a:fld id="{467B6F40-EC65-4722-BCEC-F5AF12719C12}" type="datetimeFigureOut">
               <a:rPr lang="en-US" smtClean="0"/>
-              <a:t>2019-08-03</a:t>
+              <a:t>2019-08-09</a:t>
             </a:fld>
             <a:endParaRPr lang="en-US"/>
           </a:p>
@@ -3714,13 +5689,7 @@
       </p:sp>
       <p:sp>
         <p:nvSpPr>
-          <p:cNvPr id="3" name="Footer Placeholder 2">
-            <a:extLst>
-              <a:ext uri="{FF2B5EF4-FFF2-40B4-BE49-F238E27FC236}">
-                <a16:creationId xmlns:a16="http://schemas.microsoft.com/office/drawing/2014/main" xmlns="" id="{5342EE23-3452-4E34-8D5F-824562DD2A06}"/>
-              </a:ext>
-            </a:extLst>
-          </p:cNvPr>
+          <p:cNvPr id="3" name="Footer Placeholder 2"/>
           <p:cNvSpPr>
             <a:spLocks noGrp="1"/>
           </p:cNvSpPr>
@@ -3739,13 +5708,7 @@
       </p:sp>
       <p:sp>
         <p:nvSpPr>
-          <p:cNvPr id="4" name="Slide Number Placeholder 3">
-            <a:extLst>
-              <a:ext uri="{FF2B5EF4-FFF2-40B4-BE49-F238E27FC236}">
-                <a16:creationId xmlns:a16="http://schemas.microsoft.com/office/drawing/2014/main" xmlns="" id="{3ECB9CF3-422F-4F24-9EDF-9801153FCEA7}"/>
-              </a:ext>
-            </a:extLst>
-          </p:cNvPr>
+          <p:cNvPr id="4" name="Slide Number Placeholder 3"/>
           <p:cNvSpPr>
             <a:spLocks noGrp="1"/>
           </p:cNvSpPr>
@@ -3769,7 +5732,7 @@
     </p:spTree>
     <p:extLst>
       <p:ext uri="{BB962C8B-B14F-4D97-AF65-F5344CB8AC3E}">
-        <p14:creationId xmlns:p14="http://schemas.microsoft.com/office/powerpoint/2010/main" val="3978122534"/>
+        <p14:creationId xmlns:p14="http://schemas.microsoft.com/office/powerpoint/2010/main" val="2290446458"/>
       </p:ext>
     </p:extLst>
   </p:cSld>
@@ -3798,13 +5761,7 @@
       </p:grpSpPr>
       <p:sp>
         <p:nvSpPr>
-          <p:cNvPr id="2" name="Title 1">
-            <a:extLst>
-              <a:ext uri="{FF2B5EF4-FFF2-40B4-BE49-F238E27FC236}">
-                <a16:creationId xmlns:a16="http://schemas.microsoft.com/office/drawing/2014/main" xmlns="" id="{4B289673-5095-4334-8DB5-DDF5C58ACC16}"/>
-              </a:ext>
-            </a:extLst>
-          </p:cNvPr>
+          <p:cNvPr id="2" name="Title 1"/>
           <p:cNvSpPr>
             <a:spLocks noGrp="1"/>
           </p:cNvSpPr>
@@ -3814,34 +5771,31 @@
         </p:nvSpPr>
         <p:spPr>
           <a:xfrm>
-            <a:off x="839788" y="457200"/>
-            <a:ext cx="3932237" cy="1600200"/>
+            <a:off x="677334" y="1498604"/>
+            <a:ext cx="3854528" cy="1278466"/>
           </a:xfrm>
         </p:spPr>
         <p:txBody>
-          <a:bodyPr anchor="b"/>
+          <a:bodyPr anchor="b">
+            <a:normAutofit/>
+          </a:bodyPr>
           <a:lstStyle>
             <a:lvl1pPr>
-              <a:defRPr sz="3200"/>
+              <a:defRPr sz="2000"/>
             </a:lvl1pPr>
           </a:lstStyle>
           <a:p>
             <a:r>
-              <a:rPr lang="en-US"/>
+              <a:rPr lang="en-US" smtClean="0"/>
               <a:t>Click to edit Master title style</a:t>
             </a:r>
-          </a:p>
-        </p:txBody>
-      </p:sp>
-      <p:sp>
-        <p:nvSpPr>
-          <p:cNvPr id="3" name="Content Placeholder 2">
-            <a:extLst>
-              <a:ext uri="{FF2B5EF4-FFF2-40B4-BE49-F238E27FC236}">
-                <a16:creationId xmlns:a16="http://schemas.microsoft.com/office/drawing/2014/main" xmlns="" id="{3AC684BD-D4F1-4CF0-B351-1132643A9234}"/>
-              </a:ext>
-            </a:extLst>
-          </p:cNvPr>
+            <a:endParaRPr lang="en-US" dirty="0"/>
+          </a:p>
+        </p:txBody>
+      </p:sp>
+      <p:sp>
+        <p:nvSpPr>
+          <p:cNvPr id="3" name="Content Placeholder 2"/>
           <p:cNvSpPr>
             <a:spLocks noGrp="1"/>
           </p:cNvSpPr>
@@ -3851,87 +5805,56 @@
         </p:nvSpPr>
         <p:spPr>
           <a:xfrm>
-            <a:off x="5183188" y="987425"/>
-            <a:ext cx="6172200" cy="4873625"/>
+            <a:off x="4760461" y="514924"/>
+            <a:ext cx="4513541" cy="5526437"/>
           </a:xfrm>
         </p:spPr>
         <p:txBody>
-          <a:bodyPr/>
-          <a:lstStyle>
-            <a:lvl1pPr>
-              <a:defRPr sz="3200"/>
-            </a:lvl1pPr>
-            <a:lvl2pPr>
-              <a:defRPr sz="2800"/>
-            </a:lvl2pPr>
-            <a:lvl3pPr>
-              <a:defRPr sz="2400"/>
-            </a:lvl3pPr>
-            <a:lvl4pPr>
-              <a:defRPr sz="2000"/>
-            </a:lvl4pPr>
-            <a:lvl5pPr>
-              <a:defRPr sz="2000"/>
-            </a:lvl5pPr>
-            <a:lvl6pPr>
-              <a:defRPr sz="2000"/>
-            </a:lvl6pPr>
-            <a:lvl7pPr>
-              <a:defRPr sz="2000"/>
-            </a:lvl7pPr>
-            <a:lvl8pPr>
-              <a:defRPr sz="2000"/>
-            </a:lvl8pPr>
-            <a:lvl9pPr>
-              <a:defRPr sz="2000"/>
-            </a:lvl9pPr>
-          </a:lstStyle>
+          <a:bodyPr>
+            <a:normAutofit/>
+          </a:bodyPr>
+          <a:lstStyle/>
           <a:p>
             <a:pPr lvl="0"/>
             <a:r>
-              <a:rPr lang="en-US"/>
+              <a:rPr lang="en-US" smtClean="0"/>
               <a:t>Click to edit Master text styles</a:t>
             </a:r>
           </a:p>
           <a:p>
             <a:pPr lvl="1"/>
             <a:r>
-              <a:rPr lang="en-US"/>
+              <a:rPr lang="en-US" smtClean="0"/>
               <a:t>Second level</a:t>
             </a:r>
           </a:p>
           <a:p>
             <a:pPr lvl="2"/>
             <a:r>
-              <a:rPr lang="en-US"/>
+              <a:rPr lang="en-US" smtClean="0"/>
               <a:t>Third level</a:t>
             </a:r>
           </a:p>
           <a:p>
             <a:pPr lvl="3"/>
             <a:r>
-              <a:rPr lang="en-US"/>
+              <a:rPr lang="en-US" smtClean="0"/>
               <a:t>Fourth level</a:t>
             </a:r>
           </a:p>
           <a:p>
             <a:pPr lvl="4"/>
             <a:r>
-              <a:rPr lang="en-US"/>
+              <a:rPr lang="en-US" smtClean="0"/>
               <a:t>Fifth level</a:t>
             </a:r>
-          </a:p>
-        </p:txBody>
-      </p:sp>
-      <p:sp>
-        <p:nvSpPr>
-          <p:cNvPr id="4" name="Text Placeholder 3">
-            <a:extLst>
-              <a:ext uri="{FF2B5EF4-FFF2-40B4-BE49-F238E27FC236}">
-                <a16:creationId xmlns:a16="http://schemas.microsoft.com/office/drawing/2014/main" xmlns="" id="{08E0BC37-D116-4F2C-98DA-74E5426C5491}"/>
-              </a:ext>
-            </a:extLst>
-          </p:cNvPr>
+            <a:endParaRPr lang="en-US" dirty="0"/>
+          </a:p>
+        </p:txBody>
+      </p:sp>
+      <p:sp>
+        <p:nvSpPr>
+          <p:cNvPr id="4" name="Text Placeholder 3"/>
           <p:cNvSpPr>
             <a:spLocks noGrp="1"/>
           </p:cNvSpPr>
@@ -3941,46 +5864,48 @@
         </p:nvSpPr>
         <p:spPr>
           <a:xfrm>
-            <a:off x="839788" y="2057400"/>
-            <a:ext cx="3932237" cy="3811588"/>
+            <a:off x="677334" y="2777069"/>
+            <a:ext cx="3854528" cy="2584449"/>
           </a:xfrm>
         </p:spPr>
         <p:txBody>
-          <a:bodyPr/>
+          <a:bodyPr>
+            <a:normAutofit/>
+          </a:bodyPr>
           <a:lstStyle>
             <a:lvl1pPr marL="0" indent="0">
               <a:buNone/>
-              <a:defRPr sz="1600"/>
+              <a:defRPr sz="1400"/>
             </a:lvl1pPr>
-            <a:lvl2pPr marL="457200" indent="0">
+            <a:lvl2pPr marL="457063" indent="0">
               <a:buNone/>
               <a:defRPr sz="1400"/>
             </a:lvl2pPr>
-            <a:lvl3pPr marL="914400" indent="0">
+            <a:lvl3pPr marL="914126" indent="0">
               <a:buNone/>
               <a:defRPr sz="1200"/>
             </a:lvl3pPr>
-            <a:lvl4pPr marL="1371600" indent="0">
+            <a:lvl4pPr marL="1371189" indent="0">
               <a:buNone/>
               <a:defRPr sz="1000"/>
             </a:lvl4pPr>
-            <a:lvl5pPr marL="1828800" indent="0">
+            <a:lvl5pPr marL="1828251" indent="0">
               <a:buNone/>
               <a:defRPr sz="1000"/>
             </a:lvl5pPr>
-            <a:lvl6pPr marL="2286000" indent="0">
+            <a:lvl6pPr marL="2285314" indent="0">
               <a:buNone/>
               <a:defRPr sz="1000"/>
             </a:lvl6pPr>
-            <a:lvl7pPr marL="2743200" indent="0">
+            <a:lvl7pPr marL="2742377" indent="0">
               <a:buNone/>
               <a:defRPr sz="1000"/>
             </a:lvl7pPr>
-            <a:lvl8pPr marL="3200400" indent="0">
+            <a:lvl8pPr marL="3199440" indent="0">
               <a:buNone/>
               <a:defRPr sz="1000"/>
             </a:lvl8pPr>
-            <a:lvl9pPr marL="3657600" indent="0">
+            <a:lvl9pPr marL="3656503" indent="0">
               <a:buNone/>
               <a:defRPr sz="1000"/>
             </a:lvl9pPr>
@@ -3988,7 +5913,7 @@
           <a:p>
             <a:pPr lvl="0"/>
             <a:r>
-              <a:rPr lang="en-US"/>
+              <a:rPr lang="en-US" smtClean="0"/>
               <a:t>Click to edit Master text styles</a:t>
             </a:r>
           </a:p>
@@ -3996,13 +5921,7 @@
       </p:sp>
       <p:sp>
         <p:nvSpPr>
-          <p:cNvPr id="5" name="Date Placeholder 4">
-            <a:extLst>
-              <a:ext uri="{FF2B5EF4-FFF2-40B4-BE49-F238E27FC236}">
-                <a16:creationId xmlns:a16="http://schemas.microsoft.com/office/drawing/2014/main" xmlns="" id="{F3FA9A3B-F33B-4649-B7C0-40746F4A70E0}"/>
-              </a:ext>
-            </a:extLst>
-          </p:cNvPr>
+          <p:cNvPr id="5" name="Date Placeholder 4"/>
           <p:cNvSpPr>
             <a:spLocks noGrp="1"/>
           </p:cNvSpPr>
@@ -4017,7 +5936,7 @@
           <a:p>
             <a:fld id="{467B6F40-EC65-4722-BCEC-F5AF12719C12}" type="datetimeFigureOut">
               <a:rPr lang="en-US" smtClean="0"/>
-              <a:t>2019-08-03</a:t>
+              <a:t>2019-08-09</a:t>
             </a:fld>
             <a:endParaRPr lang="en-US"/>
           </a:p>
@@ -4025,13 +5944,7 @@
       </p:sp>
       <p:sp>
         <p:nvSpPr>
-          <p:cNvPr id="6" name="Footer Placeholder 5">
-            <a:extLst>
-              <a:ext uri="{FF2B5EF4-FFF2-40B4-BE49-F238E27FC236}">
-                <a16:creationId xmlns:a16="http://schemas.microsoft.com/office/drawing/2014/main" xmlns="" id="{362A181A-E6BE-4B51-9CF0-36661E50BD58}"/>
-              </a:ext>
-            </a:extLst>
-          </p:cNvPr>
+          <p:cNvPr id="6" name="Footer Placeholder 5"/>
           <p:cNvSpPr>
             <a:spLocks noGrp="1"/>
           </p:cNvSpPr>
@@ -4050,13 +5963,7 @@
       </p:sp>
       <p:sp>
         <p:nvSpPr>
-          <p:cNvPr id="7" name="Slide Number Placeholder 6">
-            <a:extLst>
-              <a:ext uri="{FF2B5EF4-FFF2-40B4-BE49-F238E27FC236}">
-                <a16:creationId xmlns:a16="http://schemas.microsoft.com/office/drawing/2014/main" xmlns="" id="{B798CB95-CB7A-4985-8B86-90AE7E009233}"/>
-              </a:ext>
-            </a:extLst>
-          </p:cNvPr>
+          <p:cNvPr id="7" name="Slide Number Placeholder 6"/>
           <p:cNvSpPr>
             <a:spLocks noGrp="1"/>
           </p:cNvSpPr>
@@ -4080,7 +5987,7 @@
     </p:spTree>
     <p:extLst>
       <p:ext uri="{BB962C8B-B14F-4D97-AF65-F5344CB8AC3E}">
-        <p14:creationId xmlns:p14="http://schemas.microsoft.com/office/powerpoint/2010/main" val="3951871331"/>
+        <p14:creationId xmlns:p14="http://schemas.microsoft.com/office/powerpoint/2010/main" val="2683749488"/>
       </p:ext>
     </p:extLst>
   </p:cSld>
@@ -4109,13 +6016,7 @@
       </p:grpSpPr>
       <p:sp>
         <p:nvSpPr>
-          <p:cNvPr id="2" name="Title 1">
-            <a:extLst>
-              <a:ext uri="{FF2B5EF4-FFF2-40B4-BE49-F238E27FC236}">
-                <a16:creationId xmlns:a16="http://schemas.microsoft.com/office/drawing/2014/main" xmlns="" id="{A9846294-DCDB-4990-A5B4-5534E4A5575B}"/>
-              </a:ext>
-            </a:extLst>
-          </p:cNvPr>
+          <p:cNvPr id="2" name="Title 1"/>
           <p:cNvSpPr>
             <a:spLocks noGrp="1"/>
           </p:cNvSpPr>
@@ -4125,36 +6026,33 @@
         </p:nvSpPr>
         <p:spPr>
           <a:xfrm>
-            <a:off x="839788" y="457200"/>
-            <a:ext cx="3932237" cy="1600200"/>
+            <a:off x="677334" y="4800600"/>
+            <a:ext cx="8596667" cy="566738"/>
           </a:xfrm>
         </p:spPr>
         <p:txBody>
-          <a:bodyPr anchor="b"/>
+          <a:bodyPr anchor="b">
+            <a:normAutofit/>
+          </a:bodyPr>
           <a:lstStyle>
-            <a:lvl1pPr>
-              <a:defRPr sz="3200"/>
+            <a:lvl1pPr algn="l">
+              <a:defRPr sz="2400" b="0"/>
             </a:lvl1pPr>
           </a:lstStyle>
           <a:p>
             <a:r>
-              <a:rPr lang="en-US"/>
+              <a:rPr lang="en-US" smtClean="0"/>
               <a:t>Click to edit Master title style</a:t>
             </a:r>
-          </a:p>
-        </p:txBody>
-      </p:sp>
-      <p:sp>
-        <p:nvSpPr>
-          <p:cNvPr id="3" name="Picture Placeholder 2">
-            <a:extLst>
-              <a:ext uri="{FF2B5EF4-FFF2-40B4-BE49-F238E27FC236}">
-                <a16:creationId xmlns:a16="http://schemas.microsoft.com/office/drawing/2014/main" xmlns="" id="{31AB7A82-CC01-4539-8A5B-85F66FE2CAEE}"/>
-              </a:ext>
-            </a:extLst>
-          </p:cNvPr>
-          <p:cNvSpPr>
-            <a:spLocks noGrp="1"/>
+            <a:endParaRPr lang="en-US" dirty="0"/>
+          </a:p>
+        </p:txBody>
+      </p:sp>
+      <p:sp>
+        <p:nvSpPr>
+          <p:cNvPr id="3" name="Picture Placeholder 2"/>
+          <p:cNvSpPr>
+            <a:spLocks noGrp="1" noChangeAspect="1"/>
           </p:cNvSpPr>
           <p:nvPr>
             <p:ph type="pic" idx="1"/>
@@ -4162,121 +6060,123 @@
         </p:nvSpPr>
         <p:spPr>
           <a:xfrm>
-            <a:off x="5183188" y="987425"/>
-            <a:ext cx="6172200" cy="4873625"/>
+            <a:off x="677334" y="609600"/>
+            <a:ext cx="8596668" cy="3845718"/>
           </a:xfrm>
         </p:spPr>
         <p:txBody>
-          <a:bodyPr/>
+          <a:bodyPr anchor="t">
+            <a:normAutofit/>
+          </a:bodyPr>
           <a:lstStyle>
-            <a:lvl1pPr marL="0" indent="0">
-              <a:buNone/>
-              <a:defRPr sz="3200"/>
-            </a:lvl1pPr>
-            <a:lvl2pPr marL="457200" indent="0">
-              <a:buNone/>
-              <a:defRPr sz="2800"/>
-            </a:lvl2pPr>
-            <a:lvl3pPr marL="914400" indent="0">
-              <a:buNone/>
-              <a:defRPr sz="2400"/>
-            </a:lvl3pPr>
-            <a:lvl4pPr marL="1371600" indent="0">
-              <a:buNone/>
-              <a:defRPr sz="2000"/>
-            </a:lvl4pPr>
-            <a:lvl5pPr marL="1828800" indent="0">
-              <a:buNone/>
-              <a:defRPr sz="2000"/>
-            </a:lvl5pPr>
-            <a:lvl6pPr marL="2286000" indent="0">
-              <a:buNone/>
-              <a:defRPr sz="2000"/>
-            </a:lvl6pPr>
-            <a:lvl7pPr marL="2743200" indent="0">
-              <a:buNone/>
-              <a:defRPr sz="2000"/>
-            </a:lvl7pPr>
-            <a:lvl8pPr marL="3200400" indent="0">
-              <a:buNone/>
-              <a:defRPr sz="2000"/>
-            </a:lvl8pPr>
-            <a:lvl9pPr marL="3657600" indent="0">
-              <a:buNone/>
-              <a:defRPr sz="2000"/>
-            </a:lvl9pPr>
-          </a:lstStyle>
-          <a:p>
-            <a:endParaRPr lang="en-US"/>
-          </a:p>
-        </p:txBody>
-      </p:sp>
-      <p:sp>
-        <p:nvSpPr>
-          <p:cNvPr id="4" name="Text Placeholder 3">
-            <a:extLst>
-              <a:ext uri="{FF2B5EF4-FFF2-40B4-BE49-F238E27FC236}">
-                <a16:creationId xmlns:a16="http://schemas.microsoft.com/office/drawing/2014/main" xmlns="" id="{1AEFFB14-2035-4D92-9C83-AB4357373F06}"/>
-              </a:ext>
-            </a:extLst>
-          </p:cNvPr>
-          <p:cNvSpPr>
-            <a:spLocks noGrp="1"/>
-          </p:cNvSpPr>
-          <p:nvPr>
-            <p:ph type="body" sz="half" idx="2"/>
-          </p:nvPr>
-        </p:nvSpPr>
-        <p:spPr>
-          <a:xfrm>
-            <a:off x="839788" y="2057400"/>
-            <a:ext cx="3932237" cy="3811588"/>
-          </a:xfrm>
-        </p:spPr>
-        <p:txBody>
-          <a:bodyPr/>
-          <a:lstStyle>
-            <a:lvl1pPr marL="0" indent="0">
+            <a:lvl1pPr marL="0" indent="0" algn="ctr">
               <a:buNone/>
               <a:defRPr sz="1600"/>
             </a:lvl1pPr>
             <a:lvl2pPr marL="457200" indent="0">
               <a:buNone/>
-              <a:defRPr sz="1400"/>
+              <a:defRPr sz="1600"/>
             </a:lvl2pPr>
             <a:lvl3pPr marL="914400" indent="0">
               <a:buNone/>
-              <a:defRPr sz="1200"/>
+              <a:defRPr sz="1600"/>
             </a:lvl3pPr>
             <a:lvl4pPr marL="1371600" indent="0">
               <a:buNone/>
-              <a:defRPr sz="1000"/>
+              <a:defRPr sz="1600"/>
             </a:lvl4pPr>
             <a:lvl5pPr marL="1828800" indent="0">
               <a:buNone/>
-              <a:defRPr sz="1000"/>
+              <a:defRPr sz="1600"/>
             </a:lvl5pPr>
             <a:lvl6pPr marL="2286000" indent="0">
               <a:buNone/>
-              <a:defRPr sz="1000"/>
+              <a:defRPr sz="1600"/>
             </a:lvl6pPr>
             <a:lvl7pPr marL="2743200" indent="0">
               <a:buNone/>
-              <a:defRPr sz="1000"/>
+              <a:defRPr sz="1600"/>
             </a:lvl7pPr>
             <a:lvl8pPr marL="3200400" indent="0">
               <a:buNone/>
-              <a:defRPr sz="1000"/>
+              <a:defRPr sz="1600"/>
             </a:lvl8pPr>
             <a:lvl9pPr marL="3657600" indent="0">
               <a:buNone/>
-              <a:defRPr sz="1000"/>
+              <a:defRPr sz="1600"/>
             </a:lvl9pPr>
           </a:lstStyle>
           <a:p>
+            <a:r>
+              <a:rPr lang="en-US" smtClean="0"/>
+              <a:t>Click icon to add picture</a:t>
+            </a:r>
+            <a:endParaRPr lang="en-US" dirty="0"/>
+          </a:p>
+        </p:txBody>
+      </p:sp>
+      <p:sp>
+        <p:nvSpPr>
+          <p:cNvPr id="4" name="Text Placeholder 3"/>
+          <p:cNvSpPr>
+            <a:spLocks noGrp="1"/>
+          </p:cNvSpPr>
+          <p:nvPr>
+            <p:ph type="body" sz="half" idx="2"/>
+          </p:nvPr>
+        </p:nvSpPr>
+        <p:spPr>
+          <a:xfrm>
+            <a:off x="677334" y="5367338"/>
+            <a:ext cx="8596667" cy="674024"/>
+          </a:xfrm>
+        </p:spPr>
+        <p:txBody>
+          <a:bodyPr>
+            <a:normAutofit/>
+          </a:bodyPr>
+          <a:lstStyle>
+            <a:lvl1pPr marL="0" indent="0">
+              <a:buNone/>
+              <a:defRPr sz="1200"/>
+            </a:lvl1pPr>
+            <a:lvl2pPr marL="457200" indent="0">
+              <a:buNone/>
+              <a:defRPr sz="1200"/>
+            </a:lvl2pPr>
+            <a:lvl3pPr marL="914400" indent="0">
+              <a:buNone/>
+              <a:defRPr sz="1000"/>
+            </a:lvl3pPr>
+            <a:lvl4pPr marL="1371600" indent="0">
+              <a:buNone/>
+              <a:defRPr sz="900"/>
+            </a:lvl4pPr>
+            <a:lvl5pPr marL="1828800" indent="0">
+              <a:buNone/>
+              <a:defRPr sz="900"/>
+            </a:lvl5pPr>
+            <a:lvl6pPr marL="2286000" indent="0">
+              <a:buNone/>
+              <a:defRPr sz="900"/>
+            </a:lvl6pPr>
+            <a:lvl7pPr marL="2743200" indent="0">
+              <a:buNone/>
+              <a:defRPr sz="900"/>
+            </a:lvl7pPr>
+            <a:lvl8pPr marL="3200400" indent="0">
+              <a:buNone/>
+              <a:defRPr sz="900"/>
+            </a:lvl8pPr>
+            <a:lvl9pPr marL="3657600" indent="0">
+              <a:buNone/>
+              <a:defRPr sz="900"/>
+            </a:lvl9pPr>
+          </a:lstStyle>
+          <a:p>
             <a:pPr lvl="0"/>
             <a:r>
-              <a:rPr lang="en-US"/>
+              <a:rPr lang="en-US" smtClean="0"/>
               <a:t>Click to edit Master text styles</a:t>
             </a:r>
           </a:p>
@@ -4284,13 +6184,7 @@
       </p:sp>
       <p:sp>
         <p:nvSpPr>
-          <p:cNvPr id="5" name="Date Placeholder 4">
-            <a:extLst>
-              <a:ext uri="{FF2B5EF4-FFF2-40B4-BE49-F238E27FC236}">
-                <a16:creationId xmlns:a16="http://schemas.microsoft.com/office/drawing/2014/main" xmlns="" id="{9E5F68F1-6D78-4626-8E21-E48924FC5C7B}"/>
-              </a:ext>
-            </a:extLst>
-          </p:cNvPr>
+          <p:cNvPr id="5" name="Date Placeholder 4"/>
           <p:cNvSpPr>
             <a:spLocks noGrp="1"/>
           </p:cNvSpPr>
@@ -4305,7 +6199,7 @@
           <a:p>
             <a:fld id="{467B6F40-EC65-4722-BCEC-F5AF12719C12}" type="datetimeFigureOut">
               <a:rPr lang="en-US" smtClean="0"/>
-              <a:t>2019-08-03</a:t>
+              <a:t>2019-08-09</a:t>
             </a:fld>
             <a:endParaRPr lang="en-US"/>
           </a:p>
@@ -4313,13 +6207,7 @@
       </p:sp>
       <p:sp>
         <p:nvSpPr>
-          <p:cNvPr id="6" name="Footer Placeholder 5">
-            <a:extLst>
-              <a:ext uri="{FF2B5EF4-FFF2-40B4-BE49-F238E27FC236}">
-                <a16:creationId xmlns:a16="http://schemas.microsoft.com/office/drawing/2014/main" xmlns="" id="{86EC6FA6-7D28-433D-91FF-8610F12F24C4}"/>
-              </a:ext>
-            </a:extLst>
-          </p:cNvPr>
+          <p:cNvPr id="6" name="Footer Placeholder 5"/>
           <p:cNvSpPr>
             <a:spLocks noGrp="1"/>
           </p:cNvSpPr>
@@ -4338,13 +6226,7 @@
       </p:sp>
       <p:sp>
         <p:nvSpPr>
-          <p:cNvPr id="7" name="Slide Number Placeholder 6">
-            <a:extLst>
-              <a:ext uri="{FF2B5EF4-FFF2-40B4-BE49-F238E27FC236}">
-                <a16:creationId xmlns:a16="http://schemas.microsoft.com/office/drawing/2014/main" xmlns="" id="{3955159E-254A-4D0D-89E8-E537C07D2693}"/>
-              </a:ext>
-            </a:extLst>
-          </p:cNvPr>
+          <p:cNvPr id="7" name="Slide Number Placeholder 6"/>
           <p:cNvSpPr>
             <a:spLocks noGrp="1"/>
           </p:cNvSpPr>
@@ -4368,7 +6250,7 @@
     </p:spTree>
     <p:extLst>
       <p:ext uri="{BB962C8B-B14F-4D97-AF65-F5344CB8AC3E}">
-        <p14:creationId xmlns:p14="http://schemas.microsoft.com/office/powerpoint/2010/main" val="2261066187"/>
+        <p14:creationId xmlns:p14="http://schemas.microsoft.com/office/powerpoint/2010/main" val="2128563596"/>
       </p:ext>
     </p:extLst>
   </p:cSld>
@@ -4400,15 +6282,539 @@
           <a:chExt cx="0" cy="0"/>
         </a:xfrm>
       </p:grpSpPr>
-      <p:sp>
-        <p:nvSpPr>
-          <p:cNvPr id="2" name="Title Placeholder 1">
-            <a:extLst>
-              <a:ext uri="{FF2B5EF4-FFF2-40B4-BE49-F238E27FC236}">
-                <a16:creationId xmlns:a16="http://schemas.microsoft.com/office/drawing/2014/main" xmlns="" id="{7999BA17-EC81-4422-8EAB-AE587E59DEC6}"/>
-              </a:ext>
-            </a:extLst>
-          </p:cNvPr>
+      <p:grpSp>
+        <p:nvGrpSpPr>
+          <p:cNvPr id="7" name="Group 6"/>
+          <p:cNvGrpSpPr/>
+          <p:nvPr/>
+        </p:nvGrpSpPr>
+        <p:grpSpPr>
+          <a:xfrm>
+            <a:off x="0" y="-8467"/>
+            <a:ext cx="12192000" cy="6866467"/>
+            <a:chOff x="0" y="-8467"/>
+            <a:chExt cx="12192000" cy="6866467"/>
+          </a:xfrm>
+        </p:grpSpPr>
+        <p:cxnSp>
+          <p:nvCxnSpPr>
+            <p:cNvPr id="20" name="Straight Connector 19"/>
+            <p:cNvCxnSpPr/>
+            <p:nvPr/>
+          </p:nvCxnSpPr>
+          <p:spPr>
+            <a:xfrm>
+              <a:off x="9371012" y="0"/>
+              <a:ext cx="1219200" cy="6858000"/>
+            </a:xfrm>
+            <a:prstGeom prst="line">
+              <a:avLst/>
+            </a:prstGeom>
+            <a:ln w="9525">
+              <a:solidFill>
+                <a:schemeClr val="bg1">
+                  <a:lumMod val="75000"/>
+                </a:schemeClr>
+              </a:solidFill>
+            </a:ln>
+          </p:spPr>
+          <p:style>
+            <a:lnRef idx="2">
+              <a:schemeClr val="accent1"/>
+            </a:lnRef>
+            <a:fillRef idx="0">
+              <a:schemeClr val="accent1"/>
+            </a:fillRef>
+            <a:effectRef idx="1">
+              <a:schemeClr val="accent1"/>
+            </a:effectRef>
+            <a:fontRef idx="minor">
+              <a:schemeClr val="tx1"/>
+            </a:fontRef>
+          </p:style>
+        </p:cxnSp>
+        <p:cxnSp>
+          <p:nvCxnSpPr>
+            <p:cNvPr id="21" name="Straight Connector 20"/>
+            <p:cNvCxnSpPr/>
+            <p:nvPr/>
+          </p:nvCxnSpPr>
+          <p:spPr>
+            <a:xfrm flipH="1">
+              <a:off x="7425267" y="3681413"/>
+              <a:ext cx="4763558" cy="3176587"/>
+            </a:xfrm>
+            <a:prstGeom prst="line">
+              <a:avLst/>
+            </a:prstGeom>
+            <a:ln w="9525">
+              <a:solidFill>
+                <a:schemeClr val="bg1">
+                  <a:lumMod val="85000"/>
+                </a:schemeClr>
+              </a:solidFill>
+            </a:ln>
+          </p:spPr>
+          <p:style>
+            <a:lnRef idx="2">
+              <a:schemeClr val="accent1"/>
+            </a:lnRef>
+            <a:fillRef idx="0">
+              <a:schemeClr val="accent1"/>
+            </a:fillRef>
+            <a:effectRef idx="1">
+              <a:schemeClr val="accent1"/>
+            </a:effectRef>
+            <a:fontRef idx="minor">
+              <a:schemeClr val="tx1"/>
+            </a:fontRef>
+          </p:style>
+        </p:cxnSp>
+        <p:sp>
+          <p:nvSpPr>
+            <p:cNvPr id="22" name="Rectangle 23"/>
+            <p:cNvSpPr/>
+            <p:nvPr/>
+          </p:nvSpPr>
+          <p:spPr>
+            <a:xfrm>
+              <a:off x="9181476" y="-8467"/>
+              <a:ext cx="3007349" cy="6866467"/>
+            </a:xfrm>
+            <a:custGeom>
+              <a:avLst/>
+              <a:gdLst/>
+              <a:ahLst/>
+              <a:cxnLst/>
+              <a:rect l="l" t="t" r="r" b="b"/>
+              <a:pathLst>
+                <a:path w="3007349" h="6866467">
+                  <a:moveTo>
+                    <a:pt x="2045532" y="0"/>
+                  </a:moveTo>
+                  <a:lnTo>
+                    <a:pt x="3007349" y="0"/>
+                  </a:lnTo>
+                  <a:lnTo>
+                    <a:pt x="3007349" y="6866467"/>
+                  </a:lnTo>
+                  <a:lnTo>
+                    <a:pt x="0" y="6866467"/>
+                  </a:lnTo>
+                  <a:lnTo>
+                    <a:pt x="2045532" y="0"/>
+                  </a:lnTo>
+                  <a:close/>
+                </a:path>
+              </a:pathLst>
+            </a:custGeom>
+            <a:solidFill>
+              <a:schemeClr val="accent1">
+                <a:alpha val="30000"/>
+              </a:schemeClr>
+            </a:solidFill>
+            <a:ln>
+              <a:noFill/>
+            </a:ln>
+            <a:effectLst/>
+          </p:spPr>
+          <p:style>
+            <a:lnRef idx="1">
+              <a:schemeClr val="accent1"/>
+            </a:lnRef>
+            <a:fillRef idx="3">
+              <a:schemeClr val="accent1"/>
+            </a:fillRef>
+            <a:effectRef idx="2">
+              <a:schemeClr val="accent1"/>
+            </a:effectRef>
+            <a:fontRef idx="minor">
+              <a:schemeClr val="lt1"/>
+            </a:fontRef>
+          </p:style>
+        </p:sp>
+        <p:sp>
+          <p:nvSpPr>
+            <p:cNvPr id="23" name="Rectangle 25"/>
+            <p:cNvSpPr/>
+            <p:nvPr/>
+          </p:nvSpPr>
+          <p:spPr>
+            <a:xfrm>
+              <a:off x="9603442" y="-8467"/>
+              <a:ext cx="2588558" cy="6866467"/>
+            </a:xfrm>
+            <a:custGeom>
+              <a:avLst/>
+              <a:gdLst/>
+              <a:ahLst/>
+              <a:cxnLst/>
+              <a:rect l="l" t="t" r="r" b="b"/>
+              <a:pathLst>
+                <a:path w="2573311" h="6866467">
+                  <a:moveTo>
+                    <a:pt x="0" y="0"/>
+                  </a:moveTo>
+                  <a:lnTo>
+                    <a:pt x="2573311" y="0"/>
+                  </a:lnTo>
+                  <a:lnTo>
+                    <a:pt x="2573311" y="6866467"/>
+                  </a:lnTo>
+                  <a:lnTo>
+                    <a:pt x="1202336" y="6866467"/>
+                  </a:lnTo>
+                  <a:lnTo>
+                    <a:pt x="0" y="0"/>
+                  </a:lnTo>
+                  <a:close/>
+                </a:path>
+              </a:pathLst>
+            </a:custGeom>
+            <a:solidFill>
+              <a:schemeClr val="accent1">
+                <a:alpha val="20000"/>
+              </a:schemeClr>
+            </a:solidFill>
+            <a:ln>
+              <a:noFill/>
+            </a:ln>
+            <a:effectLst/>
+          </p:spPr>
+          <p:style>
+            <a:lnRef idx="1">
+              <a:schemeClr val="accent1"/>
+            </a:lnRef>
+            <a:fillRef idx="3">
+              <a:schemeClr val="accent1"/>
+            </a:fillRef>
+            <a:effectRef idx="2">
+              <a:schemeClr val="accent1"/>
+            </a:effectRef>
+            <a:fontRef idx="minor">
+              <a:schemeClr val="lt1"/>
+            </a:fontRef>
+          </p:style>
+        </p:sp>
+        <p:sp>
+          <p:nvSpPr>
+            <p:cNvPr id="24" name="Isosceles Triangle 23"/>
+            <p:cNvSpPr/>
+            <p:nvPr/>
+          </p:nvSpPr>
+          <p:spPr>
+            <a:xfrm>
+              <a:off x="8932333" y="3048000"/>
+              <a:ext cx="3259667" cy="3810000"/>
+            </a:xfrm>
+            <a:prstGeom prst="triangle">
+              <a:avLst>
+                <a:gd name="adj" fmla="val 100000"/>
+              </a:avLst>
+            </a:prstGeom>
+            <a:solidFill>
+              <a:schemeClr val="accent2">
+                <a:alpha val="72000"/>
+              </a:schemeClr>
+            </a:solidFill>
+            <a:ln>
+              <a:noFill/>
+            </a:ln>
+            <a:effectLst/>
+          </p:spPr>
+          <p:style>
+            <a:lnRef idx="1">
+              <a:schemeClr val="accent1"/>
+            </a:lnRef>
+            <a:fillRef idx="3">
+              <a:schemeClr val="accent1"/>
+            </a:fillRef>
+            <a:effectRef idx="2">
+              <a:schemeClr val="accent1"/>
+            </a:effectRef>
+            <a:fontRef idx="minor">
+              <a:schemeClr val="lt1"/>
+            </a:fontRef>
+          </p:style>
+        </p:sp>
+        <p:sp>
+          <p:nvSpPr>
+            <p:cNvPr id="25" name="Rectangle 27"/>
+            <p:cNvSpPr/>
+            <p:nvPr/>
+          </p:nvSpPr>
+          <p:spPr>
+            <a:xfrm>
+              <a:off x="9334500" y="-8467"/>
+              <a:ext cx="2854326" cy="6866467"/>
+            </a:xfrm>
+            <a:custGeom>
+              <a:avLst/>
+              <a:gdLst/>
+              <a:ahLst/>
+              <a:cxnLst/>
+              <a:rect l="l" t="t" r="r" b="b"/>
+              <a:pathLst>
+                <a:path w="2858013" h="6866467">
+                  <a:moveTo>
+                    <a:pt x="0" y="0"/>
+                  </a:moveTo>
+                  <a:lnTo>
+                    <a:pt x="2858013" y="0"/>
+                  </a:lnTo>
+                  <a:lnTo>
+                    <a:pt x="2858013" y="6866467"/>
+                  </a:lnTo>
+                  <a:lnTo>
+                    <a:pt x="2473942" y="6866467"/>
+                  </a:lnTo>
+                  <a:lnTo>
+                    <a:pt x="0" y="0"/>
+                  </a:lnTo>
+                  <a:close/>
+                </a:path>
+              </a:pathLst>
+            </a:custGeom>
+            <a:solidFill>
+              <a:schemeClr val="accent2">
+                <a:lumMod val="75000"/>
+                <a:alpha val="70000"/>
+              </a:schemeClr>
+            </a:solidFill>
+            <a:ln>
+              <a:noFill/>
+            </a:ln>
+            <a:effectLst/>
+          </p:spPr>
+          <p:style>
+            <a:lnRef idx="1">
+              <a:schemeClr val="accent1"/>
+            </a:lnRef>
+            <a:fillRef idx="3">
+              <a:schemeClr val="accent1"/>
+            </a:fillRef>
+            <a:effectRef idx="2">
+              <a:schemeClr val="accent1"/>
+            </a:effectRef>
+            <a:fontRef idx="minor">
+              <a:schemeClr val="lt1"/>
+            </a:fontRef>
+          </p:style>
+        </p:sp>
+        <p:sp>
+          <p:nvSpPr>
+            <p:cNvPr id="26" name="Rectangle 28"/>
+            <p:cNvSpPr/>
+            <p:nvPr/>
+          </p:nvSpPr>
+          <p:spPr>
+            <a:xfrm>
+              <a:off x="10898730" y="-8467"/>
+              <a:ext cx="1290094" cy="6866467"/>
+            </a:xfrm>
+            <a:custGeom>
+              <a:avLst/>
+              <a:gdLst/>
+              <a:ahLst/>
+              <a:cxnLst/>
+              <a:rect l="l" t="t" r="r" b="b"/>
+              <a:pathLst>
+                <a:path w="1290094" h="6858000">
+                  <a:moveTo>
+                    <a:pt x="1019735" y="0"/>
+                  </a:moveTo>
+                  <a:lnTo>
+                    <a:pt x="1290094" y="0"/>
+                  </a:lnTo>
+                  <a:lnTo>
+                    <a:pt x="1290094" y="6858000"/>
+                  </a:lnTo>
+                  <a:lnTo>
+                    <a:pt x="0" y="6858000"/>
+                  </a:lnTo>
+                  <a:lnTo>
+                    <a:pt x="1019735" y="0"/>
+                  </a:lnTo>
+                  <a:close/>
+                </a:path>
+              </a:pathLst>
+            </a:custGeom>
+            <a:solidFill>
+              <a:schemeClr val="accent1">
+                <a:lumMod val="60000"/>
+                <a:lumOff val="40000"/>
+                <a:alpha val="70000"/>
+              </a:schemeClr>
+            </a:solidFill>
+            <a:ln>
+              <a:noFill/>
+            </a:ln>
+            <a:effectLst/>
+          </p:spPr>
+          <p:style>
+            <a:lnRef idx="1">
+              <a:schemeClr val="accent1"/>
+            </a:lnRef>
+            <a:fillRef idx="3">
+              <a:schemeClr val="accent1"/>
+            </a:fillRef>
+            <a:effectRef idx="2">
+              <a:schemeClr val="accent1"/>
+            </a:effectRef>
+            <a:fontRef idx="minor">
+              <a:schemeClr val="lt1"/>
+            </a:fontRef>
+          </p:style>
+        </p:sp>
+        <p:sp>
+          <p:nvSpPr>
+            <p:cNvPr id="27" name="Rectangle 29"/>
+            <p:cNvSpPr/>
+            <p:nvPr/>
+          </p:nvSpPr>
+          <p:spPr>
+            <a:xfrm>
+              <a:off x="10938999" y="-8467"/>
+              <a:ext cx="1249825" cy="6866467"/>
+            </a:xfrm>
+            <a:custGeom>
+              <a:avLst/>
+              <a:gdLst/>
+              <a:ahLst/>
+              <a:cxnLst/>
+              <a:rect l="l" t="t" r="r" b="b"/>
+              <a:pathLst>
+                <a:path w="1249825" h="6858000">
+                  <a:moveTo>
+                    <a:pt x="0" y="0"/>
+                  </a:moveTo>
+                  <a:lnTo>
+                    <a:pt x="1249825" y="0"/>
+                  </a:lnTo>
+                  <a:lnTo>
+                    <a:pt x="1249825" y="6858000"/>
+                  </a:lnTo>
+                  <a:lnTo>
+                    <a:pt x="1109382" y="6858000"/>
+                  </a:lnTo>
+                  <a:lnTo>
+                    <a:pt x="0" y="0"/>
+                  </a:lnTo>
+                  <a:close/>
+                </a:path>
+              </a:pathLst>
+            </a:custGeom>
+            <a:solidFill>
+              <a:schemeClr val="accent1">
+                <a:alpha val="65000"/>
+              </a:schemeClr>
+            </a:solidFill>
+            <a:ln>
+              <a:noFill/>
+            </a:ln>
+            <a:effectLst/>
+          </p:spPr>
+          <p:style>
+            <a:lnRef idx="1">
+              <a:schemeClr val="accent1"/>
+            </a:lnRef>
+            <a:fillRef idx="3">
+              <a:schemeClr val="accent1"/>
+            </a:fillRef>
+            <a:effectRef idx="2">
+              <a:schemeClr val="accent1"/>
+            </a:effectRef>
+            <a:fontRef idx="minor">
+              <a:schemeClr val="lt1"/>
+            </a:fontRef>
+          </p:style>
+        </p:sp>
+        <p:sp>
+          <p:nvSpPr>
+            <p:cNvPr id="28" name="Isosceles Triangle 27"/>
+            <p:cNvSpPr/>
+            <p:nvPr/>
+          </p:nvSpPr>
+          <p:spPr>
+            <a:xfrm>
+              <a:off x="10371666" y="3589867"/>
+              <a:ext cx="1817159" cy="3268133"/>
+            </a:xfrm>
+            <a:prstGeom prst="triangle">
+              <a:avLst>
+                <a:gd name="adj" fmla="val 100000"/>
+              </a:avLst>
+            </a:prstGeom>
+            <a:solidFill>
+              <a:schemeClr val="accent1">
+                <a:alpha val="80000"/>
+              </a:schemeClr>
+            </a:solidFill>
+            <a:ln>
+              <a:noFill/>
+            </a:ln>
+            <a:effectLst/>
+          </p:spPr>
+          <p:style>
+            <a:lnRef idx="1">
+              <a:schemeClr val="accent1"/>
+            </a:lnRef>
+            <a:fillRef idx="3">
+              <a:schemeClr val="accent1"/>
+            </a:fillRef>
+            <a:effectRef idx="2">
+              <a:schemeClr val="accent1"/>
+            </a:effectRef>
+            <a:fontRef idx="minor">
+              <a:schemeClr val="lt1"/>
+            </a:fontRef>
+          </p:style>
+        </p:sp>
+        <p:sp>
+          <p:nvSpPr>
+            <p:cNvPr id="29" name="Isosceles Triangle 28"/>
+            <p:cNvSpPr/>
+            <p:nvPr/>
+          </p:nvSpPr>
+          <p:spPr>
+            <a:xfrm>
+              <a:off x="0" y="4013200"/>
+              <a:ext cx="448733" cy="2844800"/>
+            </a:xfrm>
+            <a:prstGeom prst="triangle">
+              <a:avLst>
+                <a:gd name="adj" fmla="val 0"/>
+              </a:avLst>
+            </a:prstGeom>
+            <a:solidFill>
+              <a:schemeClr val="accent1">
+                <a:alpha val="85000"/>
+              </a:schemeClr>
+            </a:solidFill>
+            <a:ln>
+              <a:noFill/>
+            </a:ln>
+            <a:effectLst/>
+          </p:spPr>
+          <p:style>
+            <a:lnRef idx="1">
+              <a:schemeClr val="accent1"/>
+            </a:lnRef>
+            <a:fillRef idx="3">
+              <a:schemeClr val="accent1"/>
+            </a:fillRef>
+            <a:effectRef idx="2">
+              <a:schemeClr val="accent1"/>
+            </a:effectRef>
+            <a:fontRef idx="minor">
+              <a:schemeClr val="lt1"/>
+            </a:fontRef>
+          </p:style>
+        </p:sp>
+      </p:grpSp>
+      <p:sp>
+        <p:nvSpPr>
+          <p:cNvPr id="2" name="Title Placeholder 1"/>
           <p:cNvSpPr>
             <a:spLocks noGrp="1"/>
           </p:cNvSpPr>
@@ -4418,35 +6824,30 @@
         </p:nvSpPr>
         <p:spPr>
           <a:xfrm>
-            <a:off x="838200" y="365125"/>
-            <a:ext cx="10515600" cy="1325563"/>
+            <a:off x="677334" y="609600"/>
+            <a:ext cx="8596668" cy="1320800"/>
           </a:xfrm>
           <a:prstGeom prst="rect">
             <a:avLst/>
           </a:prstGeom>
         </p:spPr>
         <p:txBody>
-          <a:bodyPr vert="horz" lIns="91440" tIns="45720" rIns="91440" bIns="45720" rtlCol="0" anchor="ctr">
+          <a:bodyPr vert="horz" lIns="91440" tIns="45720" rIns="91440" bIns="45720" rtlCol="0" anchor="t">
             <a:normAutofit/>
           </a:bodyPr>
           <a:lstStyle/>
           <a:p>
             <a:r>
-              <a:rPr lang="en-US"/>
+              <a:rPr lang="en-US" smtClean="0"/>
               <a:t>Click to edit Master title style</a:t>
             </a:r>
-          </a:p>
-        </p:txBody>
-      </p:sp>
-      <p:sp>
-        <p:nvSpPr>
-          <p:cNvPr id="3" name="Text Placeholder 2">
-            <a:extLst>
-              <a:ext uri="{FF2B5EF4-FFF2-40B4-BE49-F238E27FC236}">
-                <a16:creationId xmlns:a16="http://schemas.microsoft.com/office/drawing/2014/main" xmlns="" id="{B48D8447-27CA-4B93-8469-CD8AAE940C44}"/>
-              </a:ext>
-            </a:extLst>
-          </p:cNvPr>
+            <a:endParaRPr lang="en-US" dirty="0"/>
+          </a:p>
+        </p:txBody>
+      </p:sp>
+      <p:sp>
+        <p:nvSpPr>
+          <p:cNvPr id="3" name="Text Placeholder 2"/>
           <p:cNvSpPr>
             <a:spLocks noGrp="1"/>
           </p:cNvSpPr>
@@ -4456,8 +6857,8 @@
         </p:nvSpPr>
         <p:spPr>
           <a:xfrm>
-            <a:off x="838200" y="1825625"/>
-            <a:ext cx="10515600" cy="4351338"/>
+            <a:off x="677334" y="2160589"/>
+            <a:ext cx="8596668" cy="3880773"/>
           </a:xfrm>
           <a:prstGeom prst="rect">
             <a:avLst/>
@@ -4471,49 +6872,44 @@
           <a:p>
             <a:pPr lvl="0"/>
             <a:r>
-              <a:rPr lang="en-US"/>
+              <a:rPr lang="en-US" smtClean="0"/>
               <a:t>Click to edit Master text styles</a:t>
             </a:r>
           </a:p>
           <a:p>
             <a:pPr lvl="1"/>
             <a:r>
-              <a:rPr lang="en-US"/>
+              <a:rPr lang="en-US" smtClean="0"/>
               <a:t>Second level</a:t>
             </a:r>
           </a:p>
           <a:p>
             <a:pPr lvl="2"/>
             <a:r>
-              <a:rPr lang="en-US"/>
+              <a:rPr lang="en-US" smtClean="0"/>
               <a:t>Third level</a:t>
             </a:r>
           </a:p>
           <a:p>
             <a:pPr lvl="3"/>
             <a:r>
-              <a:rPr lang="en-US"/>
+              <a:rPr lang="en-US" smtClean="0"/>
               <a:t>Fourth level</a:t>
             </a:r>
           </a:p>
           <a:p>
             <a:pPr lvl="4"/>
             <a:r>
-              <a:rPr lang="en-US"/>
+              <a:rPr lang="en-US" smtClean="0"/>
               <a:t>Fifth level</a:t>
             </a:r>
-          </a:p>
-        </p:txBody>
-      </p:sp>
-      <p:sp>
-        <p:nvSpPr>
-          <p:cNvPr id="4" name="Date Placeholder 3">
-            <a:extLst>
-              <a:ext uri="{FF2B5EF4-FFF2-40B4-BE49-F238E27FC236}">
-                <a16:creationId xmlns:a16="http://schemas.microsoft.com/office/drawing/2014/main" xmlns="" id="{B4E4A6CA-8AB7-449D-B970-C0EDB7CE3C7D}"/>
-              </a:ext>
-            </a:extLst>
-          </p:cNvPr>
+            <a:endParaRPr lang="en-US" dirty="0"/>
+          </a:p>
+        </p:txBody>
+      </p:sp>
+      <p:sp>
+        <p:nvSpPr>
+          <p:cNvPr id="4" name="Date Placeholder 3"/>
           <p:cNvSpPr>
             <a:spLocks noGrp="1"/>
           </p:cNvSpPr>
@@ -4523,8 +6919,8 @@
         </p:nvSpPr>
         <p:spPr>
           <a:xfrm>
-            <a:off x="838200" y="6356350"/>
-            <a:ext cx="2743200" cy="365125"/>
+            <a:off x="7205133" y="6041362"/>
+            <a:ext cx="911939" cy="365125"/>
           </a:xfrm>
           <a:prstGeom prst="rect">
             <a:avLst/>
@@ -4533,8 +6929,8 @@
         <p:txBody>
           <a:bodyPr vert="horz" lIns="91440" tIns="45720" rIns="91440" bIns="45720" rtlCol="0" anchor="ctr"/>
           <a:lstStyle>
-            <a:lvl1pPr algn="l">
-              <a:defRPr sz="1200">
+            <a:lvl1pPr algn="r">
+              <a:defRPr sz="900">
                 <a:solidFill>
                   <a:schemeClr val="tx1">
                     <a:tint val="75000"/>
@@ -4546,7 +6942,7 @@
           <a:p>
             <a:fld id="{467B6F40-EC65-4722-BCEC-F5AF12719C12}" type="datetimeFigureOut">
               <a:rPr lang="en-US" smtClean="0"/>
-              <a:t>2019-08-03</a:t>
+              <a:t>2019-08-09</a:t>
             </a:fld>
             <a:endParaRPr lang="en-US"/>
           </a:p>
@@ -4554,13 +6950,7 @@
       </p:sp>
       <p:sp>
         <p:nvSpPr>
-          <p:cNvPr id="5" name="Footer Placeholder 4">
-            <a:extLst>
-              <a:ext uri="{FF2B5EF4-FFF2-40B4-BE49-F238E27FC236}">
-                <a16:creationId xmlns:a16="http://schemas.microsoft.com/office/drawing/2014/main" xmlns="" id="{ED3F01A0-263B-439F-83C0-61B37E34D692}"/>
-              </a:ext>
-            </a:extLst>
-          </p:cNvPr>
+          <p:cNvPr id="5" name="Footer Placeholder 4"/>
           <p:cNvSpPr>
             <a:spLocks noGrp="1"/>
           </p:cNvSpPr>
@@ -4570,8 +6960,8 @@
         </p:nvSpPr>
         <p:spPr>
           <a:xfrm>
-            <a:off x="4038600" y="6356350"/>
-            <a:ext cx="4114800" cy="365125"/>
+            <a:off x="677334" y="6041362"/>
+            <a:ext cx="6297612" cy="365125"/>
           </a:xfrm>
           <a:prstGeom prst="rect">
             <a:avLst/>
@@ -4580,8 +6970,8 @@
         <p:txBody>
           <a:bodyPr vert="horz" lIns="91440" tIns="45720" rIns="91440" bIns="45720" rtlCol="0" anchor="ctr"/>
           <a:lstStyle>
-            <a:lvl1pPr algn="ctr">
-              <a:defRPr sz="1200">
+            <a:lvl1pPr algn="l">
+              <a:defRPr sz="900">
                 <a:solidFill>
                   <a:schemeClr val="tx1">
                     <a:tint val="75000"/>
@@ -4597,13 +6987,7 @@
       </p:sp>
       <p:sp>
         <p:nvSpPr>
-          <p:cNvPr id="6" name="Slide Number Placeholder 5">
-            <a:extLst>
-              <a:ext uri="{FF2B5EF4-FFF2-40B4-BE49-F238E27FC236}">
-                <a16:creationId xmlns:a16="http://schemas.microsoft.com/office/drawing/2014/main" xmlns="" id="{9CA1FAA9-EF8A-4953-83B2-808DC5AABE08}"/>
-              </a:ext>
-            </a:extLst>
-          </p:cNvPr>
+          <p:cNvPr id="6" name="Slide Number Placeholder 5"/>
           <p:cNvSpPr>
             <a:spLocks noGrp="1"/>
           </p:cNvSpPr>
@@ -4613,8 +6997,8 @@
         </p:nvSpPr>
         <p:spPr>
           <a:xfrm>
-            <a:off x="8610600" y="6356350"/>
-            <a:ext cx="2743200" cy="365125"/>
+            <a:off x="8590663" y="6041362"/>
+            <a:ext cx="683339" cy="365125"/>
           </a:xfrm>
           <a:prstGeom prst="rect">
             <a:avLst/>
@@ -4624,11 +7008,9 @@
           <a:bodyPr vert="horz" lIns="91440" tIns="45720" rIns="91440" bIns="45720" rtlCol="0" anchor="ctr"/>
           <a:lstStyle>
             <a:lvl1pPr algn="r">
-              <a:defRPr sz="1200">
+              <a:defRPr sz="900">
                 <a:solidFill>
-                  <a:schemeClr val="tx1">
-                    <a:tint val="75000"/>
-                  </a:schemeClr>
+                  <a:schemeClr val="accent1"/>
                 </a:solidFill>
               </a:defRPr>
             </a:lvl1pPr>
@@ -4645,201 +7027,322 @@
     </p:spTree>
     <p:extLst>
       <p:ext uri="{BB962C8B-B14F-4D97-AF65-F5344CB8AC3E}">
-        <p14:creationId xmlns:p14="http://schemas.microsoft.com/office/powerpoint/2010/main" val="2934206695"/>
+        <p14:creationId xmlns:p14="http://schemas.microsoft.com/office/powerpoint/2010/main" val="3440334897"/>
       </p:ext>
     </p:extLst>
   </p:cSld>
   <p:clrMap bg1="lt1" tx1="dk1" bg2="lt2" tx2="dk2" accent1="accent1" accent2="accent2" accent3="accent3" accent4="accent4" accent5="accent5" accent6="accent6" hlink="hlink" folHlink="folHlink"/>
   <p:sldLayoutIdLst>
-    <p:sldLayoutId id="2147483697" r:id="rId1"/>
-    <p:sldLayoutId id="2147483698" r:id="rId2"/>
-    <p:sldLayoutId id="2147483699" r:id="rId3"/>
-    <p:sldLayoutId id="2147483700" r:id="rId4"/>
-    <p:sldLayoutId id="2147483701" r:id="rId5"/>
-    <p:sldLayoutId id="2147483702" r:id="rId6"/>
-    <p:sldLayoutId id="2147483703" r:id="rId7"/>
-    <p:sldLayoutId id="2147483704" r:id="rId8"/>
-    <p:sldLayoutId id="2147483705" r:id="rId9"/>
-    <p:sldLayoutId id="2147483706" r:id="rId10"/>
-    <p:sldLayoutId id="2147483707" r:id="rId11"/>
+    <p:sldLayoutId id="2147483709" r:id="rId1"/>
+    <p:sldLayoutId id="2147483710" r:id="rId2"/>
+    <p:sldLayoutId id="2147483711" r:id="rId3"/>
+    <p:sldLayoutId id="2147483712" r:id="rId4"/>
+    <p:sldLayoutId id="2147483713" r:id="rId5"/>
+    <p:sldLayoutId id="2147483714" r:id="rId6"/>
+    <p:sldLayoutId id="2147483715" r:id="rId7"/>
+    <p:sldLayoutId id="2147483716" r:id="rId8"/>
+    <p:sldLayoutId id="2147483717" r:id="rId9"/>
+    <p:sldLayoutId id="2147483718" r:id="rId10"/>
+    <p:sldLayoutId id="2147483719" r:id="rId11"/>
+    <p:sldLayoutId id="2147483720" r:id="rId12"/>
+    <p:sldLayoutId id="2147483721" r:id="rId13"/>
+    <p:sldLayoutId id="2147483722" r:id="rId14"/>
+    <p:sldLayoutId id="2147483723" r:id="rId15"/>
+    <p:sldLayoutId id="2147483724" r:id="rId16"/>
   </p:sldLayoutIdLst>
   <p:txStyles>
     <p:titleStyle>
-      <a:lvl1pPr algn="l" defTabSz="914400" rtl="0" eaLnBrk="1" latinLnBrk="0" hangingPunct="1">
-        <a:lnSpc>
-          <a:spcPct val="90000"/>
-        </a:lnSpc>
+      <a:lvl1pPr algn="l" defTabSz="457200" rtl="0" eaLnBrk="1" latinLnBrk="0" hangingPunct="1">
         <a:spcBef>
           <a:spcPct val="0"/>
         </a:spcBef>
         <a:buNone/>
-        <a:defRPr sz="4400" kern="1200">
+        <a:defRPr sz="3600" kern="1200">
           <a:solidFill>
-            <a:schemeClr val="tx1"/>
+            <a:schemeClr val="accent1"/>
           </a:solidFill>
           <a:latin typeface="+mj-lt"/>
           <a:ea typeface="+mj-ea"/>
           <a:cs typeface="+mj-cs"/>
         </a:defRPr>
       </a:lvl1pPr>
+      <a:lvl2pPr eaLnBrk="1" hangingPunct="1">
+        <a:defRPr>
+          <a:solidFill>
+            <a:schemeClr val="tx2"/>
+          </a:solidFill>
+        </a:defRPr>
+      </a:lvl2pPr>
+      <a:lvl3pPr eaLnBrk="1" hangingPunct="1">
+        <a:defRPr>
+          <a:solidFill>
+            <a:schemeClr val="tx2"/>
+          </a:solidFill>
+        </a:defRPr>
+      </a:lvl3pPr>
+      <a:lvl4pPr eaLnBrk="1" hangingPunct="1">
+        <a:defRPr>
+          <a:solidFill>
+            <a:schemeClr val="tx2"/>
+          </a:solidFill>
+        </a:defRPr>
+      </a:lvl4pPr>
+      <a:lvl5pPr eaLnBrk="1" hangingPunct="1">
+        <a:defRPr>
+          <a:solidFill>
+            <a:schemeClr val="tx2"/>
+          </a:solidFill>
+        </a:defRPr>
+      </a:lvl5pPr>
+      <a:lvl6pPr eaLnBrk="1" hangingPunct="1">
+        <a:defRPr>
+          <a:solidFill>
+            <a:schemeClr val="tx2"/>
+          </a:solidFill>
+        </a:defRPr>
+      </a:lvl6pPr>
+      <a:lvl7pPr eaLnBrk="1" hangingPunct="1">
+        <a:defRPr>
+          <a:solidFill>
+            <a:schemeClr val="tx2"/>
+          </a:solidFill>
+        </a:defRPr>
+      </a:lvl7pPr>
+      <a:lvl8pPr eaLnBrk="1" hangingPunct="1">
+        <a:defRPr>
+          <a:solidFill>
+            <a:schemeClr val="tx2"/>
+          </a:solidFill>
+        </a:defRPr>
+      </a:lvl8pPr>
+      <a:lvl9pPr eaLnBrk="1" hangingPunct="1">
+        <a:defRPr>
+          <a:solidFill>
+            <a:schemeClr val="tx2"/>
+          </a:solidFill>
+        </a:defRPr>
+      </a:lvl9pPr>
     </p:titleStyle>
     <p:bodyStyle>
-      <a:lvl1pPr marL="228600" indent="-228600" algn="l" defTabSz="914400" rtl="0" eaLnBrk="1" latinLnBrk="0" hangingPunct="1">
-        <a:lnSpc>
-          <a:spcPct val="90000"/>
-        </a:lnSpc>
+      <a:lvl1pPr marL="342900" indent="-342900" algn="l" defTabSz="457200" rtl="0" eaLnBrk="1" latinLnBrk="0" hangingPunct="1">
         <a:spcBef>
           <a:spcPts val="1000"/>
         </a:spcBef>
-        <a:buFont typeface="Arial" panose="020B0604020202020204" pitchFamily="34" charset="0"/>
-        <a:buChar char="•"/>
-        <a:defRPr sz="2800" kern="1200">
+        <a:spcAft>
+          <a:spcPts val="0"/>
+        </a:spcAft>
+        <a:buClr>
+          <a:schemeClr val="accent1"/>
+        </a:buClr>
+        <a:buSzPct val="80000"/>
+        <a:buFont typeface="Wingdings 3" charset="2"/>
+        <a:buChar char=""/>
+        <a:defRPr sz="1800" kern="1200">
           <a:solidFill>
-            <a:schemeClr val="tx1"/>
+            <a:schemeClr val="tx1">
+              <a:lumMod val="75000"/>
+              <a:lumOff val="25000"/>
+            </a:schemeClr>
           </a:solidFill>
           <a:latin typeface="+mn-lt"/>
           <a:ea typeface="+mn-ea"/>
           <a:cs typeface="+mn-cs"/>
         </a:defRPr>
       </a:lvl1pPr>
-      <a:lvl2pPr marL="685800" indent="-228600" algn="l" defTabSz="914400" rtl="0" eaLnBrk="1" latinLnBrk="0" hangingPunct="1">
-        <a:lnSpc>
-          <a:spcPct val="90000"/>
-        </a:lnSpc>
+      <a:lvl2pPr marL="742950" indent="-285750" algn="l" defTabSz="457200" rtl="0" eaLnBrk="1" latinLnBrk="0" hangingPunct="1">
         <a:spcBef>
-          <a:spcPts val="500"/>
+          <a:spcPts val="1000"/>
         </a:spcBef>
-        <a:buFont typeface="Arial" panose="020B0604020202020204" pitchFamily="34" charset="0"/>
-        <a:buChar char="•"/>
-        <a:defRPr sz="2400" kern="1200">
+        <a:spcAft>
+          <a:spcPts val="0"/>
+        </a:spcAft>
+        <a:buClr>
+          <a:schemeClr val="accent1"/>
+        </a:buClr>
+        <a:buSzPct val="80000"/>
+        <a:buFont typeface="Wingdings 3" charset="2"/>
+        <a:buChar char=""/>
+        <a:defRPr sz="1600" kern="1200">
           <a:solidFill>
-            <a:schemeClr val="tx1"/>
+            <a:schemeClr val="tx1">
+              <a:lumMod val="75000"/>
+              <a:lumOff val="25000"/>
+            </a:schemeClr>
           </a:solidFill>
           <a:latin typeface="+mn-lt"/>
           <a:ea typeface="+mn-ea"/>
           <a:cs typeface="+mn-cs"/>
         </a:defRPr>
       </a:lvl2pPr>
-      <a:lvl3pPr marL="1143000" indent="-228600" algn="l" defTabSz="914400" rtl="0" eaLnBrk="1" latinLnBrk="0" hangingPunct="1">
-        <a:lnSpc>
-          <a:spcPct val="90000"/>
-        </a:lnSpc>
+      <a:lvl3pPr marL="1143000" indent="-228600" algn="l" defTabSz="457200" rtl="0" eaLnBrk="1" latinLnBrk="0" hangingPunct="1">
         <a:spcBef>
-          <a:spcPts val="500"/>
+          <a:spcPts val="1000"/>
         </a:spcBef>
-        <a:buFont typeface="Arial" panose="020B0604020202020204" pitchFamily="34" charset="0"/>
-        <a:buChar char="•"/>
-        <a:defRPr sz="2000" kern="1200">
+        <a:spcAft>
+          <a:spcPts val="0"/>
+        </a:spcAft>
+        <a:buClr>
+          <a:schemeClr val="accent1"/>
+        </a:buClr>
+        <a:buSzPct val="80000"/>
+        <a:buFont typeface="Wingdings 3" charset="2"/>
+        <a:buChar char=""/>
+        <a:defRPr sz="1400" kern="1200">
           <a:solidFill>
-            <a:schemeClr val="tx1"/>
+            <a:schemeClr val="tx1">
+              <a:lumMod val="75000"/>
+              <a:lumOff val="25000"/>
+            </a:schemeClr>
           </a:solidFill>
           <a:latin typeface="+mn-lt"/>
           <a:ea typeface="+mn-ea"/>
           <a:cs typeface="+mn-cs"/>
         </a:defRPr>
       </a:lvl3pPr>
-      <a:lvl4pPr marL="1600200" indent="-228600" algn="l" defTabSz="914400" rtl="0" eaLnBrk="1" latinLnBrk="0" hangingPunct="1">
-        <a:lnSpc>
-          <a:spcPct val="90000"/>
-        </a:lnSpc>
+      <a:lvl4pPr marL="1600200" indent="-228600" algn="l" defTabSz="457200" rtl="0" eaLnBrk="1" latinLnBrk="0" hangingPunct="1">
         <a:spcBef>
-          <a:spcPts val="500"/>
+          <a:spcPts val="1000"/>
         </a:spcBef>
-        <a:buFont typeface="Arial" panose="020B0604020202020204" pitchFamily="34" charset="0"/>
-        <a:buChar char="•"/>
-        <a:defRPr sz="1800" kern="1200">
+        <a:spcAft>
+          <a:spcPts val="0"/>
+        </a:spcAft>
+        <a:buClr>
+          <a:schemeClr val="accent1"/>
+        </a:buClr>
+        <a:buSzPct val="80000"/>
+        <a:buFont typeface="Wingdings 3" charset="2"/>
+        <a:buChar char=""/>
+        <a:defRPr sz="1200" kern="1200">
           <a:solidFill>
-            <a:schemeClr val="tx1"/>
+            <a:schemeClr val="tx1">
+              <a:lumMod val="75000"/>
+              <a:lumOff val="25000"/>
+            </a:schemeClr>
           </a:solidFill>
           <a:latin typeface="+mn-lt"/>
           <a:ea typeface="+mn-ea"/>
           <a:cs typeface="+mn-cs"/>
         </a:defRPr>
       </a:lvl4pPr>
-      <a:lvl5pPr marL="2057400" indent="-228600" algn="l" defTabSz="914400" rtl="0" eaLnBrk="1" latinLnBrk="0" hangingPunct="1">
-        <a:lnSpc>
-          <a:spcPct val="90000"/>
-        </a:lnSpc>
+      <a:lvl5pPr marL="2057400" indent="-228600" algn="l" defTabSz="457200" rtl="0" eaLnBrk="1" latinLnBrk="0" hangingPunct="1">
         <a:spcBef>
-          <a:spcPts val="500"/>
+          <a:spcPts val="1000"/>
         </a:spcBef>
-        <a:buFont typeface="Arial" panose="020B0604020202020204" pitchFamily="34" charset="0"/>
-        <a:buChar char="•"/>
-        <a:defRPr sz="1800" kern="1200">
+        <a:spcAft>
+          <a:spcPts val="0"/>
+        </a:spcAft>
+        <a:buClr>
+          <a:schemeClr val="accent1"/>
+        </a:buClr>
+        <a:buSzPct val="80000"/>
+        <a:buFont typeface="Wingdings 3" charset="2"/>
+        <a:buChar char=""/>
+        <a:defRPr sz="1200" kern="1200">
           <a:solidFill>
-            <a:schemeClr val="tx1"/>
+            <a:schemeClr val="tx1">
+              <a:lumMod val="75000"/>
+              <a:lumOff val="25000"/>
+            </a:schemeClr>
           </a:solidFill>
           <a:latin typeface="+mn-lt"/>
           <a:ea typeface="+mn-ea"/>
           <a:cs typeface="+mn-cs"/>
         </a:defRPr>
       </a:lvl5pPr>
-      <a:lvl6pPr marL="2514600" indent="-228600" algn="l" defTabSz="914400" rtl="0" eaLnBrk="1" latinLnBrk="0" hangingPunct="1">
-        <a:lnSpc>
-          <a:spcPct val="90000"/>
-        </a:lnSpc>
+      <a:lvl6pPr marL="2514600" indent="-228600" algn="l" defTabSz="457200" rtl="0" eaLnBrk="1" latinLnBrk="0" hangingPunct="1">
         <a:spcBef>
-          <a:spcPts val="500"/>
+          <a:spcPts val="1000"/>
         </a:spcBef>
-        <a:buFont typeface="Arial" panose="020B0604020202020204" pitchFamily="34" charset="0"/>
-        <a:buChar char="•"/>
-        <a:defRPr sz="1800" kern="1200">
+        <a:spcAft>
+          <a:spcPts val="0"/>
+        </a:spcAft>
+        <a:buClr>
+          <a:schemeClr val="accent1"/>
+        </a:buClr>
+        <a:buSzPct val="80000"/>
+        <a:buFont typeface="Wingdings 3" charset="2"/>
+        <a:buChar char=""/>
+        <a:defRPr sz="1200" kern="1200">
           <a:solidFill>
-            <a:schemeClr val="tx1"/>
+            <a:schemeClr val="tx1">
+              <a:lumMod val="75000"/>
+              <a:lumOff val="25000"/>
+            </a:schemeClr>
           </a:solidFill>
           <a:latin typeface="+mn-lt"/>
           <a:ea typeface="+mn-ea"/>
           <a:cs typeface="+mn-cs"/>
         </a:defRPr>
       </a:lvl6pPr>
-      <a:lvl7pPr marL="2971800" indent="-228600" algn="l" defTabSz="914400" rtl="0" eaLnBrk="1" latinLnBrk="0" hangingPunct="1">
-        <a:lnSpc>
-          <a:spcPct val="90000"/>
-        </a:lnSpc>
+      <a:lvl7pPr marL="2971800" indent="-228600" algn="l" defTabSz="457200" rtl="0" eaLnBrk="1" latinLnBrk="0" hangingPunct="1">
         <a:spcBef>
-          <a:spcPts val="500"/>
+          <a:spcPts val="1000"/>
         </a:spcBef>
-        <a:buFont typeface="Arial" panose="020B0604020202020204" pitchFamily="34" charset="0"/>
-        <a:buChar char="•"/>
-        <a:defRPr sz="1800" kern="1200">
+        <a:spcAft>
+          <a:spcPts val="0"/>
+        </a:spcAft>
+        <a:buClr>
+          <a:schemeClr val="accent1"/>
+        </a:buClr>
+        <a:buSzPct val="80000"/>
+        <a:buFont typeface="Wingdings 3" charset="2"/>
+        <a:buChar char=""/>
+        <a:defRPr sz="1200" kern="1200">
           <a:solidFill>
-            <a:schemeClr val="tx1"/>
+            <a:schemeClr val="tx1">
+              <a:lumMod val="75000"/>
+              <a:lumOff val="25000"/>
+            </a:schemeClr>
           </a:solidFill>
           <a:latin typeface="+mn-lt"/>
           <a:ea typeface="+mn-ea"/>
           <a:cs typeface="+mn-cs"/>
         </a:defRPr>
       </a:lvl7pPr>
-      <a:lvl8pPr marL="3429000" indent="-228600" algn="l" defTabSz="914400" rtl="0" eaLnBrk="1" latinLnBrk="0" hangingPunct="1">
-        <a:lnSpc>
-          <a:spcPct val="90000"/>
-        </a:lnSpc>
+      <a:lvl8pPr marL="3429000" indent="-228600" algn="l" defTabSz="457200" rtl="0" eaLnBrk="1" latinLnBrk="0" hangingPunct="1">
         <a:spcBef>
-          <a:spcPts val="500"/>
+          <a:spcPts val="1000"/>
         </a:spcBef>
-        <a:buFont typeface="Arial" panose="020B0604020202020204" pitchFamily="34" charset="0"/>
-        <a:buChar char="•"/>
-        <a:defRPr sz="1800" kern="1200">
+        <a:spcAft>
+          <a:spcPts val="0"/>
+        </a:spcAft>
+        <a:buClr>
+          <a:schemeClr val="accent1"/>
+        </a:buClr>
+        <a:buSzPct val="80000"/>
+        <a:buFont typeface="Wingdings 3" charset="2"/>
+        <a:buChar char=""/>
+        <a:defRPr sz="1200" kern="1200">
           <a:solidFill>
-            <a:schemeClr val="tx1"/>
+            <a:schemeClr val="tx1">
+              <a:lumMod val="75000"/>
+              <a:lumOff val="25000"/>
+            </a:schemeClr>
           </a:solidFill>
           <a:latin typeface="+mn-lt"/>
           <a:ea typeface="+mn-ea"/>
           <a:cs typeface="+mn-cs"/>
         </a:defRPr>
       </a:lvl8pPr>
-      <a:lvl9pPr marL="3886200" indent="-228600" algn="l" defTabSz="914400" rtl="0" eaLnBrk="1" latinLnBrk="0" hangingPunct="1">
-        <a:lnSpc>
-          <a:spcPct val="90000"/>
-        </a:lnSpc>
+      <a:lvl9pPr marL="3886200" indent="-228600" algn="l" defTabSz="457200" rtl="0" eaLnBrk="1" latinLnBrk="0" hangingPunct="1">
         <a:spcBef>
-          <a:spcPts val="500"/>
+          <a:spcPts val="1000"/>
         </a:spcBef>
-        <a:buFont typeface="Arial" panose="020B0604020202020204" pitchFamily="34" charset="0"/>
-        <a:buChar char="•"/>
-        <a:defRPr sz="1800" kern="1200">
+        <a:spcAft>
+          <a:spcPts val="0"/>
+        </a:spcAft>
+        <a:buClr>
+          <a:schemeClr val="accent1"/>
+        </a:buClr>
+        <a:buSzPct val="80000"/>
+        <a:buFont typeface="Wingdings 3" charset="2"/>
+        <a:buChar char=""/>
+        <a:defRPr sz="1200" kern="1200">
           <a:solidFill>
-            <a:schemeClr val="tx1"/>
+            <a:schemeClr val="tx1">
+              <a:lumMod val="75000"/>
+              <a:lumOff val="25000"/>
+            </a:schemeClr>
           </a:solidFill>
           <a:latin typeface="+mn-lt"/>
           <a:ea typeface="+mn-ea"/>
@@ -4851,7 +7354,7 @@
       <a:defPPr>
         <a:defRPr lang="en-US"/>
       </a:defPPr>
-      <a:lvl1pPr marL="0" algn="l" defTabSz="914400" rtl="0" eaLnBrk="1" latinLnBrk="0" hangingPunct="1">
+      <a:lvl1pPr marL="0" algn="l" defTabSz="457200" rtl="0" eaLnBrk="1" latinLnBrk="0" hangingPunct="1">
         <a:defRPr sz="1800" kern="1200">
           <a:solidFill>
             <a:schemeClr val="tx1"/>
@@ -4861,7 +7364,7 @@
           <a:cs typeface="+mn-cs"/>
         </a:defRPr>
       </a:lvl1pPr>
-      <a:lvl2pPr marL="457200" algn="l" defTabSz="914400" rtl="0" eaLnBrk="1" latinLnBrk="0" hangingPunct="1">
+      <a:lvl2pPr marL="457200" algn="l" defTabSz="457200" rtl="0" eaLnBrk="1" latinLnBrk="0" hangingPunct="1">
         <a:defRPr sz="1800" kern="1200">
           <a:solidFill>
             <a:schemeClr val="tx1"/>
@@ -4871,7 +7374,7 @@
           <a:cs typeface="+mn-cs"/>
         </a:defRPr>
       </a:lvl2pPr>
-      <a:lvl3pPr marL="914400" algn="l" defTabSz="914400" rtl="0" eaLnBrk="1" latinLnBrk="0" hangingPunct="1">
+      <a:lvl3pPr marL="914400" algn="l" defTabSz="457200" rtl="0" eaLnBrk="1" latinLnBrk="0" hangingPunct="1">
         <a:defRPr sz="1800" kern="1200">
           <a:solidFill>
             <a:schemeClr val="tx1"/>
@@ -4881,7 +7384,7 @@
           <a:cs typeface="+mn-cs"/>
         </a:defRPr>
       </a:lvl3pPr>
-      <a:lvl4pPr marL="1371600" algn="l" defTabSz="914400" rtl="0" eaLnBrk="1" latinLnBrk="0" hangingPunct="1">
+      <a:lvl4pPr marL="1371600" algn="l" defTabSz="457200" rtl="0" eaLnBrk="1" latinLnBrk="0" hangingPunct="1">
         <a:defRPr sz="1800" kern="1200">
           <a:solidFill>
             <a:schemeClr val="tx1"/>
@@ -4891,7 +7394,7 @@
           <a:cs typeface="+mn-cs"/>
         </a:defRPr>
       </a:lvl4pPr>
-      <a:lvl5pPr marL="1828800" algn="l" defTabSz="914400" rtl="0" eaLnBrk="1" latinLnBrk="0" hangingPunct="1">
+      <a:lvl5pPr marL="1828800" algn="l" defTabSz="457200" rtl="0" eaLnBrk="1" latinLnBrk="0" hangingPunct="1">
         <a:defRPr sz="1800" kern="1200">
           <a:solidFill>
             <a:schemeClr val="tx1"/>
@@ -4901,7 +7404,7 @@
           <a:cs typeface="+mn-cs"/>
         </a:defRPr>
       </a:lvl5pPr>
-      <a:lvl6pPr marL="2286000" algn="l" defTabSz="914400" rtl="0" eaLnBrk="1" latinLnBrk="0" hangingPunct="1">
+      <a:lvl6pPr marL="2286000" algn="l" defTabSz="457200" rtl="0" eaLnBrk="1" latinLnBrk="0" hangingPunct="1">
         <a:defRPr sz="1800" kern="1200">
           <a:solidFill>
             <a:schemeClr val="tx1"/>
@@ -4911,7 +7414,7 @@
           <a:cs typeface="+mn-cs"/>
         </a:defRPr>
       </a:lvl6pPr>
-      <a:lvl7pPr marL="2743200" algn="l" defTabSz="914400" rtl="0" eaLnBrk="1" latinLnBrk="0" hangingPunct="1">
+      <a:lvl7pPr marL="2743200" algn="l" defTabSz="457200" rtl="0" eaLnBrk="1" latinLnBrk="0" hangingPunct="1">
         <a:defRPr sz="1800" kern="1200">
           <a:solidFill>
             <a:schemeClr val="tx1"/>
@@ -4921,7 +7424,7 @@
           <a:cs typeface="+mn-cs"/>
         </a:defRPr>
       </a:lvl7pPr>
-      <a:lvl8pPr marL="3200400" algn="l" defTabSz="914400" rtl="0" eaLnBrk="1" latinLnBrk="0" hangingPunct="1">
+      <a:lvl8pPr marL="3200400" algn="l" defTabSz="457200" rtl="0" eaLnBrk="1" latinLnBrk="0" hangingPunct="1">
         <a:defRPr sz="1800" kern="1200">
           <a:solidFill>
             <a:schemeClr val="tx1"/>
@@ -4931,7 +7434,7 @@
           <a:cs typeface="+mn-cs"/>
         </a:defRPr>
       </a:lvl8pPr>
-      <a:lvl9pPr marL="3657600" algn="l" defTabSz="914400" rtl="0" eaLnBrk="1" latinLnBrk="0" hangingPunct="1">
+      <a:lvl9pPr marL="3657600" algn="l" defTabSz="457200" rtl="0" eaLnBrk="1" latinLnBrk="0" hangingPunct="1">
         <a:defRPr sz="1800" kern="1200">
           <a:solidFill>
             <a:schemeClr val="tx1"/>
@@ -4968,7 +7471,7 @@
           <p:cNvPr id="2" name="Title 1">
             <a:extLst>
               <a:ext uri="{FF2B5EF4-FFF2-40B4-BE49-F238E27FC236}">
-                <a16:creationId xmlns:a16="http://schemas.microsoft.com/office/drawing/2014/main" xmlns="" id="{BD741483-B11E-445B-82D4-F69120BFE4F4}"/>
+                <a16:creationId xmlns="" xmlns:a16="http://schemas.microsoft.com/office/drawing/2014/main" id="{BD741483-B11E-445B-82D4-F69120BFE4F4}"/>
               </a:ext>
             </a:extLst>
           </p:cNvPr>
@@ -4996,7 +7499,7 @@
           <p:cNvPr id="3" name="Subtitle 2">
             <a:extLst>
               <a:ext uri="{FF2B5EF4-FFF2-40B4-BE49-F238E27FC236}">
-                <a16:creationId xmlns:a16="http://schemas.microsoft.com/office/drawing/2014/main" xmlns="" id="{25543615-085F-4258-A2E2-34551553B4FC}"/>
+                <a16:creationId xmlns="" xmlns:a16="http://schemas.microsoft.com/office/drawing/2014/main" id="{25543615-085F-4258-A2E2-34551553B4FC}"/>
               </a:ext>
             </a:extLst>
           </p:cNvPr>
@@ -5051,7 +7554,7 @@
           <p:cNvPr id="2" name="Title 1">
             <a:extLst>
               <a:ext uri="{FF2B5EF4-FFF2-40B4-BE49-F238E27FC236}">
-                <a16:creationId xmlns:a16="http://schemas.microsoft.com/office/drawing/2014/main" xmlns="" id="{99F7D6D0-C3C0-4F7D-85E0-921F9502D6CC}"/>
+                <a16:creationId xmlns="" xmlns:a16="http://schemas.microsoft.com/office/drawing/2014/main" id="{99F7D6D0-C3C0-4F7D-85E0-921F9502D6CC}"/>
               </a:ext>
             </a:extLst>
           </p:cNvPr>
@@ -5079,7 +7582,7 @@
           <p:cNvPr id="4" name="Content Placeholder 3">
             <a:extLst>
               <a:ext uri="{FF2B5EF4-FFF2-40B4-BE49-F238E27FC236}">
-                <a16:creationId xmlns:a16="http://schemas.microsoft.com/office/drawing/2014/main" xmlns="" id="{A2FBB0DC-C13F-4885-9425-924C452E33D9}"/>
+                <a16:creationId xmlns="" xmlns:a16="http://schemas.microsoft.com/office/drawing/2014/main" id="{A2FBB0DC-C13F-4885-9425-924C452E33D9}"/>
               </a:ext>
             </a:extLst>
           </p:cNvPr>
@@ -5091,8 +7594,8 @@
           </p:nvPr>
         </p:nvGraphicFramePr>
         <p:xfrm>
-          <a:off x="838200" y="1825625"/>
-          <a:ext cx="10515600" cy="1483360"/>
+          <a:off x="677863" y="2160588"/>
+          <a:ext cx="8596312" cy="3881437"/>
         </p:xfrm>
         <a:graphic>
           <a:graphicData uri="http://schemas.openxmlformats.org/drawingml/2006/table">
@@ -5101,31 +7604,31 @@
                 <a:tableStyleId>{5940675A-B579-460E-94D1-54222C63F5DA}</a:tableStyleId>
               </a:tblPr>
               <a:tblGrid>
-                <a:gridCol w="2628900">
+                <a:gridCol w="2149078">
                   <a:extLst>
                     <a:ext uri="{9D8B030D-6E8A-4147-A177-3AD203B41FA5}">
-                      <a16:colId xmlns:a16="http://schemas.microsoft.com/office/drawing/2014/main" xmlns="" val="3470846463"/>
+                      <a16:colId xmlns="" xmlns:a16="http://schemas.microsoft.com/office/drawing/2014/main" val="3470846463"/>
                     </a:ext>
                   </a:extLst>
                 </a:gridCol>
-                <a:gridCol w="2628900">
+                <a:gridCol w="2149078">
                   <a:extLst>
                     <a:ext uri="{9D8B030D-6E8A-4147-A177-3AD203B41FA5}">
-                      <a16:colId xmlns:a16="http://schemas.microsoft.com/office/drawing/2014/main" xmlns="" val="3990732175"/>
+                      <a16:colId xmlns="" xmlns:a16="http://schemas.microsoft.com/office/drawing/2014/main" val="3990732175"/>
                     </a:ext>
                   </a:extLst>
                 </a:gridCol>
-                <a:gridCol w="2628900">
+                <a:gridCol w="2149078">
                   <a:extLst>
                     <a:ext uri="{9D8B030D-6E8A-4147-A177-3AD203B41FA5}">
-                      <a16:colId xmlns:a16="http://schemas.microsoft.com/office/drawing/2014/main" xmlns="" val="3113442537"/>
+                      <a16:colId xmlns="" xmlns:a16="http://schemas.microsoft.com/office/drawing/2014/main" val="3113442537"/>
                     </a:ext>
                   </a:extLst>
                 </a:gridCol>
-                <a:gridCol w="2628900">
+                <a:gridCol w="2149078">
                   <a:extLst>
                     <a:ext uri="{9D8B030D-6E8A-4147-A177-3AD203B41FA5}">
-                      <a16:colId xmlns:a16="http://schemas.microsoft.com/office/drawing/2014/main" xmlns="" val="3734812451"/>
+                      <a16:colId xmlns="" xmlns:a16="http://schemas.microsoft.com/office/drawing/2014/main" val="3734812451"/>
                     </a:ext>
                   </a:extLst>
                 </a:gridCol>
@@ -5143,7 +7646,7 @@
                       </a:r>
                     </a:p>
                   </a:txBody>
-                  <a:tcPr/>
+                  <a:tcPr marL="74751" marR="74751"/>
                 </a:tc>
                 <a:tc>
                   <a:txBody>
@@ -5157,7 +7660,7 @@
                       </a:r>
                     </a:p>
                   </a:txBody>
-                  <a:tcPr/>
+                  <a:tcPr marL="74751" marR="74751"/>
                 </a:tc>
                 <a:tc>
                   <a:txBody>
@@ -5171,7 +7674,7 @@
                       </a:r>
                     </a:p>
                   </a:txBody>
-                  <a:tcPr/>
+                  <a:tcPr marL="74751" marR="74751"/>
                 </a:tc>
                 <a:tc>
                   <a:txBody>
@@ -5185,11 +7688,11 @@
                       </a:r>
                     </a:p>
                   </a:txBody>
-                  <a:tcPr/>
+                  <a:tcPr marL="74751" marR="74751"/>
                 </a:tc>
                 <a:extLst>
                   <a:ext uri="{0D108BD9-81ED-4DB2-BD59-A6C34878D82A}">
-                    <a16:rowId xmlns:a16="http://schemas.microsoft.com/office/drawing/2014/main" xmlns="" val="3547791680"/>
+                    <a16:rowId xmlns="" xmlns:a16="http://schemas.microsoft.com/office/drawing/2014/main" val="3547791680"/>
                   </a:ext>
                 </a:extLst>
               </a:tr>
@@ -5206,7 +7709,7 @@
                       </a:r>
                     </a:p>
                   </a:txBody>
-                  <a:tcPr/>
+                  <a:tcPr marL="74751" marR="74751"/>
                 </a:tc>
                 <a:tc>
                   <a:txBody>
@@ -5220,7 +7723,7 @@
                       </a:r>
                     </a:p>
                   </a:txBody>
-                  <a:tcPr/>
+                  <a:tcPr marL="74751" marR="74751"/>
                 </a:tc>
                 <a:tc gridSpan="2">
                   <a:txBody>
@@ -5234,7 +7737,7 @@
                       </a:r>
                     </a:p>
                   </a:txBody>
-                  <a:tcPr/>
+                  <a:tcPr marL="74751" marR="74751"/>
                 </a:tc>
                 <a:tc hMerge="1">
                   <a:txBody>
@@ -5248,7 +7751,7 @@
                 </a:tc>
                 <a:extLst>
                   <a:ext uri="{0D108BD9-81ED-4DB2-BD59-A6C34878D82A}">
-                    <a16:rowId xmlns:a16="http://schemas.microsoft.com/office/drawing/2014/main" xmlns="" val="2673285938"/>
+                    <a16:rowId xmlns="" xmlns:a16="http://schemas.microsoft.com/office/drawing/2014/main" val="2673285938"/>
                   </a:ext>
                 </a:extLst>
               </a:tr>
@@ -5265,7 +7768,7 @@
                       </a:r>
                     </a:p>
                   </a:txBody>
-                  <a:tcPr/>
+                  <a:tcPr marL="74751" marR="74751"/>
                 </a:tc>
                 <a:tc hMerge="1">
                   <a:txBody>
@@ -5299,7 +7802,7 @@
                 </a:tc>
                 <a:extLst>
                   <a:ext uri="{0D108BD9-81ED-4DB2-BD59-A6C34878D82A}">
-                    <a16:rowId xmlns:a16="http://schemas.microsoft.com/office/drawing/2014/main" xmlns="" val="761915796"/>
+                    <a16:rowId xmlns="" xmlns:a16="http://schemas.microsoft.com/office/drawing/2014/main" val="761915796"/>
                   </a:ext>
                 </a:extLst>
               </a:tr>
@@ -5316,7 +7819,7 @@
                       </a:r>
                     </a:p>
                   </a:txBody>
-                  <a:tcPr/>
+                  <a:tcPr marL="74751" marR="74751"/>
                 </a:tc>
                 <a:tc hMerge="1">
                   <a:txBody>
@@ -5350,7 +7853,7 @@
                 </a:tc>
                 <a:extLst>
                   <a:ext uri="{0D108BD9-81ED-4DB2-BD59-A6C34878D82A}">
-                    <a16:rowId xmlns:a16="http://schemas.microsoft.com/office/drawing/2014/main" xmlns="" val="3849345575"/>
+                    <a16:rowId xmlns="" xmlns:a16="http://schemas.microsoft.com/office/drawing/2014/main" val="3849345575"/>
                   </a:ext>
                 </a:extLst>
               </a:tr>
@@ -5393,7 +7896,7 @@
           <p:cNvPr id="2" name="Title 1">
             <a:extLst>
               <a:ext uri="{FF2B5EF4-FFF2-40B4-BE49-F238E27FC236}">
-                <a16:creationId xmlns:a16="http://schemas.microsoft.com/office/drawing/2014/main" xmlns="" id="{0A2A4053-83BE-448D-8877-DBBA7D7FBA62}"/>
+                <a16:creationId xmlns="" xmlns:a16="http://schemas.microsoft.com/office/drawing/2014/main" id="{0A2A4053-83BE-448D-8877-DBBA7D7FBA62}"/>
               </a:ext>
             </a:extLst>
           </p:cNvPr>
@@ -5421,7 +7924,7 @@
           <p:cNvPr id="3" name="Content Placeholder 2">
             <a:extLst>
               <a:ext uri="{FF2B5EF4-FFF2-40B4-BE49-F238E27FC236}">
-                <a16:creationId xmlns:a16="http://schemas.microsoft.com/office/drawing/2014/main" xmlns="" id="{2C05FB4C-A7FE-45D7-A696-BFFC90E02159}"/>
+                <a16:creationId xmlns="" xmlns:a16="http://schemas.microsoft.com/office/drawing/2014/main" id="{2C05FB4C-A7FE-45D7-A696-BFFC90E02159}"/>
               </a:ext>
             </a:extLst>
           </p:cNvPr>
@@ -5556,7 +8059,7 @@
           <p:cNvPr id="6" name="Content Placeholder 3">
             <a:extLst>
               <a:ext uri="{FF2B5EF4-FFF2-40B4-BE49-F238E27FC236}">
-                <a16:creationId xmlns:a16="http://schemas.microsoft.com/office/drawing/2014/main" xmlns="" id="{25204249-12E6-4182-A578-16B88125DAD3}"/>
+                <a16:creationId xmlns="" xmlns:a16="http://schemas.microsoft.com/office/drawing/2014/main" id="{25204249-12E6-4182-A578-16B88125DAD3}"/>
               </a:ext>
             </a:extLst>
           </p:cNvPr>
@@ -5579,28 +8082,28 @@
                 <a:gridCol w="2628900">
                   <a:extLst>
                     <a:ext uri="{9D8B030D-6E8A-4147-A177-3AD203B41FA5}">
-                      <a16:colId xmlns:a16="http://schemas.microsoft.com/office/drawing/2014/main" xmlns="" val="3470846463"/>
+                      <a16:colId xmlns="" xmlns:a16="http://schemas.microsoft.com/office/drawing/2014/main" val="3470846463"/>
                     </a:ext>
                   </a:extLst>
                 </a:gridCol>
                 <a:gridCol w="2628900">
                   <a:extLst>
                     <a:ext uri="{9D8B030D-6E8A-4147-A177-3AD203B41FA5}">
-                      <a16:colId xmlns:a16="http://schemas.microsoft.com/office/drawing/2014/main" xmlns="" val="3990732175"/>
+                      <a16:colId xmlns="" xmlns:a16="http://schemas.microsoft.com/office/drawing/2014/main" val="3990732175"/>
                     </a:ext>
                   </a:extLst>
                 </a:gridCol>
                 <a:gridCol w="2628900">
                   <a:extLst>
                     <a:ext uri="{9D8B030D-6E8A-4147-A177-3AD203B41FA5}">
-                      <a16:colId xmlns:a16="http://schemas.microsoft.com/office/drawing/2014/main" xmlns="" val="3113442537"/>
+                      <a16:colId xmlns="" xmlns:a16="http://schemas.microsoft.com/office/drawing/2014/main" val="3113442537"/>
                     </a:ext>
                   </a:extLst>
                 </a:gridCol>
                 <a:gridCol w="2628900">
                   <a:extLst>
                     <a:ext uri="{9D8B030D-6E8A-4147-A177-3AD203B41FA5}">
-                      <a16:colId xmlns:a16="http://schemas.microsoft.com/office/drawing/2014/main" xmlns="" val="3734812451"/>
+                      <a16:colId xmlns="" xmlns:a16="http://schemas.microsoft.com/office/drawing/2014/main" val="3734812451"/>
                     </a:ext>
                   </a:extLst>
                 </a:gridCol>
@@ -5664,7 +8167,7 @@
                 </a:tc>
                 <a:extLst>
                   <a:ext uri="{0D108BD9-81ED-4DB2-BD59-A6C34878D82A}">
-                    <a16:rowId xmlns:a16="http://schemas.microsoft.com/office/drawing/2014/main" xmlns="" val="3547791680"/>
+                    <a16:rowId xmlns="" xmlns:a16="http://schemas.microsoft.com/office/drawing/2014/main" val="3547791680"/>
                   </a:ext>
                 </a:extLst>
               </a:tr>
@@ -5762,7 +8265,7 @@
                 </a:tc>
                 <a:extLst>
                   <a:ext uri="{0D108BD9-81ED-4DB2-BD59-A6C34878D82A}">
-                    <a16:rowId xmlns:a16="http://schemas.microsoft.com/office/drawing/2014/main" xmlns="" val="2673285938"/>
+                    <a16:rowId xmlns="" xmlns:a16="http://schemas.microsoft.com/office/drawing/2014/main" val="2673285938"/>
                   </a:ext>
                 </a:extLst>
               </a:tr>
@@ -5848,7 +8351,7 @@
                 </a:tc>
                 <a:extLst>
                   <a:ext uri="{0D108BD9-81ED-4DB2-BD59-A6C34878D82A}">
-                    <a16:rowId xmlns:a16="http://schemas.microsoft.com/office/drawing/2014/main" xmlns="" val="761915796"/>
+                    <a16:rowId xmlns="" xmlns:a16="http://schemas.microsoft.com/office/drawing/2014/main" val="761915796"/>
                   </a:ext>
                 </a:extLst>
               </a:tr>
@@ -5910,7 +8413,7 @@
                 </a:tc>
                 <a:extLst>
                   <a:ext uri="{0D108BD9-81ED-4DB2-BD59-A6C34878D82A}">
-                    <a16:rowId xmlns:a16="http://schemas.microsoft.com/office/drawing/2014/main" xmlns="" val="3849345575"/>
+                    <a16:rowId xmlns="" xmlns:a16="http://schemas.microsoft.com/office/drawing/2014/main" val="3849345575"/>
                   </a:ext>
                 </a:extLst>
               </a:tr>
@@ -5953,7 +8456,7 @@
           <p:cNvPr id="2" name="Title 1">
             <a:extLst>
               <a:ext uri="{FF2B5EF4-FFF2-40B4-BE49-F238E27FC236}">
-                <a16:creationId xmlns:a16="http://schemas.microsoft.com/office/drawing/2014/main" xmlns="" id="{0A2A4053-83BE-448D-8877-DBBA7D7FBA62}"/>
+                <a16:creationId xmlns="" xmlns:a16="http://schemas.microsoft.com/office/drawing/2014/main" id="{0A2A4053-83BE-448D-8877-DBBA7D7FBA62}"/>
               </a:ext>
             </a:extLst>
           </p:cNvPr>
@@ -5981,7 +8484,7 @@
           <p:cNvPr id="3" name="Content Placeholder 2">
             <a:extLst>
               <a:ext uri="{FF2B5EF4-FFF2-40B4-BE49-F238E27FC236}">
-                <a16:creationId xmlns:a16="http://schemas.microsoft.com/office/drawing/2014/main" xmlns="" id="{2C05FB4C-A7FE-45D7-A696-BFFC90E02159}"/>
+                <a16:creationId xmlns="" xmlns:a16="http://schemas.microsoft.com/office/drawing/2014/main" id="{2C05FB4C-A7FE-45D7-A696-BFFC90E02159}"/>
               </a:ext>
             </a:extLst>
           </p:cNvPr>
@@ -6000,7 +8503,7 @@
         </p:spPr>
         <p:txBody>
           <a:bodyPr>
-            <a:normAutofit fontScale="92500" lnSpcReduction="10000"/>
+            <a:normAutofit fontScale="92500" lnSpcReduction="20000"/>
           </a:bodyPr>
           <a:lstStyle/>
           <a:p>
@@ -6091,7 +8594,7 @@
           <p:cNvPr id="6" name="Content Placeholder 3">
             <a:extLst>
               <a:ext uri="{FF2B5EF4-FFF2-40B4-BE49-F238E27FC236}">
-                <a16:creationId xmlns:a16="http://schemas.microsoft.com/office/drawing/2014/main" xmlns="" id="{25204249-12E6-4182-A578-16B88125DAD3}"/>
+                <a16:creationId xmlns="" xmlns:a16="http://schemas.microsoft.com/office/drawing/2014/main" id="{25204249-12E6-4182-A578-16B88125DAD3}"/>
               </a:ext>
             </a:extLst>
           </p:cNvPr>
@@ -6114,28 +8617,28 @@
                 <a:gridCol w="2628900">
                   <a:extLst>
                     <a:ext uri="{9D8B030D-6E8A-4147-A177-3AD203B41FA5}">
-                      <a16:colId xmlns:a16="http://schemas.microsoft.com/office/drawing/2014/main" xmlns="" val="3470846463"/>
+                      <a16:colId xmlns="" xmlns:a16="http://schemas.microsoft.com/office/drawing/2014/main" val="3470846463"/>
                     </a:ext>
                   </a:extLst>
                 </a:gridCol>
                 <a:gridCol w="2628900">
                   <a:extLst>
                     <a:ext uri="{9D8B030D-6E8A-4147-A177-3AD203B41FA5}">
-                      <a16:colId xmlns:a16="http://schemas.microsoft.com/office/drawing/2014/main" xmlns="" val="3990732175"/>
+                      <a16:colId xmlns="" xmlns:a16="http://schemas.microsoft.com/office/drawing/2014/main" val="3990732175"/>
                     </a:ext>
                   </a:extLst>
                 </a:gridCol>
                 <a:gridCol w="2628900">
                   <a:extLst>
                     <a:ext uri="{9D8B030D-6E8A-4147-A177-3AD203B41FA5}">
-                      <a16:colId xmlns:a16="http://schemas.microsoft.com/office/drawing/2014/main" xmlns="" val="3113442537"/>
+                      <a16:colId xmlns="" xmlns:a16="http://schemas.microsoft.com/office/drawing/2014/main" val="3113442537"/>
                     </a:ext>
                   </a:extLst>
                 </a:gridCol>
                 <a:gridCol w="2628900">
                   <a:extLst>
                     <a:ext uri="{9D8B030D-6E8A-4147-A177-3AD203B41FA5}">
-                      <a16:colId xmlns:a16="http://schemas.microsoft.com/office/drawing/2014/main" xmlns="" val="3734812451"/>
+                      <a16:colId xmlns="" xmlns:a16="http://schemas.microsoft.com/office/drawing/2014/main" val="3734812451"/>
                     </a:ext>
                   </a:extLst>
                 </a:gridCol>
@@ -6199,7 +8702,7 @@
                 </a:tc>
                 <a:extLst>
                   <a:ext uri="{0D108BD9-81ED-4DB2-BD59-A6C34878D82A}">
-                    <a16:rowId xmlns:a16="http://schemas.microsoft.com/office/drawing/2014/main" xmlns="" val="3547791680"/>
+                    <a16:rowId xmlns="" xmlns:a16="http://schemas.microsoft.com/office/drawing/2014/main" val="3547791680"/>
                   </a:ext>
                 </a:extLst>
               </a:tr>
@@ -6258,7 +8761,7 @@
                 </a:tc>
                 <a:extLst>
                   <a:ext uri="{0D108BD9-81ED-4DB2-BD59-A6C34878D82A}">
-                    <a16:rowId xmlns:a16="http://schemas.microsoft.com/office/drawing/2014/main" xmlns="" val="2673285938"/>
+                    <a16:rowId xmlns="" xmlns:a16="http://schemas.microsoft.com/office/drawing/2014/main" val="2673285938"/>
                   </a:ext>
                 </a:extLst>
               </a:tr>
@@ -6309,7 +8812,7 @@
                 </a:tc>
                 <a:extLst>
                   <a:ext uri="{0D108BD9-81ED-4DB2-BD59-A6C34878D82A}">
-                    <a16:rowId xmlns:a16="http://schemas.microsoft.com/office/drawing/2014/main" xmlns="" val="761915796"/>
+                    <a16:rowId xmlns="" xmlns:a16="http://schemas.microsoft.com/office/drawing/2014/main" val="761915796"/>
                   </a:ext>
                 </a:extLst>
               </a:tr>
@@ -6360,7 +8863,7 @@
                 </a:tc>
                 <a:extLst>
                   <a:ext uri="{0D108BD9-81ED-4DB2-BD59-A6C34878D82A}">
-                    <a16:rowId xmlns:a16="http://schemas.microsoft.com/office/drawing/2014/main" xmlns="" val="3849345575"/>
+                    <a16:rowId xmlns="" xmlns:a16="http://schemas.microsoft.com/office/drawing/2014/main" val="3849345575"/>
                   </a:ext>
                 </a:extLst>
               </a:tr>
@@ -6403,7 +8906,7 @@
           <p:cNvPr id="2" name="Title 1">
             <a:extLst>
               <a:ext uri="{FF2B5EF4-FFF2-40B4-BE49-F238E27FC236}">
-                <a16:creationId xmlns:a16="http://schemas.microsoft.com/office/drawing/2014/main" xmlns="" id="{0A2A4053-83BE-448D-8877-DBBA7D7FBA62}"/>
+                <a16:creationId xmlns="" xmlns:a16="http://schemas.microsoft.com/office/drawing/2014/main" id="{0A2A4053-83BE-448D-8877-DBBA7D7FBA62}"/>
               </a:ext>
             </a:extLst>
           </p:cNvPr>
@@ -6431,7 +8934,7 @@
           <p:cNvPr id="3" name="Content Placeholder 2">
             <a:extLst>
               <a:ext uri="{FF2B5EF4-FFF2-40B4-BE49-F238E27FC236}">
-                <a16:creationId xmlns:a16="http://schemas.microsoft.com/office/drawing/2014/main" xmlns="" id="{2C05FB4C-A7FE-45D7-A696-BFFC90E02159}"/>
+                <a16:creationId xmlns="" xmlns:a16="http://schemas.microsoft.com/office/drawing/2014/main" id="{2C05FB4C-A7FE-45D7-A696-BFFC90E02159}"/>
               </a:ext>
             </a:extLst>
           </p:cNvPr>
@@ -6522,7 +9025,7 @@
           <p:cNvPr id="6" name="Content Placeholder 3">
             <a:extLst>
               <a:ext uri="{FF2B5EF4-FFF2-40B4-BE49-F238E27FC236}">
-                <a16:creationId xmlns:a16="http://schemas.microsoft.com/office/drawing/2014/main" xmlns="" id="{25204249-12E6-4182-A578-16B88125DAD3}"/>
+                <a16:creationId xmlns="" xmlns:a16="http://schemas.microsoft.com/office/drawing/2014/main" id="{25204249-12E6-4182-A578-16B88125DAD3}"/>
               </a:ext>
             </a:extLst>
           </p:cNvPr>
@@ -6545,28 +9048,28 @@
                 <a:gridCol w="2628900">
                   <a:extLst>
                     <a:ext uri="{9D8B030D-6E8A-4147-A177-3AD203B41FA5}">
-                      <a16:colId xmlns:a16="http://schemas.microsoft.com/office/drawing/2014/main" xmlns="" val="3470846463"/>
+                      <a16:colId xmlns="" xmlns:a16="http://schemas.microsoft.com/office/drawing/2014/main" val="3470846463"/>
                     </a:ext>
                   </a:extLst>
                 </a:gridCol>
                 <a:gridCol w="2628900">
                   <a:extLst>
                     <a:ext uri="{9D8B030D-6E8A-4147-A177-3AD203B41FA5}">
-                      <a16:colId xmlns:a16="http://schemas.microsoft.com/office/drawing/2014/main" xmlns="" val="3990732175"/>
+                      <a16:colId xmlns="" xmlns:a16="http://schemas.microsoft.com/office/drawing/2014/main" val="3990732175"/>
                     </a:ext>
                   </a:extLst>
                 </a:gridCol>
                 <a:gridCol w="2628900">
                   <a:extLst>
                     <a:ext uri="{9D8B030D-6E8A-4147-A177-3AD203B41FA5}">
-                      <a16:colId xmlns:a16="http://schemas.microsoft.com/office/drawing/2014/main" xmlns="" val="3113442537"/>
+                      <a16:colId xmlns="" xmlns:a16="http://schemas.microsoft.com/office/drawing/2014/main" val="3113442537"/>
                     </a:ext>
                   </a:extLst>
                 </a:gridCol>
                 <a:gridCol w="2628900">
                   <a:extLst>
                     <a:ext uri="{9D8B030D-6E8A-4147-A177-3AD203B41FA5}">
-                      <a16:colId xmlns:a16="http://schemas.microsoft.com/office/drawing/2014/main" xmlns="" val="3734812451"/>
+                      <a16:colId xmlns="" xmlns:a16="http://schemas.microsoft.com/office/drawing/2014/main" val="3734812451"/>
                     </a:ext>
                   </a:extLst>
                 </a:gridCol>
@@ -6630,7 +9133,7 @@
                 </a:tc>
                 <a:extLst>
                   <a:ext uri="{0D108BD9-81ED-4DB2-BD59-A6C34878D82A}">
-                    <a16:rowId xmlns:a16="http://schemas.microsoft.com/office/drawing/2014/main" xmlns="" val="3547791680"/>
+                    <a16:rowId xmlns="" xmlns:a16="http://schemas.microsoft.com/office/drawing/2014/main" val="3547791680"/>
                   </a:ext>
                 </a:extLst>
               </a:tr>
@@ -6709,7 +9212,7 @@
                 </a:tc>
                 <a:extLst>
                   <a:ext uri="{0D108BD9-81ED-4DB2-BD59-A6C34878D82A}">
-                    <a16:rowId xmlns:a16="http://schemas.microsoft.com/office/drawing/2014/main" xmlns="" val="2673285938"/>
+                    <a16:rowId xmlns="" xmlns:a16="http://schemas.microsoft.com/office/drawing/2014/main" val="2673285938"/>
                   </a:ext>
                 </a:extLst>
               </a:tr>
@@ -6771,7 +9274,7 @@
                 </a:tc>
                 <a:extLst>
                   <a:ext uri="{0D108BD9-81ED-4DB2-BD59-A6C34878D82A}">
-                    <a16:rowId xmlns:a16="http://schemas.microsoft.com/office/drawing/2014/main" xmlns="" val="761915796"/>
+                    <a16:rowId xmlns="" xmlns:a16="http://schemas.microsoft.com/office/drawing/2014/main" val="761915796"/>
                   </a:ext>
                 </a:extLst>
               </a:tr>
@@ -6822,7 +9325,7 @@
                 </a:tc>
                 <a:extLst>
                   <a:ext uri="{0D108BD9-81ED-4DB2-BD59-A6C34878D82A}">
-                    <a16:rowId xmlns:a16="http://schemas.microsoft.com/office/drawing/2014/main" xmlns="" val="3849345575"/>
+                    <a16:rowId xmlns="" xmlns:a16="http://schemas.microsoft.com/office/drawing/2014/main" val="3849345575"/>
                   </a:ext>
                 </a:extLst>
               </a:tr>
@@ -6865,7 +9368,7 @@
           <p:cNvPr id="2" name="Title 1">
             <a:extLst>
               <a:ext uri="{FF2B5EF4-FFF2-40B4-BE49-F238E27FC236}">
-                <a16:creationId xmlns:a16="http://schemas.microsoft.com/office/drawing/2014/main" xmlns="" id="{0A2A4053-83BE-448D-8877-DBBA7D7FBA62}"/>
+                <a16:creationId xmlns="" xmlns:a16="http://schemas.microsoft.com/office/drawing/2014/main" id="{0A2A4053-83BE-448D-8877-DBBA7D7FBA62}"/>
               </a:ext>
             </a:extLst>
           </p:cNvPr>
@@ -6893,7 +9396,7 @@
           <p:cNvPr id="3" name="Content Placeholder 2">
             <a:extLst>
               <a:ext uri="{FF2B5EF4-FFF2-40B4-BE49-F238E27FC236}">
-                <a16:creationId xmlns:a16="http://schemas.microsoft.com/office/drawing/2014/main" xmlns="" id="{2C05FB4C-A7FE-45D7-A696-BFFC90E02159}"/>
+                <a16:creationId xmlns="" xmlns:a16="http://schemas.microsoft.com/office/drawing/2014/main" id="{2C05FB4C-A7FE-45D7-A696-BFFC90E02159}"/>
               </a:ext>
             </a:extLst>
           </p:cNvPr>
@@ -7032,7 +9535,7 @@
           <p:cNvPr id="6" name="Content Placeholder 3">
             <a:extLst>
               <a:ext uri="{FF2B5EF4-FFF2-40B4-BE49-F238E27FC236}">
-                <a16:creationId xmlns:a16="http://schemas.microsoft.com/office/drawing/2014/main" xmlns="" id="{25204249-12E6-4182-A578-16B88125DAD3}"/>
+                <a16:creationId xmlns="" xmlns:a16="http://schemas.microsoft.com/office/drawing/2014/main" id="{25204249-12E6-4182-A578-16B88125DAD3}"/>
               </a:ext>
             </a:extLst>
           </p:cNvPr>
@@ -7055,28 +9558,28 @@
                 <a:gridCol w="2628900">
                   <a:extLst>
                     <a:ext uri="{9D8B030D-6E8A-4147-A177-3AD203B41FA5}">
-                      <a16:colId xmlns:a16="http://schemas.microsoft.com/office/drawing/2014/main" xmlns="" val="3470846463"/>
+                      <a16:colId xmlns="" xmlns:a16="http://schemas.microsoft.com/office/drawing/2014/main" val="3470846463"/>
                     </a:ext>
                   </a:extLst>
                 </a:gridCol>
                 <a:gridCol w="2628900">
                   <a:extLst>
                     <a:ext uri="{9D8B030D-6E8A-4147-A177-3AD203B41FA5}">
-                      <a16:colId xmlns:a16="http://schemas.microsoft.com/office/drawing/2014/main" xmlns="" val="3990732175"/>
+                      <a16:colId xmlns="" xmlns:a16="http://schemas.microsoft.com/office/drawing/2014/main" val="3990732175"/>
                     </a:ext>
                   </a:extLst>
                 </a:gridCol>
                 <a:gridCol w="2628900">
                   <a:extLst>
                     <a:ext uri="{9D8B030D-6E8A-4147-A177-3AD203B41FA5}">
-                      <a16:colId xmlns:a16="http://schemas.microsoft.com/office/drawing/2014/main" xmlns="" val="3113442537"/>
+                      <a16:colId xmlns="" xmlns:a16="http://schemas.microsoft.com/office/drawing/2014/main" val="3113442537"/>
                     </a:ext>
                   </a:extLst>
                 </a:gridCol>
                 <a:gridCol w="2628900">
                   <a:extLst>
                     <a:ext uri="{9D8B030D-6E8A-4147-A177-3AD203B41FA5}">
-                      <a16:colId xmlns:a16="http://schemas.microsoft.com/office/drawing/2014/main" xmlns="" val="3734812451"/>
+                      <a16:colId xmlns="" xmlns:a16="http://schemas.microsoft.com/office/drawing/2014/main" val="3734812451"/>
                     </a:ext>
                   </a:extLst>
                 </a:gridCol>
@@ -7140,7 +9643,7 @@
                 </a:tc>
                 <a:extLst>
                   <a:ext uri="{0D108BD9-81ED-4DB2-BD59-A6C34878D82A}">
-                    <a16:rowId xmlns:a16="http://schemas.microsoft.com/office/drawing/2014/main" xmlns="" val="3547791680"/>
+                    <a16:rowId xmlns="" xmlns:a16="http://schemas.microsoft.com/office/drawing/2014/main" val="3547791680"/>
                   </a:ext>
                 </a:extLst>
               </a:tr>
@@ -7219,7 +9722,7 @@
                 </a:tc>
                 <a:extLst>
                   <a:ext uri="{0D108BD9-81ED-4DB2-BD59-A6C34878D82A}">
-                    <a16:rowId xmlns:a16="http://schemas.microsoft.com/office/drawing/2014/main" xmlns="" val="2673285938"/>
+                    <a16:rowId xmlns="" xmlns:a16="http://schemas.microsoft.com/office/drawing/2014/main" val="2673285938"/>
                   </a:ext>
                 </a:extLst>
               </a:tr>
@@ -7281,7 +9784,7 @@
                 </a:tc>
                 <a:extLst>
                   <a:ext uri="{0D108BD9-81ED-4DB2-BD59-A6C34878D82A}">
-                    <a16:rowId xmlns:a16="http://schemas.microsoft.com/office/drawing/2014/main" xmlns="" val="761915796"/>
+                    <a16:rowId xmlns="" xmlns:a16="http://schemas.microsoft.com/office/drawing/2014/main" val="761915796"/>
                   </a:ext>
                 </a:extLst>
               </a:tr>
@@ -7332,7 +9835,7 @@
                 </a:tc>
                 <a:extLst>
                   <a:ext uri="{0D108BD9-81ED-4DB2-BD59-A6C34878D82A}">
-                    <a16:rowId xmlns:a16="http://schemas.microsoft.com/office/drawing/2014/main" xmlns="" val="3849345575"/>
+                    <a16:rowId xmlns="" xmlns:a16="http://schemas.microsoft.com/office/drawing/2014/main" val="3849345575"/>
                   </a:ext>
                 </a:extLst>
               </a:tr>
@@ -7375,7 +9878,7 @@
           <p:cNvPr id="2" name="Title 1">
             <a:extLst>
               <a:ext uri="{FF2B5EF4-FFF2-40B4-BE49-F238E27FC236}">
-                <a16:creationId xmlns:a16="http://schemas.microsoft.com/office/drawing/2014/main" xmlns="" id="{0A2A4053-83BE-448D-8877-DBBA7D7FBA62}"/>
+                <a16:creationId xmlns="" xmlns:a16="http://schemas.microsoft.com/office/drawing/2014/main" id="{0A2A4053-83BE-448D-8877-DBBA7D7FBA62}"/>
               </a:ext>
             </a:extLst>
           </p:cNvPr>
@@ -7403,7 +9906,7 @@
           <p:cNvPr id="3" name="Content Placeholder 2">
             <a:extLst>
               <a:ext uri="{FF2B5EF4-FFF2-40B4-BE49-F238E27FC236}">
-                <a16:creationId xmlns:a16="http://schemas.microsoft.com/office/drawing/2014/main" xmlns="" id="{2C05FB4C-A7FE-45D7-A696-BFFC90E02159}"/>
+                <a16:creationId xmlns="" xmlns:a16="http://schemas.microsoft.com/office/drawing/2014/main" id="{2C05FB4C-A7FE-45D7-A696-BFFC90E02159}"/>
               </a:ext>
             </a:extLst>
           </p:cNvPr>
@@ -7540,7 +10043,7 @@
           <p:cNvPr id="6" name="Content Placeholder 3">
             <a:extLst>
               <a:ext uri="{FF2B5EF4-FFF2-40B4-BE49-F238E27FC236}">
-                <a16:creationId xmlns:a16="http://schemas.microsoft.com/office/drawing/2014/main" xmlns="" id="{25204249-12E6-4182-A578-16B88125DAD3}"/>
+                <a16:creationId xmlns="" xmlns:a16="http://schemas.microsoft.com/office/drawing/2014/main" id="{25204249-12E6-4182-A578-16B88125DAD3}"/>
               </a:ext>
             </a:extLst>
           </p:cNvPr>
@@ -7563,28 +10066,28 @@
                 <a:gridCol w="2628900">
                   <a:extLst>
                     <a:ext uri="{9D8B030D-6E8A-4147-A177-3AD203B41FA5}">
-                      <a16:colId xmlns:a16="http://schemas.microsoft.com/office/drawing/2014/main" xmlns="" val="3470846463"/>
+                      <a16:colId xmlns="" xmlns:a16="http://schemas.microsoft.com/office/drawing/2014/main" val="3470846463"/>
                     </a:ext>
                   </a:extLst>
                 </a:gridCol>
                 <a:gridCol w="2628900">
                   <a:extLst>
                     <a:ext uri="{9D8B030D-6E8A-4147-A177-3AD203B41FA5}">
-                      <a16:colId xmlns:a16="http://schemas.microsoft.com/office/drawing/2014/main" xmlns="" val="3990732175"/>
+                      <a16:colId xmlns="" xmlns:a16="http://schemas.microsoft.com/office/drawing/2014/main" val="3990732175"/>
                     </a:ext>
                   </a:extLst>
                 </a:gridCol>
                 <a:gridCol w="2628900">
                   <a:extLst>
                     <a:ext uri="{9D8B030D-6E8A-4147-A177-3AD203B41FA5}">
-                      <a16:colId xmlns:a16="http://schemas.microsoft.com/office/drawing/2014/main" xmlns="" val="3113442537"/>
+                      <a16:colId xmlns="" xmlns:a16="http://schemas.microsoft.com/office/drawing/2014/main" val="3113442537"/>
                     </a:ext>
                   </a:extLst>
                 </a:gridCol>
                 <a:gridCol w="2628900">
                   <a:extLst>
                     <a:ext uri="{9D8B030D-6E8A-4147-A177-3AD203B41FA5}">
-                      <a16:colId xmlns:a16="http://schemas.microsoft.com/office/drawing/2014/main" xmlns="" val="3734812451"/>
+                      <a16:colId xmlns="" xmlns:a16="http://schemas.microsoft.com/office/drawing/2014/main" val="3734812451"/>
                     </a:ext>
                   </a:extLst>
                 </a:gridCol>
@@ -7648,7 +10151,7 @@
                 </a:tc>
                 <a:extLst>
                   <a:ext uri="{0D108BD9-81ED-4DB2-BD59-A6C34878D82A}">
-                    <a16:rowId xmlns:a16="http://schemas.microsoft.com/office/drawing/2014/main" xmlns="" val="3547791680"/>
+                    <a16:rowId xmlns="" xmlns:a16="http://schemas.microsoft.com/office/drawing/2014/main" val="3547791680"/>
                   </a:ext>
                 </a:extLst>
               </a:tr>
@@ -7707,7 +10210,7 @@
                 </a:tc>
                 <a:extLst>
                   <a:ext uri="{0D108BD9-81ED-4DB2-BD59-A6C34878D82A}">
-                    <a16:rowId xmlns:a16="http://schemas.microsoft.com/office/drawing/2014/main" xmlns="" val="2673285938"/>
+                    <a16:rowId xmlns="" xmlns:a16="http://schemas.microsoft.com/office/drawing/2014/main" val="2673285938"/>
                   </a:ext>
                 </a:extLst>
               </a:tr>
@@ -7758,7 +10261,7 @@
                 </a:tc>
                 <a:extLst>
                   <a:ext uri="{0D108BD9-81ED-4DB2-BD59-A6C34878D82A}">
-                    <a16:rowId xmlns:a16="http://schemas.microsoft.com/office/drawing/2014/main" xmlns="" val="761915796"/>
+                    <a16:rowId xmlns="" xmlns:a16="http://schemas.microsoft.com/office/drawing/2014/main" val="761915796"/>
                   </a:ext>
                 </a:extLst>
               </a:tr>
@@ -7809,7 +10312,7 @@
                 </a:tc>
                 <a:extLst>
                   <a:ext uri="{0D108BD9-81ED-4DB2-BD59-A6C34878D82A}">
-                    <a16:rowId xmlns:a16="http://schemas.microsoft.com/office/drawing/2014/main" xmlns="" val="3849345575"/>
+                    <a16:rowId xmlns="" xmlns:a16="http://schemas.microsoft.com/office/drawing/2014/main" val="3849345575"/>
                   </a:ext>
                 </a:extLst>
               </a:tr>
@@ -7852,7 +10355,7 @@
           <p:cNvPr id="2" name="Title 1">
             <a:extLst>
               <a:ext uri="{FF2B5EF4-FFF2-40B4-BE49-F238E27FC236}">
-                <a16:creationId xmlns:a16="http://schemas.microsoft.com/office/drawing/2014/main" xmlns="" id="{0A2A4053-83BE-448D-8877-DBBA7D7FBA62}"/>
+                <a16:creationId xmlns="" xmlns:a16="http://schemas.microsoft.com/office/drawing/2014/main" id="{0A2A4053-83BE-448D-8877-DBBA7D7FBA62}"/>
               </a:ext>
             </a:extLst>
           </p:cNvPr>
@@ -7880,7 +10383,7 @@
           <p:cNvPr id="3" name="Content Placeholder 2">
             <a:extLst>
               <a:ext uri="{FF2B5EF4-FFF2-40B4-BE49-F238E27FC236}">
-                <a16:creationId xmlns:a16="http://schemas.microsoft.com/office/drawing/2014/main" xmlns="" id="{2C05FB4C-A7FE-45D7-A696-BFFC90E02159}"/>
+                <a16:creationId xmlns="" xmlns:a16="http://schemas.microsoft.com/office/drawing/2014/main" id="{2C05FB4C-A7FE-45D7-A696-BFFC90E02159}"/>
               </a:ext>
             </a:extLst>
           </p:cNvPr>
@@ -8006,7 +10509,7 @@
           <p:cNvPr id="6" name="Content Placeholder 3">
             <a:extLst>
               <a:ext uri="{FF2B5EF4-FFF2-40B4-BE49-F238E27FC236}">
-                <a16:creationId xmlns:a16="http://schemas.microsoft.com/office/drawing/2014/main" xmlns="" id="{25204249-12E6-4182-A578-16B88125DAD3}"/>
+                <a16:creationId xmlns="" xmlns:a16="http://schemas.microsoft.com/office/drawing/2014/main" id="{25204249-12E6-4182-A578-16B88125DAD3}"/>
               </a:ext>
             </a:extLst>
           </p:cNvPr>
@@ -8029,28 +10532,28 @@
                 <a:gridCol w="2628900">
                   <a:extLst>
                     <a:ext uri="{9D8B030D-6E8A-4147-A177-3AD203B41FA5}">
-                      <a16:colId xmlns:a16="http://schemas.microsoft.com/office/drawing/2014/main" xmlns="" val="3470846463"/>
+                      <a16:colId xmlns="" xmlns:a16="http://schemas.microsoft.com/office/drawing/2014/main" val="3470846463"/>
                     </a:ext>
                   </a:extLst>
                 </a:gridCol>
                 <a:gridCol w="2628900">
                   <a:extLst>
                     <a:ext uri="{9D8B030D-6E8A-4147-A177-3AD203B41FA5}">
-                      <a16:colId xmlns:a16="http://schemas.microsoft.com/office/drawing/2014/main" xmlns="" val="3990732175"/>
+                      <a16:colId xmlns="" xmlns:a16="http://schemas.microsoft.com/office/drawing/2014/main" val="3990732175"/>
                     </a:ext>
                   </a:extLst>
                 </a:gridCol>
                 <a:gridCol w="2628900">
                   <a:extLst>
                     <a:ext uri="{9D8B030D-6E8A-4147-A177-3AD203B41FA5}">
-                      <a16:colId xmlns:a16="http://schemas.microsoft.com/office/drawing/2014/main" xmlns="" val="3113442537"/>
+                      <a16:colId xmlns="" xmlns:a16="http://schemas.microsoft.com/office/drawing/2014/main" val="3113442537"/>
                     </a:ext>
                   </a:extLst>
                 </a:gridCol>
                 <a:gridCol w="2628900">
                   <a:extLst>
                     <a:ext uri="{9D8B030D-6E8A-4147-A177-3AD203B41FA5}">
-                      <a16:colId xmlns:a16="http://schemas.microsoft.com/office/drawing/2014/main" xmlns="" val="3734812451"/>
+                      <a16:colId xmlns="" xmlns:a16="http://schemas.microsoft.com/office/drawing/2014/main" val="3734812451"/>
                     </a:ext>
                   </a:extLst>
                 </a:gridCol>
@@ -8114,7 +10617,7 @@
                 </a:tc>
                 <a:extLst>
                   <a:ext uri="{0D108BD9-81ED-4DB2-BD59-A6C34878D82A}">
-                    <a16:rowId xmlns:a16="http://schemas.microsoft.com/office/drawing/2014/main" xmlns="" val="3547791680"/>
+                    <a16:rowId xmlns="" xmlns:a16="http://schemas.microsoft.com/office/drawing/2014/main" val="3547791680"/>
                   </a:ext>
                 </a:extLst>
               </a:tr>
@@ -8193,7 +10696,7 @@
                 </a:tc>
                 <a:extLst>
                   <a:ext uri="{0D108BD9-81ED-4DB2-BD59-A6C34878D82A}">
-                    <a16:rowId xmlns:a16="http://schemas.microsoft.com/office/drawing/2014/main" xmlns="" val="2673285938"/>
+                    <a16:rowId xmlns="" xmlns:a16="http://schemas.microsoft.com/office/drawing/2014/main" val="2673285938"/>
                   </a:ext>
                 </a:extLst>
               </a:tr>
@@ -8268,7 +10771,7 @@
                 </a:tc>
                 <a:extLst>
                   <a:ext uri="{0D108BD9-81ED-4DB2-BD59-A6C34878D82A}">
-                    <a16:rowId xmlns:a16="http://schemas.microsoft.com/office/drawing/2014/main" xmlns="" val="761915796"/>
+                    <a16:rowId xmlns="" xmlns:a16="http://schemas.microsoft.com/office/drawing/2014/main" val="761915796"/>
                   </a:ext>
                 </a:extLst>
               </a:tr>
@@ -8319,7 +10822,7 @@
                 </a:tc>
                 <a:extLst>
                   <a:ext uri="{0D108BD9-81ED-4DB2-BD59-A6C34878D82A}">
-                    <a16:rowId xmlns:a16="http://schemas.microsoft.com/office/drawing/2014/main" xmlns="" val="3849345575"/>
+                    <a16:rowId xmlns="" xmlns:a16="http://schemas.microsoft.com/office/drawing/2014/main" val="3849345575"/>
                   </a:ext>
                 </a:extLst>
               </a:tr>
@@ -8362,7 +10865,7 @@
           <p:cNvPr id="2" name="Title 1">
             <a:extLst>
               <a:ext uri="{FF2B5EF4-FFF2-40B4-BE49-F238E27FC236}">
-                <a16:creationId xmlns:a16="http://schemas.microsoft.com/office/drawing/2014/main" xmlns="" id="{0A2A4053-83BE-448D-8877-DBBA7D7FBA62}"/>
+                <a16:creationId xmlns="" xmlns:a16="http://schemas.microsoft.com/office/drawing/2014/main" id="{0A2A4053-83BE-448D-8877-DBBA7D7FBA62}"/>
               </a:ext>
             </a:extLst>
           </p:cNvPr>
@@ -8408,7 +10911,7 @@
           <p:cNvPr id="3" name="Content Placeholder 2">
             <a:extLst>
               <a:ext uri="{FF2B5EF4-FFF2-40B4-BE49-F238E27FC236}">
-                <a16:creationId xmlns:a16="http://schemas.microsoft.com/office/drawing/2014/main" xmlns="" id="{2C05FB4C-A7FE-45D7-A696-BFFC90E02159}"/>
+                <a16:creationId xmlns="" xmlns:a16="http://schemas.microsoft.com/office/drawing/2014/main" id="{2C05FB4C-A7FE-45D7-A696-BFFC90E02159}"/>
               </a:ext>
             </a:extLst>
           </p:cNvPr>
@@ -8512,7 +11015,7 @@
           <p:cNvPr id="6" name="Content Placeholder 3">
             <a:extLst>
               <a:ext uri="{FF2B5EF4-FFF2-40B4-BE49-F238E27FC236}">
-                <a16:creationId xmlns:a16="http://schemas.microsoft.com/office/drawing/2014/main" xmlns="" id="{25204249-12E6-4182-A578-16B88125DAD3}"/>
+                <a16:creationId xmlns="" xmlns:a16="http://schemas.microsoft.com/office/drawing/2014/main" id="{25204249-12E6-4182-A578-16B88125DAD3}"/>
               </a:ext>
             </a:extLst>
           </p:cNvPr>
@@ -8535,28 +11038,28 @@
                 <a:gridCol w="2628900">
                   <a:extLst>
                     <a:ext uri="{9D8B030D-6E8A-4147-A177-3AD203B41FA5}">
-                      <a16:colId xmlns:a16="http://schemas.microsoft.com/office/drawing/2014/main" xmlns="" val="3470846463"/>
+                      <a16:colId xmlns="" xmlns:a16="http://schemas.microsoft.com/office/drawing/2014/main" val="3470846463"/>
                     </a:ext>
                   </a:extLst>
                 </a:gridCol>
                 <a:gridCol w="2628900">
                   <a:extLst>
                     <a:ext uri="{9D8B030D-6E8A-4147-A177-3AD203B41FA5}">
-                      <a16:colId xmlns:a16="http://schemas.microsoft.com/office/drawing/2014/main" xmlns="" val="3990732175"/>
+                      <a16:colId xmlns="" xmlns:a16="http://schemas.microsoft.com/office/drawing/2014/main" val="3990732175"/>
                     </a:ext>
                   </a:extLst>
                 </a:gridCol>
                 <a:gridCol w="2628900">
                   <a:extLst>
                     <a:ext uri="{9D8B030D-6E8A-4147-A177-3AD203B41FA5}">
-                      <a16:colId xmlns:a16="http://schemas.microsoft.com/office/drawing/2014/main" xmlns="" val="3113442537"/>
+                      <a16:colId xmlns="" xmlns:a16="http://schemas.microsoft.com/office/drawing/2014/main" val="3113442537"/>
                     </a:ext>
                   </a:extLst>
                 </a:gridCol>
                 <a:gridCol w="2628900">
                   <a:extLst>
                     <a:ext uri="{9D8B030D-6E8A-4147-A177-3AD203B41FA5}">
-                      <a16:colId xmlns:a16="http://schemas.microsoft.com/office/drawing/2014/main" xmlns="" val="3734812451"/>
+                      <a16:colId xmlns="" xmlns:a16="http://schemas.microsoft.com/office/drawing/2014/main" val="3734812451"/>
                     </a:ext>
                   </a:extLst>
                 </a:gridCol>
@@ -8620,7 +11123,7 @@
                 </a:tc>
                 <a:extLst>
                   <a:ext uri="{0D108BD9-81ED-4DB2-BD59-A6C34878D82A}">
-                    <a16:rowId xmlns:a16="http://schemas.microsoft.com/office/drawing/2014/main" xmlns="" val="3547791680"/>
+                    <a16:rowId xmlns="" xmlns:a16="http://schemas.microsoft.com/office/drawing/2014/main" val="3547791680"/>
                   </a:ext>
                 </a:extLst>
               </a:tr>
@@ -8699,7 +11202,7 @@
                 </a:tc>
                 <a:extLst>
                   <a:ext uri="{0D108BD9-81ED-4DB2-BD59-A6C34878D82A}">
-                    <a16:rowId xmlns:a16="http://schemas.microsoft.com/office/drawing/2014/main" xmlns="" val="2673285938"/>
+                    <a16:rowId xmlns="" xmlns:a16="http://schemas.microsoft.com/office/drawing/2014/main" val="2673285938"/>
                   </a:ext>
                 </a:extLst>
               </a:tr>
@@ -8774,7 +11277,7 @@
                 </a:tc>
                 <a:extLst>
                   <a:ext uri="{0D108BD9-81ED-4DB2-BD59-A6C34878D82A}">
-                    <a16:rowId xmlns:a16="http://schemas.microsoft.com/office/drawing/2014/main" xmlns="" val="761915796"/>
+                    <a16:rowId xmlns="" xmlns:a16="http://schemas.microsoft.com/office/drawing/2014/main" val="761915796"/>
                   </a:ext>
                 </a:extLst>
               </a:tr>
@@ -8836,7 +11339,7 @@
                 </a:tc>
                 <a:extLst>
                   <a:ext uri="{0D108BD9-81ED-4DB2-BD59-A6C34878D82A}">
-                    <a16:rowId xmlns:a16="http://schemas.microsoft.com/office/drawing/2014/main" xmlns="" val="10003"/>
+                    <a16:rowId xmlns="" xmlns:a16="http://schemas.microsoft.com/office/drawing/2014/main" val="10003"/>
                   </a:ext>
                 </a:extLst>
               </a:tr>
@@ -8898,7 +11401,7 @@
                 </a:tc>
                 <a:extLst>
                   <a:ext uri="{0D108BD9-81ED-4DB2-BD59-A6C34878D82A}">
-                    <a16:rowId xmlns:a16="http://schemas.microsoft.com/office/drawing/2014/main" xmlns="" val="10004"/>
+                    <a16:rowId xmlns="" xmlns:a16="http://schemas.microsoft.com/office/drawing/2014/main" val="10004"/>
                   </a:ext>
                 </a:extLst>
               </a:tr>
@@ -8960,7 +11463,7 @@
                 </a:tc>
                 <a:extLst>
                   <a:ext uri="{0D108BD9-81ED-4DB2-BD59-A6C34878D82A}">
-                    <a16:rowId xmlns:a16="http://schemas.microsoft.com/office/drawing/2014/main" xmlns="" val="10005"/>
+                    <a16:rowId xmlns="" xmlns:a16="http://schemas.microsoft.com/office/drawing/2014/main" val="10005"/>
                   </a:ext>
                 </a:extLst>
               </a:tr>
@@ -9003,7 +11506,7 @@
           <p:cNvPr id="2" name="Title 1">
             <a:extLst>
               <a:ext uri="{FF2B5EF4-FFF2-40B4-BE49-F238E27FC236}">
-                <a16:creationId xmlns:a16="http://schemas.microsoft.com/office/drawing/2014/main" xmlns="" id="{0A2A4053-83BE-448D-8877-DBBA7D7FBA62}"/>
+                <a16:creationId xmlns="" xmlns:a16="http://schemas.microsoft.com/office/drawing/2014/main" id="{0A2A4053-83BE-448D-8877-DBBA7D7FBA62}"/>
               </a:ext>
             </a:extLst>
           </p:cNvPr>
@@ -9049,7 +11552,7 @@
           <p:cNvPr id="3" name="Content Placeholder 2">
             <a:extLst>
               <a:ext uri="{FF2B5EF4-FFF2-40B4-BE49-F238E27FC236}">
-                <a16:creationId xmlns:a16="http://schemas.microsoft.com/office/drawing/2014/main" xmlns="" id="{2C05FB4C-A7FE-45D7-A696-BFFC90E02159}"/>
+                <a16:creationId xmlns="" xmlns:a16="http://schemas.microsoft.com/office/drawing/2014/main" id="{2C05FB4C-A7FE-45D7-A696-BFFC90E02159}"/>
               </a:ext>
             </a:extLst>
           </p:cNvPr>
@@ -9123,7 +11626,7 @@
           <p:cNvPr id="6" name="Content Placeholder 3">
             <a:extLst>
               <a:ext uri="{FF2B5EF4-FFF2-40B4-BE49-F238E27FC236}">
-                <a16:creationId xmlns:a16="http://schemas.microsoft.com/office/drawing/2014/main" xmlns="" id="{25204249-12E6-4182-A578-16B88125DAD3}"/>
+                <a16:creationId xmlns="" xmlns:a16="http://schemas.microsoft.com/office/drawing/2014/main" id="{25204249-12E6-4182-A578-16B88125DAD3}"/>
               </a:ext>
             </a:extLst>
           </p:cNvPr>
@@ -9146,28 +11649,28 @@
                 <a:gridCol w="2628900">
                   <a:extLst>
                     <a:ext uri="{9D8B030D-6E8A-4147-A177-3AD203B41FA5}">
-                      <a16:colId xmlns:a16="http://schemas.microsoft.com/office/drawing/2014/main" xmlns="" val="3470846463"/>
+                      <a16:colId xmlns="" xmlns:a16="http://schemas.microsoft.com/office/drawing/2014/main" val="3470846463"/>
                     </a:ext>
                   </a:extLst>
                 </a:gridCol>
                 <a:gridCol w="2628900">
                   <a:extLst>
                     <a:ext uri="{9D8B030D-6E8A-4147-A177-3AD203B41FA5}">
-                      <a16:colId xmlns:a16="http://schemas.microsoft.com/office/drawing/2014/main" xmlns="" val="3990732175"/>
+                      <a16:colId xmlns="" xmlns:a16="http://schemas.microsoft.com/office/drawing/2014/main" val="3990732175"/>
                     </a:ext>
                   </a:extLst>
                 </a:gridCol>
                 <a:gridCol w="2628900">
                   <a:extLst>
                     <a:ext uri="{9D8B030D-6E8A-4147-A177-3AD203B41FA5}">
-                      <a16:colId xmlns:a16="http://schemas.microsoft.com/office/drawing/2014/main" xmlns="" val="3113442537"/>
+                      <a16:colId xmlns="" xmlns:a16="http://schemas.microsoft.com/office/drawing/2014/main" val="3113442537"/>
                     </a:ext>
                   </a:extLst>
                 </a:gridCol>
                 <a:gridCol w="2628900">
                   <a:extLst>
                     <a:ext uri="{9D8B030D-6E8A-4147-A177-3AD203B41FA5}">
-                      <a16:colId xmlns:a16="http://schemas.microsoft.com/office/drawing/2014/main" xmlns="" val="3734812451"/>
+                      <a16:colId xmlns="" xmlns:a16="http://schemas.microsoft.com/office/drawing/2014/main" val="3734812451"/>
                     </a:ext>
                   </a:extLst>
                 </a:gridCol>
@@ -9231,7 +11734,7 @@
                 </a:tc>
                 <a:extLst>
                   <a:ext uri="{0D108BD9-81ED-4DB2-BD59-A6C34878D82A}">
-                    <a16:rowId xmlns:a16="http://schemas.microsoft.com/office/drawing/2014/main" xmlns="" val="3547791680"/>
+                    <a16:rowId xmlns="" xmlns:a16="http://schemas.microsoft.com/office/drawing/2014/main" val="3547791680"/>
                   </a:ext>
                 </a:extLst>
               </a:tr>
@@ -9310,7 +11813,7 @@
                 </a:tc>
                 <a:extLst>
                   <a:ext uri="{0D108BD9-81ED-4DB2-BD59-A6C34878D82A}">
-                    <a16:rowId xmlns:a16="http://schemas.microsoft.com/office/drawing/2014/main" xmlns="" val="2673285938"/>
+                    <a16:rowId xmlns="" xmlns:a16="http://schemas.microsoft.com/office/drawing/2014/main" val="2673285938"/>
                   </a:ext>
                 </a:extLst>
               </a:tr>
@@ -9385,7 +11888,7 @@
                 </a:tc>
                 <a:extLst>
                   <a:ext uri="{0D108BD9-81ED-4DB2-BD59-A6C34878D82A}">
-                    <a16:rowId xmlns:a16="http://schemas.microsoft.com/office/drawing/2014/main" xmlns="" val="761915796"/>
+                    <a16:rowId xmlns="" xmlns:a16="http://schemas.microsoft.com/office/drawing/2014/main" val="761915796"/>
                   </a:ext>
                 </a:extLst>
               </a:tr>
@@ -9428,7 +11931,7 @@
           <p:cNvPr id="2" name="Title 1">
             <a:extLst>
               <a:ext uri="{FF2B5EF4-FFF2-40B4-BE49-F238E27FC236}">
-                <a16:creationId xmlns:a16="http://schemas.microsoft.com/office/drawing/2014/main" xmlns="" id="{A0B268A8-A72C-4737-84E8-60BF2279B7FD}"/>
+                <a16:creationId xmlns="" xmlns:a16="http://schemas.microsoft.com/office/drawing/2014/main" id="{A0B268A8-A72C-4737-84E8-60BF2279B7FD}"/>
               </a:ext>
             </a:extLst>
           </p:cNvPr>
@@ -9456,7 +11959,7 @@
           <p:cNvPr id="3" name="Content Placeholder 2">
             <a:extLst>
               <a:ext uri="{FF2B5EF4-FFF2-40B4-BE49-F238E27FC236}">
-                <a16:creationId xmlns:a16="http://schemas.microsoft.com/office/drawing/2014/main" xmlns="" id="{B8E511E5-8C11-43E6-BF32-6636DE8670C0}"/>
+                <a16:creationId xmlns="" xmlns:a16="http://schemas.microsoft.com/office/drawing/2014/main" id="{B8E511E5-8C11-43E6-BF32-6636DE8670C0}"/>
               </a:ext>
             </a:extLst>
           </p:cNvPr>
@@ -9531,7 +12034,7 @@
           <p:cNvPr id="2" name="Title 1">
             <a:extLst>
               <a:ext uri="{FF2B5EF4-FFF2-40B4-BE49-F238E27FC236}">
-                <a16:creationId xmlns:a16="http://schemas.microsoft.com/office/drawing/2014/main" xmlns="" id="{970538AF-0C23-45AC-8BCF-0FA6D57069AC}"/>
+                <a16:creationId xmlns="" xmlns:a16="http://schemas.microsoft.com/office/drawing/2014/main" id="{970538AF-0C23-45AC-8BCF-0FA6D57069AC}"/>
               </a:ext>
             </a:extLst>
           </p:cNvPr>
@@ -9559,7 +12062,7 @@
           <p:cNvPr id="3" name="Content Placeholder 2">
             <a:extLst>
               <a:ext uri="{FF2B5EF4-FFF2-40B4-BE49-F238E27FC236}">
-                <a16:creationId xmlns:a16="http://schemas.microsoft.com/office/drawing/2014/main" xmlns="" id="{3D5CC124-2E1C-4EA4-AC37-A22CFC3018BB}"/>
+                <a16:creationId xmlns="" xmlns:a16="http://schemas.microsoft.com/office/drawing/2014/main" id="{3D5CC124-2E1C-4EA4-AC37-A22CFC3018BB}"/>
               </a:ext>
             </a:extLst>
           </p:cNvPr>
@@ -9633,7 +12136,7 @@
           <p:cNvPr id="2" name="Title 1">
             <a:extLst>
               <a:ext uri="{FF2B5EF4-FFF2-40B4-BE49-F238E27FC236}">
-                <a16:creationId xmlns:a16="http://schemas.microsoft.com/office/drawing/2014/main" xmlns="" id="{91A00BFE-4F5D-4B04-914B-F4A4E09628A7}"/>
+                <a16:creationId xmlns="" xmlns:a16="http://schemas.microsoft.com/office/drawing/2014/main" id="{91A00BFE-4F5D-4B04-914B-F4A4E09628A7}"/>
               </a:ext>
             </a:extLst>
           </p:cNvPr>
@@ -9661,7 +12164,7 @@
           <p:cNvPr id="3" name="Content Placeholder 2">
             <a:extLst>
               <a:ext uri="{FF2B5EF4-FFF2-40B4-BE49-F238E27FC236}">
-                <a16:creationId xmlns:a16="http://schemas.microsoft.com/office/drawing/2014/main" xmlns="" id="{2CA22CB7-8649-493F-845E-A30C6D39BD40}"/>
+                <a16:creationId xmlns="" xmlns:a16="http://schemas.microsoft.com/office/drawing/2014/main" id="{2CA22CB7-8649-493F-845E-A30C6D39BD40}"/>
               </a:ext>
             </a:extLst>
           </p:cNvPr>
@@ -9716,7 +12219,7 @@
           <p:cNvPr id="2" name="Title 1">
             <a:extLst>
               <a:ext uri="{FF2B5EF4-FFF2-40B4-BE49-F238E27FC236}">
-                <a16:creationId xmlns:a16="http://schemas.microsoft.com/office/drawing/2014/main" xmlns="" id="{97551541-ABFB-4759-AE01-FA3169BED6F7}"/>
+                <a16:creationId xmlns="" xmlns:a16="http://schemas.microsoft.com/office/drawing/2014/main" id="{97551541-ABFB-4759-AE01-FA3169BED6F7}"/>
               </a:ext>
             </a:extLst>
           </p:cNvPr>
@@ -9744,7 +12247,7 @@
           <p:cNvPr id="3" name="Content Placeholder 2">
             <a:extLst>
               <a:ext uri="{FF2B5EF4-FFF2-40B4-BE49-F238E27FC236}">
-                <a16:creationId xmlns:a16="http://schemas.microsoft.com/office/drawing/2014/main" xmlns="" id="{B0C538DF-22F3-4DF4-9CF3-D9E640470939}"/>
+                <a16:creationId xmlns="" xmlns:a16="http://schemas.microsoft.com/office/drawing/2014/main" id="{B0C538DF-22F3-4DF4-9CF3-D9E640470939}"/>
               </a:ext>
             </a:extLst>
           </p:cNvPr>
@@ -9799,7 +12302,7 @@
           <p:cNvPr id="2" name="Title 1">
             <a:extLst>
               <a:ext uri="{FF2B5EF4-FFF2-40B4-BE49-F238E27FC236}">
-                <a16:creationId xmlns:a16="http://schemas.microsoft.com/office/drawing/2014/main" xmlns="" id="{AE506A4F-0D49-4980-8090-858D92BC6945}"/>
+                <a16:creationId xmlns="" xmlns:a16="http://schemas.microsoft.com/office/drawing/2014/main" id="{AE506A4F-0D49-4980-8090-858D92BC6945}"/>
               </a:ext>
             </a:extLst>
           </p:cNvPr>
@@ -9827,7 +12330,7 @@
           <p:cNvPr id="3" name="Content Placeholder 2">
             <a:extLst>
               <a:ext uri="{FF2B5EF4-FFF2-40B4-BE49-F238E27FC236}">
-                <a16:creationId xmlns:a16="http://schemas.microsoft.com/office/drawing/2014/main" xmlns="" id="{747CEBF4-294E-482B-A1EA-56E3CC9FF4DC}"/>
+                <a16:creationId xmlns="" xmlns:a16="http://schemas.microsoft.com/office/drawing/2014/main" id="{747CEBF4-294E-482B-A1EA-56E3CC9FF4DC}"/>
               </a:ext>
             </a:extLst>
           </p:cNvPr>
@@ -9882,7 +12385,7 @@
           <p:cNvPr id="2" name="Title 1">
             <a:extLst>
               <a:ext uri="{FF2B5EF4-FFF2-40B4-BE49-F238E27FC236}">
-                <a16:creationId xmlns:a16="http://schemas.microsoft.com/office/drawing/2014/main" xmlns="" id="{8AB0FBD8-8A49-435E-8E4F-2E0B4A6134DE}"/>
+                <a16:creationId xmlns="" xmlns:a16="http://schemas.microsoft.com/office/drawing/2014/main" id="{8AB0FBD8-8A49-435E-8E4F-2E0B4A6134DE}"/>
               </a:ext>
             </a:extLst>
           </p:cNvPr>
@@ -9918,7 +12421,7 @@
           <p:cNvPr id="3" name="Content Placeholder 2">
             <a:extLst>
               <a:ext uri="{FF2B5EF4-FFF2-40B4-BE49-F238E27FC236}">
-                <a16:creationId xmlns:a16="http://schemas.microsoft.com/office/drawing/2014/main" xmlns="" id="{BB9D0FD2-9C4D-42FC-9343-0F77A20DFF53}"/>
+                <a16:creationId xmlns="" xmlns:a16="http://schemas.microsoft.com/office/drawing/2014/main" id="{BB9D0FD2-9C4D-42FC-9343-0F77A20DFF53}"/>
               </a:ext>
             </a:extLst>
           </p:cNvPr>
@@ -9973,7 +12476,7 @@
           <p:cNvPr id="2" name="Title 1">
             <a:extLst>
               <a:ext uri="{FF2B5EF4-FFF2-40B4-BE49-F238E27FC236}">
-                <a16:creationId xmlns:a16="http://schemas.microsoft.com/office/drawing/2014/main" xmlns="" id="{BD741483-B11E-445B-82D4-F69120BFE4F4}"/>
+                <a16:creationId xmlns="" xmlns:a16="http://schemas.microsoft.com/office/drawing/2014/main" id="{BD741483-B11E-445B-82D4-F69120BFE4F4}"/>
               </a:ext>
             </a:extLst>
           </p:cNvPr>
@@ -10002,7 +12505,7 @@
           <p:cNvPr id="3" name="Subtitle 2">
             <a:extLst>
               <a:ext uri="{FF2B5EF4-FFF2-40B4-BE49-F238E27FC236}">
-                <a16:creationId xmlns:a16="http://schemas.microsoft.com/office/drawing/2014/main" xmlns="" id="{25543615-085F-4258-A2E2-34551553B4FC}"/>
+                <a16:creationId xmlns="" xmlns:a16="http://schemas.microsoft.com/office/drawing/2014/main" id="{25543615-085F-4258-A2E2-34551553B4FC}"/>
               </a:ext>
             </a:extLst>
           </p:cNvPr>
@@ -10057,7 +12560,7 @@
           <p:cNvPr id="2" name="Title 1">
             <a:extLst>
               <a:ext uri="{FF2B5EF4-FFF2-40B4-BE49-F238E27FC236}">
-                <a16:creationId xmlns:a16="http://schemas.microsoft.com/office/drawing/2014/main" xmlns="" id="{FA4DE641-7FF5-442D-ADF9-35AF23968215}"/>
+                <a16:creationId xmlns="" xmlns:a16="http://schemas.microsoft.com/office/drawing/2014/main" id="{FA4DE641-7FF5-442D-ADF9-35AF23968215}"/>
               </a:ext>
             </a:extLst>
           </p:cNvPr>
@@ -10085,7 +12588,7 @@
           <p:cNvPr id="3" name="Content Placeholder 2">
             <a:extLst>
               <a:ext uri="{FF2B5EF4-FFF2-40B4-BE49-F238E27FC236}">
-                <a16:creationId xmlns:a16="http://schemas.microsoft.com/office/drawing/2014/main" xmlns="" id="{8F0149D8-BF24-4C80-959F-7DF566C80856}"/>
+                <a16:creationId xmlns="" xmlns:a16="http://schemas.microsoft.com/office/drawing/2014/main" id="{8F0149D8-BF24-4C80-959F-7DF566C80856}"/>
               </a:ext>
             </a:extLst>
           </p:cNvPr>
@@ -10143,7 +12646,7 @@
           <p:cNvPr id="2" name="Title 1">
             <a:extLst>
               <a:ext uri="{FF2B5EF4-FFF2-40B4-BE49-F238E27FC236}">
-                <a16:creationId xmlns:a16="http://schemas.microsoft.com/office/drawing/2014/main" xmlns="" id="{BD741483-B11E-445B-82D4-F69120BFE4F4}"/>
+                <a16:creationId xmlns="" xmlns:a16="http://schemas.microsoft.com/office/drawing/2014/main" id="{BD741483-B11E-445B-82D4-F69120BFE4F4}"/>
               </a:ext>
             </a:extLst>
           </p:cNvPr>
@@ -10171,7 +12674,7 @@
           <p:cNvPr id="3" name="Subtitle 2">
             <a:extLst>
               <a:ext uri="{FF2B5EF4-FFF2-40B4-BE49-F238E27FC236}">
-                <a16:creationId xmlns:a16="http://schemas.microsoft.com/office/drawing/2014/main" xmlns="" id="{25543615-085F-4258-A2E2-34551553B4FC}"/>
+                <a16:creationId xmlns="" xmlns:a16="http://schemas.microsoft.com/office/drawing/2014/main" id="{25543615-085F-4258-A2E2-34551553B4FC}"/>
               </a:ext>
             </a:extLst>
           </p:cNvPr>
@@ -10205,9 +12708,9 @@
 </file>
 
 <file path=ppt/theme/theme1.xml><?xml version="1.0" encoding="utf-8"?>
-<a:theme xmlns:a="http://schemas.openxmlformats.org/drawingml/2006/main" name="Office Theme">
+<a:theme xmlns:a="http://schemas.openxmlformats.org/drawingml/2006/main" name="Facet">
   <a:themeElements>
-    <a:clrScheme name="Office">
+    <a:clrScheme name="Facet">
       <a:dk1>
         <a:sysClr val="windowText" lastClr="000000"/>
       </a:dk1>
@@ -10215,52 +12718,52 @@
         <a:sysClr val="window" lastClr="FFFFFF"/>
       </a:lt1>
       <a:dk2>
-        <a:srgbClr val="44546A"/>
+        <a:srgbClr val="2C3C43"/>
       </a:dk2>
       <a:lt2>
-        <a:srgbClr val="E7E6E6"/>
+        <a:srgbClr val="EBEBEB"/>
       </a:lt2>
       <a:accent1>
-        <a:srgbClr val="4472C4"/>
+        <a:srgbClr val="90C226"/>
       </a:accent1>
       <a:accent2>
-        <a:srgbClr val="ED7D31"/>
+        <a:srgbClr val="54A021"/>
       </a:accent2>
       <a:accent3>
-        <a:srgbClr val="A5A5A5"/>
+        <a:srgbClr val="E6B91E"/>
       </a:accent3>
       <a:accent4>
-        <a:srgbClr val="FFC000"/>
+        <a:srgbClr val="E76618"/>
       </a:accent4>
       <a:accent5>
-        <a:srgbClr val="5B9BD5"/>
+        <a:srgbClr val="C42F1A"/>
       </a:accent5>
       <a:accent6>
-        <a:srgbClr val="70AD47"/>
+        <a:srgbClr val="918655"/>
       </a:accent6>
       <a:hlink>
-        <a:srgbClr val="0563C1"/>
+        <a:srgbClr val="99CA3C"/>
       </a:hlink>
       <a:folHlink>
-        <a:srgbClr val="954F72"/>
+        <a:srgbClr val="B9D181"/>
       </a:folHlink>
     </a:clrScheme>
-    <a:fontScheme name="Office">
+    <a:fontScheme name="Facet">
       <a:majorFont>
-        <a:latin typeface="Calibri Light" panose="020F0302020204030204"/>
+        <a:latin typeface="Trebuchet MS" panose="020B0603020202020204"/>
         <a:ea typeface=""/>
         <a:cs typeface=""/>
-        <a:font script="Jpan" typeface="游ゴシック Light"/>
+        <a:font script="Jpan" typeface="メイリオ"/>
         <a:font script="Hang" typeface="맑은 고딕"/>
-        <a:font script="Hans" typeface="等线 Light"/>
-        <a:font script="Hant" typeface="新細明體"/>
-        <a:font script="Arab" typeface="Times New Roman"/>
-        <a:font script="Hebr" typeface="Times New Roman"/>
-        <a:font script="Thai" typeface="Angsana New"/>
+        <a:font script="Hans" typeface="方正姚体"/>
+        <a:font script="Hant" typeface="微軟正黑體"/>
+        <a:font script="Arab" typeface="Tahoma"/>
+        <a:font script="Hebr" typeface="Arial"/>
+        <a:font script="Thai" typeface="Cordia New"/>
         <a:font script="Ethi" typeface="Nyala"/>
         <a:font script="Beng" typeface="Vrinda"/>
         <a:font script="Gujr" typeface="Shruti"/>
-        <a:font script="Khmr" typeface="MoolBoran"/>
+        <a:font script="Khmr" typeface="DaunPenh"/>
         <a:font script="Knda" typeface="Tunga"/>
         <a:font script="Guru" typeface="Raavi"/>
         <a:font script="Cans" typeface="Euphemia"/>
@@ -10277,38 +12780,21 @@
         <a:font script="Laoo" typeface="DokChampa"/>
         <a:font script="Sinh" typeface="Iskoola Pota"/>
         <a:font script="Mong" typeface="Mongolian Baiti"/>
-        <a:font script="Viet" typeface="Times New Roman"/>
+        <a:font script="Viet" typeface="Tahoma"/>
         <a:font script="Uigh" typeface="Microsoft Uighur"/>
         <a:font script="Geor" typeface="Sylfaen"/>
-        <a:font script="Armn" typeface="Arial"/>
-        <a:font script="Bugi" typeface="Leelawadee UI"/>
-        <a:font script="Bopo" typeface="Microsoft JhengHei"/>
-        <a:font script="Java" typeface="Javanese Text"/>
-        <a:font script="Lisu" typeface="Segoe UI"/>
-        <a:font script="Mymr" typeface="Myanmar Text"/>
-        <a:font script="Nkoo" typeface="Ebrima"/>
-        <a:font script="Olck" typeface="Nirmala UI"/>
-        <a:font script="Osma" typeface="Ebrima"/>
-        <a:font script="Phag" typeface="Phagspa"/>
-        <a:font script="Syrn" typeface="Estrangelo Edessa"/>
-        <a:font script="Syrj" typeface="Estrangelo Edessa"/>
-        <a:font script="Syre" typeface="Estrangelo Edessa"/>
-        <a:font script="Sora" typeface="Nirmala UI"/>
-        <a:font script="Tale" typeface="Microsoft Tai Le"/>
-        <a:font script="Talu" typeface="Microsoft New Tai Lue"/>
-        <a:font script="Tfng" typeface="Ebrima"/>
       </a:majorFont>
       <a:minorFont>
-        <a:latin typeface="Calibri" panose="020F0502020204030204"/>
+        <a:latin typeface="Trebuchet MS" panose="020B0603020202020204"/>
         <a:ea typeface=""/>
         <a:cs typeface=""/>
-        <a:font script="Jpan" typeface="游ゴシック"/>
-        <a:font script="Hang" typeface="맑은 고딕"/>
-        <a:font script="Hans" typeface="等线"/>
-        <a:font script="Hant" typeface="新細明體"/>
-        <a:font script="Arab" typeface="Arial"/>
-        <a:font script="Hebr" typeface="Arial"/>
-        <a:font script="Thai" typeface="Cordia New"/>
+        <a:font script="Jpan" typeface="メイリオ"/>
+        <a:font script="Hang" typeface="HY그래픽M"/>
+        <a:font script="Hans" typeface="华文新魏"/>
+        <a:font script="Hant" typeface="微軟正黑體"/>
+        <a:font script="Arab" typeface="Tahoma"/>
+        <a:font script="Hebr" typeface="Gisha"/>
+        <a:font script="Thai" typeface="IrisUPC"/>
         <a:font script="Ethi" typeface="Nyala"/>
         <a:font script="Beng" typeface="Vrinda"/>
         <a:font script="Gujr" typeface="Shruti"/>
@@ -10332,26 +12818,9 @@
         <a:font script="Viet" typeface="Arial"/>
         <a:font script="Uigh" typeface="Microsoft Uighur"/>
         <a:font script="Geor" typeface="Sylfaen"/>
-        <a:font script="Armn" typeface="Arial"/>
-        <a:font script="Bugi" typeface="Leelawadee UI"/>
-        <a:font script="Bopo" typeface="Microsoft JhengHei"/>
-        <a:font script="Java" typeface="Javanese Text"/>
-        <a:font script="Lisu" typeface="Segoe UI"/>
-        <a:font script="Mymr" typeface="Myanmar Text"/>
-        <a:font script="Nkoo" typeface="Ebrima"/>
-        <a:font script="Olck" typeface="Nirmala UI"/>
-        <a:font script="Osma" typeface="Ebrima"/>
-        <a:font script="Phag" typeface="Phagspa"/>
-        <a:font script="Syrn" typeface="Estrangelo Edessa"/>
-        <a:font script="Syrj" typeface="Estrangelo Edessa"/>
-        <a:font script="Syre" typeface="Estrangelo Edessa"/>
-        <a:font script="Sora" typeface="Nirmala UI"/>
-        <a:font script="Tale" typeface="Microsoft Tai Le"/>
-        <a:font script="Talu" typeface="Microsoft New Tai Lue"/>
-        <a:font script="Tfng" typeface="Ebrima"/>
       </a:minorFont>
     </a:fontScheme>
-    <a:fmtScheme name="Office">
+    <a:fmtScheme name="Facet">
       <a:fillStyleLst>
         <a:solidFill>
           <a:schemeClr val="phClr"/>
@@ -10360,23 +12829,13 @@
           <a:gsLst>
             <a:gs pos="0">
               <a:schemeClr val="phClr">
+                <a:tint val="65000"/>
                 <a:lumMod val="110000"/>
-                <a:satMod val="105000"/>
-                <a:tint val="67000"/>
               </a:schemeClr>
             </a:gs>
-            <a:gs pos="50000">
+            <a:gs pos="88000">
               <a:schemeClr val="phClr">
-                <a:lumMod val="105000"/>
-                <a:satMod val="103000"/>
-                <a:tint val="73000"/>
-              </a:schemeClr>
-            </a:gs>
-            <a:gs pos="100000">
-              <a:schemeClr val="phClr">
-                <a:lumMod val="105000"/>
-                <a:satMod val="109000"/>
-                <a:tint val="81000"/>
+                <a:tint val="90000"/>
               </a:schemeClr>
             </a:gs>
           </a:gsLst>
@@ -10386,23 +12845,14 @@
           <a:gsLst>
             <a:gs pos="0">
               <a:schemeClr val="phClr">
-                <a:satMod val="103000"/>
-                <a:lumMod val="102000"/>
-                <a:tint val="94000"/>
+                <a:tint val="96000"/>
+                <a:lumMod val="100000"/>
               </a:schemeClr>
             </a:gs>
-            <a:gs pos="50000">
+            <a:gs pos="78000">
               <a:schemeClr val="phClr">
-                <a:satMod val="110000"/>
-                <a:lumMod val="100000"/>
-                <a:shade val="100000"/>
-              </a:schemeClr>
-            </a:gs>
-            <a:gs pos="100000">
-              <a:schemeClr val="phClr">
-                <a:lumMod val="99000"/>
-                <a:satMod val="120000"/>
-                <a:shade val="78000"/>
+                <a:shade val="94000"/>
+                <a:lumMod val="94000"/>
               </a:schemeClr>
             </a:gs>
           </a:gsLst>
@@ -10410,26 +12860,23 @@
         </a:gradFill>
       </a:fillStyleLst>
       <a:lnStyleLst>
-        <a:ln w="6350" cap="flat" cmpd="sng" algn="ctr">
+        <a:ln w="12700" cap="rnd" cmpd="sng" algn="ctr">
           <a:solidFill>
             <a:schemeClr val="phClr"/>
           </a:solidFill>
           <a:prstDash val="solid"/>
-          <a:miter lim="800000"/>
         </a:ln>
-        <a:ln w="12700" cap="flat" cmpd="sng" algn="ctr">
+        <a:ln w="19050" cap="rnd" cmpd="sng" algn="ctr">
           <a:solidFill>
             <a:schemeClr val="phClr"/>
           </a:solidFill>
           <a:prstDash val="solid"/>
-          <a:miter lim="800000"/>
         </a:ln>
-        <a:ln w="19050" cap="flat" cmpd="sng" algn="ctr">
+        <a:ln w="25400" cap="rnd" cmpd="sng" algn="ctr">
           <a:solidFill>
             <a:schemeClr val="phClr"/>
           </a:solidFill>
           <a:prstDash val="solid"/>
-          <a:miter lim="800000"/>
         </a:ln>
       </a:lnStyleLst>
       <a:effectStyleLst>
@@ -10437,54 +12884,72 @@
           <a:effectLst/>
         </a:effectStyle>
         <a:effectStyle>
-          <a:effectLst/>
+          <a:effectLst>
+            <a:outerShdw blurRad="38100" dist="25400" dir="5400000" rotWithShape="0">
+              <a:srgbClr val="000000">
+                <a:alpha val="35000"/>
+              </a:srgbClr>
+            </a:outerShdw>
+          </a:effectLst>
         </a:effectStyle>
         <a:effectStyle>
           <a:effectLst>
-            <a:outerShdw blurRad="57150" dist="19050" dir="5400000" algn="ctr" rotWithShape="0">
+            <a:outerShdw blurRad="50800" dist="38100" dir="5400000" rotWithShape="0">
               <a:srgbClr val="000000">
-                <a:alpha val="63000"/>
+                <a:alpha val="35000"/>
               </a:srgbClr>
             </a:outerShdw>
           </a:effectLst>
+          <a:scene3d>
+            <a:camera prst="orthographicFront">
+              <a:rot lat="0" lon="0" rev="0"/>
+            </a:camera>
+            <a:lightRig rig="threePt" dir="tl"/>
+          </a:scene3d>
+          <a:sp3d prstMaterial="plastic">
+            <a:bevelT w="0" h="0"/>
+          </a:sp3d>
         </a:effectStyle>
       </a:effectStyleLst>
       <a:bgFillStyleLst>
         <a:solidFill>
           <a:schemeClr val="phClr"/>
         </a:solidFill>
-        <a:solidFill>
-          <a:schemeClr val="phClr">
-            <a:tint val="95000"/>
-            <a:satMod val="170000"/>
-          </a:schemeClr>
-        </a:solidFill>
         <a:gradFill rotWithShape="1">
           <a:gsLst>
             <a:gs pos="0">
               <a:schemeClr val="phClr">
-                <a:tint val="93000"/>
-                <a:satMod val="150000"/>
-                <a:shade val="98000"/>
-                <a:lumMod val="102000"/>
+                <a:tint val="90000"/>
+                <a:lumMod val="104000"/>
               </a:schemeClr>
             </a:gs>
-            <a:gs pos="50000">
+            <a:gs pos="94000">
               <a:schemeClr val="phClr">
-                <a:tint val="98000"/>
-                <a:satMod val="130000"/>
-                <a:shade val="90000"/>
-                <a:lumMod val="103000"/>
+                <a:shade val="96000"/>
+                <a:lumMod val="82000"/>
+              </a:schemeClr>
+            </a:gs>
+          </a:gsLst>
+          <a:lin ang="5400000" scaled="0"/>
+        </a:gradFill>
+        <a:gradFill rotWithShape="1">
+          <a:gsLst>
+            <a:gs pos="0">
+              <a:schemeClr val="phClr">
+                <a:tint val="90000"/>
+                <a:lumMod val="110000"/>
               </a:schemeClr>
             </a:gs>
             <a:gs pos="100000">
               <a:schemeClr val="phClr">
-                <a:shade val="63000"/>
-                <a:satMod val="120000"/>
+                <a:shade val="94000"/>
+                <a:lumMod val="96000"/>
               </a:schemeClr>
             </a:gs>
           </a:gsLst>
-          <a:lin ang="5400000" scaled="0"/>
+          <a:path path="circle">
+            <a:fillToRect l="50000" t="50000" r="100000" b="100000"/>
+          </a:path>
         </a:gradFill>
       </a:bgFillStyleLst>
     </a:fmtScheme>
@@ -10493,7 +12958,7 @@
   <a:extraClrSchemeLst/>
   <a:extLst>
     <a:ext uri="{05A4C25C-085E-4340-85A3-A5531E510DB2}">
-      <thm15:themeFamily xmlns:thm15="http://schemas.microsoft.com/office/thememl/2012/main" name="Office Theme" id="{62F939B6-93AF-4DB8-9C6B-D6C7DFDC589F}" vid="{4A3C46E8-61CC-4603-A589-7422A47A8E4A}"/>
+      <thm15:themeFamily xmlns:thm15="http://schemas.microsoft.com/office/thememl/2012/main" name="Facet" id="{C0C680CD-088A-49FC-A102-D699147F32B2}" vid="{CFBC31BA-B70F-4F30-BCAA-4F3011E16C4D}"/>
     </a:ext>
   </a:extLst>
 </a:theme>

--- a/raw socket & libpcap & icmp.pptx
+++ b/raw socket & libpcap & icmp.pptx
@@ -2803,6 +2803,13 @@
         </dgm:presLayoutVars>
       </dgm:prSet>
       <dgm:spPr/>
+      <dgm:t>
+        <a:bodyPr/>
+        <a:lstStyle/>
+        <a:p>
+          <a:endParaRPr lang="en-US"/>
+        </a:p>
+      </dgm:t>
     </dgm:pt>
     <dgm:pt modelId="{7E18C621-E110-4559-A088-BD810A56D635}" type="pres">
       <dgm:prSet presAssocID="{6F80F8E2-58A6-4F46-9E6B-94329FB5199B}" presName="compNode" presStyleCnt="0"/>
@@ -2818,7 +2825,7 @@
                 <a14:useLocalDpi xmlns:a14="http://schemas.microsoft.com/office/drawing/2010/main" val="0"/>
               </a:ext>
               <a:ext uri="{96DAC541-7B7A-43D3-8B79-37D633B846F1}">
-                <asvg:svgBlip xmlns:asvg="http://schemas.microsoft.com/office/drawing/2016/SVG/main" r:embed="rId2"/>
+                <asvg:svgBlip xmlns:asvg="http://schemas.microsoft.com/office/drawing/2016/SVG/main" xmlns="" r:embed="rId2"/>
               </a:ext>
             </a:extLst>
           </a:blip>
@@ -2848,6 +2855,13 @@
         </dgm:presLayoutVars>
       </dgm:prSet>
       <dgm:spPr/>
+      <dgm:t>
+        <a:bodyPr/>
+        <a:lstStyle/>
+        <a:p>
+          <a:endParaRPr lang="en-US"/>
+        </a:p>
+      </dgm:t>
     </dgm:pt>
     <dgm:pt modelId="{DD6AEAB8-50F3-4117-97CA-00336A34CE35}" type="pres">
       <dgm:prSet presAssocID="{6F80F8E2-58A6-4F46-9E6B-94329FB5199B}" presName="txSpace" presStyleCnt="0"/>
@@ -2858,6 +2872,13 @@
         <dgm:presLayoutVars/>
       </dgm:prSet>
       <dgm:spPr/>
+      <dgm:t>
+        <a:bodyPr/>
+        <a:lstStyle/>
+        <a:p>
+          <a:endParaRPr lang="en-US"/>
+        </a:p>
+      </dgm:t>
     </dgm:pt>
     <dgm:pt modelId="{0F7A7309-2629-4A98-86AD-E58308FB32F2}" type="pres">
       <dgm:prSet presAssocID="{65C08D7A-462A-4D0E-9C67-8695DF2E0D73}" presName="sibTrans" presStyleCnt="0"/>
@@ -2877,7 +2898,7 @@
                 <a14:useLocalDpi xmlns:a14="http://schemas.microsoft.com/office/drawing/2010/main" val="0"/>
               </a:ext>
               <a:ext uri="{96DAC541-7B7A-43D3-8B79-37D633B846F1}">
-                <asvg:svgBlip xmlns:asvg="http://schemas.microsoft.com/office/drawing/2016/SVG/main" r:embed="rId4"/>
+                <asvg:svgBlip xmlns:asvg="http://schemas.microsoft.com/office/drawing/2016/SVG/main" xmlns="" r:embed="rId4"/>
               </a:ext>
             </a:extLst>
           </a:blip>
@@ -2907,6 +2928,13 @@
         </dgm:presLayoutVars>
       </dgm:prSet>
       <dgm:spPr/>
+      <dgm:t>
+        <a:bodyPr/>
+        <a:lstStyle/>
+        <a:p>
+          <a:endParaRPr lang="en-US"/>
+        </a:p>
+      </dgm:t>
     </dgm:pt>
     <dgm:pt modelId="{7C182338-71B2-49B1-86FD-2A3A9AFCE069}" type="pres">
       <dgm:prSet presAssocID="{669AAA1E-AA9A-4FDE-B54B-AB3C5E19195C}" presName="txSpace" presStyleCnt="0"/>
@@ -2917,24 +2945,31 @@
         <dgm:presLayoutVars/>
       </dgm:prSet>
       <dgm:spPr/>
+      <dgm:t>
+        <a:bodyPr/>
+        <a:lstStyle/>
+        <a:p>
+          <a:endParaRPr lang="en-US"/>
+        </a:p>
+      </dgm:t>
     </dgm:pt>
   </dgm:ptLst>
   <dgm:cxnLst>
-    <dgm:cxn modelId="{E0628A18-DDAA-41DE-9A84-5EB98522CB14}" type="presOf" srcId="{77C41E96-2388-4249-828B-FF26E782352B}" destId="{7CE51C97-E654-49DA-8C54-7647A041DD56}" srcOrd="0" destOrd="0" presId="urn:microsoft.com/office/officeart/2018/2/layout/IconLabelDescriptionList"/>
+    <dgm:cxn modelId="{5222F5F1-F881-480E-BE5D-BD9BFB0ABE08}" srcId="{6F80F8E2-58A6-4F46-9E6B-94329FB5199B}" destId="{CCF618A1-F131-4362-9BDB-EE5FF061970E}" srcOrd="0" destOrd="0" parTransId="{A634C6EF-A1A3-4CE9-A92C-DF500B3F534D}" sibTransId="{08B707DF-BB16-4F70-8435-F3DA7B0E5618}"/>
+    <dgm:cxn modelId="{DAAB28F3-8889-423E-AD7E-F2EE517944B0}" type="presOf" srcId="{609A856E-3E05-4B11-8291-99A17EEF7D69}" destId="{7CE51C97-E654-49DA-8C54-7647A041DD56}" srcOrd="0" destOrd="3" presId="urn:microsoft.com/office/officeart/2018/2/layout/IconLabelDescriptionList"/>
+    <dgm:cxn modelId="{44F99167-2C27-4719-8750-CDBE4DC8BA11}" type="presOf" srcId="{914995D2-4979-471A-8E11-23451CC06A09}" destId="{7CE51C97-E654-49DA-8C54-7647A041DD56}" srcOrd="0" destOrd="2" presId="urn:microsoft.com/office/officeart/2018/2/layout/IconLabelDescriptionList"/>
+    <dgm:cxn modelId="{C4211165-9DED-4F23-987E-ECFE8B04A07E}" srcId="{13699CE2-E7A1-4136-976B-514D2CAE3AEC}" destId="{6F80F8E2-58A6-4F46-9E6B-94329FB5199B}" srcOrd="0" destOrd="0" parTransId="{A8F3F1CD-F8B4-46E5-9521-A14DAA2271CE}" sibTransId="{65C08D7A-462A-4D0E-9C67-8695DF2E0D73}"/>
     <dgm:cxn modelId="{05394125-68CA-4A4B-A3A0-163CC74DEF20}" srcId="{669AAA1E-AA9A-4FDE-B54B-AB3C5E19195C}" destId="{549A8085-C4BB-467B-9C2E-C863BD0E075C}" srcOrd="1" destOrd="0" parTransId="{E90D2AE1-13F9-4FAD-8EA6-C2E68B8D4BB8}" sibTransId="{2CE331F7-FE64-4647-BBB1-C732139CE01A}"/>
     <dgm:cxn modelId="{3D35243F-49B8-4615-A7AA-14251B049964}" type="presOf" srcId="{549A8085-C4BB-467B-9C2E-C863BD0E075C}" destId="{7CE51C97-E654-49DA-8C54-7647A041DD56}" srcOrd="0" destOrd="1" presId="urn:microsoft.com/office/officeart/2018/2/layout/IconLabelDescriptionList"/>
-    <dgm:cxn modelId="{C4211165-9DED-4F23-987E-ECFE8B04A07E}" srcId="{13699CE2-E7A1-4136-976B-514D2CAE3AEC}" destId="{6F80F8E2-58A6-4F46-9E6B-94329FB5199B}" srcOrd="0" destOrd="0" parTransId="{A8F3F1CD-F8B4-46E5-9521-A14DAA2271CE}" sibTransId="{65C08D7A-462A-4D0E-9C67-8695DF2E0D73}"/>
+    <dgm:cxn modelId="{D904074D-3EEC-4FDB-BE7B-845E3B2C6510}" type="presOf" srcId="{13699CE2-E7A1-4136-976B-514D2CAE3AEC}" destId="{557FC65D-3117-4D3E-8F48-B3233A0638AF}" srcOrd="0" destOrd="0" presId="urn:microsoft.com/office/officeart/2018/2/layout/IconLabelDescriptionList"/>
+    <dgm:cxn modelId="{45D9A3CD-A348-4604-9589-D6B9C7A76A55}" srcId="{13699CE2-E7A1-4136-976B-514D2CAE3AEC}" destId="{669AAA1E-AA9A-4FDE-B54B-AB3C5E19195C}" srcOrd="1" destOrd="0" parTransId="{8E19B342-AFE6-4E1E-83D8-E1E7F54FEC43}" sibTransId="{F1FA5FBD-8EBA-4E74-93CC-A77C7EEF8C08}"/>
+    <dgm:cxn modelId="{CF6F5A52-E8CC-42E7-8EDF-75DC321833B7}" srcId="{669AAA1E-AA9A-4FDE-B54B-AB3C5E19195C}" destId="{77C41E96-2388-4249-828B-FF26E782352B}" srcOrd="0" destOrd="0" parTransId="{236C5C9D-9AC6-45AA-80AE-9C002B3370A9}" sibTransId="{12FC2A8E-BF38-4AC3-A833-25181F49D8C7}"/>
+    <dgm:cxn modelId="{435E19EA-4CF1-4A89-8A55-32E3D0B76F2D}" type="presOf" srcId="{669AAA1E-AA9A-4FDE-B54B-AB3C5E19195C}" destId="{CC0BCE32-A53A-4ED9-BB95-C89D75428ED0}" srcOrd="0" destOrd="0" presId="urn:microsoft.com/office/officeart/2018/2/layout/IconLabelDescriptionList"/>
+    <dgm:cxn modelId="{E0628A18-DDAA-41DE-9A84-5EB98522CB14}" type="presOf" srcId="{77C41E96-2388-4249-828B-FF26E782352B}" destId="{7CE51C97-E654-49DA-8C54-7647A041DD56}" srcOrd="0" destOrd="0" presId="urn:microsoft.com/office/officeart/2018/2/layout/IconLabelDescriptionList"/>
+    <dgm:cxn modelId="{5F6944FA-3640-4EF0-A504-15052A0F20CA}" type="presOf" srcId="{CCF618A1-F131-4362-9BDB-EE5FF061970E}" destId="{BB8F66F7-69A1-4DCD-A110-529F4CB8FAAD}" srcOrd="0" destOrd="0" presId="urn:microsoft.com/office/officeart/2018/2/layout/IconLabelDescriptionList"/>
     <dgm:cxn modelId="{A1278766-084D-468D-97A5-6507F11C0D8D}" srcId="{669AAA1E-AA9A-4FDE-B54B-AB3C5E19195C}" destId="{914995D2-4979-471A-8E11-23451CC06A09}" srcOrd="2" destOrd="0" parTransId="{CA04F769-4F0E-484F-94B9-7973C13E8B2E}" sibTransId="{B4EAF7C3-E08B-43BA-AD6C-FD81EC8B1A99}"/>
-    <dgm:cxn modelId="{44F99167-2C27-4719-8750-CDBE4DC8BA11}" type="presOf" srcId="{914995D2-4979-471A-8E11-23451CC06A09}" destId="{7CE51C97-E654-49DA-8C54-7647A041DD56}" srcOrd="0" destOrd="2" presId="urn:microsoft.com/office/officeart/2018/2/layout/IconLabelDescriptionList"/>
-    <dgm:cxn modelId="{D904074D-3EEC-4FDB-BE7B-845E3B2C6510}" type="presOf" srcId="{13699CE2-E7A1-4136-976B-514D2CAE3AEC}" destId="{557FC65D-3117-4D3E-8F48-B3233A0638AF}" srcOrd="0" destOrd="0" presId="urn:microsoft.com/office/officeart/2018/2/layout/IconLabelDescriptionList"/>
-    <dgm:cxn modelId="{CF6F5A52-E8CC-42E7-8EDF-75DC321833B7}" srcId="{669AAA1E-AA9A-4FDE-B54B-AB3C5E19195C}" destId="{77C41E96-2388-4249-828B-FF26E782352B}" srcOrd="0" destOrd="0" parTransId="{236C5C9D-9AC6-45AA-80AE-9C002B3370A9}" sibTransId="{12FC2A8E-BF38-4AC3-A833-25181F49D8C7}"/>
+    <dgm:cxn modelId="{E560E6E2-10EF-4788-B2A0-7BF11CD2D62F}" srcId="{669AAA1E-AA9A-4FDE-B54B-AB3C5E19195C}" destId="{609A856E-3E05-4B11-8291-99A17EEF7D69}" srcOrd="3" destOrd="0" parTransId="{E0F08698-E693-4991-B3D1-AE8DDF334286}" sibTransId="{F934D345-A1B5-480B-8A44-4CAE531B5B9F}"/>
     <dgm:cxn modelId="{0A99B557-892E-4992-AC07-44089F2A01B0}" type="presOf" srcId="{6F80F8E2-58A6-4F46-9E6B-94329FB5199B}" destId="{E47C1393-F4B9-4449-8363-3967AC7DDEF4}" srcOrd="0" destOrd="0" presId="urn:microsoft.com/office/officeart/2018/2/layout/IconLabelDescriptionList"/>
-    <dgm:cxn modelId="{45D9A3CD-A348-4604-9589-D6B9C7A76A55}" srcId="{13699CE2-E7A1-4136-976B-514D2CAE3AEC}" destId="{669AAA1E-AA9A-4FDE-B54B-AB3C5E19195C}" srcOrd="1" destOrd="0" parTransId="{8E19B342-AFE6-4E1E-83D8-E1E7F54FEC43}" sibTransId="{F1FA5FBD-8EBA-4E74-93CC-A77C7EEF8C08}"/>
-    <dgm:cxn modelId="{E560E6E2-10EF-4788-B2A0-7BF11CD2D62F}" srcId="{669AAA1E-AA9A-4FDE-B54B-AB3C5E19195C}" destId="{609A856E-3E05-4B11-8291-99A17EEF7D69}" srcOrd="3" destOrd="0" parTransId="{E0F08698-E693-4991-B3D1-AE8DDF334286}" sibTransId="{F934D345-A1B5-480B-8A44-4CAE531B5B9F}"/>
-    <dgm:cxn modelId="{435E19EA-4CF1-4A89-8A55-32E3D0B76F2D}" type="presOf" srcId="{669AAA1E-AA9A-4FDE-B54B-AB3C5E19195C}" destId="{CC0BCE32-A53A-4ED9-BB95-C89D75428ED0}" srcOrd="0" destOrd="0" presId="urn:microsoft.com/office/officeart/2018/2/layout/IconLabelDescriptionList"/>
-    <dgm:cxn modelId="{5222F5F1-F881-480E-BE5D-BD9BFB0ABE08}" srcId="{6F80F8E2-58A6-4F46-9E6B-94329FB5199B}" destId="{CCF618A1-F131-4362-9BDB-EE5FF061970E}" srcOrd="0" destOrd="0" parTransId="{A634C6EF-A1A3-4CE9-A92C-DF500B3F534D}" sibTransId="{08B707DF-BB16-4F70-8435-F3DA7B0E5618}"/>
-    <dgm:cxn modelId="{DAAB28F3-8889-423E-AD7E-F2EE517944B0}" type="presOf" srcId="{609A856E-3E05-4B11-8291-99A17EEF7D69}" destId="{7CE51C97-E654-49DA-8C54-7647A041DD56}" srcOrd="0" destOrd="3" presId="urn:microsoft.com/office/officeart/2018/2/layout/IconLabelDescriptionList"/>
-    <dgm:cxn modelId="{5F6944FA-3640-4EF0-A504-15052A0F20CA}" type="presOf" srcId="{CCF618A1-F131-4362-9BDB-EE5FF061970E}" destId="{BB8F66F7-69A1-4DCD-A110-529F4CB8FAAD}" srcOrd="0" destOrd="0" presId="urn:microsoft.com/office/officeart/2018/2/layout/IconLabelDescriptionList"/>
     <dgm:cxn modelId="{89ECA985-FC0E-4D8B-9652-0AE074D5C975}" type="presParOf" srcId="{557FC65D-3117-4D3E-8F48-B3233A0638AF}" destId="{7E18C621-E110-4559-A088-BD810A56D635}" srcOrd="0" destOrd="0" presId="urn:microsoft.com/office/officeart/2018/2/layout/IconLabelDescriptionList"/>
     <dgm:cxn modelId="{8C619E2F-EE23-4472-8A68-9E4A7370B134}" type="presParOf" srcId="{7E18C621-E110-4559-A088-BD810A56D635}" destId="{35DC8AB7-8519-4A16-A361-0B7C74BAEC24}" srcOrd="0" destOrd="0" presId="urn:microsoft.com/office/officeart/2018/2/layout/IconLabelDescriptionList"/>
     <dgm:cxn modelId="{D8F52CE8-117E-41C3-8567-14612FCE16CA}" type="presParOf" srcId="{7E18C621-E110-4559-A088-BD810A56D635}" destId="{044F051E-EFE5-443E-8978-BBC03CDC2022}" srcOrd="1" destOrd="0" presId="urn:microsoft.com/office/officeart/2018/2/layout/IconLabelDescriptionList"/>
@@ -3410,6 +3445,13 @@
         </dgm:presLayoutVars>
       </dgm:prSet>
       <dgm:spPr/>
+      <dgm:t>
+        <a:bodyPr/>
+        <a:lstStyle/>
+        <a:p>
+          <a:endParaRPr lang="en-US"/>
+        </a:p>
+      </dgm:t>
     </dgm:pt>
     <dgm:pt modelId="{E23AF722-7CA2-4571-BCC6-746D30E14C64}" type="pres">
       <dgm:prSet presAssocID="{BC746639-9614-48B0-9CA8-2B01898B239E}" presName="compNode" presStyleCnt="0"/>
@@ -3419,13 +3461,13 @@
       <dgm:prSet presAssocID="{BC746639-9614-48B0-9CA8-2B01898B239E}" presName="iconRect" presStyleLbl="node1" presStyleIdx="0" presStyleCnt="3"/>
       <dgm:spPr>
         <a:blipFill>
-          <a:blip xmlns:r="http://schemas.openxmlformats.org/officeDocument/2006/relationships" r:embed="rId1">
+          <a:blip xmlns:r="http://schemas.openxmlformats.org/officeDocument/2006/relationships" r:embed="rId1" cstate="print">
             <a:extLst>
               <a:ext uri="{28A0092B-C50C-407E-A947-70E740481C1C}">
                 <a14:useLocalDpi xmlns:a14="http://schemas.microsoft.com/office/drawing/2010/main" val="0"/>
               </a:ext>
               <a:ext uri="{96DAC541-7B7A-43D3-8B79-37D633B846F1}">
-                <asvg:svgBlip xmlns:asvg="http://schemas.microsoft.com/office/drawing/2016/SVG/main" r:embed="rId2"/>
+                <asvg:svgBlip xmlns:asvg="http://schemas.microsoft.com/office/drawing/2016/SVG/main" xmlns="" r:embed="rId2"/>
               </a:ext>
             </a:extLst>
           </a:blip>
@@ -3437,6 +3479,13 @@
           <a:noFill/>
         </a:ln>
       </dgm:spPr>
+      <dgm:t>
+        <a:bodyPr/>
+        <a:lstStyle/>
+        <a:p>
+          <a:endParaRPr lang="en-US"/>
+        </a:p>
+      </dgm:t>
       <dgm:extLst>
         <a:ext uri="{E40237B7-FDA0-4F09-8148-C483321AD2D9}">
           <dgm14:cNvPr xmlns:dgm14="http://schemas.microsoft.com/office/drawing/2010/diagram" id="0" name="" descr="Questions"/>
@@ -3455,6 +3504,13 @@
         </dgm:presLayoutVars>
       </dgm:prSet>
       <dgm:spPr/>
+      <dgm:t>
+        <a:bodyPr/>
+        <a:lstStyle/>
+        <a:p>
+          <a:endParaRPr lang="en-US"/>
+        </a:p>
+      </dgm:t>
     </dgm:pt>
     <dgm:pt modelId="{F38466F6-6F1D-43D4-8F65-74748E96A6D7}" type="pres">
       <dgm:prSet presAssocID="{BC746639-9614-48B0-9CA8-2B01898B239E}" presName="txSpace" presStyleCnt="0"/>
@@ -3465,6 +3521,13 @@
         <dgm:presLayoutVars/>
       </dgm:prSet>
       <dgm:spPr/>
+      <dgm:t>
+        <a:bodyPr/>
+        <a:lstStyle/>
+        <a:p>
+          <a:endParaRPr lang="en-US"/>
+        </a:p>
+      </dgm:t>
     </dgm:pt>
     <dgm:pt modelId="{BA0E5565-F6E2-4592-AFA3-3911CE795EAA}" type="pres">
       <dgm:prSet presAssocID="{EAB0C0C8-306D-41F7-A410-1A540796873A}" presName="sibTrans" presStyleCnt="0"/>
@@ -3478,13 +3541,13 @@
       <dgm:prSet presAssocID="{6B2A7D77-45BD-4908-B6DD-41AF530D4BF6}" presName="iconRect" presStyleLbl="node1" presStyleIdx="1" presStyleCnt="3"/>
       <dgm:spPr>
         <a:blipFill>
-          <a:blip xmlns:r="http://schemas.openxmlformats.org/officeDocument/2006/relationships" r:embed="rId3">
+          <a:blip xmlns:r="http://schemas.openxmlformats.org/officeDocument/2006/relationships" r:embed="rId3" cstate="print">
             <a:extLst>
               <a:ext uri="{28A0092B-C50C-407E-A947-70E740481C1C}">
                 <a14:useLocalDpi xmlns:a14="http://schemas.microsoft.com/office/drawing/2010/main" val="0"/>
               </a:ext>
               <a:ext uri="{96DAC541-7B7A-43D3-8B79-37D633B846F1}">
-                <asvg:svgBlip xmlns:asvg="http://schemas.microsoft.com/office/drawing/2016/SVG/main" r:embed="rId4"/>
+                <asvg:svgBlip xmlns:asvg="http://schemas.microsoft.com/office/drawing/2016/SVG/main" xmlns="" r:embed="rId4"/>
               </a:ext>
             </a:extLst>
           </a:blip>
@@ -3496,6 +3559,13 @@
           <a:noFill/>
         </a:ln>
       </dgm:spPr>
+      <dgm:t>
+        <a:bodyPr/>
+        <a:lstStyle/>
+        <a:p>
+          <a:endParaRPr lang="en-US"/>
+        </a:p>
+      </dgm:t>
       <dgm:extLst>
         <a:ext uri="{E40237B7-FDA0-4F09-8148-C483321AD2D9}">
           <dgm14:cNvPr xmlns:dgm14="http://schemas.microsoft.com/office/drawing/2010/diagram" id="0" name="" descr="Lock"/>
@@ -3514,6 +3584,13 @@
         </dgm:presLayoutVars>
       </dgm:prSet>
       <dgm:spPr/>
+      <dgm:t>
+        <a:bodyPr/>
+        <a:lstStyle/>
+        <a:p>
+          <a:endParaRPr lang="en-US"/>
+        </a:p>
+      </dgm:t>
     </dgm:pt>
     <dgm:pt modelId="{0BFB6325-83D2-487D-B1AA-5DB89D829DFA}" type="pres">
       <dgm:prSet presAssocID="{6B2A7D77-45BD-4908-B6DD-41AF530D4BF6}" presName="txSpace" presStyleCnt="0"/>
@@ -3524,6 +3601,13 @@
         <dgm:presLayoutVars/>
       </dgm:prSet>
       <dgm:spPr/>
+      <dgm:t>
+        <a:bodyPr/>
+        <a:lstStyle/>
+        <a:p>
+          <a:endParaRPr lang="en-US"/>
+        </a:p>
+      </dgm:t>
     </dgm:pt>
     <dgm:pt modelId="{7A31DC2C-B1B2-4F55-BA0B-68BE20FC09D0}" type="pres">
       <dgm:prSet presAssocID="{D2C54F3F-B9D0-4B66-8231-F5226818213A}" presName="sibTrans" presStyleCnt="0"/>
@@ -3537,13 +3621,13 @@
       <dgm:prSet presAssocID="{FE8743DB-E120-42F0-A6B5-8710ECB8DDC3}" presName="iconRect" presStyleLbl="node1" presStyleIdx="2" presStyleCnt="3"/>
       <dgm:spPr>
         <a:blipFill>
-          <a:blip xmlns:r="http://schemas.openxmlformats.org/officeDocument/2006/relationships" r:embed="rId5">
+          <a:blip xmlns:r="http://schemas.openxmlformats.org/officeDocument/2006/relationships" r:embed="rId5" cstate="print">
             <a:extLst>
               <a:ext uri="{28A0092B-C50C-407E-A947-70E740481C1C}">
                 <a14:useLocalDpi xmlns:a14="http://schemas.microsoft.com/office/drawing/2010/main" val="0"/>
               </a:ext>
               <a:ext uri="{96DAC541-7B7A-43D3-8B79-37D633B846F1}">
-                <asvg:svgBlip xmlns:asvg="http://schemas.microsoft.com/office/drawing/2016/SVG/main" r:embed="rId6"/>
+                <asvg:svgBlip xmlns:asvg="http://schemas.microsoft.com/office/drawing/2016/SVG/main" xmlns="" r:embed="rId6"/>
               </a:ext>
             </a:extLst>
           </a:blip>
@@ -3555,6 +3639,13 @@
           <a:noFill/>
         </a:ln>
       </dgm:spPr>
+      <dgm:t>
+        <a:bodyPr/>
+        <a:lstStyle/>
+        <a:p>
+          <a:endParaRPr lang="en-US"/>
+        </a:p>
+      </dgm:t>
       <dgm:extLst>
         <a:ext uri="{E40237B7-FDA0-4F09-8148-C483321AD2D9}">
           <dgm14:cNvPr xmlns:dgm14="http://schemas.microsoft.com/office/drawing/2010/diagram" id="0" name="" descr="Programmer"/>
@@ -3573,6 +3664,13 @@
         </dgm:presLayoutVars>
       </dgm:prSet>
       <dgm:spPr/>
+      <dgm:t>
+        <a:bodyPr/>
+        <a:lstStyle/>
+        <a:p>
+          <a:endParaRPr lang="en-US"/>
+        </a:p>
+      </dgm:t>
     </dgm:pt>
     <dgm:pt modelId="{103B3C29-4EB2-4280-AA18-92DF72F0404C}" type="pres">
       <dgm:prSet presAssocID="{FE8743DB-E120-42F0-A6B5-8710ECB8DDC3}" presName="txSpace" presStyleCnt="0"/>
@@ -3583,32 +3681,39 @@
         <dgm:presLayoutVars/>
       </dgm:prSet>
       <dgm:spPr/>
+      <dgm:t>
+        <a:bodyPr/>
+        <a:lstStyle/>
+        <a:p>
+          <a:endParaRPr lang="en-US"/>
+        </a:p>
+      </dgm:t>
     </dgm:pt>
   </dgm:ptLst>
   <dgm:cxnLst>
+    <dgm:cxn modelId="{3F038527-49E5-4585-BDB5-4EF8A0122A83}" srcId="{BC746639-9614-48B0-9CA8-2B01898B239E}" destId="{E8A3E5AF-9C47-45C6-95B0-C5909E9CECB4}" srcOrd="2" destOrd="0" parTransId="{101AB9EB-466F-45D2-809A-A3B279A2731B}" sibTransId="{0AF5AC79-2DD4-4B6C-8A59-E20A15D89D9F}"/>
+    <dgm:cxn modelId="{348A10DD-61FD-4252-83A4-53FD652442D4}" type="presOf" srcId="{ABF31CFB-39CA-4B7A-A02B-DC03ED2317D2}" destId="{16040F2F-627A-4CB9-8C4F-D8EA755E4869}" srcOrd="0" destOrd="0" presId="urn:microsoft.com/office/officeart/2018/2/layout/IconLabelDescriptionList"/>
+    <dgm:cxn modelId="{D394BD85-16BF-4033-980B-2063E5D26B83}" type="presOf" srcId="{972C08AD-3778-4513-8D1F-63782088EF01}" destId="{0C776E4A-BC69-4F5D-9F82-35BC1C4C21C5}" srcOrd="0" destOrd="0" presId="urn:microsoft.com/office/officeart/2018/2/layout/IconLabelDescriptionList"/>
+    <dgm:cxn modelId="{E99D2552-DECD-4904-A869-D7B8B5FD27BF}" type="presOf" srcId="{0667F161-7159-4646-BA87-E719BC713C30}" destId="{D419DF56-BEB8-4512-89AC-0242941F0424}" srcOrd="0" destOrd="1" presId="urn:microsoft.com/office/officeart/2018/2/layout/IconLabelDescriptionList"/>
+    <dgm:cxn modelId="{722663DF-1B52-466B-9554-1EE9D38A1528}" srcId="{BC746639-9614-48B0-9CA8-2B01898B239E}" destId="{608F2EE7-A232-44E2-A4A2-B23DCDF15B5B}" srcOrd="0" destOrd="0" parTransId="{4669DB53-DB87-45D4-B691-A9B4866D24D4}" sibTransId="{07F46DE9-2826-40A7-960B-3CC0EFB6F442}"/>
+    <dgm:cxn modelId="{041BF2B4-7443-44FD-9DF8-3D4BEECB946B}" srcId="{FE8743DB-E120-42F0-A6B5-8710ECB8DDC3}" destId="{FDBA541C-49C9-4F2F-914C-AD298BBAA0AC}" srcOrd="1" destOrd="0" parTransId="{447C2324-2276-46A8-82B6-B4CFE09FAEC5}" sibTransId="{281E332F-7754-423B-BEC8-845E8A1AC294}"/>
+    <dgm:cxn modelId="{219293CC-B97E-470B-84E7-49A76669F189}" type="presOf" srcId="{FDBA541C-49C9-4F2F-914C-AD298BBAA0AC}" destId="{16040F2F-627A-4CB9-8C4F-D8EA755E4869}" srcOrd="0" destOrd="1" presId="urn:microsoft.com/office/officeart/2018/2/layout/IconLabelDescriptionList"/>
+    <dgm:cxn modelId="{422B55F0-2DF5-4A44-BA44-F95E92455D4C}" srcId="{972C08AD-3778-4513-8D1F-63782088EF01}" destId="{FE8743DB-E120-42F0-A6B5-8710ECB8DDC3}" srcOrd="2" destOrd="0" parTransId="{AB99ED7D-393C-4699-9C20-021A28F0419E}" sibTransId="{A169A9AE-F8A2-4DB3-8E77-BA7EF5B1A142}"/>
+    <dgm:cxn modelId="{21B35F75-FE68-4202-A925-8B21E8BC71E1}" srcId="{FE8743DB-E120-42F0-A6B5-8710ECB8DDC3}" destId="{ABF31CFB-39CA-4B7A-A02B-DC03ED2317D2}" srcOrd="0" destOrd="0" parTransId="{D30775CD-B8C1-43FB-A5F9-4FCDE10BF74E}" sibTransId="{0AE8E1EB-5BA9-4101-9F99-5ECC89B5A7BE}"/>
+    <dgm:cxn modelId="{4E4BF3A8-540D-450A-8925-9E81C9025233}" type="presOf" srcId="{E8A3E5AF-9C47-45C6-95B0-C5909E9CECB4}" destId="{C46DF760-7C58-4FC6-ACCF-21E0481D948D}" srcOrd="0" destOrd="2" presId="urn:microsoft.com/office/officeart/2018/2/layout/IconLabelDescriptionList"/>
+    <dgm:cxn modelId="{5681E1A8-69CD-4DDE-ACA1-0664F603C623}" srcId="{FE8743DB-E120-42F0-A6B5-8710ECB8DDC3}" destId="{F9E7E0B3-ABA1-41DB-866E-93204762FD0B}" srcOrd="2" destOrd="0" parTransId="{77AD7EBE-2905-412B-A468-2E9454002055}" sibTransId="{CD08DCC6-886C-413D-829B-7FA032F504E7}"/>
     <dgm:cxn modelId="{ABD29A0D-372D-4E11-9796-38CB1B5F306B}" type="presOf" srcId="{608F2EE7-A232-44E2-A4A2-B23DCDF15B5B}" destId="{C46DF760-7C58-4FC6-ACCF-21E0481D948D}" srcOrd="0" destOrd="0" presId="urn:microsoft.com/office/officeart/2018/2/layout/IconLabelDescriptionList"/>
-    <dgm:cxn modelId="{08471715-7A94-4B4F-8CBD-8F2AC1D44981}" type="presOf" srcId="{F9E7E0B3-ABA1-41DB-866E-93204762FD0B}" destId="{16040F2F-627A-4CB9-8C4F-D8EA755E4869}" srcOrd="0" destOrd="2" presId="urn:microsoft.com/office/officeart/2018/2/layout/IconLabelDescriptionList"/>
-    <dgm:cxn modelId="{3F038527-49E5-4585-BDB5-4EF8A0122A83}" srcId="{BC746639-9614-48B0-9CA8-2B01898B239E}" destId="{E8A3E5AF-9C47-45C6-95B0-C5909E9CECB4}" srcOrd="2" destOrd="0" parTransId="{101AB9EB-466F-45D2-809A-A3B279A2731B}" sibTransId="{0AF5AC79-2DD4-4B6C-8A59-E20A15D89D9F}"/>
+    <dgm:cxn modelId="{DD61F891-8EDB-4255-954E-60948EC05382}" type="presOf" srcId="{3C2A08F7-4FD1-47CE-B30D-819AD2AC4D2D}" destId="{D419DF56-BEB8-4512-89AC-0242941F0424}" srcOrd="0" destOrd="0" presId="urn:microsoft.com/office/officeart/2018/2/layout/IconLabelDescriptionList"/>
+    <dgm:cxn modelId="{B8A09DB5-4B69-4F52-A431-2D51169EF394}" type="presOf" srcId="{70387770-7AEE-4802-A0C0-D57E185EED13}" destId="{C46DF760-7C58-4FC6-ACCF-21E0481D948D}" srcOrd="0" destOrd="1" presId="urn:microsoft.com/office/officeart/2018/2/layout/IconLabelDescriptionList"/>
+    <dgm:cxn modelId="{CA2D679E-4B21-4F00-BBA0-78284B090FF8}" srcId="{972C08AD-3778-4513-8D1F-63782088EF01}" destId="{6B2A7D77-45BD-4908-B6DD-41AF530D4BF6}" srcOrd="1" destOrd="0" parTransId="{B6A7AB9E-0151-49E3-8AD8-354FE318E1F8}" sibTransId="{D2C54F3F-B9D0-4B66-8231-F5226818213A}"/>
+    <dgm:cxn modelId="{2E49ECC2-6ACA-4232-A093-11D802FE5C68}" srcId="{6B2A7D77-45BD-4908-B6DD-41AF530D4BF6}" destId="{0667F161-7159-4646-BA87-E719BC713C30}" srcOrd="1" destOrd="0" parTransId="{C7176233-D70C-4B20-AFAF-99125CBC688F}" sibTransId="{0EBBB798-6436-45FB-9329-1154A3518D15}"/>
     <dgm:cxn modelId="{36533F3F-CDB2-42A7-A672-B86F3B3B0AAA}" type="presOf" srcId="{6B2A7D77-45BD-4908-B6DD-41AF530D4BF6}" destId="{D484B4BE-3FFD-442C-B8F6-BB1B18286208}" srcOrd="0" destOrd="0" presId="urn:microsoft.com/office/officeart/2018/2/layout/IconLabelDescriptionList"/>
     <dgm:cxn modelId="{49E63946-5DAA-4DA9-8ADD-35485410542A}" srcId="{6B2A7D77-45BD-4908-B6DD-41AF530D4BF6}" destId="{3C2A08F7-4FD1-47CE-B30D-819AD2AC4D2D}" srcOrd="0" destOrd="0" parTransId="{5C26E50F-3601-4DDA-9602-5AB0AA32C5D1}" sibTransId="{0B24C956-E8A7-4B63-8A60-B72113A1C035}"/>
-    <dgm:cxn modelId="{E99D2552-DECD-4904-A869-D7B8B5FD27BF}" type="presOf" srcId="{0667F161-7159-4646-BA87-E719BC713C30}" destId="{D419DF56-BEB8-4512-89AC-0242941F0424}" srcOrd="0" destOrd="1" presId="urn:microsoft.com/office/officeart/2018/2/layout/IconLabelDescriptionList"/>
+    <dgm:cxn modelId="{D1F599BE-5464-4664-A195-9A0B5092579F}" srcId="{BC746639-9614-48B0-9CA8-2B01898B239E}" destId="{70387770-7AEE-4802-A0C0-D57E185EED13}" srcOrd="1" destOrd="0" parTransId="{21125E99-9041-454D-B527-55E4DA5AFDC2}" sibTransId="{75486999-022B-44E6-9892-93BE3CEC47A3}"/>
+    <dgm:cxn modelId="{782BA6CF-3FE4-4E78-A818-74401886CB80}" type="presOf" srcId="{BC746639-9614-48B0-9CA8-2B01898B239E}" destId="{9EE87E94-07E1-4809-B1B7-974F49278F68}" srcOrd="0" destOrd="0" presId="urn:microsoft.com/office/officeart/2018/2/layout/IconLabelDescriptionList"/>
     <dgm:cxn modelId="{6C7A5D54-5F38-4FE0-BADE-E902A5E54603}" type="presOf" srcId="{FE8743DB-E120-42F0-A6B5-8710ECB8DDC3}" destId="{F9795FA7-6547-44FF-9ECE-AF0B6B2C69A0}" srcOrd="0" destOrd="0" presId="urn:microsoft.com/office/officeart/2018/2/layout/IconLabelDescriptionList"/>
-    <dgm:cxn modelId="{21B35F75-FE68-4202-A925-8B21E8BC71E1}" srcId="{FE8743DB-E120-42F0-A6B5-8710ECB8DDC3}" destId="{ABF31CFB-39CA-4B7A-A02B-DC03ED2317D2}" srcOrd="0" destOrd="0" parTransId="{D30775CD-B8C1-43FB-A5F9-4FCDE10BF74E}" sibTransId="{0AE8E1EB-5BA9-4101-9F99-5ECC89B5A7BE}"/>
-    <dgm:cxn modelId="{D394BD85-16BF-4033-980B-2063E5D26B83}" type="presOf" srcId="{972C08AD-3778-4513-8D1F-63782088EF01}" destId="{0C776E4A-BC69-4F5D-9F82-35BC1C4C21C5}" srcOrd="0" destOrd="0" presId="urn:microsoft.com/office/officeart/2018/2/layout/IconLabelDescriptionList"/>
-    <dgm:cxn modelId="{DD61F891-8EDB-4255-954E-60948EC05382}" type="presOf" srcId="{3C2A08F7-4FD1-47CE-B30D-819AD2AC4D2D}" destId="{D419DF56-BEB8-4512-89AC-0242941F0424}" srcOrd="0" destOrd="0" presId="urn:microsoft.com/office/officeart/2018/2/layout/IconLabelDescriptionList"/>
-    <dgm:cxn modelId="{CA2D679E-4B21-4F00-BBA0-78284B090FF8}" srcId="{972C08AD-3778-4513-8D1F-63782088EF01}" destId="{6B2A7D77-45BD-4908-B6DD-41AF530D4BF6}" srcOrd="1" destOrd="0" parTransId="{B6A7AB9E-0151-49E3-8AD8-354FE318E1F8}" sibTransId="{D2C54F3F-B9D0-4B66-8231-F5226818213A}"/>
-    <dgm:cxn modelId="{5681E1A8-69CD-4DDE-ACA1-0664F603C623}" srcId="{FE8743DB-E120-42F0-A6B5-8710ECB8DDC3}" destId="{F9E7E0B3-ABA1-41DB-866E-93204762FD0B}" srcOrd="2" destOrd="0" parTransId="{77AD7EBE-2905-412B-A468-2E9454002055}" sibTransId="{CD08DCC6-886C-413D-829B-7FA032F504E7}"/>
-    <dgm:cxn modelId="{4E4BF3A8-540D-450A-8925-9E81C9025233}" type="presOf" srcId="{E8A3E5AF-9C47-45C6-95B0-C5909E9CECB4}" destId="{C46DF760-7C58-4FC6-ACCF-21E0481D948D}" srcOrd="0" destOrd="2" presId="urn:microsoft.com/office/officeart/2018/2/layout/IconLabelDescriptionList"/>
-    <dgm:cxn modelId="{041BF2B4-7443-44FD-9DF8-3D4BEECB946B}" srcId="{FE8743DB-E120-42F0-A6B5-8710ECB8DDC3}" destId="{FDBA541C-49C9-4F2F-914C-AD298BBAA0AC}" srcOrd="1" destOrd="0" parTransId="{447C2324-2276-46A8-82B6-B4CFE09FAEC5}" sibTransId="{281E332F-7754-423B-BEC8-845E8A1AC294}"/>
-    <dgm:cxn modelId="{B8A09DB5-4B69-4F52-A431-2D51169EF394}" type="presOf" srcId="{70387770-7AEE-4802-A0C0-D57E185EED13}" destId="{C46DF760-7C58-4FC6-ACCF-21E0481D948D}" srcOrd="0" destOrd="1" presId="urn:microsoft.com/office/officeart/2018/2/layout/IconLabelDescriptionList"/>
     <dgm:cxn modelId="{E9BFC3BD-C5EF-4699-8D6C-7F722D05DCBF}" srcId="{972C08AD-3778-4513-8D1F-63782088EF01}" destId="{BC746639-9614-48B0-9CA8-2B01898B239E}" srcOrd="0" destOrd="0" parTransId="{E278EEC6-E843-4C8D-BDA4-B49B11D7D08C}" sibTransId="{EAB0C0C8-306D-41F7-A410-1A540796873A}"/>
-    <dgm:cxn modelId="{D1F599BE-5464-4664-A195-9A0B5092579F}" srcId="{BC746639-9614-48B0-9CA8-2B01898B239E}" destId="{70387770-7AEE-4802-A0C0-D57E185EED13}" srcOrd="1" destOrd="0" parTransId="{21125E99-9041-454D-B527-55E4DA5AFDC2}" sibTransId="{75486999-022B-44E6-9892-93BE3CEC47A3}"/>
-    <dgm:cxn modelId="{2E49ECC2-6ACA-4232-A093-11D802FE5C68}" srcId="{6B2A7D77-45BD-4908-B6DD-41AF530D4BF6}" destId="{0667F161-7159-4646-BA87-E719BC713C30}" srcOrd="1" destOrd="0" parTransId="{C7176233-D70C-4B20-AFAF-99125CBC688F}" sibTransId="{0EBBB798-6436-45FB-9329-1154A3518D15}"/>
-    <dgm:cxn modelId="{219293CC-B97E-470B-84E7-49A76669F189}" type="presOf" srcId="{FDBA541C-49C9-4F2F-914C-AD298BBAA0AC}" destId="{16040F2F-627A-4CB9-8C4F-D8EA755E4869}" srcOrd="0" destOrd="1" presId="urn:microsoft.com/office/officeart/2018/2/layout/IconLabelDescriptionList"/>
-    <dgm:cxn modelId="{782BA6CF-3FE4-4E78-A818-74401886CB80}" type="presOf" srcId="{BC746639-9614-48B0-9CA8-2B01898B239E}" destId="{9EE87E94-07E1-4809-B1B7-974F49278F68}" srcOrd="0" destOrd="0" presId="urn:microsoft.com/office/officeart/2018/2/layout/IconLabelDescriptionList"/>
-    <dgm:cxn modelId="{348A10DD-61FD-4252-83A4-53FD652442D4}" type="presOf" srcId="{ABF31CFB-39CA-4B7A-A02B-DC03ED2317D2}" destId="{16040F2F-627A-4CB9-8C4F-D8EA755E4869}" srcOrd="0" destOrd="0" presId="urn:microsoft.com/office/officeart/2018/2/layout/IconLabelDescriptionList"/>
-    <dgm:cxn modelId="{722663DF-1B52-466B-9554-1EE9D38A1528}" srcId="{BC746639-9614-48B0-9CA8-2B01898B239E}" destId="{608F2EE7-A232-44E2-A4A2-B23DCDF15B5B}" srcOrd="0" destOrd="0" parTransId="{4669DB53-DB87-45D4-B691-A9B4866D24D4}" sibTransId="{07F46DE9-2826-40A7-960B-3CC0EFB6F442}"/>
-    <dgm:cxn modelId="{422B55F0-2DF5-4A44-BA44-F95E92455D4C}" srcId="{972C08AD-3778-4513-8D1F-63782088EF01}" destId="{FE8743DB-E120-42F0-A6B5-8710ECB8DDC3}" srcOrd="2" destOrd="0" parTransId="{AB99ED7D-393C-4699-9C20-021A28F0419E}" sibTransId="{A169A9AE-F8A2-4DB3-8E77-BA7EF5B1A142}"/>
+    <dgm:cxn modelId="{08471715-7A94-4B4F-8CBD-8F2AC1D44981}" type="presOf" srcId="{F9E7E0B3-ABA1-41DB-866E-93204762FD0B}" destId="{16040F2F-627A-4CB9-8C4F-D8EA755E4869}" srcOrd="0" destOrd="2" presId="urn:microsoft.com/office/officeart/2018/2/layout/IconLabelDescriptionList"/>
     <dgm:cxn modelId="{4345FD6A-3703-4D31-B8D6-DA14C7B5EB7D}" type="presParOf" srcId="{0C776E4A-BC69-4F5D-9F82-35BC1C4C21C5}" destId="{E23AF722-7CA2-4571-BCC6-746D30E14C64}" srcOrd="0" destOrd="0" presId="urn:microsoft.com/office/officeart/2018/2/layout/IconLabelDescriptionList"/>
     <dgm:cxn modelId="{80829E26-91EA-4076-A608-8F8C99E0E663}" type="presParOf" srcId="{E23AF722-7CA2-4571-BCC6-746D30E14C64}" destId="{4A4C61EC-6B52-4FFD-B33B-3B8128007728}" srcOrd="0" destOrd="0" presId="urn:microsoft.com/office/officeart/2018/2/layout/IconLabelDescriptionList"/>
     <dgm:cxn modelId="{C6E24BF5-1B30-4EBC-B082-9870E2B69633}" type="presParOf" srcId="{E23AF722-7CA2-4571-BCC6-746D30E14C64}" destId="{9244A8C3-B619-45B3-B7B8-C8C9049F05D2}" srcOrd="1" destOrd="0" presId="urn:microsoft.com/office/officeart/2018/2/layout/IconLabelDescriptionList"/>
@@ -3915,6 +4020,13 @@
         </dgm:presLayoutVars>
       </dgm:prSet>
       <dgm:spPr/>
+      <dgm:t>
+        <a:bodyPr/>
+        <a:lstStyle/>
+        <a:p>
+          <a:endParaRPr lang="en-US"/>
+        </a:p>
+      </dgm:t>
     </dgm:pt>
     <dgm:pt modelId="{CA0CA327-6272-4546-B06A-5DDF1DCD1954}" type="pres">
       <dgm:prSet presAssocID="{37B41F6F-5EAC-44FC-A467-EB7A04D29386}" presName="boxAndChildren" presStyleCnt="0"/>
@@ -3923,10 +4035,24 @@
     <dgm:pt modelId="{3070CBD4-D1FE-498F-BF39-CF65F213C4C0}" type="pres">
       <dgm:prSet presAssocID="{37B41F6F-5EAC-44FC-A467-EB7A04D29386}" presName="parentTextBox" presStyleLbl="alignNode1" presStyleIdx="0" presStyleCnt="2"/>
       <dgm:spPr/>
+      <dgm:t>
+        <a:bodyPr/>
+        <a:lstStyle/>
+        <a:p>
+          <a:endParaRPr lang="en-US"/>
+        </a:p>
+      </dgm:t>
     </dgm:pt>
     <dgm:pt modelId="{691BBEB3-D3C4-4CBA-9FE3-787728FC6796}" type="pres">
       <dgm:prSet presAssocID="{37B41F6F-5EAC-44FC-A467-EB7A04D29386}" presName="descendantBox" presStyleLbl="bgAccFollowNode1" presStyleIdx="0" presStyleCnt="2"/>
       <dgm:spPr/>
+      <dgm:t>
+        <a:bodyPr/>
+        <a:lstStyle/>
+        <a:p>
+          <a:endParaRPr lang="en-US"/>
+        </a:p>
+      </dgm:t>
     </dgm:pt>
     <dgm:pt modelId="{D1A960D1-6877-4A50-8F52-67E0B6BF46BF}" type="pres">
       <dgm:prSet presAssocID="{50772782-C535-44BC-8D3F-098965A33ECF}" presName="sp" presStyleCnt="0"/>
@@ -3939,33 +4065,54 @@
     <dgm:pt modelId="{FFAB9560-F117-4874-9807-5F4869FAFDF6}" type="pres">
       <dgm:prSet presAssocID="{654FDC7C-5413-4477-9936-87D2A8FFAC64}" presName="parentTextArrow" presStyleLbl="node1" presStyleIdx="0" presStyleCnt="0"/>
       <dgm:spPr/>
+      <dgm:t>
+        <a:bodyPr/>
+        <a:lstStyle/>
+        <a:p>
+          <a:endParaRPr lang="en-US"/>
+        </a:p>
+      </dgm:t>
     </dgm:pt>
     <dgm:pt modelId="{4A676A88-F563-487B-9DE7-A37FD3C0B1EE}" type="pres">
       <dgm:prSet presAssocID="{654FDC7C-5413-4477-9936-87D2A8FFAC64}" presName="arrow" presStyleLbl="alignNode1" presStyleIdx="1" presStyleCnt="2"/>
       <dgm:spPr/>
+      <dgm:t>
+        <a:bodyPr/>
+        <a:lstStyle/>
+        <a:p>
+          <a:endParaRPr lang="en-US"/>
+        </a:p>
+      </dgm:t>
     </dgm:pt>
     <dgm:pt modelId="{90948CCB-2112-44DE-8637-DE8CA9C5DA0D}" type="pres">
       <dgm:prSet presAssocID="{654FDC7C-5413-4477-9936-87D2A8FFAC64}" presName="descendantArrow" presStyleLbl="bgAccFollowNode1" presStyleIdx="1" presStyleCnt="2"/>
       <dgm:spPr/>
+      <dgm:t>
+        <a:bodyPr/>
+        <a:lstStyle/>
+        <a:p>
+          <a:endParaRPr lang="en-US"/>
+        </a:p>
+      </dgm:t>
     </dgm:pt>
   </dgm:ptLst>
   <dgm:cxnLst>
+    <dgm:cxn modelId="{CC70E8BA-86D9-41A2-8D8C-F6B73BC62B90}" srcId="{654FDC7C-5413-4477-9936-87D2A8FFAC64}" destId="{1CD424C0-AD96-4FAD-A724-A4E39E6D22F6}" srcOrd="3" destOrd="0" parTransId="{A2C3B487-08D7-49DF-AFB5-E38DED66A9C1}" sibTransId="{E2EB5908-2B8A-4B2C-A398-7A665CBD6A87}"/>
+    <dgm:cxn modelId="{70C99A3E-CBED-498D-B144-FFB506E9D118}" srcId="{654FDC7C-5413-4477-9936-87D2A8FFAC64}" destId="{798AD4CC-11DC-4CAD-9D6E-C8FF72FB00D8}" srcOrd="1" destOrd="0" parTransId="{A448327F-53A9-4B9F-A4AE-8C365C73FD2C}" sibTransId="{C1D4D837-83D4-4086-AF90-6A82808754CC}"/>
+    <dgm:cxn modelId="{289699A4-5505-456C-8FD4-6EA59B401A1F}" type="presOf" srcId="{1CD424C0-AD96-4FAD-A724-A4E39E6D22F6}" destId="{90948CCB-2112-44DE-8637-DE8CA9C5DA0D}" srcOrd="0" destOrd="3" presId="urn:microsoft.com/office/officeart/2016/7/layout/VerticalDownArrowProcess"/>
+    <dgm:cxn modelId="{0F40687E-4DF1-41BC-B52F-D7AC23B41234}" srcId="{654FDC7C-5413-4477-9936-87D2A8FFAC64}" destId="{CE7B5691-613B-4F6C-811E-25793E73D777}" srcOrd="0" destOrd="0" parTransId="{05F02A0C-28D1-41BB-98BF-8A5583EFFE3D}" sibTransId="{C7CC9607-508E-44B8-8ADE-19FED25B66FD}"/>
+    <dgm:cxn modelId="{74655D7A-7438-47B8-B7C8-4BC65117D99C}" type="presOf" srcId="{E31AB4AC-E711-4C6F-9027-67B0AAD0E5AD}" destId="{DC1E20BC-E835-47E1-AEF4-DF192935B205}" srcOrd="0" destOrd="0" presId="urn:microsoft.com/office/officeart/2016/7/layout/VerticalDownArrowProcess"/>
+    <dgm:cxn modelId="{D95EED2B-C600-4909-AD81-9C6CF91A06D6}" type="presOf" srcId="{8139CF46-FF88-4CA3-896A-4BE7BB32FAD3}" destId="{691BBEB3-D3C4-4CBA-9FE3-787728FC6796}" srcOrd="0" destOrd="0" presId="urn:microsoft.com/office/officeart/2016/7/layout/VerticalDownArrowProcess"/>
+    <dgm:cxn modelId="{CD67093E-5902-4D05-AB76-738D29ED84DC}" type="presOf" srcId="{798AD4CC-11DC-4CAD-9D6E-C8FF72FB00D8}" destId="{90948CCB-2112-44DE-8637-DE8CA9C5DA0D}" srcOrd="0" destOrd="1" presId="urn:microsoft.com/office/officeart/2016/7/layout/VerticalDownArrowProcess"/>
+    <dgm:cxn modelId="{DE987835-D5A3-4286-8BD6-8251F6D2F64A}" type="presOf" srcId="{33948DAE-70C8-482F-8F0B-6E67DFE69DDF}" destId="{90948CCB-2112-44DE-8637-DE8CA9C5DA0D}" srcOrd="0" destOrd="2" presId="urn:microsoft.com/office/officeart/2016/7/layout/VerticalDownArrowProcess"/>
+    <dgm:cxn modelId="{B4067FE5-D27A-4D2C-A2F8-0D3728B4948F}" type="presOf" srcId="{CE7B5691-613B-4F6C-811E-25793E73D777}" destId="{90948CCB-2112-44DE-8637-DE8CA9C5DA0D}" srcOrd="0" destOrd="0" presId="urn:microsoft.com/office/officeart/2016/7/layout/VerticalDownArrowProcess"/>
+    <dgm:cxn modelId="{A6D19F66-6638-4EE9-A0C4-7B82E20C1589}" srcId="{37B41F6F-5EAC-44FC-A467-EB7A04D29386}" destId="{8139CF46-FF88-4CA3-896A-4BE7BB32FAD3}" srcOrd="0" destOrd="0" parTransId="{DFA4B3F1-1DB2-49E5-B18F-5CF2C330543D}" sibTransId="{FAFC21C2-10CD-4BA9-AF04-A13819B16FFA}"/>
     <dgm:cxn modelId="{7F84A51B-FF69-4135-9AF6-F0A2BD08FEA4}" type="presOf" srcId="{654FDC7C-5413-4477-9936-87D2A8FFAC64}" destId="{4A676A88-F563-487B-9DE7-A37FD3C0B1EE}" srcOrd="1" destOrd="0" presId="urn:microsoft.com/office/officeart/2016/7/layout/VerticalDownArrowProcess"/>
-    <dgm:cxn modelId="{D95EED2B-C600-4909-AD81-9C6CF91A06D6}" type="presOf" srcId="{8139CF46-FF88-4CA3-896A-4BE7BB32FAD3}" destId="{691BBEB3-D3C4-4CBA-9FE3-787728FC6796}" srcOrd="0" destOrd="0" presId="urn:microsoft.com/office/officeart/2016/7/layout/VerticalDownArrowProcess"/>
+    <dgm:cxn modelId="{66B13F59-16A4-413D-9A8B-5C4AD8219EE2}" srcId="{654FDC7C-5413-4477-9936-87D2A8FFAC64}" destId="{33948DAE-70C8-482F-8F0B-6E67DFE69DDF}" srcOrd="2" destOrd="0" parTransId="{7056AA9A-F46F-45CA-B6D3-B89544717C7B}" sibTransId="{EB884FBC-B897-4069-9AA5-6DE7B280A330}"/>
+    <dgm:cxn modelId="{8EFEFF6B-04BD-47C5-991A-F57CE852EE56}" type="presOf" srcId="{37B41F6F-5EAC-44FC-A467-EB7A04D29386}" destId="{3070CBD4-D1FE-498F-BF39-CF65F213C4C0}" srcOrd="0" destOrd="0" presId="urn:microsoft.com/office/officeart/2016/7/layout/VerticalDownArrowProcess"/>
+    <dgm:cxn modelId="{ED924CD3-84EA-4775-8CE9-6BC07B4C4F97}" srcId="{E31AB4AC-E711-4C6F-9027-67B0AAD0E5AD}" destId="{654FDC7C-5413-4477-9936-87D2A8FFAC64}" srcOrd="0" destOrd="0" parTransId="{048D1A62-A1B3-4A18-B682-CF26288E63A3}" sibTransId="{50772782-C535-44BC-8D3F-098965A33ECF}"/>
     <dgm:cxn modelId="{D8B1A130-733D-4C92-AD5A-59F5BA7B6A4A}" type="presOf" srcId="{654FDC7C-5413-4477-9936-87D2A8FFAC64}" destId="{FFAB9560-F117-4874-9807-5F4869FAFDF6}" srcOrd="0" destOrd="0" presId="urn:microsoft.com/office/officeart/2016/7/layout/VerticalDownArrowProcess"/>
-    <dgm:cxn modelId="{DE987835-D5A3-4286-8BD6-8251F6D2F64A}" type="presOf" srcId="{33948DAE-70C8-482F-8F0B-6E67DFE69DDF}" destId="{90948CCB-2112-44DE-8637-DE8CA9C5DA0D}" srcOrd="0" destOrd="2" presId="urn:microsoft.com/office/officeart/2016/7/layout/VerticalDownArrowProcess"/>
-    <dgm:cxn modelId="{CD67093E-5902-4D05-AB76-738D29ED84DC}" type="presOf" srcId="{798AD4CC-11DC-4CAD-9D6E-C8FF72FB00D8}" destId="{90948CCB-2112-44DE-8637-DE8CA9C5DA0D}" srcOrd="0" destOrd="1" presId="urn:microsoft.com/office/officeart/2016/7/layout/VerticalDownArrowProcess"/>
-    <dgm:cxn modelId="{70C99A3E-CBED-498D-B144-FFB506E9D118}" srcId="{654FDC7C-5413-4477-9936-87D2A8FFAC64}" destId="{798AD4CC-11DC-4CAD-9D6E-C8FF72FB00D8}" srcOrd="1" destOrd="0" parTransId="{A448327F-53A9-4B9F-A4AE-8C365C73FD2C}" sibTransId="{C1D4D837-83D4-4086-AF90-6A82808754CC}"/>
-    <dgm:cxn modelId="{A6D19F66-6638-4EE9-A0C4-7B82E20C1589}" srcId="{37B41F6F-5EAC-44FC-A467-EB7A04D29386}" destId="{8139CF46-FF88-4CA3-896A-4BE7BB32FAD3}" srcOrd="0" destOrd="0" parTransId="{DFA4B3F1-1DB2-49E5-B18F-5CF2C330543D}" sibTransId="{FAFC21C2-10CD-4BA9-AF04-A13819B16FFA}"/>
-    <dgm:cxn modelId="{8EFEFF6B-04BD-47C5-991A-F57CE852EE56}" type="presOf" srcId="{37B41F6F-5EAC-44FC-A467-EB7A04D29386}" destId="{3070CBD4-D1FE-498F-BF39-CF65F213C4C0}" srcOrd="0" destOrd="0" presId="urn:microsoft.com/office/officeart/2016/7/layout/VerticalDownArrowProcess"/>
-    <dgm:cxn modelId="{66B13F59-16A4-413D-9A8B-5C4AD8219EE2}" srcId="{654FDC7C-5413-4477-9936-87D2A8FFAC64}" destId="{33948DAE-70C8-482F-8F0B-6E67DFE69DDF}" srcOrd="2" destOrd="0" parTransId="{7056AA9A-F46F-45CA-B6D3-B89544717C7B}" sibTransId="{EB884FBC-B897-4069-9AA5-6DE7B280A330}"/>
-    <dgm:cxn modelId="{74655D7A-7438-47B8-B7C8-4BC65117D99C}" type="presOf" srcId="{E31AB4AC-E711-4C6F-9027-67B0AAD0E5AD}" destId="{DC1E20BC-E835-47E1-AEF4-DF192935B205}" srcOrd="0" destOrd="0" presId="urn:microsoft.com/office/officeart/2016/7/layout/VerticalDownArrowProcess"/>
-    <dgm:cxn modelId="{0F40687E-4DF1-41BC-B52F-D7AC23B41234}" srcId="{654FDC7C-5413-4477-9936-87D2A8FFAC64}" destId="{CE7B5691-613B-4F6C-811E-25793E73D777}" srcOrd="0" destOrd="0" parTransId="{05F02A0C-28D1-41BB-98BF-8A5583EFFE3D}" sibTransId="{C7CC9607-508E-44B8-8ADE-19FED25B66FD}"/>
-    <dgm:cxn modelId="{289699A4-5505-456C-8FD4-6EA59B401A1F}" type="presOf" srcId="{1CD424C0-AD96-4FAD-A724-A4E39E6D22F6}" destId="{90948CCB-2112-44DE-8637-DE8CA9C5DA0D}" srcOrd="0" destOrd="3" presId="urn:microsoft.com/office/officeart/2016/7/layout/VerticalDownArrowProcess"/>
-    <dgm:cxn modelId="{CC70E8BA-86D9-41A2-8D8C-F6B73BC62B90}" srcId="{654FDC7C-5413-4477-9936-87D2A8FFAC64}" destId="{1CD424C0-AD96-4FAD-A724-A4E39E6D22F6}" srcOrd="3" destOrd="0" parTransId="{A2C3B487-08D7-49DF-AFB5-E38DED66A9C1}" sibTransId="{E2EB5908-2B8A-4B2C-A398-7A665CBD6A87}"/>
     <dgm:cxn modelId="{DFB1BFCF-7AD6-4662-8633-72E4E26C3098}" srcId="{E31AB4AC-E711-4C6F-9027-67B0AAD0E5AD}" destId="{37B41F6F-5EAC-44FC-A467-EB7A04D29386}" srcOrd="1" destOrd="0" parTransId="{BBA141C5-79C6-4BAC-90B2-0ECE7ED280D6}" sibTransId="{73387378-F9E6-4992-BE6A-CDBC43A3BEFA}"/>
-    <dgm:cxn modelId="{ED924CD3-84EA-4775-8CE9-6BC07B4C4F97}" srcId="{E31AB4AC-E711-4C6F-9027-67B0AAD0E5AD}" destId="{654FDC7C-5413-4477-9936-87D2A8FFAC64}" srcOrd="0" destOrd="0" parTransId="{048D1A62-A1B3-4A18-B682-CF26288E63A3}" sibTransId="{50772782-C535-44BC-8D3F-098965A33ECF}"/>
-    <dgm:cxn modelId="{B4067FE5-D27A-4D2C-A2F8-0D3728B4948F}" type="presOf" srcId="{CE7B5691-613B-4F6C-811E-25793E73D777}" destId="{90948CCB-2112-44DE-8637-DE8CA9C5DA0D}" srcOrd="0" destOrd="0" presId="urn:microsoft.com/office/officeart/2016/7/layout/VerticalDownArrowProcess"/>
     <dgm:cxn modelId="{7D74E5C9-1E94-4A1E-9D93-2DF10168EBAC}" type="presParOf" srcId="{DC1E20BC-E835-47E1-AEF4-DF192935B205}" destId="{CA0CA327-6272-4546-B06A-5DDF1DCD1954}" srcOrd="0" destOrd="0" presId="urn:microsoft.com/office/officeart/2016/7/layout/VerticalDownArrowProcess"/>
     <dgm:cxn modelId="{D5E69A95-29A2-43FA-8E64-9C437DF7DBBE}" type="presParOf" srcId="{CA0CA327-6272-4546-B06A-5DDF1DCD1954}" destId="{3070CBD4-D1FE-498F-BF39-CF65F213C4C0}" srcOrd="0" destOrd="0" presId="urn:microsoft.com/office/officeart/2016/7/layout/VerticalDownArrowProcess"/>
     <dgm:cxn modelId="{546D3955-F3CE-4604-A3B9-E603419272B8}" type="presParOf" srcId="{CA0CA327-6272-4546-B06A-5DDF1DCD1954}" destId="{691BBEB3-D3C4-4CBA-9FE3-787728FC6796}" srcOrd="1" destOrd="0" presId="urn:microsoft.com/office/officeart/2016/7/layout/VerticalDownArrowProcess"/>
@@ -3993,402 +4140,6 @@
       <dsp:cNvGrpSpPr/>
     </dsp:nvGrpSpPr>
     <dsp:grpSpPr/>
-    <dsp:sp modelId="{35DC8AB7-8519-4A16-A361-0B7C74BAEC24}">
-      <dsp:nvSpPr>
-        <dsp:cNvPr id="0" name=""/>
-        <dsp:cNvSpPr/>
-      </dsp:nvSpPr>
-      <dsp:spPr>
-        <a:xfrm>
-          <a:off x="2351" y="548989"/>
-          <a:ext cx="1268367" cy="1268367"/>
-        </a:xfrm>
-        <a:prstGeom prst="rect">
-          <a:avLst/>
-        </a:prstGeom>
-        <a:blipFill>
-          <a:blip xmlns:r="http://schemas.openxmlformats.org/officeDocument/2006/relationships" r:embed="rId1">
-            <a:extLst>
-              <a:ext uri="{28A0092B-C50C-407E-A947-70E740481C1C}">
-                <a14:useLocalDpi xmlns:a14="http://schemas.microsoft.com/office/drawing/2010/main" val="0"/>
-              </a:ext>
-              <a:ext uri="{96DAC541-7B7A-43D3-8B79-37D633B846F1}">
-                <asvg:svgBlip xmlns:asvg="http://schemas.microsoft.com/office/drawing/2016/SVG/main" r:embed="rId2"/>
-              </a:ext>
-            </a:extLst>
-          </a:blip>
-          <a:stretch>
-            <a:fillRect/>
-          </a:stretch>
-        </a:blipFill>
-        <a:ln w="12700" cap="flat" cmpd="sng" algn="ctr">
-          <a:noFill/>
-          <a:prstDash val="solid"/>
-          <a:miter lim="800000"/>
-        </a:ln>
-        <a:effectLst/>
-      </dsp:spPr>
-      <dsp:style>
-        <a:lnRef idx="2">
-          <a:scrgbClr r="0" g="0" b="0"/>
-        </a:lnRef>
-        <a:fillRef idx="1">
-          <a:scrgbClr r="0" g="0" b="0"/>
-        </a:fillRef>
-        <a:effectRef idx="0">
-          <a:scrgbClr r="0" g="0" b="0"/>
-        </a:effectRef>
-        <a:fontRef idx="minor">
-          <a:schemeClr val="lt1"/>
-        </a:fontRef>
-      </dsp:style>
-    </dsp:sp>
-    <dsp:sp modelId="{E47C1393-F4B9-4449-8363-3967AC7DDEF4}">
-      <dsp:nvSpPr>
-        <dsp:cNvPr id="0" name=""/>
-        <dsp:cNvSpPr/>
-      </dsp:nvSpPr>
-      <dsp:spPr>
-        <a:xfrm>
-          <a:off x="2351" y="1948786"/>
-          <a:ext cx="3623906" cy="543585"/>
-        </a:xfrm>
-        <a:prstGeom prst="rect">
-          <a:avLst/>
-        </a:prstGeom>
-        <a:noFill/>
-        <a:ln>
-          <a:noFill/>
-        </a:ln>
-        <a:effectLst/>
-      </dsp:spPr>
-      <dsp:style>
-        <a:lnRef idx="0">
-          <a:scrgbClr r="0" g="0" b="0"/>
-        </a:lnRef>
-        <a:fillRef idx="0">
-          <a:scrgbClr r="0" g="0" b="0"/>
-        </a:fillRef>
-        <a:effectRef idx="0">
-          <a:scrgbClr r="0" g="0" b="0"/>
-        </a:effectRef>
-        <a:fontRef idx="minor"/>
-      </dsp:style>
-      <dsp:txBody>
-        <a:bodyPr spcFirstLastPara="0" vert="horz" wrap="square" lIns="0" tIns="0" rIns="0" bIns="0" numCol="1" spcCol="1270" anchor="t" anchorCtr="0">
-          <a:noAutofit/>
-        </a:bodyPr>
-        <a:lstStyle/>
-        <a:p>
-          <a:pPr marL="0" lvl="0" indent="0" algn="l" defTabSz="755650">
-            <a:lnSpc>
-              <a:spcPct val="100000"/>
-            </a:lnSpc>
-            <a:spcBef>
-              <a:spcPct val="0"/>
-            </a:spcBef>
-            <a:spcAft>
-              <a:spcPct val="35000"/>
-            </a:spcAft>
-            <a:buNone/>
-            <a:defRPr b="1"/>
-          </a:pPr>
-          <a:r>
-            <a:rPr lang="en-US" sz="1700" kern="1200"/>
-            <a:t>Non-raw sockets</a:t>
-          </a:r>
-        </a:p>
-      </dsp:txBody>
-      <dsp:txXfrm>
-        <a:off x="2351" y="1948786"/>
-        <a:ext cx="3623906" cy="543585"/>
-      </dsp:txXfrm>
-    </dsp:sp>
-    <dsp:sp modelId="{BB8F66F7-69A1-4DCD-A110-529F4CB8FAAD}">
-      <dsp:nvSpPr>
-        <dsp:cNvPr id="0" name=""/>
-        <dsp:cNvSpPr/>
-      </dsp:nvSpPr>
-      <dsp:spPr>
-        <a:xfrm>
-          <a:off x="2351" y="2553503"/>
-          <a:ext cx="3623906" cy="1051994"/>
-        </a:xfrm>
-        <a:prstGeom prst="rect">
-          <a:avLst/>
-        </a:prstGeom>
-        <a:noFill/>
-        <a:ln>
-          <a:noFill/>
-        </a:ln>
-        <a:effectLst/>
-      </dsp:spPr>
-      <dsp:style>
-        <a:lnRef idx="0">
-          <a:scrgbClr r="0" g="0" b="0"/>
-        </a:lnRef>
-        <a:fillRef idx="0">
-          <a:scrgbClr r="0" g="0" b="0"/>
-        </a:fillRef>
-        <a:effectRef idx="0">
-          <a:scrgbClr r="0" g="0" b="0"/>
-        </a:effectRef>
-        <a:fontRef idx="minor"/>
-      </dsp:style>
-      <dsp:txBody>
-        <a:bodyPr spcFirstLastPara="0" vert="horz" wrap="square" lIns="0" tIns="0" rIns="0" bIns="0" numCol="1" spcCol="1270" anchor="t" anchorCtr="0">
-          <a:noAutofit/>
-        </a:bodyPr>
-        <a:lstStyle/>
-        <a:p>
-          <a:pPr marL="0" lvl="0" indent="0" algn="l" defTabSz="577850">
-            <a:lnSpc>
-              <a:spcPct val="100000"/>
-            </a:lnSpc>
-            <a:spcBef>
-              <a:spcPct val="0"/>
-            </a:spcBef>
-            <a:spcAft>
-              <a:spcPct val="35000"/>
-            </a:spcAft>
-            <a:buNone/>
-          </a:pPr>
-          <a:r>
-            <a:rPr lang="en-US" sz="1300" kern="1200"/>
-            <a:t>OS is responsible for transport, network and data-link layer headers</a:t>
-          </a:r>
-        </a:p>
-      </dsp:txBody>
-      <dsp:txXfrm>
-        <a:off x="2351" y="2553503"/>
-        <a:ext cx="3623906" cy="1051994"/>
-      </dsp:txXfrm>
-    </dsp:sp>
-    <dsp:sp modelId="{87700048-5B3B-462C-ADD3-E9C514A8768F}">
-      <dsp:nvSpPr>
-        <dsp:cNvPr id="0" name=""/>
-        <dsp:cNvSpPr/>
-      </dsp:nvSpPr>
-      <dsp:spPr>
-        <a:xfrm>
-          <a:off x="4260441" y="548989"/>
-          <a:ext cx="1268367" cy="1268367"/>
-        </a:xfrm>
-        <a:prstGeom prst="rect">
-          <a:avLst/>
-        </a:prstGeom>
-        <a:blipFill>
-          <a:blip xmlns:r="http://schemas.openxmlformats.org/officeDocument/2006/relationships" r:embed="rId3">
-            <a:extLst>
-              <a:ext uri="{28A0092B-C50C-407E-A947-70E740481C1C}">
-                <a14:useLocalDpi xmlns:a14="http://schemas.microsoft.com/office/drawing/2010/main" val="0"/>
-              </a:ext>
-              <a:ext uri="{96DAC541-7B7A-43D3-8B79-37D633B846F1}">
-                <asvg:svgBlip xmlns:asvg="http://schemas.microsoft.com/office/drawing/2016/SVG/main" r:embed="rId4"/>
-              </a:ext>
-            </a:extLst>
-          </a:blip>
-          <a:stretch>
-            <a:fillRect/>
-          </a:stretch>
-        </a:blipFill>
-        <a:ln w="12700" cap="flat" cmpd="sng" algn="ctr">
-          <a:noFill/>
-          <a:prstDash val="solid"/>
-          <a:miter lim="800000"/>
-        </a:ln>
-        <a:effectLst/>
-      </dsp:spPr>
-      <dsp:style>
-        <a:lnRef idx="2">
-          <a:scrgbClr r="0" g="0" b="0"/>
-        </a:lnRef>
-        <a:fillRef idx="1">
-          <a:scrgbClr r="0" g="0" b="0"/>
-        </a:fillRef>
-        <a:effectRef idx="0">
-          <a:scrgbClr r="0" g="0" b="0"/>
-        </a:effectRef>
-        <a:fontRef idx="minor">
-          <a:schemeClr val="lt1"/>
-        </a:fontRef>
-      </dsp:style>
-    </dsp:sp>
-    <dsp:sp modelId="{CC0BCE32-A53A-4ED9-BB95-C89D75428ED0}">
-      <dsp:nvSpPr>
-        <dsp:cNvPr id="0" name=""/>
-        <dsp:cNvSpPr/>
-      </dsp:nvSpPr>
-      <dsp:spPr>
-        <a:xfrm>
-          <a:off x="4260441" y="1948786"/>
-          <a:ext cx="3623906" cy="543585"/>
-        </a:xfrm>
-        <a:prstGeom prst="rect">
-          <a:avLst/>
-        </a:prstGeom>
-        <a:noFill/>
-        <a:ln>
-          <a:noFill/>
-        </a:ln>
-        <a:effectLst/>
-      </dsp:spPr>
-      <dsp:style>
-        <a:lnRef idx="0">
-          <a:scrgbClr r="0" g="0" b="0"/>
-        </a:lnRef>
-        <a:fillRef idx="0">
-          <a:scrgbClr r="0" g="0" b="0"/>
-        </a:fillRef>
-        <a:effectRef idx="0">
-          <a:scrgbClr r="0" g="0" b="0"/>
-        </a:effectRef>
-        <a:fontRef idx="minor"/>
-      </dsp:style>
-      <dsp:txBody>
-        <a:bodyPr spcFirstLastPara="0" vert="horz" wrap="square" lIns="0" tIns="0" rIns="0" bIns="0" numCol="1" spcCol="1270" anchor="t" anchorCtr="0">
-          <a:noAutofit/>
-        </a:bodyPr>
-        <a:lstStyle/>
-        <a:p>
-          <a:pPr marL="0" lvl="0" indent="0" algn="l" defTabSz="755650">
-            <a:lnSpc>
-              <a:spcPct val="100000"/>
-            </a:lnSpc>
-            <a:spcBef>
-              <a:spcPct val="0"/>
-            </a:spcBef>
-            <a:spcAft>
-              <a:spcPct val="35000"/>
-            </a:spcAft>
-            <a:buNone/>
-            <a:defRPr b="1"/>
-          </a:pPr>
-          <a:r>
-            <a:rPr lang="en-US" sz="1700" kern="1200"/>
-            <a:t>Raw sockets: Create your own packets!</a:t>
-          </a:r>
-        </a:p>
-      </dsp:txBody>
-      <dsp:txXfrm>
-        <a:off x="4260441" y="1948786"/>
-        <a:ext cx="3623906" cy="543585"/>
-      </dsp:txXfrm>
-    </dsp:sp>
-    <dsp:sp modelId="{7CE51C97-E654-49DA-8C54-7647A041DD56}">
-      <dsp:nvSpPr>
-        <dsp:cNvPr id="0" name=""/>
-        <dsp:cNvSpPr/>
-      </dsp:nvSpPr>
-      <dsp:spPr>
-        <a:xfrm>
-          <a:off x="4260441" y="2553503"/>
-          <a:ext cx="3623906" cy="1051994"/>
-        </a:xfrm>
-        <a:prstGeom prst="rect">
-          <a:avLst/>
-        </a:prstGeom>
-        <a:noFill/>
-        <a:ln>
-          <a:noFill/>
-        </a:ln>
-        <a:effectLst/>
-      </dsp:spPr>
-      <dsp:style>
-        <a:lnRef idx="0">
-          <a:scrgbClr r="0" g="0" b="0"/>
-        </a:lnRef>
-        <a:fillRef idx="0">
-          <a:scrgbClr r="0" g="0" b="0"/>
-        </a:fillRef>
-        <a:effectRef idx="0">
-          <a:scrgbClr r="0" g="0" b="0"/>
-        </a:effectRef>
-        <a:fontRef idx="minor"/>
-      </dsp:style>
-      <dsp:txBody>
-        <a:bodyPr spcFirstLastPara="0" vert="horz" wrap="square" lIns="0" tIns="0" rIns="0" bIns="0" numCol="1" spcCol="1270" anchor="t" anchorCtr="0">
-          <a:noAutofit/>
-        </a:bodyPr>
-        <a:lstStyle/>
-        <a:p>
-          <a:pPr marL="0" lvl="0" indent="0" algn="l" defTabSz="577850">
-            <a:lnSpc>
-              <a:spcPct val="100000"/>
-            </a:lnSpc>
-            <a:spcBef>
-              <a:spcPct val="0"/>
-            </a:spcBef>
-            <a:spcAft>
-              <a:spcPct val="35000"/>
-            </a:spcAft>
-            <a:buNone/>
-          </a:pPr>
-          <a:r>
-            <a:rPr lang="en-US" sz="1300" kern="1200" dirty="0"/>
-            <a:t>Generate headers as you like</a:t>
-          </a:r>
-        </a:p>
-        <a:p>
-          <a:pPr marL="0" lvl="0" indent="0" algn="l" defTabSz="577850">
-            <a:lnSpc>
-              <a:spcPct val="100000"/>
-            </a:lnSpc>
-            <a:spcBef>
-              <a:spcPct val="0"/>
-            </a:spcBef>
-            <a:spcAft>
-              <a:spcPct val="35000"/>
-            </a:spcAft>
-            <a:buNone/>
-          </a:pPr>
-          <a:r>
-            <a:rPr lang="en-US" sz="1300" kern="1200" dirty="0"/>
-            <a:t>Choose any protocol</a:t>
-          </a:r>
-        </a:p>
-        <a:p>
-          <a:pPr marL="0" lvl="0" indent="0" algn="l" defTabSz="577850">
-            <a:lnSpc>
-              <a:spcPct val="100000"/>
-            </a:lnSpc>
-            <a:spcBef>
-              <a:spcPct val="0"/>
-            </a:spcBef>
-            <a:spcAft>
-              <a:spcPct val="35000"/>
-            </a:spcAft>
-            <a:buNone/>
-          </a:pPr>
-          <a:r>
-            <a:rPr lang="en-US" sz="1300" kern="1200"/>
-            <a:t>Insert any payload</a:t>
-          </a:r>
-        </a:p>
-        <a:p>
-          <a:pPr marL="0" lvl="0" indent="0" algn="l" defTabSz="577850">
-            <a:lnSpc>
-              <a:spcPct val="100000"/>
-            </a:lnSpc>
-            <a:spcBef>
-              <a:spcPct val="0"/>
-            </a:spcBef>
-            <a:spcAft>
-              <a:spcPct val="35000"/>
-            </a:spcAft>
-            <a:buNone/>
-          </a:pPr>
-          <a:r>
-            <a:rPr lang="en-US" sz="1300" kern="1200"/>
-            <a:t>Network layer &amp; data-link layer</a:t>
-          </a:r>
-        </a:p>
-      </dsp:txBody>
-      <dsp:txXfrm>
-        <a:off x="4260441" y="2553503"/>
-        <a:ext cx="3623906" cy="1051994"/>
-      </dsp:txXfrm>
-    </dsp:sp>
   </dsp:spTree>
 </dsp:drawing>
 </file>
@@ -4415,13 +4166,13 @@
           <a:avLst/>
         </a:prstGeom>
         <a:blipFill>
-          <a:blip xmlns:r="http://schemas.openxmlformats.org/officeDocument/2006/relationships" r:embed="rId1">
+          <a:blip xmlns:r="http://schemas.openxmlformats.org/officeDocument/2006/relationships" r:embed="rId1" cstate="print">
             <a:extLst>
               <a:ext uri="{28A0092B-C50C-407E-A947-70E740481C1C}">
                 <a14:useLocalDpi xmlns:a14="http://schemas.microsoft.com/office/drawing/2010/main" val="0"/>
               </a:ext>
               <a:ext uri="{96DAC541-7B7A-43D3-8B79-37D633B846F1}">
-                <asvg:svgBlip xmlns:asvg="http://schemas.microsoft.com/office/drawing/2016/SVG/main" r:embed="rId2"/>
+                <asvg:svgBlip xmlns:asvg="http://schemas.microsoft.com/office/drawing/2016/SVG/main" xmlns="" r:embed="rId2"/>
               </a:ext>
             </a:extLst>
           </a:blip>
@@ -4488,7 +4239,7 @@
         </a:bodyPr>
         <a:lstStyle/>
         <a:p>
-          <a:pPr marL="0" lvl="0" indent="0" algn="l" defTabSz="1111250">
+          <a:pPr lvl="0" algn="l" defTabSz="1111250">
             <a:lnSpc>
               <a:spcPct val="90000"/>
             </a:lnSpc>
@@ -4498,7 +4249,6 @@
             <a:spcAft>
               <a:spcPct val="35000"/>
             </a:spcAft>
-            <a:buNone/>
             <a:defRPr b="1"/>
           </a:pPr>
           <a:r>
@@ -4550,7 +4300,7 @@
         </a:bodyPr>
         <a:lstStyle/>
         <a:p>
-          <a:pPr marL="0" lvl="0" indent="0" algn="l" defTabSz="755650">
+          <a:pPr lvl="0" algn="l" defTabSz="755650">
             <a:lnSpc>
               <a:spcPct val="90000"/>
             </a:lnSpc>
@@ -4560,7 +4310,6 @@
             <a:spcAft>
               <a:spcPct val="35000"/>
             </a:spcAft>
-            <a:buNone/>
           </a:pPr>
           <a:r>
             <a:rPr lang="en-US" sz="1700" kern="1200" dirty="0" err="1"/>
@@ -4572,7 +4321,7 @@
           </a:r>
         </a:p>
         <a:p>
-          <a:pPr marL="0" lvl="0" indent="0" algn="l" defTabSz="755650">
+          <a:pPr lvl="0" algn="l" defTabSz="755650">
             <a:lnSpc>
               <a:spcPct val="90000"/>
             </a:lnSpc>
@@ -4582,7 +4331,6 @@
             <a:spcAft>
               <a:spcPct val="35000"/>
             </a:spcAft>
-            <a:buNone/>
           </a:pPr>
           <a:r>
             <a:rPr lang="en-US" sz="1700" kern="1200" dirty="0" err="1"/>
@@ -4599,7 +4347,7 @@
           <a:endParaRPr lang="en-US" sz="1700" kern="1200" dirty="0"/>
         </a:p>
         <a:p>
-          <a:pPr marL="0" lvl="0" indent="0" algn="l" defTabSz="755650">
+          <a:pPr lvl="0" algn="l" defTabSz="755650">
             <a:lnSpc>
               <a:spcPct val="90000"/>
             </a:lnSpc>
@@ -4609,7 +4357,6 @@
             <a:spcAft>
               <a:spcPct val="35000"/>
             </a:spcAft>
-            <a:buNone/>
           </a:pPr>
           <a:r>
             <a:rPr lang="en-US" sz="1700" kern="1200" dirty="0" err="1"/>
@@ -4637,13 +4384,13 @@
           <a:avLst/>
         </a:prstGeom>
         <a:blipFill>
-          <a:blip xmlns:r="http://schemas.openxmlformats.org/officeDocument/2006/relationships" r:embed="rId3">
+          <a:blip xmlns:r="http://schemas.openxmlformats.org/officeDocument/2006/relationships" r:embed="rId3" cstate="print">
             <a:extLst>
               <a:ext uri="{28A0092B-C50C-407E-A947-70E740481C1C}">
                 <a14:useLocalDpi xmlns:a14="http://schemas.microsoft.com/office/drawing/2010/main" val="0"/>
               </a:ext>
               <a:ext uri="{96DAC541-7B7A-43D3-8B79-37D633B846F1}">
-                <asvg:svgBlip xmlns:asvg="http://schemas.microsoft.com/office/drawing/2016/SVG/main" r:embed="rId4"/>
+                <asvg:svgBlip xmlns:asvg="http://schemas.microsoft.com/office/drawing/2016/SVG/main" xmlns="" r:embed="rId4"/>
               </a:ext>
             </a:extLst>
           </a:blip>
@@ -4710,7 +4457,7 @@
         </a:bodyPr>
         <a:lstStyle/>
         <a:p>
-          <a:pPr marL="0" lvl="0" indent="0" algn="l" defTabSz="1111250">
+          <a:pPr lvl="0" algn="l" defTabSz="1111250">
             <a:lnSpc>
               <a:spcPct val="90000"/>
             </a:lnSpc>
@@ -4720,7 +4467,6 @@
             <a:spcAft>
               <a:spcPct val="35000"/>
             </a:spcAft>
-            <a:buNone/>
             <a:defRPr b="1"/>
           </a:pPr>
           <a:r>
@@ -4772,7 +4518,7 @@
         </a:bodyPr>
         <a:lstStyle/>
         <a:p>
-          <a:pPr marL="0" lvl="0" indent="0" algn="l" defTabSz="755650">
+          <a:pPr lvl="0" algn="l" defTabSz="755650">
             <a:lnSpc>
               <a:spcPct val="90000"/>
             </a:lnSpc>
@@ -4782,7 +4528,6 @@
             <a:spcAft>
               <a:spcPct val="35000"/>
             </a:spcAft>
-            <a:buNone/>
           </a:pPr>
           <a:r>
             <a:rPr lang="en-US" sz="1700" kern="1200"/>
@@ -4790,7 +4535,7 @@
           </a:r>
         </a:p>
         <a:p>
-          <a:pPr marL="0" lvl="0" indent="0" algn="l" defTabSz="755650">
+          <a:pPr lvl="0" algn="l" defTabSz="755650">
             <a:lnSpc>
               <a:spcPct val="90000"/>
             </a:lnSpc>
@@ -4800,7 +4545,6 @@
             <a:spcAft>
               <a:spcPct val="35000"/>
             </a:spcAft>
-            <a:buNone/>
           </a:pPr>
           <a:r>
             <a:rPr lang="en-AU" sz="1700" kern="1200" dirty="0"/>
@@ -4808,7 +4552,7 @@
           </a:r>
         </a:p>
         <a:p>
-          <a:pPr marL="0" lvl="0" indent="0" algn="l" defTabSz="755650">
+          <a:pPr lvl="0" algn="l" defTabSz="755650">
             <a:lnSpc>
               <a:spcPct val="90000"/>
             </a:lnSpc>
@@ -4818,7 +4562,6 @@
             <a:spcAft>
               <a:spcPct val="35000"/>
             </a:spcAft>
-            <a:buNone/>
           </a:pPr>
           <a:r>
             <a:rPr lang="en-AU" sz="1700" kern="1200" dirty="0"/>
@@ -4846,13 +4589,13 @@
           <a:avLst/>
         </a:prstGeom>
         <a:blipFill>
-          <a:blip xmlns:r="http://schemas.openxmlformats.org/officeDocument/2006/relationships" r:embed="rId5">
+          <a:blip xmlns:r="http://schemas.openxmlformats.org/officeDocument/2006/relationships" r:embed="rId5" cstate="print">
             <a:extLst>
               <a:ext uri="{28A0092B-C50C-407E-A947-70E740481C1C}">
                 <a14:useLocalDpi xmlns:a14="http://schemas.microsoft.com/office/drawing/2010/main" val="0"/>
               </a:ext>
               <a:ext uri="{96DAC541-7B7A-43D3-8B79-37D633B846F1}">
-                <asvg:svgBlip xmlns:asvg="http://schemas.microsoft.com/office/drawing/2016/SVG/main" r:embed="rId6"/>
+                <asvg:svgBlip xmlns:asvg="http://schemas.microsoft.com/office/drawing/2016/SVG/main" xmlns="" r:embed="rId6"/>
               </a:ext>
             </a:extLst>
           </a:blip>
@@ -4919,7 +4662,7 @@
         </a:bodyPr>
         <a:lstStyle/>
         <a:p>
-          <a:pPr marL="0" lvl="0" indent="0" algn="l" defTabSz="1111250">
+          <a:pPr lvl="0" algn="l" defTabSz="1111250">
             <a:lnSpc>
               <a:spcPct val="90000"/>
             </a:lnSpc>
@@ -4929,7 +4672,6 @@
             <a:spcAft>
               <a:spcPct val="35000"/>
             </a:spcAft>
-            <a:buNone/>
             <a:defRPr b="1"/>
           </a:pPr>
           <a:r>
@@ -4981,7 +4723,7 @@
         </a:bodyPr>
         <a:lstStyle/>
         <a:p>
-          <a:pPr marL="0" lvl="0" indent="0" algn="l" defTabSz="755650">
+          <a:pPr lvl="0" algn="l" defTabSz="755650">
             <a:lnSpc>
               <a:spcPct val="90000"/>
             </a:lnSpc>
@@ -4991,7 +4733,6 @@
             <a:spcAft>
               <a:spcPct val="35000"/>
             </a:spcAft>
-            <a:buNone/>
           </a:pPr>
           <a:r>
             <a:rPr lang="en-US" sz="1700" kern="1200"/>
@@ -4999,7 +4740,7 @@
           </a:r>
         </a:p>
         <a:p>
-          <a:pPr marL="0" lvl="0" indent="0" algn="l" defTabSz="755650">
+          <a:pPr lvl="0" algn="l" defTabSz="755650">
             <a:lnSpc>
               <a:spcPct val="90000"/>
             </a:lnSpc>
@@ -5009,7 +4750,6 @@
             <a:spcAft>
               <a:spcPct val="35000"/>
             </a:spcAft>
-            <a:buNone/>
           </a:pPr>
           <a:r>
             <a:rPr lang="en-US" sz="1700" kern="1200"/>
@@ -5017,7 +4757,7 @@
           </a:r>
         </a:p>
         <a:p>
-          <a:pPr marL="0" lvl="0" indent="0" algn="l" defTabSz="755650">
+          <a:pPr lvl="0" algn="l" defTabSz="755650">
             <a:lnSpc>
               <a:spcPct val="90000"/>
             </a:lnSpc>
@@ -5027,7 +4767,6 @@
             <a:spcAft>
               <a:spcPct val="35000"/>
             </a:spcAft>
-            <a:buNone/>
           </a:pPr>
           <a:r>
             <a:rPr lang="en-US" sz="1700" kern="1200"/>
@@ -5052,381 +4791,6 @@
       <dsp:cNvGrpSpPr/>
     </dsp:nvGrpSpPr>
     <dsp:grpSpPr/>
-    <dsp:sp modelId="{3070CBD4-D1FE-498F-BF39-CF65F213C4C0}">
-      <dsp:nvSpPr>
-        <dsp:cNvPr id="0" name=""/>
-        <dsp:cNvSpPr/>
-      </dsp:nvSpPr>
-      <dsp:spPr>
-        <a:xfrm>
-          <a:off x="0" y="2507453"/>
-          <a:ext cx="1971675" cy="1645161"/>
-        </a:xfrm>
-        <a:prstGeom prst="rect">
-          <a:avLst/>
-        </a:prstGeom>
-        <a:solidFill>
-          <a:schemeClr val="accent2">
-            <a:hueOff val="0"/>
-            <a:satOff val="0"/>
-            <a:lumOff val="0"/>
-            <a:alphaOff val="0"/>
-          </a:schemeClr>
-        </a:solidFill>
-        <a:ln w="12700" cap="flat" cmpd="sng" algn="ctr">
-          <a:solidFill>
-            <a:schemeClr val="accent2">
-              <a:hueOff val="0"/>
-              <a:satOff val="0"/>
-              <a:lumOff val="0"/>
-              <a:alphaOff val="0"/>
-            </a:schemeClr>
-          </a:solidFill>
-          <a:prstDash val="solid"/>
-          <a:miter lim="800000"/>
-        </a:ln>
-        <a:effectLst/>
-      </dsp:spPr>
-      <dsp:style>
-        <a:lnRef idx="2">
-          <a:scrgbClr r="0" g="0" b="0"/>
-        </a:lnRef>
-        <a:fillRef idx="1">
-          <a:scrgbClr r="0" g="0" b="0"/>
-        </a:fillRef>
-        <a:effectRef idx="0">
-          <a:scrgbClr r="0" g="0" b="0"/>
-        </a:effectRef>
-        <a:fontRef idx="minor">
-          <a:schemeClr val="lt1"/>
-        </a:fontRef>
-      </dsp:style>
-      <dsp:txBody>
-        <a:bodyPr spcFirstLastPara="0" vert="horz" wrap="square" lIns="140226" tIns="206248" rIns="140226" bIns="206248" numCol="1" spcCol="1270" anchor="ctr" anchorCtr="0">
-          <a:noAutofit/>
-        </a:bodyPr>
-        <a:lstStyle/>
-        <a:p>
-          <a:pPr marL="0" lvl="0" indent="0" algn="ctr" defTabSz="1289050">
-            <a:lnSpc>
-              <a:spcPct val="90000"/>
-            </a:lnSpc>
-            <a:spcBef>
-              <a:spcPct val="0"/>
-            </a:spcBef>
-            <a:spcAft>
-              <a:spcPct val="35000"/>
-            </a:spcAft>
-            <a:buNone/>
-          </a:pPr>
-          <a:r>
-            <a:rPr lang="en-US" sz="2900" kern="1200"/>
-            <a:t>Need for assisting protocol </a:t>
-          </a:r>
-        </a:p>
-      </dsp:txBody>
-      <dsp:txXfrm>
-        <a:off x="0" y="2507453"/>
-        <a:ext cx="1971675" cy="1645161"/>
-      </dsp:txXfrm>
-    </dsp:sp>
-    <dsp:sp modelId="{691BBEB3-D3C4-4CBA-9FE3-787728FC6796}">
-      <dsp:nvSpPr>
-        <dsp:cNvPr id="0" name=""/>
-        <dsp:cNvSpPr/>
-      </dsp:nvSpPr>
-      <dsp:spPr>
-        <a:xfrm>
-          <a:off x="1971675" y="2507453"/>
-          <a:ext cx="5915025" cy="1645161"/>
-        </a:xfrm>
-        <a:prstGeom prst="rect">
-          <a:avLst/>
-        </a:prstGeom>
-        <a:solidFill>
-          <a:schemeClr val="accent2">
-            <a:tint val="40000"/>
-            <a:alpha val="90000"/>
-            <a:hueOff val="0"/>
-            <a:satOff val="0"/>
-            <a:lumOff val="0"/>
-            <a:alphaOff val="0"/>
-          </a:schemeClr>
-        </a:solidFill>
-        <a:ln w="12700" cap="flat" cmpd="sng" algn="ctr">
-          <a:solidFill>
-            <a:schemeClr val="accent2">
-              <a:tint val="40000"/>
-              <a:alpha val="90000"/>
-              <a:hueOff val="0"/>
-              <a:satOff val="0"/>
-              <a:lumOff val="0"/>
-              <a:alphaOff val="0"/>
-            </a:schemeClr>
-          </a:solidFill>
-          <a:prstDash val="solid"/>
-          <a:miter lim="800000"/>
-        </a:ln>
-        <a:effectLst/>
-      </dsp:spPr>
-      <dsp:style>
-        <a:lnRef idx="2">
-          <a:scrgbClr r="0" g="0" b="0"/>
-        </a:lnRef>
-        <a:fillRef idx="1">
-          <a:scrgbClr r="0" g="0" b="0"/>
-        </a:fillRef>
-        <a:effectRef idx="0">
-          <a:scrgbClr r="0" g="0" b="0"/>
-        </a:effectRef>
-        <a:fontRef idx="minor"/>
-      </dsp:style>
-      <dsp:txBody>
-        <a:bodyPr spcFirstLastPara="0" vert="horz" wrap="square" lIns="119985" tIns="203200" rIns="119985" bIns="203200" numCol="1" spcCol="1270" anchor="ctr" anchorCtr="0">
-          <a:noAutofit/>
-        </a:bodyPr>
-        <a:lstStyle/>
-        <a:p>
-          <a:pPr marL="0" lvl="0" indent="0" algn="l" defTabSz="711200">
-            <a:lnSpc>
-              <a:spcPct val="90000"/>
-            </a:lnSpc>
-            <a:spcBef>
-              <a:spcPct val="0"/>
-            </a:spcBef>
-            <a:spcAft>
-              <a:spcPct val="35000"/>
-            </a:spcAft>
-            <a:buNone/>
-          </a:pPr>
-          <a:r>
-            <a:rPr lang="en-US" sz="1600" kern="1200"/>
-            <a:t>Exchange low level control messages</a:t>
-          </a:r>
-        </a:p>
-      </dsp:txBody>
-      <dsp:txXfrm>
-        <a:off x="1971675" y="2507453"/>
-        <a:ext cx="5915025" cy="1645161"/>
-      </dsp:txXfrm>
-    </dsp:sp>
-    <dsp:sp modelId="{4A676A88-F563-487B-9DE7-A37FD3C0B1EE}">
-      <dsp:nvSpPr>
-        <dsp:cNvPr id="0" name=""/>
-        <dsp:cNvSpPr/>
-      </dsp:nvSpPr>
-      <dsp:spPr>
-        <a:xfrm rot="10800000">
-          <a:off x="0" y="1873"/>
-          <a:ext cx="1971675" cy="2530257"/>
-        </a:xfrm>
-        <a:prstGeom prst="upArrowCallout">
-          <a:avLst>
-            <a:gd name="adj1" fmla="val 5000"/>
-            <a:gd name="adj2" fmla="val 10000"/>
-            <a:gd name="adj3" fmla="val 15000"/>
-            <a:gd name="adj4" fmla="val 64977"/>
-          </a:avLst>
-        </a:prstGeom>
-        <a:solidFill>
-          <a:schemeClr val="accent2">
-            <a:hueOff val="-1455363"/>
-            <a:satOff val="-83928"/>
-            <a:lumOff val="8628"/>
-            <a:alphaOff val="0"/>
-          </a:schemeClr>
-        </a:solidFill>
-        <a:ln w="12700" cap="flat" cmpd="sng" algn="ctr">
-          <a:solidFill>
-            <a:schemeClr val="accent2">
-              <a:hueOff val="-1455363"/>
-              <a:satOff val="-83928"/>
-              <a:lumOff val="8628"/>
-              <a:alphaOff val="0"/>
-            </a:schemeClr>
-          </a:solidFill>
-          <a:prstDash val="solid"/>
-          <a:miter lim="800000"/>
-        </a:ln>
-        <a:effectLst/>
-      </dsp:spPr>
-      <dsp:style>
-        <a:lnRef idx="2">
-          <a:scrgbClr r="0" g="0" b="0"/>
-        </a:lnRef>
-        <a:fillRef idx="1">
-          <a:scrgbClr r="0" g="0" b="0"/>
-        </a:fillRef>
-        <a:effectRef idx="0">
-          <a:scrgbClr r="0" g="0" b="0"/>
-        </a:effectRef>
-        <a:fontRef idx="minor">
-          <a:schemeClr val="lt1"/>
-        </a:fontRef>
-      </dsp:style>
-      <dsp:txBody>
-        <a:bodyPr spcFirstLastPara="0" vert="horz" wrap="square" lIns="140226" tIns="206248" rIns="140226" bIns="206248" numCol="1" spcCol="1270" anchor="ctr" anchorCtr="0">
-          <a:noAutofit/>
-        </a:bodyPr>
-        <a:lstStyle/>
-        <a:p>
-          <a:pPr marL="0" lvl="0" indent="0" algn="ctr" defTabSz="1289050">
-            <a:lnSpc>
-              <a:spcPct val="90000"/>
-            </a:lnSpc>
-            <a:spcBef>
-              <a:spcPct val="0"/>
-            </a:spcBef>
-            <a:spcAft>
-              <a:spcPct val="35000"/>
-            </a:spcAft>
-            <a:buNone/>
-          </a:pPr>
-          <a:r>
-            <a:rPr lang="en-US" sz="2900" kern="1200"/>
-            <a:t>1981: IP protocol (RFC-791)</a:t>
-          </a:r>
-        </a:p>
-      </dsp:txBody>
-      <dsp:txXfrm rot="-10800000">
-        <a:off x="0" y="1873"/>
-        <a:ext cx="1971675" cy="1644667"/>
-      </dsp:txXfrm>
-    </dsp:sp>
-    <dsp:sp modelId="{90948CCB-2112-44DE-8637-DE8CA9C5DA0D}">
-      <dsp:nvSpPr>
-        <dsp:cNvPr id="0" name=""/>
-        <dsp:cNvSpPr/>
-      </dsp:nvSpPr>
-      <dsp:spPr>
-        <a:xfrm>
-          <a:off x="1971675" y="1873"/>
-          <a:ext cx="5915025" cy="1644667"/>
-        </a:xfrm>
-        <a:prstGeom prst="rect">
-          <a:avLst/>
-        </a:prstGeom>
-        <a:solidFill>
-          <a:schemeClr val="accent2">
-            <a:tint val="40000"/>
-            <a:alpha val="90000"/>
-            <a:hueOff val="-849226"/>
-            <a:satOff val="-75346"/>
-            <a:lumOff val="-769"/>
-            <a:alphaOff val="0"/>
-          </a:schemeClr>
-        </a:solidFill>
-        <a:ln w="12700" cap="flat" cmpd="sng" algn="ctr">
-          <a:solidFill>
-            <a:schemeClr val="accent2">
-              <a:tint val="40000"/>
-              <a:alpha val="90000"/>
-              <a:hueOff val="-849226"/>
-              <a:satOff val="-75346"/>
-              <a:lumOff val="-769"/>
-              <a:alphaOff val="0"/>
-            </a:schemeClr>
-          </a:solidFill>
-          <a:prstDash val="solid"/>
-          <a:miter lim="800000"/>
-        </a:ln>
-        <a:effectLst/>
-      </dsp:spPr>
-      <dsp:style>
-        <a:lnRef idx="2">
-          <a:scrgbClr r="0" g="0" b="0"/>
-        </a:lnRef>
-        <a:fillRef idx="1">
-          <a:scrgbClr r="0" g="0" b="0"/>
-        </a:fillRef>
-        <a:effectRef idx="0">
-          <a:scrgbClr r="0" g="0" b="0"/>
-        </a:effectRef>
-        <a:fontRef idx="minor"/>
-      </dsp:style>
-      <dsp:txBody>
-        <a:bodyPr spcFirstLastPara="0" vert="horz" wrap="square" lIns="119985" tIns="203200" rIns="119985" bIns="203200" numCol="1" spcCol="1270" anchor="ctr" anchorCtr="0">
-          <a:noAutofit/>
-        </a:bodyPr>
-        <a:lstStyle/>
-        <a:p>
-          <a:pPr marL="0" lvl="0" indent="0" algn="l" defTabSz="711200">
-            <a:lnSpc>
-              <a:spcPct val="90000"/>
-            </a:lnSpc>
-            <a:spcBef>
-              <a:spcPct val="0"/>
-            </a:spcBef>
-            <a:spcAft>
-              <a:spcPct val="35000"/>
-            </a:spcAft>
-            <a:buNone/>
-          </a:pPr>
-          <a:r>
-            <a:rPr lang="en-US" sz="1600" kern="1200"/>
-            <a:t>Designed to carry messages between computers</a:t>
-          </a:r>
-        </a:p>
-        <a:p>
-          <a:pPr marL="0" lvl="0" indent="0" algn="l" defTabSz="711200">
-            <a:lnSpc>
-              <a:spcPct val="90000"/>
-            </a:lnSpc>
-            <a:spcBef>
-              <a:spcPct val="0"/>
-            </a:spcBef>
-            <a:spcAft>
-              <a:spcPct val="35000"/>
-            </a:spcAft>
-            <a:buNone/>
-          </a:pPr>
-          <a:r>
-            <a:rPr lang="en-US" sz="1600" kern="1200"/>
-            <a:t>Connectionless </a:t>
-          </a:r>
-        </a:p>
-        <a:p>
-          <a:pPr marL="0" lvl="0" indent="0" algn="l" defTabSz="711200">
-            <a:lnSpc>
-              <a:spcPct val="90000"/>
-            </a:lnSpc>
-            <a:spcBef>
-              <a:spcPct val="0"/>
-            </a:spcBef>
-            <a:spcAft>
-              <a:spcPct val="35000"/>
-            </a:spcAft>
-            <a:buNone/>
-          </a:pPr>
-          <a:r>
-            <a:rPr lang="en-US" sz="1600" kern="1200"/>
-            <a:t>Unreliable </a:t>
-          </a:r>
-        </a:p>
-        <a:p>
-          <a:pPr marL="0" lvl="0" indent="0" algn="l" defTabSz="711200">
-            <a:lnSpc>
-              <a:spcPct val="90000"/>
-            </a:lnSpc>
-            <a:spcBef>
-              <a:spcPct val="0"/>
-            </a:spcBef>
-            <a:spcAft>
-              <a:spcPct val="35000"/>
-            </a:spcAft>
-            <a:buNone/>
-          </a:pPr>
-          <a:r>
-            <a:rPr lang="en-US" sz="1600" kern="1200"/>
-            <a:t>Unacknowledged</a:t>
-          </a:r>
-        </a:p>
-      </dsp:txBody>
-      <dsp:txXfrm>
-        <a:off x="1971675" y="1873"/>
-        <a:ext cx="5915025" cy="1644667"/>
-      </dsp:txXfrm>
-    </dsp:sp>
   </dsp:spTree>
 </dsp:drawing>
 </file>
@@ -5622,7 +4986,7 @@
   </dgm:layoutNode>
   <dgm:extLst>
     <a:ext uri="{68A01E43-0DF5-4B5B-8FA6-DAF915123BFB}">
-      <dgm1612:lstStyle xmlns:dgm1612="http://schemas.microsoft.com/office/drawing/2016/12/diagram">
+      <dgm1612:lstStyle xmlns:dgm1612="http://schemas.microsoft.com/office/drawing/2016/12/diagram" xmlns="">
         <a:lvl1pPr>
           <a:lnSpc>
             <a:spcPct val="100000"/>
@@ -5831,7 +5195,7 @@
   </dgm:layoutNode>
   <dgm:extLst>
     <a:ext uri="{68A01E43-0DF5-4B5B-8FA6-DAF915123BFB}">
-      <dgm1612:lstStyle xmlns:dgm1612="http://schemas.microsoft.com/office/drawing/2016/12/diagram">
+      <dgm1612:lstStyle xmlns:dgm1612="http://schemas.microsoft.com/office/drawing/2016/12/diagram" xmlns="">
         <a:lvl1pPr>
           <a:lnSpc>
             <a:spcPct val="100000"/>
@@ -9300,7 +8664,7 @@
           <a:p>
             <a:fld id="{AF8E52BD-695E-44A2-AB0A-5B021781A95B}" type="datetimeFigureOut">
               <a:rPr lang="en-US" smtClean="0"/>
-              <a:t>8/9/2019</a:t>
+              <a:t>2019-08-09</a:t>
             </a:fld>
             <a:endParaRPr lang="en-US"/>
           </a:p>
@@ -11109,7 +10473,7 @@
           <p:cNvPr id="2" name="Title 1">
             <a:extLst>
               <a:ext uri="{FF2B5EF4-FFF2-40B4-BE49-F238E27FC236}">
-                <a16:creationId xmlns:a16="http://schemas.microsoft.com/office/drawing/2014/main" id="{93E91C9D-AAB7-43B6-A6ED-4848C4979825}"/>
+                <a16:creationId xmlns:a16="http://schemas.microsoft.com/office/drawing/2014/main" xmlns="" id="{93E91C9D-AAB7-43B6-A6ED-4848C4979825}"/>
               </a:ext>
             </a:extLst>
           </p:cNvPr>
@@ -11146,7 +10510,7 @@
           <p:cNvPr id="3" name="Subtitle 2">
             <a:extLst>
               <a:ext uri="{FF2B5EF4-FFF2-40B4-BE49-F238E27FC236}">
-                <a16:creationId xmlns:a16="http://schemas.microsoft.com/office/drawing/2014/main" id="{CF3C7233-CC61-4DF2-B44F-258B0B401C89}"/>
+                <a16:creationId xmlns:a16="http://schemas.microsoft.com/office/drawing/2014/main" xmlns="" id="{CF3C7233-CC61-4DF2-B44F-258B0B401C89}"/>
               </a:ext>
             </a:extLst>
           </p:cNvPr>
@@ -11216,7 +10580,7 @@
           <p:cNvPr id="4" name="Date Placeholder 3">
             <a:extLst>
               <a:ext uri="{FF2B5EF4-FFF2-40B4-BE49-F238E27FC236}">
-                <a16:creationId xmlns:a16="http://schemas.microsoft.com/office/drawing/2014/main" id="{0B9E9B1F-28F3-4BC8-BE3C-71E2524A91DE}"/>
+                <a16:creationId xmlns:a16="http://schemas.microsoft.com/office/drawing/2014/main" xmlns="" id="{0B9E9B1F-28F3-4BC8-BE3C-71E2524A91DE}"/>
               </a:ext>
             </a:extLst>
           </p:cNvPr>
@@ -11234,7 +10598,7 @@
           <a:p>
             <a:fld id="{467B6F40-EC65-4722-BCEC-F5AF12719C12}" type="datetimeFigureOut">
               <a:rPr lang="en-US" smtClean="0"/>
-              <a:t>8/9/2019</a:t>
+              <a:t>2019-08-09</a:t>
             </a:fld>
             <a:endParaRPr lang="en-US"/>
           </a:p>
@@ -11245,7 +10609,7 @@
           <p:cNvPr id="5" name="Footer Placeholder 4">
             <a:extLst>
               <a:ext uri="{FF2B5EF4-FFF2-40B4-BE49-F238E27FC236}">
-                <a16:creationId xmlns:a16="http://schemas.microsoft.com/office/drawing/2014/main" id="{F943D312-8766-4FD2-9B95-97358C1158A4}"/>
+                <a16:creationId xmlns:a16="http://schemas.microsoft.com/office/drawing/2014/main" xmlns="" id="{F943D312-8766-4FD2-9B95-97358C1158A4}"/>
               </a:ext>
             </a:extLst>
           </p:cNvPr>
@@ -11270,7 +10634,7 @@
           <p:cNvPr id="6" name="Slide Number Placeholder 5">
             <a:extLst>
               <a:ext uri="{FF2B5EF4-FFF2-40B4-BE49-F238E27FC236}">
-                <a16:creationId xmlns:a16="http://schemas.microsoft.com/office/drawing/2014/main" id="{E95AFD59-F41D-48E9-92AB-1E1570385783}"/>
+                <a16:creationId xmlns:a16="http://schemas.microsoft.com/office/drawing/2014/main" xmlns="" id="{E95AFD59-F41D-48E9-92AB-1E1570385783}"/>
               </a:ext>
             </a:extLst>
           </p:cNvPr>
@@ -11329,7 +10693,7 @@
           <p:cNvPr id="2" name="Title 1">
             <a:extLst>
               <a:ext uri="{FF2B5EF4-FFF2-40B4-BE49-F238E27FC236}">
-                <a16:creationId xmlns:a16="http://schemas.microsoft.com/office/drawing/2014/main" id="{21E74C5D-5296-4126-9D8C-D9A93D6C6DE0}"/>
+                <a16:creationId xmlns:a16="http://schemas.microsoft.com/office/drawing/2014/main" xmlns="" id="{21E74C5D-5296-4126-9D8C-D9A93D6C6DE0}"/>
               </a:ext>
             </a:extLst>
           </p:cNvPr>
@@ -11357,7 +10721,7 @@
           <p:cNvPr id="3" name="Vertical Text Placeholder 2">
             <a:extLst>
               <a:ext uri="{FF2B5EF4-FFF2-40B4-BE49-F238E27FC236}">
-                <a16:creationId xmlns:a16="http://schemas.microsoft.com/office/drawing/2014/main" id="{0E65B90D-8647-4B56-B48B-24746E9DA1B3}"/>
+                <a16:creationId xmlns:a16="http://schemas.microsoft.com/office/drawing/2014/main" xmlns="" id="{0E65B90D-8647-4B56-B48B-24746E9DA1B3}"/>
               </a:ext>
             </a:extLst>
           </p:cNvPr>
@@ -11414,7 +10778,7 @@
           <p:cNvPr id="4" name="Date Placeholder 3">
             <a:extLst>
               <a:ext uri="{FF2B5EF4-FFF2-40B4-BE49-F238E27FC236}">
-                <a16:creationId xmlns:a16="http://schemas.microsoft.com/office/drawing/2014/main" id="{05598B56-5B3A-4CB8-8695-7CAAC2590DA8}"/>
+                <a16:creationId xmlns:a16="http://schemas.microsoft.com/office/drawing/2014/main" xmlns="" id="{05598B56-5B3A-4CB8-8695-7CAAC2590DA8}"/>
               </a:ext>
             </a:extLst>
           </p:cNvPr>
@@ -11432,7 +10796,7 @@
           <a:p>
             <a:fld id="{467B6F40-EC65-4722-BCEC-F5AF12719C12}" type="datetimeFigureOut">
               <a:rPr lang="en-US" smtClean="0"/>
-              <a:t>8/9/2019</a:t>
+              <a:t>2019-08-09</a:t>
             </a:fld>
             <a:endParaRPr lang="en-US"/>
           </a:p>
@@ -11443,7 +10807,7 @@
           <p:cNvPr id="5" name="Footer Placeholder 4">
             <a:extLst>
               <a:ext uri="{FF2B5EF4-FFF2-40B4-BE49-F238E27FC236}">
-                <a16:creationId xmlns:a16="http://schemas.microsoft.com/office/drawing/2014/main" id="{8D2EB53C-61DF-4091-9848-B71063393C0A}"/>
+                <a16:creationId xmlns:a16="http://schemas.microsoft.com/office/drawing/2014/main" xmlns="" id="{8D2EB53C-61DF-4091-9848-B71063393C0A}"/>
               </a:ext>
             </a:extLst>
           </p:cNvPr>
@@ -11468,7 +10832,7 @@
           <p:cNvPr id="6" name="Slide Number Placeholder 5">
             <a:extLst>
               <a:ext uri="{FF2B5EF4-FFF2-40B4-BE49-F238E27FC236}">
-                <a16:creationId xmlns:a16="http://schemas.microsoft.com/office/drawing/2014/main" id="{BE9B9BAD-4155-4CCA-896C-6C360CBF077B}"/>
+                <a16:creationId xmlns:a16="http://schemas.microsoft.com/office/drawing/2014/main" xmlns="" id="{BE9B9BAD-4155-4CCA-896C-6C360CBF077B}"/>
               </a:ext>
             </a:extLst>
           </p:cNvPr>
@@ -11527,7 +10891,7 @@
           <p:cNvPr id="2" name="Vertical Title 1">
             <a:extLst>
               <a:ext uri="{FF2B5EF4-FFF2-40B4-BE49-F238E27FC236}">
-                <a16:creationId xmlns:a16="http://schemas.microsoft.com/office/drawing/2014/main" id="{C0FD4CC6-2C69-4175-B872-830782A27380}"/>
+                <a16:creationId xmlns:a16="http://schemas.microsoft.com/office/drawing/2014/main" xmlns="" id="{C0FD4CC6-2C69-4175-B872-830782A27380}"/>
               </a:ext>
             </a:extLst>
           </p:cNvPr>
@@ -11560,7 +10924,7 @@
           <p:cNvPr id="3" name="Vertical Text Placeholder 2">
             <a:extLst>
               <a:ext uri="{FF2B5EF4-FFF2-40B4-BE49-F238E27FC236}">
-                <a16:creationId xmlns:a16="http://schemas.microsoft.com/office/drawing/2014/main" id="{E29B5E2F-58E3-445B-A135-554EA09A96C4}"/>
+                <a16:creationId xmlns:a16="http://schemas.microsoft.com/office/drawing/2014/main" xmlns="" id="{E29B5E2F-58E3-445B-A135-554EA09A96C4}"/>
               </a:ext>
             </a:extLst>
           </p:cNvPr>
@@ -11622,7 +10986,7 @@
           <p:cNvPr id="4" name="Date Placeholder 3">
             <a:extLst>
               <a:ext uri="{FF2B5EF4-FFF2-40B4-BE49-F238E27FC236}">
-                <a16:creationId xmlns:a16="http://schemas.microsoft.com/office/drawing/2014/main" id="{43B1E863-46C5-414A-9C82-464B933AF4C0}"/>
+                <a16:creationId xmlns:a16="http://schemas.microsoft.com/office/drawing/2014/main" xmlns="" id="{43B1E863-46C5-414A-9C82-464B933AF4C0}"/>
               </a:ext>
             </a:extLst>
           </p:cNvPr>
@@ -11640,7 +11004,7 @@
           <a:p>
             <a:fld id="{467B6F40-EC65-4722-BCEC-F5AF12719C12}" type="datetimeFigureOut">
               <a:rPr lang="en-US" smtClean="0"/>
-              <a:t>8/9/2019</a:t>
+              <a:t>2019-08-09</a:t>
             </a:fld>
             <a:endParaRPr lang="en-US"/>
           </a:p>
@@ -11651,7 +11015,7 @@
           <p:cNvPr id="5" name="Footer Placeholder 4">
             <a:extLst>
               <a:ext uri="{FF2B5EF4-FFF2-40B4-BE49-F238E27FC236}">
-                <a16:creationId xmlns:a16="http://schemas.microsoft.com/office/drawing/2014/main" id="{49BF7CEA-F3EF-43F6-A144-55FCDB9A645B}"/>
+                <a16:creationId xmlns:a16="http://schemas.microsoft.com/office/drawing/2014/main" xmlns="" id="{49BF7CEA-F3EF-43F6-A144-55FCDB9A645B}"/>
               </a:ext>
             </a:extLst>
           </p:cNvPr>
@@ -11676,7 +11040,7 @@
           <p:cNvPr id="6" name="Slide Number Placeholder 5">
             <a:extLst>
               <a:ext uri="{FF2B5EF4-FFF2-40B4-BE49-F238E27FC236}">
-                <a16:creationId xmlns:a16="http://schemas.microsoft.com/office/drawing/2014/main" id="{A9DFC953-C346-4CA1-8D0D-ECA8420225D3}"/>
+                <a16:creationId xmlns:a16="http://schemas.microsoft.com/office/drawing/2014/main" xmlns="" id="{A9DFC953-C346-4CA1-8D0D-ECA8420225D3}"/>
               </a:ext>
             </a:extLst>
           </p:cNvPr>
@@ -11735,7 +11099,7 @@
           <p:cNvPr id="2" name="Title 1">
             <a:extLst>
               <a:ext uri="{FF2B5EF4-FFF2-40B4-BE49-F238E27FC236}">
-                <a16:creationId xmlns:a16="http://schemas.microsoft.com/office/drawing/2014/main" id="{F66CA74A-D87B-420F-A742-C00FD359CFDB}"/>
+                <a16:creationId xmlns:a16="http://schemas.microsoft.com/office/drawing/2014/main" xmlns="" id="{F66CA74A-D87B-420F-A742-C00FD359CFDB}"/>
               </a:ext>
             </a:extLst>
           </p:cNvPr>
@@ -11763,7 +11127,7 @@
           <p:cNvPr id="3" name="Content Placeholder 2">
             <a:extLst>
               <a:ext uri="{FF2B5EF4-FFF2-40B4-BE49-F238E27FC236}">
-                <a16:creationId xmlns:a16="http://schemas.microsoft.com/office/drawing/2014/main" id="{5D28D188-8789-4C25-8A97-5796CCB23F4A}"/>
+                <a16:creationId xmlns:a16="http://schemas.microsoft.com/office/drawing/2014/main" xmlns="" id="{5D28D188-8789-4C25-8A97-5796CCB23F4A}"/>
               </a:ext>
             </a:extLst>
           </p:cNvPr>
@@ -11820,7 +11184,7 @@
           <p:cNvPr id="4" name="Date Placeholder 3">
             <a:extLst>
               <a:ext uri="{FF2B5EF4-FFF2-40B4-BE49-F238E27FC236}">
-                <a16:creationId xmlns:a16="http://schemas.microsoft.com/office/drawing/2014/main" id="{3DE0AB82-FF0F-47B9-B3F2-97F3F6AD4A84}"/>
+                <a16:creationId xmlns:a16="http://schemas.microsoft.com/office/drawing/2014/main" xmlns="" id="{3DE0AB82-FF0F-47B9-B3F2-97F3F6AD4A84}"/>
               </a:ext>
             </a:extLst>
           </p:cNvPr>
@@ -11838,7 +11202,7 @@
           <a:p>
             <a:fld id="{467B6F40-EC65-4722-BCEC-F5AF12719C12}" type="datetimeFigureOut">
               <a:rPr lang="en-US" smtClean="0"/>
-              <a:t>8/9/2019</a:t>
+              <a:t>2019-08-09</a:t>
             </a:fld>
             <a:endParaRPr lang="en-US"/>
           </a:p>
@@ -11849,7 +11213,7 @@
           <p:cNvPr id="5" name="Footer Placeholder 4">
             <a:extLst>
               <a:ext uri="{FF2B5EF4-FFF2-40B4-BE49-F238E27FC236}">
-                <a16:creationId xmlns:a16="http://schemas.microsoft.com/office/drawing/2014/main" id="{071D35A9-216E-4A0C-A711-A6A3AC022BD1}"/>
+                <a16:creationId xmlns:a16="http://schemas.microsoft.com/office/drawing/2014/main" xmlns="" id="{071D35A9-216E-4A0C-A711-A6A3AC022BD1}"/>
               </a:ext>
             </a:extLst>
           </p:cNvPr>
@@ -11874,7 +11238,7 @@
           <p:cNvPr id="6" name="Slide Number Placeholder 5">
             <a:extLst>
               <a:ext uri="{FF2B5EF4-FFF2-40B4-BE49-F238E27FC236}">
-                <a16:creationId xmlns:a16="http://schemas.microsoft.com/office/drawing/2014/main" id="{0F54D67A-684B-449B-8675-5A75CDCC930D}"/>
+                <a16:creationId xmlns:a16="http://schemas.microsoft.com/office/drawing/2014/main" xmlns="" id="{0F54D67A-684B-449B-8675-5A75CDCC930D}"/>
               </a:ext>
             </a:extLst>
           </p:cNvPr>
@@ -11933,7 +11297,7 @@
           <p:cNvPr id="2" name="Title 1">
             <a:extLst>
               <a:ext uri="{FF2B5EF4-FFF2-40B4-BE49-F238E27FC236}">
-                <a16:creationId xmlns:a16="http://schemas.microsoft.com/office/drawing/2014/main" id="{CC1D7DC5-CE2A-4C76-ACFC-6B1566270899}"/>
+                <a16:creationId xmlns:a16="http://schemas.microsoft.com/office/drawing/2014/main" xmlns="" id="{CC1D7DC5-CE2A-4C76-ACFC-6B1566270899}"/>
               </a:ext>
             </a:extLst>
           </p:cNvPr>
@@ -11970,7 +11334,7 @@
           <p:cNvPr id="3" name="Text Placeholder 2">
             <a:extLst>
               <a:ext uri="{FF2B5EF4-FFF2-40B4-BE49-F238E27FC236}">
-                <a16:creationId xmlns:a16="http://schemas.microsoft.com/office/drawing/2014/main" id="{BC1C9B31-C3C8-41E9-94FF-04ABD0BF139D}"/>
+                <a16:creationId xmlns:a16="http://schemas.microsoft.com/office/drawing/2014/main" xmlns="" id="{BC1C9B31-C3C8-41E9-94FF-04ABD0BF139D}"/>
               </a:ext>
             </a:extLst>
           </p:cNvPr>
@@ -12095,7 +11459,7 @@
           <p:cNvPr id="4" name="Date Placeholder 3">
             <a:extLst>
               <a:ext uri="{FF2B5EF4-FFF2-40B4-BE49-F238E27FC236}">
-                <a16:creationId xmlns:a16="http://schemas.microsoft.com/office/drawing/2014/main" id="{0BBDCB2F-CF62-4133-B707-A131BCF3C791}"/>
+                <a16:creationId xmlns:a16="http://schemas.microsoft.com/office/drawing/2014/main" xmlns="" id="{0BBDCB2F-CF62-4133-B707-A131BCF3C791}"/>
               </a:ext>
             </a:extLst>
           </p:cNvPr>
@@ -12113,7 +11477,7 @@
           <a:p>
             <a:fld id="{467B6F40-EC65-4722-BCEC-F5AF12719C12}" type="datetimeFigureOut">
               <a:rPr lang="en-US" smtClean="0"/>
-              <a:t>8/9/2019</a:t>
+              <a:t>2019-08-09</a:t>
             </a:fld>
             <a:endParaRPr lang="en-US"/>
           </a:p>
@@ -12124,7 +11488,7 @@
           <p:cNvPr id="5" name="Footer Placeholder 4">
             <a:extLst>
               <a:ext uri="{FF2B5EF4-FFF2-40B4-BE49-F238E27FC236}">
-                <a16:creationId xmlns:a16="http://schemas.microsoft.com/office/drawing/2014/main" id="{23795FA4-4761-46F8-9042-9DD8CDD0EE12}"/>
+                <a16:creationId xmlns:a16="http://schemas.microsoft.com/office/drawing/2014/main" xmlns="" id="{23795FA4-4761-46F8-9042-9DD8CDD0EE12}"/>
               </a:ext>
             </a:extLst>
           </p:cNvPr>
@@ -12149,7 +11513,7 @@
           <p:cNvPr id="6" name="Slide Number Placeholder 5">
             <a:extLst>
               <a:ext uri="{FF2B5EF4-FFF2-40B4-BE49-F238E27FC236}">
-                <a16:creationId xmlns:a16="http://schemas.microsoft.com/office/drawing/2014/main" id="{CDBCA294-3516-4464-A5A3-BCA9EE7B8DB2}"/>
+                <a16:creationId xmlns:a16="http://schemas.microsoft.com/office/drawing/2014/main" xmlns="" id="{CDBCA294-3516-4464-A5A3-BCA9EE7B8DB2}"/>
               </a:ext>
             </a:extLst>
           </p:cNvPr>
@@ -12208,7 +11572,7 @@
           <p:cNvPr id="2" name="Title 1">
             <a:extLst>
               <a:ext uri="{FF2B5EF4-FFF2-40B4-BE49-F238E27FC236}">
-                <a16:creationId xmlns:a16="http://schemas.microsoft.com/office/drawing/2014/main" id="{1B614A57-6D83-4144-857F-C7DC5ABFC6B1}"/>
+                <a16:creationId xmlns:a16="http://schemas.microsoft.com/office/drawing/2014/main" xmlns="" id="{1B614A57-6D83-4144-857F-C7DC5ABFC6B1}"/>
               </a:ext>
             </a:extLst>
           </p:cNvPr>
@@ -12236,7 +11600,7 @@
           <p:cNvPr id="3" name="Content Placeholder 2">
             <a:extLst>
               <a:ext uri="{FF2B5EF4-FFF2-40B4-BE49-F238E27FC236}">
-                <a16:creationId xmlns:a16="http://schemas.microsoft.com/office/drawing/2014/main" id="{42677C9A-BF62-4200-9BB5-1C237F724BD0}"/>
+                <a16:creationId xmlns:a16="http://schemas.microsoft.com/office/drawing/2014/main" xmlns="" id="{42677C9A-BF62-4200-9BB5-1C237F724BD0}"/>
               </a:ext>
             </a:extLst>
           </p:cNvPr>
@@ -12298,7 +11662,7 @@
           <p:cNvPr id="4" name="Content Placeholder 3">
             <a:extLst>
               <a:ext uri="{FF2B5EF4-FFF2-40B4-BE49-F238E27FC236}">
-                <a16:creationId xmlns:a16="http://schemas.microsoft.com/office/drawing/2014/main" id="{03B86149-FFFE-4151-ABBD-795E5386E930}"/>
+                <a16:creationId xmlns:a16="http://schemas.microsoft.com/office/drawing/2014/main" xmlns="" id="{03B86149-FFFE-4151-ABBD-795E5386E930}"/>
               </a:ext>
             </a:extLst>
           </p:cNvPr>
@@ -12360,7 +11724,7 @@
           <p:cNvPr id="5" name="Date Placeholder 4">
             <a:extLst>
               <a:ext uri="{FF2B5EF4-FFF2-40B4-BE49-F238E27FC236}">
-                <a16:creationId xmlns:a16="http://schemas.microsoft.com/office/drawing/2014/main" id="{D05C9A65-3F89-4D8E-90C7-C58F0FC21D7F}"/>
+                <a16:creationId xmlns:a16="http://schemas.microsoft.com/office/drawing/2014/main" xmlns="" id="{D05C9A65-3F89-4D8E-90C7-C58F0FC21D7F}"/>
               </a:ext>
             </a:extLst>
           </p:cNvPr>
@@ -12378,7 +11742,7 @@
           <a:p>
             <a:fld id="{467B6F40-EC65-4722-BCEC-F5AF12719C12}" type="datetimeFigureOut">
               <a:rPr lang="en-US" smtClean="0"/>
-              <a:t>8/9/2019</a:t>
+              <a:t>2019-08-09</a:t>
             </a:fld>
             <a:endParaRPr lang="en-US"/>
           </a:p>
@@ -12389,7 +11753,7 @@
           <p:cNvPr id="6" name="Footer Placeholder 5">
             <a:extLst>
               <a:ext uri="{FF2B5EF4-FFF2-40B4-BE49-F238E27FC236}">
-                <a16:creationId xmlns:a16="http://schemas.microsoft.com/office/drawing/2014/main" id="{E57850F7-DDF2-47C8-B5D6-ABFE4DE156D5}"/>
+                <a16:creationId xmlns:a16="http://schemas.microsoft.com/office/drawing/2014/main" xmlns="" id="{E57850F7-DDF2-47C8-B5D6-ABFE4DE156D5}"/>
               </a:ext>
             </a:extLst>
           </p:cNvPr>
@@ -12414,7 +11778,7 @@
           <p:cNvPr id="7" name="Slide Number Placeholder 6">
             <a:extLst>
               <a:ext uri="{FF2B5EF4-FFF2-40B4-BE49-F238E27FC236}">
-                <a16:creationId xmlns:a16="http://schemas.microsoft.com/office/drawing/2014/main" id="{2FAEDD36-8027-47C4-919A-AC513309C8A9}"/>
+                <a16:creationId xmlns:a16="http://schemas.microsoft.com/office/drawing/2014/main" xmlns="" id="{2FAEDD36-8027-47C4-919A-AC513309C8A9}"/>
               </a:ext>
             </a:extLst>
           </p:cNvPr>
@@ -12473,7 +11837,7 @@
           <p:cNvPr id="2" name="Title 1">
             <a:extLst>
               <a:ext uri="{FF2B5EF4-FFF2-40B4-BE49-F238E27FC236}">
-                <a16:creationId xmlns:a16="http://schemas.microsoft.com/office/drawing/2014/main" id="{4FA93429-3D81-46FD-BF31-EF7E7600B585}"/>
+                <a16:creationId xmlns:a16="http://schemas.microsoft.com/office/drawing/2014/main" xmlns="" id="{4FA93429-3D81-46FD-BF31-EF7E7600B585}"/>
               </a:ext>
             </a:extLst>
           </p:cNvPr>
@@ -12506,7 +11870,7 @@
           <p:cNvPr id="3" name="Text Placeholder 2">
             <a:extLst>
               <a:ext uri="{FF2B5EF4-FFF2-40B4-BE49-F238E27FC236}">
-                <a16:creationId xmlns:a16="http://schemas.microsoft.com/office/drawing/2014/main" id="{6388DF48-ACA1-4670-845F-2F439630E901}"/>
+                <a16:creationId xmlns:a16="http://schemas.microsoft.com/office/drawing/2014/main" xmlns="" id="{6388DF48-ACA1-4670-845F-2F439630E901}"/>
               </a:ext>
             </a:extLst>
           </p:cNvPr>
@@ -12577,7 +11941,7 @@
           <p:cNvPr id="4" name="Content Placeholder 3">
             <a:extLst>
               <a:ext uri="{FF2B5EF4-FFF2-40B4-BE49-F238E27FC236}">
-                <a16:creationId xmlns:a16="http://schemas.microsoft.com/office/drawing/2014/main" id="{5C032023-9DF8-4BB9-A42B-23B2E720581B}"/>
+                <a16:creationId xmlns:a16="http://schemas.microsoft.com/office/drawing/2014/main" xmlns="" id="{5C032023-9DF8-4BB9-A42B-23B2E720581B}"/>
               </a:ext>
             </a:extLst>
           </p:cNvPr>
@@ -12639,7 +12003,7 @@
           <p:cNvPr id="5" name="Text Placeholder 4">
             <a:extLst>
               <a:ext uri="{FF2B5EF4-FFF2-40B4-BE49-F238E27FC236}">
-                <a16:creationId xmlns:a16="http://schemas.microsoft.com/office/drawing/2014/main" id="{5BCE71A9-9877-4B36-B2FA-6A895A956587}"/>
+                <a16:creationId xmlns:a16="http://schemas.microsoft.com/office/drawing/2014/main" xmlns="" id="{5BCE71A9-9877-4B36-B2FA-6A895A956587}"/>
               </a:ext>
             </a:extLst>
           </p:cNvPr>
@@ -12710,7 +12074,7 @@
           <p:cNvPr id="6" name="Content Placeholder 5">
             <a:extLst>
               <a:ext uri="{FF2B5EF4-FFF2-40B4-BE49-F238E27FC236}">
-                <a16:creationId xmlns:a16="http://schemas.microsoft.com/office/drawing/2014/main" id="{73C54526-49D6-48C9-AF40-958382B7446D}"/>
+                <a16:creationId xmlns:a16="http://schemas.microsoft.com/office/drawing/2014/main" xmlns="" id="{73C54526-49D6-48C9-AF40-958382B7446D}"/>
               </a:ext>
             </a:extLst>
           </p:cNvPr>
@@ -12772,7 +12136,7 @@
           <p:cNvPr id="7" name="Date Placeholder 6">
             <a:extLst>
               <a:ext uri="{FF2B5EF4-FFF2-40B4-BE49-F238E27FC236}">
-                <a16:creationId xmlns:a16="http://schemas.microsoft.com/office/drawing/2014/main" id="{EA1172FD-15F0-4147-B439-6EE0F74B1806}"/>
+                <a16:creationId xmlns:a16="http://schemas.microsoft.com/office/drawing/2014/main" xmlns="" id="{EA1172FD-15F0-4147-B439-6EE0F74B1806}"/>
               </a:ext>
             </a:extLst>
           </p:cNvPr>
@@ -12790,7 +12154,7 @@
           <a:p>
             <a:fld id="{467B6F40-EC65-4722-BCEC-F5AF12719C12}" type="datetimeFigureOut">
               <a:rPr lang="en-US" smtClean="0"/>
-              <a:t>8/9/2019</a:t>
+              <a:t>2019-08-09</a:t>
             </a:fld>
             <a:endParaRPr lang="en-US"/>
           </a:p>
@@ -12801,7 +12165,7 @@
           <p:cNvPr id="8" name="Footer Placeholder 7">
             <a:extLst>
               <a:ext uri="{FF2B5EF4-FFF2-40B4-BE49-F238E27FC236}">
-                <a16:creationId xmlns:a16="http://schemas.microsoft.com/office/drawing/2014/main" id="{E3AD3757-708E-464E-99E5-1AE4B2FDD2A4}"/>
+                <a16:creationId xmlns:a16="http://schemas.microsoft.com/office/drawing/2014/main" xmlns="" id="{E3AD3757-708E-464E-99E5-1AE4B2FDD2A4}"/>
               </a:ext>
             </a:extLst>
           </p:cNvPr>
@@ -12826,7 +12190,7 @@
           <p:cNvPr id="9" name="Slide Number Placeholder 8">
             <a:extLst>
               <a:ext uri="{FF2B5EF4-FFF2-40B4-BE49-F238E27FC236}">
-                <a16:creationId xmlns:a16="http://schemas.microsoft.com/office/drawing/2014/main" id="{581143FB-6519-464B-8A01-4D8B510BF710}"/>
+                <a16:creationId xmlns:a16="http://schemas.microsoft.com/office/drawing/2014/main" xmlns="" id="{581143FB-6519-464B-8A01-4D8B510BF710}"/>
               </a:ext>
             </a:extLst>
           </p:cNvPr>
@@ -12885,7 +12249,7 @@
           <p:cNvPr id="2" name="Title 1">
             <a:extLst>
               <a:ext uri="{FF2B5EF4-FFF2-40B4-BE49-F238E27FC236}">
-                <a16:creationId xmlns:a16="http://schemas.microsoft.com/office/drawing/2014/main" id="{004F1379-8E88-4D0D-8C98-2A23212A73A9}"/>
+                <a16:creationId xmlns:a16="http://schemas.microsoft.com/office/drawing/2014/main" xmlns="" id="{004F1379-8E88-4D0D-8C98-2A23212A73A9}"/>
               </a:ext>
             </a:extLst>
           </p:cNvPr>
@@ -12913,7 +12277,7 @@
           <p:cNvPr id="3" name="Date Placeholder 2">
             <a:extLst>
               <a:ext uri="{FF2B5EF4-FFF2-40B4-BE49-F238E27FC236}">
-                <a16:creationId xmlns:a16="http://schemas.microsoft.com/office/drawing/2014/main" id="{612699EF-4601-4EFA-BBE0-9767C1FEBAB7}"/>
+                <a16:creationId xmlns:a16="http://schemas.microsoft.com/office/drawing/2014/main" xmlns="" id="{612699EF-4601-4EFA-BBE0-9767C1FEBAB7}"/>
               </a:ext>
             </a:extLst>
           </p:cNvPr>
@@ -12931,7 +12295,7 @@
           <a:p>
             <a:fld id="{467B6F40-EC65-4722-BCEC-F5AF12719C12}" type="datetimeFigureOut">
               <a:rPr lang="en-US" smtClean="0"/>
-              <a:t>8/9/2019</a:t>
+              <a:t>2019-08-09</a:t>
             </a:fld>
             <a:endParaRPr lang="en-US"/>
           </a:p>
@@ -12942,7 +12306,7 @@
           <p:cNvPr id="4" name="Footer Placeholder 3">
             <a:extLst>
               <a:ext uri="{FF2B5EF4-FFF2-40B4-BE49-F238E27FC236}">
-                <a16:creationId xmlns:a16="http://schemas.microsoft.com/office/drawing/2014/main" id="{A06BCAEE-00DE-4B90-818B-F9D0C05A76FB}"/>
+                <a16:creationId xmlns:a16="http://schemas.microsoft.com/office/drawing/2014/main" xmlns="" id="{A06BCAEE-00DE-4B90-818B-F9D0C05A76FB}"/>
               </a:ext>
             </a:extLst>
           </p:cNvPr>
@@ -12967,7 +12331,7 @@
           <p:cNvPr id="5" name="Slide Number Placeholder 4">
             <a:extLst>
               <a:ext uri="{FF2B5EF4-FFF2-40B4-BE49-F238E27FC236}">
-                <a16:creationId xmlns:a16="http://schemas.microsoft.com/office/drawing/2014/main" id="{907B1FAE-DCAC-4DF4-AB88-19F7AFD67F9A}"/>
+                <a16:creationId xmlns:a16="http://schemas.microsoft.com/office/drawing/2014/main" xmlns="" id="{907B1FAE-DCAC-4DF4-AB88-19F7AFD67F9A}"/>
               </a:ext>
             </a:extLst>
           </p:cNvPr>
@@ -13026,7 +12390,7 @@
           <p:cNvPr id="2" name="Date Placeholder 1">
             <a:extLst>
               <a:ext uri="{FF2B5EF4-FFF2-40B4-BE49-F238E27FC236}">
-                <a16:creationId xmlns:a16="http://schemas.microsoft.com/office/drawing/2014/main" id="{A16E82D5-9FBC-4F7C-8C41-15F265FAD471}"/>
+                <a16:creationId xmlns:a16="http://schemas.microsoft.com/office/drawing/2014/main" xmlns="" id="{A16E82D5-9FBC-4F7C-8C41-15F265FAD471}"/>
               </a:ext>
             </a:extLst>
           </p:cNvPr>
@@ -13044,7 +12408,7 @@
           <a:p>
             <a:fld id="{467B6F40-EC65-4722-BCEC-F5AF12719C12}" type="datetimeFigureOut">
               <a:rPr lang="en-US" smtClean="0"/>
-              <a:t>8/9/2019</a:t>
+              <a:t>2019-08-09</a:t>
             </a:fld>
             <a:endParaRPr lang="en-US"/>
           </a:p>
@@ -13055,7 +12419,7 @@
           <p:cNvPr id="3" name="Footer Placeholder 2">
             <a:extLst>
               <a:ext uri="{FF2B5EF4-FFF2-40B4-BE49-F238E27FC236}">
-                <a16:creationId xmlns:a16="http://schemas.microsoft.com/office/drawing/2014/main" id="{026E6EDC-4D8E-40A2-B2F2-A6297A6729BE}"/>
+                <a16:creationId xmlns:a16="http://schemas.microsoft.com/office/drawing/2014/main" xmlns="" id="{026E6EDC-4D8E-40A2-B2F2-A6297A6729BE}"/>
               </a:ext>
             </a:extLst>
           </p:cNvPr>
@@ -13080,7 +12444,7 @@
           <p:cNvPr id="4" name="Slide Number Placeholder 3">
             <a:extLst>
               <a:ext uri="{FF2B5EF4-FFF2-40B4-BE49-F238E27FC236}">
-                <a16:creationId xmlns:a16="http://schemas.microsoft.com/office/drawing/2014/main" id="{82449786-3506-4EF4-B828-518E87C06A03}"/>
+                <a16:creationId xmlns:a16="http://schemas.microsoft.com/office/drawing/2014/main" xmlns="" id="{82449786-3506-4EF4-B828-518E87C06A03}"/>
               </a:ext>
             </a:extLst>
           </p:cNvPr>
@@ -13139,7 +12503,7 @@
           <p:cNvPr id="2" name="Title 1">
             <a:extLst>
               <a:ext uri="{FF2B5EF4-FFF2-40B4-BE49-F238E27FC236}">
-                <a16:creationId xmlns:a16="http://schemas.microsoft.com/office/drawing/2014/main" id="{124D7E01-243B-4B04-AFC6-E1EEBBC13723}"/>
+                <a16:creationId xmlns:a16="http://schemas.microsoft.com/office/drawing/2014/main" xmlns="" id="{124D7E01-243B-4B04-AFC6-E1EEBBC13723}"/>
               </a:ext>
             </a:extLst>
           </p:cNvPr>
@@ -13176,7 +12540,7 @@
           <p:cNvPr id="3" name="Content Placeholder 2">
             <a:extLst>
               <a:ext uri="{FF2B5EF4-FFF2-40B4-BE49-F238E27FC236}">
-                <a16:creationId xmlns:a16="http://schemas.microsoft.com/office/drawing/2014/main" id="{BF3BCD77-52D4-433B-95AD-57910D6C97A2}"/>
+                <a16:creationId xmlns:a16="http://schemas.microsoft.com/office/drawing/2014/main" xmlns="" id="{BF3BCD77-52D4-433B-95AD-57910D6C97A2}"/>
               </a:ext>
             </a:extLst>
           </p:cNvPr>
@@ -13266,7 +12630,7 @@
           <p:cNvPr id="4" name="Text Placeholder 3">
             <a:extLst>
               <a:ext uri="{FF2B5EF4-FFF2-40B4-BE49-F238E27FC236}">
-                <a16:creationId xmlns:a16="http://schemas.microsoft.com/office/drawing/2014/main" id="{4F59A20F-C9E2-4DF8-B941-1438584D8801}"/>
+                <a16:creationId xmlns:a16="http://schemas.microsoft.com/office/drawing/2014/main" xmlns="" id="{4F59A20F-C9E2-4DF8-B941-1438584D8801}"/>
               </a:ext>
             </a:extLst>
           </p:cNvPr>
@@ -13337,7 +12701,7 @@
           <p:cNvPr id="5" name="Date Placeholder 4">
             <a:extLst>
               <a:ext uri="{FF2B5EF4-FFF2-40B4-BE49-F238E27FC236}">
-                <a16:creationId xmlns:a16="http://schemas.microsoft.com/office/drawing/2014/main" id="{E6CFF7C8-8562-448C-9529-758175CB10D6}"/>
+                <a16:creationId xmlns:a16="http://schemas.microsoft.com/office/drawing/2014/main" xmlns="" id="{E6CFF7C8-8562-448C-9529-758175CB10D6}"/>
               </a:ext>
             </a:extLst>
           </p:cNvPr>
@@ -13355,7 +12719,7 @@
           <a:p>
             <a:fld id="{467B6F40-EC65-4722-BCEC-F5AF12719C12}" type="datetimeFigureOut">
               <a:rPr lang="en-US" smtClean="0"/>
-              <a:t>8/9/2019</a:t>
+              <a:t>2019-08-09</a:t>
             </a:fld>
             <a:endParaRPr lang="en-US"/>
           </a:p>
@@ -13366,7 +12730,7 @@
           <p:cNvPr id="6" name="Footer Placeholder 5">
             <a:extLst>
               <a:ext uri="{FF2B5EF4-FFF2-40B4-BE49-F238E27FC236}">
-                <a16:creationId xmlns:a16="http://schemas.microsoft.com/office/drawing/2014/main" id="{2097568D-0734-46E6-BA55-3FDA06834DE7}"/>
+                <a16:creationId xmlns:a16="http://schemas.microsoft.com/office/drawing/2014/main" xmlns="" id="{2097568D-0734-46E6-BA55-3FDA06834DE7}"/>
               </a:ext>
             </a:extLst>
           </p:cNvPr>
@@ -13391,7 +12755,7 @@
           <p:cNvPr id="7" name="Slide Number Placeholder 6">
             <a:extLst>
               <a:ext uri="{FF2B5EF4-FFF2-40B4-BE49-F238E27FC236}">
-                <a16:creationId xmlns:a16="http://schemas.microsoft.com/office/drawing/2014/main" id="{CC58F7D6-E462-47DC-A75E-E77332BF42D1}"/>
+                <a16:creationId xmlns:a16="http://schemas.microsoft.com/office/drawing/2014/main" xmlns="" id="{CC58F7D6-E462-47DC-A75E-E77332BF42D1}"/>
               </a:ext>
             </a:extLst>
           </p:cNvPr>
@@ -13450,7 +12814,7 @@
           <p:cNvPr id="2" name="Title 1">
             <a:extLst>
               <a:ext uri="{FF2B5EF4-FFF2-40B4-BE49-F238E27FC236}">
-                <a16:creationId xmlns:a16="http://schemas.microsoft.com/office/drawing/2014/main" id="{F6227CFC-98BC-4CF3-9A69-895D9888C6F5}"/>
+                <a16:creationId xmlns:a16="http://schemas.microsoft.com/office/drawing/2014/main" xmlns="" id="{F6227CFC-98BC-4CF3-9A69-895D9888C6F5}"/>
               </a:ext>
             </a:extLst>
           </p:cNvPr>
@@ -13487,7 +12851,7 @@
           <p:cNvPr id="3" name="Picture Placeholder 2">
             <a:extLst>
               <a:ext uri="{FF2B5EF4-FFF2-40B4-BE49-F238E27FC236}">
-                <a16:creationId xmlns:a16="http://schemas.microsoft.com/office/drawing/2014/main" id="{3CA093F1-0D8E-4A81-A82C-ED73594E31C9}"/>
+                <a16:creationId xmlns:a16="http://schemas.microsoft.com/office/drawing/2014/main" xmlns="" id="{3CA093F1-0D8E-4A81-A82C-ED73594E31C9}"/>
               </a:ext>
             </a:extLst>
           </p:cNvPr>
@@ -13554,7 +12918,7 @@
           <p:cNvPr id="4" name="Text Placeholder 3">
             <a:extLst>
               <a:ext uri="{FF2B5EF4-FFF2-40B4-BE49-F238E27FC236}">
-                <a16:creationId xmlns:a16="http://schemas.microsoft.com/office/drawing/2014/main" id="{335C6E2E-B98C-46CC-BE21-9BBE3888788A}"/>
+                <a16:creationId xmlns:a16="http://schemas.microsoft.com/office/drawing/2014/main" xmlns="" id="{335C6E2E-B98C-46CC-BE21-9BBE3888788A}"/>
               </a:ext>
             </a:extLst>
           </p:cNvPr>
@@ -13625,7 +12989,7 @@
           <p:cNvPr id="5" name="Date Placeholder 4">
             <a:extLst>
               <a:ext uri="{FF2B5EF4-FFF2-40B4-BE49-F238E27FC236}">
-                <a16:creationId xmlns:a16="http://schemas.microsoft.com/office/drawing/2014/main" id="{ECC8F637-5B05-48C1-A94E-038D3A82C110}"/>
+                <a16:creationId xmlns:a16="http://schemas.microsoft.com/office/drawing/2014/main" xmlns="" id="{ECC8F637-5B05-48C1-A94E-038D3A82C110}"/>
               </a:ext>
             </a:extLst>
           </p:cNvPr>
@@ -13643,7 +13007,7 @@
           <a:p>
             <a:fld id="{467B6F40-EC65-4722-BCEC-F5AF12719C12}" type="datetimeFigureOut">
               <a:rPr lang="en-US" smtClean="0"/>
-              <a:t>8/9/2019</a:t>
+              <a:t>2019-08-09</a:t>
             </a:fld>
             <a:endParaRPr lang="en-US"/>
           </a:p>
@@ -13654,7 +13018,7 @@
           <p:cNvPr id="6" name="Footer Placeholder 5">
             <a:extLst>
               <a:ext uri="{FF2B5EF4-FFF2-40B4-BE49-F238E27FC236}">
-                <a16:creationId xmlns:a16="http://schemas.microsoft.com/office/drawing/2014/main" id="{167FA3CB-CD30-4AFC-AE68-588B09D03F38}"/>
+                <a16:creationId xmlns:a16="http://schemas.microsoft.com/office/drawing/2014/main" xmlns="" id="{167FA3CB-CD30-4AFC-AE68-588B09D03F38}"/>
               </a:ext>
             </a:extLst>
           </p:cNvPr>
@@ -13679,7 +13043,7 @@
           <p:cNvPr id="7" name="Slide Number Placeholder 6">
             <a:extLst>
               <a:ext uri="{FF2B5EF4-FFF2-40B4-BE49-F238E27FC236}">
-                <a16:creationId xmlns:a16="http://schemas.microsoft.com/office/drawing/2014/main" id="{E1A2F62F-BDCC-4B00-9889-D3A6AE166371}"/>
+                <a16:creationId xmlns:a16="http://schemas.microsoft.com/office/drawing/2014/main" xmlns="" id="{E1A2F62F-BDCC-4B00-9889-D3A6AE166371}"/>
               </a:ext>
             </a:extLst>
           </p:cNvPr>
@@ -13743,7 +13107,7 @@
           <p:cNvPr id="2" name="Title Placeholder 1">
             <a:extLst>
               <a:ext uri="{FF2B5EF4-FFF2-40B4-BE49-F238E27FC236}">
-                <a16:creationId xmlns:a16="http://schemas.microsoft.com/office/drawing/2014/main" id="{719A52FB-693B-4B1F-8538-B52838AF1776}"/>
+                <a16:creationId xmlns:a16="http://schemas.microsoft.com/office/drawing/2014/main" xmlns="" id="{719A52FB-693B-4B1F-8538-B52838AF1776}"/>
               </a:ext>
             </a:extLst>
           </p:cNvPr>
@@ -13781,7 +13145,7 @@
           <p:cNvPr id="3" name="Text Placeholder 2">
             <a:extLst>
               <a:ext uri="{FF2B5EF4-FFF2-40B4-BE49-F238E27FC236}">
-                <a16:creationId xmlns:a16="http://schemas.microsoft.com/office/drawing/2014/main" id="{4212907B-B33D-4E9E-A938-23052B2B09D9}"/>
+                <a16:creationId xmlns:a16="http://schemas.microsoft.com/office/drawing/2014/main" xmlns="" id="{4212907B-B33D-4E9E-A938-23052B2B09D9}"/>
               </a:ext>
             </a:extLst>
           </p:cNvPr>
@@ -13848,7 +13212,7 @@
           <p:cNvPr id="4" name="Date Placeholder 3">
             <a:extLst>
               <a:ext uri="{FF2B5EF4-FFF2-40B4-BE49-F238E27FC236}">
-                <a16:creationId xmlns:a16="http://schemas.microsoft.com/office/drawing/2014/main" id="{3A2FD7FE-5CFA-4127-84AE-849F0799CE48}"/>
+                <a16:creationId xmlns:a16="http://schemas.microsoft.com/office/drawing/2014/main" xmlns="" id="{3A2FD7FE-5CFA-4127-84AE-849F0799CE48}"/>
               </a:ext>
             </a:extLst>
           </p:cNvPr>
@@ -13884,7 +13248,7 @@
           <a:p>
             <a:fld id="{467B6F40-EC65-4722-BCEC-F5AF12719C12}" type="datetimeFigureOut">
               <a:rPr lang="en-US" smtClean="0"/>
-              <a:t>8/9/2019</a:t>
+              <a:t>2019-08-09</a:t>
             </a:fld>
             <a:endParaRPr lang="en-US"/>
           </a:p>
@@ -13895,7 +13259,7 @@
           <p:cNvPr id="5" name="Footer Placeholder 4">
             <a:extLst>
               <a:ext uri="{FF2B5EF4-FFF2-40B4-BE49-F238E27FC236}">
-                <a16:creationId xmlns:a16="http://schemas.microsoft.com/office/drawing/2014/main" id="{E2E9F13D-B29B-46D3-9ABF-A56AF3F57503}"/>
+                <a16:creationId xmlns:a16="http://schemas.microsoft.com/office/drawing/2014/main" xmlns="" id="{E2E9F13D-B29B-46D3-9ABF-A56AF3F57503}"/>
               </a:ext>
             </a:extLst>
           </p:cNvPr>
@@ -13938,7 +13302,7 @@
           <p:cNvPr id="6" name="Slide Number Placeholder 5">
             <a:extLst>
               <a:ext uri="{FF2B5EF4-FFF2-40B4-BE49-F238E27FC236}">
-                <a16:creationId xmlns:a16="http://schemas.microsoft.com/office/drawing/2014/main" id="{2FE02E3A-6E60-4485-808D-2D2131664361}"/>
+                <a16:creationId xmlns:a16="http://schemas.microsoft.com/office/drawing/2014/main" xmlns="" id="{2FE02E3A-6E60-4485-808D-2D2131664361}"/>
               </a:ext>
             </a:extLst>
           </p:cNvPr>
@@ -14320,7 +13684,7 @@
           <p:cNvPr id="2" name="Title 1">
             <a:extLst>
               <a:ext uri="{FF2B5EF4-FFF2-40B4-BE49-F238E27FC236}">
-                <a16:creationId xmlns:a16="http://schemas.microsoft.com/office/drawing/2014/main" id="{BD741483-B11E-445B-82D4-F69120BFE4F4}"/>
+                <a16:creationId xmlns:a16="http://schemas.microsoft.com/office/drawing/2014/main" xmlns="" id="{BD741483-B11E-445B-82D4-F69120BFE4F4}"/>
               </a:ext>
             </a:extLst>
           </p:cNvPr>
@@ -14394,7 +13758,7 @@
           <p:cNvPr id="2" name="Title 1">
             <a:extLst>
               <a:ext uri="{FF2B5EF4-FFF2-40B4-BE49-F238E27FC236}">
-                <a16:creationId xmlns:a16="http://schemas.microsoft.com/office/drawing/2014/main" id="{8AB0FBD8-8A49-435E-8E4F-2E0B4A6134DE}"/>
+                <a16:creationId xmlns:a16="http://schemas.microsoft.com/office/drawing/2014/main" xmlns="" id="{8AB0FBD8-8A49-435E-8E4F-2E0B4A6134DE}"/>
               </a:ext>
             </a:extLst>
           </p:cNvPr>
@@ -14430,7 +13794,7 @@
           <p:cNvPr id="3" name="Content Placeholder 2">
             <a:extLst>
               <a:ext uri="{FF2B5EF4-FFF2-40B4-BE49-F238E27FC236}">
-                <a16:creationId xmlns:a16="http://schemas.microsoft.com/office/drawing/2014/main" id="{BB9D0FD2-9C4D-42FC-9343-0F77A20DFF53}"/>
+                <a16:creationId xmlns:a16="http://schemas.microsoft.com/office/drawing/2014/main" xmlns="" id="{BB9D0FD2-9C4D-42FC-9343-0F77A20DFF53}"/>
               </a:ext>
             </a:extLst>
           </p:cNvPr>
@@ -14485,7 +13849,7 @@
           <p:cNvPr id="2" name="Title 1">
             <a:extLst>
               <a:ext uri="{FF2B5EF4-FFF2-40B4-BE49-F238E27FC236}">
-                <a16:creationId xmlns:a16="http://schemas.microsoft.com/office/drawing/2014/main" id="{BD741483-B11E-445B-82D4-F69120BFE4F4}"/>
+                <a16:creationId xmlns:a16="http://schemas.microsoft.com/office/drawing/2014/main" xmlns="" id="{BD741483-B11E-445B-82D4-F69120BFE4F4}"/>
               </a:ext>
             </a:extLst>
           </p:cNvPr>
@@ -14514,7 +13878,7 @@
           <p:cNvPr id="3" name="Subtitle 2">
             <a:extLst>
               <a:ext uri="{FF2B5EF4-FFF2-40B4-BE49-F238E27FC236}">
-                <a16:creationId xmlns:a16="http://schemas.microsoft.com/office/drawing/2014/main" id="{25543615-085F-4258-A2E2-34551553B4FC}"/>
+                <a16:creationId xmlns:a16="http://schemas.microsoft.com/office/drawing/2014/main" xmlns="" id="{25543615-085F-4258-A2E2-34551553B4FC}"/>
               </a:ext>
             </a:extLst>
           </p:cNvPr>
@@ -14527,9 +13891,59 @@
         </p:nvSpPr>
         <p:spPr/>
         <p:txBody>
-          <a:bodyPr/>
+          <a:bodyPr>
+            <a:normAutofit lnSpcReduction="10000"/>
+          </a:bodyPr>
           <a:lstStyle/>
           <a:p>
+            <a:pPr marL="285750" indent="-285750" algn="l">
+              <a:buFont typeface="Arial" panose="020B0604020202020204" pitchFamily="34" charset="0"/>
+              <a:buChar char="•"/>
+            </a:pPr>
+            <a:r>
+              <a:rPr lang="en-US" dirty="0" smtClean="0"/>
+              <a:t>Code</a:t>
+            </a:r>
+          </a:p>
+          <a:p>
+            <a:pPr marL="285750" indent="-285750" algn="l">
+              <a:buFont typeface="Arial" panose="020B0604020202020204" pitchFamily="34" charset="0"/>
+              <a:buChar char="•"/>
+            </a:pPr>
+            <a:r>
+              <a:rPr lang="en-US" dirty="0" smtClean="0"/>
+              <a:t>Sniffing</a:t>
+            </a:r>
+          </a:p>
+          <a:p>
+            <a:pPr marL="285750" indent="-285750" algn="l">
+              <a:buFont typeface="Arial" panose="020B0604020202020204" pitchFamily="34" charset="0"/>
+              <a:buChar char="•"/>
+            </a:pPr>
+            <a:r>
+              <a:rPr lang="en-US" dirty="0" smtClean="0"/>
+              <a:t>Sniffing on a loop</a:t>
+            </a:r>
+          </a:p>
+          <a:p>
+            <a:pPr marL="285750" indent="-285750" algn="l">
+              <a:buFont typeface="Arial" panose="020B0604020202020204" pitchFamily="34" charset="0"/>
+              <a:buChar char="•"/>
+            </a:pPr>
+            <a:r>
+              <a:rPr lang="en-US" dirty="0" smtClean="0"/>
+              <a:t>Reading from a packet</a:t>
+            </a:r>
+          </a:p>
+          <a:p>
+            <a:pPr marL="285750" indent="-285750" algn="l">
+              <a:buFont typeface="Arial" panose="020B0604020202020204" pitchFamily="34" charset="0"/>
+              <a:buChar char="•"/>
+            </a:pPr>
+            <a:r>
+              <a:rPr lang="en-US" smtClean="0"/>
+              <a:t>filters</a:t>
+            </a:r>
             <a:endParaRPr lang="en-US"/>
           </a:p>
         </p:txBody>
@@ -14569,7 +13983,7 @@
           <p:cNvPr id="2" name="Title 1">
             <a:extLst>
               <a:ext uri="{FF2B5EF4-FFF2-40B4-BE49-F238E27FC236}">
-                <a16:creationId xmlns:a16="http://schemas.microsoft.com/office/drawing/2014/main" id="{FA4DE641-7FF5-442D-ADF9-35AF23968215}"/>
+                <a16:creationId xmlns:a16="http://schemas.microsoft.com/office/drawing/2014/main" xmlns="" id="{FA4DE641-7FF5-442D-ADF9-35AF23968215}"/>
               </a:ext>
             </a:extLst>
           </p:cNvPr>
@@ -14597,7 +14011,7 @@
           <p:cNvPr id="3" name="Content Placeholder 2">
             <a:extLst>
               <a:ext uri="{FF2B5EF4-FFF2-40B4-BE49-F238E27FC236}">
-                <a16:creationId xmlns:a16="http://schemas.microsoft.com/office/drawing/2014/main" id="{8F0149D8-BF24-4C80-959F-7DF566C80856}"/>
+                <a16:creationId xmlns:a16="http://schemas.microsoft.com/office/drawing/2014/main" xmlns="" id="{8F0149D8-BF24-4C80-959F-7DF566C80856}"/>
               </a:ext>
             </a:extLst>
           </p:cNvPr>
@@ -14655,7 +14069,7 @@
           <p:cNvPr id="2" name="Title 1">
             <a:extLst>
               <a:ext uri="{FF2B5EF4-FFF2-40B4-BE49-F238E27FC236}">
-                <a16:creationId xmlns:a16="http://schemas.microsoft.com/office/drawing/2014/main" id="{BD741483-B11E-445B-82D4-F69120BFE4F4}"/>
+                <a16:creationId xmlns:a16="http://schemas.microsoft.com/office/drawing/2014/main" xmlns="" id="{BD741483-B11E-445B-82D4-F69120BFE4F4}"/>
               </a:ext>
             </a:extLst>
           </p:cNvPr>
@@ -14683,7 +14097,7 @@
           <p:cNvPr id="3" name="Subtitle 2">
             <a:extLst>
               <a:ext uri="{FF2B5EF4-FFF2-40B4-BE49-F238E27FC236}">
-                <a16:creationId xmlns:a16="http://schemas.microsoft.com/office/drawing/2014/main" id="{25543615-085F-4258-A2E2-34551553B4FC}"/>
+                <a16:creationId xmlns:a16="http://schemas.microsoft.com/office/drawing/2014/main" xmlns="" id="{25543615-085F-4258-A2E2-34551553B4FC}"/>
               </a:ext>
             </a:extLst>
           </p:cNvPr>
@@ -14746,10 +14160,10 @@
           <p:cNvPr id="9" name="Rectangle 8">
             <a:extLst>
               <a:ext uri="{FF2B5EF4-FFF2-40B4-BE49-F238E27FC236}">
-                <a16:creationId xmlns:a16="http://schemas.microsoft.com/office/drawing/2014/main" id="{3B0DF90E-6BAD-4E82-8FDF-717C9A357378}"/>
+                <a16:creationId xmlns:a16="http://schemas.microsoft.com/office/drawing/2014/main" xmlns="" id="{3B0DF90E-6BAD-4E82-8FDF-717C9A357378}"/>
               </a:ext>
               <a:ext uri="{C183D7F6-B498-43B3-948B-1728B52AA6E4}">
-                <adec:decorative xmlns:adec="http://schemas.microsoft.com/office/drawing/2017/decorative" val="1"/>
+                <adec:decorative xmlns:adec="http://schemas.microsoft.com/office/drawing/2017/decorative" xmlns="" val="1"/>
               </a:ext>
             </a:extLst>
           </p:cNvPr>
@@ -14759,7 +14173,7 @@
           <p:nvPr>
             <p:extLst>
               <p:ext uri="{386F3935-93C4-4BCD-93E2-E3B085C9AB24}">
-                <p16:designElem xmlns:p16="http://schemas.microsoft.com/office/powerpoint/2015/main" val="1"/>
+                <p16:designElem xmlns:p16="http://schemas.microsoft.com/office/powerpoint/2015/main" xmlns="" val="1"/>
               </p:ext>
             </p:extLst>
           </p:nvPr>
@@ -14809,10 +14223,10 @@
           <p:cNvPr id="11" name="Freeform 13">
             <a:extLst>
               <a:ext uri="{FF2B5EF4-FFF2-40B4-BE49-F238E27FC236}">
-                <a16:creationId xmlns:a16="http://schemas.microsoft.com/office/drawing/2014/main" id="{13DCC859-0434-4BB8-B6C5-09C88AE698FB}"/>
+                <a16:creationId xmlns:a16="http://schemas.microsoft.com/office/drawing/2014/main" xmlns="" id="{13DCC859-0434-4BB8-B6C5-09C88AE698FB}"/>
               </a:ext>
               <a:ext uri="{C183D7F6-B498-43B3-948B-1728B52AA6E4}">
-                <adec:decorative xmlns:adec="http://schemas.microsoft.com/office/drawing/2017/decorative" val="1"/>
+                <adec:decorative xmlns:adec="http://schemas.microsoft.com/office/drawing/2017/decorative" xmlns="" val="1"/>
               </a:ext>
             </a:extLst>
           </p:cNvPr>
@@ -14822,7 +14236,7 @@
           <p:nvPr>
             <p:extLst>
               <p:ext uri="{386F3935-93C4-4BCD-93E2-E3B085C9AB24}">
-                <p16:designElem xmlns:p16="http://schemas.microsoft.com/office/powerpoint/2015/main" val="1"/>
+                <p16:designElem xmlns:p16="http://schemas.microsoft.com/office/powerpoint/2015/main" xmlns="" val="1"/>
               </p:ext>
             </p:extLst>
           </p:nvPr>
@@ -14917,10 +14331,10 @@
           <p:cNvPr id="13" name="Freeform 11">
             <a:extLst>
               <a:ext uri="{FF2B5EF4-FFF2-40B4-BE49-F238E27FC236}">
-                <a16:creationId xmlns:a16="http://schemas.microsoft.com/office/drawing/2014/main" id="{08E7ACFB-B791-4C23-8B17-013FEDC09A89}"/>
+                <a16:creationId xmlns:a16="http://schemas.microsoft.com/office/drawing/2014/main" xmlns="" id="{08E7ACFB-B791-4C23-8B17-013FEDC09A89}"/>
               </a:ext>
               <a:ext uri="{C183D7F6-B498-43B3-948B-1728B52AA6E4}">
-                <adec:decorative xmlns:adec="http://schemas.microsoft.com/office/drawing/2017/decorative" val="1"/>
+                <adec:decorative xmlns:adec="http://schemas.microsoft.com/office/drawing/2017/decorative" xmlns="" val="1"/>
               </a:ext>
             </a:extLst>
           </p:cNvPr>
@@ -14930,7 +14344,7 @@
           <p:nvPr>
             <p:extLst>
               <p:ext uri="{386F3935-93C4-4BCD-93E2-E3B085C9AB24}">
-                <p16:designElem xmlns:p16="http://schemas.microsoft.com/office/powerpoint/2015/main" val="1"/>
+                <p16:designElem xmlns:p16="http://schemas.microsoft.com/office/powerpoint/2015/main" xmlns="" val="1"/>
               </p:ext>
             </p:extLst>
           </p:nvPr>
@@ -15027,7 +14441,7 @@
           <p:cNvPr id="2" name="Title 1">
             <a:extLst>
               <a:ext uri="{FF2B5EF4-FFF2-40B4-BE49-F238E27FC236}">
-                <a16:creationId xmlns:a16="http://schemas.microsoft.com/office/drawing/2014/main" id="{512C34CD-E94D-436F-B796-3BB707B888AD}"/>
+                <a16:creationId xmlns:a16="http://schemas.microsoft.com/office/drawing/2014/main" xmlns="" id="{512C34CD-E94D-436F-B796-3BB707B888AD}"/>
               </a:ext>
             </a:extLst>
           </p:cNvPr>
@@ -15063,7 +14477,7 @@
           <p:cNvPr id="4" name="Content Placeholder 3">
             <a:extLst>
               <a:ext uri="{FF2B5EF4-FFF2-40B4-BE49-F238E27FC236}">
-                <a16:creationId xmlns:a16="http://schemas.microsoft.com/office/drawing/2014/main" id="{91FE3B6E-2D05-4963-8EB5-6D4B46D056B3}"/>
+                <a16:creationId xmlns:a16="http://schemas.microsoft.com/office/drawing/2014/main" xmlns="" id="{91FE3B6E-2D05-4963-8EB5-6D4B46D056B3}"/>
               </a:ext>
             </a:extLst>
           </p:cNvPr>
@@ -15132,10 +14546,10 @@
           <p:cNvPr id="9" name="Rectangle 8">
             <a:extLst>
               <a:ext uri="{FF2B5EF4-FFF2-40B4-BE49-F238E27FC236}">
-                <a16:creationId xmlns:a16="http://schemas.microsoft.com/office/drawing/2014/main" id="{3B0DF90E-6BAD-4E82-8FDF-717C9A357378}"/>
+                <a16:creationId xmlns:a16="http://schemas.microsoft.com/office/drawing/2014/main" xmlns="" id="{3B0DF90E-6BAD-4E82-8FDF-717C9A357378}"/>
               </a:ext>
               <a:ext uri="{C183D7F6-B498-43B3-948B-1728B52AA6E4}">
-                <adec:decorative xmlns:adec="http://schemas.microsoft.com/office/drawing/2017/decorative" val="1"/>
+                <adec:decorative xmlns:adec="http://schemas.microsoft.com/office/drawing/2017/decorative" xmlns="" val="1"/>
               </a:ext>
             </a:extLst>
           </p:cNvPr>
@@ -15145,7 +14559,7 @@
           <p:nvPr>
             <p:extLst>
               <p:ext uri="{386F3935-93C4-4BCD-93E2-E3B085C9AB24}">
-                <p16:designElem xmlns:p16="http://schemas.microsoft.com/office/powerpoint/2015/main" val="1"/>
+                <p16:designElem xmlns:p16="http://schemas.microsoft.com/office/powerpoint/2015/main" xmlns="" val="1"/>
               </p:ext>
             </p:extLst>
           </p:nvPr>
@@ -15195,10 +14609,10 @@
           <p:cNvPr id="11" name="Freeform 13">
             <a:extLst>
               <a:ext uri="{FF2B5EF4-FFF2-40B4-BE49-F238E27FC236}">
-                <a16:creationId xmlns:a16="http://schemas.microsoft.com/office/drawing/2014/main" id="{13DCC859-0434-4BB8-B6C5-09C88AE698FB}"/>
+                <a16:creationId xmlns:a16="http://schemas.microsoft.com/office/drawing/2014/main" xmlns="" id="{13DCC859-0434-4BB8-B6C5-09C88AE698FB}"/>
               </a:ext>
               <a:ext uri="{C183D7F6-B498-43B3-948B-1728B52AA6E4}">
-                <adec:decorative xmlns:adec="http://schemas.microsoft.com/office/drawing/2017/decorative" val="1"/>
+                <adec:decorative xmlns:adec="http://schemas.microsoft.com/office/drawing/2017/decorative" xmlns="" val="1"/>
               </a:ext>
             </a:extLst>
           </p:cNvPr>
@@ -15208,7 +14622,7 @@
           <p:nvPr>
             <p:extLst>
               <p:ext uri="{386F3935-93C4-4BCD-93E2-E3B085C9AB24}">
-                <p16:designElem xmlns:p16="http://schemas.microsoft.com/office/powerpoint/2015/main" val="1"/>
+                <p16:designElem xmlns:p16="http://schemas.microsoft.com/office/powerpoint/2015/main" xmlns="" val="1"/>
               </p:ext>
             </p:extLst>
           </p:nvPr>
@@ -15303,10 +14717,10 @@
           <p:cNvPr id="13" name="Freeform 11">
             <a:extLst>
               <a:ext uri="{FF2B5EF4-FFF2-40B4-BE49-F238E27FC236}">
-                <a16:creationId xmlns:a16="http://schemas.microsoft.com/office/drawing/2014/main" id="{08E7ACFB-B791-4C23-8B17-013FEDC09A89}"/>
+                <a16:creationId xmlns:a16="http://schemas.microsoft.com/office/drawing/2014/main" xmlns="" id="{08E7ACFB-B791-4C23-8B17-013FEDC09A89}"/>
               </a:ext>
               <a:ext uri="{C183D7F6-B498-43B3-948B-1728B52AA6E4}">
-                <adec:decorative xmlns:adec="http://schemas.microsoft.com/office/drawing/2017/decorative" val="1"/>
+                <adec:decorative xmlns:adec="http://schemas.microsoft.com/office/drawing/2017/decorative" xmlns="" val="1"/>
               </a:ext>
             </a:extLst>
           </p:cNvPr>
@@ -15316,7 +14730,7 @@
           <p:nvPr>
             <p:extLst>
               <p:ext uri="{386F3935-93C4-4BCD-93E2-E3B085C9AB24}">
-                <p16:designElem xmlns:p16="http://schemas.microsoft.com/office/powerpoint/2015/main" val="1"/>
+                <p16:designElem xmlns:p16="http://schemas.microsoft.com/office/powerpoint/2015/main" xmlns="" val="1"/>
               </p:ext>
             </p:extLst>
           </p:nvPr>
@@ -15413,7 +14827,7 @@
           <p:cNvPr id="2" name="Title 1">
             <a:extLst>
               <a:ext uri="{FF2B5EF4-FFF2-40B4-BE49-F238E27FC236}">
-                <a16:creationId xmlns:a16="http://schemas.microsoft.com/office/drawing/2014/main" id="{99F7D6D0-C3C0-4F7D-85E0-921F9502D6CC}"/>
+                <a16:creationId xmlns:a16="http://schemas.microsoft.com/office/drawing/2014/main" xmlns="" id="{99F7D6D0-C3C0-4F7D-85E0-921F9502D6CC}"/>
               </a:ext>
             </a:extLst>
           </p:cNvPr>
@@ -15448,7 +14862,7 @@
           <p:cNvPr id="4" name="Content Placeholder 3">
             <a:extLst>
               <a:ext uri="{FF2B5EF4-FFF2-40B4-BE49-F238E27FC236}">
-                <a16:creationId xmlns:a16="http://schemas.microsoft.com/office/drawing/2014/main" id="{A2FBB0DC-C13F-4885-9425-924C452E33D9}"/>
+                <a16:creationId xmlns:a16="http://schemas.microsoft.com/office/drawing/2014/main" xmlns="" id="{A2FBB0DC-C13F-4885-9425-924C452E33D9}"/>
               </a:ext>
             </a:extLst>
           </p:cNvPr>
@@ -15478,28 +14892,28 @@
                 <a:gridCol w="1876155">
                   <a:extLst>
                     <a:ext uri="{9D8B030D-6E8A-4147-A177-3AD203B41FA5}">
-                      <a16:colId xmlns:a16="http://schemas.microsoft.com/office/drawing/2014/main" val="3470846463"/>
+                      <a16:colId xmlns:a16="http://schemas.microsoft.com/office/drawing/2014/main" xmlns="" val="3470846463"/>
                     </a:ext>
                   </a:extLst>
                 </a:gridCol>
                 <a:gridCol w="1952571">
                   <a:extLst>
                     <a:ext uri="{9D8B030D-6E8A-4147-A177-3AD203B41FA5}">
-                      <a16:colId xmlns:a16="http://schemas.microsoft.com/office/drawing/2014/main" val="3990732175"/>
+                      <a16:colId xmlns:a16="http://schemas.microsoft.com/office/drawing/2014/main" xmlns="" val="3990732175"/>
                     </a:ext>
                   </a:extLst>
                 </a:gridCol>
                 <a:gridCol w="2028988">
                   <a:extLst>
                     <a:ext uri="{9D8B030D-6E8A-4147-A177-3AD203B41FA5}">
-                      <a16:colId xmlns:a16="http://schemas.microsoft.com/office/drawing/2014/main" val="3113442537"/>
+                      <a16:colId xmlns:a16="http://schemas.microsoft.com/office/drawing/2014/main" xmlns="" val="3113442537"/>
                     </a:ext>
                   </a:extLst>
                 </a:gridCol>
                 <a:gridCol w="2028988">
                   <a:extLst>
                     <a:ext uri="{9D8B030D-6E8A-4147-A177-3AD203B41FA5}">
-                      <a16:colId xmlns:a16="http://schemas.microsoft.com/office/drawing/2014/main" val="3734812451"/>
+                      <a16:colId xmlns:a16="http://schemas.microsoft.com/office/drawing/2014/main" xmlns="" val="3734812451"/>
                     </a:ext>
                   </a:extLst>
                 </a:gridCol>
@@ -15563,7 +14977,7 @@
                 </a:tc>
                 <a:extLst>
                   <a:ext uri="{0D108BD9-81ED-4DB2-BD59-A6C34878D82A}">
-                    <a16:rowId xmlns:a16="http://schemas.microsoft.com/office/drawing/2014/main" val="3547791680"/>
+                    <a16:rowId xmlns:a16="http://schemas.microsoft.com/office/drawing/2014/main" xmlns="" val="3547791680"/>
                   </a:ext>
                 </a:extLst>
               </a:tr>
@@ -15622,7 +15036,7 @@
                 </a:tc>
                 <a:extLst>
                   <a:ext uri="{0D108BD9-81ED-4DB2-BD59-A6C34878D82A}">
-                    <a16:rowId xmlns:a16="http://schemas.microsoft.com/office/drawing/2014/main" val="2673285938"/>
+                    <a16:rowId xmlns:a16="http://schemas.microsoft.com/office/drawing/2014/main" xmlns="" val="2673285938"/>
                   </a:ext>
                 </a:extLst>
               </a:tr>
@@ -15673,7 +15087,7 @@
                 </a:tc>
                 <a:extLst>
                   <a:ext uri="{0D108BD9-81ED-4DB2-BD59-A6C34878D82A}">
-                    <a16:rowId xmlns:a16="http://schemas.microsoft.com/office/drawing/2014/main" val="761915796"/>
+                    <a16:rowId xmlns:a16="http://schemas.microsoft.com/office/drawing/2014/main" xmlns="" val="761915796"/>
                   </a:ext>
                 </a:extLst>
               </a:tr>
@@ -15724,7 +15138,7 @@
                 </a:tc>
                 <a:extLst>
                   <a:ext uri="{0D108BD9-81ED-4DB2-BD59-A6C34878D82A}">
-                    <a16:rowId xmlns:a16="http://schemas.microsoft.com/office/drawing/2014/main" val="3849345575"/>
+                    <a16:rowId xmlns:a16="http://schemas.microsoft.com/office/drawing/2014/main" xmlns="" val="3849345575"/>
                   </a:ext>
                 </a:extLst>
               </a:tr>
@@ -15775,7 +15189,7 @@
           <p:cNvPr id="2" name="Title 1">
             <a:extLst>
               <a:ext uri="{FF2B5EF4-FFF2-40B4-BE49-F238E27FC236}">
-                <a16:creationId xmlns:a16="http://schemas.microsoft.com/office/drawing/2014/main" id="{1ECBA2D8-9B7D-45A6-AA7C-8855E5E925CA}"/>
+                <a16:creationId xmlns:a16="http://schemas.microsoft.com/office/drawing/2014/main" xmlns="" id="{1ECBA2D8-9B7D-45A6-AA7C-8855E5E925CA}"/>
               </a:ext>
             </a:extLst>
           </p:cNvPr>
@@ -15810,7 +15224,7 @@
           <p:cNvPr id="4" name="Content Placeholder 3">
             <a:extLst>
               <a:ext uri="{FF2B5EF4-FFF2-40B4-BE49-F238E27FC236}">
-                <a16:creationId xmlns:a16="http://schemas.microsoft.com/office/drawing/2014/main" id="{D76BD8A9-6D35-4B48-9DB7-15217ABF1F34}"/>
+                <a16:creationId xmlns:a16="http://schemas.microsoft.com/office/drawing/2014/main" xmlns="" id="{D76BD8A9-6D35-4B48-9DB7-15217ABF1F34}"/>
               </a:ext>
             </a:extLst>
           </p:cNvPr>
@@ -15840,14 +15254,14 @@
                 <a:gridCol w="3911847">
                   <a:extLst>
                     <a:ext uri="{9D8B030D-6E8A-4147-A177-3AD203B41FA5}">
-                      <a16:colId xmlns:a16="http://schemas.microsoft.com/office/drawing/2014/main" val="4203926634"/>
+                      <a16:colId xmlns:a16="http://schemas.microsoft.com/office/drawing/2014/main" xmlns="" val="4203926634"/>
                     </a:ext>
                   </a:extLst>
                 </a:gridCol>
                 <a:gridCol w="3911847">
                   <a:extLst>
                     <a:ext uri="{9D8B030D-6E8A-4147-A177-3AD203B41FA5}">
-                      <a16:colId xmlns:a16="http://schemas.microsoft.com/office/drawing/2014/main" val="985115804"/>
+                      <a16:colId xmlns:a16="http://schemas.microsoft.com/office/drawing/2014/main" xmlns="" val="985115804"/>
                     </a:ext>
                   </a:extLst>
                 </a:gridCol>
@@ -15901,7 +15315,7 @@
                 </a:tc>
                 <a:extLst>
                   <a:ext uri="{0D108BD9-81ED-4DB2-BD59-A6C34878D82A}">
-                    <a16:rowId xmlns:a16="http://schemas.microsoft.com/office/drawing/2014/main" val="2796938019"/>
+                    <a16:rowId xmlns:a16="http://schemas.microsoft.com/office/drawing/2014/main" xmlns="" val="2796938019"/>
                   </a:ext>
                 </a:extLst>
               </a:tr>
@@ -15934,7 +15348,7 @@
                 </a:tc>
                 <a:extLst>
                   <a:ext uri="{0D108BD9-81ED-4DB2-BD59-A6C34878D82A}">
-                    <a16:rowId xmlns:a16="http://schemas.microsoft.com/office/drawing/2014/main" val="3834374322"/>
+                    <a16:rowId xmlns:a16="http://schemas.microsoft.com/office/drawing/2014/main" xmlns="" val="3834374322"/>
                   </a:ext>
                 </a:extLst>
               </a:tr>
@@ -15967,7 +15381,7 @@
                 </a:tc>
                 <a:extLst>
                   <a:ext uri="{0D108BD9-81ED-4DB2-BD59-A6C34878D82A}">
-                    <a16:rowId xmlns:a16="http://schemas.microsoft.com/office/drawing/2014/main" val="2371742601"/>
+                    <a16:rowId xmlns:a16="http://schemas.microsoft.com/office/drawing/2014/main" xmlns="" val="2371742601"/>
                   </a:ext>
                 </a:extLst>
               </a:tr>
@@ -16000,7 +15414,7 @@
                 </a:tc>
                 <a:extLst>
                   <a:ext uri="{0D108BD9-81ED-4DB2-BD59-A6C34878D82A}">
-                    <a16:rowId xmlns:a16="http://schemas.microsoft.com/office/drawing/2014/main" val="1628661445"/>
+                    <a16:rowId xmlns:a16="http://schemas.microsoft.com/office/drawing/2014/main" xmlns="" val="1628661445"/>
                   </a:ext>
                 </a:extLst>
               </a:tr>
@@ -16030,7 +15444,7 @@
                 </a:tc>
                 <a:extLst>
                   <a:ext uri="{0D108BD9-81ED-4DB2-BD59-A6C34878D82A}">
-                    <a16:rowId xmlns:a16="http://schemas.microsoft.com/office/drawing/2014/main" val="179582953"/>
+                    <a16:rowId xmlns:a16="http://schemas.microsoft.com/office/drawing/2014/main" xmlns="" val="179582953"/>
                   </a:ext>
                 </a:extLst>
               </a:tr>
@@ -16060,7 +15474,7 @@
                 </a:tc>
                 <a:extLst>
                   <a:ext uri="{0D108BD9-81ED-4DB2-BD59-A6C34878D82A}">
-                    <a16:rowId xmlns:a16="http://schemas.microsoft.com/office/drawing/2014/main" val="681932961"/>
+                    <a16:rowId xmlns:a16="http://schemas.microsoft.com/office/drawing/2014/main" xmlns="" val="681932961"/>
                   </a:ext>
                 </a:extLst>
               </a:tr>
@@ -16114,10 +15528,10 @@
           <p:cNvPr id="11" name="Rectangle 10">
             <a:extLst>
               <a:ext uri="{FF2B5EF4-FFF2-40B4-BE49-F238E27FC236}">
-                <a16:creationId xmlns:a16="http://schemas.microsoft.com/office/drawing/2014/main" id="{EE1FC7B4-E4A7-4452-B413-1A623E3A7230}"/>
+                <a16:creationId xmlns:a16="http://schemas.microsoft.com/office/drawing/2014/main" xmlns="" id="{EE1FC7B4-E4A7-4452-B413-1A623E3A7230}"/>
               </a:ext>
               <a:ext uri="{C183D7F6-B498-43B3-948B-1728B52AA6E4}">
-                <adec:decorative xmlns:adec="http://schemas.microsoft.com/office/drawing/2017/decorative" val="1"/>
+                <adec:decorative xmlns:adec="http://schemas.microsoft.com/office/drawing/2017/decorative" xmlns="" val="1"/>
               </a:ext>
             </a:extLst>
           </p:cNvPr>
@@ -16127,7 +15541,7 @@
           <p:nvPr>
             <p:extLst>
               <p:ext uri="{386F3935-93C4-4BCD-93E2-E3B085C9AB24}">
-                <p16:designElem xmlns:p16="http://schemas.microsoft.com/office/powerpoint/2015/main" val="1"/>
+                <p16:designElem xmlns:p16="http://schemas.microsoft.com/office/powerpoint/2015/main" xmlns="" val="1"/>
               </p:ext>
             </p:extLst>
           </p:nvPr>
@@ -16179,10 +15593,10 @@
           <p:cNvPr id="13" name="Freeform 13">
             <a:extLst>
               <a:ext uri="{FF2B5EF4-FFF2-40B4-BE49-F238E27FC236}">
-                <a16:creationId xmlns:a16="http://schemas.microsoft.com/office/drawing/2014/main" id="{E0709AF0-24F0-4486-B189-BE6386BDB198}"/>
+                <a16:creationId xmlns:a16="http://schemas.microsoft.com/office/drawing/2014/main" xmlns="" id="{E0709AF0-24F0-4486-B189-BE6386BDB198}"/>
               </a:ext>
               <a:ext uri="{C183D7F6-B498-43B3-948B-1728B52AA6E4}">
-                <adec:decorative xmlns:adec="http://schemas.microsoft.com/office/drawing/2017/decorative" val="1"/>
+                <adec:decorative xmlns:adec="http://schemas.microsoft.com/office/drawing/2017/decorative" xmlns="" val="1"/>
               </a:ext>
             </a:extLst>
           </p:cNvPr>
@@ -16192,7 +15606,7 @@
           <p:nvPr>
             <p:extLst>
               <p:ext uri="{386F3935-93C4-4BCD-93E2-E3B085C9AB24}">
-                <p16:designElem xmlns:p16="http://schemas.microsoft.com/office/powerpoint/2015/main" val="1"/>
+                <p16:designElem xmlns:p16="http://schemas.microsoft.com/office/powerpoint/2015/main" xmlns="" val="1"/>
               </p:ext>
             </p:extLst>
           </p:nvPr>
@@ -16287,10 +15701,10 @@
           <p:cNvPr id="15" name="Freeform 11">
             <a:extLst>
               <a:ext uri="{FF2B5EF4-FFF2-40B4-BE49-F238E27FC236}">
-                <a16:creationId xmlns:a16="http://schemas.microsoft.com/office/drawing/2014/main" id="{FBE3B62F-5853-4A3C-B050-6186351A7176}"/>
+                <a16:creationId xmlns:a16="http://schemas.microsoft.com/office/drawing/2014/main" xmlns="" id="{FBE3B62F-5853-4A3C-B050-6186351A7176}"/>
               </a:ext>
               <a:ext uri="{C183D7F6-B498-43B3-948B-1728B52AA6E4}">
-                <adec:decorative xmlns:adec="http://schemas.microsoft.com/office/drawing/2017/decorative" val="1"/>
+                <adec:decorative xmlns:adec="http://schemas.microsoft.com/office/drawing/2017/decorative" xmlns="" val="1"/>
               </a:ext>
             </a:extLst>
           </p:cNvPr>
@@ -16300,7 +15714,7 @@
           <p:nvPr>
             <p:extLst>
               <p:ext uri="{386F3935-93C4-4BCD-93E2-E3B085C9AB24}">
-                <p16:designElem xmlns:p16="http://schemas.microsoft.com/office/powerpoint/2015/main" val="1"/>
+                <p16:designElem xmlns:p16="http://schemas.microsoft.com/office/powerpoint/2015/main" xmlns="" val="1"/>
               </p:ext>
             </p:extLst>
           </p:nvPr>
@@ -16397,7 +15811,7 @@
           <p:cNvPr id="2" name="Title 1">
             <a:extLst>
               <a:ext uri="{FF2B5EF4-FFF2-40B4-BE49-F238E27FC236}">
-                <a16:creationId xmlns:a16="http://schemas.microsoft.com/office/drawing/2014/main" id="{0A2A4053-83BE-448D-8877-DBBA7D7FBA62}"/>
+                <a16:creationId xmlns:a16="http://schemas.microsoft.com/office/drawing/2014/main" xmlns="" id="{0A2A4053-83BE-448D-8877-DBBA7D7FBA62}"/>
               </a:ext>
             </a:extLst>
           </p:cNvPr>
@@ -16432,7 +15846,7 @@
           <p:cNvPr id="3" name="Content Placeholder 2">
             <a:extLst>
               <a:ext uri="{FF2B5EF4-FFF2-40B4-BE49-F238E27FC236}">
-                <a16:creationId xmlns:a16="http://schemas.microsoft.com/office/drawing/2014/main" id="{2C05FB4C-A7FE-45D7-A696-BFFC90E02159}"/>
+                <a16:creationId xmlns:a16="http://schemas.microsoft.com/office/drawing/2014/main" xmlns="" id="{2C05FB4C-A7FE-45D7-A696-BFFC90E02159}"/>
               </a:ext>
             </a:extLst>
           </p:cNvPr>
@@ -16490,7 +15904,7 @@
           <p:cNvPr id="6" name="Content Placeholder 3">
             <a:extLst>
               <a:ext uri="{FF2B5EF4-FFF2-40B4-BE49-F238E27FC236}">
-                <a16:creationId xmlns:a16="http://schemas.microsoft.com/office/drawing/2014/main" id="{25204249-12E6-4182-A578-16B88125DAD3}"/>
+                <a16:creationId xmlns:a16="http://schemas.microsoft.com/office/drawing/2014/main" xmlns="" id="{25204249-12E6-4182-A578-16B88125DAD3}"/>
               </a:ext>
             </a:extLst>
           </p:cNvPr>
@@ -16519,28 +15933,28 @@
                 <a:gridCol w="989638">
                   <a:extLst>
                     <a:ext uri="{9D8B030D-6E8A-4147-A177-3AD203B41FA5}">
-                      <a16:colId xmlns:a16="http://schemas.microsoft.com/office/drawing/2014/main" val="3470846463"/>
+                      <a16:colId xmlns:a16="http://schemas.microsoft.com/office/drawing/2014/main" xmlns="" val="3470846463"/>
                     </a:ext>
                   </a:extLst>
                 </a:gridCol>
                 <a:gridCol w="1035455">
                   <a:extLst>
                     <a:ext uri="{9D8B030D-6E8A-4147-A177-3AD203B41FA5}">
-                      <a16:colId xmlns:a16="http://schemas.microsoft.com/office/drawing/2014/main" val="3990732175"/>
+                      <a16:colId xmlns:a16="http://schemas.microsoft.com/office/drawing/2014/main" xmlns="" val="3990732175"/>
                     </a:ext>
                   </a:extLst>
                 </a:gridCol>
                 <a:gridCol w="838443">
                   <a:extLst>
                     <a:ext uri="{9D8B030D-6E8A-4147-A177-3AD203B41FA5}">
-                      <a16:colId xmlns:a16="http://schemas.microsoft.com/office/drawing/2014/main" val="3113442537"/>
+                      <a16:colId xmlns:a16="http://schemas.microsoft.com/office/drawing/2014/main" xmlns="" val="3113442537"/>
                     </a:ext>
                   </a:extLst>
                 </a:gridCol>
                 <a:gridCol w="838443">
                   <a:extLst>
                     <a:ext uri="{9D8B030D-6E8A-4147-A177-3AD203B41FA5}">
-                      <a16:colId xmlns:a16="http://schemas.microsoft.com/office/drawing/2014/main" val="3734812451"/>
+                      <a16:colId xmlns:a16="http://schemas.microsoft.com/office/drawing/2014/main" xmlns="" val="3734812451"/>
                     </a:ext>
                   </a:extLst>
                 </a:gridCol>
@@ -16604,7 +16018,7 @@
                 </a:tc>
                 <a:extLst>
                   <a:ext uri="{0D108BD9-81ED-4DB2-BD59-A6C34878D82A}">
-                    <a16:rowId xmlns:a16="http://schemas.microsoft.com/office/drawing/2014/main" val="3547791680"/>
+                    <a16:rowId xmlns:a16="http://schemas.microsoft.com/office/drawing/2014/main" xmlns="" val="3547791680"/>
                   </a:ext>
                 </a:extLst>
               </a:tr>
@@ -16702,7 +16116,7 @@
                 </a:tc>
                 <a:extLst>
                   <a:ext uri="{0D108BD9-81ED-4DB2-BD59-A6C34878D82A}">
-                    <a16:rowId xmlns:a16="http://schemas.microsoft.com/office/drawing/2014/main" val="2673285938"/>
+                    <a16:rowId xmlns:a16="http://schemas.microsoft.com/office/drawing/2014/main" xmlns="" val="2673285938"/>
                   </a:ext>
                 </a:extLst>
               </a:tr>
@@ -16788,7 +16202,7 @@
                 </a:tc>
                 <a:extLst>
                   <a:ext uri="{0D108BD9-81ED-4DB2-BD59-A6C34878D82A}">
-                    <a16:rowId xmlns:a16="http://schemas.microsoft.com/office/drawing/2014/main" val="761915796"/>
+                    <a16:rowId xmlns:a16="http://schemas.microsoft.com/office/drawing/2014/main" xmlns="" val="761915796"/>
                   </a:ext>
                 </a:extLst>
               </a:tr>
@@ -16850,7 +16264,7 @@
                 </a:tc>
                 <a:extLst>
                   <a:ext uri="{0D108BD9-81ED-4DB2-BD59-A6C34878D82A}">
-                    <a16:rowId xmlns:a16="http://schemas.microsoft.com/office/drawing/2014/main" val="3849345575"/>
+                    <a16:rowId xmlns:a16="http://schemas.microsoft.com/office/drawing/2014/main" xmlns="" val="3849345575"/>
                   </a:ext>
                 </a:extLst>
               </a:tr>
@@ -16863,7 +16277,7 @@
           <p:cNvPr id="5" name="Picture 4" descr="A close up of a logo&#10;&#10;Description automatically generated">
             <a:extLst>
               <a:ext uri="{FF2B5EF4-FFF2-40B4-BE49-F238E27FC236}">
-                <a16:creationId xmlns:a16="http://schemas.microsoft.com/office/drawing/2014/main" id="{AB956D6F-45BE-4648-8547-D2555CA97E88}"/>
+                <a16:creationId xmlns:a16="http://schemas.microsoft.com/office/drawing/2014/main" xmlns="" id="{AB956D6F-45BE-4648-8547-D2555CA97E88}"/>
               </a:ext>
             </a:extLst>
           </p:cNvPr>
@@ -16940,10 +16354,10 @@
           <p:cNvPr id="11" name="Rectangle 10">
             <a:extLst>
               <a:ext uri="{FF2B5EF4-FFF2-40B4-BE49-F238E27FC236}">
-                <a16:creationId xmlns:a16="http://schemas.microsoft.com/office/drawing/2014/main" id="{EE1FC7B4-E4A7-4452-B413-1A623E3A7230}"/>
+                <a16:creationId xmlns:a16="http://schemas.microsoft.com/office/drawing/2014/main" xmlns="" id="{EE1FC7B4-E4A7-4452-B413-1A623E3A7230}"/>
               </a:ext>
               <a:ext uri="{C183D7F6-B498-43B3-948B-1728B52AA6E4}">
-                <adec:decorative xmlns:adec="http://schemas.microsoft.com/office/drawing/2017/decorative" val="1"/>
+                <adec:decorative xmlns:adec="http://schemas.microsoft.com/office/drawing/2017/decorative" xmlns="" val="1"/>
               </a:ext>
             </a:extLst>
           </p:cNvPr>
@@ -16953,7 +16367,7 @@
           <p:nvPr>
             <p:extLst>
               <p:ext uri="{386F3935-93C4-4BCD-93E2-E3B085C9AB24}">
-                <p16:designElem xmlns:p16="http://schemas.microsoft.com/office/powerpoint/2015/main" val="1"/>
+                <p16:designElem xmlns:p16="http://schemas.microsoft.com/office/powerpoint/2015/main" xmlns="" val="1"/>
               </p:ext>
             </p:extLst>
           </p:nvPr>
@@ -17005,10 +16419,10 @@
           <p:cNvPr id="13" name="Freeform 13">
             <a:extLst>
               <a:ext uri="{FF2B5EF4-FFF2-40B4-BE49-F238E27FC236}">
-                <a16:creationId xmlns:a16="http://schemas.microsoft.com/office/drawing/2014/main" id="{E0709AF0-24F0-4486-B189-BE6386BDB198}"/>
+                <a16:creationId xmlns:a16="http://schemas.microsoft.com/office/drawing/2014/main" xmlns="" id="{E0709AF0-24F0-4486-B189-BE6386BDB198}"/>
               </a:ext>
               <a:ext uri="{C183D7F6-B498-43B3-948B-1728B52AA6E4}">
-                <adec:decorative xmlns:adec="http://schemas.microsoft.com/office/drawing/2017/decorative" val="1"/>
+                <adec:decorative xmlns:adec="http://schemas.microsoft.com/office/drawing/2017/decorative" xmlns="" val="1"/>
               </a:ext>
             </a:extLst>
           </p:cNvPr>
@@ -17018,7 +16432,7 @@
           <p:nvPr>
             <p:extLst>
               <p:ext uri="{386F3935-93C4-4BCD-93E2-E3B085C9AB24}">
-                <p16:designElem xmlns:p16="http://schemas.microsoft.com/office/powerpoint/2015/main" val="1"/>
+                <p16:designElem xmlns:p16="http://schemas.microsoft.com/office/powerpoint/2015/main" xmlns="" val="1"/>
               </p:ext>
             </p:extLst>
           </p:nvPr>
@@ -17113,10 +16527,10 @@
           <p:cNvPr id="15" name="Freeform 11">
             <a:extLst>
               <a:ext uri="{FF2B5EF4-FFF2-40B4-BE49-F238E27FC236}">
-                <a16:creationId xmlns:a16="http://schemas.microsoft.com/office/drawing/2014/main" id="{FBE3B62F-5853-4A3C-B050-6186351A7176}"/>
+                <a16:creationId xmlns:a16="http://schemas.microsoft.com/office/drawing/2014/main" xmlns="" id="{FBE3B62F-5853-4A3C-B050-6186351A7176}"/>
               </a:ext>
               <a:ext uri="{C183D7F6-B498-43B3-948B-1728B52AA6E4}">
-                <adec:decorative xmlns:adec="http://schemas.microsoft.com/office/drawing/2017/decorative" val="1"/>
+                <adec:decorative xmlns:adec="http://schemas.microsoft.com/office/drawing/2017/decorative" xmlns="" val="1"/>
               </a:ext>
             </a:extLst>
           </p:cNvPr>
@@ -17126,7 +16540,7 @@
           <p:nvPr>
             <p:extLst>
               <p:ext uri="{386F3935-93C4-4BCD-93E2-E3B085C9AB24}">
-                <p16:designElem xmlns:p16="http://schemas.microsoft.com/office/powerpoint/2015/main" val="1"/>
+                <p16:designElem xmlns:p16="http://schemas.microsoft.com/office/powerpoint/2015/main" xmlns="" val="1"/>
               </p:ext>
             </p:extLst>
           </p:nvPr>
@@ -17223,7 +16637,7 @@
           <p:cNvPr id="2" name="Title 1">
             <a:extLst>
               <a:ext uri="{FF2B5EF4-FFF2-40B4-BE49-F238E27FC236}">
-                <a16:creationId xmlns:a16="http://schemas.microsoft.com/office/drawing/2014/main" id="{0A2A4053-83BE-448D-8877-DBBA7D7FBA62}"/>
+                <a16:creationId xmlns:a16="http://schemas.microsoft.com/office/drawing/2014/main" xmlns="" id="{0A2A4053-83BE-448D-8877-DBBA7D7FBA62}"/>
               </a:ext>
             </a:extLst>
           </p:cNvPr>
@@ -17258,7 +16672,7 @@
           <p:cNvPr id="3" name="Content Placeholder 2">
             <a:extLst>
               <a:ext uri="{FF2B5EF4-FFF2-40B4-BE49-F238E27FC236}">
-                <a16:creationId xmlns:a16="http://schemas.microsoft.com/office/drawing/2014/main" id="{2C05FB4C-A7FE-45D7-A696-BFFC90E02159}"/>
+                <a16:creationId xmlns:a16="http://schemas.microsoft.com/office/drawing/2014/main" xmlns="" id="{2C05FB4C-A7FE-45D7-A696-BFFC90E02159}"/>
               </a:ext>
             </a:extLst>
           </p:cNvPr>
@@ -17338,7 +16752,7 @@
           <p:cNvPr id="6" name="Content Placeholder 3">
             <a:extLst>
               <a:ext uri="{FF2B5EF4-FFF2-40B4-BE49-F238E27FC236}">
-                <a16:creationId xmlns:a16="http://schemas.microsoft.com/office/drawing/2014/main" id="{25204249-12E6-4182-A578-16B88125DAD3}"/>
+                <a16:creationId xmlns:a16="http://schemas.microsoft.com/office/drawing/2014/main" xmlns="" id="{25204249-12E6-4182-A578-16B88125DAD3}"/>
               </a:ext>
             </a:extLst>
           </p:cNvPr>
@@ -17367,28 +16781,28 @@
                 <a:gridCol w="874866">
                   <a:extLst>
                     <a:ext uri="{9D8B030D-6E8A-4147-A177-3AD203B41FA5}">
-                      <a16:colId xmlns:a16="http://schemas.microsoft.com/office/drawing/2014/main" val="3470846463"/>
+                      <a16:colId xmlns:a16="http://schemas.microsoft.com/office/drawing/2014/main" xmlns="" val="3470846463"/>
                     </a:ext>
                   </a:extLst>
                 </a:gridCol>
                 <a:gridCol w="915369">
                   <a:extLst>
                     <a:ext uri="{9D8B030D-6E8A-4147-A177-3AD203B41FA5}">
-                      <a16:colId xmlns:a16="http://schemas.microsoft.com/office/drawing/2014/main" val="3990732175"/>
+                      <a16:colId xmlns:a16="http://schemas.microsoft.com/office/drawing/2014/main" xmlns="" val="3990732175"/>
                     </a:ext>
                   </a:extLst>
                 </a:gridCol>
                 <a:gridCol w="955872">
                   <a:extLst>
                     <a:ext uri="{9D8B030D-6E8A-4147-A177-3AD203B41FA5}">
-                      <a16:colId xmlns:a16="http://schemas.microsoft.com/office/drawing/2014/main" val="3113442537"/>
+                      <a16:colId xmlns:a16="http://schemas.microsoft.com/office/drawing/2014/main" xmlns="" val="3113442537"/>
                     </a:ext>
                   </a:extLst>
                 </a:gridCol>
                 <a:gridCol w="955872">
                   <a:extLst>
                     <a:ext uri="{9D8B030D-6E8A-4147-A177-3AD203B41FA5}">
-                      <a16:colId xmlns:a16="http://schemas.microsoft.com/office/drawing/2014/main" val="3734812451"/>
+                      <a16:colId xmlns:a16="http://schemas.microsoft.com/office/drawing/2014/main" xmlns="" val="3734812451"/>
                     </a:ext>
                   </a:extLst>
                 </a:gridCol>
@@ -17452,7 +16866,7 @@
                 </a:tc>
                 <a:extLst>
                   <a:ext uri="{0D108BD9-81ED-4DB2-BD59-A6C34878D82A}">
-                    <a16:rowId xmlns:a16="http://schemas.microsoft.com/office/drawing/2014/main" val="3547791680"/>
+                    <a16:rowId xmlns:a16="http://schemas.microsoft.com/office/drawing/2014/main" xmlns="" val="3547791680"/>
                   </a:ext>
                 </a:extLst>
               </a:tr>
@@ -17511,7 +16925,7 @@
                 </a:tc>
                 <a:extLst>
                   <a:ext uri="{0D108BD9-81ED-4DB2-BD59-A6C34878D82A}">
-                    <a16:rowId xmlns:a16="http://schemas.microsoft.com/office/drawing/2014/main" val="2673285938"/>
+                    <a16:rowId xmlns:a16="http://schemas.microsoft.com/office/drawing/2014/main" xmlns="" val="2673285938"/>
                   </a:ext>
                 </a:extLst>
               </a:tr>
@@ -17562,7 +16976,7 @@
                 </a:tc>
                 <a:extLst>
                   <a:ext uri="{0D108BD9-81ED-4DB2-BD59-A6C34878D82A}">
-                    <a16:rowId xmlns:a16="http://schemas.microsoft.com/office/drawing/2014/main" val="761915796"/>
+                    <a16:rowId xmlns:a16="http://schemas.microsoft.com/office/drawing/2014/main" xmlns="" val="761915796"/>
                   </a:ext>
                 </a:extLst>
               </a:tr>
@@ -17613,7 +17027,7 @@
                 </a:tc>
                 <a:extLst>
                   <a:ext uri="{0D108BD9-81ED-4DB2-BD59-A6C34878D82A}">
-                    <a16:rowId xmlns:a16="http://schemas.microsoft.com/office/drawing/2014/main" val="3849345575"/>
+                    <a16:rowId xmlns:a16="http://schemas.microsoft.com/office/drawing/2014/main" xmlns="" val="3849345575"/>
                   </a:ext>
                 </a:extLst>
               </a:tr>
@@ -17667,10 +17081,10 @@
           <p:cNvPr id="11" name="Rectangle 10">
             <a:extLst>
               <a:ext uri="{FF2B5EF4-FFF2-40B4-BE49-F238E27FC236}">
-                <a16:creationId xmlns:a16="http://schemas.microsoft.com/office/drawing/2014/main" id="{EE1FC7B4-E4A7-4452-B413-1A623E3A7230}"/>
+                <a16:creationId xmlns:a16="http://schemas.microsoft.com/office/drawing/2014/main" xmlns="" id="{EE1FC7B4-E4A7-4452-B413-1A623E3A7230}"/>
               </a:ext>
               <a:ext uri="{C183D7F6-B498-43B3-948B-1728B52AA6E4}">
-                <adec:decorative xmlns:adec="http://schemas.microsoft.com/office/drawing/2017/decorative" val="1"/>
+                <adec:decorative xmlns:adec="http://schemas.microsoft.com/office/drawing/2017/decorative" xmlns="" val="1"/>
               </a:ext>
             </a:extLst>
           </p:cNvPr>
@@ -17680,7 +17094,7 @@
           <p:nvPr>
             <p:extLst>
               <p:ext uri="{386F3935-93C4-4BCD-93E2-E3B085C9AB24}">
-                <p16:designElem xmlns:p16="http://schemas.microsoft.com/office/powerpoint/2015/main" val="1"/>
+                <p16:designElem xmlns:p16="http://schemas.microsoft.com/office/powerpoint/2015/main" xmlns="" val="1"/>
               </p:ext>
             </p:extLst>
           </p:nvPr>
@@ -17732,10 +17146,10 @@
           <p:cNvPr id="13" name="Freeform 13">
             <a:extLst>
               <a:ext uri="{FF2B5EF4-FFF2-40B4-BE49-F238E27FC236}">
-                <a16:creationId xmlns:a16="http://schemas.microsoft.com/office/drawing/2014/main" id="{E0709AF0-24F0-4486-B189-BE6386BDB198}"/>
+                <a16:creationId xmlns:a16="http://schemas.microsoft.com/office/drawing/2014/main" xmlns="" id="{E0709AF0-24F0-4486-B189-BE6386BDB198}"/>
               </a:ext>
               <a:ext uri="{C183D7F6-B498-43B3-948B-1728B52AA6E4}">
-                <adec:decorative xmlns:adec="http://schemas.microsoft.com/office/drawing/2017/decorative" val="1"/>
+                <adec:decorative xmlns:adec="http://schemas.microsoft.com/office/drawing/2017/decorative" xmlns="" val="1"/>
               </a:ext>
             </a:extLst>
           </p:cNvPr>
@@ -17745,7 +17159,7 @@
           <p:nvPr>
             <p:extLst>
               <p:ext uri="{386F3935-93C4-4BCD-93E2-E3B085C9AB24}">
-                <p16:designElem xmlns:p16="http://schemas.microsoft.com/office/powerpoint/2015/main" val="1"/>
+                <p16:designElem xmlns:p16="http://schemas.microsoft.com/office/powerpoint/2015/main" xmlns="" val="1"/>
               </p:ext>
             </p:extLst>
           </p:nvPr>
@@ -17840,10 +17254,10 @@
           <p:cNvPr id="15" name="Freeform 11">
             <a:extLst>
               <a:ext uri="{FF2B5EF4-FFF2-40B4-BE49-F238E27FC236}">
-                <a16:creationId xmlns:a16="http://schemas.microsoft.com/office/drawing/2014/main" id="{FBE3B62F-5853-4A3C-B050-6186351A7176}"/>
+                <a16:creationId xmlns:a16="http://schemas.microsoft.com/office/drawing/2014/main" xmlns="" id="{FBE3B62F-5853-4A3C-B050-6186351A7176}"/>
               </a:ext>
               <a:ext uri="{C183D7F6-B498-43B3-948B-1728B52AA6E4}">
-                <adec:decorative xmlns:adec="http://schemas.microsoft.com/office/drawing/2017/decorative" val="1"/>
+                <adec:decorative xmlns:adec="http://schemas.microsoft.com/office/drawing/2017/decorative" xmlns="" val="1"/>
               </a:ext>
             </a:extLst>
           </p:cNvPr>
@@ -17853,7 +17267,7 @@
           <p:nvPr>
             <p:extLst>
               <p:ext uri="{386F3935-93C4-4BCD-93E2-E3B085C9AB24}">
-                <p16:designElem xmlns:p16="http://schemas.microsoft.com/office/powerpoint/2015/main" val="1"/>
+                <p16:designElem xmlns:p16="http://schemas.microsoft.com/office/powerpoint/2015/main" xmlns="" val="1"/>
               </p:ext>
             </p:extLst>
           </p:nvPr>
@@ -17950,7 +17364,7 @@
           <p:cNvPr id="2" name="Title 1">
             <a:extLst>
               <a:ext uri="{FF2B5EF4-FFF2-40B4-BE49-F238E27FC236}">
-                <a16:creationId xmlns:a16="http://schemas.microsoft.com/office/drawing/2014/main" id="{0A2A4053-83BE-448D-8877-DBBA7D7FBA62}"/>
+                <a16:creationId xmlns:a16="http://schemas.microsoft.com/office/drawing/2014/main" xmlns="" id="{0A2A4053-83BE-448D-8877-DBBA7D7FBA62}"/>
               </a:ext>
             </a:extLst>
           </p:cNvPr>
@@ -17985,7 +17399,7 @@
           <p:cNvPr id="3" name="Content Placeholder 2">
             <a:extLst>
               <a:ext uri="{FF2B5EF4-FFF2-40B4-BE49-F238E27FC236}">
-                <a16:creationId xmlns:a16="http://schemas.microsoft.com/office/drawing/2014/main" id="{2C05FB4C-A7FE-45D7-A696-BFFC90E02159}"/>
+                <a16:creationId xmlns:a16="http://schemas.microsoft.com/office/drawing/2014/main" xmlns="" id="{2C05FB4C-A7FE-45D7-A696-BFFC90E02159}"/>
               </a:ext>
             </a:extLst>
           </p:cNvPr>
@@ -18042,7 +17456,7 @@
           <p:cNvPr id="6" name="Content Placeholder 3">
             <a:extLst>
               <a:ext uri="{FF2B5EF4-FFF2-40B4-BE49-F238E27FC236}">
-                <a16:creationId xmlns:a16="http://schemas.microsoft.com/office/drawing/2014/main" id="{25204249-12E6-4182-A578-16B88125DAD3}"/>
+                <a16:creationId xmlns:a16="http://schemas.microsoft.com/office/drawing/2014/main" xmlns="" id="{25204249-12E6-4182-A578-16B88125DAD3}"/>
               </a:ext>
             </a:extLst>
           </p:cNvPr>
@@ -18071,28 +17485,28 @@
                 <a:gridCol w="1824742">
                   <a:extLst>
                     <a:ext uri="{9D8B030D-6E8A-4147-A177-3AD203B41FA5}">
-                      <a16:colId xmlns:a16="http://schemas.microsoft.com/office/drawing/2014/main" val="3470846463"/>
+                      <a16:colId xmlns:a16="http://schemas.microsoft.com/office/drawing/2014/main" xmlns="" val="3470846463"/>
                     </a:ext>
                   </a:extLst>
                 </a:gridCol>
                 <a:gridCol w="1909219">
                   <a:extLst>
                     <a:ext uri="{9D8B030D-6E8A-4147-A177-3AD203B41FA5}">
-                      <a16:colId xmlns:a16="http://schemas.microsoft.com/office/drawing/2014/main" val="3990732175"/>
+                      <a16:colId xmlns:a16="http://schemas.microsoft.com/office/drawing/2014/main" xmlns="" val="3990732175"/>
                     </a:ext>
                   </a:extLst>
                 </a:gridCol>
                 <a:gridCol w="1993699">
                   <a:extLst>
                     <a:ext uri="{9D8B030D-6E8A-4147-A177-3AD203B41FA5}">
-                      <a16:colId xmlns:a16="http://schemas.microsoft.com/office/drawing/2014/main" val="3113442537"/>
+                      <a16:colId xmlns:a16="http://schemas.microsoft.com/office/drawing/2014/main" xmlns="" val="3113442537"/>
                     </a:ext>
                   </a:extLst>
                 </a:gridCol>
                 <a:gridCol w="1993699">
                   <a:extLst>
                     <a:ext uri="{9D8B030D-6E8A-4147-A177-3AD203B41FA5}">
-                      <a16:colId xmlns:a16="http://schemas.microsoft.com/office/drawing/2014/main" val="3734812451"/>
+                      <a16:colId xmlns:a16="http://schemas.microsoft.com/office/drawing/2014/main" xmlns="" val="3734812451"/>
                     </a:ext>
                   </a:extLst>
                 </a:gridCol>
@@ -18156,7 +17570,7 @@
                 </a:tc>
                 <a:extLst>
                   <a:ext uri="{0D108BD9-81ED-4DB2-BD59-A6C34878D82A}">
-                    <a16:rowId xmlns:a16="http://schemas.microsoft.com/office/drawing/2014/main" val="3547791680"/>
+                    <a16:rowId xmlns:a16="http://schemas.microsoft.com/office/drawing/2014/main" xmlns="" val="3547791680"/>
                   </a:ext>
                 </a:extLst>
               </a:tr>
@@ -18235,7 +17649,7 @@
                 </a:tc>
                 <a:extLst>
                   <a:ext uri="{0D108BD9-81ED-4DB2-BD59-A6C34878D82A}">
-                    <a16:rowId xmlns:a16="http://schemas.microsoft.com/office/drawing/2014/main" val="2673285938"/>
+                    <a16:rowId xmlns:a16="http://schemas.microsoft.com/office/drawing/2014/main" xmlns="" val="2673285938"/>
                   </a:ext>
                 </a:extLst>
               </a:tr>
@@ -18297,7 +17711,7 @@
                 </a:tc>
                 <a:extLst>
                   <a:ext uri="{0D108BD9-81ED-4DB2-BD59-A6C34878D82A}">
-                    <a16:rowId xmlns:a16="http://schemas.microsoft.com/office/drawing/2014/main" val="761915796"/>
+                    <a16:rowId xmlns:a16="http://schemas.microsoft.com/office/drawing/2014/main" xmlns="" val="761915796"/>
                   </a:ext>
                 </a:extLst>
               </a:tr>
@@ -18348,7 +17762,7 @@
                 </a:tc>
                 <a:extLst>
                   <a:ext uri="{0D108BD9-81ED-4DB2-BD59-A6C34878D82A}">
-                    <a16:rowId xmlns:a16="http://schemas.microsoft.com/office/drawing/2014/main" val="3849345575"/>
+                    <a16:rowId xmlns:a16="http://schemas.microsoft.com/office/drawing/2014/main" xmlns="" val="3849345575"/>
                   </a:ext>
                 </a:extLst>
               </a:tr>
@@ -18361,7 +17775,7 @@
           <p:cNvPr id="5" name="Picture 4" descr="A turtle swimming under water&#10;&#10;Description automatically generated">
             <a:extLst>
               <a:ext uri="{FF2B5EF4-FFF2-40B4-BE49-F238E27FC236}">
-                <a16:creationId xmlns:a16="http://schemas.microsoft.com/office/drawing/2014/main" id="{5E6B1B2E-A557-454F-85C0-4BC5CAD38AE7}"/>
+                <a16:creationId xmlns:a16="http://schemas.microsoft.com/office/drawing/2014/main" xmlns="" id="{5E6B1B2E-A557-454F-85C0-4BC5CAD38AE7}"/>
               </a:ext>
             </a:extLst>
           </p:cNvPr>
@@ -18435,10 +17849,10 @@
           <p:cNvPr id="10" name="Rectangle 9">
             <a:extLst>
               <a:ext uri="{FF2B5EF4-FFF2-40B4-BE49-F238E27FC236}">
-                <a16:creationId xmlns:a16="http://schemas.microsoft.com/office/drawing/2014/main" id="{3B0DF90E-6BAD-4E82-8FDF-717C9A357378}"/>
+                <a16:creationId xmlns:a16="http://schemas.microsoft.com/office/drawing/2014/main" xmlns="" id="{3B0DF90E-6BAD-4E82-8FDF-717C9A357378}"/>
               </a:ext>
               <a:ext uri="{C183D7F6-B498-43B3-948B-1728B52AA6E4}">
-                <adec:decorative xmlns:adec="http://schemas.microsoft.com/office/drawing/2017/decorative" val="1"/>
+                <adec:decorative xmlns:adec="http://schemas.microsoft.com/office/drawing/2017/decorative" xmlns="" val="1"/>
               </a:ext>
             </a:extLst>
           </p:cNvPr>
@@ -18448,7 +17862,7 @@
           <p:nvPr>
             <p:extLst>
               <p:ext uri="{386F3935-93C4-4BCD-93E2-E3B085C9AB24}">
-                <p16:designElem xmlns:p16="http://schemas.microsoft.com/office/powerpoint/2015/main" val="1"/>
+                <p16:designElem xmlns:p16="http://schemas.microsoft.com/office/powerpoint/2015/main" xmlns="" val="1"/>
               </p:ext>
             </p:extLst>
           </p:nvPr>
@@ -18498,10 +17912,10 @@
           <p:cNvPr id="12" name="Freeform 13">
             <a:extLst>
               <a:ext uri="{FF2B5EF4-FFF2-40B4-BE49-F238E27FC236}">
-                <a16:creationId xmlns:a16="http://schemas.microsoft.com/office/drawing/2014/main" id="{13DCC859-0434-4BB8-B6C5-09C88AE698FB}"/>
+                <a16:creationId xmlns:a16="http://schemas.microsoft.com/office/drawing/2014/main" xmlns="" id="{13DCC859-0434-4BB8-B6C5-09C88AE698FB}"/>
               </a:ext>
               <a:ext uri="{C183D7F6-B498-43B3-948B-1728B52AA6E4}">
-                <adec:decorative xmlns:adec="http://schemas.microsoft.com/office/drawing/2017/decorative" val="1"/>
+                <adec:decorative xmlns:adec="http://schemas.microsoft.com/office/drawing/2017/decorative" xmlns="" val="1"/>
               </a:ext>
             </a:extLst>
           </p:cNvPr>
@@ -18511,7 +17925,7 @@
           <p:nvPr>
             <p:extLst>
               <p:ext uri="{386F3935-93C4-4BCD-93E2-E3B085C9AB24}">
-                <p16:designElem xmlns:p16="http://schemas.microsoft.com/office/powerpoint/2015/main" val="1"/>
+                <p16:designElem xmlns:p16="http://schemas.microsoft.com/office/powerpoint/2015/main" xmlns="" val="1"/>
               </p:ext>
             </p:extLst>
           </p:nvPr>
@@ -18606,10 +18020,10 @@
           <p:cNvPr id="14" name="Freeform 11">
             <a:extLst>
               <a:ext uri="{FF2B5EF4-FFF2-40B4-BE49-F238E27FC236}">
-                <a16:creationId xmlns:a16="http://schemas.microsoft.com/office/drawing/2014/main" id="{08E7ACFB-B791-4C23-8B17-013FEDC09A89}"/>
+                <a16:creationId xmlns:a16="http://schemas.microsoft.com/office/drawing/2014/main" xmlns="" id="{08E7ACFB-B791-4C23-8B17-013FEDC09A89}"/>
               </a:ext>
               <a:ext uri="{C183D7F6-B498-43B3-948B-1728B52AA6E4}">
-                <adec:decorative xmlns:adec="http://schemas.microsoft.com/office/drawing/2017/decorative" val="1"/>
+                <adec:decorative xmlns:adec="http://schemas.microsoft.com/office/drawing/2017/decorative" xmlns="" val="1"/>
               </a:ext>
             </a:extLst>
           </p:cNvPr>
@@ -18619,7 +18033,7 @@
           <p:nvPr>
             <p:extLst>
               <p:ext uri="{386F3935-93C4-4BCD-93E2-E3B085C9AB24}">
-                <p16:designElem xmlns:p16="http://schemas.microsoft.com/office/powerpoint/2015/main" val="1"/>
+                <p16:designElem xmlns:p16="http://schemas.microsoft.com/office/powerpoint/2015/main" xmlns="" val="1"/>
               </p:ext>
             </p:extLst>
           </p:nvPr>
@@ -18716,7 +18130,7 @@
           <p:cNvPr id="2" name="Title 1">
             <a:extLst>
               <a:ext uri="{FF2B5EF4-FFF2-40B4-BE49-F238E27FC236}">
-                <a16:creationId xmlns:a16="http://schemas.microsoft.com/office/drawing/2014/main" id="{54B005D2-63BE-4BF9-8056-71CEA2B081BD}"/>
+                <a16:creationId xmlns:a16="http://schemas.microsoft.com/office/drawing/2014/main" xmlns="" id="{54B005D2-63BE-4BF9-8056-71CEA2B081BD}"/>
               </a:ext>
             </a:extLst>
           </p:cNvPr>
@@ -18751,7 +18165,7 @@
           <p:cNvPr id="5" name="Content Placeholder 2">
             <a:extLst>
               <a:ext uri="{FF2B5EF4-FFF2-40B4-BE49-F238E27FC236}">
-                <a16:creationId xmlns:a16="http://schemas.microsoft.com/office/drawing/2014/main" id="{8CC2C9E4-F921-4AB6-99E6-E5DC8837A742}"/>
+                <a16:creationId xmlns:a16="http://schemas.microsoft.com/office/drawing/2014/main" xmlns="" id="{8CC2C9E4-F921-4AB6-99E6-E5DC8837A742}"/>
               </a:ext>
             </a:extLst>
           </p:cNvPr>
@@ -18823,10 +18237,10 @@
           <p:cNvPr id="11" name="Rectangle 10">
             <a:extLst>
               <a:ext uri="{FF2B5EF4-FFF2-40B4-BE49-F238E27FC236}">
-                <a16:creationId xmlns:a16="http://schemas.microsoft.com/office/drawing/2014/main" id="{EE1FC7B4-E4A7-4452-B413-1A623E3A7230}"/>
+                <a16:creationId xmlns:a16="http://schemas.microsoft.com/office/drawing/2014/main" xmlns="" id="{EE1FC7B4-E4A7-4452-B413-1A623E3A7230}"/>
               </a:ext>
               <a:ext uri="{C183D7F6-B498-43B3-948B-1728B52AA6E4}">
-                <adec:decorative xmlns:adec="http://schemas.microsoft.com/office/drawing/2017/decorative" val="1"/>
+                <adec:decorative xmlns:adec="http://schemas.microsoft.com/office/drawing/2017/decorative" xmlns="" val="1"/>
               </a:ext>
             </a:extLst>
           </p:cNvPr>
@@ -18836,7 +18250,7 @@
           <p:nvPr>
             <p:extLst>
               <p:ext uri="{386F3935-93C4-4BCD-93E2-E3B085C9AB24}">
-                <p16:designElem xmlns:p16="http://schemas.microsoft.com/office/powerpoint/2015/main" val="1"/>
+                <p16:designElem xmlns:p16="http://schemas.microsoft.com/office/powerpoint/2015/main" xmlns="" val="1"/>
               </p:ext>
             </p:extLst>
           </p:nvPr>
@@ -18888,10 +18302,10 @@
           <p:cNvPr id="13" name="Freeform 13">
             <a:extLst>
               <a:ext uri="{FF2B5EF4-FFF2-40B4-BE49-F238E27FC236}">
-                <a16:creationId xmlns:a16="http://schemas.microsoft.com/office/drawing/2014/main" id="{E0709AF0-24F0-4486-B189-BE6386BDB198}"/>
+                <a16:creationId xmlns:a16="http://schemas.microsoft.com/office/drawing/2014/main" xmlns="" id="{E0709AF0-24F0-4486-B189-BE6386BDB198}"/>
               </a:ext>
               <a:ext uri="{C183D7F6-B498-43B3-948B-1728B52AA6E4}">
-                <adec:decorative xmlns:adec="http://schemas.microsoft.com/office/drawing/2017/decorative" val="1"/>
+                <adec:decorative xmlns:adec="http://schemas.microsoft.com/office/drawing/2017/decorative" xmlns="" val="1"/>
               </a:ext>
             </a:extLst>
           </p:cNvPr>
@@ -18901,7 +18315,7 @@
           <p:nvPr>
             <p:extLst>
               <p:ext uri="{386F3935-93C4-4BCD-93E2-E3B085C9AB24}">
-                <p16:designElem xmlns:p16="http://schemas.microsoft.com/office/powerpoint/2015/main" val="1"/>
+                <p16:designElem xmlns:p16="http://schemas.microsoft.com/office/powerpoint/2015/main" xmlns="" val="1"/>
               </p:ext>
             </p:extLst>
           </p:nvPr>
@@ -18996,10 +18410,10 @@
           <p:cNvPr id="15" name="Freeform 11">
             <a:extLst>
               <a:ext uri="{FF2B5EF4-FFF2-40B4-BE49-F238E27FC236}">
-                <a16:creationId xmlns:a16="http://schemas.microsoft.com/office/drawing/2014/main" id="{FBE3B62F-5853-4A3C-B050-6186351A7176}"/>
+                <a16:creationId xmlns:a16="http://schemas.microsoft.com/office/drawing/2014/main" xmlns="" id="{FBE3B62F-5853-4A3C-B050-6186351A7176}"/>
               </a:ext>
               <a:ext uri="{C183D7F6-B498-43B3-948B-1728B52AA6E4}">
-                <adec:decorative xmlns:adec="http://schemas.microsoft.com/office/drawing/2017/decorative" val="1"/>
+                <adec:decorative xmlns:adec="http://schemas.microsoft.com/office/drawing/2017/decorative" xmlns="" val="1"/>
               </a:ext>
             </a:extLst>
           </p:cNvPr>
@@ -19009,7 +18423,7 @@
           <p:nvPr>
             <p:extLst>
               <p:ext uri="{386F3935-93C4-4BCD-93E2-E3B085C9AB24}">
-                <p16:designElem xmlns:p16="http://schemas.microsoft.com/office/powerpoint/2015/main" val="1"/>
+                <p16:designElem xmlns:p16="http://schemas.microsoft.com/office/powerpoint/2015/main" xmlns="" val="1"/>
               </p:ext>
             </p:extLst>
           </p:nvPr>
@@ -19106,7 +18520,7 @@
           <p:cNvPr id="2" name="Title 1">
             <a:extLst>
               <a:ext uri="{FF2B5EF4-FFF2-40B4-BE49-F238E27FC236}">
-                <a16:creationId xmlns:a16="http://schemas.microsoft.com/office/drawing/2014/main" id="{0A2A4053-83BE-448D-8877-DBBA7D7FBA62}"/>
+                <a16:creationId xmlns:a16="http://schemas.microsoft.com/office/drawing/2014/main" xmlns="" id="{0A2A4053-83BE-448D-8877-DBBA7D7FBA62}"/>
               </a:ext>
             </a:extLst>
           </p:cNvPr>
@@ -19141,7 +18555,7 @@
           <p:cNvPr id="3" name="Content Placeholder 2">
             <a:extLst>
               <a:ext uri="{FF2B5EF4-FFF2-40B4-BE49-F238E27FC236}">
-                <a16:creationId xmlns:a16="http://schemas.microsoft.com/office/drawing/2014/main" id="{2C05FB4C-A7FE-45D7-A696-BFFC90E02159}"/>
+                <a16:creationId xmlns:a16="http://schemas.microsoft.com/office/drawing/2014/main" xmlns="" id="{2C05FB4C-A7FE-45D7-A696-BFFC90E02159}"/>
               </a:ext>
             </a:extLst>
           </p:cNvPr>
@@ -19207,7 +18621,7 @@
           <p:cNvPr id="6" name="Content Placeholder 3">
             <a:extLst>
               <a:ext uri="{FF2B5EF4-FFF2-40B4-BE49-F238E27FC236}">
-                <a16:creationId xmlns:a16="http://schemas.microsoft.com/office/drawing/2014/main" id="{25204249-12E6-4182-A578-16B88125DAD3}"/>
+                <a16:creationId xmlns:a16="http://schemas.microsoft.com/office/drawing/2014/main" xmlns="" id="{25204249-12E6-4182-A578-16B88125DAD3}"/>
               </a:ext>
             </a:extLst>
           </p:cNvPr>
@@ -19236,28 +18650,28 @@
                 <a:gridCol w="874866">
                   <a:extLst>
                     <a:ext uri="{9D8B030D-6E8A-4147-A177-3AD203B41FA5}">
-                      <a16:colId xmlns:a16="http://schemas.microsoft.com/office/drawing/2014/main" val="3470846463"/>
+                      <a16:colId xmlns:a16="http://schemas.microsoft.com/office/drawing/2014/main" xmlns="" val="3470846463"/>
                     </a:ext>
                   </a:extLst>
                 </a:gridCol>
                 <a:gridCol w="915369">
                   <a:extLst>
                     <a:ext uri="{9D8B030D-6E8A-4147-A177-3AD203B41FA5}">
-                      <a16:colId xmlns:a16="http://schemas.microsoft.com/office/drawing/2014/main" val="3990732175"/>
+                      <a16:colId xmlns:a16="http://schemas.microsoft.com/office/drawing/2014/main" xmlns="" val="3990732175"/>
                     </a:ext>
                   </a:extLst>
                 </a:gridCol>
                 <a:gridCol w="955872">
                   <a:extLst>
                     <a:ext uri="{9D8B030D-6E8A-4147-A177-3AD203B41FA5}">
-                      <a16:colId xmlns:a16="http://schemas.microsoft.com/office/drawing/2014/main" val="3113442537"/>
+                      <a16:colId xmlns:a16="http://schemas.microsoft.com/office/drawing/2014/main" xmlns="" val="3113442537"/>
                     </a:ext>
                   </a:extLst>
                 </a:gridCol>
                 <a:gridCol w="955872">
                   <a:extLst>
                     <a:ext uri="{9D8B030D-6E8A-4147-A177-3AD203B41FA5}">
-                      <a16:colId xmlns:a16="http://schemas.microsoft.com/office/drawing/2014/main" val="3734812451"/>
+                      <a16:colId xmlns:a16="http://schemas.microsoft.com/office/drawing/2014/main" xmlns="" val="3734812451"/>
                     </a:ext>
                   </a:extLst>
                 </a:gridCol>
@@ -19321,7 +18735,7 @@
                 </a:tc>
                 <a:extLst>
                   <a:ext uri="{0D108BD9-81ED-4DB2-BD59-A6C34878D82A}">
-                    <a16:rowId xmlns:a16="http://schemas.microsoft.com/office/drawing/2014/main" val="3547791680"/>
+                    <a16:rowId xmlns:a16="http://schemas.microsoft.com/office/drawing/2014/main" xmlns="" val="3547791680"/>
                   </a:ext>
                 </a:extLst>
               </a:tr>
@@ -19400,7 +18814,7 @@
                 </a:tc>
                 <a:extLst>
                   <a:ext uri="{0D108BD9-81ED-4DB2-BD59-A6C34878D82A}">
-                    <a16:rowId xmlns:a16="http://schemas.microsoft.com/office/drawing/2014/main" val="2673285938"/>
+                    <a16:rowId xmlns:a16="http://schemas.microsoft.com/office/drawing/2014/main" xmlns="" val="2673285938"/>
                   </a:ext>
                 </a:extLst>
               </a:tr>
@@ -19462,7 +18876,7 @@
                 </a:tc>
                 <a:extLst>
                   <a:ext uri="{0D108BD9-81ED-4DB2-BD59-A6C34878D82A}">
-                    <a16:rowId xmlns:a16="http://schemas.microsoft.com/office/drawing/2014/main" val="761915796"/>
+                    <a16:rowId xmlns:a16="http://schemas.microsoft.com/office/drawing/2014/main" xmlns="" val="761915796"/>
                   </a:ext>
                 </a:extLst>
               </a:tr>
@@ -19513,7 +18927,7 @@
                 </a:tc>
                 <a:extLst>
                   <a:ext uri="{0D108BD9-81ED-4DB2-BD59-A6C34878D82A}">
-                    <a16:rowId xmlns:a16="http://schemas.microsoft.com/office/drawing/2014/main" val="3849345575"/>
+                    <a16:rowId xmlns:a16="http://schemas.microsoft.com/office/drawing/2014/main" xmlns="" val="3849345575"/>
                   </a:ext>
                 </a:extLst>
               </a:tr>
@@ -19567,10 +18981,10 @@
           <p:cNvPr id="11" name="Rectangle 10">
             <a:extLst>
               <a:ext uri="{FF2B5EF4-FFF2-40B4-BE49-F238E27FC236}">
-                <a16:creationId xmlns:a16="http://schemas.microsoft.com/office/drawing/2014/main" id="{EE1FC7B4-E4A7-4452-B413-1A623E3A7230}"/>
+                <a16:creationId xmlns:a16="http://schemas.microsoft.com/office/drawing/2014/main" xmlns="" id="{EE1FC7B4-E4A7-4452-B413-1A623E3A7230}"/>
               </a:ext>
               <a:ext uri="{C183D7F6-B498-43B3-948B-1728B52AA6E4}">
-                <adec:decorative xmlns:adec="http://schemas.microsoft.com/office/drawing/2017/decorative" val="1"/>
+                <adec:decorative xmlns:adec="http://schemas.microsoft.com/office/drawing/2017/decorative" xmlns="" val="1"/>
               </a:ext>
             </a:extLst>
           </p:cNvPr>
@@ -19580,7 +18994,7 @@
           <p:nvPr>
             <p:extLst>
               <p:ext uri="{386F3935-93C4-4BCD-93E2-E3B085C9AB24}">
-                <p16:designElem xmlns:p16="http://schemas.microsoft.com/office/powerpoint/2015/main" val="1"/>
+                <p16:designElem xmlns:p16="http://schemas.microsoft.com/office/powerpoint/2015/main" xmlns="" val="1"/>
               </p:ext>
             </p:extLst>
           </p:nvPr>
@@ -19632,10 +19046,10 @@
           <p:cNvPr id="13" name="Freeform 13">
             <a:extLst>
               <a:ext uri="{FF2B5EF4-FFF2-40B4-BE49-F238E27FC236}">
-                <a16:creationId xmlns:a16="http://schemas.microsoft.com/office/drawing/2014/main" id="{E0709AF0-24F0-4486-B189-BE6386BDB198}"/>
+                <a16:creationId xmlns:a16="http://schemas.microsoft.com/office/drawing/2014/main" xmlns="" id="{E0709AF0-24F0-4486-B189-BE6386BDB198}"/>
               </a:ext>
               <a:ext uri="{C183D7F6-B498-43B3-948B-1728B52AA6E4}">
-                <adec:decorative xmlns:adec="http://schemas.microsoft.com/office/drawing/2017/decorative" val="1"/>
+                <adec:decorative xmlns:adec="http://schemas.microsoft.com/office/drawing/2017/decorative" xmlns="" val="1"/>
               </a:ext>
             </a:extLst>
           </p:cNvPr>
@@ -19645,7 +19059,7 @@
           <p:nvPr>
             <p:extLst>
               <p:ext uri="{386F3935-93C4-4BCD-93E2-E3B085C9AB24}">
-                <p16:designElem xmlns:p16="http://schemas.microsoft.com/office/powerpoint/2015/main" val="1"/>
+                <p16:designElem xmlns:p16="http://schemas.microsoft.com/office/powerpoint/2015/main" xmlns="" val="1"/>
               </p:ext>
             </p:extLst>
           </p:nvPr>
@@ -19740,10 +19154,10 @@
           <p:cNvPr id="15" name="Freeform 11">
             <a:extLst>
               <a:ext uri="{FF2B5EF4-FFF2-40B4-BE49-F238E27FC236}">
-                <a16:creationId xmlns:a16="http://schemas.microsoft.com/office/drawing/2014/main" id="{FBE3B62F-5853-4A3C-B050-6186351A7176}"/>
+                <a16:creationId xmlns:a16="http://schemas.microsoft.com/office/drawing/2014/main" xmlns="" id="{FBE3B62F-5853-4A3C-B050-6186351A7176}"/>
               </a:ext>
               <a:ext uri="{C183D7F6-B498-43B3-948B-1728B52AA6E4}">
-                <adec:decorative xmlns:adec="http://schemas.microsoft.com/office/drawing/2017/decorative" val="1"/>
+                <adec:decorative xmlns:adec="http://schemas.microsoft.com/office/drawing/2017/decorative" xmlns="" val="1"/>
               </a:ext>
             </a:extLst>
           </p:cNvPr>
@@ -19753,7 +19167,7 @@
           <p:nvPr>
             <p:extLst>
               <p:ext uri="{386F3935-93C4-4BCD-93E2-E3B085C9AB24}">
-                <p16:designElem xmlns:p16="http://schemas.microsoft.com/office/powerpoint/2015/main" val="1"/>
+                <p16:designElem xmlns:p16="http://schemas.microsoft.com/office/powerpoint/2015/main" xmlns="" val="1"/>
               </p:ext>
             </p:extLst>
           </p:nvPr>
@@ -19850,7 +19264,7 @@
           <p:cNvPr id="2" name="Title 1">
             <a:extLst>
               <a:ext uri="{FF2B5EF4-FFF2-40B4-BE49-F238E27FC236}">
-                <a16:creationId xmlns:a16="http://schemas.microsoft.com/office/drawing/2014/main" id="{0A2A4053-83BE-448D-8877-DBBA7D7FBA62}"/>
+                <a16:creationId xmlns:a16="http://schemas.microsoft.com/office/drawing/2014/main" xmlns="" id="{0A2A4053-83BE-448D-8877-DBBA7D7FBA62}"/>
               </a:ext>
             </a:extLst>
           </p:cNvPr>
@@ -19885,7 +19299,7 @@
           <p:cNvPr id="3" name="Content Placeholder 2">
             <a:extLst>
               <a:ext uri="{FF2B5EF4-FFF2-40B4-BE49-F238E27FC236}">
-                <a16:creationId xmlns:a16="http://schemas.microsoft.com/office/drawing/2014/main" id="{2C05FB4C-A7FE-45D7-A696-BFFC90E02159}"/>
+                <a16:creationId xmlns:a16="http://schemas.microsoft.com/office/drawing/2014/main" xmlns="" id="{2C05FB4C-A7FE-45D7-A696-BFFC90E02159}"/>
               </a:ext>
             </a:extLst>
           </p:cNvPr>
@@ -19949,7 +19363,7 @@
           <p:cNvPr id="6" name="Content Placeholder 3">
             <a:extLst>
               <a:ext uri="{FF2B5EF4-FFF2-40B4-BE49-F238E27FC236}">
-                <a16:creationId xmlns:a16="http://schemas.microsoft.com/office/drawing/2014/main" id="{25204249-12E6-4182-A578-16B88125DAD3}"/>
+                <a16:creationId xmlns:a16="http://schemas.microsoft.com/office/drawing/2014/main" xmlns="" id="{25204249-12E6-4182-A578-16B88125DAD3}"/>
               </a:ext>
             </a:extLst>
           </p:cNvPr>
@@ -19978,28 +19392,28 @@
                 <a:gridCol w="874866">
                   <a:extLst>
                     <a:ext uri="{9D8B030D-6E8A-4147-A177-3AD203B41FA5}">
-                      <a16:colId xmlns:a16="http://schemas.microsoft.com/office/drawing/2014/main" val="3470846463"/>
+                      <a16:colId xmlns:a16="http://schemas.microsoft.com/office/drawing/2014/main" xmlns="" val="3470846463"/>
                     </a:ext>
                   </a:extLst>
                 </a:gridCol>
                 <a:gridCol w="915369">
                   <a:extLst>
                     <a:ext uri="{9D8B030D-6E8A-4147-A177-3AD203B41FA5}">
-                      <a16:colId xmlns:a16="http://schemas.microsoft.com/office/drawing/2014/main" val="3990732175"/>
+                      <a16:colId xmlns:a16="http://schemas.microsoft.com/office/drawing/2014/main" xmlns="" val="3990732175"/>
                     </a:ext>
                   </a:extLst>
                 </a:gridCol>
                 <a:gridCol w="955872">
                   <a:extLst>
                     <a:ext uri="{9D8B030D-6E8A-4147-A177-3AD203B41FA5}">
-                      <a16:colId xmlns:a16="http://schemas.microsoft.com/office/drawing/2014/main" val="3113442537"/>
+                      <a16:colId xmlns:a16="http://schemas.microsoft.com/office/drawing/2014/main" xmlns="" val="3113442537"/>
                     </a:ext>
                   </a:extLst>
                 </a:gridCol>
                 <a:gridCol w="955872">
                   <a:extLst>
                     <a:ext uri="{9D8B030D-6E8A-4147-A177-3AD203B41FA5}">
-                      <a16:colId xmlns:a16="http://schemas.microsoft.com/office/drawing/2014/main" val="3734812451"/>
+                      <a16:colId xmlns:a16="http://schemas.microsoft.com/office/drawing/2014/main" xmlns="" val="3734812451"/>
                     </a:ext>
                   </a:extLst>
                 </a:gridCol>
@@ -20063,7 +19477,7 @@
                 </a:tc>
                 <a:extLst>
                   <a:ext uri="{0D108BD9-81ED-4DB2-BD59-A6C34878D82A}">
-                    <a16:rowId xmlns:a16="http://schemas.microsoft.com/office/drawing/2014/main" val="3547791680"/>
+                    <a16:rowId xmlns:a16="http://schemas.microsoft.com/office/drawing/2014/main" xmlns="" val="3547791680"/>
                   </a:ext>
                 </a:extLst>
               </a:tr>
@@ -20122,7 +19536,7 @@
                 </a:tc>
                 <a:extLst>
                   <a:ext uri="{0D108BD9-81ED-4DB2-BD59-A6C34878D82A}">
-                    <a16:rowId xmlns:a16="http://schemas.microsoft.com/office/drawing/2014/main" val="2673285938"/>
+                    <a16:rowId xmlns:a16="http://schemas.microsoft.com/office/drawing/2014/main" xmlns="" val="2673285938"/>
                   </a:ext>
                 </a:extLst>
               </a:tr>
@@ -20173,7 +19587,7 @@
                 </a:tc>
                 <a:extLst>
                   <a:ext uri="{0D108BD9-81ED-4DB2-BD59-A6C34878D82A}">
-                    <a16:rowId xmlns:a16="http://schemas.microsoft.com/office/drawing/2014/main" val="761915796"/>
+                    <a16:rowId xmlns:a16="http://schemas.microsoft.com/office/drawing/2014/main" xmlns="" val="761915796"/>
                   </a:ext>
                 </a:extLst>
               </a:tr>
@@ -20224,7 +19638,7 @@
                 </a:tc>
                 <a:extLst>
                   <a:ext uri="{0D108BD9-81ED-4DB2-BD59-A6C34878D82A}">
-                    <a16:rowId xmlns:a16="http://schemas.microsoft.com/office/drawing/2014/main" val="3849345575"/>
+                    <a16:rowId xmlns:a16="http://schemas.microsoft.com/office/drawing/2014/main" xmlns="" val="3849345575"/>
                   </a:ext>
                 </a:extLst>
               </a:tr>
@@ -20237,7 +19651,7 @@
           <p:cNvPr id="5" name="Picture 4" descr="A person looking at the camera&#10;&#10;Description automatically generated">
             <a:extLst>
               <a:ext uri="{FF2B5EF4-FFF2-40B4-BE49-F238E27FC236}">
-                <a16:creationId xmlns:a16="http://schemas.microsoft.com/office/drawing/2014/main" id="{9D647A0D-342E-49E2-9E93-AB987668E6BF}"/>
+                <a16:creationId xmlns:a16="http://schemas.microsoft.com/office/drawing/2014/main" xmlns="" id="{9D647A0D-342E-49E2-9E93-AB987668E6BF}"/>
               </a:ext>
             </a:extLst>
           </p:cNvPr>
@@ -20314,10 +19728,10 @@
           <p:cNvPr id="11" name="Rectangle 10">
             <a:extLst>
               <a:ext uri="{FF2B5EF4-FFF2-40B4-BE49-F238E27FC236}">
-                <a16:creationId xmlns:a16="http://schemas.microsoft.com/office/drawing/2014/main" id="{EE1FC7B4-E4A7-4452-B413-1A623E3A7230}"/>
+                <a16:creationId xmlns:a16="http://schemas.microsoft.com/office/drawing/2014/main" xmlns="" id="{EE1FC7B4-E4A7-4452-B413-1A623E3A7230}"/>
               </a:ext>
               <a:ext uri="{C183D7F6-B498-43B3-948B-1728B52AA6E4}">
-                <adec:decorative xmlns:adec="http://schemas.microsoft.com/office/drawing/2017/decorative" val="1"/>
+                <adec:decorative xmlns:adec="http://schemas.microsoft.com/office/drawing/2017/decorative" xmlns="" val="1"/>
               </a:ext>
             </a:extLst>
           </p:cNvPr>
@@ -20327,7 +19741,7 @@
           <p:nvPr>
             <p:extLst>
               <p:ext uri="{386F3935-93C4-4BCD-93E2-E3B085C9AB24}">
-                <p16:designElem xmlns:p16="http://schemas.microsoft.com/office/powerpoint/2015/main" val="1"/>
+                <p16:designElem xmlns:p16="http://schemas.microsoft.com/office/powerpoint/2015/main" xmlns="" val="1"/>
               </p:ext>
             </p:extLst>
           </p:nvPr>
@@ -20379,10 +19793,10 @@
           <p:cNvPr id="13" name="Freeform 13">
             <a:extLst>
               <a:ext uri="{FF2B5EF4-FFF2-40B4-BE49-F238E27FC236}">
-                <a16:creationId xmlns:a16="http://schemas.microsoft.com/office/drawing/2014/main" id="{E0709AF0-24F0-4486-B189-BE6386BDB198}"/>
+                <a16:creationId xmlns:a16="http://schemas.microsoft.com/office/drawing/2014/main" xmlns="" id="{E0709AF0-24F0-4486-B189-BE6386BDB198}"/>
               </a:ext>
               <a:ext uri="{C183D7F6-B498-43B3-948B-1728B52AA6E4}">
-                <adec:decorative xmlns:adec="http://schemas.microsoft.com/office/drawing/2017/decorative" val="1"/>
+                <adec:decorative xmlns:adec="http://schemas.microsoft.com/office/drawing/2017/decorative" xmlns="" val="1"/>
               </a:ext>
             </a:extLst>
           </p:cNvPr>
@@ -20392,7 +19806,7 @@
           <p:nvPr>
             <p:extLst>
               <p:ext uri="{386F3935-93C4-4BCD-93E2-E3B085C9AB24}">
-                <p16:designElem xmlns:p16="http://schemas.microsoft.com/office/powerpoint/2015/main" val="1"/>
+                <p16:designElem xmlns:p16="http://schemas.microsoft.com/office/powerpoint/2015/main" xmlns="" val="1"/>
               </p:ext>
             </p:extLst>
           </p:nvPr>
@@ -20487,10 +19901,10 @@
           <p:cNvPr id="15" name="Freeform 11">
             <a:extLst>
               <a:ext uri="{FF2B5EF4-FFF2-40B4-BE49-F238E27FC236}">
-                <a16:creationId xmlns:a16="http://schemas.microsoft.com/office/drawing/2014/main" id="{FBE3B62F-5853-4A3C-B050-6186351A7176}"/>
+                <a16:creationId xmlns:a16="http://schemas.microsoft.com/office/drawing/2014/main" xmlns="" id="{FBE3B62F-5853-4A3C-B050-6186351A7176}"/>
               </a:ext>
               <a:ext uri="{C183D7F6-B498-43B3-948B-1728B52AA6E4}">
-                <adec:decorative xmlns:adec="http://schemas.microsoft.com/office/drawing/2017/decorative" val="1"/>
+                <adec:decorative xmlns:adec="http://schemas.microsoft.com/office/drawing/2017/decorative" xmlns="" val="1"/>
               </a:ext>
             </a:extLst>
           </p:cNvPr>
@@ -20500,7 +19914,7 @@
           <p:nvPr>
             <p:extLst>
               <p:ext uri="{386F3935-93C4-4BCD-93E2-E3B085C9AB24}">
-                <p16:designElem xmlns:p16="http://schemas.microsoft.com/office/powerpoint/2015/main" val="1"/>
+                <p16:designElem xmlns:p16="http://schemas.microsoft.com/office/powerpoint/2015/main" xmlns="" val="1"/>
               </p:ext>
             </p:extLst>
           </p:nvPr>
@@ -20597,7 +20011,7 @@
           <p:cNvPr id="2" name="Title 1">
             <a:extLst>
               <a:ext uri="{FF2B5EF4-FFF2-40B4-BE49-F238E27FC236}">
-                <a16:creationId xmlns:a16="http://schemas.microsoft.com/office/drawing/2014/main" id="{0A2A4053-83BE-448D-8877-DBBA7D7FBA62}"/>
+                <a16:creationId xmlns:a16="http://schemas.microsoft.com/office/drawing/2014/main" xmlns="" id="{0A2A4053-83BE-448D-8877-DBBA7D7FBA62}"/>
               </a:ext>
             </a:extLst>
           </p:cNvPr>
@@ -20632,7 +20046,7 @@
           <p:cNvPr id="3" name="Content Placeholder 2">
             <a:extLst>
               <a:ext uri="{FF2B5EF4-FFF2-40B4-BE49-F238E27FC236}">
-                <a16:creationId xmlns:a16="http://schemas.microsoft.com/office/drawing/2014/main" id="{2C05FB4C-A7FE-45D7-A696-BFFC90E02159}"/>
+                <a16:creationId xmlns:a16="http://schemas.microsoft.com/office/drawing/2014/main" xmlns="" id="{2C05FB4C-A7FE-45D7-A696-BFFC90E02159}"/>
               </a:ext>
             </a:extLst>
           </p:cNvPr>
@@ -20689,7 +20103,7 @@
           <p:cNvPr id="6" name="Content Placeholder 3">
             <a:extLst>
               <a:ext uri="{FF2B5EF4-FFF2-40B4-BE49-F238E27FC236}">
-                <a16:creationId xmlns:a16="http://schemas.microsoft.com/office/drawing/2014/main" id="{25204249-12E6-4182-A578-16B88125DAD3}"/>
+                <a16:creationId xmlns:a16="http://schemas.microsoft.com/office/drawing/2014/main" xmlns="" id="{25204249-12E6-4182-A578-16B88125DAD3}"/>
               </a:ext>
             </a:extLst>
           </p:cNvPr>
@@ -20718,28 +20132,28 @@
                 <a:gridCol w="1170149">
                   <a:extLst>
                     <a:ext uri="{9D8B030D-6E8A-4147-A177-3AD203B41FA5}">
-                      <a16:colId xmlns:a16="http://schemas.microsoft.com/office/drawing/2014/main" val="3470846463"/>
+                      <a16:colId xmlns:a16="http://schemas.microsoft.com/office/drawing/2014/main" xmlns="" val="3470846463"/>
                     </a:ext>
                   </a:extLst>
                 </a:gridCol>
                 <a:gridCol w="971157">
                   <a:extLst>
                     <a:ext uri="{9D8B030D-6E8A-4147-A177-3AD203B41FA5}">
-                      <a16:colId xmlns:a16="http://schemas.microsoft.com/office/drawing/2014/main" val="3990732175"/>
+                      <a16:colId xmlns:a16="http://schemas.microsoft.com/office/drawing/2014/main" xmlns="" val="3990732175"/>
                     </a:ext>
                   </a:extLst>
                 </a:gridCol>
                 <a:gridCol w="780337">
                   <a:extLst>
                     <a:ext uri="{9D8B030D-6E8A-4147-A177-3AD203B41FA5}">
-                      <a16:colId xmlns:a16="http://schemas.microsoft.com/office/drawing/2014/main" val="3113442537"/>
+                      <a16:colId xmlns:a16="http://schemas.microsoft.com/office/drawing/2014/main" xmlns="" val="3113442537"/>
                     </a:ext>
                   </a:extLst>
                 </a:gridCol>
                 <a:gridCol w="780337">
                   <a:extLst>
                     <a:ext uri="{9D8B030D-6E8A-4147-A177-3AD203B41FA5}">
-                      <a16:colId xmlns:a16="http://schemas.microsoft.com/office/drawing/2014/main" val="3734812451"/>
+                      <a16:colId xmlns:a16="http://schemas.microsoft.com/office/drawing/2014/main" xmlns="" val="3734812451"/>
                     </a:ext>
                   </a:extLst>
                 </a:gridCol>
@@ -20803,7 +20217,7 @@
                 </a:tc>
                 <a:extLst>
                   <a:ext uri="{0D108BD9-81ED-4DB2-BD59-A6C34878D82A}">
-                    <a16:rowId xmlns:a16="http://schemas.microsoft.com/office/drawing/2014/main" val="3547791680"/>
+                    <a16:rowId xmlns:a16="http://schemas.microsoft.com/office/drawing/2014/main" xmlns="" val="3547791680"/>
                   </a:ext>
                 </a:extLst>
               </a:tr>
@@ -20882,7 +20296,7 @@
                 </a:tc>
                 <a:extLst>
                   <a:ext uri="{0D108BD9-81ED-4DB2-BD59-A6C34878D82A}">
-                    <a16:rowId xmlns:a16="http://schemas.microsoft.com/office/drawing/2014/main" val="2673285938"/>
+                    <a16:rowId xmlns:a16="http://schemas.microsoft.com/office/drawing/2014/main" xmlns="" val="2673285938"/>
                   </a:ext>
                 </a:extLst>
               </a:tr>
@@ -20957,7 +20371,7 @@
                 </a:tc>
                 <a:extLst>
                   <a:ext uri="{0D108BD9-81ED-4DB2-BD59-A6C34878D82A}">
-                    <a16:rowId xmlns:a16="http://schemas.microsoft.com/office/drawing/2014/main" val="761915796"/>
+                    <a16:rowId xmlns:a16="http://schemas.microsoft.com/office/drawing/2014/main" xmlns="" val="761915796"/>
                   </a:ext>
                 </a:extLst>
               </a:tr>
@@ -21008,7 +20422,7 @@
                 </a:tc>
                 <a:extLst>
                   <a:ext uri="{0D108BD9-81ED-4DB2-BD59-A6C34878D82A}">
-                    <a16:rowId xmlns:a16="http://schemas.microsoft.com/office/drawing/2014/main" val="3849345575"/>
+                    <a16:rowId xmlns:a16="http://schemas.microsoft.com/office/drawing/2014/main" xmlns="" val="3849345575"/>
                   </a:ext>
                 </a:extLst>
               </a:tr>
@@ -21062,10 +20476,10 @@
           <p:cNvPr id="11" name="Rectangle 10">
             <a:extLst>
               <a:ext uri="{FF2B5EF4-FFF2-40B4-BE49-F238E27FC236}">
-                <a16:creationId xmlns:a16="http://schemas.microsoft.com/office/drawing/2014/main" id="{EE1FC7B4-E4A7-4452-B413-1A623E3A7230}"/>
+                <a16:creationId xmlns:a16="http://schemas.microsoft.com/office/drawing/2014/main" xmlns="" id="{EE1FC7B4-E4A7-4452-B413-1A623E3A7230}"/>
               </a:ext>
               <a:ext uri="{C183D7F6-B498-43B3-948B-1728B52AA6E4}">
-                <adec:decorative xmlns:adec="http://schemas.microsoft.com/office/drawing/2017/decorative" val="1"/>
+                <adec:decorative xmlns:adec="http://schemas.microsoft.com/office/drawing/2017/decorative" xmlns="" val="1"/>
               </a:ext>
             </a:extLst>
           </p:cNvPr>
@@ -21075,7 +20489,7 @@
           <p:nvPr>
             <p:extLst>
               <p:ext uri="{386F3935-93C4-4BCD-93E2-E3B085C9AB24}">
-                <p16:designElem xmlns:p16="http://schemas.microsoft.com/office/powerpoint/2015/main" val="1"/>
+                <p16:designElem xmlns:p16="http://schemas.microsoft.com/office/powerpoint/2015/main" xmlns="" val="1"/>
               </p:ext>
             </p:extLst>
           </p:nvPr>
@@ -21127,10 +20541,10 @@
           <p:cNvPr id="13" name="Freeform 13">
             <a:extLst>
               <a:ext uri="{FF2B5EF4-FFF2-40B4-BE49-F238E27FC236}">
-                <a16:creationId xmlns:a16="http://schemas.microsoft.com/office/drawing/2014/main" id="{E0709AF0-24F0-4486-B189-BE6386BDB198}"/>
+                <a16:creationId xmlns:a16="http://schemas.microsoft.com/office/drawing/2014/main" xmlns="" id="{E0709AF0-24F0-4486-B189-BE6386BDB198}"/>
               </a:ext>
               <a:ext uri="{C183D7F6-B498-43B3-948B-1728B52AA6E4}">
-                <adec:decorative xmlns:adec="http://schemas.microsoft.com/office/drawing/2017/decorative" val="1"/>
+                <adec:decorative xmlns:adec="http://schemas.microsoft.com/office/drawing/2017/decorative" xmlns="" val="1"/>
               </a:ext>
             </a:extLst>
           </p:cNvPr>
@@ -21140,7 +20554,7 @@
           <p:nvPr>
             <p:extLst>
               <p:ext uri="{386F3935-93C4-4BCD-93E2-E3B085C9AB24}">
-                <p16:designElem xmlns:p16="http://schemas.microsoft.com/office/powerpoint/2015/main" val="1"/>
+                <p16:designElem xmlns:p16="http://schemas.microsoft.com/office/powerpoint/2015/main" xmlns="" val="1"/>
               </p:ext>
             </p:extLst>
           </p:nvPr>
@@ -21235,10 +20649,10 @@
           <p:cNvPr id="15" name="Freeform 11">
             <a:extLst>
               <a:ext uri="{FF2B5EF4-FFF2-40B4-BE49-F238E27FC236}">
-                <a16:creationId xmlns:a16="http://schemas.microsoft.com/office/drawing/2014/main" id="{FBE3B62F-5853-4A3C-B050-6186351A7176}"/>
+                <a16:creationId xmlns:a16="http://schemas.microsoft.com/office/drawing/2014/main" xmlns="" id="{FBE3B62F-5853-4A3C-B050-6186351A7176}"/>
               </a:ext>
               <a:ext uri="{C183D7F6-B498-43B3-948B-1728B52AA6E4}">
-                <adec:decorative xmlns:adec="http://schemas.microsoft.com/office/drawing/2017/decorative" val="1"/>
+                <adec:decorative xmlns:adec="http://schemas.microsoft.com/office/drawing/2017/decorative" xmlns="" val="1"/>
               </a:ext>
             </a:extLst>
           </p:cNvPr>
@@ -21248,7 +20662,7 @@
           <p:nvPr>
             <p:extLst>
               <p:ext uri="{386F3935-93C4-4BCD-93E2-E3B085C9AB24}">
-                <p16:designElem xmlns:p16="http://schemas.microsoft.com/office/powerpoint/2015/main" val="1"/>
+                <p16:designElem xmlns:p16="http://schemas.microsoft.com/office/powerpoint/2015/main" xmlns="" val="1"/>
               </p:ext>
             </p:extLst>
           </p:nvPr>
@@ -21345,7 +20759,7 @@
           <p:cNvPr id="2" name="Title 1">
             <a:extLst>
               <a:ext uri="{FF2B5EF4-FFF2-40B4-BE49-F238E27FC236}">
-                <a16:creationId xmlns:a16="http://schemas.microsoft.com/office/drawing/2014/main" id="{0A2A4053-83BE-448D-8877-DBBA7D7FBA62}"/>
+                <a16:creationId xmlns:a16="http://schemas.microsoft.com/office/drawing/2014/main" xmlns="" id="{0A2A4053-83BE-448D-8877-DBBA7D7FBA62}"/>
               </a:ext>
             </a:extLst>
           </p:cNvPr>
@@ -21391,7 +20805,7 @@
           <p:cNvPr id="3" name="Content Placeholder 2">
             <a:extLst>
               <a:ext uri="{FF2B5EF4-FFF2-40B4-BE49-F238E27FC236}">
-                <a16:creationId xmlns:a16="http://schemas.microsoft.com/office/drawing/2014/main" id="{2C05FB4C-A7FE-45D7-A696-BFFC90E02159}"/>
+                <a16:creationId xmlns:a16="http://schemas.microsoft.com/office/drawing/2014/main" xmlns="" id="{2C05FB4C-A7FE-45D7-A696-BFFC90E02159}"/>
               </a:ext>
             </a:extLst>
           </p:cNvPr>
@@ -21456,7 +20870,7 @@
           <p:cNvPr id="6" name="Content Placeholder 3">
             <a:extLst>
               <a:ext uri="{FF2B5EF4-FFF2-40B4-BE49-F238E27FC236}">
-                <a16:creationId xmlns:a16="http://schemas.microsoft.com/office/drawing/2014/main" id="{25204249-12E6-4182-A578-16B88125DAD3}"/>
+                <a16:creationId xmlns:a16="http://schemas.microsoft.com/office/drawing/2014/main" xmlns="" id="{25204249-12E6-4182-A578-16B88125DAD3}"/>
               </a:ext>
             </a:extLst>
           </p:cNvPr>
@@ -21485,28 +20899,28 @@
                 <a:gridCol w="1833851">
                   <a:extLst>
                     <a:ext uri="{9D8B030D-6E8A-4147-A177-3AD203B41FA5}">
-                      <a16:colId xmlns:a16="http://schemas.microsoft.com/office/drawing/2014/main" val="3470846463"/>
+                      <a16:colId xmlns:a16="http://schemas.microsoft.com/office/drawing/2014/main" xmlns="" val="3470846463"/>
                     </a:ext>
                   </a:extLst>
                 </a:gridCol>
                 <a:gridCol w="1918751">
                   <a:extLst>
                     <a:ext uri="{9D8B030D-6E8A-4147-A177-3AD203B41FA5}">
-                      <a16:colId xmlns:a16="http://schemas.microsoft.com/office/drawing/2014/main" val="3990732175"/>
+                      <a16:colId xmlns:a16="http://schemas.microsoft.com/office/drawing/2014/main" xmlns="" val="3990732175"/>
                     </a:ext>
                   </a:extLst>
                 </a:gridCol>
                 <a:gridCol w="2003652">
                   <a:extLst>
                     <a:ext uri="{9D8B030D-6E8A-4147-A177-3AD203B41FA5}">
-                      <a16:colId xmlns:a16="http://schemas.microsoft.com/office/drawing/2014/main" val="3113442537"/>
+                      <a16:colId xmlns:a16="http://schemas.microsoft.com/office/drawing/2014/main" xmlns="" val="3113442537"/>
                     </a:ext>
                   </a:extLst>
                 </a:gridCol>
                 <a:gridCol w="2003652">
                   <a:extLst>
                     <a:ext uri="{9D8B030D-6E8A-4147-A177-3AD203B41FA5}">
-                      <a16:colId xmlns:a16="http://schemas.microsoft.com/office/drawing/2014/main" val="3734812451"/>
+                      <a16:colId xmlns:a16="http://schemas.microsoft.com/office/drawing/2014/main" xmlns="" val="3734812451"/>
                     </a:ext>
                   </a:extLst>
                 </a:gridCol>
@@ -21570,7 +20984,7 @@
                 </a:tc>
                 <a:extLst>
                   <a:ext uri="{0D108BD9-81ED-4DB2-BD59-A6C34878D82A}">
-                    <a16:rowId xmlns:a16="http://schemas.microsoft.com/office/drawing/2014/main" val="3547791680"/>
+                    <a16:rowId xmlns:a16="http://schemas.microsoft.com/office/drawing/2014/main" xmlns="" val="3547791680"/>
                   </a:ext>
                 </a:extLst>
               </a:tr>
@@ -21649,7 +21063,7 @@
                 </a:tc>
                 <a:extLst>
                   <a:ext uri="{0D108BD9-81ED-4DB2-BD59-A6C34878D82A}">
-                    <a16:rowId xmlns:a16="http://schemas.microsoft.com/office/drawing/2014/main" val="2673285938"/>
+                    <a16:rowId xmlns:a16="http://schemas.microsoft.com/office/drawing/2014/main" xmlns="" val="2673285938"/>
                   </a:ext>
                 </a:extLst>
               </a:tr>
@@ -21724,7 +21138,7 @@
                 </a:tc>
                 <a:extLst>
                   <a:ext uri="{0D108BD9-81ED-4DB2-BD59-A6C34878D82A}">
-                    <a16:rowId xmlns:a16="http://schemas.microsoft.com/office/drawing/2014/main" val="761915796"/>
+                    <a16:rowId xmlns:a16="http://schemas.microsoft.com/office/drawing/2014/main" xmlns="" val="761915796"/>
                   </a:ext>
                 </a:extLst>
               </a:tr>
@@ -21786,7 +21200,7 @@
                 </a:tc>
                 <a:extLst>
                   <a:ext uri="{0D108BD9-81ED-4DB2-BD59-A6C34878D82A}">
-                    <a16:rowId xmlns:a16="http://schemas.microsoft.com/office/drawing/2014/main" val="10003"/>
+                    <a16:rowId xmlns:a16="http://schemas.microsoft.com/office/drawing/2014/main" xmlns="" val="10003"/>
                   </a:ext>
                 </a:extLst>
               </a:tr>
@@ -21848,7 +21262,7 @@
                 </a:tc>
                 <a:extLst>
                   <a:ext uri="{0D108BD9-81ED-4DB2-BD59-A6C34878D82A}">
-                    <a16:rowId xmlns:a16="http://schemas.microsoft.com/office/drawing/2014/main" val="10004"/>
+                    <a16:rowId xmlns:a16="http://schemas.microsoft.com/office/drawing/2014/main" xmlns="" val="10004"/>
                   </a:ext>
                 </a:extLst>
               </a:tr>
@@ -21910,7 +21324,7 @@
                 </a:tc>
                 <a:extLst>
                   <a:ext uri="{0D108BD9-81ED-4DB2-BD59-A6C34878D82A}">
-                    <a16:rowId xmlns:a16="http://schemas.microsoft.com/office/drawing/2014/main" val="10005"/>
+                    <a16:rowId xmlns:a16="http://schemas.microsoft.com/office/drawing/2014/main" xmlns="" val="10005"/>
                   </a:ext>
                 </a:extLst>
               </a:tr>
@@ -21964,10 +21378,10 @@
           <p:cNvPr id="17" name="Rectangle 10">
             <a:extLst>
               <a:ext uri="{FF2B5EF4-FFF2-40B4-BE49-F238E27FC236}">
-                <a16:creationId xmlns:a16="http://schemas.microsoft.com/office/drawing/2014/main" id="{EE1FC7B4-E4A7-4452-B413-1A623E3A7230}"/>
+                <a16:creationId xmlns:a16="http://schemas.microsoft.com/office/drawing/2014/main" xmlns="" id="{EE1FC7B4-E4A7-4452-B413-1A623E3A7230}"/>
               </a:ext>
               <a:ext uri="{C183D7F6-B498-43B3-948B-1728B52AA6E4}">
-                <adec:decorative xmlns:adec="http://schemas.microsoft.com/office/drawing/2017/decorative" val="1"/>
+                <adec:decorative xmlns:adec="http://schemas.microsoft.com/office/drawing/2017/decorative" xmlns="" val="1"/>
               </a:ext>
             </a:extLst>
           </p:cNvPr>
@@ -21977,7 +21391,7 @@
           <p:nvPr>
             <p:extLst>
               <p:ext uri="{386F3935-93C4-4BCD-93E2-E3B085C9AB24}">
-                <p16:designElem xmlns:p16="http://schemas.microsoft.com/office/powerpoint/2015/main" val="1"/>
+                <p16:designElem xmlns:p16="http://schemas.microsoft.com/office/powerpoint/2015/main" xmlns="" val="1"/>
               </p:ext>
             </p:extLst>
           </p:nvPr>
@@ -22029,10 +21443,10 @@
           <p:cNvPr id="18" name="Freeform 13">
             <a:extLst>
               <a:ext uri="{FF2B5EF4-FFF2-40B4-BE49-F238E27FC236}">
-                <a16:creationId xmlns:a16="http://schemas.microsoft.com/office/drawing/2014/main" id="{E0709AF0-24F0-4486-B189-BE6386BDB198}"/>
+                <a16:creationId xmlns:a16="http://schemas.microsoft.com/office/drawing/2014/main" xmlns="" id="{E0709AF0-24F0-4486-B189-BE6386BDB198}"/>
               </a:ext>
               <a:ext uri="{C183D7F6-B498-43B3-948B-1728B52AA6E4}">
-                <adec:decorative xmlns:adec="http://schemas.microsoft.com/office/drawing/2017/decorative" val="1"/>
+                <adec:decorative xmlns:adec="http://schemas.microsoft.com/office/drawing/2017/decorative" xmlns="" val="1"/>
               </a:ext>
             </a:extLst>
           </p:cNvPr>
@@ -22042,7 +21456,7 @@
           <p:nvPr>
             <p:extLst>
               <p:ext uri="{386F3935-93C4-4BCD-93E2-E3B085C9AB24}">
-                <p16:designElem xmlns:p16="http://schemas.microsoft.com/office/powerpoint/2015/main" val="1"/>
+                <p16:designElem xmlns:p16="http://schemas.microsoft.com/office/powerpoint/2015/main" xmlns="" val="1"/>
               </p:ext>
             </p:extLst>
           </p:nvPr>
@@ -22137,10 +21551,10 @@
           <p:cNvPr id="19" name="Freeform 11">
             <a:extLst>
               <a:ext uri="{FF2B5EF4-FFF2-40B4-BE49-F238E27FC236}">
-                <a16:creationId xmlns:a16="http://schemas.microsoft.com/office/drawing/2014/main" id="{FBE3B62F-5853-4A3C-B050-6186351A7176}"/>
+                <a16:creationId xmlns:a16="http://schemas.microsoft.com/office/drawing/2014/main" xmlns="" id="{FBE3B62F-5853-4A3C-B050-6186351A7176}"/>
               </a:ext>
               <a:ext uri="{C183D7F6-B498-43B3-948B-1728B52AA6E4}">
-                <adec:decorative xmlns:adec="http://schemas.microsoft.com/office/drawing/2017/decorative" val="1"/>
+                <adec:decorative xmlns:adec="http://schemas.microsoft.com/office/drawing/2017/decorative" xmlns="" val="1"/>
               </a:ext>
             </a:extLst>
           </p:cNvPr>
@@ -22150,7 +21564,7 @@
           <p:nvPr>
             <p:extLst>
               <p:ext uri="{386F3935-93C4-4BCD-93E2-E3B085C9AB24}">
-                <p16:designElem xmlns:p16="http://schemas.microsoft.com/office/powerpoint/2015/main" val="1"/>
+                <p16:designElem xmlns:p16="http://schemas.microsoft.com/office/powerpoint/2015/main" xmlns="" val="1"/>
               </p:ext>
             </p:extLst>
           </p:nvPr>
@@ -22247,7 +21661,7 @@
           <p:cNvPr id="2" name="Title 1">
             <a:extLst>
               <a:ext uri="{FF2B5EF4-FFF2-40B4-BE49-F238E27FC236}">
-                <a16:creationId xmlns:a16="http://schemas.microsoft.com/office/drawing/2014/main" id="{0A2A4053-83BE-448D-8877-DBBA7D7FBA62}"/>
+                <a16:creationId xmlns:a16="http://schemas.microsoft.com/office/drawing/2014/main" xmlns="" id="{0A2A4053-83BE-448D-8877-DBBA7D7FBA62}"/>
               </a:ext>
             </a:extLst>
           </p:cNvPr>
@@ -22293,7 +21707,7 @@
           <p:cNvPr id="3" name="Content Placeholder 2">
             <a:extLst>
               <a:ext uri="{FF2B5EF4-FFF2-40B4-BE49-F238E27FC236}">
-                <a16:creationId xmlns:a16="http://schemas.microsoft.com/office/drawing/2014/main" id="{2C05FB4C-A7FE-45D7-A696-BFFC90E02159}"/>
+                <a16:creationId xmlns:a16="http://schemas.microsoft.com/office/drawing/2014/main" xmlns="" id="{2C05FB4C-A7FE-45D7-A696-BFFC90E02159}"/>
               </a:ext>
             </a:extLst>
           </p:cNvPr>
@@ -22340,7 +21754,7 @@
           <p:cNvPr id="6" name="Content Placeholder 3">
             <a:extLst>
               <a:ext uri="{FF2B5EF4-FFF2-40B4-BE49-F238E27FC236}">
-                <a16:creationId xmlns:a16="http://schemas.microsoft.com/office/drawing/2014/main" id="{25204249-12E6-4182-A578-16B88125DAD3}"/>
+                <a16:creationId xmlns:a16="http://schemas.microsoft.com/office/drawing/2014/main" xmlns="" id="{25204249-12E6-4182-A578-16B88125DAD3}"/>
               </a:ext>
             </a:extLst>
           </p:cNvPr>
@@ -22369,28 +21783,28 @@
                 <a:gridCol w="2045203">
                   <a:extLst>
                     <a:ext uri="{9D8B030D-6E8A-4147-A177-3AD203B41FA5}">
-                      <a16:colId xmlns:a16="http://schemas.microsoft.com/office/drawing/2014/main" val="3470846463"/>
+                      <a16:colId xmlns:a16="http://schemas.microsoft.com/office/drawing/2014/main" xmlns="" val="3470846463"/>
                     </a:ext>
                   </a:extLst>
                 </a:gridCol>
                 <a:gridCol w="1870815">
                   <a:extLst>
                     <a:ext uri="{9D8B030D-6E8A-4147-A177-3AD203B41FA5}">
-                      <a16:colId xmlns:a16="http://schemas.microsoft.com/office/drawing/2014/main" val="3990732175"/>
+                      <a16:colId xmlns:a16="http://schemas.microsoft.com/office/drawing/2014/main" xmlns="" val="3990732175"/>
                     </a:ext>
                   </a:extLst>
                 </a:gridCol>
                 <a:gridCol w="2001817">
                   <a:extLst>
                     <a:ext uri="{9D8B030D-6E8A-4147-A177-3AD203B41FA5}">
-                      <a16:colId xmlns:a16="http://schemas.microsoft.com/office/drawing/2014/main" val="3113442537"/>
+                      <a16:colId xmlns:a16="http://schemas.microsoft.com/office/drawing/2014/main" xmlns="" val="3113442537"/>
                     </a:ext>
                   </a:extLst>
                 </a:gridCol>
                 <a:gridCol w="1732743">
                   <a:extLst>
                     <a:ext uri="{9D8B030D-6E8A-4147-A177-3AD203B41FA5}">
-                      <a16:colId xmlns:a16="http://schemas.microsoft.com/office/drawing/2014/main" val="3734812451"/>
+                      <a16:colId xmlns:a16="http://schemas.microsoft.com/office/drawing/2014/main" xmlns="" val="3734812451"/>
                     </a:ext>
                   </a:extLst>
                 </a:gridCol>
@@ -22454,7 +21868,7 @@
                 </a:tc>
                 <a:extLst>
                   <a:ext uri="{0D108BD9-81ED-4DB2-BD59-A6C34878D82A}">
-                    <a16:rowId xmlns:a16="http://schemas.microsoft.com/office/drawing/2014/main" val="3547791680"/>
+                    <a16:rowId xmlns:a16="http://schemas.microsoft.com/office/drawing/2014/main" xmlns="" val="3547791680"/>
                   </a:ext>
                 </a:extLst>
               </a:tr>
@@ -22533,7 +21947,7 @@
                 </a:tc>
                 <a:extLst>
                   <a:ext uri="{0D108BD9-81ED-4DB2-BD59-A6C34878D82A}">
-                    <a16:rowId xmlns:a16="http://schemas.microsoft.com/office/drawing/2014/main" val="2673285938"/>
+                    <a16:rowId xmlns:a16="http://schemas.microsoft.com/office/drawing/2014/main" xmlns="" val="2673285938"/>
                   </a:ext>
                 </a:extLst>
               </a:tr>
@@ -22608,7 +22022,7 @@
                 </a:tc>
                 <a:extLst>
                   <a:ext uri="{0D108BD9-81ED-4DB2-BD59-A6C34878D82A}">
-                    <a16:rowId xmlns:a16="http://schemas.microsoft.com/office/drawing/2014/main" val="761915796"/>
+                    <a16:rowId xmlns:a16="http://schemas.microsoft.com/office/drawing/2014/main" xmlns="" val="761915796"/>
                   </a:ext>
                 </a:extLst>
               </a:tr>
@@ -22621,7 +22035,7 @@
           <p:cNvPr id="5" name="Picture 4" descr="A close up of a person&#10;&#10;Description automatically generated">
             <a:extLst>
               <a:ext uri="{FF2B5EF4-FFF2-40B4-BE49-F238E27FC236}">
-                <a16:creationId xmlns:a16="http://schemas.microsoft.com/office/drawing/2014/main" id="{B551D840-32EC-43D0-B160-0CC57B299311}"/>
+                <a16:creationId xmlns:a16="http://schemas.microsoft.com/office/drawing/2014/main" xmlns="" id="{B551D840-32EC-43D0-B160-0CC57B299311}"/>
               </a:ext>
             </a:extLst>
           </p:cNvPr>
@@ -22697,10 +22111,10 @@
           <p:cNvPr id="9" name="Rectangle 8">
             <a:extLst>
               <a:ext uri="{FF2B5EF4-FFF2-40B4-BE49-F238E27FC236}">
-                <a16:creationId xmlns:a16="http://schemas.microsoft.com/office/drawing/2014/main" id="{23207CC6-EAA1-4BFF-A48A-DECAD8972717}"/>
+                <a16:creationId xmlns:a16="http://schemas.microsoft.com/office/drawing/2014/main" xmlns="" id="{23207CC6-EAA1-4BFF-A48A-DECAD8972717}"/>
               </a:ext>
               <a:ext uri="{C183D7F6-B498-43B3-948B-1728B52AA6E4}">
-                <adec:decorative xmlns:adec="http://schemas.microsoft.com/office/drawing/2017/decorative" val="1"/>
+                <adec:decorative xmlns:adec="http://schemas.microsoft.com/office/drawing/2017/decorative" xmlns="" val="1"/>
               </a:ext>
             </a:extLst>
           </p:cNvPr>
@@ -22710,7 +22124,7 @@
           <p:nvPr>
             <p:extLst>
               <p:ext uri="{386F3935-93C4-4BCD-93E2-E3B085C9AB24}">
-                <p16:designElem xmlns:p16="http://schemas.microsoft.com/office/powerpoint/2015/main" val="1"/>
+                <p16:designElem xmlns:p16="http://schemas.microsoft.com/office/powerpoint/2015/main" xmlns="" val="1"/>
               </p:ext>
             </p:extLst>
           </p:nvPr>
@@ -22762,10 +22176,10 @@
           <p:cNvPr id="11" name="Freeform 3">
             <a:extLst>
               <a:ext uri="{FF2B5EF4-FFF2-40B4-BE49-F238E27FC236}">
-                <a16:creationId xmlns:a16="http://schemas.microsoft.com/office/drawing/2014/main" id="{B234A3DD-923D-4166-8B19-7DD589908C68}"/>
+                <a16:creationId xmlns:a16="http://schemas.microsoft.com/office/drawing/2014/main" xmlns="" id="{B234A3DD-923D-4166-8B19-7DD589908C68}"/>
               </a:ext>
               <a:ext uri="{C183D7F6-B498-43B3-948B-1728B52AA6E4}">
-                <adec:decorative xmlns:adec="http://schemas.microsoft.com/office/drawing/2017/decorative" val="1"/>
+                <adec:decorative xmlns:adec="http://schemas.microsoft.com/office/drawing/2017/decorative" xmlns="" val="1"/>
               </a:ext>
             </a:extLst>
           </p:cNvPr>
@@ -22775,7 +22189,7 @@
           <p:nvPr>
             <p:extLst>
               <p:ext uri="{386F3935-93C4-4BCD-93E2-E3B085C9AB24}">
-                <p16:designElem xmlns:p16="http://schemas.microsoft.com/office/powerpoint/2015/main" val="1"/>
+                <p16:designElem xmlns:p16="http://schemas.microsoft.com/office/powerpoint/2015/main" xmlns="" val="1"/>
               </p:ext>
             </p:extLst>
           </p:nvPr>
@@ -22904,10 +22318,10 @@
           <p:cNvPr id="13" name="Freeform 16">
             <a:extLst>
               <a:ext uri="{FF2B5EF4-FFF2-40B4-BE49-F238E27FC236}">
-                <a16:creationId xmlns:a16="http://schemas.microsoft.com/office/drawing/2014/main" id="{F6ACA5AC-3C5D-4994-B40F-FC8349E4D6F4}"/>
+                <a16:creationId xmlns:a16="http://schemas.microsoft.com/office/drawing/2014/main" xmlns="" id="{F6ACA5AC-3C5D-4994-B40F-FC8349E4D6F4}"/>
               </a:ext>
               <a:ext uri="{C183D7F6-B498-43B3-948B-1728B52AA6E4}">
-                <adec:decorative xmlns:adec="http://schemas.microsoft.com/office/drawing/2017/decorative" val="1"/>
+                <adec:decorative xmlns:adec="http://schemas.microsoft.com/office/drawing/2017/decorative" xmlns="" val="1"/>
               </a:ext>
             </a:extLst>
           </p:cNvPr>
@@ -22917,7 +22331,7 @@
           <p:nvPr>
             <p:extLst>
               <p:ext uri="{386F3935-93C4-4BCD-93E2-E3B085C9AB24}">
-                <p16:designElem xmlns:p16="http://schemas.microsoft.com/office/powerpoint/2015/main" val="1"/>
+                <p16:designElem xmlns:p16="http://schemas.microsoft.com/office/powerpoint/2015/main" xmlns="" val="1"/>
               </p:ext>
             </p:extLst>
           </p:nvPr>
@@ -23061,7 +22475,7 @@
           <p:cNvPr id="2" name="Title 1">
             <a:extLst>
               <a:ext uri="{FF2B5EF4-FFF2-40B4-BE49-F238E27FC236}">
-                <a16:creationId xmlns:a16="http://schemas.microsoft.com/office/drawing/2014/main" id="{5E7D8321-C8E6-4E94-9DFC-9580B7937431}"/>
+                <a16:creationId xmlns:a16="http://schemas.microsoft.com/office/drawing/2014/main" xmlns="" id="{5E7D8321-C8E6-4E94-9DFC-9580B7937431}"/>
               </a:ext>
             </a:extLst>
           </p:cNvPr>
@@ -23104,7 +22518,7 @@
           <p:cNvPr id="4" name="Text Placeholder 3">
             <a:extLst>
               <a:ext uri="{FF2B5EF4-FFF2-40B4-BE49-F238E27FC236}">
-                <a16:creationId xmlns:a16="http://schemas.microsoft.com/office/drawing/2014/main" id="{84F4F58F-C447-433A-B206-D0C03664AE58}"/>
+                <a16:creationId xmlns:a16="http://schemas.microsoft.com/office/drawing/2014/main" xmlns="" id="{84F4F58F-C447-433A-B206-D0C03664AE58}"/>
               </a:ext>
             </a:extLst>
           </p:cNvPr>
@@ -23186,10 +22600,10 @@
           <p:cNvPr id="12" name="Rectangle 11">
             <a:extLst>
               <a:ext uri="{FF2B5EF4-FFF2-40B4-BE49-F238E27FC236}">
-                <a16:creationId xmlns:a16="http://schemas.microsoft.com/office/drawing/2014/main" id="{2A8AA5BC-4F7A-4226-8F99-6D824B226A97}"/>
+                <a16:creationId xmlns:a16="http://schemas.microsoft.com/office/drawing/2014/main" xmlns="" id="{2A8AA5BC-4F7A-4226-8F99-6D824B226A97}"/>
               </a:ext>
               <a:ext uri="{C183D7F6-B498-43B3-948B-1728B52AA6E4}">
-                <adec:decorative xmlns:adec="http://schemas.microsoft.com/office/drawing/2017/decorative" val="1"/>
+                <adec:decorative xmlns:adec="http://schemas.microsoft.com/office/drawing/2017/decorative" xmlns="" val="1"/>
               </a:ext>
             </a:extLst>
           </p:cNvPr>
@@ -23199,7 +22613,7 @@
           <p:nvPr>
             <p:extLst>
               <p:ext uri="{386F3935-93C4-4BCD-93E2-E3B085C9AB24}">
-                <p16:designElem xmlns:p16="http://schemas.microsoft.com/office/powerpoint/2015/main" val="1"/>
+                <p16:designElem xmlns:p16="http://schemas.microsoft.com/office/powerpoint/2015/main" xmlns="" val="1"/>
               </p:ext>
             </p:extLst>
           </p:nvPr>
@@ -23249,10 +22663,10 @@
           <p:cNvPr id="14" name="Rectangle 13">
             <a:extLst>
               <a:ext uri="{FF2B5EF4-FFF2-40B4-BE49-F238E27FC236}">
-                <a16:creationId xmlns:a16="http://schemas.microsoft.com/office/drawing/2014/main" id="{3E5445C6-DD42-4979-86FF-03730E8C6DB0}"/>
+                <a16:creationId xmlns:a16="http://schemas.microsoft.com/office/drawing/2014/main" xmlns="" id="{3E5445C6-DD42-4979-86FF-03730E8C6DB0}"/>
               </a:ext>
               <a:ext uri="{C183D7F6-B498-43B3-948B-1728B52AA6E4}">
-                <adec:decorative xmlns:adec="http://schemas.microsoft.com/office/drawing/2017/decorative" val="1"/>
+                <adec:decorative xmlns:adec="http://schemas.microsoft.com/office/drawing/2017/decorative" xmlns="" val="1"/>
               </a:ext>
             </a:extLst>
           </p:cNvPr>
@@ -23262,7 +22676,7 @@
           <p:nvPr>
             <p:extLst>
               <p:ext uri="{386F3935-93C4-4BCD-93E2-E3B085C9AB24}">
-                <p16:designElem xmlns:p16="http://schemas.microsoft.com/office/powerpoint/2015/main" val="1"/>
+                <p16:designElem xmlns:p16="http://schemas.microsoft.com/office/powerpoint/2015/main" xmlns="" val="1"/>
               </p:ext>
             </p:extLst>
           </p:nvPr>
@@ -23320,7 +22734,7 @@
           <p:cNvPr id="6" name="Title 5">
             <a:extLst>
               <a:ext uri="{FF2B5EF4-FFF2-40B4-BE49-F238E27FC236}">
-                <a16:creationId xmlns:a16="http://schemas.microsoft.com/office/drawing/2014/main" id="{0ACE7318-F574-4165-9D19-275EE2CBA332}"/>
+                <a16:creationId xmlns:a16="http://schemas.microsoft.com/office/drawing/2014/main" xmlns="" id="{0ACE7318-F574-4165-9D19-275EE2CBA332}"/>
               </a:ext>
             </a:extLst>
           </p:cNvPr>
@@ -23363,7 +22777,7 @@
           <p:cNvPr id="7" name="Content Placeholder 6">
             <a:extLst>
               <a:ext uri="{FF2B5EF4-FFF2-40B4-BE49-F238E27FC236}">
-                <a16:creationId xmlns:a16="http://schemas.microsoft.com/office/drawing/2014/main" id="{44FC007B-95BD-47C5-876D-98FC2DF02AC0}"/>
+                <a16:creationId xmlns:a16="http://schemas.microsoft.com/office/drawing/2014/main" xmlns="" id="{44FC007B-95BD-47C5-876D-98FC2DF02AC0}"/>
               </a:ext>
             </a:extLst>
           </p:cNvPr>
@@ -23411,10 +22825,10 @@
           <p:cNvPr id="16" name="Straight Connector 15">
             <a:extLst>
               <a:ext uri="{FF2B5EF4-FFF2-40B4-BE49-F238E27FC236}">
-                <a16:creationId xmlns:a16="http://schemas.microsoft.com/office/drawing/2014/main" id="{45000665-DFC7-417E-8FD7-516A0F15C975}"/>
+                <a16:creationId xmlns:a16="http://schemas.microsoft.com/office/drawing/2014/main" xmlns="" id="{45000665-DFC7-417E-8FD7-516A0F15C975}"/>
               </a:ext>
               <a:ext uri="{C183D7F6-B498-43B3-948B-1728B52AA6E4}">
-                <adec:decorative xmlns:adec="http://schemas.microsoft.com/office/drawing/2017/decorative" val="1"/>
+                <adec:decorative xmlns:adec="http://schemas.microsoft.com/office/drawing/2017/decorative" xmlns="" val="1"/>
               </a:ext>
             </a:extLst>
           </p:cNvPr>
@@ -23424,7 +22838,7 @@
           <p:nvPr>
             <p:extLst>
               <p:ext uri="{386F3935-93C4-4BCD-93E2-E3B085C9AB24}">
-                <p16:designElem xmlns:p16="http://schemas.microsoft.com/office/powerpoint/2015/main" val="1"/>
+                <p16:designElem xmlns:p16="http://schemas.microsoft.com/office/powerpoint/2015/main" xmlns="" val="1"/>
               </p:ext>
             </p:extLst>
           </p:nvPr>
@@ -23503,10 +22917,10 @@
           <p:cNvPr id="12" name="Rectangle 11">
             <a:extLst>
               <a:ext uri="{FF2B5EF4-FFF2-40B4-BE49-F238E27FC236}">
-                <a16:creationId xmlns:a16="http://schemas.microsoft.com/office/drawing/2014/main" id="{2A8AA5BC-4F7A-4226-8F99-6D824B226A97}"/>
+                <a16:creationId xmlns:a16="http://schemas.microsoft.com/office/drawing/2014/main" xmlns="" id="{2A8AA5BC-4F7A-4226-8F99-6D824B226A97}"/>
               </a:ext>
               <a:ext uri="{C183D7F6-B498-43B3-948B-1728B52AA6E4}">
-                <adec:decorative xmlns:adec="http://schemas.microsoft.com/office/drawing/2017/decorative" val="1"/>
+                <adec:decorative xmlns:adec="http://schemas.microsoft.com/office/drawing/2017/decorative" xmlns="" val="1"/>
               </a:ext>
             </a:extLst>
           </p:cNvPr>
@@ -23516,7 +22930,7 @@
           <p:nvPr>
             <p:extLst>
               <p:ext uri="{386F3935-93C4-4BCD-93E2-E3B085C9AB24}">
-                <p16:designElem xmlns:p16="http://schemas.microsoft.com/office/powerpoint/2015/main" val="1"/>
+                <p16:designElem xmlns:p16="http://schemas.microsoft.com/office/powerpoint/2015/main" xmlns="" val="1"/>
               </p:ext>
             </p:extLst>
           </p:nvPr>
@@ -23566,10 +22980,10 @@
           <p:cNvPr id="14" name="Rectangle 13">
             <a:extLst>
               <a:ext uri="{FF2B5EF4-FFF2-40B4-BE49-F238E27FC236}">
-                <a16:creationId xmlns:a16="http://schemas.microsoft.com/office/drawing/2014/main" id="{3E5445C6-DD42-4979-86FF-03730E8C6DB0}"/>
+                <a16:creationId xmlns:a16="http://schemas.microsoft.com/office/drawing/2014/main" xmlns="" id="{3E5445C6-DD42-4979-86FF-03730E8C6DB0}"/>
               </a:ext>
               <a:ext uri="{C183D7F6-B498-43B3-948B-1728B52AA6E4}">
-                <adec:decorative xmlns:adec="http://schemas.microsoft.com/office/drawing/2017/decorative" val="1"/>
+                <adec:decorative xmlns:adec="http://schemas.microsoft.com/office/drawing/2017/decorative" xmlns="" val="1"/>
               </a:ext>
             </a:extLst>
           </p:cNvPr>
@@ -23579,7 +22993,7 @@
           <p:nvPr>
             <p:extLst>
               <p:ext uri="{386F3935-93C4-4BCD-93E2-E3B085C9AB24}">
-                <p16:designElem xmlns:p16="http://schemas.microsoft.com/office/powerpoint/2015/main" val="1"/>
+                <p16:designElem xmlns:p16="http://schemas.microsoft.com/office/powerpoint/2015/main" xmlns="" val="1"/>
               </p:ext>
             </p:extLst>
           </p:nvPr>
@@ -23637,7 +23051,7 @@
           <p:cNvPr id="6" name="Title 5">
             <a:extLst>
               <a:ext uri="{FF2B5EF4-FFF2-40B4-BE49-F238E27FC236}">
-                <a16:creationId xmlns:a16="http://schemas.microsoft.com/office/drawing/2014/main" id="{0ACE7318-F574-4165-9D19-275EE2CBA332}"/>
+                <a16:creationId xmlns:a16="http://schemas.microsoft.com/office/drawing/2014/main" xmlns="" id="{0ACE7318-F574-4165-9D19-275EE2CBA332}"/>
               </a:ext>
             </a:extLst>
           </p:cNvPr>
@@ -23680,7 +23094,7 @@
           <p:cNvPr id="7" name="Content Placeholder 6">
             <a:extLst>
               <a:ext uri="{FF2B5EF4-FFF2-40B4-BE49-F238E27FC236}">
-                <a16:creationId xmlns:a16="http://schemas.microsoft.com/office/drawing/2014/main" id="{44FC007B-95BD-47C5-876D-98FC2DF02AC0}"/>
+                <a16:creationId xmlns:a16="http://schemas.microsoft.com/office/drawing/2014/main" xmlns="" id="{44FC007B-95BD-47C5-876D-98FC2DF02AC0}"/>
               </a:ext>
             </a:extLst>
           </p:cNvPr>
@@ -23728,10 +23142,10 @@
           <p:cNvPr id="16" name="Straight Connector 15">
             <a:extLst>
               <a:ext uri="{FF2B5EF4-FFF2-40B4-BE49-F238E27FC236}">
-                <a16:creationId xmlns:a16="http://schemas.microsoft.com/office/drawing/2014/main" id="{45000665-DFC7-417E-8FD7-516A0F15C975}"/>
+                <a16:creationId xmlns:a16="http://schemas.microsoft.com/office/drawing/2014/main" xmlns="" id="{45000665-DFC7-417E-8FD7-516A0F15C975}"/>
               </a:ext>
               <a:ext uri="{C183D7F6-B498-43B3-948B-1728B52AA6E4}">
-                <adec:decorative xmlns:adec="http://schemas.microsoft.com/office/drawing/2017/decorative" val="1"/>
+                <adec:decorative xmlns:adec="http://schemas.microsoft.com/office/drawing/2017/decorative" xmlns="" val="1"/>
               </a:ext>
             </a:extLst>
           </p:cNvPr>
@@ -23741,7 +23155,7 @@
           <p:nvPr>
             <p:extLst>
               <p:ext uri="{386F3935-93C4-4BCD-93E2-E3B085C9AB24}">
-                <p16:designElem xmlns:p16="http://schemas.microsoft.com/office/powerpoint/2015/main" val="1"/>
+                <p16:designElem xmlns:p16="http://schemas.microsoft.com/office/powerpoint/2015/main" xmlns="" val="1"/>
               </p:ext>
             </p:extLst>
           </p:nvPr>
@@ -23812,7 +23226,7 @@
           <p:cNvPr id="2" name="Title 1">
             <a:extLst>
               <a:ext uri="{FF2B5EF4-FFF2-40B4-BE49-F238E27FC236}">
-                <a16:creationId xmlns:a16="http://schemas.microsoft.com/office/drawing/2014/main" id="{A0B268A8-A72C-4737-84E8-60BF2279B7FD}"/>
+                <a16:creationId xmlns:a16="http://schemas.microsoft.com/office/drawing/2014/main" xmlns="" id="{A0B268A8-A72C-4737-84E8-60BF2279B7FD}"/>
               </a:ext>
             </a:extLst>
           </p:cNvPr>
@@ -23840,7 +23254,7 @@
           <p:cNvPr id="3" name="Content Placeholder 2">
             <a:extLst>
               <a:ext uri="{FF2B5EF4-FFF2-40B4-BE49-F238E27FC236}">
-                <a16:creationId xmlns:a16="http://schemas.microsoft.com/office/drawing/2014/main" id="{B8E511E5-8C11-43E6-BF32-6636DE8670C0}"/>
+                <a16:creationId xmlns:a16="http://schemas.microsoft.com/office/drawing/2014/main" xmlns="" id="{B8E511E5-8C11-43E6-BF32-6636DE8670C0}"/>
               </a:ext>
             </a:extLst>
           </p:cNvPr>
@@ -23923,7 +23337,7 @@
           <p:cNvPr id="5" name="Content Placeholder 4" descr="A screenshot of a cell phone&#10;&#10;Description automatically generated">
             <a:extLst>
               <a:ext uri="{FF2B5EF4-FFF2-40B4-BE49-F238E27FC236}">
-                <a16:creationId xmlns:a16="http://schemas.microsoft.com/office/drawing/2014/main" id="{0C620616-905A-4173-8A22-0BE0F1EFDA59}"/>
+                <a16:creationId xmlns:a16="http://schemas.microsoft.com/office/drawing/2014/main" xmlns="" id="{0C620616-905A-4173-8A22-0BE0F1EFDA59}"/>
               </a:ext>
             </a:extLst>
           </p:cNvPr>
@@ -23999,10 +23413,10 @@
           <p:cNvPr id="10" name="Rectangle 9">
             <a:extLst>
               <a:ext uri="{FF2B5EF4-FFF2-40B4-BE49-F238E27FC236}">
-                <a16:creationId xmlns:a16="http://schemas.microsoft.com/office/drawing/2014/main" id="{3B0DF90E-6BAD-4E82-8FDF-717C9A357378}"/>
+                <a16:creationId xmlns:a16="http://schemas.microsoft.com/office/drawing/2014/main" xmlns="" id="{3B0DF90E-6BAD-4E82-8FDF-717C9A357378}"/>
               </a:ext>
               <a:ext uri="{C183D7F6-B498-43B3-948B-1728B52AA6E4}">
-                <adec:decorative xmlns:adec="http://schemas.microsoft.com/office/drawing/2017/decorative" val="1"/>
+                <adec:decorative xmlns:adec="http://schemas.microsoft.com/office/drawing/2017/decorative" xmlns="" val="1"/>
               </a:ext>
             </a:extLst>
           </p:cNvPr>
@@ -24012,7 +23426,7 @@
           <p:nvPr>
             <p:extLst>
               <p:ext uri="{386F3935-93C4-4BCD-93E2-E3B085C9AB24}">
-                <p16:designElem xmlns:p16="http://schemas.microsoft.com/office/powerpoint/2015/main" val="1"/>
+                <p16:designElem xmlns:p16="http://schemas.microsoft.com/office/powerpoint/2015/main" xmlns="" val="1"/>
               </p:ext>
             </p:extLst>
           </p:nvPr>
@@ -24062,10 +23476,10 @@
           <p:cNvPr id="12" name="Freeform 13">
             <a:extLst>
               <a:ext uri="{FF2B5EF4-FFF2-40B4-BE49-F238E27FC236}">
-                <a16:creationId xmlns:a16="http://schemas.microsoft.com/office/drawing/2014/main" id="{13DCC859-0434-4BB8-B6C5-09C88AE698FB}"/>
+                <a16:creationId xmlns:a16="http://schemas.microsoft.com/office/drawing/2014/main" xmlns="" id="{13DCC859-0434-4BB8-B6C5-09C88AE698FB}"/>
               </a:ext>
               <a:ext uri="{C183D7F6-B498-43B3-948B-1728B52AA6E4}">
-                <adec:decorative xmlns:adec="http://schemas.microsoft.com/office/drawing/2017/decorative" val="1"/>
+                <adec:decorative xmlns:adec="http://schemas.microsoft.com/office/drawing/2017/decorative" xmlns="" val="1"/>
               </a:ext>
             </a:extLst>
           </p:cNvPr>
@@ -24075,7 +23489,7 @@
           <p:nvPr>
             <p:extLst>
               <p:ext uri="{386F3935-93C4-4BCD-93E2-E3B085C9AB24}">
-                <p16:designElem xmlns:p16="http://schemas.microsoft.com/office/powerpoint/2015/main" val="1"/>
+                <p16:designElem xmlns:p16="http://schemas.microsoft.com/office/powerpoint/2015/main" xmlns="" val="1"/>
               </p:ext>
             </p:extLst>
           </p:nvPr>
@@ -24170,10 +23584,10 @@
           <p:cNvPr id="14" name="Freeform 11">
             <a:extLst>
               <a:ext uri="{FF2B5EF4-FFF2-40B4-BE49-F238E27FC236}">
-                <a16:creationId xmlns:a16="http://schemas.microsoft.com/office/drawing/2014/main" id="{08E7ACFB-B791-4C23-8B17-013FEDC09A89}"/>
+                <a16:creationId xmlns:a16="http://schemas.microsoft.com/office/drawing/2014/main" xmlns="" id="{08E7ACFB-B791-4C23-8B17-013FEDC09A89}"/>
               </a:ext>
               <a:ext uri="{C183D7F6-B498-43B3-948B-1728B52AA6E4}">
-                <adec:decorative xmlns:adec="http://schemas.microsoft.com/office/drawing/2017/decorative" val="1"/>
+                <adec:decorative xmlns:adec="http://schemas.microsoft.com/office/drawing/2017/decorative" xmlns="" val="1"/>
               </a:ext>
             </a:extLst>
           </p:cNvPr>
@@ -24183,7 +23597,7 @@
           <p:nvPr>
             <p:extLst>
               <p:ext uri="{386F3935-93C4-4BCD-93E2-E3B085C9AB24}">
-                <p16:designElem xmlns:p16="http://schemas.microsoft.com/office/powerpoint/2015/main" val="1"/>
+                <p16:designElem xmlns:p16="http://schemas.microsoft.com/office/powerpoint/2015/main" xmlns="" val="1"/>
               </p:ext>
             </p:extLst>
           </p:nvPr>
@@ -24280,7 +23694,7 @@
           <p:cNvPr id="2" name="Title 1">
             <a:extLst>
               <a:ext uri="{FF2B5EF4-FFF2-40B4-BE49-F238E27FC236}">
-                <a16:creationId xmlns:a16="http://schemas.microsoft.com/office/drawing/2014/main" id="{952E195B-FC41-4528-A653-1291EE564475}"/>
+                <a16:creationId xmlns:a16="http://schemas.microsoft.com/office/drawing/2014/main" xmlns="" id="{952E195B-FC41-4528-A653-1291EE564475}"/>
               </a:ext>
             </a:extLst>
           </p:cNvPr>
@@ -24315,7 +23729,7 @@
           <p:cNvPr id="5" name="Content Placeholder 2">
             <a:extLst>
               <a:ext uri="{FF2B5EF4-FFF2-40B4-BE49-F238E27FC236}">
-                <a16:creationId xmlns:a16="http://schemas.microsoft.com/office/drawing/2014/main" id="{FBD25EC5-7BAA-47F1-B39E-DB3173F67669}"/>
+                <a16:creationId xmlns:a16="http://schemas.microsoft.com/office/drawing/2014/main" xmlns="" id="{FBD25EC5-7BAA-47F1-B39E-DB3173F67669}"/>
               </a:ext>
             </a:extLst>
           </p:cNvPr>
@@ -24386,10 +23800,10 @@
           <p:cNvPr id="9" name="Rectangle 8">
             <a:extLst>
               <a:ext uri="{FF2B5EF4-FFF2-40B4-BE49-F238E27FC236}">
-                <a16:creationId xmlns:a16="http://schemas.microsoft.com/office/drawing/2014/main" id="{23207CC6-EAA1-4BFF-A48A-DECAD8972717}"/>
+                <a16:creationId xmlns:a16="http://schemas.microsoft.com/office/drawing/2014/main" xmlns="" id="{23207CC6-EAA1-4BFF-A48A-DECAD8972717}"/>
               </a:ext>
               <a:ext uri="{C183D7F6-B498-43B3-948B-1728B52AA6E4}">
-                <adec:decorative xmlns:adec="http://schemas.microsoft.com/office/drawing/2017/decorative" val="1"/>
+                <adec:decorative xmlns:adec="http://schemas.microsoft.com/office/drawing/2017/decorative" xmlns="" val="1"/>
               </a:ext>
             </a:extLst>
           </p:cNvPr>
@@ -24399,7 +23813,7 @@
           <p:nvPr>
             <p:extLst>
               <p:ext uri="{386F3935-93C4-4BCD-93E2-E3B085C9AB24}">
-                <p16:designElem xmlns:p16="http://schemas.microsoft.com/office/powerpoint/2015/main" val="1"/>
+                <p16:designElem xmlns:p16="http://schemas.microsoft.com/office/powerpoint/2015/main" xmlns="" val="1"/>
               </p:ext>
             </p:extLst>
           </p:nvPr>
@@ -24451,10 +23865,10 @@
           <p:cNvPr id="11" name="Freeform 3">
             <a:extLst>
               <a:ext uri="{FF2B5EF4-FFF2-40B4-BE49-F238E27FC236}">
-                <a16:creationId xmlns:a16="http://schemas.microsoft.com/office/drawing/2014/main" id="{B234A3DD-923D-4166-8B19-7DD589908C68}"/>
+                <a16:creationId xmlns:a16="http://schemas.microsoft.com/office/drawing/2014/main" xmlns="" id="{B234A3DD-923D-4166-8B19-7DD589908C68}"/>
               </a:ext>
               <a:ext uri="{C183D7F6-B498-43B3-948B-1728B52AA6E4}">
-                <adec:decorative xmlns:adec="http://schemas.microsoft.com/office/drawing/2017/decorative" val="1"/>
+                <adec:decorative xmlns:adec="http://schemas.microsoft.com/office/drawing/2017/decorative" xmlns="" val="1"/>
               </a:ext>
             </a:extLst>
           </p:cNvPr>
@@ -24464,7 +23878,7 @@
           <p:nvPr>
             <p:extLst>
               <p:ext uri="{386F3935-93C4-4BCD-93E2-E3B085C9AB24}">
-                <p16:designElem xmlns:p16="http://schemas.microsoft.com/office/powerpoint/2015/main" val="1"/>
+                <p16:designElem xmlns:p16="http://schemas.microsoft.com/office/powerpoint/2015/main" xmlns="" val="1"/>
               </p:ext>
             </p:extLst>
           </p:nvPr>
@@ -24593,10 +24007,10 @@
           <p:cNvPr id="13" name="Freeform 16">
             <a:extLst>
               <a:ext uri="{FF2B5EF4-FFF2-40B4-BE49-F238E27FC236}">
-                <a16:creationId xmlns:a16="http://schemas.microsoft.com/office/drawing/2014/main" id="{F6ACA5AC-3C5D-4994-B40F-FC8349E4D6F4}"/>
+                <a16:creationId xmlns:a16="http://schemas.microsoft.com/office/drawing/2014/main" xmlns="" id="{F6ACA5AC-3C5D-4994-B40F-FC8349E4D6F4}"/>
               </a:ext>
               <a:ext uri="{C183D7F6-B498-43B3-948B-1728B52AA6E4}">
-                <adec:decorative xmlns:adec="http://schemas.microsoft.com/office/drawing/2017/decorative" val="1"/>
+                <adec:decorative xmlns:adec="http://schemas.microsoft.com/office/drawing/2017/decorative" xmlns="" val="1"/>
               </a:ext>
             </a:extLst>
           </p:cNvPr>
@@ -24606,7 +24020,7 @@
           <p:nvPr>
             <p:extLst>
               <p:ext uri="{386F3935-93C4-4BCD-93E2-E3B085C9AB24}">
-                <p16:designElem xmlns:p16="http://schemas.microsoft.com/office/powerpoint/2015/main" val="1"/>
+                <p16:designElem xmlns:p16="http://schemas.microsoft.com/office/powerpoint/2015/main" xmlns="" val="1"/>
               </p:ext>
             </p:extLst>
           </p:nvPr>
@@ -24750,7 +24164,7 @@
           <p:cNvPr id="2" name="Title 1">
             <a:extLst>
               <a:ext uri="{FF2B5EF4-FFF2-40B4-BE49-F238E27FC236}">
-                <a16:creationId xmlns:a16="http://schemas.microsoft.com/office/drawing/2014/main" id="{91A00BFE-4F5D-4B04-914B-F4A4E09628A7}"/>
+                <a16:creationId xmlns:a16="http://schemas.microsoft.com/office/drawing/2014/main" xmlns="" id="{91A00BFE-4F5D-4B04-914B-F4A4E09628A7}"/>
               </a:ext>
             </a:extLst>
           </p:cNvPr>
@@ -24793,7 +24207,7 @@
           <p:cNvPr id="4" name="Text Placeholder 3">
             <a:extLst>
               <a:ext uri="{FF2B5EF4-FFF2-40B4-BE49-F238E27FC236}">
-                <a16:creationId xmlns:a16="http://schemas.microsoft.com/office/drawing/2014/main" id="{8E79B448-7C2F-4D58-969E-1F1C3CD7EEA4}"/>
+                <a16:creationId xmlns:a16="http://schemas.microsoft.com/office/drawing/2014/main" xmlns="" id="{8E79B448-7C2F-4D58-969E-1F1C3CD7EEA4}"/>
               </a:ext>
             </a:extLst>
           </p:cNvPr>
@@ -24867,7 +24281,7 @@
           <p:cNvPr id="4" name="Title 3">
             <a:extLst>
               <a:ext uri="{FF2B5EF4-FFF2-40B4-BE49-F238E27FC236}">
-                <a16:creationId xmlns:a16="http://schemas.microsoft.com/office/drawing/2014/main" id="{19CE5BE5-F3FD-4C87-A14B-1CAE1A736FB6}"/>
+                <a16:creationId xmlns:a16="http://schemas.microsoft.com/office/drawing/2014/main" xmlns="" id="{19CE5BE5-F3FD-4C87-A14B-1CAE1A736FB6}"/>
               </a:ext>
             </a:extLst>
           </p:cNvPr>
@@ -24895,7 +24309,7 @@
           <p:cNvPr id="8" name="Rectangle 3">
             <a:extLst>
               <a:ext uri="{FF2B5EF4-FFF2-40B4-BE49-F238E27FC236}">
-                <a16:creationId xmlns:a16="http://schemas.microsoft.com/office/drawing/2014/main" id="{30B742B8-42C0-41A6-95A9-CBE7AA013514}"/>
+                <a16:creationId xmlns:a16="http://schemas.microsoft.com/office/drawing/2014/main" xmlns="" id="{30B742B8-42C0-41A6-95A9-CBE7AA013514}"/>
               </a:ext>
             </a:extLst>
           </p:cNvPr>
@@ -24994,6 +24408,20 @@
               </a:rPr>
               <a:t>contextmanager</a:t>
             </a:r>
+            <a:r>
+              <a:rPr kumimoji="0" lang="en-US" altLang="en-US" b="0" i="0" u="none" strike="noStrike" cap="none" normalizeH="0" baseline="0" dirty="0">
+                <a:ln>
+                  <a:noFill/>
+                </a:ln>
+                <a:solidFill>
+                  <a:srgbClr val="BBB529"/>
+                </a:solidFill>
+                <a:effectLst/>
+                <a:latin typeface="Courier New" panose="02070309020205020404" pitchFamily="49" charset="0"/>
+                <a:cs typeface="Courier New" panose="02070309020205020404" pitchFamily="49" charset="0"/>
+              </a:rPr>
+              <a:t/>
+            </a:r>
             <a:br>
               <a:rPr kumimoji="0" lang="en-US" altLang="en-US" b="0" i="0" u="none" strike="noStrike" cap="none" normalizeH="0" baseline="0" dirty="0">
                 <a:ln>
@@ -25491,6 +24919,20 @@
                 <a:cs typeface="Courier New" panose="02070309020205020404" pitchFamily="49" charset="0"/>
               </a:rPr>
             </a:br>
+            <a:r>
+              <a:rPr kumimoji="0" lang="en-US" altLang="en-US" b="0" i="0" u="none" strike="noStrike" cap="none" normalizeH="0" baseline="0" dirty="0">
+                <a:ln>
+                  <a:noFill/>
+                </a:ln>
+                <a:solidFill>
+                  <a:srgbClr val="A9B7C6"/>
+                </a:solidFill>
+                <a:effectLst/>
+                <a:latin typeface="Courier New" panose="02070309020205020404" pitchFamily="49" charset="0"/>
+                <a:cs typeface="Courier New" panose="02070309020205020404" pitchFamily="49" charset="0"/>
+              </a:rPr>
+              <a:t/>
+            </a:r>
             <a:br>
               <a:rPr kumimoji="0" lang="en-US" altLang="en-US" b="0" i="0" u="none" strike="noStrike" cap="none" normalizeH="0" baseline="0" dirty="0">
                 <a:ln>
@@ -25684,6 +25126,20 @@
                 <a:cs typeface="Courier New" panose="02070309020205020404" pitchFamily="49" charset="0"/>
               </a:rPr>
             </a:br>
+            <a:r>
+              <a:rPr kumimoji="0" lang="en-US" altLang="en-US" b="0" i="0" u="none" strike="noStrike" cap="none" normalizeH="0" baseline="0" dirty="0">
+                <a:ln>
+                  <a:noFill/>
+                </a:ln>
+                <a:solidFill>
+                  <a:srgbClr val="A9B7C6"/>
+                </a:solidFill>
+                <a:effectLst/>
+                <a:latin typeface="Courier New" panose="02070309020205020404" pitchFamily="49" charset="0"/>
+                <a:cs typeface="Courier New" panose="02070309020205020404" pitchFamily="49" charset="0"/>
+              </a:rPr>
+              <a:t/>
+            </a:r>
             <a:br>
               <a:rPr kumimoji="0" lang="en-US" altLang="en-US" b="0" i="0" u="none" strike="noStrike" cap="none" normalizeH="0" baseline="0" dirty="0">
                 <a:ln>
@@ -25877,6 +25333,20 @@
                 <a:cs typeface="Courier New" panose="02070309020205020404" pitchFamily="49" charset="0"/>
               </a:rPr>
             </a:br>
+            <a:r>
+              <a:rPr kumimoji="0" lang="en-US" altLang="en-US" b="0" i="0" u="none" strike="noStrike" cap="none" normalizeH="0" baseline="0" dirty="0">
+                <a:ln>
+                  <a:noFill/>
+                </a:ln>
+                <a:solidFill>
+                  <a:srgbClr val="A9B7C6"/>
+                </a:solidFill>
+                <a:effectLst/>
+                <a:latin typeface="Courier New" panose="02070309020205020404" pitchFamily="49" charset="0"/>
+                <a:cs typeface="Courier New" panose="02070309020205020404" pitchFamily="49" charset="0"/>
+              </a:rPr>
+              <a:t/>
+            </a:r>
             <a:br>
               <a:rPr kumimoji="0" lang="en-US" altLang="en-US" b="0" i="0" u="none" strike="noStrike" cap="none" normalizeH="0" baseline="0" dirty="0">
                 <a:ln>
@@ -25945,6 +25415,20 @@
                 <a:cs typeface="Courier New" panose="02070309020205020404" pitchFamily="49" charset="0"/>
               </a:rPr>
             </a:br>
+            <a:r>
+              <a:rPr kumimoji="0" lang="en-US" altLang="en-US" b="0" i="0" u="none" strike="noStrike" cap="none" normalizeH="0" baseline="0" dirty="0">
+                <a:ln>
+                  <a:noFill/>
+                </a:ln>
+                <a:solidFill>
+                  <a:srgbClr val="A9B7C6"/>
+                </a:solidFill>
+                <a:effectLst/>
+                <a:latin typeface="Courier New" panose="02070309020205020404" pitchFamily="49" charset="0"/>
+                <a:cs typeface="Courier New" panose="02070309020205020404" pitchFamily="49" charset="0"/>
+              </a:rPr>
+              <a:t/>
+            </a:r>
             <a:br>
               <a:rPr kumimoji="0" lang="en-US" altLang="en-US" b="0" i="0" u="none" strike="noStrike" cap="none" normalizeH="0" baseline="0" dirty="0">
                 <a:ln>
@@ -26153,10 +25637,10 @@
           <p:cNvPr id="10" name="Rectangle 9">
             <a:extLst>
               <a:ext uri="{FF2B5EF4-FFF2-40B4-BE49-F238E27FC236}">
-                <a16:creationId xmlns:a16="http://schemas.microsoft.com/office/drawing/2014/main" id="{2A8AA5BC-4F7A-4226-8F99-6D824B226A97}"/>
+                <a16:creationId xmlns:a16="http://schemas.microsoft.com/office/drawing/2014/main" xmlns="" id="{2A8AA5BC-4F7A-4226-8F99-6D824B226A97}"/>
               </a:ext>
               <a:ext uri="{C183D7F6-B498-43B3-948B-1728B52AA6E4}">
-                <adec:decorative xmlns:adec="http://schemas.microsoft.com/office/drawing/2017/decorative" val="1"/>
+                <adec:decorative xmlns:adec="http://schemas.microsoft.com/office/drawing/2017/decorative" xmlns="" val="1"/>
               </a:ext>
             </a:extLst>
           </p:cNvPr>
@@ -26166,7 +25650,7 @@
           <p:nvPr>
             <p:extLst>
               <p:ext uri="{386F3935-93C4-4BCD-93E2-E3B085C9AB24}">
-                <p16:designElem xmlns:p16="http://schemas.microsoft.com/office/powerpoint/2015/main" val="1"/>
+                <p16:designElem xmlns:p16="http://schemas.microsoft.com/office/powerpoint/2015/main" xmlns="" val="1"/>
               </p:ext>
             </p:extLst>
           </p:nvPr>
@@ -26216,10 +25700,10 @@
           <p:cNvPr id="12" name="Rectangle 11">
             <a:extLst>
               <a:ext uri="{FF2B5EF4-FFF2-40B4-BE49-F238E27FC236}">
-                <a16:creationId xmlns:a16="http://schemas.microsoft.com/office/drawing/2014/main" id="{3E5445C6-DD42-4979-86FF-03730E8C6DB0}"/>
+                <a16:creationId xmlns:a16="http://schemas.microsoft.com/office/drawing/2014/main" xmlns="" id="{3E5445C6-DD42-4979-86FF-03730E8C6DB0}"/>
               </a:ext>
               <a:ext uri="{C183D7F6-B498-43B3-948B-1728B52AA6E4}">
-                <adec:decorative xmlns:adec="http://schemas.microsoft.com/office/drawing/2017/decorative" val="1"/>
+                <adec:decorative xmlns:adec="http://schemas.microsoft.com/office/drawing/2017/decorative" xmlns="" val="1"/>
               </a:ext>
             </a:extLst>
           </p:cNvPr>
@@ -26229,7 +25713,7 @@
           <p:nvPr>
             <p:extLst>
               <p:ext uri="{386F3935-93C4-4BCD-93E2-E3B085C9AB24}">
-                <p16:designElem xmlns:p16="http://schemas.microsoft.com/office/powerpoint/2015/main" val="1"/>
+                <p16:designElem xmlns:p16="http://schemas.microsoft.com/office/powerpoint/2015/main" xmlns="" val="1"/>
               </p:ext>
             </p:extLst>
           </p:nvPr>
@@ -26287,7 +25771,7 @@
           <p:cNvPr id="2" name="Title 1">
             <a:extLst>
               <a:ext uri="{FF2B5EF4-FFF2-40B4-BE49-F238E27FC236}">
-                <a16:creationId xmlns:a16="http://schemas.microsoft.com/office/drawing/2014/main" id="{1C938B79-97BF-47CF-992E-869CD21FFD35}"/>
+                <a16:creationId xmlns:a16="http://schemas.microsoft.com/office/drawing/2014/main" xmlns="" id="{1C938B79-97BF-47CF-992E-869CD21FFD35}"/>
               </a:ext>
             </a:extLst>
           </p:cNvPr>
@@ -26330,7 +25814,7 @@
           <p:cNvPr id="5" name="Text Placeholder 4">
             <a:extLst>
               <a:ext uri="{FF2B5EF4-FFF2-40B4-BE49-F238E27FC236}">
-                <a16:creationId xmlns:a16="http://schemas.microsoft.com/office/drawing/2014/main" id="{20E52BC4-9654-4CD0-9642-9C7AB624E5FC}"/>
+                <a16:creationId xmlns:a16="http://schemas.microsoft.com/office/drawing/2014/main" xmlns="" id="{20E52BC4-9654-4CD0-9642-9C7AB624E5FC}"/>
               </a:ext>
             </a:extLst>
           </p:cNvPr>
@@ -26377,10 +25861,10 @@
           <p:cNvPr id="14" name="Straight Connector 13">
             <a:extLst>
               <a:ext uri="{FF2B5EF4-FFF2-40B4-BE49-F238E27FC236}">
-                <a16:creationId xmlns:a16="http://schemas.microsoft.com/office/drawing/2014/main" id="{45000665-DFC7-417E-8FD7-516A0F15C975}"/>
+                <a16:creationId xmlns:a16="http://schemas.microsoft.com/office/drawing/2014/main" xmlns="" id="{45000665-DFC7-417E-8FD7-516A0F15C975}"/>
               </a:ext>
               <a:ext uri="{C183D7F6-B498-43B3-948B-1728B52AA6E4}">
-                <adec:decorative xmlns:adec="http://schemas.microsoft.com/office/drawing/2017/decorative" val="1"/>
+                <adec:decorative xmlns:adec="http://schemas.microsoft.com/office/drawing/2017/decorative" xmlns="" val="1"/>
               </a:ext>
             </a:extLst>
           </p:cNvPr>
@@ -26390,7 +25874,7 @@
           <p:nvPr>
             <p:extLst>
               <p:ext uri="{386F3935-93C4-4BCD-93E2-E3B085C9AB24}">
-                <p16:designElem xmlns:p16="http://schemas.microsoft.com/office/powerpoint/2015/main" val="1"/>
+                <p16:designElem xmlns:p16="http://schemas.microsoft.com/office/powerpoint/2015/main" xmlns="" val="1"/>
               </p:ext>
             </p:extLst>
           </p:nvPr>
@@ -26461,7 +25945,7 @@
           <p:cNvPr id="2" name="Title 1">
             <a:extLst>
               <a:ext uri="{FF2B5EF4-FFF2-40B4-BE49-F238E27FC236}">
-                <a16:creationId xmlns:a16="http://schemas.microsoft.com/office/drawing/2014/main" id="{97551541-ABFB-4759-AE01-FA3169BED6F7}"/>
+                <a16:creationId xmlns:a16="http://schemas.microsoft.com/office/drawing/2014/main" xmlns="" id="{97551541-ABFB-4759-AE01-FA3169BED6F7}"/>
               </a:ext>
             </a:extLst>
           </p:cNvPr>
@@ -26489,7 +25973,7 @@
           <p:cNvPr id="3" name="Content Placeholder 2">
             <a:extLst>
               <a:ext uri="{FF2B5EF4-FFF2-40B4-BE49-F238E27FC236}">
-                <a16:creationId xmlns:a16="http://schemas.microsoft.com/office/drawing/2014/main" id="{B0C538DF-22F3-4DF4-9CF3-D9E640470939}"/>
+                <a16:creationId xmlns:a16="http://schemas.microsoft.com/office/drawing/2014/main" xmlns="" id="{B0C538DF-22F3-4DF4-9CF3-D9E640470939}"/>
               </a:ext>
             </a:extLst>
           </p:cNvPr>
@@ -26544,7 +26028,7 @@
           <p:cNvPr id="2" name="Title 1">
             <a:extLst>
               <a:ext uri="{FF2B5EF4-FFF2-40B4-BE49-F238E27FC236}">
-                <a16:creationId xmlns:a16="http://schemas.microsoft.com/office/drawing/2014/main" id="{AE506A4F-0D49-4980-8090-858D92BC6945}"/>
+                <a16:creationId xmlns:a16="http://schemas.microsoft.com/office/drawing/2014/main" xmlns="" id="{AE506A4F-0D49-4980-8090-858D92BC6945}"/>
               </a:ext>
             </a:extLst>
           </p:cNvPr>
@@ -26572,7 +26056,7 @@
           <p:cNvPr id="3" name="Content Placeholder 2">
             <a:extLst>
               <a:ext uri="{FF2B5EF4-FFF2-40B4-BE49-F238E27FC236}">
-                <a16:creationId xmlns:a16="http://schemas.microsoft.com/office/drawing/2014/main" id="{747CEBF4-294E-482B-A1EA-56E3CC9FF4DC}"/>
+                <a16:creationId xmlns:a16="http://schemas.microsoft.com/office/drawing/2014/main" xmlns="" id="{747CEBF4-294E-482B-A1EA-56E3CC9FF4DC}"/>
               </a:ext>
             </a:extLst>
           </p:cNvPr>

--- a/raw socket & libpcap & icmp.pptx
+++ b/raw socket & libpcap & icmp.pptx
@@ -5,7 +5,7 @@
     <p:sldMasterId id="2147483912" r:id="rId1"/>
   </p:sldMasterIdLst>
   <p:notesMasterIdLst>
-    <p:notesMasterId r:id="rId30"/>
+    <p:notesMasterId r:id="rId32"/>
   </p:notesMasterIdLst>
   <p:sldIdLst>
     <p:sldId id="256" r:id="rId2"/>
@@ -20,22 +20,24 @@
     <p:sldId id="263" r:id="rId11"/>
     <p:sldId id="257" r:id="rId12"/>
     <p:sldId id="265" r:id="rId13"/>
-    <p:sldId id="258" r:id="rId14"/>
-    <p:sldId id="281" r:id="rId15"/>
-    <p:sldId id="266" r:id="rId16"/>
-    <p:sldId id="282" r:id="rId17"/>
-    <p:sldId id="275" r:id="rId18"/>
-    <p:sldId id="267" r:id="rId19"/>
-    <p:sldId id="270" r:id="rId20"/>
-    <p:sldId id="271" r:id="rId21"/>
-    <p:sldId id="268" r:id="rId22"/>
-    <p:sldId id="269" r:id="rId23"/>
-    <p:sldId id="274" r:id="rId24"/>
-    <p:sldId id="273" r:id="rId25"/>
-    <p:sldId id="283" r:id="rId26"/>
-    <p:sldId id="284" r:id="rId27"/>
-    <p:sldId id="285" r:id="rId28"/>
-    <p:sldId id="264" r:id="rId29"/>
+    <p:sldId id="287" r:id="rId14"/>
+    <p:sldId id="288" r:id="rId15"/>
+    <p:sldId id="258" r:id="rId16"/>
+    <p:sldId id="281" r:id="rId17"/>
+    <p:sldId id="266" r:id="rId18"/>
+    <p:sldId id="282" r:id="rId19"/>
+    <p:sldId id="275" r:id="rId20"/>
+    <p:sldId id="267" r:id="rId21"/>
+    <p:sldId id="270" r:id="rId22"/>
+    <p:sldId id="271" r:id="rId23"/>
+    <p:sldId id="268" r:id="rId24"/>
+    <p:sldId id="269" r:id="rId25"/>
+    <p:sldId id="274" r:id="rId26"/>
+    <p:sldId id="273" r:id="rId27"/>
+    <p:sldId id="283" r:id="rId28"/>
+    <p:sldId id="284" r:id="rId29"/>
+    <p:sldId id="285" r:id="rId30"/>
+    <p:sldId id="264" r:id="rId31"/>
   </p:sldIdLst>
   <p:sldSz cx="9144000" cy="6858000" type="screen4x3"/>
   <p:notesSz cx="6858000" cy="9144000"/>
@@ -9001,7 +9003,7 @@
           <a:p>
             <a:fld id="{D3297766-9344-447B-B0C3-4686C67AD1D9}" type="slidenum">
               <a:rPr lang="en-US" smtClean="0"/>
-              <a:t>16</a:t>
+              <a:t>18</a:t>
             </a:fld>
             <a:endParaRPr lang="en-US"/>
           </a:p>
@@ -9195,7 +9197,7 @@
           <a:p>
             <a:fld id="{6D084E41-7B09-4E6C-ABCD-01DD1091CFB9}" type="slidenum">
               <a:rPr lang="en-US" smtClean="0"/>
-              <a:t>17</a:t>
+              <a:t>19</a:t>
             </a:fld>
             <a:endParaRPr lang="en-US"/>
           </a:p>
@@ -9359,7 +9361,7 @@
           <a:p>
             <a:fld id="{6D084E41-7B09-4E6C-ABCD-01DD1091CFB9}" type="slidenum">
               <a:rPr lang="en-US" smtClean="0"/>
-              <a:t>18</a:t>
+              <a:t>20</a:t>
             </a:fld>
             <a:endParaRPr lang="en-US"/>
           </a:p>
@@ -9615,7 +9617,7 @@
           <a:p>
             <a:fld id="{6D084E41-7B09-4E6C-ABCD-01DD1091CFB9}" type="slidenum">
               <a:rPr lang="en-US" smtClean="0"/>
-              <a:t>19</a:t>
+              <a:t>21</a:t>
             </a:fld>
             <a:endParaRPr lang="en-US"/>
           </a:p>
@@ -9859,7 +9861,7 @@
           <a:p>
             <a:fld id="{6D084E41-7B09-4E6C-ABCD-01DD1091CFB9}" type="slidenum">
               <a:rPr lang="en-US" smtClean="0"/>
-              <a:t>20</a:t>
+              <a:t>22</a:t>
             </a:fld>
             <a:endParaRPr lang="en-US"/>
           </a:p>
@@ -9984,7 +9986,7 @@
           <a:p>
             <a:fld id="{6D084E41-7B09-4E6C-ABCD-01DD1091CFB9}" type="slidenum">
               <a:rPr lang="en-US" smtClean="0"/>
-              <a:t>21</a:t>
+              <a:t>23</a:t>
             </a:fld>
             <a:endParaRPr lang="en-US"/>
           </a:p>
@@ -10090,7 +10092,7 @@
           <a:p>
             <a:fld id="{6D084E41-7B09-4E6C-ABCD-01DD1091CFB9}" type="slidenum">
               <a:rPr lang="en-US" smtClean="0"/>
-              <a:t>22</a:t>
+              <a:t>24</a:t>
             </a:fld>
             <a:endParaRPr lang="en-US"/>
           </a:p>
@@ -10304,7 +10306,7 @@
           <a:p>
             <a:fld id="{D3297766-9344-447B-B0C3-4686C67AD1D9}" type="slidenum">
               <a:rPr lang="en-US" smtClean="0"/>
-              <a:t>23</a:t>
+              <a:t>25</a:t>
             </a:fld>
             <a:endParaRPr lang="en-US"/>
           </a:p>
@@ -10432,7 +10434,7 @@
           <a:p>
             <a:fld id="{D3297766-9344-447B-B0C3-4686C67AD1D9}" type="slidenum">
               <a:rPr lang="en-US" smtClean="0"/>
-              <a:t>24</a:t>
+              <a:t>26</a:t>
             </a:fld>
             <a:endParaRPr lang="en-US"/>
           </a:p>
@@ -13892,7 +13894,7 @@
         <p:spPr/>
         <p:txBody>
           <a:bodyPr>
-            <a:normAutofit lnSpcReduction="10000"/>
+            <a:normAutofit fontScale="85000" lnSpcReduction="20000"/>
           </a:bodyPr>
           <a:lstStyle/>
           <a:p>
@@ -13901,8 +13903,12 @@
               <a:buChar char="•"/>
             </a:pPr>
             <a:r>
+              <a:rPr lang="en-US" dirty="0"/>
+              <a:t>I</a:t>
+            </a:r>
+            <a:r>
               <a:rPr lang="en-US" dirty="0" smtClean="0"/>
-              <a:t>Code</a:t>
+              <a:t>ntroduction</a:t>
             </a:r>
           </a:p>
           <a:p>
@@ -13912,7 +13918,7 @@
             </a:pPr>
             <a:r>
               <a:rPr lang="en-US" dirty="0" smtClean="0"/>
-              <a:t>Sniffing</a:t>
+              <a:t>Code</a:t>
             </a:r>
           </a:p>
           <a:p>
@@ -13922,7 +13928,7 @@
             </a:pPr>
             <a:r>
               <a:rPr lang="en-US" dirty="0" smtClean="0"/>
-              <a:t>Sniffing on a loop</a:t>
+              <a:t>Sniffing</a:t>
             </a:r>
           </a:p>
           <a:p>
@@ -13932,7 +13938,7 @@
             </a:pPr>
             <a:r>
               <a:rPr lang="en-US" dirty="0" smtClean="0"/>
-              <a:t>Reading from a packet</a:t>
+              <a:t>Sniffing on a loop</a:t>
             </a:r>
           </a:p>
           <a:p>
@@ -13941,10 +13947,20 @@
               <a:buChar char="•"/>
             </a:pPr>
             <a:r>
-              <a:rPr lang="en-US" smtClean="0"/>
+              <a:rPr lang="en-US" dirty="0" smtClean="0"/>
+              <a:t>Reading from a packet</a:t>
+            </a:r>
+          </a:p>
+          <a:p>
+            <a:pPr marL="285750" indent="-285750" algn="l">
+              <a:buFont typeface="Arial" panose="020B0604020202020204" pitchFamily="34" charset="0"/>
+              <a:buChar char="•"/>
+            </a:pPr>
+            <a:r>
+              <a:rPr lang="en-US" dirty="0" smtClean="0"/>
               <a:t>filters</a:t>
             </a:r>
-            <a:endParaRPr lang="en-US"/>
+            <a:endParaRPr lang="en-US" dirty="0"/>
           </a:p>
         </p:txBody>
       </p:sp>
@@ -14001,8 +14017,9 @@
           <a:p>
             <a:r>
               <a:rPr lang="en-US" dirty="0"/>
-              <a:t>Overview</a:t>
-            </a:r>
+              <a:t>Introduction</a:t>
+            </a:r>
+            <a:endParaRPr lang="en-US" dirty="0"/>
           </a:p>
         </p:txBody>
       </p:sp>
@@ -14048,6 +14065,146 @@
 </file>
 
 <file path=ppt/slides/slide13.xml><?xml version="1.0" encoding="utf-8"?>
+<p:sld xmlns:a="http://schemas.openxmlformats.org/drawingml/2006/main" xmlns:r="http://schemas.openxmlformats.org/officeDocument/2006/relationships" xmlns:p="http://schemas.openxmlformats.org/presentationml/2006/main">
+  <p:cSld>
+    <p:spTree>
+      <p:nvGrpSpPr>
+        <p:cNvPr id="1" name=""/>
+        <p:cNvGrpSpPr/>
+        <p:nvPr/>
+      </p:nvGrpSpPr>
+      <p:grpSpPr>
+        <a:xfrm>
+          <a:off x="0" y="0"/>
+          <a:ext cx="0" cy="0"/>
+          <a:chOff x="0" y="0"/>
+          <a:chExt cx="0" cy="0"/>
+        </a:xfrm>
+      </p:grpSpPr>
+      <p:sp>
+        <p:nvSpPr>
+          <p:cNvPr id="2" name="Title 1"/>
+          <p:cNvSpPr>
+            <a:spLocks noGrp="1"/>
+          </p:cNvSpPr>
+          <p:nvPr>
+            <p:ph type="title"/>
+          </p:nvPr>
+        </p:nvSpPr>
+        <p:spPr/>
+        <p:txBody>
+          <a:bodyPr/>
+          <a:lstStyle/>
+          <a:p>
+            <a:r>
+              <a:rPr lang="en-US" dirty="0" smtClean="0"/>
+              <a:t>code</a:t>
+            </a:r>
+            <a:endParaRPr lang="en-US" dirty="0"/>
+          </a:p>
+        </p:txBody>
+      </p:sp>
+      <p:sp>
+        <p:nvSpPr>
+          <p:cNvPr id="3" name="Content Placeholder 2"/>
+          <p:cNvSpPr>
+            <a:spLocks noGrp="1"/>
+          </p:cNvSpPr>
+          <p:nvPr>
+            <p:ph idx="1"/>
+          </p:nvPr>
+        </p:nvSpPr>
+        <p:spPr/>
+        <p:txBody>
+          <a:bodyPr/>
+          <a:lstStyle/>
+          <a:p>
+            <a:endParaRPr lang="en-US"/>
+          </a:p>
+        </p:txBody>
+      </p:sp>
+    </p:spTree>
+    <p:extLst>
+      <p:ext uri="{BB962C8B-B14F-4D97-AF65-F5344CB8AC3E}">
+        <p14:creationId xmlns:p14="http://schemas.microsoft.com/office/powerpoint/2010/main" val="2825760790"/>
+      </p:ext>
+    </p:extLst>
+  </p:cSld>
+  <p:clrMapOvr>
+    <a:masterClrMapping/>
+  </p:clrMapOvr>
+</p:sld>
+</file>
+
+<file path=ppt/slides/slide14.xml><?xml version="1.0" encoding="utf-8"?>
+<p:sld xmlns:a="http://schemas.openxmlformats.org/drawingml/2006/main" xmlns:r="http://schemas.openxmlformats.org/officeDocument/2006/relationships" xmlns:p="http://schemas.openxmlformats.org/presentationml/2006/main">
+  <p:cSld>
+    <p:spTree>
+      <p:nvGrpSpPr>
+        <p:cNvPr id="1" name=""/>
+        <p:cNvGrpSpPr/>
+        <p:nvPr/>
+      </p:nvGrpSpPr>
+      <p:grpSpPr>
+        <a:xfrm>
+          <a:off x="0" y="0"/>
+          <a:ext cx="0" cy="0"/>
+          <a:chOff x="0" y="0"/>
+          <a:chExt cx="0" cy="0"/>
+        </a:xfrm>
+      </p:grpSpPr>
+      <p:sp>
+        <p:nvSpPr>
+          <p:cNvPr id="2" name="Title 1"/>
+          <p:cNvSpPr>
+            <a:spLocks noGrp="1"/>
+          </p:cNvSpPr>
+          <p:nvPr>
+            <p:ph type="title"/>
+          </p:nvPr>
+        </p:nvSpPr>
+        <p:spPr/>
+        <p:txBody>
+          <a:bodyPr/>
+          <a:lstStyle/>
+          <a:p>
+            <a:endParaRPr lang="en-US"/>
+          </a:p>
+        </p:txBody>
+      </p:sp>
+      <p:sp>
+        <p:nvSpPr>
+          <p:cNvPr id="3" name="Content Placeholder 2"/>
+          <p:cNvSpPr>
+            <a:spLocks noGrp="1"/>
+          </p:cNvSpPr>
+          <p:nvPr>
+            <p:ph idx="1"/>
+          </p:nvPr>
+        </p:nvSpPr>
+        <p:spPr/>
+        <p:txBody>
+          <a:bodyPr/>
+          <a:lstStyle/>
+          <a:p>
+            <a:endParaRPr lang="en-US"/>
+          </a:p>
+        </p:txBody>
+      </p:sp>
+    </p:spTree>
+    <p:extLst>
+      <p:ext uri="{BB962C8B-B14F-4D97-AF65-F5344CB8AC3E}">
+        <p14:creationId xmlns:p14="http://schemas.microsoft.com/office/powerpoint/2010/main" val="1969918253"/>
+      </p:ext>
+    </p:extLst>
+  </p:cSld>
+  <p:clrMapOvr>
+    <a:masterClrMapping/>
+  </p:clrMapOvr>
+</p:sld>
+</file>
+
+<file path=ppt/slides/slide15.xml><?xml version="1.0" encoding="utf-8"?>
 <p:sld xmlns:a="http://schemas.openxmlformats.org/drawingml/2006/main" xmlns:r="http://schemas.openxmlformats.org/officeDocument/2006/relationships" xmlns:p="http://schemas.openxmlformats.org/presentationml/2006/main">
   <p:cSld>
     <p:spTree>
@@ -14130,7 +14287,7 @@
 </p:sld>
 </file>
 
-<file path=ppt/slides/slide14.xml><?xml version="1.0" encoding="utf-8"?>
+<file path=ppt/slides/slide16.xml><?xml version="1.0" encoding="utf-8"?>
 <p:sld xmlns:a="http://schemas.openxmlformats.org/drawingml/2006/main" xmlns:r="http://schemas.openxmlformats.org/officeDocument/2006/relationships" xmlns:p="http://schemas.openxmlformats.org/presentationml/2006/main">
   <p:cSld>
     <p:bg>
@@ -14516,7 +14673,7 @@
 </p:sld>
 </file>
 
-<file path=ppt/slides/slide15.xml><?xml version="1.0" encoding="utf-8"?>
+<file path=ppt/slides/slide17.xml><?xml version="1.0" encoding="utf-8"?>
 <p:sld xmlns:a="http://schemas.openxmlformats.org/drawingml/2006/main" xmlns:r="http://schemas.openxmlformats.org/officeDocument/2006/relationships" xmlns:p="http://schemas.openxmlformats.org/presentationml/2006/main">
   <p:cSld>
     <p:bg>
@@ -15159,7 +15316,7 @@
 </p:sld>
 </file>
 
-<file path=ppt/slides/slide16.xml><?xml version="1.0" encoding="utf-8"?>
+<file path=ppt/slides/slide18.xml><?xml version="1.0" encoding="utf-8"?>
 <p:sld xmlns:a="http://schemas.openxmlformats.org/drawingml/2006/main" xmlns:r="http://schemas.openxmlformats.org/officeDocument/2006/relationships" xmlns:p="http://schemas.openxmlformats.org/presentationml/2006/main">
   <p:cSld>
     <p:bg>
@@ -15495,7 +15652,7 @@
 </p:sld>
 </file>
 
-<file path=ppt/slides/slide17.xml><?xml version="1.0" encoding="utf-8"?>
+<file path=ppt/slides/slide19.xml><?xml version="1.0" encoding="utf-8"?>
 <p:sld xmlns:a="http://schemas.openxmlformats.org/drawingml/2006/main" xmlns:r="http://schemas.openxmlformats.org/officeDocument/2006/relationships" xmlns:p="http://schemas.openxmlformats.org/presentationml/2006/main">
   <p:cSld>
     <p:bg>
@@ -16321,7 +16478,392 @@
 </p:sld>
 </file>
 
-<file path=ppt/slides/slide18.xml><?xml version="1.0" encoding="utf-8"?>
+<file path=ppt/slides/slide2.xml><?xml version="1.0" encoding="utf-8"?>
+<p:sld xmlns:a="http://schemas.openxmlformats.org/drawingml/2006/main" xmlns:r="http://schemas.openxmlformats.org/officeDocument/2006/relationships" xmlns:p="http://schemas.openxmlformats.org/presentationml/2006/main">
+  <p:cSld>
+    <p:bg>
+      <p:bgPr>
+        <a:solidFill>
+          <a:srgbClr val="404040"/>
+        </a:solidFill>
+        <a:effectLst/>
+      </p:bgPr>
+    </p:bg>
+    <p:spTree>
+      <p:nvGrpSpPr>
+        <p:cNvPr id="1" name=""/>
+        <p:cNvGrpSpPr/>
+        <p:nvPr/>
+      </p:nvGrpSpPr>
+      <p:grpSpPr>
+        <a:xfrm>
+          <a:off x="0" y="0"/>
+          <a:ext cx="0" cy="0"/>
+          <a:chOff x="0" y="0"/>
+          <a:chExt cx="0" cy="0"/>
+        </a:xfrm>
+      </p:grpSpPr>
+      <p:sp>
+        <p:nvSpPr>
+          <p:cNvPr id="10" name="Rectangle 9">
+            <a:extLst>
+              <a:ext uri="{FF2B5EF4-FFF2-40B4-BE49-F238E27FC236}">
+                <a16:creationId xmlns:a16="http://schemas.microsoft.com/office/drawing/2014/main" xmlns="" id="{3B0DF90E-6BAD-4E82-8FDF-717C9A357378}"/>
+              </a:ext>
+              <a:ext uri="{C183D7F6-B498-43B3-948B-1728B52AA6E4}">
+                <adec:decorative xmlns:adec="http://schemas.microsoft.com/office/drawing/2017/decorative" xmlns="" val="1"/>
+              </a:ext>
+            </a:extLst>
+          </p:cNvPr>
+          <p:cNvSpPr>
+            <a:spLocks noGrp="1" noRot="1" noChangeAspect="1" noMove="1" noResize="1" noEditPoints="1" noAdjustHandles="1" noChangeArrowheads="1" noChangeShapeType="1" noTextEdit="1"/>
+          </p:cNvSpPr>
+          <p:nvPr>
+            <p:extLst>
+              <p:ext uri="{386F3935-93C4-4BCD-93E2-E3B085C9AB24}">
+                <p16:designElem xmlns:p16="http://schemas.microsoft.com/office/powerpoint/2015/main" xmlns="" val="1"/>
+              </p:ext>
+            </p:extLst>
+          </p:nvPr>
+        </p:nvSpPr>
+        <p:spPr>
+          <a:xfrm>
+            <a:off x="0" y="-3324"/>
+            <a:ext cx="9144000" cy="6861324"/>
+          </a:xfrm>
+          <a:prstGeom prst="rect">
+            <a:avLst/>
+          </a:prstGeom>
+          <a:solidFill>
+            <a:srgbClr val="404040"/>
+          </a:solidFill>
+          <a:ln>
+            <a:noFill/>
+          </a:ln>
+        </p:spPr>
+        <p:style>
+          <a:lnRef idx="2">
+            <a:schemeClr val="accent1">
+              <a:shade val="50000"/>
+            </a:schemeClr>
+          </a:lnRef>
+          <a:fillRef idx="1">
+            <a:schemeClr val="accent1"/>
+          </a:fillRef>
+          <a:effectRef idx="0">
+            <a:schemeClr val="accent1"/>
+          </a:effectRef>
+          <a:fontRef idx="minor">
+            <a:schemeClr val="lt1"/>
+          </a:fontRef>
+        </p:style>
+        <p:txBody>
+          <a:bodyPr rtlCol="0" anchor="ctr"/>
+          <a:lstStyle/>
+          <a:p>
+            <a:pPr algn="ctr"/>
+            <a:endParaRPr lang="en-US"/>
+          </a:p>
+        </p:txBody>
+      </p:sp>
+      <p:sp>
+        <p:nvSpPr>
+          <p:cNvPr id="12" name="Freeform 13">
+            <a:extLst>
+              <a:ext uri="{FF2B5EF4-FFF2-40B4-BE49-F238E27FC236}">
+                <a16:creationId xmlns:a16="http://schemas.microsoft.com/office/drawing/2014/main" xmlns="" id="{13DCC859-0434-4BB8-B6C5-09C88AE698FB}"/>
+              </a:ext>
+              <a:ext uri="{C183D7F6-B498-43B3-948B-1728B52AA6E4}">
+                <adec:decorative xmlns:adec="http://schemas.microsoft.com/office/drawing/2017/decorative" xmlns="" val="1"/>
+              </a:ext>
+            </a:extLst>
+          </p:cNvPr>
+          <p:cNvSpPr>
+            <a:spLocks noGrp="1" noRot="1" noChangeAspect="1" noMove="1" noResize="1" noEditPoints="1" noAdjustHandles="1" noChangeArrowheads="1" noChangeShapeType="1" noTextEdit="1"/>
+          </p:cNvSpPr>
+          <p:nvPr>
+            <p:extLst>
+              <p:ext uri="{386F3935-93C4-4BCD-93E2-E3B085C9AB24}">
+                <p16:designElem xmlns:p16="http://schemas.microsoft.com/office/powerpoint/2015/main" xmlns="" val="1"/>
+              </p:ext>
+            </p:extLst>
+          </p:nvPr>
+        </p:nvSpPr>
+        <p:spPr>
+          <a:xfrm>
+            <a:off x="0" y="0"/>
+            <a:ext cx="8840065" cy="6858000"/>
+          </a:xfrm>
+          <a:custGeom>
+            <a:avLst/>
+            <a:gdLst>
+              <a:gd name="connsiteX0" fmla="*/ 0 w 11786754"/>
+              <a:gd name="connsiteY0" fmla="*/ 0 h 6858000"/>
+              <a:gd name="connsiteX1" fmla="*/ 8610600 w 11786754"/>
+              <a:gd name="connsiteY1" fmla="*/ 0 h 6858000"/>
+              <a:gd name="connsiteX2" fmla="*/ 11786754 w 11786754"/>
+              <a:gd name="connsiteY2" fmla="*/ 6858000 h 6858000"/>
+              <a:gd name="connsiteX3" fmla="*/ 0 w 11786754"/>
+              <a:gd name="connsiteY3" fmla="*/ 6858000 h 6858000"/>
+            </a:gdLst>
+            <a:ahLst/>
+            <a:cxnLst>
+              <a:cxn ang="0">
+                <a:pos x="connsiteX0" y="connsiteY0"/>
+              </a:cxn>
+              <a:cxn ang="0">
+                <a:pos x="connsiteX1" y="connsiteY1"/>
+              </a:cxn>
+              <a:cxn ang="0">
+                <a:pos x="connsiteX2" y="connsiteY2"/>
+              </a:cxn>
+              <a:cxn ang="0">
+                <a:pos x="connsiteX3" y="connsiteY3"/>
+              </a:cxn>
+            </a:cxnLst>
+            <a:rect l="l" t="t" r="r" b="b"/>
+            <a:pathLst>
+              <a:path w="11786754" h="6858000">
+                <a:moveTo>
+                  <a:pt x="0" y="0"/>
+                </a:moveTo>
+                <a:lnTo>
+                  <a:pt x="8610600" y="0"/>
+                </a:lnTo>
+                <a:lnTo>
+                  <a:pt x="11786754" y="6858000"/>
+                </a:lnTo>
+                <a:lnTo>
+                  <a:pt x="0" y="6858000"/>
+                </a:lnTo>
+                <a:close/>
+              </a:path>
+            </a:pathLst>
+          </a:custGeom>
+          <a:solidFill>
+            <a:schemeClr val="bg1">
+              <a:alpha val="30000"/>
+            </a:schemeClr>
+          </a:solidFill>
+          <a:ln>
+            <a:noFill/>
+          </a:ln>
+        </p:spPr>
+        <p:style>
+          <a:lnRef idx="2">
+            <a:schemeClr val="accent1">
+              <a:shade val="50000"/>
+            </a:schemeClr>
+          </a:lnRef>
+          <a:fillRef idx="1">
+            <a:schemeClr val="accent1"/>
+          </a:fillRef>
+          <a:effectRef idx="0">
+            <a:schemeClr val="accent1"/>
+          </a:effectRef>
+          <a:fontRef idx="minor">
+            <a:schemeClr val="lt1"/>
+          </a:fontRef>
+        </p:style>
+        <p:txBody>
+          <a:bodyPr rtlCol="0" anchor="ctr"/>
+          <a:lstStyle/>
+          <a:p>
+            <a:pPr algn="ctr"/>
+            <a:endParaRPr lang="en-US"/>
+          </a:p>
+        </p:txBody>
+      </p:sp>
+      <p:sp>
+        <p:nvSpPr>
+          <p:cNvPr id="14" name="Freeform 11">
+            <a:extLst>
+              <a:ext uri="{FF2B5EF4-FFF2-40B4-BE49-F238E27FC236}">
+                <a16:creationId xmlns:a16="http://schemas.microsoft.com/office/drawing/2014/main" xmlns="" id="{08E7ACFB-B791-4C23-8B17-013FEDC09A89}"/>
+              </a:ext>
+              <a:ext uri="{C183D7F6-B498-43B3-948B-1728B52AA6E4}">
+                <adec:decorative xmlns:adec="http://schemas.microsoft.com/office/drawing/2017/decorative" xmlns="" val="1"/>
+              </a:ext>
+            </a:extLst>
+          </p:cNvPr>
+          <p:cNvSpPr>
+            <a:spLocks noGrp="1" noRot="1" noChangeAspect="1" noMove="1" noResize="1" noEditPoints="1" noAdjustHandles="1" noChangeArrowheads="1" noChangeShapeType="1" noTextEdit="1"/>
+          </p:cNvSpPr>
+          <p:nvPr>
+            <p:extLst>
+              <p:ext uri="{386F3935-93C4-4BCD-93E2-E3B085C9AB24}">
+                <p16:designElem xmlns:p16="http://schemas.microsoft.com/office/powerpoint/2015/main" xmlns="" val="1"/>
+              </p:ext>
+            </p:extLst>
+          </p:nvPr>
+        </p:nvSpPr>
+        <p:spPr>
+          <a:xfrm>
+            <a:off x="0" y="0"/>
+            <a:ext cx="2686050" cy="6858000"/>
+          </a:xfrm>
+          <a:custGeom>
+            <a:avLst/>
+            <a:gdLst>
+              <a:gd name="connsiteX0" fmla="*/ 0 w 3581400"/>
+              <a:gd name="connsiteY0" fmla="*/ 0 h 6858000"/>
+              <a:gd name="connsiteX1" fmla="*/ 405246 w 3581400"/>
+              <a:gd name="connsiteY1" fmla="*/ 0 h 6858000"/>
+              <a:gd name="connsiteX2" fmla="*/ 3581400 w 3581400"/>
+              <a:gd name="connsiteY2" fmla="*/ 6858000 h 6858000"/>
+              <a:gd name="connsiteX3" fmla="*/ 0 w 3581400"/>
+              <a:gd name="connsiteY3" fmla="*/ 6858000 h 6858000"/>
+            </a:gdLst>
+            <a:ahLst/>
+            <a:cxnLst>
+              <a:cxn ang="0">
+                <a:pos x="connsiteX0" y="connsiteY0"/>
+              </a:cxn>
+              <a:cxn ang="0">
+                <a:pos x="connsiteX1" y="connsiteY1"/>
+              </a:cxn>
+              <a:cxn ang="0">
+                <a:pos x="connsiteX2" y="connsiteY2"/>
+              </a:cxn>
+              <a:cxn ang="0">
+                <a:pos x="connsiteX3" y="connsiteY3"/>
+              </a:cxn>
+            </a:cxnLst>
+            <a:rect l="l" t="t" r="r" b="b"/>
+            <a:pathLst>
+              <a:path w="3581400" h="6858000">
+                <a:moveTo>
+                  <a:pt x="0" y="0"/>
+                </a:moveTo>
+                <a:lnTo>
+                  <a:pt x="405246" y="0"/>
+                </a:lnTo>
+                <a:lnTo>
+                  <a:pt x="3581400" y="6858000"/>
+                </a:lnTo>
+                <a:lnTo>
+                  <a:pt x="0" y="6858000"/>
+                </a:lnTo>
+                <a:close/>
+              </a:path>
+            </a:pathLst>
+          </a:custGeom>
+          <a:solidFill>
+            <a:schemeClr val="bg1">
+              <a:alpha val="30000"/>
+            </a:schemeClr>
+          </a:solidFill>
+          <a:ln>
+            <a:noFill/>
+          </a:ln>
+        </p:spPr>
+        <p:style>
+          <a:lnRef idx="2">
+            <a:schemeClr val="accent1">
+              <a:shade val="50000"/>
+            </a:schemeClr>
+          </a:lnRef>
+          <a:fillRef idx="1">
+            <a:schemeClr val="accent1"/>
+          </a:fillRef>
+          <a:effectRef idx="0">
+            <a:schemeClr val="accent1"/>
+          </a:effectRef>
+          <a:fontRef idx="minor">
+            <a:schemeClr val="lt1"/>
+          </a:fontRef>
+        </p:style>
+        <p:txBody>
+          <a:bodyPr wrap="square" rtlCol="0" anchor="ctr">
+            <a:noAutofit/>
+          </a:bodyPr>
+          <a:lstStyle/>
+          <a:p>
+            <a:pPr algn="ctr"/>
+            <a:endParaRPr lang="en-US"/>
+          </a:p>
+        </p:txBody>
+      </p:sp>
+      <p:sp>
+        <p:nvSpPr>
+          <p:cNvPr id="2" name="Title 1">
+            <a:extLst>
+              <a:ext uri="{FF2B5EF4-FFF2-40B4-BE49-F238E27FC236}">
+                <a16:creationId xmlns:a16="http://schemas.microsoft.com/office/drawing/2014/main" xmlns="" id="{54B005D2-63BE-4BF9-8056-71CEA2B081BD}"/>
+              </a:ext>
+            </a:extLst>
+          </p:cNvPr>
+          <p:cNvSpPr>
+            <a:spLocks noGrp="1"/>
+          </p:cNvSpPr>
+          <p:nvPr>
+            <p:ph type="title"/>
+          </p:nvPr>
+        </p:nvSpPr>
+        <p:spPr>
+          <a:xfrm>
+            <a:off x="624751" y="365125"/>
+            <a:ext cx="7890527" cy="1325563"/>
+          </a:xfrm>
+        </p:spPr>
+        <p:txBody>
+          <a:bodyPr>
+            <a:normAutofit/>
+          </a:bodyPr>
+          <a:lstStyle/>
+          <a:p>
+            <a:r>
+              <a:rPr lang="en-US" dirty="0"/>
+              <a:t>What Are Raw Sockets?</a:t>
+            </a:r>
+          </a:p>
+        </p:txBody>
+      </p:sp>
+      <p:graphicFrame>
+        <p:nvGraphicFramePr>
+          <p:cNvPr id="5" name="Content Placeholder 2">
+            <a:extLst>
+              <a:ext uri="{FF2B5EF4-FFF2-40B4-BE49-F238E27FC236}">
+                <a16:creationId xmlns:a16="http://schemas.microsoft.com/office/drawing/2014/main" xmlns="" id="{8CC2C9E4-F921-4AB6-99E6-E5DC8837A742}"/>
+              </a:ext>
+            </a:extLst>
+          </p:cNvPr>
+          <p:cNvGraphicFramePr>
+            <a:graphicFrameLocks noGrp="1"/>
+          </p:cNvGraphicFramePr>
+          <p:nvPr>
+            <p:ph idx="1"/>
+            <p:extLst>
+              <p:ext uri="{D42A27DB-BD31-4B8C-83A1-F6EECF244321}">
+                <p14:modId xmlns:p14="http://schemas.microsoft.com/office/powerpoint/2010/main" val="2301424978"/>
+              </p:ext>
+            </p:extLst>
+          </p:nvPr>
+        </p:nvGraphicFramePr>
+        <p:xfrm>
+          <a:off x="628650" y="2022475"/>
+          <a:ext cx="7886700" cy="4154488"/>
+        </p:xfrm>
+        <a:graphic>
+          <a:graphicData uri="http://schemas.openxmlformats.org/drawingml/2006/diagram">
+            <dgm:relIds xmlns:dgm="http://schemas.openxmlformats.org/drawingml/2006/diagram" xmlns:r="http://schemas.openxmlformats.org/officeDocument/2006/relationships" r:dm="rId2" r:lo="rId3" r:qs="rId4" r:cs="rId5"/>
+          </a:graphicData>
+        </a:graphic>
+      </p:graphicFrame>
+    </p:spTree>
+    <p:extLst>
+      <p:ext uri="{BB962C8B-B14F-4D97-AF65-F5344CB8AC3E}">
+        <p14:creationId xmlns:p14="http://schemas.microsoft.com/office/powerpoint/2010/main" val="3854014365"/>
+      </p:ext>
+    </p:extLst>
+  </p:cSld>
+  <p:clrMapOvr>
+    <a:overrideClrMapping bg1="dk1" tx1="lt1" bg2="dk2" tx2="lt2" accent1="accent1" accent2="accent2" accent3="accent3" accent4="accent4" accent5="accent5" accent6="accent6" hlink="hlink" folHlink="folHlink"/>
+  </p:clrMapOvr>
+</p:sld>
+</file>
+
+<file path=ppt/slides/slide20.xml><?xml version="1.0" encoding="utf-8"?>
 <p:sld xmlns:a="http://schemas.openxmlformats.org/drawingml/2006/main" xmlns:r="http://schemas.openxmlformats.org/officeDocument/2006/relationships" xmlns:p="http://schemas.openxmlformats.org/presentationml/2006/main">
   <p:cSld>
     <p:bg>
@@ -17048,7 +17590,7 @@
 </p:sld>
 </file>
 
-<file path=ppt/slides/slide19.xml><?xml version="1.0" encoding="utf-8"?>
+<file path=ppt/slides/slide21.xml><?xml version="1.0" encoding="utf-8"?>
 <p:sld xmlns:a="http://schemas.openxmlformats.org/drawingml/2006/main" xmlns:r="http://schemas.openxmlformats.org/officeDocument/2006/relationships" xmlns:p="http://schemas.openxmlformats.org/presentationml/2006/main">
   <p:cSld>
     <p:bg>
@@ -17819,392 +18361,7 @@
 </p:sld>
 </file>
 
-<file path=ppt/slides/slide2.xml><?xml version="1.0" encoding="utf-8"?>
-<p:sld xmlns:a="http://schemas.openxmlformats.org/drawingml/2006/main" xmlns:r="http://schemas.openxmlformats.org/officeDocument/2006/relationships" xmlns:p="http://schemas.openxmlformats.org/presentationml/2006/main">
-  <p:cSld>
-    <p:bg>
-      <p:bgPr>
-        <a:solidFill>
-          <a:srgbClr val="404040"/>
-        </a:solidFill>
-        <a:effectLst/>
-      </p:bgPr>
-    </p:bg>
-    <p:spTree>
-      <p:nvGrpSpPr>
-        <p:cNvPr id="1" name=""/>
-        <p:cNvGrpSpPr/>
-        <p:nvPr/>
-      </p:nvGrpSpPr>
-      <p:grpSpPr>
-        <a:xfrm>
-          <a:off x="0" y="0"/>
-          <a:ext cx="0" cy="0"/>
-          <a:chOff x="0" y="0"/>
-          <a:chExt cx="0" cy="0"/>
-        </a:xfrm>
-      </p:grpSpPr>
-      <p:sp>
-        <p:nvSpPr>
-          <p:cNvPr id="10" name="Rectangle 9">
-            <a:extLst>
-              <a:ext uri="{FF2B5EF4-FFF2-40B4-BE49-F238E27FC236}">
-                <a16:creationId xmlns:a16="http://schemas.microsoft.com/office/drawing/2014/main" xmlns="" id="{3B0DF90E-6BAD-4E82-8FDF-717C9A357378}"/>
-              </a:ext>
-              <a:ext uri="{C183D7F6-B498-43B3-948B-1728B52AA6E4}">
-                <adec:decorative xmlns:adec="http://schemas.microsoft.com/office/drawing/2017/decorative" xmlns="" val="1"/>
-              </a:ext>
-            </a:extLst>
-          </p:cNvPr>
-          <p:cNvSpPr>
-            <a:spLocks noGrp="1" noRot="1" noChangeAspect="1" noMove="1" noResize="1" noEditPoints="1" noAdjustHandles="1" noChangeArrowheads="1" noChangeShapeType="1" noTextEdit="1"/>
-          </p:cNvSpPr>
-          <p:nvPr>
-            <p:extLst>
-              <p:ext uri="{386F3935-93C4-4BCD-93E2-E3B085C9AB24}">
-                <p16:designElem xmlns:p16="http://schemas.microsoft.com/office/powerpoint/2015/main" xmlns="" val="1"/>
-              </p:ext>
-            </p:extLst>
-          </p:nvPr>
-        </p:nvSpPr>
-        <p:spPr>
-          <a:xfrm>
-            <a:off x="0" y="-3324"/>
-            <a:ext cx="9144000" cy="6861324"/>
-          </a:xfrm>
-          <a:prstGeom prst="rect">
-            <a:avLst/>
-          </a:prstGeom>
-          <a:solidFill>
-            <a:srgbClr val="404040"/>
-          </a:solidFill>
-          <a:ln>
-            <a:noFill/>
-          </a:ln>
-        </p:spPr>
-        <p:style>
-          <a:lnRef idx="2">
-            <a:schemeClr val="accent1">
-              <a:shade val="50000"/>
-            </a:schemeClr>
-          </a:lnRef>
-          <a:fillRef idx="1">
-            <a:schemeClr val="accent1"/>
-          </a:fillRef>
-          <a:effectRef idx="0">
-            <a:schemeClr val="accent1"/>
-          </a:effectRef>
-          <a:fontRef idx="minor">
-            <a:schemeClr val="lt1"/>
-          </a:fontRef>
-        </p:style>
-        <p:txBody>
-          <a:bodyPr rtlCol="0" anchor="ctr"/>
-          <a:lstStyle/>
-          <a:p>
-            <a:pPr algn="ctr"/>
-            <a:endParaRPr lang="en-US"/>
-          </a:p>
-        </p:txBody>
-      </p:sp>
-      <p:sp>
-        <p:nvSpPr>
-          <p:cNvPr id="12" name="Freeform 13">
-            <a:extLst>
-              <a:ext uri="{FF2B5EF4-FFF2-40B4-BE49-F238E27FC236}">
-                <a16:creationId xmlns:a16="http://schemas.microsoft.com/office/drawing/2014/main" xmlns="" id="{13DCC859-0434-4BB8-B6C5-09C88AE698FB}"/>
-              </a:ext>
-              <a:ext uri="{C183D7F6-B498-43B3-948B-1728B52AA6E4}">
-                <adec:decorative xmlns:adec="http://schemas.microsoft.com/office/drawing/2017/decorative" xmlns="" val="1"/>
-              </a:ext>
-            </a:extLst>
-          </p:cNvPr>
-          <p:cNvSpPr>
-            <a:spLocks noGrp="1" noRot="1" noChangeAspect="1" noMove="1" noResize="1" noEditPoints="1" noAdjustHandles="1" noChangeArrowheads="1" noChangeShapeType="1" noTextEdit="1"/>
-          </p:cNvSpPr>
-          <p:nvPr>
-            <p:extLst>
-              <p:ext uri="{386F3935-93C4-4BCD-93E2-E3B085C9AB24}">
-                <p16:designElem xmlns:p16="http://schemas.microsoft.com/office/powerpoint/2015/main" xmlns="" val="1"/>
-              </p:ext>
-            </p:extLst>
-          </p:nvPr>
-        </p:nvSpPr>
-        <p:spPr>
-          <a:xfrm>
-            <a:off x="0" y="0"/>
-            <a:ext cx="8840065" cy="6858000"/>
-          </a:xfrm>
-          <a:custGeom>
-            <a:avLst/>
-            <a:gdLst>
-              <a:gd name="connsiteX0" fmla="*/ 0 w 11786754"/>
-              <a:gd name="connsiteY0" fmla="*/ 0 h 6858000"/>
-              <a:gd name="connsiteX1" fmla="*/ 8610600 w 11786754"/>
-              <a:gd name="connsiteY1" fmla="*/ 0 h 6858000"/>
-              <a:gd name="connsiteX2" fmla="*/ 11786754 w 11786754"/>
-              <a:gd name="connsiteY2" fmla="*/ 6858000 h 6858000"/>
-              <a:gd name="connsiteX3" fmla="*/ 0 w 11786754"/>
-              <a:gd name="connsiteY3" fmla="*/ 6858000 h 6858000"/>
-            </a:gdLst>
-            <a:ahLst/>
-            <a:cxnLst>
-              <a:cxn ang="0">
-                <a:pos x="connsiteX0" y="connsiteY0"/>
-              </a:cxn>
-              <a:cxn ang="0">
-                <a:pos x="connsiteX1" y="connsiteY1"/>
-              </a:cxn>
-              <a:cxn ang="0">
-                <a:pos x="connsiteX2" y="connsiteY2"/>
-              </a:cxn>
-              <a:cxn ang="0">
-                <a:pos x="connsiteX3" y="connsiteY3"/>
-              </a:cxn>
-            </a:cxnLst>
-            <a:rect l="l" t="t" r="r" b="b"/>
-            <a:pathLst>
-              <a:path w="11786754" h="6858000">
-                <a:moveTo>
-                  <a:pt x="0" y="0"/>
-                </a:moveTo>
-                <a:lnTo>
-                  <a:pt x="8610600" y="0"/>
-                </a:lnTo>
-                <a:lnTo>
-                  <a:pt x="11786754" y="6858000"/>
-                </a:lnTo>
-                <a:lnTo>
-                  <a:pt x="0" y="6858000"/>
-                </a:lnTo>
-                <a:close/>
-              </a:path>
-            </a:pathLst>
-          </a:custGeom>
-          <a:solidFill>
-            <a:schemeClr val="bg1">
-              <a:alpha val="30000"/>
-            </a:schemeClr>
-          </a:solidFill>
-          <a:ln>
-            <a:noFill/>
-          </a:ln>
-        </p:spPr>
-        <p:style>
-          <a:lnRef idx="2">
-            <a:schemeClr val="accent1">
-              <a:shade val="50000"/>
-            </a:schemeClr>
-          </a:lnRef>
-          <a:fillRef idx="1">
-            <a:schemeClr val="accent1"/>
-          </a:fillRef>
-          <a:effectRef idx="0">
-            <a:schemeClr val="accent1"/>
-          </a:effectRef>
-          <a:fontRef idx="minor">
-            <a:schemeClr val="lt1"/>
-          </a:fontRef>
-        </p:style>
-        <p:txBody>
-          <a:bodyPr rtlCol="0" anchor="ctr"/>
-          <a:lstStyle/>
-          <a:p>
-            <a:pPr algn="ctr"/>
-            <a:endParaRPr lang="en-US"/>
-          </a:p>
-        </p:txBody>
-      </p:sp>
-      <p:sp>
-        <p:nvSpPr>
-          <p:cNvPr id="14" name="Freeform 11">
-            <a:extLst>
-              <a:ext uri="{FF2B5EF4-FFF2-40B4-BE49-F238E27FC236}">
-                <a16:creationId xmlns:a16="http://schemas.microsoft.com/office/drawing/2014/main" xmlns="" id="{08E7ACFB-B791-4C23-8B17-013FEDC09A89}"/>
-              </a:ext>
-              <a:ext uri="{C183D7F6-B498-43B3-948B-1728B52AA6E4}">
-                <adec:decorative xmlns:adec="http://schemas.microsoft.com/office/drawing/2017/decorative" xmlns="" val="1"/>
-              </a:ext>
-            </a:extLst>
-          </p:cNvPr>
-          <p:cNvSpPr>
-            <a:spLocks noGrp="1" noRot="1" noChangeAspect="1" noMove="1" noResize="1" noEditPoints="1" noAdjustHandles="1" noChangeArrowheads="1" noChangeShapeType="1" noTextEdit="1"/>
-          </p:cNvSpPr>
-          <p:nvPr>
-            <p:extLst>
-              <p:ext uri="{386F3935-93C4-4BCD-93E2-E3B085C9AB24}">
-                <p16:designElem xmlns:p16="http://schemas.microsoft.com/office/powerpoint/2015/main" xmlns="" val="1"/>
-              </p:ext>
-            </p:extLst>
-          </p:nvPr>
-        </p:nvSpPr>
-        <p:spPr>
-          <a:xfrm>
-            <a:off x="0" y="0"/>
-            <a:ext cx="2686050" cy="6858000"/>
-          </a:xfrm>
-          <a:custGeom>
-            <a:avLst/>
-            <a:gdLst>
-              <a:gd name="connsiteX0" fmla="*/ 0 w 3581400"/>
-              <a:gd name="connsiteY0" fmla="*/ 0 h 6858000"/>
-              <a:gd name="connsiteX1" fmla="*/ 405246 w 3581400"/>
-              <a:gd name="connsiteY1" fmla="*/ 0 h 6858000"/>
-              <a:gd name="connsiteX2" fmla="*/ 3581400 w 3581400"/>
-              <a:gd name="connsiteY2" fmla="*/ 6858000 h 6858000"/>
-              <a:gd name="connsiteX3" fmla="*/ 0 w 3581400"/>
-              <a:gd name="connsiteY3" fmla="*/ 6858000 h 6858000"/>
-            </a:gdLst>
-            <a:ahLst/>
-            <a:cxnLst>
-              <a:cxn ang="0">
-                <a:pos x="connsiteX0" y="connsiteY0"/>
-              </a:cxn>
-              <a:cxn ang="0">
-                <a:pos x="connsiteX1" y="connsiteY1"/>
-              </a:cxn>
-              <a:cxn ang="0">
-                <a:pos x="connsiteX2" y="connsiteY2"/>
-              </a:cxn>
-              <a:cxn ang="0">
-                <a:pos x="connsiteX3" y="connsiteY3"/>
-              </a:cxn>
-            </a:cxnLst>
-            <a:rect l="l" t="t" r="r" b="b"/>
-            <a:pathLst>
-              <a:path w="3581400" h="6858000">
-                <a:moveTo>
-                  <a:pt x="0" y="0"/>
-                </a:moveTo>
-                <a:lnTo>
-                  <a:pt x="405246" y="0"/>
-                </a:lnTo>
-                <a:lnTo>
-                  <a:pt x="3581400" y="6858000"/>
-                </a:lnTo>
-                <a:lnTo>
-                  <a:pt x="0" y="6858000"/>
-                </a:lnTo>
-                <a:close/>
-              </a:path>
-            </a:pathLst>
-          </a:custGeom>
-          <a:solidFill>
-            <a:schemeClr val="bg1">
-              <a:alpha val="30000"/>
-            </a:schemeClr>
-          </a:solidFill>
-          <a:ln>
-            <a:noFill/>
-          </a:ln>
-        </p:spPr>
-        <p:style>
-          <a:lnRef idx="2">
-            <a:schemeClr val="accent1">
-              <a:shade val="50000"/>
-            </a:schemeClr>
-          </a:lnRef>
-          <a:fillRef idx="1">
-            <a:schemeClr val="accent1"/>
-          </a:fillRef>
-          <a:effectRef idx="0">
-            <a:schemeClr val="accent1"/>
-          </a:effectRef>
-          <a:fontRef idx="minor">
-            <a:schemeClr val="lt1"/>
-          </a:fontRef>
-        </p:style>
-        <p:txBody>
-          <a:bodyPr wrap="square" rtlCol="0" anchor="ctr">
-            <a:noAutofit/>
-          </a:bodyPr>
-          <a:lstStyle/>
-          <a:p>
-            <a:pPr algn="ctr"/>
-            <a:endParaRPr lang="en-US"/>
-          </a:p>
-        </p:txBody>
-      </p:sp>
-      <p:sp>
-        <p:nvSpPr>
-          <p:cNvPr id="2" name="Title 1">
-            <a:extLst>
-              <a:ext uri="{FF2B5EF4-FFF2-40B4-BE49-F238E27FC236}">
-                <a16:creationId xmlns:a16="http://schemas.microsoft.com/office/drawing/2014/main" xmlns="" id="{54B005D2-63BE-4BF9-8056-71CEA2B081BD}"/>
-              </a:ext>
-            </a:extLst>
-          </p:cNvPr>
-          <p:cNvSpPr>
-            <a:spLocks noGrp="1"/>
-          </p:cNvSpPr>
-          <p:nvPr>
-            <p:ph type="title"/>
-          </p:nvPr>
-        </p:nvSpPr>
-        <p:spPr>
-          <a:xfrm>
-            <a:off x="624751" y="365125"/>
-            <a:ext cx="7890527" cy="1325563"/>
-          </a:xfrm>
-        </p:spPr>
-        <p:txBody>
-          <a:bodyPr>
-            <a:normAutofit/>
-          </a:bodyPr>
-          <a:lstStyle/>
-          <a:p>
-            <a:r>
-              <a:rPr lang="en-US" dirty="0"/>
-              <a:t>What Are Raw Sockets?</a:t>
-            </a:r>
-          </a:p>
-        </p:txBody>
-      </p:sp>
-      <p:graphicFrame>
-        <p:nvGraphicFramePr>
-          <p:cNvPr id="5" name="Content Placeholder 2">
-            <a:extLst>
-              <a:ext uri="{FF2B5EF4-FFF2-40B4-BE49-F238E27FC236}">
-                <a16:creationId xmlns:a16="http://schemas.microsoft.com/office/drawing/2014/main" xmlns="" id="{8CC2C9E4-F921-4AB6-99E6-E5DC8837A742}"/>
-              </a:ext>
-            </a:extLst>
-          </p:cNvPr>
-          <p:cNvGraphicFramePr>
-            <a:graphicFrameLocks noGrp="1"/>
-          </p:cNvGraphicFramePr>
-          <p:nvPr>
-            <p:ph idx="1"/>
-            <p:extLst>
-              <p:ext uri="{D42A27DB-BD31-4B8C-83A1-F6EECF244321}">
-                <p14:modId xmlns:p14="http://schemas.microsoft.com/office/powerpoint/2010/main" val="2301424978"/>
-              </p:ext>
-            </p:extLst>
-          </p:nvPr>
-        </p:nvGraphicFramePr>
-        <p:xfrm>
-          <a:off x="628650" y="2022475"/>
-          <a:ext cx="7886700" cy="4154488"/>
-        </p:xfrm>
-        <a:graphic>
-          <a:graphicData uri="http://schemas.openxmlformats.org/drawingml/2006/diagram">
-            <dgm:relIds xmlns:dgm="http://schemas.openxmlformats.org/drawingml/2006/diagram" xmlns:r="http://schemas.openxmlformats.org/officeDocument/2006/relationships" r:dm="rId2" r:lo="rId3" r:qs="rId4" r:cs="rId5"/>
-          </a:graphicData>
-        </a:graphic>
-      </p:graphicFrame>
-    </p:spTree>
-    <p:extLst>
-      <p:ext uri="{BB962C8B-B14F-4D97-AF65-F5344CB8AC3E}">
-        <p14:creationId xmlns:p14="http://schemas.microsoft.com/office/powerpoint/2010/main" val="3854014365"/>
-      </p:ext>
-    </p:extLst>
-  </p:cSld>
-  <p:clrMapOvr>
-    <a:overrideClrMapping bg1="dk1" tx1="lt1" bg2="dk2" tx2="lt2" accent1="accent1" accent2="accent2" accent3="accent3" accent4="accent4" accent5="accent5" accent6="accent6" hlink="hlink" folHlink="folHlink"/>
-  </p:clrMapOvr>
-</p:sld>
-</file>
-
-<file path=ppt/slides/slide20.xml><?xml version="1.0" encoding="utf-8"?>
+<file path=ppt/slides/slide22.xml><?xml version="1.0" encoding="utf-8"?>
 <p:sld xmlns:a="http://schemas.openxmlformats.org/drawingml/2006/main" xmlns:r="http://schemas.openxmlformats.org/officeDocument/2006/relationships" xmlns:p="http://schemas.openxmlformats.org/presentationml/2006/main">
   <p:cSld>
     <p:bg>
@@ -18948,7 +19105,7 @@
 </p:sld>
 </file>
 
-<file path=ppt/slides/slide21.xml><?xml version="1.0" encoding="utf-8"?>
+<file path=ppt/slides/slide23.xml><?xml version="1.0" encoding="utf-8"?>
 <p:sld xmlns:a="http://schemas.openxmlformats.org/drawingml/2006/main" xmlns:r="http://schemas.openxmlformats.org/officeDocument/2006/relationships" xmlns:p="http://schemas.openxmlformats.org/presentationml/2006/main">
   <p:cSld>
     <p:bg>
@@ -19695,7 +19852,7 @@
 </p:sld>
 </file>
 
-<file path=ppt/slides/slide22.xml><?xml version="1.0" encoding="utf-8"?>
+<file path=ppt/slides/slide24.xml><?xml version="1.0" encoding="utf-8"?>
 <p:sld xmlns:a="http://schemas.openxmlformats.org/drawingml/2006/main" xmlns:r="http://schemas.openxmlformats.org/officeDocument/2006/relationships" xmlns:p="http://schemas.openxmlformats.org/presentationml/2006/main">
   <p:cSld>
     <p:bg>
@@ -20443,7 +20600,7 @@
 </p:sld>
 </file>
 
-<file path=ppt/slides/slide23.xml><?xml version="1.0" encoding="utf-8"?>
+<file path=ppt/slides/slide25.xml><?xml version="1.0" encoding="utf-8"?>
 <p:sld xmlns:a="http://schemas.openxmlformats.org/drawingml/2006/main" xmlns:r="http://schemas.openxmlformats.org/officeDocument/2006/relationships" xmlns:p="http://schemas.openxmlformats.org/presentationml/2006/main">
   <p:cSld>
     <p:bg>
@@ -21345,7 +21502,7 @@
 </p:sld>
 </file>
 
-<file path=ppt/slides/slide24.xml><?xml version="1.0" encoding="utf-8"?>
+<file path=ppt/slides/slide26.xml><?xml version="1.0" encoding="utf-8"?>
 <p:sld xmlns:a="http://schemas.openxmlformats.org/drawingml/2006/main" xmlns:r="http://schemas.openxmlformats.org/officeDocument/2006/relationships" xmlns:p="http://schemas.openxmlformats.org/presentationml/2006/main">
   <p:cSld>
     <p:bg>
@@ -22079,7 +22236,7 @@
 </p:sld>
 </file>
 
-<file path=ppt/slides/slide25.xml><?xml version="1.0" encoding="utf-8"?>
+<file path=ppt/slides/slide27.xml><?xml version="1.0" encoding="utf-8"?>
 <p:sld xmlns:a="http://schemas.openxmlformats.org/drawingml/2006/main" xmlns:r="http://schemas.openxmlformats.org/officeDocument/2006/relationships" xmlns:p="http://schemas.openxmlformats.org/presentationml/2006/main">
   <p:cSld>
     <p:bg>
@@ -22570,7 +22727,7 @@
 </p:sld>
 </file>
 
-<file path=ppt/slides/slide26.xml><?xml version="1.0" encoding="utf-8"?>
+<file path=ppt/slides/slide28.xml><?xml version="1.0" encoding="utf-8"?>
 <p:sld xmlns:a="http://schemas.openxmlformats.org/drawingml/2006/main" xmlns:r="http://schemas.openxmlformats.org/officeDocument/2006/relationships" xmlns:p="http://schemas.openxmlformats.org/presentationml/2006/main">
   <p:cSld>
     <p:bg>
@@ -22887,7 +23044,7 @@
 </p:sld>
 </file>
 
-<file path=ppt/slides/slide27.xml><?xml version="1.0" encoding="utf-8"?>
+<file path=ppt/slides/slide29.xml><?xml version="1.0" encoding="utf-8"?>
 <p:sld xmlns:a="http://schemas.openxmlformats.org/drawingml/2006/main" xmlns:r="http://schemas.openxmlformats.org/officeDocument/2006/relationships" xmlns:p="http://schemas.openxmlformats.org/presentationml/2006/main">
   <p:cSld>
     <p:bg>
@@ -23204,109 +23361,6 @@
 </p:sld>
 </file>
 
-<file path=ppt/slides/slide28.xml><?xml version="1.0" encoding="utf-8"?>
-<p:sld xmlns:a="http://schemas.openxmlformats.org/drawingml/2006/main" xmlns:r="http://schemas.openxmlformats.org/officeDocument/2006/relationships" xmlns:p="http://schemas.openxmlformats.org/presentationml/2006/main">
-  <p:cSld>
-    <p:spTree>
-      <p:nvGrpSpPr>
-        <p:cNvPr id="1" name=""/>
-        <p:cNvGrpSpPr/>
-        <p:nvPr/>
-      </p:nvGrpSpPr>
-      <p:grpSpPr>
-        <a:xfrm>
-          <a:off x="0" y="0"/>
-          <a:ext cx="0" cy="0"/>
-          <a:chOff x="0" y="0"/>
-          <a:chExt cx="0" cy="0"/>
-        </a:xfrm>
-      </p:grpSpPr>
-      <p:sp>
-        <p:nvSpPr>
-          <p:cNvPr id="2" name="Title 1">
-            <a:extLst>
-              <a:ext uri="{FF2B5EF4-FFF2-40B4-BE49-F238E27FC236}">
-                <a16:creationId xmlns:a16="http://schemas.microsoft.com/office/drawing/2014/main" xmlns="" id="{A0B268A8-A72C-4737-84E8-60BF2279B7FD}"/>
-              </a:ext>
-            </a:extLst>
-          </p:cNvPr>
-          <p:cNvSpPr>
-            <a:spLocks noGrp="1"/>
-          </p:cNvSpPr>
-          <p:nvPr>
-            <p:ph type="title"/>
-          </p:nvPr>
-        </p:nvSpPr>
-        <p:spPr/>
-        <p:txBody>
-          <a:bodyPr/>
-          <a:lstStyle/>
-          <a:p>
-            <a:r>
-              <a:rPr lang="en-US" dirty="0"/>
-              <a:t>Anecdotes</a:t>
-            </a:r>
-          </a:p>
-        </p:txBody>
-      </p:sp>
-      <p:sp>
-        <p:nvSpPr>
-          <p:cNvPr id="3" name="Content Placeholder 2">
-            <a:extLst>
-              <a:ext uri="{FF2B5EF4-FFF2-40B4-BE49-F238E27FC236}">
-                <a16:creationId xmlns:a16="http://schemas.microsoft.com/office/drawing/2014/main" xmlns="" id="{B8E511E5-8C11-43E6-BF32-6636DE8670C0}"/>
-              </a:ext>
-            </a:extLst>
-          </p:cNvPr>
-          <p:cNvSpPr>
-            <a:spLocks noGrp="1"/>
-          </p:cNvSpPr>
-          <p:nvPr>
-            <p:ph idx="1"/>
-          </p:nvPr>
-        </p:nvSpPr>
-        <p:spPr/>
-        <p:txBody>
-          <a:bodyPr/>
-          <a:lstStyle/>
-          <a:p>
-            <a:r>
-              <a:rPr lang="en-US" dirty="0"/>
-              <a:t>Traceroute </a:t>
-            </a:r>
-          </a:p>
-          <a:p>
-            <a:pPr lvl="1"/>
-            <a:r>
-              <a:rPr lang="en-US" dirty="0"/>
-              <a:t>On Linux uses UDP</a:t>
-            </a:r>
-          </a:p>
-          <a:p>
-            <a:pPr lvl="1"/>
-            <a:r>
-              <a:rPr lang="en-US" dirty="0"/>
-              <a:t>On windows ICMP</a:t>
-            </a:r>
-          </a:p>
-          <a:p>
-            <a:endParaRPr lang="en-US" dirty="0"/>
-          </a:p>
-        </p:txBody>
-      </p:sp>
-    </p:spTree>
-    <p:extLst>
-      <p:ext uri="{BB962C8B-B14F-4D97-AF65-F5344CB8AC3E}">
-        <p14:creationId xmlns:p14="http://schemas.microsoft.com/office/powerpoint/2010/main" val="693299386"/>
-      </p:ext>
-    </p:extLst>
-  </p:cSld>
-  <p:clrMapOvr>
-    <a:masterClrMapping/>
-  </p:clrMapOvr>
-</p:sld>
-</file>
-
 <file path=ppt/slides/slide3.xml><?xml version="1.0" encoding="utf-8"?>
 <p:sld xmlns:a="http://schemas.openxmlformats.org/drawingml/2006/main" xmlns:r="http://schemas.openxmlformats.org/officeDocument/2006/relationships" xmlns:p="http://schemas.openxmlformats.org/presentationml/2006/main">
   <p:cSld>
@@ -23374,6 +23428,109 @@
     <p:extLst>
       <p:ext uri="{BB962C8B-B14F-4D97-AF65-F5344CB8AC3E}">
         <p14:creationId xmlns:p14="http://schemas.microsoft.com/office/powerpoint/2010/main" val="2682241538"/>
+      </p:ext>
+    </p:extLst>
+  </p:cSld>
+  <p:clrMapOvr>
+    <a:masterClrMapping/>
+  </p:clrMapOvr>
+</p:sld>
+</file>
+
+<file path=ppt/slides/slide30.xml><?xml version="1.0" encoding="utf-8"?>
+<p:sld xmlns:a="http://schemas.openxmlformats.org/drawingml/2006/main" xmlns:r="http://schemas.openxmlformats.org/officeDocument/2006/relationships" xmlns:p="http://schemas.openxmlformats.org/presentationml/2006/main">
+  <p:cSld>
+    <p:spTree>
+      <p:nvGrpSpPr>
+        <p:cNvPr id="1" name=""/>
+        <p:cNvGrpSpPr/>
+        <p:nvPr/>
+      </p:nvGrpSpPr>
+      <p:grpSpPr>
+        <a:xfrm>
+          <a:off x="0" y="0"/>
+          <a:ext cx="0" cy="0"/>
+          <a:chOff x="0" y="0"/>
+          <a:chExt cx="0" cy="0"/>
+        </a:xfrm>
+      </p:grpSpPr>
+      <p:sp>
+        <p:nvSpPr>
+          <p:cNvPr id="2" name="Title 1">
+            <a:extLst>
+              <a:ext uri="{FF2B5EF4-FFF2-40B4-BE49-F238E27FC236}">
+                <a16:creationId xmlns:a16="http://schemas.microsoft.com/office/drawing/2014/main" xmlns="" id="{A0B268A8-A72C-4737-84E8-60BF2279B7FD}"/>
+              </a:ext>
+            </a:extLst>
+          </p:cNvPr>
+          <p:cNvSpPr>
+            <a:spLocks noGrp="1"/>
+          </p:cNvSpPr>
+          <p:nvPr>
+            <p:ph type="title"/>
+          </p:nvPr>
+        </p:nvSpPr>
+        <p:spPr/>
+        <p:txBody>
+          <a:bodyPr/>
+          <a:lstStyle/>
+          <a:p>
+            <a:r>
+              <a:rPr lang="en-US" dirty="0"/>
+              <a:t>Anecdotes</a:t>
+            </a:r>
+          </a:p>
+        </p:txBody>
+      </p:sp>
+      <p:sp>
+        <p:nvSpPr>
+          <p:cNvPr id="3" name="Content Placeholder 2">
+            <a:extLst>
+              <a:ext uri="{FF2B5EF4-FFF2-40B4-BE49-F238E27FC236}">
+                <a16:creationId xmlns:a16="http://schemas.microsoft.com/office/drawing/2014/main" xmlns="" id="{B8E511E5-8C11-43E6-BF32-6636DE8670C0}"/>
+              </a:ext>
+            </a:extLst>
+          </p:cNvPr>
+          <p:cNvSpPr>
+            <a:spLocks noGrp="1"/>
+          </p:cNvSpPr>
+          <p:nvPr>
+            <p:ph idx="1"/>
+          </p:nvPr>
+        </p:nvSpPr>
+        <p:spPr/>
+        <p:txBody>
+          <a:bodyPr/>
+          <a:lstStyle/>
+          <a:p>
+            <a:r>
+              <a:rPr lang="en-US" dirty="0"/>
+              <a:t>Traceroute </a:t>
+            </a:r>
+          </a:p>
+          <a:p>
+            <a:pPr lvl="1"/>
+            <a:r>
+              <a:rPr lang="en-US" dirty="0"/>
+              <a:t>On Linux uses UDP</a:t>
+            </a:r>
+          </a:p>
+          <a:p>
+            <a:pPr lvl="1"/>
+            <a:r>
+              <a:rPr lang="en-US" dirty="0"/>
+              <a:t>On windows ICMP</a:t>
+            </a:r>
+          </a:p>
+          <a:p>
+            <a:endParaRPr lang="en-US" dirty="0"/>
+          </a:p>
+        </p:txBody>
+      </p:sp>
+    </p:spTree>
+    <p:extLst>
+      <p:ext uri="{BB962C8B-B14F-4D97-AF65-F5344CB8AC3E}">
+        <p14:creationId xmlns:p14="http://schemas.microsoft.com/office/powerpoint/2010/main" val="693299386"/>
       </p:ext>
     </p:extLst>
   </p:cSld>

--- a/raw socket & libpcap & icmp.pptx
+++ b/raw socket & libpcap & icmp.pptx
@@ -30146,7 +30146,7 @@
               <a:t>Injecting a Datagram Using </a:t>
             </a:r>
             <a:r>
-              <a:rPr lang="en-US" sz="5000" kern="1200">
+              <a:rPr lang="en-US" sz="5000" kern="1200" dirty="0" err="1">
                 <a:solidFill>
                   <a:schemeClr val="tx1"/>
                 </a:solidFill>
@@ -30154,7 +30154,7 @@
                 <a:ea typeface="+mj-ea"/>
                 <a:cs typeface="+mj-cs"/>
               </a:rPr>
-              <a:t>Scay</a:t>
+              <a:t>Scapy</a:t>
             </a:r>
             <a:endParaRPr lang="en-US" sz="5000" kern="1200" dirty="0">
               <a:solidFill>
@@ -35773,7 +35773,7 @@
       </p:grpSpPr>
       <p:sp>
         <p:nvSpPr>
-          <p:cNvPr id="9" name="Rectangle 8">
+          <p:cNvPr id="14" name="Rectangle 13">
             <a:extLst>
               <a:ext uri="{FF2B5EF4-FFF2-40B4-BE49-F238E27FC236}">
                 <a16:creationId xmlns:a16="http://schemas.microsoft.com/office/drawing/2014/main" id="{A4AC5506-6312-4701-8D3C-40187889A947}"/>
@@ -35875,7 +35875,7 @@
               <a:t>Back to </a:t>
             </a:r>
             <a:r>
-              <a:rPr lang="en-US" sz="2800" kern="1200" dirty="0" err="1">
+              <a:rPr lang="en-US" sz="2800" kern="1200">
                 <a:solidFill>
                   <a:schemeClr val="bg1"/>
                 </a:solidFill>
@@ -35901,10 +35901,10 @@
       </p:sp>
       <p:pic>
         <p:nvPicPr>
-          <p:cNvPr id="4" name="Content Placeholder 3">
+          <p:cNvPr id="8" name="Content Placeholder 7">
             <a:extLst>
               <a:ext uri="{FF2B5EF4-FFF2-40B4-BE49-F238E27FC236}">
-                <a16:creationId xmlns:a16="http://schemas.microsoft.com/office/drawing/2014/main" id="{095F770E-E80B-4A67-941D-43B56931DD35}"/>
+                <a16:creationId xmlns:a16="http://schemas.microsoft.com/office/drawing/2014/main" id="{54929826-B842-4742-BD78-D1C38CE663D6}"/>
               </a:ext>
             </a:extLst>
           </p:cNvPr>
@@ -35923,8 +35923,8 @@
         </p:blipFill>
         <p:spPr>
           <a:xfrm>
-            <a:off x="1695264" y="1675227"/>
-            <a:ext cx="5753471" cy="4394199"/>
+            <a:off x="1886924" y="1675227"/>
+            <a:ext cx="5370151" cy="4671144"/>
           </a:xfrm>
           <a:prstGeom prst="rect">
             <a:avLst/>

--- a/raw socket & libpcap & icmp.pptx
+++ b/raw socket & libpcap & icmp.pptx
@@ -160,6 +160,75 @@
     </a:lvl9pPr>
   </p:defaultTextStyle>
   <p:extLst>
+    <p:ext uri="{521415D9-36F7-43E2-AB2F-B90AF26B5E84}">
+      <p14:sectionLst xmlns:p14="http://schemas.microsoft.com/office/powerpoint/2010/main">
+        <p14:section name="Raw Sockets" id="{B334FDB7-2EB9-410B-A417-10274974576E}">
+          <p14:sldIdLst>
+            <p14:sldId id="256"/>
+            <p14:sldId id="276"/>
+            <p14:sldId id="277"/>
+            <p14:sldId id="280"/>
+            <p14:sldId id="259"/>
+            <p14:sldId id="279"/>
+            <p14:sldId id="286"/>
+            <p14:sldId id="261"/>
+            <p14:sldId id="289"/>
+            <p14:sldId id="290"/>
+            <p14:sldId id="262"/>
+            <p14:sldId id="291"/>
+            <p14:sldId id="292"/>
+            <p14:sldId id="293"/>
+            <p14:sldId id="295"/>
+            <p14:sldId id="294"/>
+            <p14:sldId id="316"/>
+          </p14:sldIdLst>
+        </p14:section>
+        <p14:section name="libpcap" id="{AA6AC302-7D9B-483C-A068-52216A3DBA1B}">
+          <p14:sldIdLst>
+            <p14:sldId id="296"/>
+            <p14:sldId id="265"/>
+            <p14:sldId id="287"/>
+            <p14:sldId id="301"/>
+            <p14:sldId id="309"/>
+            <p14:sldId id="302"/>
+            <p14:sldId id="303"/>
+            <p14:sldId id="305"/>
+            <p14:sldId id="306"/>
+            <p14:sldId id="307"/>
+            <p14:sldId id="308"/>
+            <p14:sldId id="310"/>
+            <p14:sldId id="300"/>
+            <p14:sldId id="311"/>
+            <p14:sldId id="313"/>
+            <p14:sldId id="312"/>
+            <p14:sldId id="314"/>
+            <p14:sldId id="315"/>
+            <p14:sldId id="317"/>
+          </p14:sldIdLst>
+        </p14:section>
+        <p14:section name="ICMP" id="{7DA928DC-70B3-4E60-8E71-47DED96042DC}">
+          <p14:sldIdLst>
+            <p14:sldId id="258"/>
+            <p14:sldId id="281"/>
+            <p14:sldId id="266"/>
+            <p14:sldId id="282"/>
+            <p14:sldId id="275"/>
+            <p14:sldId id="267"/>
+            <p14:sldId id="270"/>
+            <p14:sldId id="271"/>
+            <p14:sldId id="268"/>
+            <p14:sldId id="269"/>
+            <p14:sldId id="274"/>
+            <p14:sldId id="273"/>
+            <p14:sldId id="283"/>
+            <p14:sldId id="284"/>
+            <p14:sldId id="285"/>
+            <p14:sldId id="264"/>
+            <p14:sldId id="318"/>
+          </p14:sldIdLst>
+        </p14:section>
+      </p14:sectionLst>
+    </p:ext>
     <p:ext uri="{EFAFB233-063F-42B5-8137-9DF3F51BA10A}">
       <p15:sldGuideLst xmlns:p15="http://schemas.microsoft.com/office/powerpoint/2012/main"/>
     </p:ext>

--- a/raw socket & libpcap & icmp.pptx
+++ b/raw socket & libpcap & icmp.pptx
@@ -5,7 +5,7 @@
     <p:sldMasterId id="2147483912" r:id="rId1"/>
   </p:sldMasterIdLst>
   <p:notesMasterIdLst>
-    <p:notesMasterId r:id="rId55"/>
+    <p:notesMasterId r:id="rId54"/>
   </p:notesMasterIdLst>
   <p:sldIdLst>
     <p:sldId id="256" r:id="rId2"/>
@@ -59,8 +59,7 @@
     <p:sldId id="283" r:id="rId50"/>
     <p:sldId id="284" r:id="rId51"/>
     <p:sldId id="285" r:id="rId52"/>
-    <p:sldId id="264" r:id="rId53"/>
-    <p:sldId id="318" r:id="rId54"/>
+    <p:sldId id="318" r:id="rId53"/>
   </p:sldIdLst>
   <p:sldSz cx="9144000" cy="6858000" type="screen4x3"/>
   <p:notesSz cx="6858000" cy="9144000"/>
@@ -223,7 +222,6 @@
             <p14:sldId id="283"/>
             <p14:sldId id="284"/>
             <p14:sldId id="285"/>
-            <p14:sldId id="264"/>
             <p14:sldId id="318"/>
           </p14:sldIdLst>
         </p14:section>
@@ -6144,7 +6142,7 @@
       </dgm:t>
     </dgm:pt>
     <dgm:pt modelId="{6F80F8E2-58A6-4F46-9E6B-94329FB5199B}">
-      <dgm:prSet/>
+      <dgm:prSet custT="1"/>
       <dgm:spPr/>
       <dgm:t>
         <a:bodyPr/>
@@ -6157,7 +6155,7 @@
             <a:defRPr b="1"/>
           </a:pPr>
           <a:r>
-            <a:rPr lang="en-US"/>
+            <a:rPr lang="en-US" sz="2000" dirty="0"/>
             <a:t>Non-raw sockets</a:t>
           </a:r>
         </a:p>
@@ -6227,7 +6225,7 @@
       </dgm:t>
     </dgm:pt>
     <dgm:pt modelId="{669AAA1E-AA9A-4FDE-B54B-AB3C5E19195C}">
-      <dgm:prSet/>
+      <dgm:prSet custT="1"/>
       <dgm:spPr/>
       <dgm:t>
         <a:bodyPr/>
@@ -6240,7 +6238,7 @@
             <a:defRPr b="1"/>
           </a:pPr>
           <a:r>
-            <a:rPr lang="en-US"/>
+            <a:rPr lang="en-US" sz="2000" dirty="0"/>
             <a:t>Raw sockets: Create your own packets!</a:t>
           </a:r>
         </a:p>
@@ -9162,7 +9160,7 @@
       </dsp:nvSpPr>
       <dsp:spPr>
         <a:xfrm>
-          <a:off x="2351" y="548989"/>
+          <a:off x="2351" y="342660"/>
           <a:ext cx="1268367" cy="1268367"/>
         </a:xfrm>
         <a:prstGeom prst="rect">
@@ -9212,8 +9210,69 @@
       </dsp:nvSpPr>
       <dsp:spPr>
         <a:xfrm>
-          <a:off x="2351" y="1948786"/>
-          <a:ext cx="3623906" cy="543585"/>
+          <a:off x="2351" y="1760201"/>
+          <a:ext cx="3623906" cy="628521"/>
+        </a:xfrm>
+        <a:prstGeom prst="rect">
+          <a:avLst/>
+        </a:prstGeom>
+        <a:noFill/>
+        <a:ln>
+          <a:noFill/>
+        </a:ln>
+        <a:effectLst/>
+      </dsp:spPr>
+      <dsp:style>
+        <a:lnRef idx="0">
+          <a:scrgbClr r="0" g="0" b="0"/>
+        </a:lnRef>
+        <a:fillRef idx="0">
+          <a:scrgbClr r="0" g="0" b="0"/>
+        </a:fillRef>
+        <a:effectRef idx="0">
+          <a:scrgbClr r="0" g="0" b="0"/>
+        </a:effectRef>
+        <a:fontRef idx="minor"/>
+      </dsp:style>
+      <dsp:txBody>
+        <a:bodyPr spcFirstLastPara="0" vert="horz" wrap="square" lIns="0" tIns="0" rIns="0" bIns="0" numCol="1" spcCol="1270" anchor="t" anchorCtr="0">
+          <a:noAutofit/>
+        </a:bodyPr>
+        <a:lstStyle/>
+        <a:p>
+          <a:pPr marL="0" lvl="0" indent="0" algn="l" defTabSz="889000">
+            <a:lnSpc>
+              <a:spcPct val="100000"/>
+            </a:lnSpc>
+            <a:spcBef>
+              <a:spcPct val="0"/>
+            </a:spcBef>
+            <a:spcAft>
+              <a:spcPct val="35000"/>
+            </a:spcAft>
+            <a:buNone/>
+            <a:defRPr b="1"/>
+          </a:pPr>
+          <a:r>
+            <a:rPr lang="en-US" sz="2000" kern="1200" dirty="0"/>
+            <a:t>Non-raw sockets</a:t>
+          </a:r>
+        </a:p>
+      </dsp:txBody>
+      <dsp:txXfrm>
+        <a:off x="2351" y="1760201"/>
+        <a:ext cx="3623906" cy="628521"/>
+      </dsp:txXfrm>
+    </dsp:sp>
+    <dsp:sp modelId="{BB8F66F7-69A1-4DCD-A110-529F4CB8FAAD}">
+      <dsp:nvSpPr>
+        <dsp:cNvPr id="0" name=""/>
+        <dsp:cNvSpPr/>
+      </dsp:nvSpPr>
+      <dsp:spPr>
+        <a:xfrm>
+          <a:off x="2351" y="2458106"/>
+          <a:ext cx="3623906" cy="1353721"/>
         </a:xfrm>
         <a:prstGeom prst="rect">
           <a:avLst/>
@@ -9253,77 +9312,16 @@
               <a:spcPct val="35000"/>
             </a:spcAft>
             <a:buNone/>
-            <a:defRPr b="1"/>
           </a:pPr>
           <a:r>
             <a:rPr lang="en-US" sz="1700" kern="1200"/>
-            <a:t>Non-raw sockets</a:t>
-          </a:r>
-        </a:p>
-      </dsp:txBody>
-      <dsp:txXfrm>
-        <a:off x="2351" y="1948786"/>
-        <a:ext cx="3623906" cy="543585"/>
-      </dsp:txXfrm>
-    </dsp:sp>
-    <dsp:sp modelId="{BB8F66F7-69A1-4DCD-A110-529F4CB8FAAD}">
-      <dsp:nvSpPr>
-        <dsp:cNvPr id="0" name=""/>
-        <dsp:cNvSpPr/>
-      </dsp:nvSpPr>
-      <dsp:spPr>
-        <a:xfrm>
-          <a:off x="2351" y="2553503"/>
-          <a:ext cx="3623906" cy="1051994"/>
-        </a:xfrm>
-        <a:prstGeom prst="rect">
-          <a:avLst/>
-        </a:prstGeom>
-        <a:noFill/>
-        <a:ln>
-          <a:noFill/>
-        </a:ln>
-        <a:effectLst/>
-      </dsp:spPr>
-      <dsp:style>
-        <a:lnRef idx="0">
-          <a:scrgbClr r="0" g="0" b="0"/>
-        </a:lnRef>
-        <a:fillRef idx="0">
-          <a:scrgbClr r="0" g="0" b="0"/>
-        </a:fillRef>
-        <a:effectRef idx="0">
-          <a:scrgbClr r="0" g="0" b="0"/>
-        </a:effectRef>
-        <a:fontRef idx="minor"/>
-      </dsp:style>
-      <dsp:txBody>
-        <a:bodyPr spcFirstLastPara="0" vert="horz" wrap="square" lIns="0" tIns="0" rIns="0" bIns="0" numCol="1" spcCol="1270" anchor="t" anchorCtr="0">
-          <a:noAutofit/>
-        </a:bodyPr>
-        <a:lstStyle/>
-        <a:p>
-          <a:pPr marL="0" lvl="0" indent="0" algn="l" defTabSz="577850">
-            <a:lnSpc>
-              <a:spcPct val="100000"/>
-            </a:lnSpc>
-            <a:spcBef>
-              <a:spcPct val="0"/>
-            </a:spcBef>
-            <a:spcAft>
-              <a:spcPct val="35000"/>
-            </a:spcAft>
-            <a:buNone/>
-          </a:pPr>
-          <a:r>
-            <a:rPr lang="en-US" sz="1300" kern="1200"/>
             <a:t>OS is responsible for transport, network and data-link layer headers</a:t>
           </a:r>
         </a:p>
       </dsp:txBody>
       <dsp:txXfrm>
-        <a:off x="2351" y="2553503"/>
-        <a:ext cx="3623906" cy="1051994"/>
+        <a:off x="2351" y="2458106"/>
+        <a:ext cx="3623906" cy="1353721"/>
       </dsp:txXfrm>
     </dsp:sp>
     <dsp:sp modelId="{87700048-5B3B-462C-ADD3-E9C514A8768F}">
@@ -9333,7 +9331,7 @@
       </dsp:nvSpPr>
       <dsp:spPr>
         <a:xfrm>
-          <a:off x="4260441" y="548989"/>
+          <a:off x="4260441" y="342660"/>
           <a:ext cx="1268367" cy="1268367"/>
         </a:xfrm>
         <a:prstGeom prst="rect">
@@ -9383,8 +9381,69 @@
       </dsp:nvSpPr>
       <dsp:spPr>
         <a:xfrm>
-          <a:off x="4260441" y="1948786"/>
-          <a:ext cx="3623906" cy="543585"/>
+          <a:off x="4260441" y="1760201"/>
+          <a:ext cx="3623906" cy="628521"/>
+        </a:xfrm>
+        <a:prstGeom prst="rect">
+          <a:avLst/>
+        </a:prstGeom>
+        <a:noFill/>
+        <a:ln>
+          <a:noFill/>
+        </a:ln>
+        <a:effectLst/>
+      </dsp:spPr>
+      <dsp:style>
+        <a:lnRef idx="0">
+          <a:scrgbClr r="0" g="0" b="0"/>
+        </a:lnRef>
+        <a:fillRef idx="0">
+          <a:scrgbClr r="0" g="0" b="0"/>
+        </a:fillRef>
+        <a:effectRef idx="0">
+          <a:scrgbClr r="0" g="0" b="0"/>
+        </a:effectRef>
+        <a:fontRef idx="minor"/>
+      </dsp:style>
+      <dsp:txBody>
+        <a:bodyPr spcFirstLastPara="0" vert="horz" wrap="square" lIns="0" tIns="0" rIns="0" bIns="0" numCol="1" spcCol="1270" anchor="t" anchorCtr="0">
+          <a:noAutofit/>
+        </a:bodyPr>
+        <a:lstStyle/>
+        <a:p>
+          <a:pPr marL="0" lvl="0" indent="0" algn="l" defTabSz="889000">
+            <a:lnSpc>
+              <a:spcPct val="100000"/>
+            </a:lnSpc>
+            <a:spcBef>
+              <a:spcPct val="0"/>
+            </a:spcBef>
+            <a:spcAft>
+              <a:spcPct val="35000"/>
+            </a:spcAft>
+            <a:buNone/>
+            <a:defRPr b="1"/>
+          </a:pPr>
+          <a:r>
+            <a:rPr lang="en-US" sz="2000" kern="1200" dirty="0"/>
+            <a:t>Raw sockets: Create your own packets!</a:t>
+          </a:r>
+        </a:p>
+      </dsp:txBody>
+      <dsp:txXfrm>
+        <a:off x="4260441" y="1760201"/>
+        <a:ext cx="3623906" cy="628521"/>
+      </dsp:txXfrm>
+    </dsp:sp>
+    <dsp:sp modelId="{7CE51C97-E654-49DA-8C54-7647A041DD56}">
+      <dsp:nvSpPr>
+        <dsp:cNvPr id="0" name=""/>
+        <dsp:cNvSpPr/>
+      </dsp:nvSpPr>
+      <dsp:spPr>
+        <a:xfrm>
+          <a:off x="4260441" y="2458106"/>
+          <a:ext cx="3623906" cy="1353721"/>
         </a:xfrm>
         <a:prstGeom prst="rect">
           <a:avLst/>
@@ -9424,57 +9483,14 @@
               <a:spcPct val="35000"/>
             </a:spcAft>
             <a:buNone/>
-            <a:defRPr b="1"/>
           </a:pPr>
           <a:r>
-            <a:rPr lang="en-US" sz="1700" kern="1200"/>
-            <a:t>Raw sockets: Create your own packets!</a:t>
+            <a:rPr lang="en-US" sz="1700" kern="1200" dirty="0"/>
+            <a:t>Generate headers as you like</a:t>
           </a:r>
         </a:p>
-      </dsp:txBody>
-      <dsp:txXfrm>
-        <a:off x="4260441" y="1948786"/>
-        <a:ext cx="3623906" cy="543585"/>
-      </dsp:txXfrm>
-    </dsp:sp>
-    <dsp:sp modelId="{7CE51C97-E654-49DA-8C54-7647A041DD56}">
-      <dsp:nvSpPr>
-        <dsp:cNvPr id="0" name=""/>
-        <dsp:cNvSpPr/>
-      </dsp:nvSpPr>
-      <dsp:spPr>
-        <a:xfrm>
-          <a:off x="4260441" y="2553503"/>
-          <a:ext cx="3623906" cy="1051994"/>
-        </a:xfrm>
-        <a:prstGeom prst="rect">
-          <a:avLst/>
-        </a:prstGeom>
-        <a:noFill/>
-        <a:ln>
-          <a:noFill/>
-        </a:ln>
-        <a:effectLst/>
-      </dsp:spPr>
-      <dsp:style>
-        <a:lnRef idx="0">
-          <a:scrgbClr r="0" g="0" b="0"/>
-        </a:lnRef>
-        <a:fillRef idx="0">
-          <a:scrgbClr r="0" g="0" b="0"/>
-        </a:fillRef>
-        <a:effectRef idx="0">
-          <a:scrgbClr r="0" g="0" b="0"/>
-        </a:effectRef>
-        <a:fontRef idx="minor"/>
-      </dsp:style>
-      <dsp:txBody>
-        <a:bodyPr spcFirstLastPara="0" vert="horz" wrap="square" lIns="0" tIns="0" rIns="0" bIns="0" numCol="1" spcCol="1270" anchor="t" anchorCtr="0">
-          <a:noAutofit/>
-        </a:bodyPr>
-        <a:lstStyle/>
         <a:p>
-          <a:pPr marL="0" lvl="0" indent="0" algn="l" defTabSz="577850">
+          <a:pPr marL="0" lvl="0" indent="0" algn="l" defTabSz="755650">
             <a:lnSpc>
               <a:spcPct val="100000"/>
             </a:lnSpc>
@@ -9487,12 +9503,12 @@
             <a:buNone/>
           </a:pPr>
           <a:r>
-            <a:rPr lang="en-US" sz="1300" kern="1200" dirty="0"/>
-            <a:t>Generate headers as you like</a:t>
+            <a:rPr lang="en-US" sz="1700" kern="1200" dirty="0"/>
+            <a:t>Choose any protocol</a:t>
           </a:r>
         </a:p>
         <a:p>
-          <a:pPr marL="0" lvl="0" indent="0" algn="l" defTabSz="577850">
+          <a:pPr marL="0" lvl="0" indent="0" algn="l" defTabSz="755650">
             <a:lnSpc>
               <a:spcPct val="100000"/>
             </a:lnSpc>
@@ -9505,12 +9521,12 @@
             <a:buNone/>
           </a:pPr>
           <a:r>
-            <a:rPr lang="en-US" sz="1300" kern="1200" dirty="0"/>
-            <a:t>Choose any protocol</a:t>
+            <a:rPr lang="en-US" sz="1700" kern="1200"/>
+            <a:t>Insert any payload</a:t>
           </a:r>
         </a:p>
         <a:p>
-          <a:pPr marL="0" lvl="0" indent="0" algn="l" defTabSz="577850">
+          <a:pPr marL="0" lvl="0" indent="0" algn="l" defTabSz="755650">
             <a:lnSpc>
               <a:spcPct val="100000"/>
             </a:lnSpc>
@@ -9523,32 +9539,14 @@
             <a:buNone/>
           </a:pPr>
           <a:r>
-            <a:rPr lang="en-US" sz="1300" kern="1200"/>
-            <a:t>Insert any payload</a:t>
-          </a:r>
-        </a:p>
-        <a:p>
-          <a:pPr marL="0" lvl="0" indent="0" algn="l" defTabSz="577850">
-            <a:lnSpc>
-              <a:spcPct val="100000"/>
-            </a:lnSpc>
-            <a:spcBef>
-              <a:spcPct val="0"/>
-            </a:spcBef>
-            <a:spcAft>
-              <a:spcPct val="35000"/>
-            </a:spcAft>
-            <a:buNone/>
-          </a:pPr>
-          <a:r>
-            <a:rPr lang="en-US" sz="1300" kern="1200"/>
+            <a:rPr lang="en-US" sz="1700" kern="1200"/>
             <a:t>Network layer &amp; data-link layer</a:t>
           </a:r>
         </a:p>
       </dsp:txBody>
       <dsp:txXfrm>
-        <a:off x="4260441" y="2553503"/>
-        <a:ext cx="3623906" cy="1051994"/>
+        <a:off x="4260441" y="2458106"/>
+        <a:ext cx="3623906" cy="1353721"/>
       </dsp:txXfrm>
     </dsp:sp>
   </dsp:spTree>
@@ -21788,7 +21786,7 @@
           <a:p>
             <a:fld id="{AF8E52BD-695E-44A2-AB0A-5B021781A95B}" type="datetimeFigureOut">
               <a:rPr lang="en-US" smtClean="0"/>
-              <a:t>8/11/2019</a:t>
+              <a:t>8/12/2019</a:t>
             </a:fld>
             <a:endParaRPr lang="en-US"/>
           </a:p>
@@ -22974,6 +22972,122 @@
     <p:extLst>
       <p:ext uri="{BB962C8B-B14F-4D97-AF65-F5344CB8AC3E}">
         <p14:creationId xmlns:p14="http://schemas.microsoft.com/office/powerpoint/2010/main" val="330551685"/>
+      </p:ext>
+    </p:extLst>
+  </p:cSld>
+  <p:clrMapOvr>
+    <a:masterClrMapping/>
+  </p:clrMapOvr>
+</p:notes>
+</file>
+
+<file path=ppt/notesSlides/notesSlide15.xml><?xml version="1.0" encoding="utf-8"?>
+<p:notes xmlns:a="http://schemas.openxmlformats.org/drawingml/2006/main" xmlns:r="http://schemas.openxmlformats.org/officeDocument/2006/relationships" xmlns:p="http://schemas.openxmlformats.org/presentationml/2006/main">
+  <p:cSld>
+    <p:spTree>
+      <p:nvGrpSpPr>
+        <p:cNvPr id="1" name=""/>
+        <p:cNvGrpSpPr/>
+        <p:nvPr/>
+      </p:nvGrpSpPr>
+      <p:grpSpPr>
+        <a:xfrm>
+          <a:off x="0" y="0"/>
+          <a:ext cx="0" cy="0"/>
+          <a:chOff x="0" y="0"/>
+          <a:chExt cx="0" cy="0"/>
+        </a:xfrm>
+      </p:grpSpPr>
+      <p:sp>
+        <p:nvSpPr>
+          <p:cNvPr id="2" name="Slide Image Placeholder 1"/>
+          <p:cNvSpPr>
+            <a:spLocks noGrp="1" noRot="1" noChangeAspect="1"/>
+          </p:cNvSpPr>
+          <p:nvPr>
+            <p:ph type="sldImg"/>
+          </p:nvPr>
+        </p:nvSpPr>
+        <p:spPr/>
+      </p:sp>
+      <p:sp>
+        <p:nvSpPr>
+          <p:cNvPr id="3" name="Notes Placeholder 2"/>
+          <p:cNvSpPr>
+            <a:spLocks noGrp="1"/>
+          </p:cNvSpPr>
+          <p:nvPr>
+            <p:ph type="body" idx="1"/>
+          </p:nvPr>
+        </p:nvSpPr>
+        <p:spPr/>
+        <p:txBody>
+          <a:bodyPr/>
+          <a:lstStyle/>
+          <a:p>
+            <a:r>
+              <a:rPr lang="en-US" sz="1700" dirty="0">
+                <a:solidFill>
+                  <a:srgbClr val="FFFFFF"/>
+                </a:solidFill>
+              </a:rPr>
+              <a:t>Traceroute </a:t>
+            </a:r>
+          </a:p>
+          <a:p>
+            <a:pPr lvl="1"/>
+            <a:r>
+              <a:rPr lang="en-US" sz="1700" dirty="0">
+                <a:solidFill>
+                  <a:srgbClr val="FFFFFF"/>
+                </a:solidFill>
+              </a:rPr>
+              <a:t>On Linux uses UDP</a:t>
+            </a:r>
+          </a:p>
+          <a:p>
+            <a:pPr lvl="1"/>
+            <a:r>
+              <a:rPr lang="en-US" sz="1700" dirty="0">
+                <a:solidFill>
+                  <a:srgbClr val="FFFFFF"/>
+                </a:solidFill>
+              </a:rPr>
+              <a:t>On windows ICMP</a:t>
+            </a:r>
+          </a:p>
+          <a:p>
+            <a:endParaRPr lang="en-US" dirty="0"/>
+          </a:p>
+        </p:txBody>
+      </p:sp>
+      <p:sp>
+        <p:nvSpPr>
+          <p:cNvPr id="4" name="Slide Number Placeholder 3"/>
+          <p:cNvSpPr>
+            <a:spLocks noGrp="1"/>
+          </p:cNvSpPr>
+          <p:nvPr>
+            <p:ph type="sldNum" sz="quarter" idx="5"/>
+          </p:nvPr>
+        </p:nvSpPr>
+        <p:spPr/>
+        <p:txBody>
+          <a:bodyPr/>
+          <a:lstStyle/>
+          <a:p>
+            <a:fld id="{D3297766-9344-447B-B0C3-4686C67AD1D9}" type="slidenum">
+              <a:rPr lang="en-US" smtClean="0"/>
+              <a:t>51</a:t>
+            </a:fld>
+            <a:endParaRPr lang="en-US"/>
+          </a:p>
+        </p:txBody>
+      </p:sp>
+    </p:spTree>
+    <p:extLst>
+      <p:ext uri="{BB962C8B-B14F-4D97-AF65-F5344CB8AC3E}">
+        <p14:creationId xmlns:p14="http://schemas.microsoft.com/office/powerpoint/2010/main" val="2551470159"/>
       </p:ext>
     </p:extLst>
   </p:cSld>
@@ -24275,7 +24389,7 @@
           <a:p>
             <a:fld id="{467B6F40-EC65-4722-BCEC-F5AF12719C12}" type="datetimeFigureOut">
               <a:rPr lang="en-US" smtClean="0"/>
-              <a:t>8/11/2019</a:t>
+              <a:t>8/12/2019</a:t>
             </a:fld>
             <a:endParaRPr lang="en-US"/>
           </a:p>
@@ -24473,7 +24587,7 @@
           <a:p>
             <a:fld id="{467B6F40-EC65-4722-BCEC-F5AF12719C12}" type="datetimeFigureOut">
               <a:rPr lang="en-US" smtClean="0"/>
-              <a:t>8/11/2019</a:t>
+              <a:t>8/12/2019</a:t>
             </a:fld>
             <a:endParaRPr lang="en-US"/>
           </a:p>
@@ -24681,7 +24795,7 @@
           <a:p>
             <a:fld id="{467B6F40-EC65-4722-BCEC-F5AF12719C12}" type="datetimeFigureOut">
               <a:rPr lang="en-US" smtClean="0"/>
-              <a:t>8/11/2019</a:t>
+              <a:t>8/12/2019</a:t>
             </a:fld>
             <a:endParaRPr lang="en-US"/>
           </a:p>
@@ -24879,7 +24993,7 @@
           <a:p>
             <a:fld id="{467B6F40-EC65-4722-BCEC-F5AF12719C12}" type="datetimeFigureOut">
               <a:rPr lang="en-US" smtClean="0"/>
-              <a:t>8/11/2019</a:t>
+              <a:t>8/12/2019</a:t>
             </a:fld>
             <a:endParaRPr lang="en-US"/>
           </a:p>
@@ -25154,7 +25268,7 @@
           <a:p>
             <a:fld id="{467B6F40-EC65-4722-BCEC-F5AF12719C12}" type="datetimeFigureOut">
               <a:rPr lang="en-US" smtClean="0"/>
-              <a:t>8/11/2019</a:t>
+              <a:t>8/12/2019</a:t>
             </a:fld>
             <a:endParaRPr lang="en-US"/>
           </a:p>
@@ -25419,7 +25533,7 @@
           <a:p>
             <a:fld id="{467B6F40-EC65-4722-BCEC-F5AF12719C12}" type="datetimeFigureOut">
               <a:rPr lang="en-US" smtClean="0"/>
-              <a:t>8/11/2019</a:t>
+              <a:t>8/12/2019</a:t>
             </a:fld>
             <a:endParaRPr lang="en-US"/>
           </a:p>
@@ -25831,7 +25945,7 @@
           <a:p>
             <a:fld id="{467B6F40-EC65-4722-BCEC-F5AF12719C12}" type="datetimeFigureOut">
               <a:rPr lang="en-US" smtClean="0"/>
-              <a:t>8/11/2019</a:t>
+              <a:t>8/12/2019</a:t>
             </a:fld>
             <a:endParaRPr lang="en-US"/>
           </a:p>
@@ -25972,7 +26086,7 @@
           <a:p>
             <a:fld id="{467B6F40-EC65-4722-BCEC-F5AF12719C12}" type="datetimeFigureOut">
               <a:rPr lang="en-US" smtClean="0"/>
-              <a:t>8/11/2019</a:t>
+              <a:t>8/12/2019</a:t>
             </a:fld>
             <a:endParaRPr lang="en-US"/>
           </a:p>
@@ -26085,7 +26199,7 @@
           <a:p>
             <a:fld id="{467B6F40-EC65-4722-BCEC-F5AF12719C12}" type="datetimeFigureOut">
               <a:rPr lang="en-US" smtClean="0"/>
-              <a:t>8/11/2019</a:t>
+              <a:t>8/12/2019</a:t>
             </a:fld>
             <a:endParaRPr lang="en-US"/>
           </a:p>
@@ -26396,7 +26510,7 @@
           <a:p>
             <a:fld id="{467B6F40-EC65-4722-BCEC-F5AF12719C12}" type="datetimeFigureOut">
               <a:rPr lang="en-US" smtClean="0"/>
-              <a:t>8/11/2019</a:t>
+              <a:t>8/12/2019</a:t>
             </a:fld>
             <a:endParaRPr lang="en-US"/>
           </a:p>
@@ -26684,7 +26798,7 @@
           <a:p>
             <a:fld id="{467B6F40-EC65-4722-BCEC-F5AF12719C12}" type="datetimeFigureOut">
               <a:rPr lang="en-US" smtClean="0"/>
-              <a:t>8/11/2019</a:t>
+              <a:t>8/12/2019</a:t>
             </a:fld>
             <a:endParaRPr lang="en-US"/>
           </a:p>
@@ -26925,7 +27039,7 @@
           <a:p>
             <a:fld id="{467B6F40-EC65-4722-BCEC-F5AF12719C12}" type="datetimeFigureOut">
               <a:rPr lang="en-US" smtClean="0"/>
-              <a:t>8/11/2019</a:t>
+              <a:t>8/12/2019</a:t>
             </a:fld>
             <a:endParaRPr lang="en-US"/>
           </a:p>
@@ -29182,35 +29296,7 @@
                 <a:latin typeface="Courier New" panose="02070309020205020404" pitchFamily="49" charset="0"/>
                 <a:cs typeface="Courier New" panose="02070309020205020404" pitchFamily="49" charset="0"/>
               </a:rPr>
-              <a:t>=</a:t>
-            </a:r>
-            <a:r>
-              <a:rPr kumimoji="0" lang="en-US" altLang="en-US" sz="1800" b="0" i="0" u="none" strike="noStrike" cap="none" normalizeH="0" baseline="0" dirty="0" err="1">
-                <a:ln>
-                  <a:noFill/>
-                </a:ln>
-                <a:solidFill>
-                  <a:srgbClr val="A9B7C6"/>
-                </a:solidFill>
-                <a:effectLst/>
-                <a:latin typeface="Courier New" panose="02070309020205020404" pitchFamily="49" charset="0"/>
-                <a:cs typeface="Courier New" panose="02070309020205020404" pitchFamily="49" charset="0"/>
-              </a:rPr>
-              <a:t>socket.SOCK_RAW</a:t>
-            </a:r>
-            <a:r>
-              <a:rPr kumimoji="0" lang="en-US" altLang="en-US" sz="1800" b="0" i="0" u="none" strike="noStrike" cap="none" normalizeH="0" baseline="0" dirty="0">
-                <a:ln>
-                  <a:noFill/>
-                </a:ln>
-                <a:solidFill>
-                  <a:srgbClr val="A9B7C6"/>
-                </a:solidFill>
-                <a:effectLst/>
-                <a:latin typeface="Courier New" panose="02070309020205020404" pitchFamily="49" charset="0"/>
-                <a:cs typeface="Courier New" panose="02070309020205020404" pitchFamily="49" charset="0"/>
-              </a:rPr>
-              <a:t>):</a:t>
+              <a:t>=0):</a:t>
             </a:r>
             <a:br>
               <a:rPr kumimoji="0" lang="en-US" altLang="en-US" sz="1800" b="0" i="0" u="none" strike="noStrike" cap="none" normalizeH="0" baseline="0" dirty="0">
@@ -32069,7 +32155,7 @@
             <p:ph idx="1"/>
             <p:extLst>
               <p:ext uri="{D42A27DB-BD31-4B8C-83A1-F6EECF244321}">
-                <p14:modId xmlns:p14="http://schemas.microsoft.com/office/powerpoint/2010/main" val="2301424978"/>
+                <p14:modId xmlns:p14="http://schemas.microsoft.com/office/powerpoint/2010/main" val="3534071919"/>
               </p:ext>
             </p:extLst>
           </p:nvPr>
@@ -39490,7 +39576,14 @@
             <a:pPr lvl="1"/>
             <a:r>
               <a:rPr lang="en-US" altLang="en-US" sz="2000" dirty="0"/>
-              <a:t>5 = source route failed.</a:t>
+              <a:t>5 = source route failed;</a:t>
+            </a:r>
+          </a:p>
+          <a:p>
+            <a:pPr lvl="1"/>
+            <a:r>
+              <a:rPr lang="en-US" altLang="en-US" sz="2000" dirty="0"/>
+              <a:t>And more…</a:t>
             </a:r>
           </a:p>
         </p:txBody>
@@ -45613,7 +45706,7 @@
           <a:p>
             <a:pPr algn="ctr" defTabSz="914400"/>
             <a:r>
-              <a:rPr lang="en-US" sz="5000" kern="1200">
+              <a:rPr lang="en-US" sz="5000" kern="1200" dirty="0">
                 <a:solidFill>
                   <a:schemeClr val="tx1"/>
                 </a:solidFill>
@@ -45661,7 +45754,7 @@
               <a:buNone/>
             </a:pPr>
             <a:r>
-              <a:rPr lang="en-US" sz="2400" kern="1200">
+              <a:rPr lang="en-US" sz="2400" kern="1200" dirty="0">
                 <a:solidFill>
                   <a:schemeClr val="accent1"/>
                 </a:solidFill>
@@ -45669,7 +45762,7 @@
                 <a:ea typeface="+mn-ea"/>
                 <a:cs typeface="+mn-cs"/>
               </a:rPr>
-              <a:t>Example!</a:t>
+              <a:t>Demo!</a:t>
             </a:r>
           </a:p>
         </p:txBody>
@@ -45978,7 +46071,7 @@
               <a:buNone/>
             </a:pPr>
             <a:r>
-              <a:rPr lang="en-US" sz="2400" kern="1200">
+              <a:rPr lang="en-US" sz="2400" kern="1200" dirty="0">
                 <a:solidFill>
                   <a:schemeClr val="accent1"/>
                 </a:solidFill>
@@ -45986,7 +46079,7 @@
                 <a:ea typeface="+mn-ea"/>
                 <a:cs typeface="+mn-cs"/>
               </a:rPr>
-              <a:t>Example!</a:t>
+              <a:t>Demo!</a:t>
             </a:r>
           </a:p>
         </p:txBody>
@@ -46059,432 +46152,6 @@
 </file>
 
 <file path=ppt/slides/slide52.xml><?xml version="1.0" encoding="utf-8"?>
-<p:sld xmlns:a="http://schemas.openxmlformats.org/drawingml/2006/main" xmlns:r="http://schemas.openxmlformats.org/officeDocument/2006/relationships" xmlns:p="http://schemas.openxmlformats.org/presentationml/2006/main">
-  <p:cSld>
-    <p:bg>
-      <p:bgPr>
-        <a:solidFill>
-          <a:srgbClr val="404040"/>
-        </a:solidFill>
-        <a:effectLst/>
-      </p:bgPr>
-    </p:bg>
-    <p:spTree>
-      <p:nvGrpSpPr>
-        <p:cNvPr id="1" name=""/>
-        <p:cNvGrpSpPr/>
-        <p:nvPr/>
-      </p:nvGrpSpPr>
-      <p:grpSpPr>
-        <a:xfrm>
-          <a:off x="0" y="0"/>
-          <a:ext cx="0" cy="0"/>
-          <a:chOff x="0" y="0"/>
-          <a:chExt cx="0" cy="0"/>
-        </a:xfrm>
-      </p:grpSpPr>
-      <p:sp>
-        <p:nvSpPr>
-          <p:cNvPr id="13" name="Rectangle 7">
-            <a:extLst>
-              <a:ext uri="{FF2B5EF4-FFF2-40B4-BE49-F238E27FC236}">
-                <a16:creationId xmlns:a16="http://schemas.microsoft.com/office/drawing/2014/main" id="{EA67B5B4-3A24-436E-B663-1B2EBFF8A0CD}"/>
-              </a:ext>
-              <a:ext uri="{C183D7F6-B498-43B3-948B-1728B52AA6E4}">
-                <adec:decorative xmlns:adec="http://schemas.microsoft.com/office/drawing/2017/decorative" val="1"/>
-              </a:ext>
-            </a:extLst>
-          </p:cNvPr>
-          <p:cNvSpPr>
-            <a:spLocks noGrp="1" noRot="1" noChangeAspect="1" noMove="1" noResize="1" noEditPoints="1" noAdjustHandles="1" noChangeArrowheads="1" noChangeShapeType="1" noTextEdit="1"/>
-          </p:cNvSpPr>
-          <p:nvPr>
-            <p:extLst>
-              <p:ext uri="{386F3935-93C4-4BCD-93E2-E3B085C9AB24}">
-                <p16:designElem xmlns:p16="http://schemas.microsoft.com/office/powerpoint/2015/main" val="1"/>
-              </p:ext>
-            </p:extLst>
-          </p:nvPr>
-        </p:nvSpPr>
-        <p:spPr>
-          <a:xfrm>
-            <a:off x="0" y="-3324"/>
-            <a:ext cx="9144000" cy="6861324"/>
-          </a:xfrm>
-          <a:prstGeom prst="rect">
-            <a:avLst/>
-          </a:prstGeom>
-          <a:solidFill>
-            <a:srgbClr val="404040"/>
-          </a:solidFill>
-          <a:ln>
-            <a:noFill/>
-          </a:ln>
-        </p:spPr>
-        <p:style>
-          <a:lnRef idx="2">
-            <a:schemeClr val="accent1">
-              <a:shade val="50000"/>
-            </a:schemeClr>
-          </a:lnRef>
-          <a:fillRef idx="1">
-            <a:schemeClr val="accent1"/>
-          </a:fillRef>
-          <a:effectRef idx="0">
-            <a:schemeClr val="accent1"/>
-          </a:effectRef>
-          <a:fontRef idx="minor">
-            <a:schemeClr val="lt1"/>
-          </a:fontRef>
-        </p:style>
-        <p:txBody>
-          <a:bodyPr rtlCol="0" anchor="ctr"/>
-          <a:lstStyle/>
-          <a:p>
-            <a:pPr algn="ctr"/>
-            <a:endParaRPr lang="en-US"/>
-          </a:p>
-        </p:txBody>
-      </p:sp>
-      <p:sp>
-        <p:nvSpPr>
-          <p:cNvPr id="14" name="Freeform 13">
-            <a:extLst>
-              <a:ext uri="{FF2B5EF4-FFF2-40B4-BE49-F238E27FC236}">
-                <a16:creationId xmlns:a16="http://schemas.microsoft.com/office/drawing/2014/main" id="{987FDF89-C993-41F4-A1B8-DBAFF16008A9}"/>
-              </a:ext>
-              <a:ext uri="{C183D7F6-B498-43B3-948B-1728B52AA6E4}">
-                <adec:decorative xmlns:adec="http://schemas.microsoft.com/office/drawing/2017/decorative" val="1"/>
-              </a:ext>
-            </a:extLst>
-          </p:cNvPr>
-          <p:cNvSpPr>
-            <a:spLocks noGrp="1" noRot="1" noChangeAspect="1" noMove="1" noResize="1" noEditPoints="1" noAdjustHandles="1" noChangeArrowheads="1" noChangeShapeType="1" noTextEdit="1"/>
-          </p:cNvSpPr>
-          <p:nvPr>
-            <p:extLst>
-              <p:ext uri="{386F3935-93C4-4BCD-93E2-E3B085C9AB24}">
-                <p16:designElem xmlns:p16="http://schemas.microsoft.com/office/powerpoint/2015/main" val="1"/>
-              </p:ext>
-            </p:extLst>
-          </p:nvPr>
-        </p:nvSpPr>
-        <p:spPr>
-          <a:xfrm>
-            <a:off x="0" y="0"/>
-            <a:ext cx="8840065" cy="6858000"/>
-          </a:xfrm>
-          <a:custGeom>
-            <a:avLst/>
-            <a:gdLst>
-              <a:gd name="connsiteX0" fmla="*/ 0 w 11786754"/>
-              <a:gd name="connsiteY0" fmla="*/ 0 h 6858000"/>
-              <a:gd name="connsiteX1" fmla="*/ 8610600 w 11786754"/>
-              <a:gd name="connsiteY1" fmla="*/ 0 h 6858000"/>
-              <a:gd name="connsiteX2" fmla="*/ 11786754 w 11786754"/>
-              <a:gd name="connsiteY2" fmla="*/ 6858000 h 6858000"/>
-              <a:gd name="connsiteX3" fmla="*/ 0 w 11786754"/>
-              <a:gd name="connsiteY3" fmla="*/ 6858000 h 6858000"/>
-            </a:gdLst>
-            <a:ahLst/>
-            <a:cxnLst>
-              <a:cxn ang="0">
-                <a:pos x="connsiteX0" y="connsiteY0"/>
-              </a:cxn>
-              <a:cxn ang="0">
-                <a:pos x="connsiteX1" y="connsiteY1"/>
-              </a:cxn>
-              <a:cxn ang="0">
-                <a:pos x="connsiteX2" y="connsiteY2"/>
-              </a:cxn>
-              <a:cxn ang="0">
-                <a:pos x="connsiteX3" y="connsiteY3"/>
-              </a:cxn>
-            </a:cxnLst>
-            <a:rect l="l" t="t" r="r" b="b"/>
-            <a:pathLst>
-              <a:path w="11786754" h="6858000">
-                <a:moveTo>
-                  <a:pt x="0" y="0"/>
-                </a:moveTo>
-                <a:lnTo>
-                  <a:pt x="8610600" y="0"/>
-                </a:lnTo>
-                <a:lnTo>
-                  <a:pt x="11786754" y="6858000"/>
-                </a:lnTo>
-                <a:lnTo>
-                  <a:pt x="0" y="6858000"/>
-                </a:lnTo>
-                <a:close/>
-              </a:path>
-            </a:pathLst>
-          </a:custGeom>
-          <a:solidFill>
-            <a:srgbClr val="000000">
-              <a:alpha val="29804"/>
-            </a:srgbClr>
-          </a:solidFill>
-          <a:ln>
-            <a:noFill/>
-          </a:ln>
-        </p:spPr>
-        <p:style>
-          <a:lnRef idx="2">
-            <a:schemeClr val="accent1">
-              <a:shade val="50000"/>
-            </a:schemeClr>
-          </a:lnRef>
-          <a:fillRef idx="1">
-            <a:schemeClr val="accent1"/>
-          </a:fillRef>
-          <a:effectRef idx="0">
-            <a:schemeClr val="accent1"/>
-          </a:effectRef>
-          <a:fontRef idx="minor">
-            <a:schemeClr val="lt1"/>
-          </a:fontRef>
-        </p:style>
-        <p:txBody>
-          <a:bodyPr rtlCol="0" anchor="ctr"/>
-          <a:lstStyle/>
-          <a:p>
-            <a:pPr algn="ctr"/>
-            <a:endParaRPr lang="en-US"/>
-          </a:p>
-        </p:txBody>
-      </p:sp>
-      <p:sp>
-        <p:nvSpPr>
-          <p:cNvPr id="12" name="Freeform 11">
-            <a:extLst>
-              <a:ext uri="{FF2B5EF4-FFF2-40B4-BE49-F238E27FC236}">
-                <a16:creationId xmlns:a16="http://schemas.microsoft.com/office/drawing/2014/main" id="{64E585EA-75FD-4025-8270-F66A58A15CDA}"/>
-              </a:ext>
-              <a:ext uri="{C183D7F6-B498-43B3-948B-1728B52AA6E4}">
-                <adec:decorative xmlns:adec="http://schemas.microsoft.com/office/drawing/2017/decorative" val="1"/>
-              </a:ext>
-            </a:extLst>
-          </p:cNvPr>
-          <p:cNvSpPr>
-            <a:spLocks noGrp="1" noRot="1" noChangeAspect="1" noMove="1" noResize="1" noEditPoints="1" noAdjustHandles="1" noChangeArrowheads="1" noChangeShapeType="1" noTextEdit="1"/>
-          </p:cNvSpPr>
-          <p:nvPr>
-            <p:extLst>
-              <p:ext uri="{386F3935-93C4-4BCD-93E2-E3B085C9AB24}">
-                <p16:designElem xmlns:p16="http://schemas.microsoft.com/office/powerpoint/2015/main" val="1"/>
-              </p:ext>
-            </p:extLst>
-          </p:nvPr>
-        </p:nvSpPr>
-        <p:spPr>
-          <a:xfrm>
-            <a:off x="0" y="0"/>
-            <a:ext cx="2686050" cy="6858000"/>
-          </a:xfrm>
-          <a:custGeom>
-            <a:avLst/>
-            <a:gdLst>
-              <a:gd name="connsiteX0" fmla="*/ 0 w 3581400"/>
-              <a:gd name="connsiteY0" fmla="*/ 0 h 6858000"/>
-              <a:gd name="connsiteX1" fmla="*/ 405246 w 3581400"/>
-              <a:gd name="connsiteY1" fmla="*/ 0 h 6858000"/>
-              <a:gd name="connsiteX2" fmla="*/ 3581400 w 3581400"/>
-              <a:gd name="connsiteY2" fmla="*/ 6858000 h 6858000"/>
-              <a:gd name="connsiteX3" fmla="*/ 0 w 3581400"/>
-              <a:gd name="connsiteY3" fmla="*/ 6858000 h 6858000"/>
-            </a:gdLst>
-            <a:ahLst/>
-            <a:cxnLst>
-              <a:cxn ang="0">
-                <a:pos x="connsiteX0" y="connsiteY0"/>
-              </a:cxn>
-              <a:cxn ang="0">
-                <a:pos x="connsiteX1" y="connsiteY1"/>
-              </a:cxn>
-              <a:cxn ang="0">
-                <a:pos x="connsiteX2" y="connsiteY2"/>
-              </a:cxn>
-              <a:cxn ang="0">
-                <a:pos x="connsiteX3" y="connsiteY3"/>
-              </a:cxn>
-            </a:cxnLst>
-            <a:rect l="l" t="t" r="r" b="b"/>
-            <a:pathLst>
-              <a:path w="3581400" h="6858000">
-                <a:moveTo>
-                  <a:pt x="0" y="0"/>
-                </a:moveTo>
-                <a:lnTo>
-                  <a:pt x="405246" y="0"/>
-                </a:lnTo>
-                <a:lnTo>
-                  <a:pt x="3581400" y="6858000"/>
-                </a:lnTo>
-                <a:lnTo>
-                  <a:pt x="0" y="6858000"/>
-                </a:lnTo>
-                <a:close/>
-              </a:path>
-            </a:pathLst>
-          </a:custGeom>
-          <a:solidFill>
-            <a:srgbClr val="000000">
-              <a:alpha val="29804"/>
-            </a:srgbClr>
-          </a:solidFill>
-          <a:ln>
-            <a:noFill/>
-          </a:ln>
-        </p:spPr>
-        <p:style>
-          <a:lnRef idx="2">
-            <a:schemeClr val="accent1">
-              <a:shade val="50000"/>
-            </a:schemeClr>
-          </a:lnRef>
-          <a:fillRef idx="1">
-            <a:schemeClr val="accent1"/>
-          </a:fillRef>
-          <a:effectRef idx="0">
-            <a:schemeClr val="accent1"/>
-          </a:effectRef>
-          <a:fontRef idx="minor">
-            <a:schemeClr val="lt1"/>
-          </a:fontRef>
-        </p:style>
-        <p:txBody>
-          <a:bodyPr wrap="square" rtlCol="0" anchor="ctr">
-            <a:noAutofit/>
-          </a:bodyPr>
-          <a:lstStyle/>
-          <a:p>
-            <a:pPr algn="ctr"/>
-            <a:endParaRPr lang="en-US"/>
-          </a:p>
-        </p:txBody>
-      </p:sp>
-      <p:sp>
-        <p:nvSpPr>
-          <p:cNvPr id="2" name="Title 1">
-            <a:extLst>
-              <a:ext uri="{FF2B5EF4-FFF2-40B4-BE49-F238E27FC236}">
-                <a16:creationId xmlns:a16="http://schemas.microsoft.com/office/drawing/2014/main" id="{A0B268A8-A72C-4737-84E8-60BF2279B7FD}"/>
-              </a:ext>
-            </a:extLst>
-          </p:cNvPr>
-          <p:cNvSpPr>
-            <a:spLocks noGrp="1"/>
-          </p:cNvSpPr>
-          <p:nvPr>
-            <p:ph type="title"/>
-          </p:nvPr>
-        </p:nvSpPr>
-        <p:spPr>
-          <a:xfrm>
-            <a:off x="624751" y="365125"/>
-            <a:ext cx="7890527" cy="1325563"/>
-          </a:xfrm>
-        </p:spPr>
-        <p:txBody>
-          <a:bodyPr>
-            <a:normAutofit/>
-          </a:bodyPr>
-          <a:lstStyle/>
-          <a:p>
-            <a:r>
-              <a:rPr lang="en-US">
-                <a:solidFill>
-                  <a:srgbClr val="FFFFFF"/>
-                </a:solidFill>
-              </a:rPr>
-              <a:t>Anecdotes</a:t>
-            </a:r>
-          </a:p>
-        </p:txBody>
-      </p:sp>
-      <p:sp>
-        <p:nvSpPr>
-          <p:cNvPr id="3" name="Content Placeholder 2">
-            <a:extLst>
-              <a:ext uri="{FF2B5EF4-FFF2-40B4-BE49-F238E27FC236}">
-                <a16:creationId xmlns:a16="http://schemas.microsoft.com/office/drawing/2014/main" id="{B8E511E5-8C11-43E6-BF32-6636DE8670C0}"/>
-              </a:ext>
-            </a:extLst>
-          </p:cNvPr>
-          <p:cNvSpPr>
-            <a:spLocks noGrp="1"/>
-          </p:cNvSpPr>
-          <p:nvPr>
-            <p:ph idx="1"/>
-          </p:nvPr>
-        </p:nvSpPr>
-        <p:spPr>
-          <a:xfrm>
-            <a:off x="628650" y="2022601"/>
-            <a:ext cx="7886699" cy="4154361"/>
-          </a:xfrm>
-        </p:spPr>
-        <p:txBody>
-          <a:bodyPr>
-            <a:normAutofit/>
-          </a:bodyPr>
-          <a:lstStyle/>
-          <a:p>
-            <a:r>
-              <a:rPr lang="en-US" sz="1700">
-                <a:solidFill>
-                  <a:srgbClr val="FFFFFF"/>
-                </a:solidFill>
-              </a:rPr>
-              <a:t>Traceroute </a:t>
-            </a:r>
-          </a:p>
-          <a:p>
-            <a:pPr lvl="1"/>
-            <a:r>
-              <a:rPr lang="en-US" sz="1700">
-                <a:solidFill>
-                  <a:srgbClr val="FFFFFF"/>
-                </a:solidFill>
-              </a:rPr>
-              <a:t>On Linux uses UDP</a:t>
-            </a:r>
-          </a:p>
-          <a:p>
-            <a:pPr lvl="1"/>
-            <a:r>
-              <a:rPr lang="en-US" sz="1700">
-                <a:solidFill>
-                  <a:srgbClr val="FFFFFF"/>
-                </a:solidFill>
-              </a:rPr>
-              <a:t>On windows ICMP</a:t>
-            </a:r>
-          </a:p>
-          <a:p>
-            <a:endParaRPr lang="en-US" sz="1700">
-              <a:solidFill>
-                <a:srgbClr val="FFFFFF"/>
-              </a:solidFill>
-            </a:endParaRPr>
-          </a:p>
-        </p:txBody>
-      </p:sp>
-    </p:spTree>
-    <p:extLst>
-      <p:ext uri="{BB962C8B-B14F-4D97-AF65-F5344CB8AC3E}">
-        <p14:creationId xmlns:p14="http://schemas.microsoft.com/office/powerpoint/2010/main" val="693299386"/>
-      </p:ext>
-    </p:extLst>
-  </p:cSld>
-  <p:clrMapOvr>
-    <a:overrideClrMapping bg1="dk1" tx1="lt1" bg2="dk2" tx2="lt2" accent1="accent1" accent2="accent2" accent3="accent3" accent4="accent4" accent5="accent5" accent6="accent6" hlink="hlink" folHlink="folHlink"/>
-  </p:clrMapOvr>
-</p:sld>
-</file>
-
-<file path=ppt/slides/slide53.xml><?xml version="1.0" encoding="utf-8"?>
 <p:sld xmlns:a="http://schemas.openxmlformats.org/drawingml/2006/main" xmlns:r="http://schemas.openxmlformats.org/officeDocument/2006/relationships" xmlns:p="http://schemas.openxmlformats.org/presentationml/2006/main">
   <p:cSld>
     <p:bg>
